--- a/사진.pptx
+++ b/사진.pptx
@@ -4253,6 +4253,56 @@
           </a:p>
         </p:txBody>
       </p:sp>
+      <p:sp>
+        <p:nvSpPr>
+          <p:cNvPr id="2" name="직사각형 1">
+            <a:extLst>
+              <a:ext uri="{FF2B5EF4-FFF2-40B4-BE49-F238E27FC236}">
+                <a16:creationId xmlns:a16="http://schemas.microsoft.com/office/drawing/2014/main" id="{32818E56-D655-4BDC-99ED-71FDD48E7378}"/>
+              </a:ext>
+            </a:extLst>
+          </p:cNvPr>
+          <p:cNvSpPr/>
+          <p:nvPr/>
+        </p:nvSpPr>
+        <p:spPr>
+          <a:xfrm>
+            <a:off x="4119465" y="1452465"/>
+            <a:ext cx="3953069" cy="3953070"/>
+          </a:xfrm>
+          <a:prstGeom prst="rect">
+            <a:avLst/>
+          </a:prstGeom>
+          <a:noFill/>
+          <a:ln>
+            <a:noFill/>
+          </a:ln>
+        </p:spPr>
+        <p:style>
+          <a:lnRef idx="2">
+            <a:schemeClr val="accent1">
+              <a:shade val="50000"/>
+            </a:schemeClr>
+          </a:lnRef>
+          <a:fillRef idx="1">
+            <a:schemeClr val="accent1"/>
+          </a:fillRef>
+          <a:effectRef idx="0">
+            <a:schemeClr val="accent1"/>
+          </a:effectRef>
+          <a:fontRef idx="minor">
+            <a:schemeClr val="lt1"/>
+          </a:fontRef>
+        </p:style>
+        <p:txBody>
+          <a:bodyPr rtlCol="0" anchor="ctr"/>
+          <a:lstStyle/>
+          <a:p>
+            <a:pPr algn="ctr"/>
+            <a:endParaRPr lang="ko-KR" altLang="en-US"/>
+          </a:p>
+        </p:txBody>
+      </p:sp>
     </p:spTree>
     <p:extLst>
       <p:ext uri="{BB962C8B-B14F-4D97-AF65-F5344CB8AC3E}">
@@ -4850,6 +4900,56 @@
           </a:fontRef>
         </p:style>
       </p:cxnSp>
+      <p:sp>
+        <p:nvSpPr>
+          <p:cNvPr id="11" name="직사각형 10">
+            <a:extLst>
+              <a:ext uri="{FF2B5EF4-FFF2-40B4-BE49-F238E27FC236}">
+                <a16:creationId xmlns:a16="http://schemas.microsoft.com/office/drawing/2014/main" id="{5BD7ED08-1785-4359-8434-C96AA3BDE70A}"/>
+              </a:ext>
+            </a:extLst>
+          </p:cNvPr>
+          <p:cNvSpPr/>
+          <p:nvPr/>
+        </p:nvSpPr>
+        <p:spPr>
+          <a:xfrm>
+            <a:off x="4119465" y="1452465"/>
+            <a:ext cx="3953069" cy="3953070"/>
+          </a:xfrm>
+          <a:prstGeom prst="rect">
+            <a:avLst/>
+          </a:prstGeom>
+          <a:noFill/>
+          <a:ln>
+            <a:noFill/>
+          </a:ln>
+        </p:spPr>
+        <p:style>
+          <a:lnRef idx="2">
+            <a:schemeClr val="accent1">
+              <a:shade val="50000"/>
+            </a:schemeClr>
+          </a:lnRef>
+          <a:fillRef idx="1">
+            <a:schemeClr val="accent1"/>
+          </a:fillRef>
+          <a:effectRef idx="0">
+            <a:schemeClr val="accent1"/>
+          </a:effectRef>
+          <a:fontRef idx="minor">
+            <a:schemeClr val="lt1"/>
+          </a:fontRef>
+        </p:style>
+        <p:txBody>
+          <a:bodyPr rtlCol="0" anchor="ctr"/>
+          <a:lstStyle/>
+          <a:p>
+            <a:pPr algn="ctr"/>
+            <a:endParaRPr lang="ko-KR" altLang="en-US"/>
+          </a:p>
+        </p:txBody>
+      </p:sp>
     </p:spTree>
     <p:extLst>
       <p:ext uri="{BB962C8B-B14F-4D97-AF65-F5344CB8AC3E}">
@@ -5494,6 +5594,56 @@
           </a:fontRef>
         </p:style>
       </p:cxnSp>
+      <p:sp>
+        <p:nvSpPr>
+          <p:cNvPr id="12" name="직사각형 11">
+            <a:extLst>
+              <a:ext uri="{FF2B5EF4-FFF2-40B4-BE49-F238E27FC236}">
+                <a16:creationId xmlns:a16="http://schemas.microsoft.com/office/drawing/2014/main" id="{FD5CDF20-C2FF-46CA-B32E-32EB05310C85}"/>
+              </a:ext>
+            </a:extLst>
+          </p:cNvPr>
+          <p:cNvSpPr/>
+          <p:nvPr/>
+        </p:nvSpPr>
+        <p:spPr>
+          <a:xfrm>
+            <a:off x="4119465" y="1452465"/>
+            <a:ext cx="3953069" cy="3953070"/>
+          </a:xfrm>
+          <a:prstGeom prst="rect">
+            <a:avLst/>
+          </a:prstGeom>
+          <a:noFill/>
+          <a:ln>
+            <a:noFill/>
+          </a:ln>
+        </p:spPr>
+        <p:style>
+          <a:lnRef idx="2">
+            <a:schemeClr val="accent1">
+              <a:shade val="50000"/>
+            </a:schemeClr>
+          </a:lnRef>
+          <a:fillRef idx="1">
+            <a:schemeClr val="accent1"/>
+          </a:fillRef>
+          <a:effectRef idx="0">
+            <a:schemeClr val="accent1"/>
+          </a:effectRef>
+          <a:fontRef idx="minor">
+            <a:schemeClr val="lt1"/>
+          </a:fontRef>
+        </p:style>
+        <p:txBody>
+          <a:bodyPr rtlCol="0" anchor="ctr"/>
+          <a:lstStyle/>
+          <a:p>
+            <a:pPr algn="ctr"/>
+            <a:endParaRPr lang="ko-KR" altLang="en-US"/>
+          </a:p>
+        </p:txBody>
+      </p:sp>
     </p:spTree>
     <p:extLst>
       <p:ext uri="{BB962C8B-B14F-4D97-AF65-F5344CB8AC3E}">
@@ -6184,6 +6334,56 @@
           </a:fontRef>
         </p:style>
       </p:cxnSp>
+      <p:sp>
+        <p:nvSpPr>
+          <p:cNvPr id="16" name="직사각형 15">
+            <a:extLst>
+              <a:ext uri="{FF2B5EF4-FFF2-40B4-BE49-F238E27FC236}">
+                <a16:creationId xmlns:a16="http://schemas.microsoft.com/office/drawing/2014/main" id="{8D2D1BF8-D1E2-492B-8EC9-962E081CC852}"/>
+              </a:ext>
+            </a:extLst>
+          </p:cNvPr>
+          <p:cNvSpPr/>
+          <p:nvPr/>
+        </p:nvSpPr>
+        <p:spPr>
+          <a:xfrm>
+            <a:off x="4119465" y="1452465"/>
+            <a:ext cx="3953069" cy="3953070"/>
+          </a:xfrm>
+          <a:prstGeom prst="rect">
+            <a:avLst/>
+          </a:prstGeom>
+          <a:noFill/>
+          <a:ln>
+            <a:noFill/>
+          </a:ln>
+        </p:spPr>
+        <p:style>
+          <a:lnRef idx="2">
+            <a:schemeClr val="accent1">
+              <a:shade val="50000"/>
+            </a:schemeClr>
+          </a:lnRef>
+          <a:fillRef idx="1">
+            <a:schemeClr val="accent1"/>
+          </a:fillRef>
+          <a:effectRef idx="0">
+            <a:schemeClr val="accent1"/>
+          </a:effectRef>
+          <a:fontRef idx="minor">
+            <a:schemeClr val="lt1"/>
+          </a:fontRef>
+        </p:style>
+        <p:txBody>
+          <a:bodyPr rtlCol="0" anchor="ctr"/>
+          <a:lstStyle/>
+          <a:p>
+            <a:pPr algn="ctr"/>
+            <a:endParaRPr lang="ko-KR" altLang="en-US"/>
+          </a:p>
+        </p:txBody>
+      </p:sp>
     </p:spTree>
     <p:extLst>
       <p:ext uri="{BB962C8B-B14F-4D97-AF65-F5344CB8AC3E}">
@@ -7726,6 +7926,56 @@
           </a:fontRef>
         </p:style>
       </p:cxnSp>
+      <p:sp>
+        <p:nvSpPr>
+          <p:cNvPr id="28" name="직사각형 27">
+            <a:extLst>
+              <a:ext uri="{FF2B5EF4-FFF2-40B4-BE49-F238E27FC236}">
+                <a16:creationId xmlns:a16="http://schemas.microsoft.com/office/drawing/2014/main" id="{0A495CF1-9F5D-4FED-A08A-7DD073C96316}"/>
+              </a:ext>
+            </a:extLst>
+          </p:cNvPr>
+          <p:cNvSpPr/>
+          <p:nvPr/>
+        </p:nvSpPr>
+        <p:spPr>
+          <a:xfrm>
+            <a:off x="2594447" y="1452465"/>
+            <a:ext cx="7003104" cy="3953070"/>
+          </a:xfrm>
+          <a:prstGeom prst="rect">
+            <a:avLst/>
+          </a:prstGeom>
+          <a:noFill/>
+          <a:ln>
+            <a:noFill/>
+          </a:ln>
+        </p:spPr>
+        <p:style>
+          <a:lnRef idx="2">
+            <a:schemeClr val="accent1">
+              <a:shade val="50000"/>
+            </a:schemeClr>
+          </a:lnRef>
+          <a:fillRef idx="1">
+            <a:schemeClr val="accent1"/>
+          </a:fillRef>
+          <a:effectRef idx="0">
+            <a:schemeClr val="accent1"/>
+          </a:effectRef>
+          <a:fontRef idx="minor">
+            <a:schemeClr val="lt1"/>
+          </a:fontRef>
+        </p:style>
+        <p:txBody>
+          <a:bodyPr rtlCol="0" anchor="ctr"/>
+          <a:lstStyle/>
+          <a:p>
+            <a:pPr algn="ctr"/>
+            <a:endParaRPr lang="ko-KR" altLang="en-US"/>
+          </a:p>
+        </p:txBody>
+      </p:sp>
     </p:spTree>
     <p:extLst>
       <p:ext uri="{BB962C8B-B14F-4D97-AF65-F5344CB8AC3E}">

--- a/사진.pptx
+++ b/사진.pptx
@@ -5,7 +5,7 @@
     <p:sldMasterId id="2147483648" r:id="rId1"/>
   </p:sldMasterIdLst>
   <p:notesMasterIdLst>
-    <p:notesMasterId r:id="rId7"/>
+    <p:notesMasterId r:id="rId20"/>
   </p:notesMasterIdLst>
   <p:sldIdLst>
     <p:sldId id="271" r:id="rId2"/>
@@ -13,6 +13,19 @@
     <p:sldId id="273" r:id="rId4"/>
     <p:sldId id="274" r:id="rId5"/>
     <p:sldId id="275" r:id="rId6"/>
+    <p:sldId id="276" r:id="rId7"/>
+    <p:sldId id="277" r:id="rId8"/>
+    <p:sldId id="278" r:id="rId9"/>
+    <p:sldId id="279" r:id="rId10"/>
+    <p:sldId id="280" r:id="rId11"/>
+    <p:sldId id="281" r:id="rId12"/>
+    <p:sldId id="282" r:id="rId13"/>
+    <p:sldId id="283" r:id="rId14"/>
+    <p:sldId id="284" r:id="rId15"/>
+    <p:sldId id="285" r:id="rId16"/>
+    <p:sldId id="286" r:id="rId17"/>
+    <p:sldId id="287" r:id="rId18"/>
+    <p:sldId id="288" r:id="rId19"/>
   </p:sldIdLst>
   <p:sldSz cx="12192000" cy="6858000"/>
   <p:notesSz cx="6858000" cy="9144000"/>
@@ -201,7 +214,7 @@
           <a:p>
             <a:fld id="{C4873304-7CC2-49A0-BE74-ACC0A9BBD974}" type="datetimeFigureOut">
               <a:rPr lang="ko-KR" altLang="en-US" smtClean="0"/>
-              <a:t>2021-07-29</a:t>
+              <a:t>2021-07-30</a:t>
             </a:fld>
             <a:endParaRPr lang="ko-KR" altLang="en-US"/>
           </a:p>
@@ -493,6 +506,276 @@
 </p:notes>
 </file>
 
+<file path=ppt/notesSlides/notesSlide10.xml><?xml version="1.0" encoding="utf-8"?>
+<p:notes xmlns:a="http://schemas.openxmlformats.org/drawingml/2006/main" xmlns:r="http://schemas.openxmlformats.org/officeDocument/2006/relationships" xmlns:p="http://schemas.openxmlformats.org/presentationml/2006/main">
+  <p:cSld>
+    <p:spTree>
+      <p:nvGrpSpPr>
+        <p:cNvPr id="1" name=""/>
+        <p:cNvGrpSpPr/>
+        <p:nvPr/>
+      </p:nvGrpSpPr>
+      <p:grpSpPr>
+        <a:xfrm>
+          <a:off x="0" y="0"/>
+          <a:ext cx="0" cy="0"/>
+          <a:chOff x="0" y="0"/>
+          <a:chExt cx="0" cy="0"/>
+        </a:xfrm>
+      </p:grpSpPr>
+    </p:spTree>
+    <p:extLst>
+      <p:ext uri="{BB962C8B-B14F-4D97-AF65-F5344CB8AC3E}">
+        <p14:creationId xmlns:p14="http://schemas.microsoft.com/office/powerpoint/2010/main" val="3314117063"/>
+      </p:ext>
+    </p:extLst>
+  </p:cSld>
+  <p:clrMapOvr>
+    <a:masterClrMapping/>
+  </p:clrMapOvr>
+</p:notes>
+</file>
+
+<file path=ppt/notesSlides/notesSlide11.xml><?xml version="1.0" encoding="utf-8"?>
+<p:notes xmlns:a="http://schemas.openxmlformats.org/drawingml/2006/main" xmlns:r="http://schemas.openxmlformats.org/officeDocument/2006/relationships" xmlns:p="http://schemas.openxmlformats.org/presentationml/2006/main">
+  <p:cSld>
+    <p:spTree>
+      <p:nvGrpSpPr>
+        <p:cNvPr id="1" name=""/>
+        <p:cNvGrpSpPr/>
+        <p:nvPr/>
+      </p:nvGrpSpPr>
+      <p:grpSpPr>
+        <a:xfrm>
+          <a:off x="0" y="0"/>
+          <a:ext cx="0" cy="0"/>
+          <a:chOff x="0" y="0"/>
+          <a:chExt cx="0" cy="0"/>
+        </a:xfrm>
+      </p:grpSpPr>
+    </p:spTree>
+    <p:extLst>
+      <p:ext uri="{BB962C8B-B14F-4D97-AF65-F5344CB8AC3E}">
+        <p14:creationId xmlns:p14="http://schemas.microsoft.com/office/powerpoint/2010/main" val="1981366070"/>
+      </p:ext>
+    </p:extLst>
+  </p:cSld>
+  <p:clrMapOvr>
+    <a:masterClrMapping/>
+  </p:clrMapOvr>
+</p:notes>
+</file>
+
+<file path=ppt/notesSlides/notesSlide12.xml><?xml version="1.0" encoding="utf-8"?>
+<p:notes xmlns:a="http://schemas.openxmlformats.org/drawingml/2006/main" xmlns:r="http://schemas.openxmlformats.org/officeDocument/2006/relationships" xmlns:p="http://schemas.openxmlformats.org/presentationml/2006/main">
+  <p:cSld>
+    <p:spTree>
+      <p:nvGrpSpPr>
+        <p:cNvPr id="1" name=""/>
+        <p:cNvGrpSpPr/>
+        <p:nvPr/>
+      </p:nvGrpSpPr>
+      <p:grpSpPr>
+        <a:xfrm>
+          <a:off x="0" y="0"/>
+          <a:ext cx="0" cy="0"/>
+          <a:chOff x="0" y="0"/>
+          <a:chExt cx="0" cy="0"/>
+        </a:xfrm>
+      </p:grpSpPr>
+    </p:spTree>
+    <p:extLst>
+      <p:ext uri="{BB962C8B-B14F-4D97-AF65-F5344CB8AC3E}">
+        <p14:creationId xmlns:p14="http://schemas.microsoft.com/office/powerpoint/2010/main" val="406994839"/>
+      </p:ext>
+    </p:extLst>
+  </p:cSld>
+  <p:clrMapOvr>
+    <a:masterClrMapping/>
+  </p:clrMapOvr>
+</p:notes>
+</file>
+
+<file path=ppt/notesSlides/notesSlide13.xml><?xml version="1.0" encoding="utf-8"?>
+<p:notes xmlns:a="http://schemas.openxmlformats.org/drawingml/2006/main" xmlns:r="http://schemas.openxmlformats.org/officeDocument/2006/relationships" xmlns:p="http://schemas.openxmlformats.org/presentationml/2006/main">
+  <p:cSld>
+    <p:spTree>
+      <p:nvGrpSpPr>
+        <p:cNvPr id="1" name=""/>
+        <p:cNvGrpSpPr/>
+        <p:nvPr/>
+      </p:nvGrpSpPr>
+      <p:grpSpPr>
+        <a:xfrm>
+          <a:off x="0" y="0"/>
+          <a:ext cx="0" cy="0"/>
+          <a:chOff x="0" y="0"/>
+          <a:chExt cx="0" cy="0"/>
+        </a:xfrm>
+      </p:grpSpPr>
+    </p:spTree>
+    <p:extLst>
+      <p:ext uri="{BB962C8B-B14F-4D97-AF65-F5344CB8AC3E}">
+        <p14:creationId xmlns:p14="http://schemas.microsoft.com/office/powerpoint/2010/main" val="1094500882"/>
+      </p:ext>
+    </p:extLst>
+  </p:cSld>
+  <p:clrMapOvr>
+    <a:masterClrMapping/>
+  </p:clrMapOvr>
+</p:notes>
+</file>
+
+<file path=ppt/notesSlides/notesSlide14.xml><?xml version="1.0" encoding="utf-8"?>
+<p:notes xmlns:a="http://schemas.openxmlformats.org/drawingml/2006/main" xmlns:r="http://schemas.openxmlformats.org/officeDocument/2006/relationships" xmlns:p="http://schemas.openxmlformats.org/presentationml/2006/main">
+  <p:cSld>
+    <p:spTree>
+      <p:nvGrpSpPr>
+        <p:cNvPr id="1" name=""/>
+        <p:cNvGrpSpPr/>
+        <p:nvPr/>
+      </p:nvGrpSpPr>
+      <p:grpSpPr>
+        <a:xfrm>
+          <a:off x="0" y="0"/>
+          <a:ext cx="0" cy="0"/>
+          <a:chOff x="0" y="0"/>
+          <a:chExt cx="0" cy="0"/>
+        </a:xfrm>
+      </p:grpSpPr>
+    </p:spTree>
+    <p:extLst>
+      <p:ext uri="{BB962C8B-B14F-4D97-AF65-F5344CB8AC3E}">
+        <p14:creationId xmlns:p14="http://schemas.microsoft.com/office/powerpoint/2010/main" val="1919549347"/>
+      </p:ext>
+    </p:extLst>
+  </p:cSld>
+  <p:clrMapOvr>
+    <a:masterClrMapping/>
+  </p:clrMapOvr>
+</p:notes>
+</file>
+
+<file path=ppt/notesSlides/notesSlide15.xml><?xml version="1.0" encoding="utf-8"?>
+<p:notes xmlns:a="http://schemas.openxmlformats.org/drawingml/2006/main" xmlns:r="http://schemas.openxmlformats.org/officeDocument/2006/relationships" xmlns:p="http://schemas.openxmlformats.org/presentationml/2006/main">
+  <p:cSld>
+    <p:spTree>
+      <p:nvGrpSpPr>
+        <p:cNvPr id="1" name=""/>
+        <p:cNvGrpSpPr/>
+        <p:nvPr/>
+      </p:nvGrpSpPr>
+      <p:grpSpPr>
+        <a:xfrm>
+          <a:off x="0" y="0"/>
+          <a:ext cx="0" cy="0"/>
+          <a:chOff x="0" y="0"/>
+          <a:chExt cx="0" cy="0"/>
+        </a:xfrm>
+      </p:grpSpPr>
+    </p:spTree>
+    <p:extLst>
+      <p:ext uri="{BB962C8B-B14F-4D97-AF65-F5344CB8AC3E}">
+        <p14:creationId xmlns:p14="http://schemas.microsoft.com/office/powerpoint/2010/main" val="816080865"/>
+      </p:ext>
+    </p:extLst>
+  </p:cSld>
+  <p:clrMapOvr>
+    <a:masterClrMapping/>
+  </p:clrMapOvr>
+</p:notes>
+</file>
+
+<file path=ppt/notesSlides/notesSlide16.xml><?xml version="1.0" encoding="utf-8"?>
+<p:notes xmlns:a="http://schemas.openxmlformats.org/drawingml/2006/main" xmlns:r="http://schemas.openxmlformats.org/officeDocument/2006/relationships" xmlns:p="http://schemas.openxmlformats.org/presentationml/2006/main">
+  <p:cSld>
+    <p:spTree>
+      <p:nvGrpSpPr>
+        <p:cNvPr id="1" name=""/>
+        <p:cNvGrpSpPr/>
+        <p:nvPr/>
+      </p:nvGrpSpPr>
+      <p:grpSpPr>
+        <a:xfrm>
+          <a:off x="0" y="0"/>
+          <a:ext cx="0" cy="0"/>
+          <a:chOff x="0" y="0"/>
+          <a:chExt cx="0" cy="0"/>
+        </a:xfrm>
+      </p:grpSpPr>
+    </p:spTree>
+    <p:extLst>
+      <p:ext uri="{BB962C8B-B14F-4D97-AF65-F5344CB8AC3E}">
+        <p14:creationId xmlns:p14="http://schemas.microsoft.com/office/powerpoint/2010/main" val="2059944958"/>
+      </p:ext>
+    </p:extLst>
+  </p:cSld>
+  <p:clrMapOvr>
+    <a:masterClrMapping/>
+  </p:clrMapOvr>
+</p:notes>
+</file>
+
+<file path=ppt/notesSlides/notesSlide17.xml><?xml version="1.0" encoding="utf-8"?>
+<p:notes xmlns:a="http://schemas.openxmlformats.org/drawingml/2006/main" xmlns:r="http://schemas.openxmlformats.org/officeDocument/2006/relationships" xmlns:p="http://schemas.openxmlformats.org/presentationml/2006/main">
+  <p:cSld>
+    <p:spTree>
+      <p:nvGrpSpPr>
+        <p:cNvPr id="1" name=""/>
+        <p:cNvGrpSpPr/>
+        <p:nvPr/>
+      </p:nvGrpSpPr>
+      <p:grpSpPr>
+        <a:xfrm>
+          <a:off x="0" y="0"/>
+          <a:ext cx="0" cy="0"/>
+          <a:chOff x="0" y="0"/>
+          <a:chExt cx="0" cy="0"/>
+        </a:xfrm>
+      </p:grpSpPr>
+    </p:spTree>
+    <p:extLst>
+      <p:ext uri="{BB962C8B-B14F-4D97-AF65-F5344CB8AC3E}">
+        <p14:creationId xmlns:p14="http://schemas.microsoft.com/office/powerpoint/2010/main" val="262835409"/>
+      </p:ext>
+    </p:extLst>
+  </p:cSld>
+  <p:clrMapOvr>
+    <a:masterClrMapping/>
+  </p:clrMapOvr>
+</p:notes>
+</file>
+
+<file path=ppt/notesSlides/notesSlide18.xml><?xml version="1.0" encoding="utf-8"?>
+<p:notes xmlns:a="http://schemas.openxmlformats.org/drawingml/2006/main" xmlns:r="http://schemas.openxmlformats.org/officeDocument/2006/relationships" xmlns:p="http://schemas.openxmlformats.org/presentationml/2006/main">
+  <p:cSld>
+    <p:spTree>
+      <p:nvGrpSpPr>
+        <p:cNvPr id="1" name=""/>
+        <p:cNvGrpSpPr/>
+        <p:nvPr/>
+      </p:nvGrpSpPr>
+      <p:grpSpPr>
+        <a:xfrm>
+          <a:off x="0" y="0"/>
+          <a:ext cx="0" cy="0"/>
+          <a:chOff x="0" y="0"/>
+          <a:chExt cx="0" cy="0"/>
+        </a:xfrm>
+      </p:grpSpPr>
+    </p:spTree>
+    <p:extLst>
+      <p:ext uri="{BB962C8B-B14F-4D97-AF65-F5344CB8AC3E}">
+        <p14:creationId xmlns:p14="http://schemas.microsoft.com/office/powerpoint/2010/main" val="4183960054"/>
+      </p:ext>
+    </p:extLst>
+  </p:cSld>
+  <p:clrMapOvr>
+    <a:masterClrMapping/>
+  </p:clrMapOvr>
+</p:notes>
+</file>
+
 <file path=ppt/notesSlides/notesSlide2.xml><?xml version="1.0" encoding="utf-8"?>
 <p:notes xmlns:a="http://schemas.openxmlformats.org/drawingml/2006/main" xmlns:r="http://schemas.openxmlformats.org/officeDocument/2006/relationships" xmlns:p="http://schemas.openxmlformats.org/presentationml/2006/main">
   <p:cSld>
@@ -613,6 +896,126 @@
 </p:notes>
 </file>
 
+<file path=ppt/notesSlides/notesSlide6.xml><?xml version="1.0" encoding="utf-8"?>
+<p:notes xmlns:a="http://schemas.openxmlformats.org/drawingml/2006/main" xmlns:r="http://schemas.openxmlformats.org/officeDocument/2006/relationships" xmlns:p="http://schemas.openxmlformats.org/presentationml/2006/main">
+  <p:cSld>
+    <p:spTree>
+      <p:nvGrpSpPr>
+        <p:cNvPr id="1" name=""/>
+        <p:cNvGrpSpPr/>
+        <p:nvPr/>
+      </p:nvGrpSpPr>
+      <p:grpSpPr>
+        <a:xfrm>
+          <a:off x="0" y="0"/>
+          <a:ext cx="0" cy="0"/>
+          <a:chOff x="0" y="0"/>
+          <a:chExt cx="0" cy="0"/>
+        </a:xfrm>
+      </p:grpSpPr>
+    </p:spTree>
+    <p:extLst>
+      <p:ext uri="{BB962C8B-B14F-4D97-AF65-F5344CB8AC3E}">
+        <p14:creationId xmlns:p14="http://schemas.microsoft.com/office/powerpoint/2010/main" val="3520456237"/>
+      </p:ext>
+    </p:extLst>
+  </p:cSld>
+  <p:clrMapOvr>
+    <a:masterClrMapping/>
+  </p:clrMapOvr>
+</p:notes>
+</file>
+
+<file path=ppt/notesSlides/notesSlide7.xml><?xml version="1.0" encoding="utf-8"?>
+<p:notes xmlns:a="http://schemas.openxmlformats.org/drawingml/2006/main" xmlns:r="http://schemas.openxmlformats.org/officeDocument/2006/relationships" xmlns:p="http://schemas.openxmlformats.org/presentationml/2006/main">
+  <p:cSld>
+    <p:spTree>
+      <p:nvGrpSpPr>
+        <p:cNvPr id="1" name=""/>
+        <p:cNvGrpSpPr/>
+        <p:nvPr/>
+      </p:nvGrpSpPr>
+      <p:grpSpPr>
+        <a:xfrm>
+          <a:off x="0" y="0"/>
+          <a:ext cx="0" cy="0"/>
+          <a:chOff x="0" y="0"/>
+          <a:chExt cx="0" cy="0"/>
+        </a:xfrm>
+      </p:grpSpPr>
+    </p:spTree>
+    <p:extLst>
+      <p:ext uri="{BB962C8B-B14F-4D97-AF65-F5344CB8AC3E}">
+        <p14:creationId xmlns:p14="http://schemas.microsoft.com/office/powerpoint/2010/main" val="1645208008"/>
+      </p:ext>
+    </p:extLst>
+  </p:cSld>
+  <p:clrMapOvr>
+    <a:masterClrMapping/>
+  </p:clrMapOvr>
+</p:notes>
+</file>
+
+<file path=ppt/notesSlides/notesSlide8.xml><?xml version="1.0" encoding="utf-8"?>
+<p:notes xmlns:a="http://schemas.openxmlformats.org/drawingml/2006/main" xmlns:r="http://schemas.openxmlformats.org/officeDocument/2006/relationships" xmlns:p="http://schemas.openxmlformats.org/presentationml/2006/main">
+  <p:cSld>
+    <p:spTree>
+      <p:nvGrpSpPr>
+        <p:cNvPr id="1" name=""/>
+        <p:cNvGrpSpPr/>
+        <p:nvPr/>
+      </p:nvGrpSpPr>
+      <p:grpSpPr>
+        <a:xfrm>
+          <a:off x="0" y="0"/>
+          <a:ext cx="0" cy="0"/>
+          <a:chOff x="0" y="0"/>
+          <a:chExt cx="0" cy="0"/>
+        </a:xfrm>
+      </p:grpSpPr>
+    </p:spTree>
+    <p:extLst>
+      <p:ext uri="{BB962C8B-B14F-4D97-AF65-F5344CB8AC3E}">
+        <p14:creationId xmlns:p14="http://schemas.microsoft.com/office/powerpoint/2010/main" val="3906145636"/>
+      </p:ext>
+    </p:extLst>
+  </p:cSld>
+  <p:clrMapOvr>
+    <a:masterClrMapping/>
+  </p:clrMapOvr>
+</p:notes>
+</file>
+
+<file path=ppt/notesSlides/notesSlide9.xml><?xml version="1.0" encoding="utf-8"?>
+<p:notes xmlns:a="http://schemas.openxmlformats.org/drawingml/2006/main" xmlns:r="http://schemas.openxmlformats.org/officeDocument/2006/relationships" xmlns:p="http://schemas.openxmlformats.org/presentationml/2006/main">
+  <p:cSld>
+    <p:spTree>
+      <p:nvGrpSpPr>
+        <p:cNvPr id="1" name=""/>
+        <p:cNvGrpSpPr/>
+        <p:nvPr/>
+      </p:nvGrpSpPr>
+      <p:grpSpPr>
+        <a:xfrm>
+          <a:off x="0" y="0"/>
+          <a:ext cx="0" cy="0"/>
+          <a:chOff x="0" y="0"/>
+          <a:chExt cx="0" cy="0"/>
+        </a:xfrm>
+      </p:grpSpPr>
+    </p:spTree>
+    <p:extLst>
+      <p:ext uri="{BB962C8B-B14F-4D97-AF65-F5344CB8AC3E}">
+        <p14:creationId xmlns:p14="http://schemas.microsoft.com/office/powerpoint/2010/main" val="1555683960"/>
+      </p:ext>
+    </p:extLst>
+  </p:cSld>
+  <p:clrMapOvr>
+    <a:masterClrMapping/>
+  </p:clrMapOvr>
+</p:notes>
+</file>
+
 <file path=ppt/slideLayouts/slideLayout1.xml><?xml version="1.0" encoding="utf-8"?>
 <p:sldLayout xmlns:a="http://schemas.openxmlformats.org/drawingml/2006/main" xmlns:r="http://schemas.openxmlformats.org/officeDocument/2006/relationships" xmlns:p="http://schemas.openxmlformats.org/presentationml/2006/main" type="title" preserve="1">
   <p:cSld name="제목 슬라이드">
@@ -760,7 +1163,7 @@
           <a:p>
             <a:fld id="{14627BA5-89F0-4976-B806-5D98EF5704F2}" type="datetimeFigureOut">
               <a:rPr lang="ko-KR" altLang="en-US" smtClean="0"/>
-              <a:t>2021-07-29</a:t>
+              <a:t>2021-07-30</a:t>
             </a:fld>
             <a:endParaRPr lang="ko-KR" altLang="en-US"/>
           </a:p>
@@ -958,7 +1361,7 @@
           <a:p>
             <a:fld id="{14627BA5-89F0-4976-B806-5D98EF5704F2}" type="datetimeFigureOut">
               <a:rPr lang="ko-KR" altLang="en-US" smtClean="0"/>
-              <a:t>2021-07-29</a:t>
+              <a:t>2021-07-30</a:t>
             </a:fld>
             <a:endParaRPr lang="ko-KR" altLang="en-US"/>
           </a:p>
@@ -1166,7 +1569,7 @@
           <a:p>
             <a:fld id="{14627BA5-89F0-4976-B806-5D98EF5704F2}" type="datetimeFigureOut">
               <a:rPr lang="ko-KR" altLang="en-US" smtClean="0"/>
-              <a:t>2021-07-29</a:t>
+              <a:t>2021-07-30</a:t>
             </a:fld>
             <a:endParaRPr lang="ko-KR" altLang="en-US"/>
           </a:p>
@@ -1364,7 +1767,7 @@
           <a:p>
             <a:fld id="{14627BA5-89F0-4976-B806-5D98EF5704F2}" type="datetimeFigureOut">
               <a:rPr lang="ko-KR" altLang="en-US" smtClean="0"/>
-              <a:t>2021-07-29</a:t>
+              <a:t>2021-07-30</a:t>
             </a:fld>
             <a:endParaRPr lang="ko-KR" altLang="en-US"/>
           </a:p>
@@ -1639,7 +2042,7 @@
           <a:p>
             <a:fld id="{14627BA5-89F0-4976-B806-5D98EF5704F2}" type="datetimeFigureOut">
               <a:rPr lang="ko-KR" altLang="en-US" smtClean="0"/>
-              <a:t>2021-07-29</a:t>
+              <a:t>2021-07-30</a:t>
             </a:fld>
             <a:endParaRPr lang="ko-KR" altLang="en-US"/>
           </a:p>
@@ -1904,7 +2307,7 @@
           <a:p>
             <a:fld id="{14627BA5-89F0-4976-B806-5D98EF5704F2}" type="datetimeFigureOut">
               <a:rPr lang="ko-KR" altLang="en-US" smtClean="0"/>
-              <a:t>2021-07-29</a:t>
+              <a:t>2021-07-30</a:t>
             </a:fld>
             <a:endParaRPr lang="ko-KR" altLang="en-US"/>
           </a:p>
@@ -2316,7 +2719,7 @@
           <a:p>
             <a:fld id="{14627BA5-89F0-4976-B806-5D98EF5704F2}" type="datetimeFigureOut">
               <a:rPr lang="ko-KR" altLang="en-US" smtClean="0"/>
-              <a:t>2021-07-29</a:t>
+              <a:t>2021-07-30</a:t>
             </a:fld>
             <a:endParaRPr lang="ko-KR" altLang="en-US"/>
           </a:p>
@@ -2457,7 +2860,7 @@
           <a:p>
             <a:fld id="{14627BA5-89F0-4976-B806-5D98EF5704F2}" type="datetimeFigureOut">
               <a:rPr lang="ko-KR" altLang="en-US" smtClean="0"/>
-              <a:t>2021-07-29</a:t>
+              <a:t>2021-07-30</a:t>
             </a:fld>
             <a:endParaRPr lang="ko-KR" altLang="en-US"/>
           </a:p>
@@ -2570,7 +2973,7 @@
           <a:p>
             <a:fld id="{14627BA5-89F0-4976-B806-5D98EF5704F2}" type="datetimeFigureOut">
               <a:rPr lang="ko-KR" altLang="en-US" smtClean="0"/>
-              <a:t>2021-07-29</a:t>
+              <a:t>2021-07-30</a:t>
             </a:fld>
             <a:endParaRPr lang="ko-KR" altLang="en-US"/>
           </a:p>
@@ -2881,7 +3284,7 @@
           <a:p>
             <a:fld id="{14627BA5-89F0-4976-B806-5D98EF5704F2}" type="datetimeFigureOut">
               <a:rPr lang="ko-KR" altLang="en-US" smtClean="0"/>
-              <a:t>2021-07-29</a:t>
+              <a:t>2021-07-30</a:t>
             </a:fld>
             <a:endParaRPr lang="ko-KR" altLang="en-US"/>
           </a:p>
@@ -3169,7 +3572,7 @@
           <a:p>
             <a:fld id="{14627BA5-89F0-4976-B806-5D98EF5704F2}" type="datetimeFigureOut">
               <a:rPr lang="ko-KR" altLang="en-US" smtClean="0"/>
-              <a:t>2021-07-29</a:t>
+              <a:t>2021-07-30</a:t>
             </a:fld>
             <a:endParaRPr lang="ko-KR" altLang="en-US"/>
           </a:p>
@@ -3410,7 +3813,7 @@
           <a:p>
             <a:fld id="{14627BA5-89F0-4976-B806-5D98EF5704F2}" type="datetimeFigureOut">
               <a:rPr lang="ko-KR" altLang="en-US" smtClean="0"/>
-              <a:t>2021-07-29</a:t>
+              <a:t>2021-07-30</a:t>
             </a:fld>
             <a:endParaRPr lang="ko-KR" altLang="en-US"/>
           </a:p>
@@ -4136,6 +4539,3288 @@
 </p:sld>
 </file>
 
+<file path=ppt/slides/slide10.xml><?xml version="1.0" encoding="utf-8"?>
+<p:sld xmlns:a="http://schemas.openxmlformats.org/drawingml/2006/main" xmlns:r="http://schemas.openxmlformats.org/officeDocument/2006/relationships" xmlns:p="http://schemas.openxmlformats.org/presentationml/2006/main">
+  <p:cSld>
+    <p:spTree>
+      <p:nvGrpSpPr>
+        <p:cNvPr id="1" name=""/>
+        <p:cNvGrpSpPr/>
+        <p:nvPr/>
+      </p:nvGrpSpPr>
+      <p:grpSpPr>
+        <a:xfrm>
+          <a:off x="0" y="0"/>
+          <a:ext cx="0" cy="0"/>
+          <a:chOff x="0" y="0"/>
+          <a:chExt cx="0" cy="0"/>
+        </a:xfrm>
+      </p:grpSpPr>
+      <p:sp>
+        <p:nvSpPr>
+          <p:cNvPr id="3" name="직사각형 2">
+            <a:extLst>
+              <a:ext uri="{FF2B5EF4-FFF2-40B4-BE49-F238E27FC236}">
+                <a16:creationId xmlns:a16="http://schemas.microsoft.com/office/drawing/2014/main" id="{A0877D69-93DD-4980-ADD0-ACBC17331F17}"/>
+              </a:ext>
+            </a:extLst>
+          </p:cNvPr>
+          <p:cNvSpPr/>
+          <p:nvPr/>
+        </p:nvSpPr>
+        <p:spPr>
+          <a:xfrm>
+            <a:off x="4310605" y="2139374"/>
+            <a:ext cx="3570787" cy="2579251"/>
+          </a:xfrm>
+          <a:prstGeom prst="rect">
+            <a:avLst/>
+          </a:prstGeom>
+          <a:noFill/>
+          <a:ln>
+            <a:noFill/>
+          </a:ln>
+        </p:spPr>
+        <p:style>
+          <a:lnRef idx="2">
+            <a:schemeClr val="accent1">
+              <a:shade val="50000"/>
+            </a:schemeClr>
+          </a:lnRef>
+          <a:fillRef idx="1">
+            <a:schemeClr val="accent1"/>
+          </a:fillRef>
+          <a:effectRef idx="0">
+            <a:schemeClr val="accent1"/>
+          </a:effectRef>
+          <a:fontRef idx="minor">
+            <a:schemeClr val="lt1"/>
+          </a:fontRef>
+        </p:style>
+        <p:txBody>
+          <a:bodyPr rtlCol="0" anchor="ctr"/>
+          <a:lstStyle/>
+          <a:p>
+            <a:pPr algn="ctr"/>
+            <a:endParaRPr lang="ko-KR" altLang="en-US"/>
+          </a:p>
+        </p:txBody>
+      </p:sp>
+      <p:sp>
+        <p:nvSpPr>
+          <p:cNvPr id="4" name="TextBox 3">
+            <a:extLst>
+              <a:ext uri="{FF2B5EF4-FFF2-40B4-BE49-F238E27FC236}">
+                <a16:creationId xmlns:a16="http://schemas.microsoft.com/office/drawing/2014/main" id="{3B239B6D-51A9-43C8-BD09-7E0DAA7DEC98}"/>
+              </a:ext>
+            </a:extLst>
+          </p:cNvPr>
+          <p:cNvSpPr txBox="1"/>
+          <p:nvPr/>
+        </p:nvSpPr>
+        <p:spPr>
+          <a:xfrm>
+            <a:off x="6540193" y="3574185"/>
+            <a:ext cx="365806" cy="246221"/>
+          </a:xfrm>
+          <a:prstGeom prst="rect">
+            <a:avLst/>
+          </a:prstGeom>
+          <a:noFill/>
+        </p:spPr>
+        <p:txBody>
+          <a:bodyPr wrap="none" rtlCol="0">
+            <a:spAutoFit/>
+          </a:bodyPr>
+          <a:lstStyle/>
+          <a:p>
+            <a:r>
+              <a:rPr lang="en-US" altLang="ko-KR" sz="1000" dirty="0">
+                <a:latin typeface="AppleSDGothicNeoM00" panose="02000503000000000000" pitchFamily="2" charset="-127"/>
+                <a:ea typeface="AppleSDGothicNeoM00" panose="02000503000000000000" pitchFamily="2" charset="-127"/>
+              </a:rPr>
+              <a:t>top</a:t>
+            </a:r>
+            <a:endParaRPr lang="ko-KR" altLang="en-US" sz="1000" dirty="0">
+              <a:latin typeface="AppleSDGothicNeoM00" panose="02000503000000000000" pitchFamily="2" charset="-127"/>
+              <a:ea typeface="AppleSDGothicNeoM00" panose="02000503000000000000" pitchFamily="2" charset="-127"/>
+            </a:endParaRPr>
+          </a:p>
+        </p:txBody>
+      </p:sp>
+      <p:sp>
+        <p:nvSpPr>
+          <p:cNvPr id="5" name="TextBox 4">
+            <a:extLst>
+              <a:ext uri="{FF2B5EF4-FFF2-40B4-BE49-F238E27FC236}">
+                <a16:creationId xmlns:a16="http://schemas.microsoft.com/office/drawing/2014/main" id="{F8B056EC-DFD4-4AD5-8E2E-E61A48BEFEB8}"/>
+              </a:ext>
+            </a:extLst>
+          </p:cNvPr>
+          <p:cNvSpPr txBox="1"/>
+          <p:nvPr/>
+        </p:nvSpPr>
+        <p:spPr>
+          <a:xfrm>
+            <a:off x="5285999" y="3568079"/>
+            <a:ext cx="580608" cy="246221"/>
+          </a:xfrm>
+          <a:prstGeom prst="rect">
+            <a:avLst/>
+          </a:prstGeom>
+          <a:noFill/>
+        </p:spPr>
+        <p:txBody>
+          <a:bodyPr wrap="none" rtlCol="0">
+            <a:spAutoFit/>
+          </a:bodyPr>
+          <a:lstStyle/>
+          <a:p>
+            <a:r>
+              <a:rPr lang="en-US" altLang="ko-KR" sz="1000" dirty="0">
+                <a:latin typeface="AppleSDGothicNeoM00" panose="02000503000000000000" pitchFamily="2" charset="-127"/>
+                <a:ea typeface="AppleSDGothicNeoM00" panose="02000503000000000000" pitchFamily="2" charset="-127"/>
+              </a:rPr>
+              <a:t>bottom</a:t>
+            </a:r>
+            <a:endParaRPr lang="ko-KR" altLang="en-US" sz="1000" dirty="0">
+              <a:latin typeface="AppleSDGothicNeoM00" panose="02000503000000000000" pitchFamily="2" charset="-127"/>
+              <a:ea typeface="AppleSDGothicNeoM00" panose="02000503000000000000" pitchFamily="2" charset="-127"/>
+            </a:endParaRPr>
+          </a:p>
+        </p:txBody>
+      </p:sp>
+      <p:graphicFrame>
+        <p:nvGraphicFramePr>
+          <p:cNvPr id="6" name="표 6">
+            <a:extLst>
+              <a:ext uri="{FF2B5EF4-FFF2-40B4-BE49-F238E27FC236}">
+                <a16:creationId xmlns:a16="http://schemas.microsoft.com/office/drawing/2014/main" id="{4DC09206-4C8B-4FB7-A8F3-73D4C72EB7B3}"/>
+              </a:ext>
+            </a:extLst>
+          </p:cNvPr>
+          <p:cNvGraphicFramePr>
+            <a:graphicFrameLocks noGrp="1"/>
+          </p:cNvGraphicFramePr>
+          <p:nvPr>
+            <p:extLst>
+              <p:ext uri="{D42A27DB-BD31-4B8C-83A1-F6EECF244321}">
+                <p14:modId xmlns:p14="http://schemas.microsoft.com/office/powerpoint/2010/main" val="3588004136"/>
+              </p:ext>
+            </p:extLst>
+          </p:nvPr>
+        </p:nvGraphicFramePr>
+        <p:xfrm>
+          <a:off x="5285999" y="3808193"/>
+          <a:ext cx="1620000" cy="540000"/>
+        </p:xfrm>
+        <a:graphic>
+          <a:graphicData uri="http://schemas.openxmlformats.org/drawingml/2006/table">
+            <a:tbl>
+              <a:tblPr firstRow="1" bandRow="1">
+                <a:tableStyleId>{5940675A-B579-460E-94D1-54222C63F5DA}</a:tableStyleId>
+              </a:tblPr>
+              <a:tblGrid>
+                <a:gridCol w="540000">
+                  <a:extLst>
+                    <a:ext uri="{9D8B030D-6E8A-4147-A177-3AD203B41FA5}">
+                      <a16:colId xmlns:a16="http://schemas.microsoft.com/office/drawing/2014/main" val="2800326601"/>
+                    </a:ext>
+                  </a:extLst>
+                </a:gridCol>
+                <a:gridCol w="540000">
+                  <a:extLst>
+                    <a:ext uri="{9D8B030D-6E8A-4147-A177-3AD203B41FA5}">
+                      <a16:colId xmlns:a16="http://schemas.microsoft.com/office/drawing/2014/main" val="1599625305"/>
+                    </a:ext>
+                  </a:extLst>
+                </a:gridCol>
+                <a:gridCol w="540000">
+                  <a:extLst>
+                    <a:ext uri="{9D8B030D-6E8A-4147-A177-3AD203B41FA5}">
+                      <a16:colId xmlns:a16="http://schemas.microsoft.com/office/drawing/2014/main" val="3449042132"/>
+                    </a:ext>
+                  </a:extLst>
+                </a:gridCol>
+              </a:tblGrid>
+              <a:tr h="540000">
+                <a:tc>
+                  <a:txBody>
+                    <a:bodyPr/>
+                    <a:lstStyle/>
+                    <a:p>
+                      <a:pPr algn="ctr" latinLnBrk="1"/>
+                      <a:r>
+                        <a:rPr lang="en-US" altLang="ko-KR" dirty="0">
+                          <a:latin typeface="AppleSDGothicNeoM00" panose="02000503000000000000" pitchFamily="2" charset="-127"/>
+                          <a:ea typeface="AppleSDGothicNeoM00" panose="02000503000000000000" pitchFamily="2" charset="-127"/>
+                        </a:rPr>
+                        <a:t>(</a:t>
+                      </a:r>
+                      <a:endParaRPr lang="ko-KR" altLang="en-US" dirty="0">
+                        <a:latin typeface="AppleSDGothicNeoM00" panose="02000503000000000000" pitchFamily="2" charset="-127"/>
+                        <a:ea typeface="AppleSDGothicNeoM00" panose="02000503000000000000" pitchFamily="2" charset="-127"/>
+                      </a:endParaRPr>
+                    </a:p>
+                  </a:txBody>
+                  <a:tcPr anchor="ctr">
+                    <a:lnR w="12700" cap="flat" cmpd="sng" algn="ctr">
+                      <a:solidFill>
+                        <a:schemeClr val="tx1"/>
+                      </a:solidFill>
+                      <a:prstDash val="dot"/>
+                      <a:round/>
+                      <a:headEnd type="none" w="med" len="med"/>
+                      <a:tailEnd type="none" w="med" len="med"/>
+                    </a:lnR>
+                  </a:tcPr>
+                </a:tc>
+                <a:tc>
+                  <a:txBody>
+                    <a:bodyPr/>
+                    <a:lstStyle/>
+                    <a:p>
+                      <a:pPr algn="ctr" latinLnBrk="1"/>
+                      <a:r>
+                        <a:rPr lang="en-US" altLang="ko-KR" dirty="0">
+                          <a:latin typeface="AppleSDGothicNeoM00" panose="02000503000000000000" pitchFamily="2" charset="-127"/>
+                          <a:ea typeface="AppleSDGothicNeoM00" panose="02000503000000000000" pitchFamily="2" charset="-127"/>
+                        </a:rPr>
+                        <a:t>{</a:t>
+                      </a:r>
+                      <a:endParaRPr lang="ko-KR" altLang="en-US" dirty="0">
+                        <a:latin typeface="AppleSDGothicNeoM00" panose="02000503000000000000" pitchFamily="2" charset="-127"/>
+                        <a:ea typeface="AppleSDGothicNeoM00" panose="02000503000000000000" pitchFamily="2" charset="-127"/>
+                      </a:endParaRPr>
+                    </a:p>
+                  </a:txBody>
+                  <a:tcPr anchor="ctr">
+                    <a:lnL w="12700" cap="flat" cmpd="sng" algn="ctr">
+                      <a:solidFill>
+                        <a:schemeClr val="tx1"/>
+                      </a:solidFill>
+                      <a:prstDash val="dot"/>
+                      <a:round/>
+                      <a:headEnd type="none" w="med" len="med"/>
+                      <a:tailEnd type="none" w="med" len="med"/>
+                    </a:lnL>
+                    <a:lnR w="12700" cap="flat" cmpd="sng" algn="ctr">
+                      <a:solidFill>
+                        <a:schemeClr val="tx1"/>
+                      </a:solidFill>
+                      <a:prstDash val="dot"/>
+                      <a:round/>
+                      <a:headEnd type="none" w="med" len="med"/>
+                      <a:tailEnd type="none" w="med" len="med"/>
+                    </a:lnR>
+                  </a:tcPr>
+                </a:tc>
+                <a:tc>
+                  <a:txBody>
+                    <a:bodyPr/>
+                    <a:lstStyle/>
+                    <a:p>
+                      <a:pPr algn="ctr" latinLnBrk="1"/>
+                      <a:endParaRPr lang="ko-KR" altLang="en-US" dirty="0">
+                        <a:latin typeface="AppleSDGothicNeoM00" panose="02000503000000000000" pitchFamily="2" charset="-127"/>
+                        <a:ea typeface="AppleSDGothicNeoM00" panose="02000503000000000000" pitchFamily="2" charset="-127"/>
+                      </a:endParaRPr>
+                    </a:p>
+                  </a:txBody>
+                  <a:tcPr anchor="ctr">
+                    <a:lnL w="12700" cap="flat" cmpd="sng" algn="ctr">
+                      <a:solidFill>
+                        <a:schemeClr val="tx1"/>
+                      </a:solidFill>
+                      <a:prstDash val="dot"/>
+                      <a:round/>
+                      <a:headEnd type="none" w="med" len="med"/>
+                      <a:tailEnd type="none" w="med" len="med"/>
+                    </a:lnL>
+                    <a:lnR w="12700" cap="flat" cmpd="sng" algn="ctr">
+                      <a:noFill/>
+                      <a:prstDash val="solid"/>
+                      <a:round/>
+                      <a:headEnd type="none" w="med" len="med"/>
+                      <a:tailEnd type="none" w="med" len="med"/>
+                    </a:lnR>
+                    <a:solidFill>
+                      <a:srgbClr val="FF6565"/>
+                    </a:solidFill>
+                  </a:tcPr>
+                </a:tc>
+                <a:extLst>
+                  <a:ext uri="{0D108BD9-81ED-4DB2-BD59-A6C34878D82A}">
+                    <a16:rowId xmlns:a16="http://schemas.microsoft.com/office/drawing/2014/main" val="2567201062"/>
+                  </a:ext>
+                </a:extLst>
+              </a:tr>
+            </a:tbl>
+          </a:graphicData>
+        </a:graphic>
+      </p:graphicFrame>
+      <p:sp>
+        <p:nvSpPr>
+          <p:cNvPr id="8" name="TextBox 7">
+            <a:extLst>
+              <a:ext uri="{FF2B5EF4-FFF2-40B4-BE49-F238E27FC236}">
+                <a16:creationId xmlns:a16="http://schemas.microsoft.com/office/drawing/2014/main" id="{C786A39F-E09C-451F-848E-1DC715203F0C}"/>
+              </a:ext>
+            </a:extLst>
+          </p:cNvPr>
+          <p:cNvSpPr txBox="1"/>
+          <p:nvPr/>
+        </p:nvSpPr>
+        <p:spPr>
+          <a:xfrm>
+            <a:off x="4887975" y="2666008"/>
+            <a:ext cx="2537874" cy="369332"/>
+          </a:xfrm>
+          <a:prstGeom prst="rect">
+            <a:avLst/>
+          </a:prstGeom>
+          <a:noFill/>
+        </p:spPr>
+        <p:txBody>
+          <a:bodyPr wrap="none" rtlCol="0">
+            <a:spAutoFit/>
+          </a:bodyPr>
+          <a:lstStyle/>
+          <a:p>
+            <a:r>
+              <a:rPr lang="en-US" altLang="ko-KR" dirty="0">
+                <a:latin typeface="AppleSDGothicNeoM00" panose="02000503000000000000" pitchFamily="2" charset="-127"/>
+                <a:ea typeface="AppleSDGothicNeoM00" panose="02000503000000000000" pitchFamily="2" charset="-127"/>
+              </a:rPr>
+              <a:t>( var x = { y: [ 1, 2, 3 ] } )</a:t>
+            </a:r>
+            <a:endParaRPr lang="ko-KR" altLang="en-US" dirty="0">
+              <a:latin typeface="AppleSDGothicNeoM00" panose="02000503000000000000" pitchFamily="2" charset="-127"/>
+              <a:ea typeface="AppleSDGothicNeoM00" panose="02000503000000000000" pitchFamily="2" charset="-127"/>
+            </a:endParaRPr>
+          </a:p>
+        </p:txBody>
+      </p:sp>
+      <p:sp>
+        <p:nvSpPr>
+          <p:cNvPr id="9" name="직사각형 8">
+            <a:extLst>
+              <a:ext uri="{FF2B5EF4-FFF2-40B4-BE49-F238E27FC236}">
+                <a16:creationId xmlns:a16="http://schemas.microsoft.com/office/drawing/2014/main" id="{98F561C9-3AED-4BAC-A437-69DC6F93BF12}"/>
+              </a:ext>
+            </a:extLst>
+          </p:cNvPr>
+          <p:cNvSpPr/>
+          <p:nvPr/>
+        </p:nvSpPr>
+        <p:spPr>
+          <a:xfrm>
+            <a:off x="6935495" y="2666005"/>
+            <a:ext cx="127000" cy="365141"/>
+          </a:xfrm>
+          <a:prstGeom prst="rect">
+            <a:avLst/>
+          </a:prstGeom>
+          <a:solidFill>
+            <a:srgbClr val="FF6565">
+              <a:alpha val="40000"/>
+            </a:srgbClr>
+          </a:solidFill>
+          <a:ln>
+            <a:noFill/>
+          </a:ln>
+        </p:spPr>
+        <p:style>
+          <a:lnRef idx="2">
+            <a:schemeClr val="accent1">
+              <a:shade val="50000"/>
+            </a:schemeClr>
+          </a:lnRef>
+          <a:fillRef idx="1">
+            <a:schemeClr val="accent1"/>
+          </a:fillRef>
+          <a:effectRef idx="0">
+            <a:schemeClr val="accent1"/>
+          </a:effectRef>
+          <a:fontRef idx="minor">
+            <a:schemeClr val="lt1"/>
+          </a:fontRef>
+        </p:style>
+        <p:txBody>
+          <a:bodyPr rtlCol="0" anchor="ctr"/>
+          <a:lstStyle/>
+          <a:p>
+            <a:pPr algn="ctr"/>
+            <a:endParaRPr lang="ko-KR" altLang="en-US"/>
+          </a:p>
+        </p:txBody>
+      </p:sp>
+    </p:spTree>
+    <p:extLst>
+      <p:ext uri="{BB962C8B-B14F-4D97-AF65-F5344CB8AC3E}">
+        <p14:creationId xmlns:p14="http://schemas.microsoft.com/office/powerpoint/2010/main" val="2092561549"/>
+      </p:ext>
+    </p:extLst>
+  </p:cSld>
+  <p:clrMapOvr>
+    <a:masterClrMapping/>
+  </p:clrMapOvr>
+</p:sld>
+</file>
+
+<file path=ppt/slides/slide11.xml><?xml version="1.0" encoding="utf-8"?>
+<p:sld xmlns:a="http://schemas.openxmlformats.org/drawingml/2006/main" xmlns:r="http://schemas.openxmlformats.org/officeDocument/2006/relationships" xmlns:p="http://schemas.openxmlformats.org/presentationml/2006/main">
+  <p:cSld>
+    <p:spTree>
+      <p:nvGrpSpPr>
+        <p:cNvPr id="1" name=""/>
+        <p:cNvGrpSpPr/>
+        <p:nvPr/>
+      </p:nvGrpSpPr>
+      <p:grpSpPr>
+        <a:xfrm>
+          <a:off x="0" y="0"/>
+          <a:ext cx="0" cy="0"/>
+          <a:chOff x="0" y="0"/>
+          <a:chExt cx="0" cy="0"/>
+        </a:xfrm>
+      </p:grpSpPr>
+      <p:sp>
+        <p:nvSpPr>
+          <p:cNvPr id="3" name="직사각형 2">
+            <a:extLst>
+              <a:ext uri="{FF2B5EF4-FFF2-40B4-BE49-F238E27FC236}">
+                <a16:creationId xmlns:a16="http://schemas.microsoft.com/office/drawing/2014/main" id="{A0877D69-93DD-4980-ADD0-ACBC17331F17}"/>
+              </a:ext>
+            </a:extLst>
+          </p:cNvPr>
+          <p:cNvSpPr/>
+          <p:nvPr/>
+        </p:nvSpPr>
+        <p:spPr>
+          <a:xfrm>
+            <a:off x="4310605" y="2139374"/>
+            <a:ext cx="3570787" cy="2579251"/>
+          </a:xfrm>
+          <a:prstGeom prst="rect">
+            <a:avLst/>
+          </a:prstGeom>
+          <a:noFill/>
+          <a:ln>
+            <a:noFill/>
+          </a:ln>
+        </p:spPr>
+        <p:style>
+          <a:lnRef idx="2">
+            <a:schemeClr val="accent1">
+              <a:shade val="50000"/>
+            </a:schemeClr>
+          </a:lnRef>
+          <a:fillRef idx="1">
+            <a:schemeClr val="accent1"/>
+          </a:fillRef>
+          <a:effectRef idx="0">
+            <a:schemeClr val="accent1"/>
+          </a:effectRef>
+          <a:fontRef idx="minor">
+            <a:schemeClr val="lt1"/>
+          </a:fontRef>
+        </p:style>
+        <p:txBody>
+          <a:bodyPr rtlCol="0" anchor="ctr"/>
+          <a:lstStyle/>
+          <a:p>
+            <a:pPr algn="ctr"/>
+            <a:endParaRPr lang="ko-KR" altLang="en-US"/>
+          </a:p>
+        </p:txBody>
+      </p:sp>
+      <p:sp>
+        <p:nvSpPr>
+          <p:cNvPr id="4" name="TextBox 3">
+            <a:extLst>
+              <a:ext uri="{FF2B5EF4-FFF2-40B4-BE49-F238E27FC236}">
+                <a16:creationId xmlns:a16="http://schemas.microsoft.com/office/drawing/2014/main" id="{3B239B6D-51A9-43C8-BD09-7E0DAA7DEC98}"/>
+              </a:ext>
+            </a:extLst>
+          </p:cNvPr>
+          <p:cNvSpPr txBox="1"/>
+          <p:nvPr/>
+        </p:nvSpPr>
+        <p:spPr>
+          <a:xfrm>
+            <a:off x="6540193" y="3574185"/>
+            <a:ext cx="365806" cy="246221"/>
+          </a:xfrm>
+          <a:prstGeom prst="rect">
+            <a:avLst/>
+          </a:prstGeom>
+          <a:noFill/>
+        </p:spPr>
+        <p:txBody>
+          <a:bodyPr wrap="none" rtlCol="0">
+            <a:spAutoFit/>
+          </a:bodyPr>
+          <a:lstStyle/>
+          <a:p>
+            <a:r>
+              <a:rPr lang="en-US" altLang="ko-KR" sz="1000" dirty="0">
+                <a:latin typeface="AppleSDGothicNeoM00" panose="02000503000000000000" pitchFamily="2" charset="-127"/>
+                <a:ea typeface="AppleSDGothicNeoM00" panose="02000503000000000000" pitchFamily="2" charset="-127"/>
+              </a:rPr>
+              <a:t>top</a:t>
+            </a:r>
+            <a:endParaRPr lang="ko-KR" altLang="en-US" sz="1000" dirty="0">
+              <a:latin typeface="AppleSDGothicNeoM00" panose="02000503000000000000" pitchFamily="2" charset="-127"/>
+              <a:ea typeface="AppleSDGothicNeoM00" panose="02000503000000000000" pitchFamily="2" charset="-127"/>
+            </a:endParaRPr>
+          </a:p>
+        </p:txBody>
+      </p:sp>
+      <p:sp>
+        <p:nvSpPr>
+          <p:cNvPr id="5" name="TextBox 4">
+            <a:extLst>
+              <a:ext uri="{FF2B5EF4-FFF2-40B4-BE49-F238E27FC236}">
+                <a16:creationId xmlns:a16="http://schemas.microsoft.com/office/drawing/2014/main" id="{F8B056EC-DFD4-4AD5-8E2E-E61A48BEFEB8}"/>
+              </a:ext>
+            </a:extLst>
+          </p:cNvPr>
+          <p:cNvSpPr txBox="1"/>
+          <p:nvPr/>
+        </p:nvSpPr>
+        <p:spPr>
+          <a:xfrm>
+            <a:off x="5285999" y="3568079"/>
+            <a:ext cx="580608" cy="246221"/>
+          </a:xfrm>
+          <a:prstGeom prst="rect">
+            <a:avLst/>
+          </a:prstGeom>
+          <a:noFill/>
+        </p:spPr>
+        <p:txBody>
+          <a:bodyPr wrap="none" rtlCol="0">
+            <a:spAutoFit/>
+          </a:bodyPr>
+          <a:lstStyle/>
+          <a:p>
+            <a:r>
+              <a:rPr lang="en-US" altLang="ko-KR" sz="1000" dirty="0">
+                <a:latin typeface="AppleSDGothicNeoM00" panose="02000503000000000000" pitchFamily="2" charset="-127"/>
+                <a:ea typeface="AppleSDGothicNeoM00" panose="02000503000000000000" pitchFamily="2" charset="-127"/>
+              </a:rPr>
+              <a:t>bottom</a:t>
+            </a:r>
+            <a:endParaRPr lang="ko-KR" altLang="en-US" sz="1000" dirty="0">
+              <a:latin typeface="AppleSDGothicNeoM00" panose="02000503000000000000" pitchFamily="2" charset="-127"/>
+              <a:ea typeface="AppleSDGothicNeoM00" panose="02000503000000000000" pitchFamily="2" charset="-127"/>
+            </a:endParaRPr>
+          </a:p>
+        </p:txBody>
+      </p:sp>
+      <p:graphicFrame>
+        <p:nvGraphicFramePr>
+          <p:cNvPr id="6" name="표 6">
+            <a:extLst>
+              <a:ext uri="{FF2B5EF4-FFF2-40B4-BE49-F238E27FC236}">
+                <a16:creationId xmlns:a16="http://schemas.microsoft.com/office/drawing/2014/main" id="{4DC09206-4C8B-4FB7-A8F3-73D4C72EB7B3}"/>
+              </a:ext>
+            </a:extLst>
+          </p:cNvPr>
+          <p:cNvGraphicFramePr>
+            <a:graphicFrameLocks noGrp="1"/>
+          </p:cNvGraphicFramePr>
+          <p:nvPr>
+            <p:extLst>
+              <p:ext uri="{D42A27DB-BD31-4B8C-83A1-F6EECF244321}">
+                <p14:modId xmlns:p14="http://schemas.microsoft.com/office/powerpoint/2010/main" val="1375438197"/>
+              </p:ext>
+            </p:extLst>
+          </p:nvPr>
+        </p:nvGraphicFramePr>
+        <p:xfrm>
+          <a:off x="5285999" y="3808193"/>
+          <a:ext cx="1620000" cy="540000"/>
+        </p:xfrm>
+        <a:graphic>
+          <a:graphicData uri="http://schemas.openxmlformats.org/drawingml/2006/table">
+            <a:tbl>
+              <a:tblPr firstRow="1" bandRow="1">
+                <a:tableStyleId>{5940675A-B579-460E-94D1-54222C63F5DA}</a:tableStyleId>
+              </a:tblPr>
+              <a:tblGrid>
+                <a:gridCol w="540000">
+                  <a:extLst>
+                    <a:ext uri="{9D8B030D-6E8A-4147-A177-3AD203B41FA5}">
+                      <a16:colId xmlns:a16="http://schemas.microsoft.com/office/drawing/2014/main" val="2800326601"/>
+                    </a:ext>
+                  </a:extLst>
+                </a:gridCol>
+                <a:gridCol w="540000">
+                  <a:extLst>
+                    <a:ext uri="{9D8B030D-6E8A-4147-A177-3AD203B41FA5}">
+                      <a16:colId xmlns:a16="http://schemas.microsoft.com/office/drawing/2014/main" val="1599625305"/>
+                    </a:ext>
+                  </a:extLst>
+                </a:gridCol>
+                <a:gridCol w="540000">
+                  <a:extLst>
+                    <a:ext uri="{9D8B030D-6E8A-4147-A177-3AD203B41FA5}">
+                      <a16:colId xmlns:a16="http://schemas.microsoft.com/office/drawing/2014/main" val="3449042132"/>
+                    </a:ext>
+                  </a:extLst>
+                </a:gridCol>
+              </a:tblGrid>
+              <a:tr h="540000">
+                <a:tc>
+                  <a:txBody>
+                    <a:bodyPr/>
+                    <a:lstStyle/>
+                    <a:p>
+                      <a:pPr algn="ctr" latinLnBrk="1"/>
+                      <a:r>
+                        <a:rPr lang="en-US" altLang="ko-KR" dirty="0">
+                          <a:latin typeface="AppleSDGothicNeoM00" panose="02000503000000000000" pitchFamily="2" charset="-127"/>
+                          <a:ea typeface="AppleSDGothicNeoM00" panose="02000503000000000000" pitchFamily="2" charset="-127"/>
+                        </a:rPr>
+                        <a:t>(</a:t>
+                      </a:r>
+                      <a:endParaRPr lang="ko-KR" altLang="en-US" dirty="0">
+                        <a:latin typeface="AppleSDGothicNeoM00" panose="02000503000000000000" pitchFamily="2" charset="-127"/>
+                        <a:ea typeface="AppleSDGothicNeoM00" panose="02000503000000000000" pitchFamily="2" charset="-127"/>
+                      </a:endParaRPr>
+                    </a:p>
+                  </a:txBody>
+                  <a:tcPr anchor="ctr">
+                    <a:lnR w="12700" cap="flat" cmpd="sng" algn="ctr">
+                      <a:solidFill>
+                        <a:schemeClr val="tx1"/>
+                      </a:solidFill>
+                      <a:prstDash val="dot"/>
+                      <a:round/>
+                      <a:headEnd type="none" w="med" len="med"/>
+                      <a:tailEnd type="none" w="med" len="med"/>
+                    </a:lnR>
+                  </a:tcPr>
+                </a:tc>
+                <a:tc>
+                  <a:txBody>
+                    <a:bodyPr/>
+                    <a:lstStyle/>
+                    <a:p>
+                      <a:pPr algn="ctr" latinLnBrk="1"/>
+                      <a:endParaRPr lang="ko-KR" altLang="en-US" dirty="0">
+                        <a:latin typeface="AppleSDGothicNeoM00" panose="02000503000000000000" pitchFamily="2" charset="-127"/>
+                        <a:ea typeface="AppleSDGothicNeoM00" panose="02000503000000000000" pitchFamily="2" charset="-127"/>
+                      </a:endParaRPr>
+                    </a:p>
+                  </a:txBody>
+                  <a:tcPr anchor="ctr">
+                    <a:lnL w="12700" cap="flat" cmpd="sng" algn="ctr">
+                      <a:solidFill>
+                        <a:schemeClr val="tx1"/>
+                      </a:solidFill>
+                      <a:prstDash val="dot"/>
+                      <a:round/>
+                      <a:headEnd type="none" w="med" len="med"/>
+                      <a:tailEnd type="none" w="med" len="med"/>
+                    </a:lnL>
+                    <a:lnR w="12700" cap="flat" cmpd="sng" algn="ctr">
+                      <a:solidFill>
+                        <a:schemeClr val="tx1"/>
+                      </a:solidFill>
+                      <a:prstDash val="dot"/>
+                      <a:round/>
+                      <a:headEnd type="none" w="med" len="med"/>
+                      <a:tailEnd type="none" w="med" len="med"/>
+                    </a:lnR>
+                    <a:solidFill>
+                      <a:srgbClr val="FF6565"/>
+                    </a:solidFill>
+                  </a:tcPr>
+                </a:tc>
+                <a:tc>
+                  <a:txBody>
+                    <a:bodyPr/>
+                    <a:lstStyle/>
+                    <a:p>
+                      <a:pPr algn="ctr" latinLnBrk="1"/>
+                      <a:endParaRPr lang="ko-KR" altLang="en-US" dirty="0">
+                        <a:latin typeface="AppleSDGothicNeoM00" panose="02000503000000000000" pitchFamily="2" charset="-127"/>
+                        <a:ea typeface="AppleSDGothicNeoM00" panose="02000503000000000000" pitchFamily="2" charset="-127"/>
+                      </a:endParaRPr>
+                    </a:p>
+                  </a:txBody>
+                  <a:tcPr anchor="ctr">
+                    <a:lnL w="12700" cap="flat" cmpd="sng" algn="ctr">
+                      <a:solidFill>
+                        <a:schemeClr val="tx1"/>
+                      </a:solidFill>
+                      <a:prstDash val="dot"/>
+                      <a:round/>
+                      <a:headEnd type="none" w="med" len="med"/>
+                      <a:tailEnd type="none" w="med" len="med"/>
+                    </a:lnL>
+                    <a:lnR w="12700" cap="flat" cmpd="sng" algn="ctr">
+                      <a:noFill/>
+                      <a:prstDash val="solid"/>
+                      <a:round/>
+                      <a:headEnd type="none" w="med" len="med"/>
+                      <a:tailEnd type="none" w="med" len="med"/>
+                    </a:lnR>
+                    <a:noFill/>
+                  </a:tcPr>
+                </a:tc>
+                <a:extLst>
+                  <a:ext uri="{0D108BD9-81ED-4DB2-BD59-A6C34878D82A}">
+                    <a16:rowId xmlns:a16="http://schemas.microsoft.com/office/drawing/2014/main" val="2567201062"/>
+                  </a:ext>
+                </a:extLst>
+              </a:tr>
+            </a:tbl>
+          </a:graphicData>
+        </a:graphic>
+      </p:graphicFrame>
+      <p:sp>
+        <p:nvSpPr>
+          <p:cNvPr id="8" name="TextBox 7">
+            <a:extLst>
+              <a:ext uri="{FF2B5EF4-FFF2-40B4-BE49-F238E27FC236}">
+                <a16:creationId xmlns:a16="http://schemas.microsoft.com/office/drawing/2014/main" id="{C786A39F-E09C-451F-848E-1DC715203F0C}"/>
+              </a:ext>
+            </a:extLst>
+          </p:cNvPr>
+          <p:cNvSpPr txBox="1"/>
+          <p:nvPr/>
+        </p:nvSpPr>
+        <p:spPr>
+          <a:xfrm>
+            <a:off x="4887975" y="2666008"/>
+            <a:ext cx="2537874" cy="369332"/>
+          </a:xfrm>
+          <a:prstGeom prst="rect">
+            <a:avLst/>
+          </a:prstGeom>
+          <a:noFill/>
+        </p:spPr>
+        <p:txBody>
+          <a:bodyPr wrap="none" rtlCol="0">
+            <a:spAutoFit/>
+          </a:bodyPr>
+          <a:lstStyle/>
+          <a:p>
+            <a:r>
+              <a:rPr lang="en-US" altLang="ko-KR" dirty="0">
+                <a:latin typeface="AppleSDGothicNeoM00" panose="02000503000000000000" pitchFamily="2" charset="-127"/>
+                <a:ea typeface="AppleSDGothicNeoM00" panose="02000503000000000000" pitchFamily="2" charset="-127"/>
+              </a:rPr>
+              <a:t>( var x = { y: [ 1, 2, 3 ] } )</a:t>
+            </a:r>
+            <a:endParaRPr lang="ko-KR" altLang="en-US" dirty="0">
+              <a:latin typeface="AppleSDGothicNeoM00" panose="02000503000000000000" pitchFamily="2" charset="-127"/>
+              <a:ea typeface="AppleSDGothicNeoM00" panose="02000503000000000000" pitchFamily="2" charset="-127"/>
+            </a:endParaRPr>
+          </a:p>
+        </p:txBody>
+      </p:sp>
+      <p:sp>
+        <p:nvSpPr>
+          <p:cNvPr id="10" name="직사각형 9">
+            <a:extLst>
+              <a:ext uri="{FF2B5EF4-FFF2-40B4-BE49-F238E27FC236}">
+                <a16:creationId xmlns:a16="http://schemas.microsoft.com/office/drawing/2014/main" id="{63CAAFE3-BCF1-4186-9F64-32520FB3D5E3}"/>
+              </a:ext>
+            </a:extLst>
+          </p:cNvPr>
+          <p:cNvSpPr/>
+          <p:nvPr/>
+        </p:nvSpPr>
+        <p:spPr>
+          <a:xfrm>
+            <a:off x="7062495" y="2666005"/>
+            <a:ext cx="127000" cy="365141"/>
+          </a:xfrm>
+          <a:prstGeom prst="rect">
+            <a:avLst/>
+          </a:prstGeom>
+          <a:solidFill>
+            <a:srgbClr val="FF6565">
+              <a:alpha val="40000"/>
+            </a:srgbClr>
+          </a:solidFill>
+          <a:ln>
+            <a:noFill/>
+          </a:ln>
+        </p:spPr>
+        <p:style>
+          <a:lnRef idx="2">
+            <a:schemeClr val="accent1">
+              <a:shade val="50000"/>
+            </a:schemeClr>
+          </a:lnRef>
+          <a:fillRef idx="1">
+            <a:schemeClr val="accent1"/>
+          </a:fillRef>
+          <a:effectRef idx="0">
+            <a:schemeClr val="accent1"/>
+          </a:effectRef>
+          <a:fontRef idx="minor">
+            <a:schemeClr val="lt1"/>
+          </a:fontRef>
+        </p:style>
+        <p:txBody>
+          <a:bodyPr rtlCol="0" anchor="ctr"/>
+          <a:lstStyle/>
+          <a:p>
+            <a:pPr algn="ctr"/>
+            <a:endParaRPr lang="ko-KR" altLang="en-US"/>
+          </a:p>
+        </p:txBody>
+      </p:sp>
+    </p:spTree>
+    <p:extLst>
+      <p:ext uri="{BB962C8B-B14F-4D97-AF65-F5344CB8AC3E}">
+        <p14:creationId xmlns:p14="http://schemas.microsoft.com/office/powerpoint/2010/main" val="342080373"/>
+      </p:ext>
+    </p:extLst>
+  </p:cSld>
+  <p:clrMapOvr>
+    <a:masterClrMapping/>
+  </p:clrMapOvr>
+</p:sld>
+</file>
+
+<file path=ppt/slides/slide12.xml><?xml version="1.0" encoding="utf-8"?>
+<p:sld xmlns:a="http://schemas.openxmlformats.org/drawingml/2006/main" xmlns:r="http://schemas.openxmlformats.org/officeDocument/2006/relationships" xmlns:p="http://schemas.openxmlformats.org/presentationml/2006/main">
+  <p:cSld>
+    <p:spTree>
+      <p:nvGrpSpPr>
+        <p:cNvPr id="1" name=""/>
+        <p:cNvGrpSpPr/>
+        <p:nvPr/>
+      </p:nvGrpSpPr>
+      <p:grpSpPr>
+        <a:xfrm>
+          <a:off x="0" y="0"/>
+          <a:ext cx="0" cy="0"/>
+          <a:chOff x="0" y="0"/>
+          <a:chExt cx="0" cy="0"/>
+        </a:xfrm>
+      </p:grpSpPr>
+      <p:sp>
+        <p:nvSpPr>
+          <p:cNvPr id="3" name="직사각형 2">
+            <a:extLst>
+              <a:ext uri="{FF2B5EF4-FFF2-40B4-BE49-F238E27FC236}">
+                <a16:creationId xmlns:a16="http://schemas.microsoft.com/office/drawing/2014/main" id="{A0877D69-93DD-4980-ADD0-ACBC17331F17}"/>
+              </a:ext>
+            </a:extLst>
+          </p:cNvPr>
+          <p:cNvSpPr/>
+          <p:nvPr/>
+        </p:nvSpPr>
+        <p:spPr>
+          <a:xfrm>
+            <a:off x="4310605" y="2139374"/>
+            <a:ext cx="3570787" cy="2579251"/>
+          </a:xfrm>
+          <a:prstGeom prst="rect">
+            <a:avLst/>
+          </a:prstGeom>
+          <a:noFill/>
+          <a:ln>
+            <a:noFill/>
+          </a:ln>
+        </p:spPr>
+        <p:style>
+          <a:lnRef idx="2">
+            <a:schemeClr val="accent1">
+              <a:shade val="50000"/>
+            </a:schemeClr>
+          </a:lnRef>
+          <a:fillRef idx="1">
+            <a:schemeClr val="accent1"/>
+          </a:fillRef>
+          <a:effectRef idx="0">
+            <a:schemeClr val="accent1"/>
+          </a:effectRef>
+          <a:fontRef idx="minor">
+            <a:schemeClr val="lt1"/>
+          </a:fontRef>
+        </p:style>
+        <p:txBody>
+          <a:bodyPr rtlCol="0" anchor="ctr"/>
+          <a:lstStyle/>
+          <a:p>
+            <a:pPr algn="ctr"/>
+            <a:endParaRPr lang="ko-KR" altLang="en-US"/>
+          </a:p>
+        </p:txBody>
+      </p:sp>
+      <p:sp>
+        <p:nvSpPr>
+          <p:cNvPr id="4" name="TextBox 3">
+            <a:extLst>
+              <a:ext uri="{FF2B5EF4-FFF2-40B4-BE49-F238E27FC236}">
+                <a16:creationId xmlns:a16="http://schemas.microsoft.com/office/drawing/2014/main" id="{3B239B6D-51A9-43C8-BD09-7E0DAA7DEC98}"/>
+              </a:ext>
+            </a:extLst>
+          </p:cNvPr>
+          <p:cNvSpPr txBox="1"/>
+          <p:nvPr/>
+        </p:nvSpPr>
+        <p:spPr>
+          <a:xfrm>
+            <a:off x="6540193" y="3574185"/>
+            <a:ext cx="365806" cy="246221"/>
+          </a:xfrm>
+          <a:prstGeom prst="rect">
+            <a:avLst/>
+          </a:prstGeom>
+          <a:noFill/>
+        </p:spPr>
+        <p:txBody>
+          <a:bodyPr wrap="none" rtlCol="0">
+            <a:spAutoFit/>
+          </a:bodyPr>
+          <a:lstStyle/>
+          <a:p>
+            <a:r>
+              <a:rPr lang="en-US" altLang="ko-KR" sz="1000" dirty="0">
+                <a:latin typeface="AppleSDGothicNeoM00" panose="02000503000000000000" pitchFamily="2" charset="-127"/>
+                <a:ea typeface="AppleSDGothicNeoM00" panose="02000503000000000000" pitchFamily="2" charset="-127"/>
+              </a:rPr>
+              <a:t>top</a:t>
+            </a:r>
+            <a:endParaRPr lang="ko-KR" altLang="en-US" sz="1000" dirty="0">
+              <a:latin typeface="AppleSDGothicNeoM00" panose="02000503000000000000" pitchFamily="2" charset="-127"/>
+              <a:ea typeface="AppleSDGothicNeoM00" panose="02000503000000000000" pitchFamily="2" charset="-127"/>
+            </a:endParaRPr>
+          </a:p>
+        </p:txBody>
+      </p:sp>
+      <p:sp>
+        <p:nvSpPr>
+          <p:cNvPr id="5" name="TextBox 4">
+            <a:extLst>
+              <a:ext uri="{FF2B5EF4-FFF2-40B4-BE49-F238E27FC236}">
+                <a16:creationId xmlns:a16="http://schemas.microsoft.com/office/drawing/2014/main" id="{F8B056EC-DFD4-4AD5-8E2E-E61A48BEFEB8}"/>
+              </a:ext>
+            </a:extLst>
+          </p:cNvPr>
+          <p:cNvSpPr txBox="1"/>
+          <p:nvPr/>
+        </p:nvSpPr>
+        <p:spPr>
+          <a:xfrm>
+            <a:off x="5285999" y="3568079"/>
+            <a:ext cx="580608" cy="246221"/>
+          </a:xfrm>
+          <a:prstGeom prst="rect">
+            <a:avLst/>
+          </a:prstGeom>
+          <a:noFill/>
+        </p:spPr>
+        <p:txBody>
+          <a:bodyPr wrap="none" rtlCol="0">
+            <a:spAutoFit/>
+          </a:bodyPr>
+          <a:lstStyle/>
+          <a:p>
+            <a:r>
+              <a:rPr lang="en-US" altLang="ko-KR" sz="1000" dirty="0">
+                <a:latin typeface="AppleSDGothicNeoM00" panose="02000503000000000000" pitchFamily="2" charset="-127"/>
+                <a:ea typeface="AppleSDGothicNeoM00" panose="02000503000000000000" pitchFamily="2" charset="-127"/>
+              </a:rPr>
+              <a:t>bottom</a:t>
+            </a:r>
+            <a:endParaRPr lang="ko-KR" altLang="en-US" sz="1000" dirty="0">
+              <a:latin typeface="AppleSDGothicNeoM00" panose="02000503000000000000" pitchFamily="2" charset="-127"/>
+              <a:ea typeface="AppleSDGothicNeoM00" panose="02000503000000000000" pitchFamily="2" charset="-127"/>
+            </a:endParaRPr>
+          </a:p>
+        </p:txBody>
+      </p:sp>
+      <p:graphicFrame>
+        <p:nvGraphicFramePr>
+          <p:cNvPr id="6" name="표 6">
+            <a:extLst>
+              <a:ext uri="{FF2B5EF4-FFF2-40B4-BE49-F238E27FC236}">
+                <a16:creationId xmlns:a16="http://schemas.microsoft.com/office/drawing/2014/main" id="{4DC09206-4C8B-4FB7-A8F3-73D4C72EB7B3}"/>
+              </a:ext>
+            </a:extLst>
+          </p:cNvPr>
+          <p:cNvGraphicFramePr>
+            <a:graphicFrameLocks noGrp="1"/>
+          </p:cNvGraphicFramePr>
+          <p:nvPr>
+            <p:extLst>
+              <p:ext uri="{D42A27DB-BD31-4B8C-83A1-F6EECF244321}">
+                <p14:modId xmlns:p14="http://schemas.microsoft.com/office/powerpoint/2010/main" val="2059098041"/>
+              </p:ext>
+            </p:extLst>
+          </p:nvPr>
+        </p:nvGraphicFramePr>
+        <p:xfrm>
+          <a:off x="5285999" y="3808193"/>
+          <a:ext cx="1620000" cy="540000"/>
+        </p:xfrm>
+        <a:graphic>
+          <a:graphicData uri="http://schemas.openxmlformats.org/drawingml/2006/table">
+            <a:tbl>
+              <a:tblPr firstRow="1" bandRow="1">
+                <a:tableStyleId>{5940675A-B579-460E-94D1-54222C63F5DA}</a:tableStyleId>
+              </a:tblPr>
+              <a:tblGrid>
+                <a:gridCol w="540000">
+                  <a:extLst>
+                    <a:ext uri="{9D8B030D-6E8A-4147-A177-3AD203B41FA5}">
+                      <a16:colId xmlns:a16="http://schemas.microsoft.com/office/drawing/2014/main" val="2800326601"/>
+                    </a:ext>
+                  </a:extLst>
+                </a:gridCol>
+                <a:gridCol w="540000">
+                  <a:extLst>
+                    <a:ext uri="{9D8B030D-6E8A-4147-A177-3AD203B41FA5}">
+                      <a16:colId xmlns:a16="http://schemas.microsoft.com/office/drawing/2014/main" val="1599625305"/>
+                    </a:ext>
+                  </a:extLst>
+                </a:gridCol>
+                <a:gridCol w="540000">
+                  <a:extLst>
+                    <a:ext uri="{9D8B030D-6E8A-4147-A177-3AD203B41FA5}">
+                      <a16:colId xmlns:a16="http://schemas.microsoft.com/office/drawing/2014/main" val="3449042132"/>
+                    </a:ext>
+                  </a:extLst>
+                </a:gridCol>
+              </a:tblGrid>
+              <a:tr h="540000">
+                <a:tc>
+                  <a:txBody>
+                    <a:bodyPr/>
+                    <a:lstStyle/>
+                    <a:p>
+                      <a:pPr algn="ctr" latinLnBrk="1"/>
+                      <a:endParaRPr lang="ko-KR" altLang="en-US" dirty="0">
+                        <a:latin typeface="AppleSDGothicNeoM00" panose="02000503000000000000" pitchFamily="2" charset="-127"/>
+                        <a:ea typeface="AppleSDGothicNeoM00" panose="02000503000000000000" pitchFamily="2" charset="-127"/>
+                      </a:endParaRPr>
+                    </a:p>
+                  </a:txBody>
+                  <a:tcPr anchor="ctr">
+                    <a:lnR w="12700" cap="flat" cmpd="sng" algn="ctr">
+                      <a:solidFill>
+                        <a:schemeClr val="tx1"/>
+                      </a:solidFill>
+                      <a:prstDash val="dot"/>
+                      <a:round/>
+                      <a:headEnd type="none" w="med" len="med"/>
+                      <a:tailEnd type="none" w="med" len="med"/>
+                    </a:lnR>
+                    <a:solidFill>
+                      <a:srgbClr val="FF6565"/>
+                    </a:solidFill>
+                  </a:tcPr>
+                </a:tc>
+                <a:tc>
+                  <a:txBody>
+                    <a:bodyPr/>
+                    <a:lstStyle/>
+                    <a:p>
+                      <a:pPr algn="ctr" latinLnBrk="1"/>
+                      <a:endParaRPr lang="ko-KR" altLang="en-US" dirty="0">
+                        <a:latin typeface="AppleSDGothicNeoM00" panose="02000503000000000000" pitchFamily="2" charset="-127"/>
+                        <a:ea typeface="AppleSDGothicNeoM00" panose="02000503000000000000" pitchFamily="2" charset="-127"/>
+                      </a:endParaRPr>
+                    </a:p>
+                  </a:txBody>
+                  <a:tcPr anchor="ctr">
+                    <a:lnL w="12700" cap="flat" cmpd="sng" algn="ctr">
+                      <a:solidFill>
+                        <a:schemeClr val="tx1"/>
+                      </a:solidFill>
+                      <a:prstDash val="dot"/>
+                      <a:round/>
+                      <a:headEnd type="none" w="med" len="med"/>
+                      <a:tailEnd type="none" w="med" len="med"/>
+                    </a:lnL>
+                    <a:lnR w="12700" cap="flat" cmpd="sng" algn="ctr">
+                      <a:solidFill>
+                        <a:schemeClr val="tx1"/>
+                      </a:solidFill>
+                      <a:prstDash val="dot"/>
+                      <a:round/>
+                      <a:headEnd type="none" w="med" len="med"/>
+                      <a:tailEnd type="none" w="med" len="med"/>
+                    </a:lnR>
+                    <a:noFill/>
+                  </a:tcPr>
+                </a:tc>
+                <a:tc>
+                  <a:txBody>
+                    <a:bodyPr/>
+                    <a:lstStyle/>
+                    <a:p>
+                      <a:pPr algn="ctr" latinLnBrk="1"/>
+                      <a:endParaRPr lang="ko-KR" altLang="en-US" dirty="0">
+                        <a:latin typeface="AppleSDGothicNeoM00" panose="02000503000000000000" pitchFamily="2" charset="-127"/>
+                        <a:ea typeface="AppleSDGothicNeoM00" panose="02000503000000000000" pitchFamily="2" charset="-127"/>
+                      </a:endParaRPr>
+                    </a:p>
+                  </a:txBody>
+                  <a:tcPr anchor="ctr">
+                    <a:lnL w="12700" cap="flat" cmpd="sng" algn="ctr">
+                      <a:solidFill>
+                        <a:schemeClr val="tx1"/>
+                      </a:solidFill>
+                      <a:prstDash val="dot"/>
+                      <a:round/>
+                      <a:headEnd type="none" w="med" len="med"/>
+                      <a:tailEnd type="none" w="med" len="med"/>
+                    </a:lnL>
+                    <a:lnR w="12700" cap="flat" cmpd="sng" algn="ctr">
+                      <a:noFill/>
+                      <a:prstDash val="solid"/>
+                      <a:round/>
+                      <a:headEnd type="none" w="med" len="med"/>
+                      <a:tailEnd type="none" w="med" len="med"/>
+                    </a:lnR>
+                    <a:noFill/>
+                  </a:tcPr>
+                </a:tc>
+                <a:extLst>
+                  <a:ext uri="{0D108BD9-81ED-4DB2-BD59-A6C34878D82A}">
+                    <a16:rowId xmlns:a16="http://schemas.microsoft.com/office/drawing/2014/main" val="2567201062"/>
+                  </a:ext>
+                </a:extLst>
+              </a:tr>
+            </a:tbl>
+          </a:graphicData>
+        </a:graphic>
+      </p:graphicFrame>
+      <p:sp>
+        <p:nvSpPr>
+          <p:cNvPr id="8" name="TextBox 7">
+            <a:extLst>
+              <a:ext uri="{FF2B5EF4-FFF2-40B4-BE49-F238E27FC236}">
+                <a16:creationId xmlns:a16="http://schemas.microsoft.com/office/drawing/2014/main" id="{C786A39F-E09C-451F-848E-1DC715203F0C}"/>
+              </a:ext>
+            </a:extLst>
+          </p:cNvPr>
+          <p:cNvSpPr txBox="1"/>
+          <p:nvPr/>
+        </p:nvSpPr>
+        <p:spPr>
+          <a:xfrm>
+            <a:off x="4887975" y="2666008"/>
+            <a:ext cx="2537874" cy="369332"/>
+          </a:xfrm>
+          <a:prstGeom prst="rect">
+            <a:avLst/>
+          </a:prstGeom>
+          <a:noFill/>
+        </p:spPr>
+        <p:txBody>
+          <a:bodyPr wrap="none" rtlCol="0">
+            <a:spAutoFit/>
+          </a:bodyPr>
+          <a:lstStyle/>
+          <a:p>
+            <a:r>
+              <a:rPr lang="en-US" altLang="ko-KR" dirty="0">
+                <a:latin typeface="AppleSDGothicNeoM00" panose="02000503000000000000" pitchFamily="2" charset="-127"/>
+                <a:ea typeface="AppleSDGothicNeoM00" panose="02000503000000000000" pitchFamily="2" charset="-127"/>
+              </a:rPr>
+              <a:t>( var x = { y: [ 1, 2, 3 ] } )</a:t>
+            </a:r>
+            <a:endParaRPr lang="ko-KR" altLang="en-US" dirty="0">
+              <a:latin typeface="AppleSDGothicNeoM00" panose="02000503000000000000" pitchFamily="2" charset="-127"/>
+              <a:ea typeface="AppleSDGothicNeoM00" panose="02000503000000000000" pitchFamily="2" charset="-127"/>
+            </a:endParaRPr>
+          </a:p>
+        </p:txBody>
+      </p:sp>
+      <p:sp>
+        <p:nvSpPr>
+          <p:cNvPr id="9" name="직사각형 8">
+            <a:extLst>
+              <a:ext uri="{FF2B5EF4-FFF2-40B4-BE49-F238E27FC236}">
+                <a16:creationId xmlns:a16="http://schemas.microsoft.com/office/drawing/2014/main" id="{DE6B56BA-10E2-4D5F-ACDD-2B7E0E3D1492}"/>
+              </a:ext>
+            </a:extLst>
+          </p:cNvPr>
+          <p:cNvSpPr/>
+          <p:nvPr/>
+        </p:nvSpPr>
+        <p:spPr>
+          <a:xfrm>
+            <a:off x="7207102" y="2666004"/>
+            <a:ext cx="127000" cy="365141"/>
+          </a:xfrm>
+          <a:prstGeom prst="rect">
+            <a:avLst/>
+          </a:prstGeom>
+          <a:solidFill>
+            <a:srgbClr val="FF6565">
+              <a:alpha val="40000"/>
+            </a:srgbClr>
+          </a:solidFill>
+          <a:ln>
+            <a:noFill/>
+          </a:ln>
+        </p:spPr>
+        <p:style>
+          <a:lnRef idx="2">
+            <a:schemeClr val="accent1">
+              <a:shade val="50000"/>
+            </a:schemeClr>
+          </a:lnRef>
+          <a:fillRef idx="1">
+            <a:schemeClr val="accent1"/>
+          </a:fillRef>
+          <a:effectRef idx="0">
+            <a:schemeClr val="accent1"/>
+          </a:effectRef>
+          <a:fontRef idx="minor">
+            <a:schemeClr val="lt1"/>
+          </a:fontRef>
+        </p:style>
+        <p:txBody>
+          <a:bodyPr rtlCol="0" anchor="ctr"/>
+          <a:lstStyle/>
+          <a:p>
+            <a:pPr algn="ctr"/>
+            <a:endParaRPr lang="ko-KR" altLang="en-US"/>
+          </a:p>
+        </p:txBody>
+      </p:sp>
+    </p:spTree>
+    <p:extLst>
+      <p:ext uri="{BB962C8B-B14F-4D97-AF65-F5344CB8AC3E}">
+        <p14:creationId xmlns:p14="http://schemas.microsoft.com/office/powerpoint/2010/main" val="3924581541"/>
+      </p:ext>
+    </p:extLst>
+  </p:cSld>
+  <p:clrMapOvr>
+    <a:masterClrMapping/>
+  </p:clrMapOvr>
+</p:sld>
+</file>
+
+<file path=ppt/slides/slide13.xml><?xml version="1.0" encoding="utf-8"?>
+<p:sld xmlns:a="http://schemas.openxmlformats.org/drawingml/2006/main" xmlns:r="http://schemas.openxmlformats.org/officeDocument/2006/relationships" xmlns:p="http://schemas.openxmlformats.org/presentationml/2006/main">
+  <p:cSld>
+    <p:spTree>
+      <p:nvGrpSpPr>
+        <p:cNvPr id="1" name=""/>
+        <p:cNvGrpSpPr/>
+        <p:nvPr/>
+      </p:nvGrpSpPr>
+      <p:grpSpPr>
+        <a:xfrm>
+          <a:off x="0" y="0"/>
+          <a:ext cx="0" cy="0"/>
+          <a:chOff x="0" y="0"/>
+          <a:chExt cx="0" cy="0"/>
+        </a:xfrm>
+      </p:grpSpPr>
+      <p:sp>
+        <p:nvSpPr>
+          <p:cNvPr id="3" name="직사각형 2">
+            <a:extLst>
+              <a:ext uri="{FF2B5EF4-FFF2-40B4-BE49-F238E27FC236}">
+                <a16:creationId xmlns:a16="http://schemas.microsoft.com/office/drawing/2014/main" id="{A0877D69-93DD-4980-ADD0-ACBC17331F17}"/>
+              </a:ext>
+            </a:extLst>
+          </p:cNvPr>
+          <p:cNvSpPr/>
+          <p:nvPr/>
+        </p:nvSpPr>
+        <p:spPr>
+          <a:xfrm>
+            <a:off x="4620466" y="2548167"/>
+            <a:ext cx="2951064" cy="1761664"/>
+          </a:xfrm>
+          <a:prstGeom prst="rect">
+            <a:avLst/>
+          </a:prstGeom>
+          <a:noFill/>
+          <a:ln>
+            <a:noFill/>
+          </a:ln>
+        </p:spPr>
+        <p:style>
+          <a:lnRef idx="2">
+            <a:schemeClr val="accent1">
+              <a:shade val="50000"/>
+            </a:schemeClr>
+          </a:lnRef>
+          <a:fillRef idx="1">
+            <a:schemeClr val="accent1"/>
+          </a:fillRef>
+          <a:effectRef idx="0">
+            <a:schemeClr val="accent1"/>
+          </a:effectRef>
+          <a:fontRef idx="minor">
+            <a:schemeClr val="lt1"/>
+          </a:fontRef>
+        </p:style>
+        <p:txBody>
+          <a:bodyPr rtlCol="0" anchor="ctr"/>
+          <a:lstStyle/>
+          <a:p>
+            <a:pPr algn="ctr"/>
+            <a:endParaRPr lang="ko-KR" altLang="en-US"/>
+          </a:p>
+        </p:txBody>
+      </p:sp>
+      <p:graphicFrame>
+        <p:nvGraphicFramePr>
+          <p:cNvPr id="6" name="표 6">
+            <a:extLst>
+              <a:ext uri="{FF2B5EF4-FFF2-40B4-BE49-F238E27FC236}">
+                <a16:creationId xmlns:a16="http://schemas.microsoft.com/office/drawing/2014/main" id="{4DC09206-4C8B-4FB7-A8F3-73D4C72EB7B3}"/>
+              </a:ext>
+            </a:extLst>
+          </p:cNvPr>
+          <p:cNvGraphicFramePr>
+            <a:graphicFrameLocks noGrp="1"/>
+          </p:cNvGraphicFramePr>
+          <p:nvPr>
+            <p:extLst>
+              <p:ext uri="{D42A27DB-BD31-4B8C-83A1-F6EECF244321}">
+                <p14:modId xmlns:p14="http://schemas.microsoft.com/office/powerpoint/2010/main" val="2342860235"/>
+              </p:ext>
+            </p:extLst>
+          </p:nvPr>
+        </p:nvGraphicFramePr>
+        <p:xfrm>
+          <a:off x="5285998" y="3158999"/>
+          <a:ext cx="1620000" cy="540000"/>
+        </p:xfrm>
+        <a:graphic>
+          <a:graphicData uri="http://schemas.openxmlformats.org/drawingml/2006/table">
+            <a:tbl>
+              <a:tblPr firstRow="1" bandRow="1">
+                <a:tableStyleId>{5940675A-B579-460E-94D1-54222C63F5DA}</a:tableStyleId>
+              </a:tblPr>
+              <a:tblGrid>
+                <a:gridCol w="540000">
+                  <a:extLst>
+                    <a:ext uri="{9D8B030D-6E8A-4147-A177-3AD203B41FA5}">
+                      <a16:colId xmlns:a16="http://schemas.microsoft.com/office/drawing/2014/main" val="2800326601"/>
+                    </a:ext>
+                  </a:extLst>
+                </a:gridCol>
+                <a:gridCol w="540000">
+                  <a:extLst>
+                    <a:ext uri="{9D8B030D-6E8A-4147-A177-3AD203B41FA5}">
+                      <a16:colId xmlns:a16="http://schemas.microsoft.com/office/drawing/2014/main" val="1599625305"/>
+                    </a:ext>
+                  </a:extLst>
+                </a:gridCol>
+                <a:gridCol w="540000">
+                  <a:extLst>
+                    <a:ext uri="{9D8B030D-6E8A-4147-A177-3AD203B41FA5}">
+                      <a16:colId xmlns:a16="http://schemas.microsoft.com/office/drawing/2014/main" val="3449042132"/>
+                    </a:ext>
+                  </a:extLst>
+                </a:gridCol>
+              </a:tblGrid>
+              <a:tr h="540000">
+                <a:tc>
+                  <a:txBody>
+                    <a:bodyPr/>
+                    <a:lstStyle/>
+                    <a:p>
+                      <a:pPr algn="ctr" latinLnBrk="1"/>
+                      <a:r>
+                        <a:rPr lang="en-US" altLang="ko-KR" dirty="0">
+                          <a:latin typeface="AppleSDGothicNeoM00" panose="02000503000000000000" pitchFamily="2" charset="-127"/>
+                          <a:ea typeface="AppleSDGothicNeoM00" panose="02000503000000000000" pitchFamily="2" charset="-127"/>
+                        </a:rPr>
+                        <a:t>8</a:t>
+                      </a:r>
+                      <a:endParaRPr lang="ko-KR" altLang="en-US" dirty="0">
+                        <a:latin typeface="AppleSDGothicNeoM00" panose="02000503000000000000" pitchFamily="2" charset="-127"/>
+                        <a:ea typeface="AppleSDGothicNeoM00" panose="02000503000000000000" pitchFamily="2" charset="-127"/>
+                      </a:endParaRPr>
+                    </a:p>
+                  </a:txBody>
+                  <a:tcPr anchor="ctr">
+                    <a:lnL w="12700" cap="flat" cmpd="sng" algn="ctr">
+                      <a:noFill/>
+                      <a:prstDash val="dot"/>
+                      <a:round/>
+                      <a:headEnd type="none" w="med" len="med"/>
+                      <a:tailEnd type="none" w="med" len="med"/>
+                    </a:lnL>
+                    <a:lnR w="12700" cap="flat" cmpd="sng" algn="ctr">
+                      <a:solidFill>
+                        <a:schemeClr val="tx1"/>
+                      </a:solidFill>
+                      <a:prstDash val="dot"/>
+                      <a:round/>
+                      <a:headEnd type="none" w="med" len="med"/>
+                      <a:tailEnd type="none" w="med" len="med"/>
+                    </a:lnR>
+                    <a:solidFill>
+                      <a:srgbClr val="72EA78"/>
+                    </a:solidFill>
+                  </a:tcPr>
+                </a:tc>
+                <a:tc>
+                  <a:txBody>
+                    <a:bodyPr/>
+                    <a:lstStyle/>
+                    <a:p>
+                      <a:pPr algn="ctr" latinLnBrk="1"/>
+                      <a:endParaRPr lang="ko-KR" altLang="en-US" dirty="0">
+                        <a:latin typeface="AppleSDGothicNeoM00" panose="02000503000000000000" pitchFamily="2" charset="-127"/>
+                        <a:ea typeface="AppleSDGothicNeoM00" panose="02000503000000000000" pitchFamily="2" charset="-127"/>
+                      </a:endParaRPr>
+                    </a:p>
+                  </a:txBody>
+                  <a:tcPr anchor="ctr">
+                    <a:lnL w="12700" cap="flat" cmpd="sng" algn="ctr">
+                      <a:solidFill>
+                        <a:schemeClr val="tx1"/>
+                      </a:solidFill>
+                      <a:prstDash val="dot"/>
+                      <a:round/>
+                      <a:headEnd type="none" w="med" len="med"/>
+                      <a:tailEnd type="none" w="med" len="med"/>
+                    </a:lnL>
+                    <a:lnR w="12700" cap="flat" cmpd="sng" algn="ctr">
+                      <a:solidFill>
+                        <a:schemeClr val="tx1"/>
+                      </a:solidFill>
+                      <a:prstDash val="dot"/>
+                      <a:round/>
+                      <a:headEnd type="none" w="med" len="med"/>
+                      <a:tailEnd type="none" w="med" len="med"/>
+                    </a:lnR>
+                  </a:tcPr>
+                </a:tc>
+                <a:tc>
+                  <a:txBody>
+                    <a:bodyPr/>
+                    <a:lstStyle/>
+                    <a:p>
+                      <a:pPr algn="ctr" latinLnBrk="1"/>
+                      <a:endParaRPr lang="ko-KR" altLang="en-US" dirty="0">
+                        <a:latin typeface="AppleSDGothicNeoM00" panose="02000503000000000000" pitchFamily="2" charset="-127"/>
+                        <a:ea typeface="AppleSDGothicNeoM00" panose="02000503000000000000" pitchFamily="2" charset="-127"/>
+                      </a:endParaRPr>
+                    </a:p>
+                  </a:txBody>
+                  <a:tcPr anchor="ctr">
+                    <a:lnL w="12700" cap="flat" cmpd="sng" algn="ctr">
+                      <a:solidFill>
+                        <a:schemeClr val="tx1"/>
+                      </a:solidFill>
+                      <a:prstDash val="dot"/>
+                      <a:round/>
+                      <a:headEnd type="none" w="med" len="med"/>
+                      <a:tailEnd type="none" w="med" len="med"/>
+                    </a:lnL>
+                    <a:lnR w="12700" cap="flat" cmpd="sng" algn="ctr">
+                      <a:noFill/>
+                      <a:prstDash val="solid"/>
+                      <a:round/>
+                      <a:headEnd type="none" w="med" len="med"/>
+                      <a:tailEnd type="none" w="med" len="med"/>
+                    </a:lnR>
+                  </a:tcPr>
+                </a:tc>
+                <a:extLst>
+                  <a:ext uri="{0D108BD9-81ED-4DB2-BD59-A6C34878D82A}">
+                    <a16:rowId xmlns:a16="http://schemas.microsoft.com/office/drawing/2014/main" val="2567201062"/>
+                  </a:ext>
+                </a:extLst>
+              </a:tr>
+            </a:tbl>
+          </a:graphicData>
+        </a:graphic>
+      </p:graphicFrame>
+      <p:sp>
+        <p:nvSpPr>
+          <p:cNvPr id="7" name="TextBox 6">
+            <a:extLst>
+              <a:ext uri="{FF2B5EF4-FFF2-40B4-BE49-F238E27FC236}">
+                <a16:creationId xmlns:a16="http://schemas.microsoft.com/office/drawing/2014/main" id="{2E6216BC-2C57-440D-99C7-C8F0D756224A}"/>
+              </a:ext>
+            </a:extLst>
+          </p:cNvPr>
+          <p:cNvSpPr txBox="1"/>
+          <p:nvPr/>
+        </p:nvSpPr>
+        <p:spPr>
+          <a:xfrm>
+            <a:off x="6541796" y="2912777"/>
+            <a:ext cx="364202" cy="246221"/>
+          </a:xfrm>
+          <a:prstGeom prst="rect">
+            <a:avLst/>
+          </a:prstGeom>
+          <a:noFill/>
+        </p:spPr>
+        <p:txBody>
+          <a:bodyPr wrap="none" rtlCol="0">
+            <a:spAutoFit/>
+          </a:bodyPr>
+          <a:lstStyle/>
+          <a:p>
+            <a:r>
+              <a:rPr lang="en-US" altLang="ko-KR" sz="1000" dirty="0">
+                <a:latin typeface="AppleSDGothicNeoM00" panose="02000503000000000000" pitchFamily="2" charset="-127"/>
+                <a:ea typeface="AppleSDGothicNeoM00" panose="02000503000000000000" pitchFamily="2" charset="-127"/>
+              </a:rPr>
+              <a:t>out</a:t>
+            </a:r>
+            <a:endParaRPr lang="ko-KR" altLang="en-US" sz="1000" dirty="0">
+              <a:latin typeface="AppleSDGothicNeoM00" panose="02000503000000000000" pitchFamily="2" charset="-127"/>
+              <a:ea typeface="AppleSDGothicNeoM00" panose="02000503000000000000" pitchFamily="2" charset="-127"/>
+            </a:endParaRPr>
+          </a:p>
+        </p:txBody>
+      </p:sp>
+      <p:sp>
+        <p:nvSpPr>
+          <p:cNvPr id="9" name="TextBox 8">
+            <a:extLst>
+              <a:ext uri="{FF2B5EF4-FFF2-40B4-BE49-F238E27FC236}">
+                <a16:creationId xmlns:a16="http://schemas.microsoft.com/office/drawing/2014/main" id="{5A375AF1-C5CA-400B-ACDC-65FC6F425A65}"/>
+              </a:ext>
+            </a:extLst>
+          </p:cNvPr>
+          <p:cNvSpPr txBox="1"/>
+          <p:nvPr/>
+        </p:nvSpPr>
+        <p:spPr>
+          <a:xfrm>
+            <a:off x="5285997" y="2912778"/>
+            <a:ext cx="280846" cy="246221"/>
+          </a:xfrm>
+          <a:prstGeom prst="rect">
+            <a:avLst/>
+          </a:prstGeom>
+          <a:noFill/>
+        </p:spPr>
+        <p:txBody>
+          <a:bodyPr wrap="none" rtlCol="0">
+            <a:spAutoFit/>
+          </a:bodyPr>
+          <a:lstStyle/>
+          <a:p>
+            <a:r>
+              <a:rPr lang="en-US" altLang="ko-KR" sz="1000" dirty="0">
+                <a:latin typeface="AppleSDGothicNeoM00" panose="02000503000000000000" pitchFamily="2" charset="-127"/>
+                <a:ea typeface="AppleSDGothicNeoM00" panose="02000503000000000000" pitchFamily="2" charset="-127"/>
+              </a:rPr>
+              <a:t>in</a:t>
+            </a:r>
+            <a:endParaRPr lang="ko-KR" altLang="en-US" sz="1000" dirty="0">
+              <a:latin typeface="AppleSDGothicNeoM00" panose="02000503000000000000" pitchFamily="2" charset="-127"/>
+              <a:ea typeface="AppleSDGothicNeoM00" panose="02000503000000000000" pitchFamily="2" charset="-127"/>
+            </a:endParaRPr>
+          </a:p>
+        </p:txBody>
+      </p:sp>
+    </p:spTree>
+    <p:extLst>
+      <p:ext uri="{BB962C8B-B14F-4D97-AF65-F5344CB8AC3E}">
+        <p14:creationId xmlns:p14="http://schemas.microsoft.com/office/powerpoint/2010/main" val="3947131160"/>
+      </p:ext>
+    </p:extLst>
+  </p:cSld>
+  <p:clrMapOvr>
+    <a:masterClrMapping/>
+  </p:clrMapOvr>
+</p:sld>
+</file>
+
+<file path=ppt/slides/slide14.xml><?xml version="1.0" encoding="utf-8"?>
+<p:sld xmlns:a="http://schemas.openxmlformats.org/drawingml/2006/main" xmlns:r="http://schemas.openxmlformats.org/officeDocument/2006/relationships" xmlns:p="http://schemas.openxmlformats.org/presentationml/2006/main">
+  <p:cSld>
+    <p:spTree>
+      <p:nvGrpSpPr>
+        <p:cNvPr id="1" name=""/>
+        <p:cNvGrpSpPr/>
+        <p:nvPr/>
+      </p:nvGrpSpPr>
+      <p:grpSpPr>
+        <a:xfrm>
+          <a:off x="0" y="0"/>
+          <a:ext cx="0" cy="0"/>
+          <a:chOff x="0" y="0"/>
+          <a:chExt cx="0" cy="0"/>
+        </a:xfrm>
+      </p:grpSpPr>
+      <p:sp>
+        <p:nvSpPr>
+          <p:cNvPr id="3" name="직사각형 2">
+            <a:extLst>
+              <a:ext uri="{FF2B5EF4-FFF2-40B4-BE49-F238E27FC236}">
+                <a16:creationId xmlns:a16="http://schemas.microsoft.com/office/drawing/2014/main" id="{A0877D69-93DD-4980-ADD0-ACBC17331F17}"/>
+              </a:ext>
+            </a:extLst>
+          </p:cNvPr>
+          <p:cNvSpPr/>
+          <p:nvPr/>
+        </p:nvSpPr>
+        <p:spPr>
+          <a:xfrm>
+            <a:off x="4620466" y="2548167"/>
+            <a:ext cx="2951064" cy="1761664"/>
+          </a:xfrm>
+          <a:prstGeom prst="rect">
+            <a:avLst/>
+          </a:prstGeom>
+          <a:noFill/>
+          <a:ln>
+            <a:noFill/>
+          </a:ln>
+        </p:spPr>
+        <p:style>
+          <a:lnRef idx="2">
+            <a:schemeClr val="accent1">
+              <a:shade val="50000"/>
+            </a:schemeClr>
+          </a:lnRef>
+          <a:fillRef idx="1">
+            <a:schemeClr val="accent1"/>
+          </a:fillRef>
+          <a:effectRef idx="0">
+            <a:schemeClr val="accent1"/>
+          </a:effectRef>
+          <a:fontRef idx="minor">
+            <a:schemeClr val="lt1"/>
+          </a:fontRef>
+        </p:style>
+        <p:txBody>
+          <a:bodyPr rtlCol="0" anchor="ctr"/>
+          <a:lstStyle/>
+          <a:p>
+            <a:pPr algn="ctr"/>
+            <a:endParaRPr lang="ko-KR" altLang="en-US"/>
+          </a:p>
+        </p:txBody>
+      </p:sp>
+      <p:graphicFrame>
+        <p:nvGraphicFramePr>
+          <p:cNvPr id="6" name="표 6">
+            <a:extLst>
+              <a:ext uri="{FF2B5EF4-FFF2-40B4-BE49-F238E27FC236}">
+                <a16:creationId xmlns:a16="http://schemas.microsoft.com/office/drawing/2014/main" id="{4DC09206-4C8B-4FB7-A8F3-73D4C72EB7B3}"/>
+              </a:ext>
+            </a:extLst>
+          </p:cNvPr>
+          <p:cNvGraphicFramePr>
+            <a:graphicFrameLocks noGrp="1"/>
+          </p:cNvGraphicFramePr>
+          <p:nvPr>
+            <p:extLst>
+              <p:ext uri="{D42A27DB-BD31-4B8C-83A1-F6EECF244321}">
+                <p14:modId xmlns:p14="http://schemas.microsoft.com/office/powerpoint/2010/main" val="2842533337"/>
+              </p:ext>
+            </p:extLst>
+          </p:nvPr>
+        </p:nvGraphicFramePr>
+        <p:xfrm>
+          <a:off x="5285998" y="3158999"/>
+          <a:ext cx="1620000" cy="540000"/>
+        </p:xfrm>
+        <a:graphic>
+          <a:graphicData uri="http://schemas.openxmlformats.org/drawingml/2006/table">
+            <a:tbl>
+              <a:tblPr firstRow="1" bandRow="1">
+                <a:tableStyleId>{5940675A-B579-460E-94D1-54222C63F5DA}</a:tableStyleId>
+              </a:tblPr>
+              <a:tblGrid>
+                <a:gridCol w="540000">
+                  <a:extLst>
+                    <a:ext uri="{9D8B030D-6E8A-4147-A177-3AD203B41FA5}">
+                      <a16:colId xmlns:a16="http://schemas.microsoft.com/office/drawing/2014/main" val="2800326601"/>
+                    </a:ext>
+                  </a:extLst>
+                </a:gridCol>
+                <a:gridCol w="540000">
+                  <a:extLst>
+                    <a:ext uri="{9D8B030D-6E8A-4147-A177-3AD203B41FA5}">
+                      <a16:colId xmlns:a16="http://schemas.microsoft.com/office/drawing/2014/main" val="1599625305"/>
+                    </a:ext>
+                  </a:extLst>
+                </a:gridCol>
+                <a:gridCol w="540000">
+                  <a:extLst>
+                    <a:ext uri="{9D8B030D-6E8A-4147-A177-3AD203B41FA5}">
+                      <a16:colId xmlns:a16="http://schemas.microsoft.com/office/drawing/2014/main" val="3449042132"/>
+                    </a:ext>
+                  </a:extLst>
+                </a:gridCol>
+              </a:tblGrid>
+              <a:tr h="540000">
+                <a:tc>
+                  <a:txBody>
+                    <a:bodyPr/>
+                    <a:lstStyle/>
+                    <a:p>
+                      <a:pPr algn="ctr" latinLnBrk="1"/>
+                      <a:r>
+                        <a:rPr lang="en-US" altLang="ko-KR" dirty="0">
+                          <a:latin typeface="AppleSDGothicNeoM00" panose="02000503000000000000" pitchFamily="2" charset="-127"/>
+                          <a:ea typeface="AppleSDGothicNeoM00" panose="02000503000000000000" pitchFamily="2" charset="-127"/>
+                        </a:rPr>
+                        <a:t>93</a:t>
+                      </a:r>
+                      <a:endParaRPr lang="ko-KR" altLang="en-US" dirty="0">
+                        <a:latin typeface="AppleSDGothicNeoM00" panose="02000503000000000000" pitchFamily="2" charset="-127"/>
+                        <a:ea typeface="AppleSDGothicNeoM00" panose="02000503000000000000" pitchFamily="2" charset="-127"/>
+                      </a:endParaRPr>
+                    </a:p>
+                  </a:txBody>
+                  <a:tcPr anchor="ctr">
+                    <a:lnL w="12700" cap="flat" cmpd="sng" algn="ctr">
+                      <a:noFill/>
+                      <a:prstDash val="dot"/>
+                      <a:round/>
+                      <a:headEnd type="none" w="med" len="med"/>
+                      <a:tailEnd type="none" w="med" len="med"/>
+                    </a:lnL>
+                    <a:lnR w="12700" cap="flat" cmpd="sng" algn="ctr">
+                      <a:solidFill>
+                        <a:schemeClr val="tx1"/>
+                      </a:solidFill>
+                      <a:prstDash val="dot"/>
+                      <a:round/>
+                      <a:headEnd type="none" w="med" len="med"/>
+                      <a:tailEnd type="none" w="med" len="med"/>
+                    </a:lnR>
+                    <a:solidFill>
+                      <a:srgbClr val="72EA78"/>
+                    </a:solidFill>
+                  </a:tcPr>
+                </a:tc>
+                <a:tc>
+                  <a:txBody>
+                    <a:bodyPr/>
+                    <a:lstStyle/>
+                    <a:p>
+                      <a:pPr algn="ctr" latinLnBrk="1"/>
+                      <a:r>
+                        <a:rPr lang="en-US" altLang="ko-KR" dirty="0">
+                          <a:latin typeface="AppleSDGothicNeoM00" panose="02000503000000000000" pitchFamily="2" charset="-127"/>
+                          <a:ea typeface="AppleSDGothicNeoM00" panose="02000503000000000000" pitchFamily="2" charset="-127"/>
+                        </a:rPr>
+                        <a:t>8</a:t>
+                      </a:r>
+                      <a:endParaRPr lang="ko-KR" altLang="en-US" dirty="0">
+                        <a:latin typeface="AppleSDGothicNeoM00" panose="02000503000000000000" pitchFamily="2" charset="-127"/>
+                        <a:ea typeface="AppleSDGothicNeoM00" panose="02000503000000000000" pitchFamily="2" charset="-127"/>
+                      </a:endParaRPr>
+                    </a:p>
+                  </a:txBody>
+                  <a:tcPr anchor="ctr">
+                    <a:lnL w="12700" cap="flat" cmpd="sng" algn="ctr">
+                      <a:solidFill>
+                        <a:schemeClr val="tx1"/>
+                      </a:solidFill>
+                      <a:prstDash val="dot"/>
+                      <a:round/>
+                      <a:headEnd type="none" w="med" len="med"/>
+                      <a:tailEnd type="none" w="med" len="med"/>
+                    </a:lnL>
+                    <a:lnR w="12700" cap="flat" cmpd="sng" algn="ctr">
+                      <a:solidFill>
+                        <a:schemeClr val="tx1"/>
+                      </a:solidFill>
+                      <a:prstDash val="dot"/>
+                      <a:round/>
+                      <a:headEnd type="none" w="med" len="med"/>
+                      <a:tailEnd type="none" w="med" len="med"/>
+                    </a:lnR>
+                  </a:tcPr>
+                </a:tc>
+                <a:tc>
+                  <a:txBody>
+                    <a:bodyPr/>
+                    <a:lstStyle/>
+                    <a:p>
+                      <a:pPr algn="ctr" latinLnBrk="1"/>
+                      <a:endParaRPr lang="ko-KR" altLang="en-US" dirty="0">
+                        <a:latin typeface="AppleSDGothicNeoM00" panose="02000503000000000000" pitchFamily="2" charset="-127"/>
+                        <a:ea typeface="AppleSDGothicNeoM00" panose="02000503000000000000" pitchFamily="2" charset="-127"/>
+                      </a:endParaRPr>
+                    </a:p>
+                  </a:txBody>
+                  <a:tcPr anchor="ctr">
+                    <a:lnL w="12700" cap="flat" cmpd="sng" algn="ctr">
+                      <a:solidFill>
+                        <a:schemeClr val="tx1"/>
+                      </a:solidFill>
+                      <a:prstDash val="dot"/>
+                      <a:round/>
+                      <a:headEnd type="none" w="med" len="med"/>
+                      <a:tailEnd type="none" w="med" len="med"/>
+                    </a:lnL>
+                    <a:lnR w="12700" cap="flat" cmpd="sng" algn="ctr">
+                      <a:noFill/>
+                      <a:prstDash val="solid"/>
+                      <a:round/>
+                      <a:headEnd type="none" w="med" len="med"/>
+                      <a:tailEnd type="none" w="med" len="med"/>
+                    </a:lnR>
+                  </a:tcPr>
+                </a:tc>
+                <a:extLst>
+                  <a:ext uri="{0D108BD9-81ED-4DB2-BD59-A6C34878D82A}">
+                    <a16:rowId xmlns:a16="http://schemas.microsoft.com/office/drawing/2014/main" val="2567201062"/>
+                  </a:ext>
+                </a:extLst>
+              </a:tr>
+            </a:tbl>
+          </a:graphicData>
+        </a:graphic>
+      </p:graphicFrame>
+      <p:sp>
+        <p:nvSpPr>
+          <p:cNvPr id="7" name="TextBox 6">
+            <a:extLst>
+              <a:ext uri="{FF2B5EF4-FFF2-40B4-BE49-F238E27FC236}">
+                <a16:creationId xmlns:a16="http://schemas.microsoft.com/office/drawing/2014/main" id="{2E6216BC-2C57-440D-99C7-C8F0D756224A}"/>
+              </a:ext>
+            </a:extLst>
+          </p:cNvPr>
+          <p:cNvSpPr txBox="1"/>
+          <p:nvPr/>
+        </p:nvSpPr>
+        <p:spPr>
+          <a:xfrm>
+            <a:off x="6541796" y="2912777"/>
+            <a:ext cx="364202" cy="246221"/>
+          </a:xfrm>
+          <a:prstGeom prst="rect">
+            <a:avLst/>
+          </a:prstGeom>
+          <a:noFill/>
+        </p:spPr>
+        <p:txBody>
+          <a:bodyPr wrap="none" rtlCol="0">
+            <a:spAutoFit/>
+          </a:bodyPr>
+          <a:lstStyle/>
+          <a:p>
+            <a:r>
+              <a:rPr lang="en-US" altLang="ko-KR" sz="1000" dirty="0">
+                <a:latin typeface="AppleSDGothicNeoM00" panose="02000503000000000000" pitchFamily="2" charset="-127"/>
+                <a:ea typeface="AppleSDGothicNeoM00" panose="02000503000000000000" pitchFamily="2" charset="-127"/>
+              </a:rPr>
+              <a:t>out</a:t>
+            </a:r>
+            <a:endParaRPr lang="ko-KR" altLang="en-US" sz="1000" dirty="0">
+              <a:latin typeface="AppleSDGothicNeoM00" panose="02000503000000000000" pitchFamily="2" charset="-127"/>
+              <a:ea typeface="AppleSDGothicNeoM00" panose="02000503000000000000" pitchFamily="2" charset="-127"/>
+            </a:endParaRPr>
+          </a:p>
+        </p:txBody>
+      </p:sp>
+      <p:sp>
+        <p:nvSpPr>
+          <p:cNvPr id="9" name="TextBox 8">
+            <a:extLst>
+              <a:ext uri="{FF2B5EF4-FFF2-40B4-BE49-F238E27FC236}">
+                <a16:creationId xmlns:a16="http://schemas.microsoft.com/office/drawing/2014/main" id="{5A375AF1-C5CA-400B-ACDC-65FC6F425A65}"/>
+              </a:ext>
+            </a:extLst>
+          </p:cNvPr>
+          <p:cNvSpPr txBox="1"/>
+          <p:nvPr/>
+        </p:nvSpPr>
+        <p:spPr>
+          <a:xfrm>
+            <a:off x="5285997" y="2912778"/>
+            <a:ext cx="280846" cy="246221"/>
+          </a:xfrm>
+          <a:prstGeom prst="rect">
+            <a:avLst/>
+          </a:prstGeom>
+          <a:noFill/>
+        </p:spPr>
+        <p:txBody>
+          <a:bodyPr wrap="none" rtlCol="0">
+            <a:spAutoFit/>
+          </a:bodyPr>
+          <a:lstStyle/>
+          <a:p>
+            <a:r>
+              <a:rPr lang="en-US" altLang="ko-KR" sz="1000" dirty="0">
+                <a:latin typeface="AppleSDGothicNeoM00" panose="02000503000000000000" pitchFamily="2" charset="-127"/>
+                <a:ea typeface="AppleSDGothicNeoM00" panose="02000503000000000000" pitchFamily="2" charset="-127"/>
+              </a:rPr>
+              <a:t>in</a:t>
+            </a:r>
+            <a:endParaRPr lang="ko-KR" altLang="en-US" sz="1000" dirty="0">
+              <a:latin typeface="AppleSDGothicNeoM00" panose="02000503000000000000" pitchFamily="2" charset="-127"/>
+              <a:ea typeface="AppleSDGothicNeoM00" panose="02000503000000000000" pitchFamily="2" charset="-127"/>
+            </a:endParaRPr>
+          </a:p>
+        </p:txBody>
+      </p:sp>
+    </p:spTree>
+    <p:extLst>
+      <p:ext uri="{BB962C8B-B14F-4D97-AF65-F5344CB8AC3E}">
+        <p14:creationId xmlns:p14="http://schemas.microsoft.com/office/powerpoint/2010/main" val="1669794085"/>
+      </p:ext>
+    </p:extLst>
+  </p:cSld>
+  <p:clrMapOvr>
+    <a:masterClrMapping/>
+  </p:clrMapOvr>
+</p:sld>
+</file>
+
+<file path=ppt/slides/slide15.xml><?xml version="1.0" encoding="utf-8"?>
+<p:sld xmlns:a="http://schemas.openxmlformats.org/drawingml/2006/main" xmlns:r="http://schemas.openxmlformats.org/officeDocument/2006/relationships" xmlns:p="http://schemas.openxmlformats.org/presentationml/2006/main">
+  <p:cSld>
+    <p:spTree>
+      <p:nvGrpSpPr>
+        <p:cNvPr id="1" name=""/>
+        <p:cNvGrpSpPr/>
+        <p:nvPr/>
+      </p:nvGrpSpPr>
+      <p:grpSpPr>
+        <a:xfrm>
+          <a:off x="0" y="0"/>
+          <a:ext cx="0" cy="0"/>
+          <a:chOff x="0" y="0"/>
+          <a:chExt cx="0" cy="0"/>
+        </a:xfrm>
+      </p:grpSpPr>
+      <p:sp>
+        <p:nvSpPr>
+          <p:cNvPr id="3" name="직사각형 2">
+            <a:extLst>
+              <a:ext uri="{FF2B5EF4-FFF2-40B4-BE49-F238E27FC236}">
+                <a16:creationId xmlns:a16="http://schemas.microsoft.com/office/drawing/2014/main" id="{A0877D69-93DD-4980-ADD0-ACBC17331F17}"/>
+              </a:ext>
+            </a:extLst>
+          </p:cNvPr>
+          <p:cNvSpPr/>
+          <p:nvPr/>
+        </p:nvSpPr>
+        <p:spPr>
+          <a:xfrm>
+            <a:off x="4620466" y="2548167"/>
+            <a:ext cx="2951064" cy="1761664"/>
+          </a:xfrm>
+          <a:prstGeom prst="rect">
+            <a:avLst/>
+          </a:prstGeom>
+          <a:noFill/>
+          <a:ln>
+            <a:noFill/>
+          </a:ln>
+        </p:spPr>
+        <p:style>
+          <a:lnRef idx="2">
+            <a:schemeClr val="accent1">
+              <a:shade val="50000"/>
+            </a:schemeClr>
+          </a:lnRef>
+          <a:fillRef idx="1">
+            <a:schemeClr val="accent1"/>
+          </a:fillRef>
+          <a:effectRef idx="0">
+            <a:schemeClr val="accent1"/>
+          </a:effectRef>
+          <a:fontRef idx="minor">
+            <a:schemeClr val="lt1"/>
+          </a:fontRef>
+        </p:style>
+        <p:txBody>
+          <a:bodyPr rtlCol="0" anchor="ctr"/>
+          <a:lstStyle/>
+          <a:p>
+            <a:pPr algn="ctr"/>
+            <a:endParaRPr lang="ko-KR" altLang="en-US"/>
+          </a:p>
+        </p:txBody>
+      </p:sp>
+      <p:graphicFrame>
+        <p:nvGraphicFramePr>
+          <p:cNvPr id="6" name="표 6">
+            <a:extLst>
+              <a:ext uri="{FF2B5EF4-FFF2-40B4-BE49-F238E27FC236}">
+                <a16:creationId xmlns:a16="http://schemas.microsoft.com/office/drawing/2014/main" id="{4DC09206-4C8B-4FB7-A8F3-73D4C72EB7B3}"/>
+              </a:ext>
+            </a:extLst>
+          </p:cNvPr>
+          <p:cNvGraphicFramePr>
+            <a:graphicFrameLocks noGrp="1"/>
+          </p:cNvGraphicFramePr>
+          <p:nvPr>
+            <p:extLst>
+              <p:ext uri="{D42A27DB-BD31-4B8C-83A1-F6EECF244321}">
+                <p14:modId xmlns:p14="http://schemas.microsoft.com/office/powerpoint/2010/main" val="1270792495"/>
+              </p:ext>
+            </p:extLst>
+          </p:nvPr>
+        </p:nvGraphicFramePr>
+        <p:xfrm>
+          <a:off x="5285998" y="3158999"/>
+          <a:ext cx="1620000" cy="540000"/>
+        </p:xfrm>
+        <a:graphic>
+          <a:graphicData uri="http://schemas.openxmlformats.org/drawingml/2006/table">
+            <a:tbl>
+              <a:tblPr firstRow="1" bandRow="1">
+                <a:tableStyleId>{5940675A-B579-460E-94D1-54222C63F5DA}</a:tableStyleId>
+              </a:tblPr>
+              <a:tblGrid>
+                <a:gridCol w="540000">
+                  <a:extLst>
+                    <a:ext uri="{9D8B030D-6E8A-4147-A177-3AD203B41FA5}">
+                      <a16:colId xmlns:a16="http://schemas.microsoft.com/office/drawing/2014/main" val="2800326601"/>
+                    </a:ext>
+                  </a:extLst>
+                </a:gridCol>
+                <a:gridCol w="540000">
+                  <a:extLst>
+                    <a:ext uri="{9D8B030D-6E8A-4147-A177-3AD203B41FA5}">
+                      <a16:colId xmlns:a16="http://schemas.microsoft.com/office/drawing/2014/main" val="1599625305"/>
+                    </a:ext>
+                  </a:extLst>
+                </a:gridCol>
+                <a:gridCol w="540000">
+                  <a:extLst>
+                    <a:ext uri="{9D8B030D-6E8A-4147-A177-3AD203B41FA5}">
+                      <a16:colId xmlns:a16="http://schemas.microsoft.com/office/drawing/2014/main" val="3449042132"/>
+                    </a:ext>
+                  </a:extLst>
+                </a:gridCol>
+              </a:tblGrid>
+              <a:tr h="540000">
+                <a:tc>
+                  <a:txBody>
+                    <a:bodyPr/>
+                    <a:lstStyle/>
+                    <a:p>
+                      <a:pPr algn="ctr" latinLnBrk="1"/>
+                      <a:r>
+                        <a:rPr lang="en-US" altLang="ko-KR" dirty="0">
+                          <a:latin typeface="AppleSDGothicNeoM00" panose="02000503000000000000" pitchFamily="2" charset="-127"/>
+                          <a:ea typeface="AppleSDGothicNeoM00" panose="02000503000000000000" pitchFamily="2" charset="-127"/>
+                        </a:rPr>
+                        <a:t>51</a:t>
+                      </a:r>
+                      <a:endParaRPr lang="ko-KR" altLang="en-US" dirty="0">
+                        <a:latin typeface="AppleSDGothicNeoM00" panose="02000503000000000000" pitchFamily="2" charset="-127"/>
+                        <a:ea typeface="AppleSDGothicNeoM00" panose="02000503000000000000" pitchFamily="2" charset="-127"/>
+                      </a:endParaRPr>
+                    </a:p>
+                  </a:txBody>
+                  <a:tcPr anchor="ctr">
+                    <a:lnL w="12700" cap="flat" cmpd="sng" algn="ctr">
+                      <a:noFill/>
+                      <a:prstDash val="dot"/>
+                      <a:round/>
+                      <a:headEnd type="none" w="med" len="med"/>
+                      <a:tailEnd type="none" w="med" len="med"/>
+                    </a:lnL>
+                    <a:lnR w="12700" cap="flat" cmpd="sng" algn="ctr">
+                      <a:solidFill>
+                        <a:schemeClr val="tx1"/>
+                      </a:solidFill>
+                      <a:prstDash val="dot"/>
+                      <a:round/>
+                      <a:headEnd type="none" w="med" len="med"/>
+                      <a:tailEnd type="none" w="med" len="med"/>
+                    </a:lnR>
+                    <a:solidFill>
+                      <a:srgbClr val="72EA78"/>
+                    </a:solidFill>
+                  </a:tcPr>
+                </a:tc>
+                <a:tc>
+                  <a:txBody>
+                    <a:bodyPr/>
+                    <a:lstStyle/>
+                    <a:p>
+                      <a:pPr algn="ctr" latinLnBrk="1"/>
+                      <a:r>
+                        <a:rPr lang="en-US" altLang="ko-KR" dirty="0">
+                          <a:latin typeface="AppleSDGothicNeoM00" panose="02000503000000000000" pitchFamily="2" charset="-127"/>
+                          <a:ea typeface="AppleSDGothicNeoM00" panose="02000503000000000000" pitchFamily="2" charset="-127"/>
+                        </a:rPr>
+                        <a:t>93</a:t>
+                      </a:r>
+                      <a:endParaRPr lang="ko-KR" altLang="en-US" dirty="0">
+                        <a:latin typeface="AppleSDGothicNeoM00" panose="02000503000000000000" pitchFamily="2" charset="-127"/>
+                        <a:ea typeface="AppleSDGothicNeoM00" panose="02000503000000000000" pitchFamily="2" charset="-127"/>
+                      </a:endParaRPr>
+                    </a:p>
+                  </a:txBody>
+                  <a:tcPr anchor="ctr">
+                    <a:lnL w="12700" cap="flat" cmpd="sng" algn="ctr">
+                      <a:solidFill>
+                        <a:schemeClr val="tx1"/>
+                      </a:solidFill>
+                      <a:prstDash val="dot"/>
+                      <a:round/>
+                      <a:headEnd type="none" w="med" len="med"/>
+                      <a:tailEnd type="none" w="med" len="med"/>
+                    </a:lnL>
+                    <a:lnR w="12700" cap="flat" cmpd="sng" algn="ctr">
+                      <a:solidFill>
+                        <a:schemeClr val="tx1"/>
+                      </a:solidFill>
+                      <a:prstDash val="dot"/>
+                      <a:round/>
+                      <a:headEnd type="none" w="med" len="med"/>
+                      <a:tailEnd type="none" w="med" len="med"/>
+                    </a:lnR>
+                  </a:tcPr>
+                </a:tc>
+                <a:tc>
+                  <a:txBody>
+                    <a:bodyPr/>
+                    <a:lstStyle/>
+                    <a:p>
+                      <a:pPr algn="ctr" latinLnBrk="1"/>
+                      <a:r>
+                        <a:rPr lang="en-US" altLang="ko-KR" dirty="0">
+                          <a:latin typeface="AppleSDGothicNeoM00" panose="02000503000000000000" pitchFamily="2" charset="-127"/>
+                          <a:ea typeface="AppleSDGothicNeoM00" panose="02000503000000000000" pitchFamily="2" charset="-127"/>
+                        </a:rPr>
+                        <a:t>8</a:t>
+                      </a:r>
+                      <a:endParaRPr lang="ko-KR" altLang="en-US" dirty="0">
+                        <a:latin typeface="AppleSDGothicNeoM00" panose="02000503000000000000" pitchFamily="2" charset="-127"/>
+                        <a:ea typeface="AppleSDGothicNeoM00" panose="02000503000000000000" pitchFamily="2" charset="-127"/>
+                      </a:endParaRPr>
+                    </a:p>
+                  </a:txBody>
+                  <a:tcPr anchor="ctr">
+                    <a:lnL w="12700" cap="flat" cmpd="sng" algn="ctr">
+                      <a:solidFill>
+                        <a:schemeClr val="tx1"/>
+                      </a:solidFill>
+                      <a:prstDash val="dot"/>
+                      <a:round/>
+                      <a:headEnd type="none" w="med" len="med"/>
+                      <a:tailEnd type="none" w="med" len="med"/>
+                    </a:lnL>
+                    <a:lnR w="12700" cap="flat" cmpd="sng" algn="ctr">
+                      <a:noFill/>
+                      <a:prstDash val="solid"/>
+                      <a:round/>
+                      <a:headEnd type="none" w="med" len="med"/>
+                      <a:tailEnd type="none" w="med" len="med"/>
+                    </a:lnR>
+                  </a:tcPr>
+                </a:tc>
+                <a:extLst>
+                  <a:ext uri="{0D108BD9-81ED-4DB2-BD59-A6C34878D82A}">
+                    <a16:rowId xmlns:a16="http://schemas.microsoft.com/office/drawing/2014/main" val="2567201062"/>
+                  </a:ext>
+                </a:extLst>
+              </a:tr>
+            </a:tbl>
+          </a:graphicData>
+        </a:graphic>
+      </p:graphicFrame>
+      <p:sp>
+        <p:nvSpPr>
+          <p:cNvPr id="7" name="TextBox 6">
+            <a:extLst>
+              <a:ext uri="{FF2B5EF4-FFF2-40B4-BE49-F238E27FC236}">
+                <a16:creationId xmlns:a16="http://schemas.microsoft.com/office/drawing/2014/main" id="{2E6216BC-2C57-440D-99C7-C8F0D756224A}"/>
+              </a:ext>
+            </a:extLst>
+          </p:cNvPr>
+          <p:cNvSpPr txBox="1"/>
+          <p:nvPr/>
+        </p:nvSpPr>
+        <p:spPr>
+          <a:xfrm>
+            <a:off x="6541796" y="2912777"/>
+            <a:ext cx="364202" cy="246221"/>
+          </a:xfrm>
+          <a:prstGeom prst="rect">
+            <a:avLst/>
+          </a:prstGeom>
+          <a:noFill/>
+        </p:spPr>
+        <p:txBody>
+          <a:bodyPr wrap="none" rtlCol="0">
+            <a:spAutoFit/>
+          </a:bodyPr>
+          <a:lstStyle/>
+          <a:p>
+            <a:r>
+              <a:rPr lang="en-US" altLang="ko-KR" sz="1000" dirty="0">
+                <a:latin typeface="AppleSDGothicNeoM00" panose="02000503000000000000" pitchFamily="2" charset="-127"/>
+                <a:ea typeface="AppleSDGothicNeoM00" panose="02000503000000000000" pitchFamily="2" charset="-127"/>
+              </a:rPr>
+              <a:t>out</a:t>
+            </a:r>
+            <a:endParaRPr lang="ko-KR" altLang="en-US" sz="1000" dirty="0">
+              <a:latin typeface="AppleSDGothicNeoM00" panose="02000503000000000000" pitchFamily="2" charset="-127"/>
+              <a:ea typeface="AppleSDGothicNeoM00" panose="02000503000000000000" pitchFamily="2" charset="-127"/>
+            </a:endParaRPr>
+          </a:p>
+        </p:txBody>
+      </p:sp>
+      <p:sp>
+        <p:nvSpPr>
+          <p:cNvPr id="9" name="TextBox 8">
+            <a:extLst>
+              <a:ext uri="{FF2B5EF4-FFF2-40B4-BE49-F238E27FC236}">
+                <a16:creationId xmlns:a16="http://schemas.microsoft.com/office/drawing/2014/main" id="{5A375AF1-C5CA-400B-ACDC-65FC6F425A65}"/>
+              </a:ext>
+            </a:extLst>
+          </p:cNvPr>
+          <p:cNvSpPr txBox="1"/>
+          <p:nvPr/>
+        </p:nvSpPr>
+        <p:spPr>
+          <a:xfrm>
+            <a:off x="5285997" y="2912778"/>
+            <a:ext cx="280846" cy="246221"/>
+          </a:xfrm>
+          <a:prstGeom prst="rect">
+            <a:avLst/>
+          </a:prstGeom>
+          <a:noFill/>
+        </p:spPr>
+        <p:txBody>
+          <a:bodyPr wrap="none" rtlCol="0">
+            <a:spAutoFit/>
+          </a:bodyPr>
+          <a:lstStyle/>
+          <a:p>
+            <a:r>
+              <a:rPr lang="en-US" altLang="ko-KR" sz="1000" dirty="0">
+                <a:latin typeface="AppleSDGothicNeoM00" panose="02000503000000000000" pitchFamily="2" charset="-127"/>
+                <a:ea typeface="AppleSDGothicNeoM00" panose="02000503000000000000" pitchFamily="2" charset="-127"/>
+              </a:rPr>
+              <a:t>in</a:t>
+            </a:r>
+            <a:endParaRPr lang="ko-KR" altLang="en-US" sz="1000" dirty="0">
+              <a:latin typeface="AppleSDGothicNeoM00" panose="02000503000000000000" pitchFamily="2" charset="-127"/>
+              <a:ea typeface="AppleSDGothicNeoM00" panose="02000503000000000000" pitchFamily="2" charset="-127"/>
+            </a:endParaRPr>
+          </a:p>
+        </p:txBody>
+      </p:sp>
+    </p:spTree>
+    <p:extLst>
+      <p:ext uri="{BB962C8B-B14F-4D97-AF65-F5344CB8AC3E}">
+        <p14:creationId xmlns:p14="http://schemas.microsoft.com/office/powerpoint/2010/main" val="2774920400"/>
+      </p:ext>
+    </p:extLst>
+  </p:cSld>
+  <p:clrMapOvr>
+    <a:masterClrMapping/>
+  </p:clrMapOvr>
+</p:sld>
+</file>
+
+<file path=ppt/slides/slide16.xml><?xml version="1.0" encoding="utf-8"?>
+<p:sld xmlns:a="http://schemas.openxmlformats.org/drawingml/2006/main" xmlns:r="http://schemas.openxmlformats.org/officeDocument/2006/relationships" xmlns:p="http://schemas.openxmlformats.org/presentationml/2006/main">
+  <p:cSld>
+    <p:spTree>
+      <p:nvGrpSpPr>
+        <p:cNvPr id="1" name=""/>
+        <p:cNvGrpSpPr/>
+        <p:nvPr/>
+      </p:nvGrpSpPr>
+      <p:grpSpPr>
+        <a:xfrm>
+          <a:off x="0" y="0"/>
+          <a:ext cx="0" cy="0"/>
+          <a:chOff x="0" y="0"/>
+          <a:chExt cx="0" cy="0"/>
+        </a:xfrm>
+      </p:grpSpPr>
+      <p:sp>
+        <p:nvSpPr>
+          <p:cNvPr id="3" name="직사각형 2">
+            <a:extLst>
+              <a:ext uri="{FF2B5EF4-FFF2-40B4-BE49-F238E27FC236}">
+                <a16:creationId xmlns:a16="http://schemas.microsoft.com/office/drawing/2014/main" id="{A0877D69-93DD-4980-ADD0-ACBC17331F17}"/>
+              </a:ext>
+            </a:extLst>
+          </p:cNvPr>
+          <p:cNvSpPr/>
+          <p:nvPr/>
+        </p:nvSpPr>
+        <p:spPr>
+          <a:xfrm>
+            <a:off x="4620466" y="2548167"/>
+            <a:ext cx="2951064" cy="1761664"/>
+          </a:xfrm>
+          <a:prstGeom prst="rect">
+            <a:avLst/>
+          </a:prstGeom>
+          <a:noFill/>
+          <a:ln>
+            <a:noFill/>
+          </a:ln>
+        </p:spPr>
+        <p:style>
+          <a:lnRef idx="2">
+            <a:schemeClr val="accent1">
+              <a:shade val="50000"/>
+            </a:schemeClr>
+          </a:lnRef>
+          <a:fillRef idx="1">
+            <a:schemeClr val="accent1"/>
+          </a:fillRef>
+          <a:effectRef idx="0">
+            <a:schemeClr val="accent1"/>
+          </a:effectRef>
+          <a:fontRef idx="minor">
+            <a:schemeClr val="lt1"/>
+          </a:fontRef>
+        </p:style>
+        <p:txBody>
+          <a:bodyPr rtlCol="0" anchor="ctr"/>
+          <a:lstStyle/>
+          <a:p>
+            <a:pPr algn="ctr"/>
+            <a:endParaRPr lang="ko-KR" altLang="en-US"/>
+          </a:p>
+        </p:txBody>
+      </p:sp>
+      <p:graphicFrame>
+        <p:nvGraphicFramePr>
+          <p:cNvPr id="6" name="표 6">
+            <a:extLst>
+              <a:ext uri="{FF2B5EF4-FFF2-40B4-BE49-F238E27FC236}">
+                <a16:creationId xmlns:a16="http://schemas.microsoft.com/office/drawing/2014/main" id="{4DC09206-4C8B-4FB7-A8F3-73D4C72EB7B3}"/>
+              </a:ext>
+            </a:extLst>
+          </p:cNvPr>
+          <p:cNvGraphicFramePr>
+            <a:graphicFrameLocks noGrp="1"/>
+          </p:cNvGraphicFramePr>
+          <p:nvPr>
+            <p:extLst>
+              <p:ext uri="{D42A27DB-BD31-4B8C-83A1-F6EECF244321}">
+                <p14:modId xmlns:p14="http://schemas.microsoft.com/office/powerpoint/2010/main" val="4257970287"/>
+              </p:ext>
+            </p:extLst>
+          </p:nvPr>
+        </p:nvGraphicFramePr>
+        <p:xfrm>
+          <a:off x="5285998" y="3158999"/>
+          <a:ext cx="1620000" cy="540000"/>
+        </p:xfrm>
+        <a:graphic>
+          <a:graphicData uri="http://schemas.openxmlformats.org/drawingml/2006/table">
+            <a:tbl>
+              <a:tblPr firstRow="1" bandRow="1">
+                <a:tableStyleId>{5940675A-B579-460E-94D1-54222C63F5DA}</a:tableStyleId>
+              </a:tblPr>
+              <a:tblGrid>
+                <a:gridCol w="540000">
+                  <a:extLst>
+                    <a:ext uri="{9D8B030D-6E8A-4147-A177-3AD203B41FA5}">
+                      <a16:colId xmlns:a16="http://schemas.microsoft.com/office/drawing/2014/main" val="2800326601"/>
+                    </a:ext>
+                  </a:extLst>
+                </a:gridCol>
+                <a:gridCol w="540000">
+                  <a:extLst>
+                    <a:ext uri="{9D8B030D-6E8A-4147-A177-3AD203B41FA5}">
+                      <a16:colId xmlns:a16="http://schemas.microsoft.com/office/drawing/2014/main" val="1599625305"/>
+                    </a:ext>
+                  </a:extLst>
+                </a:gridCol>
+                <a:gridCol w="540000">
+                  <a:extLst>
+                    <a:ext uri="{9D8B030D-6E8A-4147-A177-3AD203B41FA5}">
+                      <a16:colId xmlns:a16="http://schemas.microsoft.com/office/drawing/2014/main" val="3449042132"/>
+                    </a:ext>
+                  </a:extLst>
+                </a:gridCol>
+              </a:tblGrid>
+              <a:tr h="540000">
+                <a:tc>
+                  <a:txBody>
+                    <a:bodyPr/>
+                    <a:lstStyle/>
+                    <a:p>
+                      <a:pPr algn="ctr" latinLnBrk="1"/>
+                      <a:endParaRPr lang="ko-KR" altLang="en-US" dirty="0">
+                        <a:latin typeface="AppleSDGothicNeoM00" panose="02000503000000000000" pitchFamily="2" charset="-127"/>
+                        <a:ea typeface="AppleSDGothicNeoM00" panose="02000503000000000000" pitchFamily="2" charset="-127"/>
+                      </a:endParaRPr>
+                    </a:p>
+                  </a:txBody>
+                  <a:tcPr anchor="ctr">
+                    <a:lnL w="12700" cap="flat" cmpd="sng" algn="ctr">
+                      <a:noFill/>
+                      <a:prstDash val="dot"/>
+                      <a:round/>
+                      <a:headEnd type="none" w="med" len="med"/>
+                      <a:tailEnd type="none" w="med" len="med"/>
+                    </a:lnL>
+                    <a:lnR w="12700" cap="flat" cmpd="sng" algn="ctr">
+                      <a:solidFill>
+                        <a:schemeClr val="tx1"/>
+                      </a:solidFill>
+                      <a:prstDash val="dot"/>
+                      <a:round/>
+                      <a:headEnd type="none" w="med" len="med"/>
+                      <a:tailEnd type="none" w="med" len="med"/>
+                    </a:lnR>
+                    <a:noFill/>
+                  </a:tcPr>
+                </a:tc>
+                <a:tc>
+                  <a:txBody>
+                    <a:bodyPr/>
+                    <a:lstStyle/>
+                    <a:p>
+                      <a:pPr algn="ctr" latinLnBrk="1"/>
+                      <a:r>
+                        <a:rPr lang="en-US" altLang="ko-KR" dirty="0">
+                          <a:latin typeface="AppleSDGothicNeoM00" panose="02000503000000000000" pitchFamily="2" charset="-127"/>
+                          <a:ea typeface="AppleSDGothicNeoM00" panose="02000503000000000000" pitchFamily="2" charset="-127"/>
+                        </a:rPr>
+                        <a:t>51</a:t>
+                      </a:r>
+                      <a:endParaRPr lang="ko-KR" altLang="en-US" dirty="0">
+                        <a:latin typeface="AppleSDGothicNeoM00" panose="02000503000000000000" pitchFamily="2" charset="-127"/>
+                        <a:ea typeface="AppleSDGothicNeoM00" panose="02000503000000000000" pitchFamily="2" charset="-127"/>
+                      </a:endParaRPr>
+                    </a:p>
+                  </a:txBody>
+                  <a:tcPr anchor="ctr">
+                    <a:lnL w="12700" cap="flat" cmpd="sng" algn="ctr">
+                      <a:solidFill>
+                        <a:schemeClr val="tx1"/>
+                      </a:solidFill>
+                      <a:prstDash val="dot"/>
+                      <a:round/>
+                      <a:headEnd type="none" w="med" len="med"/>
+                      <a:tailEnd type="none" w="med" len="med"/>
+                    </a:lnL>
+                    <a:lnR w="12700" cap="flat" cmpd="sng" algn="ctr">
+                      <a:solidFill>
+                        <a:schemeClr val="tx1"/>
+                      </a:solidFill>
+                      <a:prstDash val="dot"/>
+                      <a:round/>
+                      <a:headEnd type="none" w="med" len="med"/>
+                      <a:tailEnd type="none" w="med" len="med"/>
+                    </a:lnR>
+                  </a:tcPr>
+                </a:tc>
+                <a:tc>
+                  <a:txBody>
+                    <a:bodyPr/>
+                    <a:lstStyle/>
+                    <a:p>
+                      <a:pPr algn="ctr" latinLnBrk="1"/>
+                      <a:r>
+                        <a:rPr lang="en-US" altLang="ko-KR" dirty="0">
+                          <a:latin typeface="AppleSDGothicNeoM00" panose="02000503000000000000" pitchFamily="2" charset="-127"/>
+                          <a:ea typeface="AppleSDGothicNeoM00" panose="02000503000000000000" pitchFamily="2" charset="-127"/>
+                        </a:rPr>
+                        <a:t>93</a:t>
+                      </a:r>
+                      <a:endParaRPr lang="ko-KR" altLang="en-US" dirty="0">
+                        <a:latin typeface="AppleSDGothicNeoM00" panose="02000503000000000000" pitchFamily="2" charset="-127"/>
+                        <a:ea typeface="AppleSDGothicNeoM00" panose="02000503000000000000" pitchFamily="2" charset="-127"/>
+                      </a:endParaRPr>
+                    </a:p>
+                  </a:txBody>
+                  <a:tcPr anchor="ctr">
+                    <a:lnL w="12700" cap="flat" cmpd="sng" algn="ctr">
+                      <a:solidFill>
+                        <a:schemeClr val="tx1"/>
+                      </a:solidFill>
+                      <a:prstDash val="dot"/>
+                      <a:round/>
+                      <a:headEnd type="none" w="med" len="med"/>
+                      <a:tailEnd type="none" w="med" len="med"/>
+                    </a:lnL>
+                    <a:lnR w="12700" cap="flat" cmpd="sng" algn="ctr">
+                      <a:noFill/>
+                      <a:prstDash val="solid"/>
+                      <a:round/>
+                      <a:headEnd type="none" w="med" len="med"/>
+                      <a:tailEnd type="none" w="med" len="med"/>
+                    </a:lnR>
+                  </a:tcPr>
+                </a:tc>
+                <a:extLst>
+                  <a:ext uri="{0D108BD9-81ED-4DB2-BD59-A6C34878D82A}">
+                    <a16:rowId xmlns:a16="http://schemas.microsoft.com/office/drawing/2014/main" val="2567201062"/>
+                  </a:ext>
+                </a:extLst>
+              </a:tr>
+            </a:tbl>
+          </a:graphicData>
+        </a:graphic>
+      </p:graphicFrame>
+      <p:sp>
+        <p:nvSpPr>
+          <p:cNvPr id="7" name="TextBox 6">
+            <a:extLst>
+              <a:ext uri="{FF2B5EF4-FFF2-40B4-BE49-F238E27FC236}">
+                <a16:creationId xmlns:a16="http://schemas.microsoft.com/office/drawing/2014/main" id="{2E6216BC-2C57-440D-99C7-C8F0D756224A}"/>
+              </a:ext>
+            </a:extLst>
+          </p:cNvPr>
+          <p:cNvSpPr txBox="1"/>
+          <p:nvPr/>
+        </p:nvSpPr>
+        <p:spPr>
+          <a:xfrm>
+            <a:off x="6541796" y="2912777"/>
+            <a:ext cx="364202" cy="246221"/>
+          </a:xfrm>
+          <a:prstGeom prst="rect">
+            <a:avLst/>
+          </a:prstGeom>
+          <a:noFill/>
+        </p:spPr>
+        <p:txBody>
+          <a:bodyPr wrap="none" rtlCol="0">
+            <a:spAutoFit/>
+          </a:bodyPr>
+          <a:lstStyle/>
+          <a:p>
+            <a:r>
+              <a:rPr lang="en-US" altLang="ko-KR" sz="1000" dirty="0">
+                <a:latin typeface="AppleSDGothicNeoM00" panose="02000503000000000000" pitchFamily="2" charset="-127"/>
+                <a:ea typeface="AppleSDGothicNeoM00" panose="02000503000000000000" pitchFamily="2" charset="-127"/>
+              </a:rPr>
+              <a:t>out</a:t>
+            </a:r>
+            <a:endParaRPr lang="ko-KR" altLang="en-US" sz="1000" dirty="0">
+              <a:latin typeface="AppleSDGothicNeoM00" panose="02000503000000000000" pitchFamily="2" charset="-127"/>
+              <a:ea typeface="AppleSDGothicNeoM00" panose="02000503000000000000" pitchFamily="2" charset="-127"/>
+            </a:endParaRPr>
+          </a:p>
+        </p:txBody>
+      </p:sp>
+      <p:sp>
+        <p:nvSpPr>
+          <p:cNvPr id="9" name="TextBox 8">
+            <a:extLst>
+              <a:ext uri="{FF2B5EF4-FFF2-40B4-BE49-F238E27FC236}">
+                <a16:creationId xmlns:a16="http://schemas.microsoft.com/office/drawing/2014/main" id="{5A375AF1-C5CA-400B-ACDC-65FC6F425A65}"/>
+              </a:ext>
+            </a:extLst>
+          </p:cNvPr>
+          <p:cNvSpPr txBox="1"/>
+          <p:nvPr/>
+        </p:nvSpPr>
+        <p:spPr>
+          <a:xfrm>
+            <a:off x="5285997" y="2912778"/>
+            <a:ext cx="280846" cy="246221"/>
+          </a:xfrm>
+          <a:prstGeom prst="rect">
+            <a:avLst/>
+          </a:prstGeom>
+          <a:noFill/>
+        </p:spPr>
+        <p:txBody>
+          <a:bodyPr wrap="none" rtlCol="0">
+            <a:spAutoFit/>
+          </a:bodyPr>
+          <a:lstStyle/>
+          <a:p>
+            <a:r>
+              <a:rPr lang="en-US" altLang="ko-KR" sz="1000" dirty="0">
+                <a:latin typeface="AppleSDGothicNeoM00" panose="02000503000000000000" pitchFamily="2" charset="-127"/>
+                <a:ea typeface="AppleSDGothicNeoM00" panose="02000503000000000000" pitchFamily="2" charset="-127"/>
+              </a:rPr>
+              <a:t>in</a:t>
+            </a:r>
+            <a:endParaRPr lang="ko-KR" altLang="en-US" sz="1000" dirty="0">
+              <a:latin typeface="AppleSDGothicNeoM00" panose="02000503000000000000" pitchFamily="2" charset="-127"/>
+              <a:ea typeface="AppleSDGothicNeoM00" panose="02000503000000000000" pitchFamily="2" charset="-127"/>
+            </a:endParaRPr>
+          </a:p>
+        </p:txBody>
+      </p:sp>
+    </p:spTree>
+    <p:extLst>
+      <p:ext uri="{BB962C8B-B14F-4D97-AF65-F5344CB8AC3E}">
+        <p14:creationId xmlns:p14="http://schemas.microsoft.com/office/powerpoint/2010/main" val="3188316081"/>
+      </p:ext>
+    </p:extLst>
+  </p:cSld>
+  <p:clrMapOvr>
+    <a:masterClrMapping/>
+  </p:clrMapOvr>
+</p:sld>
+</file>
+
+<file path=ppt/slides/slide17.xml><?xml version="1.0" encoding="utf-8"?>
+<p:sld xmlns:a="http://schemas.openxmlformats.org/drawingml/2006/main" xmlns:r="http://schemas.openxmlformats.org/officeDocument/2006/relationships" xmlns:p="http://schemas.openxmlformats.org/presentationml/2006/main">
+  <p:cSld>
+    <p:spTree>
+      <p:nvGrpSpPr>
+        <p:cNvPr id="1" name=""/>
+        <p:cNvGrpSpPr/>
+        <p:nvPr/>
+      </p:nvGrpSpPr>
+      <p:grpSpPr>
+        <a:xfrm>
+          <a:off x="0" y="0"/>
+          <a:ext cx="0" cy="0"/>
+          <a:chOff x="0" y="0"/>
+          <a:chExt cx="0" cy="0"/>
+        </a:xfrm>
+      </p:grpSpPr>
+      <p:sp>
+        <p:nvSpPr>
+          <p:cNvPr id="3" name="직사각형 2">
+            <a:extLst>
+              <a:ext uri="{FF2B5EF4-FFF2-40B4-BE49-F238E27FC236}">
+                <a16:creationId xmlns:a16="http://schemas.microsoft.com/office/drawing/2014/main" id="{A0877D69-93DD-4980-ADD0-ACBC17331F17}"/>
+              </a:ext>
+            </a:extLst>
+          </p:cNvPr>
+          <p:cNvSpPr/>
+          <p:nvPr/>
+        </p:nvSpPr>
+        <p:spPr>
+          <a:xfrm>
+            <a:off x="4620466" y="2548167"/>
+            <a:ext cx="2951064" cy="1761664"/>
+          </a:xfrm>
+          <a:prstGeom prst="rect">
+            <a:avLst/>
+          </a:prstGeom>
+          <a:noFill/>
+          <a:ln>
+            <a:noFill/>
+          </a:ln>
+        </p:spPr>
+        <p:style>
+          <a:lnRef idx="2">
+            <a:schemeClr val="accent1">
+              <a:shade val="50000"/>
+            </a:schemeClr>
+          </a:lnRef>
+          <a:fillRef idx="1">
+            <a:schemeClr val="accent1"/>
+          </a:fillRef>
+          <a:effectRef idx="0">
+            <a:schemeClr val="accent1"/>
+          </a:effectRef>
+          <a:fontRef idx="minor">
+            <a:schemeClr val="lt1"/>
+          </a:fontRef>
+        </p:style>
+        <p:txBody>
+          <a:bodyPr rtlCol="0" anchor="ctr"/>
+          <a:lstStyle/>
+          <a:p>
+            <a:pPr algn="ctr"/>
+            <a:endParaRPr lang="ko-KR" altLang="en-US"/>
+          </a:p>
+        </p:txBody>
+      </p:sp>
+      <p:graphicFrame>
+        <p:nvGraphicFramePr>
+          <p:cNvPr id="6" name="표 6">
+            <a:extLst>
+              <a:ext uri="{FF2B5EF4-FFF2-40B4-BE49-F238E27FC236}">
+                <a16:creationId xmlns:a16="http://schemas.microsoft.com/office/drawing/2014/main" id="{4DC09206-4C8B-4FB7-A8F3-73D4C72EB7B3}"/>
+              </a:ext>
+            </a:extLst>
+          </p:cNvPr>
+          <p:cNvGraphicFramePr>
+            <a:graphicFrameLocks noGrp="1"/>
+          </p:cNvGraphicFramePr>
+          <p:nvPr>
+            <p:extLst>
+              <p:ext uri="{D42A27DB-BD31-4B8C-83A1-F6EECF244321}">
+                <p14:modId xmlns:p14="http://schemas.microsoft.com/office/powerpoint/2010/main" val="1510271144"/>
+              </p:ext>
+            </p:extLst>
+          </p:nvPr>
+        </p:nvGraphicFramePr>
+        <p:xfrm>
+          <a:off x="5285998" y="3158999"/>
+          <a:ext cx="1620000" cy="540000"/>
+        </p:xfrm>
+        <a:graphic>
+          <a:graphicData uri="http://schemas.openxmlformats.org/drawingml/2006/table">
+            <a:tbl>
+              <a:tblPr firstRow="1" bandRow="1">
+                <a:tableStyleId>{5940675A-B579-460E-94D1-54222C63F5DA}</a:tableStyleId>
+              </a:tblPr>
+              <a:tblGrid>
+                <a:gridCol w="540000">
+                  <a:extLst>
+                    <a:ext uri="{9D8B030D-6E8A-4147-A177-3AD203B41FA5}">
+                      <a16:colId xmlns:a16="http://schemas.microsoft.com/office/drawing/2014/main" val="2800326601"/>
+                    </a:ext>
+                  </a:extLst>
+                </a:gridCol>
+                <a:gridCol w="540000">
+                  <a:extLst>
+                    <a:ext uri="{9D8B030D-6E8A-4147-A177-3AD203B41FA5}">
+                      <a16:colId xmlns:a16="http://schemas.microsoft.com/office/drawing/2014/main" val="1599625305"/>
+                    </a:ext>
+                  </a:extLst>
+                </a:gridCol>
+                <a:gridCol w="540000">
+                  <a:extLst>
+                    <a:ext uri="{9D8B030D-6E8A-4147-A177-3AD203B41FA5}">
+                      <a16:colId xmlns:a16="http://schemas.microsoft.com/office/drawing/2014/main" val="3449042132"/>
+                    </a:ext>
+                  </a:extLst>
+                </a:gridCol>
+              </a:tblGrid>
+              <a:tr h="540000">
+                <a:tc>
+                  <a:txBody>
+                    <a:bodyPr/>
+                    <a:lstStyle/>
+                    <a:p>
+                      <a:pPr algn="ctr" latinLnBrk="1"/>
+                      <a:endParaRPr lang="ko-KR" altLang="en-US" dirty="0">
+                        <a:latin typeface="AppleSDGothicNeoM00" panose="02000503000000000000" pitchFamily="2" charset="-127"/>
+                        <a:ea typeface="AppleSDGothicNeoM00" panose="02000503000000000000" pitchFamily="2" charset="-127"/>
+                      </a:endParaRPr>
+                    </a:p>
+                  </a:txBody>
+                  <a:tcPr anchor="ctr">
+                    <a:lnL w="12700" cap="flat" cmpd="sng" algn="ctr">
+                      <a:noFill/>
+                      <a:prstDash val="dot"/>
+                      <a:round/>
+                      <a:headEnd type="none" w="med" len="med"/>
+                      <a:tailEnd type="none" w="med" len="med"/>
+                    </a:lnL>
+                    <a:lnR w="12700" cap="flat" cmpd="sng" algn="ctr">
+                      <a:solidFill>
+                        <a:schemeClr val="tx1"/>
+                      </a:solidFill>
+                      <a:prstDash val="dot"/>
+                      <a:round/>
+                      <a:headEnd type="none" w="med" len="med"/>
+                      <a:tailEnd type="none" w="med" len="med"/>
+                    </a:lnR>
+                    <a:noFill/>
+                  </a:tcPr>
+                </a:tc>
+                <a:tc>
+                  <a:txBody>
+                    <a:bodyPr/>
+                    <a:lstStyle/>
+                    <a:p>
+                      <a:pPr algn="ctr" latinLnBrk="1"/>
+                      <a:endParaRPr lang="ko-KR" altLang="en-US" dirty="0">
+                        <a:latin typeface="AppleSDGothicNeoM00" panose="02000503000000000000" pitchFamily="2" charset="-127"/>
+                        <a:ea typeface="AppleSDGothicNeoM00" panose="02000503000000000000" pitchFamily="2" charset="-127"/>
+                      </a:endParaRPr>
+                    </a:p>
+                  </a:txBody>
+                  <a:tcPr anchor="ctr">
+                    <a:lnL w="12700" cap="flat" cmpd="sng" algn="ctr">
+                      <a:solidFill>
+                        <a:schemeClr val="tx1"/>
+                      </a:solidFill>
+                      <a:prstDash val="dot"/>
+                      <a:round/>
+                      <a:headEnd type="none" w="med" len="med"/>
+                      <a:tailEnd type="none" w="med" len="med"/>
+                    </a:lnL>
+                    <a:lnR w="12700" cap="flat" cmpd="sng" algn="ctr">
+                      <a:solidFill>
+                        <a:schemeClr val="tx1"/>
+                      </a:solidFill>
+                      <a:prstDash val="dot"/>
+                      <a:round/>
+                      <a:headEnd type="none" w="med" len="med"/>
+                      <a:tailEnd type="none" w="med" len="med"/>
+                    </a:lnR>
+                  </a:tcPr>
+                </a:tc>
+                <a:tc>
+                  <a:txBody>
+                    <a:bodyPr/>
+                    <a:lstStyle/>
+                    <a:p>
+                      <a:pPr algn="ctr" latinLnBrk="1"/>
+                      <a:r>
+                        <a:rPr lang="en-US" altLang="ko-KR" dirty="0">
+                          <a:latin typeface="AppleSDGothicNeoM00" panose="02000503000000000000" pitchFamily="2" charset="-127"/>
+                          <a:ea typeface="AppleSDGothicNeoM00" panose="02000503000000000000" pitchFamily="2" charset="-127"/>
+                        </a:rPr>
+                        <a:t>51</a:t>
+                      </a:r>
+                      <a:endParaRPr lang="ko-KR" altLang="en-US" dirty="0">
+                        <a:latin typeface="AppleSDGothicNeoM00" panose="02000503000000000000" pitchFamily="2" charset="-127"/>
+                        <a:ea typeface="AppleSDGothicNeoM00" panose="02000503000000000000" pitchFamily="2" charset="-127"/>
+                      </a:endParaRPr>
+                    </a:p>
+                  </a:txBody>
+                  <a:tcPr anchor="ctr">
+                    <a:lnL w="12700" cap="flat" cmpd="sng" algn="ctr">
+                      <a:solidFill>
+                        <a:schemeClr val="tx1"/>
+                      </a:solidFill>
+                      <a:prstDash val="dot"/>
+                      <a:round/>
+                      <a:headEnd type="none" w="med" len="med"/>
+                      <a:tailEnd type="none" w="med" len="med"/>
+                    </a:lnL>
+                    <a:lnR w="12700" cap="flat" cmpd="sng" algn="ctr">
+                      <a:noFill/>
+                      <a:prstDash val="solid"/>
+                      <a:round/>
+                      <a:headEnd type="none" w="med" len="med"/>
+                      <a:tailEnd type="none" w="med" len="med"/>
+                    </a:lnR>
+                  </a:tcPr>
+                </a:tc>
+                <a:extLst>
+                  <a:ext uri="{0D108BD9-81ED-4DB2-BD59-A6C34878D82A}">
+                    <a16:rowId xmlns:a16="http://schemas.microsoft.com/office/drawing/2014/main" val="2567201062"/>
+                  </a:ext>
+                </a:extLst>
+              </a:tr>
+            </a:tbl>
+          </a:graphicData>
+        </a:graphic>
+      </p:graphicFrame>
+      <p:sp>
+        <p:nvSpPr>
+          <p:cNvPr id="7" name="TextBox 6">
+            <a:extLst>
+              <a:ext uri="{FF2B5EF4-FFF2-40B4-BE49-F238E27FC236}">
+                <a16:creationId xmlns:a16="http://schemas.microsoft.com/office/drawing/2014/main" id="{2E6216BC-2C57-440D-99C7-C8F0D756224A}"/>
+              </a:ext>
+            </a:extLst>
+          </p:cNvPr>
+          <p:cNvSpPr txBox="1"/>
+          <p:nvPr/>
+        </p:nvSpPr>
+        <p:spPr>
+          <a:xfrm>
+            <a:off x="6541796" y="2912777"/>
+            <a:ext cx="364202" cy="246221"/>
+          </a:xfrm>
+          <a:prstGeom prst="rect">
+            <a:avLst/>
+          </a:prstGeom>
+          <a:noFill/>
+        </p:spPr>
+        <p:txBody>
+          <a:bodyPr wrap="none" rtlCol="0">
+            <a:spAutoFit/>
+          </a:bodyPr>
+          <a:lstStyle/>
+          <a:p>
+            <a:r>
+              <a:rPr lang="en-US" altLang="ko-KR" sz="1000" dirty="0">
+                <a:latin typeface="AppleSDGothicNeoM00" panose="02000503000000000000" pitchFamily="2" charset="-127"/>
+                <a:ea typeface="AppleSDGothicNeoM00" panose="02000503000000000000" pitchFamily="2" charset="-127"/>
+              </a:rPr>
+              <a:t>out</a:t>
+            </a:r>
+            <a:endParaRPr lang="ko-KR" altLang="en-US" sz="1000" dirty="0">
+              <a:latin typeface="AppleSDGothicNeoM00" panose="02000503000000000000" pitchFamily="2" charset="-127"/>
+              <a:ea typeface="AppleSDGothicNeoM00" panose="02000503000000000000" pitchFamily="2" charset="-127"/>
+            </a:endParaRPr>
+          </a:p>
+        </p:txBody>
+      </p:sp>
+      <p:sp>
+        <p:nvSpPr>
+          <p:cNvPr id="9" name="TextBox 8">
+            <a:extLst>
+              <a:ext uri="{FF2B5EF4-FFF2-40B4-BE49-F238E27FC236}">
+                <a16:creationId xmlns:a16="http://schemas.microsoft.com/office/drawing/2014/main" id="{5A375AF1-C5CA-400B-ACDC-65FC6F425A65}"/>
+              </a:ext>
+            </a:extLst>
+          </p:cNvPr>
+          <p:cNvSpPr txBox="1"/>
+          <p:nvPr/>
+        </p:nvSpPr>
+        <p:spPr>
+          <a:xfrm>
+            <a:off x="5285997" y="2912778"/>
+            <a:ext cx="280846" cy="246221"/>
+          </a:xfrm>
+          <a:prstGeom prst="rect">
+            <a:avLst/>
+          </a:prstGeom>
+          <a:noFill/>
+        </p:spPr>
+        <p:txBody>
+          <a:bodyPr wrap="none" rtlCol="0">
+            <a:spAutoFit/>
+          </a:bodyPr>
+          <a:lstStyle/>
+          <a:p>
+            <a:r>
+              <a:rPr lang="en-US" altLang="ko-KR" sz="1000" dirty="0">
+                <a:latin typeface="AppleSDGothicNeoM00" panose="02000503000000000000" pitchFamily="2" charset="-127"/>
+                <a:ea typeface="AppleSDGothicNeoM00" panose="02000503000000000000" pitchFamily="2" charset="-127"/>
+              </a:rPr>
+              <a:t>in</a:t>
+            </a:r>
+            <a:endParaRPr lang="ko-KR" altLang="en-US" sz="1000" dirty="0">
+              <a:latin typeface="AppleSDGothicNeoM00" panose="02000503000000000000" pitchFamily="2" charset="-127"/>
+              <a:ea typeface="AppleSDGothicNeoM00" panose="02000503000000000000" pitchFamily="2" charset="-127"/>
+            </a:endParaRPr>
+          </a:p>
+        </p:txBody>
+      </p:sp>
+    </p:spTree>
+    <p:extLst>
+      <p:ext uri="{BB962C8B-B14F-4D97-AF65-F5344CB8AC3E}">
+        <p14:creationId xmlns:p14="http://schemas.microsoft.com/office/powerpoint/2010/main" val="3262154918"/>
+      </p:ext>
+    </p:extLst>
+  </p:cSld>
+  <p:clrMapOvr>
+    <a:masterClrMapping/>
+  </p:clrMapOvr>
+</p:sld>
+</file>
+
+<file path=ppt/slides/slide18.xml><?xml version="1.0" encoding="utf-8"?>
+<p:sld xmlns:a="http://schemas.openxmlformats.org/drawingml/2006/main" xmlns:r="http://schemas.openxmlformats.org/officeDocument/2006/relationships" xmlns:p="http://schemas.openxmlformats.org/presentationml/2006/main">
+  <p:cSld>
+    <p:spTree>
+      <p:nvGrpSpPr>
+        <p:cNvPr id="1" name=""/>
+        <p:cNvGrpSpPr/>
+        <p:nvPr/>
+      </p:nvGrpSpPr>
+      <p:grpSpPr>
+        <a:xfrm>
+          <a:off x="0" y="0"/>
+          <a:ext cx="0" cy="0"/>
+          <a:chOff x="0" y="0"/>
+          <a:chExt cx="0" cy="0"/>
+        </a:xfrm>
+      </p:grpSpPr>
+      <p:sp>
+        <p:nvSpPr>
+          <p:cNvPr id="3" name="직사각형 2">
+            <a:extLst>
+              <a:ext uri="{FF2B5EF4-FFF2-40B4-BE49-F238E27FC236}">
+                <a16:creationId xmlns:a16="http://schemas.microsoft.com/office/drawing/2014/main" id="{A0877D69-93DD-4980-ADD0-ACBC17331F17}"/>
+              </a:ext>
+            </a:extLst>
+          </p:cNvPr>
+          <p:cNvSpPr/>
+          <p:nvPr/>
+        </p:nvSpPr>
+        <p:spPr>
+          <a:xfrm>
+            <a:off x="4620466" y="2548167"/>
+            <a:ext cx="2951064" cy="1761664"/>
+          </a:xfrm>
+          <a:prstGeom prst="rect">
+            <a:avLst/>
+          </a:prstGeom>
+          <a:noFill/>
+          <a:ln>
+            <a:noFill/>
+          </a:ln>
+        </p:spPr>
+        <p:style>
+          <a:lnRef idx="2">
+            <a:schemeClr val="accent1">
+              <a:shade val="50000"/>
+            </a:schemeClr>
+          </a:lnRef>
+          <a:fillRef idx="1">
+            <a:schemeClr val="accent1"/>
+          </a:fillRef>
+          <a:effectRef idx="0">
+            <a:schemeClr val="accent1"/>
+          </a:effectRef>
+          <a:fontRef idx="minor">
+            <a:schemeClr val="lt1"/>
+          </a:fontRef>
+        </p:style>
+        <p:txBody>
+          <a:bodyPr rtlCol="0" anchor="ctr"/>
+          <a:lstStyle/>
+          <a:p>
+            <a:pPr algn="ctr"/>
+            <a:endParaRPr lang="ko-KR" altLang="en-US"/>
+          </a:p>
+        </p:txBody>
+      </p:sp>
+      <p:graphicFrame>
+        <p:nvGraphicFramePr>
+          <p:cNvPr id="6" name="표 6">
+            <a:extLst>
+              <a:ext uri="{FF2B5EF4-FFF2-40B4-BE49-F238E27FC236}">
+                <a16:creationId xmlns:a16="http://schemas.microsoft.com/office/drawing/2014/main" id="{4DC09206-4C8B-4FB7-A8F3-73D4C72EB7B3}"/>
+              </a:ext>
+            </a:extLst>
+          </p:cNvPr>
+          <p:cNvGraphicFramePr>
+            <a:graphicFrameLocks noGrp="1"/>
+          </p:cNvGraphicFramePr>
+          <p:nvPr>
+            <p:extLst>
+              <p:ext uri="{D42A27DB-BD31-4B8C-83A1-F6EECF244321}">
+                <p14:modId xmlns:p14="http://schemas.microsoft.com/office/powerpoint/2010/main" val="2434557708"/>
+              </p:ext>
+            </p:extLst>
+          </p:nvPr>
+        </p:nvGraphicFramePr>
+        <p:xfrm>
+          <a:off x="5285998" y="3158999"/>
+          <a:ext cx="1620000" cy="540000"/>
+        </p:xfrm>
+        <a:graphic>
+          <a:graphicData uri="http://schemas.openxmlformats.org/drawingml/2006/table">
+            <a:tbl>
+              <a:tblPr firstRow="1" bandRow="1">
+                <a:tableStyleId>{5940675A-B579-460E-94D1-54222C63F5DA}</a:tableStyleId>
+              </a:tblPr>
+              <a:tblGrid>
+                <a:gridCol w="540000">
+                  <a:extLst>
+                    <a:ext uri="{9D8B030D-6E8A-4147-A177-3AD203B41FA5}">
+                      <a16:colId xmlns:a16="http://schemas.microsoft.com/office/drawing/2014/main" val="2800326601"/>
+                    </a:ext>
+                  </a:extLst>
+                </a:gridCol>
+                <a:gridCol w="540000">
+                  <a:extLst>
+                    <a:ext uri="{9D8B030D-6E8A-4147-A177-3AD203B41FA5}">
+                      <a16:colId xmlns:a16="http://schemas.microsoft.com/office/drawing/2014/main" val="1599625305"/>
+                    </a:ext>
+                  </a:extLst>
+                </a:gridCol>
+                <a:gridCol w="540000">
+                  <a:extLst>
+                    <a:ext uri="{9D8B030D-6E8A-4147-A177-3AD203B41FA5}">
+                      <a16:colId xmlns:a16="http://schemas.microsoft.com/office/drawing/2014/main" val="3449042132"/>
+                    </a:ext>
+                  </a:extLst>
+                </a:gridCol>
+              </a:tblGrid>
+              <a:tr h="540000">
+                <a:tc>
+                  <a:txBody>
+                    <a:bodyPr/>
+                    <a:lstStyle/>
+                    <a:p>
+                      <a:pPr algn="ctr" latinLnBrk="1"/>
+                      <a:endParaRPr lang="ko-KR" altLang="en-US" dirty="0">
+                        <a:latin typeface="AppleSDGothicNeoM00" panose="02000503000000000000" pitchFamily="2" charset="-127"/>
+                        <a:ea typeface="AppleSDGothicNeoM00" panose="02000503000000000000" pitchFamily="2" charset="-127"/>
+                      </a:endParaRPr>
+                    </a:p>
+                  </a:txBody>
+                  <a:tcPr anchor="ctr">
+                    <a:lnL w="12700" cap="flat" cmpd="sng" algn="ctr">
+                      <a:noFill/>
+                      <a:prstDash val="dot"/>
+                      <a:round/>
+                      <a:headEnd type="none" w="med" len="med"/>
+                      <a:tailEnd type="none" w="med" len="med"/>
+                    </a:lnL>
+                    <a:lnR w="12700" cap="flat" cmpd="sng" algn="ctr">
+                      <a:solidFill>
+                        <a:schemeClr val="tx1"/>
+                      </a:solidFill>
+                      <a:prstDash val="dot"/>
+                      <a:round/>
+                      <a:headEnd type="none" w="med" len="med"/>
+                      <a:tailEnd type="none" w="med" len="med"/>
+                    </a:lnR>
+                    <a:noFill/>
+                  </a:tcPr>
+                </a:tc>
+                <a:tc>
+                  <a:txBody>
+                    <a:bodyPr/>
+                    <a:lstStyle/>
+                    <a:p>
+                      <a:pPr algn="ctr" latinLnBrk="1"/>
+                      <a:endParaRPr lang="ko-KR" altLang="en-US" dirty="0">
+                        <a:latin typeface="AppleSDGothicNeoM00" panose="02000503000000000000" pitchFamily="2" charset="-127"/>
+                        <a:ea typeface="AppleSDGothicNeoM00" panose="02000503000000000000" pitchFamily="2" charset="-127"/>
+                      </a:endParaRPr>
+                    </a:p>
+                  </a:txBody>
+                  <a:tcPr anchor="ctr">
+                    <a:lnL w="12700" cap="flat" cmpd="sng" algn="ctr">
+                      <a:solidFill>
+                        <a:schemeClr val="tx1"/>
+                      </a:solidFill>
+                      <a:prstDash val="dot"/>
+                      <a:round/>
+                      <a:headEnd type="none" w="med" len="med"/>
+                      <a:tailEnd type="none" w="med" len="med"/>
+                    </a:lnL>
+                    <a:lnR w="12700" cap="flat" cmpd="sng" algn="ctr">
+                      <a:solidFill>
+                        <a:schemeClr val="tx1"/>
+                      </a:solidFill>
+                      <a:prstDash val="dot"/>
+                      <a:round/>
+                      <a:headEnd type="none" w="med" len="med"/>
+                      <a:tailEnd type="none" w="med" len="med"/>
+                    </a:lnR>
+                  </a:tcPr>
+                </a:tc>
+                <a:tc>
+                  <a:txBody>
+                    <a:bodyPr/>
+                    <a:lstStyle/>
+                    <a:p>
+                      <a:pPr algn="ctr" latinLnBrk="1"/>
+                      <a:endParaRPr lang="ko-KR" altLang="en-US" dirty="0">
+                        <a:latin typeface="AppleSDGothicNeoM00" panose="02000503000000000000" pitchFamily="2" charset="-127"/>
+                        <a:ea typeface="AppleSDGothicNeoM00" panose="02000503000000000000" pitchFamily="2" charset="-127"/>
+                      </a:endParaRPr>
+                    </a:p>
+                  </a:txBody>
+                  <a:tcPr anchor="ctr">
+                    <a:lnL w="12700" cap="flat" cmpd="sng" algn="ctr">
+                      <a:solidFill>
+                        <a:schemeClr val="tx1"/>
+                      </a:solidFill>
+                      <a:prstDash val="dot"/>
+                      <a:round/>
+                      <a:headEnd type="none" w="med" len="med"/>
+                      <a:tailEnd type="none" w="med" len="med"/>
+                    </a:lnL>
+                    <a:lnR w="12700" cap="flat" cmpd="sng" algn="ctr">
+                      <a:noFill/>
+                      <a:prstDash val="solid"/>
+                      <a:round/>
+                      <a:headEnd type="none" w="med" len="med"/>
+                      <a:tailEnd type="none" w="med" len="med"/>
+                    </a:lnR>
+                  </a:tcPr>
+                </a:tc>
+                <a:extLst>
+                  <a:ext uri="{0D108BD9-81ED-4DB2-BD59-A6C34878D82A}">
+                    <a16:rowId xmlns:a16="http://schemas.microsoft.com/office/drawing/2014/main" val="2567201062"/>
+                  </a:ext>
+                </a:extLst>
+              </a:tr>
+            </a:tbl>
+          </a:graphicData>
+        </a:graphic>
+      </p:graphicFrame>
+      <p:sp>
+        <p:nvSpPr>
+          <p:cNvPr id="7" name="TextBox 6">
+            <a:extLst>
+              <a:ext uri="{FF2B5EF4-FFF2-40B4-BE49-F238E27FC236}">
+                <a16:creationId xmlns:a16="http://schemas.microsoft.com/office/drawing/2014/main" id="{2E6216BC-2C57-440D-99C7-C8F0D756224A}"/>
+              </a:ext>
+            </a:extLst>
+          </p:cNvPr>
+          <p:cNvSpPr txBox="1"/>
+          <p:nvPr/>
+        </p:nvSpPr>
+        <p:spPr>
+          <a:xfrm>
+            <a:off x="6541796" y="2912777"/>
+            <a:ext cx="364202" cy="246221"/>
+          </a:xfrm>
+          <a:prstGeom prst="rect">
+            <a:avLst/>
+          </a:prstGeom>
+          <a:noFill/>
+        </p:spPr>
+        <p:txBody>
+          <a:bodyPr wrap="none" rtlCol="0">
+            <a:spAutoFit/>
+          </a:bodyPr>
+          <a:lstStyle/>
+          <a:p>
+            <a:r>
+              <a:rPr lang="en-US" altLang="ko-KR" sz="1000" dirty="0">
+                <a:latin typeface="AppleSDGothicNeoM00" panose="02000503000000000000" pitchFamily="2" charset="-127"/>
+                <a:ea typeface="AppleSDGothicNeoM00" panose="02000503000000000000" pitchFamily="2" charset="-127"/>
+              </a:rPr>
+              <a:t>out</a:t>
+            </a:r>
+            <a:endParaRPr lang="ko-KR" altLang="en-US" sz="1000" dirty="0">
+              <a:latin typeface="AppleSDGothicNeoM00" panose="02000503000000000000" pitchFamily="2" charset="-127"/>
+              <a:ea typeface="AppleSDGothicNeoM00" panose="02000503000000000000" pitchFamily="2" charset="-127"/>
+            </a:endParaRPr>
+          </a:p>
+        </p:txBody>
+      </p:sp>
+      <p:sp>
+        <p:nvSpPr>
+          <p:cNvPr id="9" name="TextBox 8">
+            <a:extLst>
+              <a:ext uri="{FF2B5EF4-FFF2-40B4-BE49-F238E27FC236}">
+                <a16:creationId xmlns:a16="http://schemas.microsoft.com/office/drawing/2014/main" id="{5A375AF1-C5CA-400B-ACDC-65FC6F425A65}"/>
+              </a:ext>
+            </a:extLst>
+          </p:cNvPr>
+          <p:cNvSpPr txBox="1"/>
+          <p:nvPr/>
+        </p:nvSpPr>
+        <p:spPr>
+          <a:xfrm>
+            <a:off x="5285997" y="2912778"/>
+            <a:ext cx="280846" cy="246221"/>
+          </a:xfrm>
+          <a:prstGeom prst="rect">
+            <a:avLst/>
+          </a:prstGeom>
+          <a:noFill/>
+        </p:spPr>
+        <p:txBody>
+          <a:bodyPr wrap="none" rtlCol="0">
+            <a:spAutoFit/>
+          </a:bodyPr>
+          <a:lstStyle/>
+          <a:p>
+            <a:r>
+              <a:rPr lang="en-US" altLang="ko-KR" sz="1000" dirty="0">
+                <a:latin typeface="AppleSDGothicNeoM00" panose="02000503000000000000" pitchFamily="2" charset="-127"/>
+                <a:ea typeface="AppleSDGothicNeoM00" panose="02000503000000000000" pitchFamily="2" charset="-127"/>
+              </a:rPr>
+              <a:t>in</a:t>
+            </a:r>
+            <a:endParaRPr lang="ko-KR" altLang="en-US" sz="1000" dirty="0">
+              <a:latin typeface="AppleSDGothicNeoM00" panose="02000503000000000000" pitchFamily="2" charset="-127"/>
+              <a:ea typeface="AppleSDGothicNeoM00" panose="02000503000000000000" pitchFamily="2" charset="-127"/>
+            </a:endParaRPr>
+          </a:p>
+        </p:txBody>
+      </p:sp>
+    </p:spTree>
+    <p:extLst>
+      <p:ext uri="{BB962C8B-B14F-4D97-AF65-F5344CB8AC3E}">
+        <p14:creationId xmlns:p14="http://schemas.microsoft.com/office/powerpoint/2010/main" val="2311587073"/>
+      </p:ext>
+    </p:extLst>
+  </p:cSld>
+  <p:clrMapOvr>
+    <a:masterClrMapping/>
+  </p:clrMapOvr>
+</p:sld>
+</file>
+
 <file path=ppt/slides/slide2.xml><?xml version="1.0" encoding="utf-8"?>
 <p:sld xmlns:a="http://schemas.openxmlformats.org/drawingml/2006/main" xmlns:r="http://schemas.openxmlformats.org/officeDocument/2006/relationships" xmlns:p="http://schemas.openxmlformats.org/presentationml/2006/main">
   <p:cSld>
@@ -5461,6 +9146,1651 @@
     <p:extLst>
       <p:ext uri="{BB962C8B-B14F-4D97-AF65-F5344CB8AC3E}">
         <p14:creationId xmlns:p14="http://schemas.microsoft.com/office/powerpoint/2010/main" val="1436347570"/>
+      </p:ext>
+    </p:extLst>
+  </p:cSld>
+  <p:clrMapOvr>
+    <a:masterClrMapping/>
+  </p:clrMapOvr>
+</p:sld>
+</file>
+
+<file path=ppt/slides/slide6.xml><?xml version="1.0" encoding="utf-8"?>
+<p:sld xmlns:a="http://schemas.openxmlformats.org/drawingml/2006/main" xmlns:r="http://schemas.openxmlformats.org/officeDocument/2006/relationships" xmlns:p="http://schemas.openxmlformats.org/presentationml/2006/main">
+  <p:cSld>
+    <p:spTree>
+      <p:nvGrpSpPr>
+        <p:cNvPr id="1" name=""/>
+        <p:cNvGrpSpPr/>
+        <p:nvPr/>
+      </p:nvGrpSpPr>
+      <p:grpSpPr>
+        <a:xfrm>
+          <a:off x="0" y="0"/>
+          <a:ext cx="0" cy="0"/>
+          <a:chOff x="0" y="0"/>
+          <a:chExt cx="0" cy="0"/>
+        </a:xfrm>
+      </p:grpSpPr>
+      <p:sp>
+        <p:nvSpPr>
+          <p:cNvPr id="3" name="직사각형 2">
+            <a:extLst>
+              <a:ext uri="{FF2B5EF4-FFF2-40B4-BE49-F238E27FC236}">
+                <a16:creationId xmlns:a16="http://schemas.microsoft.com/office/drawing/2014/main" id="{A0877D69-93DD-4980-ADD0-ACBC17331F17}"/>
+              </a:ext>
+            </a:extLst>
+          </p:cNvPr>
+          <p:cNvSpPr/>
+          <p:nvPr/>
+        </p:nvSpPr>
+        <p:spPr>
+          <a:xfrm>
+            <a:off x="4310605" y="2139374"/>
+            <a:ext cx="3570787" cy="2579251"/>
+          </a:xfrm>
+          <a:prstGeom prst="rect">
+            <a:avLst/>
+          </a:prstGeom>
+          <a:noFill/>
+          <a:ln>
+            <a:noFill/>
+          </a:ln>
+        </p:spPr>
+        <p:style>
+          <a:lnRef idx="2">
+            <a:schemeClr val="accent1">
+              <a:shade val="50000"/>
+            </a:schemeClr>
+          </a:lnRef>
+          <a:fillRef idx="1">
+            <a:schemeClr val="accent1"/>
+          </a:fillRef>
+          <a:effectRef idx="0">
+            <a:schemeClr val="accent1"/>
+          </a:effectRef>
+          <a:fontRef idx="minor">
+            <a:schemeClr val="lt1"/>
+          </a:fontRef>
+        </p:style>
+        <p:txBody>
+          <a:bodyPr rtlCol="0" anchor="ctr"/>
+          <a:lstStyle/>
+          <a:p>
+            <a:pPr algn="ctr"/>
+            <a:endParaRPr lang="ko-KR" altLang="en-US"/>
+          </a:p>
+        </p:txBody>
+      </p:sp>
+      <p:sp>
+        <p:nvSpPr>
+          <p:cNvPr id="4" name="TextBox 3">
+            <a:extLst>
+              <a:ext uri="{FF2B5EF4-FFF2-40B4-BE49-F238E27FC236}">
+                <a16:creationId xmlns:a16="http://schemas.microsoft.com/office/drawing/2014/main" id="{3B239B6D-51A9-43C8-BD09-7E0DAA7DEC98}"/>
+              </a:ext>
+            </a:extLst>
+          </p:cNvPr>
+          <p:cNvSpPr txBox="1"/>
+          <p:nvPr/>
+        </p:nvSpPr>
+        <p:spPr>
+          <a:xfrm>
+            <a:off x="6540193" y="3574185"/>
+            <a:ext cx="365806" cy="246221"/>
+          </a:xfrm>
+          <a:prstGeom prst="rect">
+            <a:avLst/>
+          </a:prstGeom>
+          <a:noFill/>
+        </p:spPr>
+        <p:txBody>
+          <a:bodyPr wrap="none" rtlCol="0">
+            <a:spAutoFit/>
+          </a:bodyPr>
+          <a:lstStyle/>
+          <a:p>
+            <a:r>
+              <a:rPr lang="en-US" altLang="ko-KR" sz="1000" dirty="0">
+                <a:latin typeface="AppleSDGothicNeoM00" panose="02000503000000000000" pitchFamily="2" charset="-127"/>
+                <a:ea typeface="AppleSDGothicNeoM00" panose="02000503000000000000" pitchFamily="2" charset="-127"/>
+              </a:rPr>
+              <a:t>top</a:t>
+            </a:r>
+            <a:endParaRPr lang="ko-KR" altLang="en-US" sz="1000" dirty="0">
+              <a:latin typeface="AppleSDGothicNeoM00" panose="02000503000000000000" pitchFamily="2" charset="-127"/>
+              <a:ea typeface="AppleSDGothicNeoM00" panose="02000503000000000000" pitchFamily="2" charset="-127"/>
+            </a:endParaRPr>
+          </a:p>
+        </p:txBody>
+      </p:sp>
+      <p:sp>
+        <p:nvSpPr>
+          <p:cNvPr id="5" name="TextBox 4">
+            <a:extLst>
+              <a:ext uri="{FF2B5EF4-FFF2-40B4-BE49-F238E27FC236}">
+                <a16:creationId xmlns:a16="http://schemas.microsoft.com/office/drawing/2014/main" id="{F8B056EC-DFD4-4AD5-8E2E-E61A48BEFEB8}"/>
+              </a:ext>
+            </a:extLst>
+          </p:cNvPr>
+          <p:cNvSpPr txBox="1"/>
+          <p:nvPr/>
+        </p:nvSpPr>
+        <p:spPr>
+          <a:xfrm>
+            <a:off x="5285999" y="3568079"/>
+            <a:ext cx="580608" cy="246221"/>
+          </a:xfrm>
+          <a:prstGeom prst="rect">
+            <a:avLst/>
+          </a:prstGeom>
+          <a:noFill/>
+        </p:spPr>
+        <p:txBody>
+          <a:bodyPr wrap="none" rtlCol="0">
+            <a:spAutoFit/>
+          </a:bodyPr>
+          <a:lstStyle/>
+          <a:p>
+            <a:r>
+              <a:rPr lang="en-US" altLang="ko-KR" sz="1000" dirty="0">
+                <a:latin typeface="AppleSDGothicNeoM00" panose="02000503000000000000" pitchFamily="2" charset="-127"/>
+                <a:ea typeface="AppleSDGothicNeoM00" panose="02000503000000000000" pitchFamily="2" charset="-127"/>
+              </a:rPr>
+              <a:t>bottom</a:t>
+            </a:r>
+            <a:endParaRPr lang="ko-KR" altLang="en-US" sz="1000" dirty="0">
+              <a:latin typeface="AppleSDGothicNeoM00" panose="02000503000000000000" pitchFamily="2" charset="-127"/>
+              <a:ea typeface="AppleSDGothicNeoM00" panose="02000503000000000000" pitchFamily="2" charset="-127"/>
+            </a:endParaRPr>
+          </a:p>
+        </p:txBody>
+      </p:sp>
+      <p:graphicFrame>
+        <p:nvGraphicFramePr>
+          <p:cNvPr id="6" name="표 6">
+            <a:extLst>
+              <a:ext uri="{FF2B5EF4-FFF2-40B4-BE49-F238E27FC236}">
+                <a16:creationId xmlns:a16="http://schemas.microsoft.com/office/drawing/2014/main" id="{4DC09206-4C8B-4FB7-A8F3-73D4C72EB7B3}"/>
+              </a:ext>
+            </a:extLst>
+          </p:cNvPr>
+          <p:cNvGraphicFramePr>
+            <a:graphicFrameLocks noGrp="1"/>
+          </p:cNvGraphicFramePr>
+          <p:nvPr>
+            <p:extLst>
+              <p:ext uri="{D42A27DB-BD31-4B8C-83A1-F6EECF244321}">
+                <p14:modId xmlns:p14="http://schemas.microsoft.com/office/powerpoint/2010/main" val="2009457343"/>
+              </p:ext>
+            </p:extLst>
+          </p:nvPr>
+        </p:nvGraphicFramePr>
+        <p:xfrm>
+          <a:off x="5285999" y="3808193"/>
+          <a:ext cx="1620000" cy="540000"/>
+        </p:xfrm>
+        <a:graphic>
+          <a:graphicData uri="http://schemas.openxmlformats.org/drawingml/2006/table">
+            <a:tbl>
+              <a:tblPr firstRow="1" bandRow="1">
+                <a:tableStyleId>{5940675A-B579-460E-94D1-54222C63F5DA}</a:tableStyleId>
+              </a:tblPr>
+              <a:tblGrid>
+                <a:gridCol w="540000">
+                  <a:extLst>
+                    <a:ext uri="{9D8B030D-6E8A-4147-A177-3AD203B41FA5}">
+                      <a16:colId xmlns:a16="http://schemas.microsoft.com/office/drawing/2014/main" val="2800326601"/>
+                    </a:ext>
+                  </a:extLst>
+                </a:gridCol>
+                <a:gridCol w="540000">
+                  <a:extLst>
+                    <a:ext uri="{9D8B030D-6E8A-4147-A177-3AD203B41FA5}">
+                      <a16:colId xmlns:a16="http://schemas.microsoft.com/office/drawing/2014/main" val="1599625305"/>
+                    </a:ext>
+                  </a:extLst>
+                </a:gridCol>
+                <a:gridCol w="540000">
+                  <a:extLst>
+                    <a:ext uri="{9D8B030D-6E8A-4147-A177-3AD203B41FA5}">
+                      <a16:colId xmlns:a16="http://schemas.microsoft.com/office/drawing/2014/main" val="3449042132"/>
+                    </a:ext>
+                  </a:extLst>
+                </a:gridCol>
+              </a:tblGrid>
+              <a:tr h="540000">
+                <a:tc>
+                  <a:txBody>
+                    <a:bodyPr/>
+                    <a:lstStyle/>
+                    <a:p>
+                      <a:pPr algn="ctr" latinLnBrk="1"/>
+                      <a:endParaRPr lang="ko-KR" altLang="en-US" dirty="0">
+                        <a:latin typeface="AppleSDGothicNeoM00" panose="02000503000000000000" pitchFamily="2" charset="-127"/>
+                        <a:ea typeface="AppleSDGothicNeoM00" panose="02000503000000000000" pitchFamily="2" charset="-127"/>
+                      </a:endParaRPr>
+                    </a:p>
+                  </a:txBody>
+                  <a:tcPr anchor="ctr">
+                    <a:lnR w="12700" cap="flat" cmpd="sng" algn="ctr">
+                      <a:solidFill>
+                        <a:schemeClr val="tx1"/>
+                      </a:solidFill>
+                      <a:prstDash val="dot"/>
+                      <a:round/>
+                      <a:headEnd type="none" w="med" len="med"/>
+                      <a:tailEnd type="none" w="med" len="med"/>
+                    </a:lnR>
+                  </a:tcPr>
+                </a:tc>
+                <a:tc>
+                  <a:txBody>
+                    <a:bodyPr/>
+                    <a:lstStyle/>
+                    <a:p>
+                      <a:pPr algn="ctr" latinLnBrk="1"/>
+                      <a:endParaRPr lang="ko-KR" altLang="en-US" dirty="0">
+                        <a:latin typeface="AppleSDGothicNeoM00" panose="02000503000000000000" pitchFamily="2" charset="-127"/>
+                        <a:ea typeface="AppleSDGothicNeoM00" panose="02000503000000000000" pitchFamily="2" charset="-127"/>
+                      </a:endParaRPr>
+                    </a:p>
+                  </a:txBody>
+                  <a:tcPr anchor="ctr">
+                    <a:lnL w="12700" cap="flat" cmpd="sng" algn="ctr">
+                      <a:solidFill>
+                        <a:schemeClr val="tx1"/>
+                      </a:solidFill>
+                      <a:prstDash val="dot"/>
+                      <a:round/>
+                      <a:headEnd type="none" w="med" len="med"/>
+                      <a:tailEnd type="none" w="med" len="med"/>
+                    </a:lnL>
+                    <a:lnR w="12700" cap="flat" cmpd="sng" algn="ctr">
+                      <a:solidFill>
+                        <a:schemeClr val="tx1"/>
+                      </a:solidFill>
+                      <a:prstDash val="dot"/>
+                      <a:round/>
+                      <a:headEnd type="none" w="med" len="med"/>
+                      <a:tailEnd type="none" w="med" len="med"/>
+                    </a:lnR>
+                  </a:tcPr>
+                </a:tc>
+                <a:tc>
+                  <a:txBody>
+                    <a:bodyPr/>
+                    <a:lstStyle/>
+                    <a:p>
+                      <a:pPr algn="ctr" latinLnBrk="1"/>
+                      <a:endParaRPr lang="ko-KR" altLang="en-US" dirty="0">
+                        <a:latin typeface="AppleSDGothicNeoM00" panose="02000503000000000000" pitchFamily="2" charset="-127"/>
+                        <a:ea typeface="AppleSDGothicNeoM00" panose="02000503000000000000" pitchFamily="2" charset="-127"/>
+                      </a:endParaRPr>
+                    </a:p>
+                  </a:txBody>
+                  <a:tcPr anchor="ctr">
+                    <a:lnL w="12700" cap="flat" cmpd="sng" algn="ctr">
+                      <a:solidFill>
+                        <a:schemeClr val="tx1"/>
+                      </a:solidFill>
+                      <a:prstDash val="dot"/>
+                      <a:round/>
+                      <a:headEnd type="none" w="med" len="med"/>
+                      <a:tailEnd type="none" w="med" len="med"/>
+                    </a:lnL>
+                    <a:lnR w="12700" cap="flat" cmpd="sng" algn="ctr">
+                      <a:noFill/>
+                      <a:prstDash val="solid"/>
+                      <a:round/>
+                      <a:headEnd type="none" w="med" len="med"/>
+                      <a:tailEnd type="none" w="med" len="med"/>
+                    </a:lnR>
+                  </a:tcPr>
+                </a:tc>
+                <a:extLst>
+                  <a:ext uri="{0D108BD9-81ED-4DB2-BD59-A6C34878D82A}">
+                    <a16:rowId xmlns:a16="http://schemas.microsoft.com/office/drawing/2014/main" val="2567201062"/>
+                  </a:ext>
+                </a:extLst>
+              </a:tr>
+            </a:tbl>
+          </a:graphicData>
+        </a:graphic>
+      </p:graphicFrame>
+      <p:sp>
+        <p:nvSpPr>
+          <p:cNvPr id="8" name="TextBox 7">
+            <a:extLst>
+              <a:ext uri="{FF2B5EF4-FFF2-40B4-BE49-F238E27FC236}">
+                <a16:creationId xmlns:a16="http://schemas.microsoft.com/office/drawing/2014/main" id="{C786A39F-E09C-451F-848E-1DC715203F0C}"/>
+              </a:ext>
+            </a:extLst>
+          </p:cNvPr>
+          <p:cNvSpPr txBox="1"/>
+          <p:nvPr/>
+        </p:nvSpPr>
+        <p:spPr>
+          <a:xfrm>
+            <a:off x="4887975" y="2666008"/>
+            <a:ext cx="2416046" cy="369332"/>
+          </a:xfrm>
+          <a:prstGeom prst="rect">
+            <a:avLst/>
+          </a:prstGeom>
+          <a:noFill/>
+        </p:spPr>
+        <p:txBody>
+          <a:bodyPr wrap="none" rtlCol="0">
+            <a:spAutoFit/>
+          </a:bodyPr>
+          <a:lstStyle/>
+          <a:p>
+            <a:r>
+              <a:rPr lang="en-US" altLang="ko-KR" dirty="0">
+                <a:latin typeface="AppleSDGothicNeoM00" panose="02000503000000000000" pitchFamily="2" charset="-127"/>
+                <a:ea typeface="AppleSDGothicNeoM00" panose="02000503000000000000" pitchFamily="2" charset="-127"/>
+              </a:rPr>
+              <a:t>(var x = { y: [ 1, 2, 3 ] })</a:t>
+            </a:r>
+            <a:endParaRPr lang="ko-KR" altLang="en-US" dirty="0">
+              <a:latin typeface="AppleSDGothicNeoM00" panose="02000503000000000000" pitchFamily="2" charset="-127"/>
+              <a:ea typeface="AppleSDGothicNeoM00" panose="02000503000000000000" pitchFamily="2" charset="-127"/>
+            </a:endParaRPr>
+          </a:p>
+        </p:txBody>
+      </p:sp>
+    </p:spTree>
+    <p:extLst>
+      <p:ext uri="{BB962C8B-B14F-4D97-AF65-F5344CB8AC3E}">
+        <p14:creationId xmlns:p14="http://schemas.microsoft.com/office/powerpoint/2010/main" val="292535756"/>
+      </p:ext>
+    </p:extLst>
+  </p:cSld>
+  <p:clrMapOvr>
+    <a:masterClrMapping/>
+  </p:clrMapOvr>
+</p:sld>
+</file>
+
+<file path=ppt/slides/slide7.xml><?xml version="1.0" encoding="utf-8"?>
+<p:sld xmlns:a="http://schemas.openxmlformats.org/drawingml/2006/main" xmlns:r="http://schemas.openxmlformats.org/officeDocument/2006/relationships" xmlns:p="http://schemas.openxmlformats.org/presentationml/2006/main">
+  <p:cSld>
+    <p:spTree>
+      <p:nvGrpSpPr>
+        <p:cNvPr id="1" name=""/>
+        <p:cNvGrpSpPr/>
+        <p:nvPr/>
+      </p:nvGrpSpPr>
+      <p:grpSpPr>
+        <a:xfrm>
+          <a:off x="0" y="0"/>
+          <a:ext cx="0" cy="0"/>
+          <a:chOff x="0" y="0"/>
+          <a:chExt cx="0" cy="0"/>
+        </a:xfrm>
+      </p:grpSpPr>
+      <p:sp>
+        <p:nvSpPr>
+          <p:cNvPr id="3" name="직사각형 2">
+            <a:extLst>
+              <a:ext uri="{FF2B5EF4-FFF2-40B4-BE49-F238E27FC236}">
+                <a16:creationId xmlns:a16="http://schemas.microsoft.com/office/drawing/2014/main" id="{A0877D69-93DD-4980-ADD0-ACBC17331F17}"/>
+              </a:ext>
+            </a:extLst>
+          </p:cNvPr>
+          <p:cNvSpPr/>
+          <p:nvPr/>
+        </p:nvSpPr>
+        <p:spPr>
+          <a:xfrm>
+            <a:off x="4310605" y="2139374"/>
+            <a:ext cx="3570787" cy="2579251"/>
+          </a:xfrm>
+          <a:prstGeom prst="rect">
+            <a:avLst/>
+          </a:prstGeom>
+          <a:noFill/>
+          <a:ln>
+            <a:noFill/>
+          </a:ln>
+        </p:spPr>
+        <p:style>
+          <a:lnRef idx="2">
+            <a:schemeClr val="accent1">
+              <a:shade val="50000"/>
+            </a:schemeClr>
+          </a:lnRef>
+          <a:fillRef idx="1">
+            <a:schemeClr val="accent1"/>
+          </a:fillRef>
+          <a:effectRef idx="0">
+            <a:schemeClr val="accent1"/>
+          </a:effectRef>
+          <a:fontRef idx="minor">
+            <a:schemeClr val="lt1"/>
+          </a:fontRef>
+        </p:style>
+        <p:txBody>
+          <a:bodyPr rtlCol="0" anchor="ctr"/>
+          <a:lstStyle/>
+          <a:p>
+            <a:pPr algn="ctr"/>
+            <a:endParaRPr lang="ko-KR" altLang="en-US"/>
+          </a:p>
+        </p:txBody>
+      </p:sp>
+      <p:sp>
+        <p:nvSpPr>
+          <p:cNvPr id="4" name="TextBox 3">
+            <a:extLst>
+              <a:ext uri="{FF2B5EF4-FFF2-40B4-BE49-F238E27FC236}">
+                <a16:creationId xmlns:a16="http://schemas.microsoft.com/office/drawing/2014/main" id="{3B239B6D-51A9-43C8-BD09-7E0DAA7DEC98}"/>
+              </a:ext>
+            </a:extLst>
+          </p:cNvPr>
+          <p:cNvSpPr txBox="1"/>
+          <p:nvPr/>
+        </p:nvSpPr>
+        <p:spPr>
+          <a:xfrm>
+            <a:off x="6540193" y="3574185"/>
+            <a:ext cx="365806" cy="246221"/>
+          </a:xfrm>
+          <a:prstGeom prst="rect">
+            <a:avLst/>
+          </a:prstGeom>
+          <a:noFill/>
+        </p:spPr>
+        <p:txBody>
+          <a:bodyPr wrap="none" rtlCol="0">
+            <a:spAutoFit/>
+          </a:bodyPr>
+          <a:lstStyle/>
+          <a:p>
+            <a:r>
+              <a:rPr lang="en-US" altLang="ko-KR" sz="1000" dirty="0">
+                <a:latin typeface="AppleSDGothicNeoM00" panose="02000503000000000000" pitchFamily="2" charset="-127"/>
+                <a:ea typeface="AppleSDGothicNeoM00" panose="02000503000000000000" pitchFamily="2" charset="-127"/>
+              </a:rPr>
+              <a:t>top</a:t>
+            </a:r>
+            <a:endParaRPr lang="ko-KR" altLang="en-US" sz="1000" dirty="0">
+              <a:latin typeface="AppleSDGothicNeoM00" panose="02000503000000000000" pitchFamily="2" charset="-127"/>
+              <a:ea typeface="AppleSDGothicNeoM00" panose="02000503000000000000" pitchFamily="2" charset="-127"/>
+            </a:endParaRPr>
+          </a:p>
+        </p:txBody>
+      </p:sp>
+      <p:sp>
+        <p:nvSpPr>
+          <p:cNvPr id="5" name="TextBox 4">
+            <a:extLst>
+              <a:ext uri="{FF2B5EF4-FFF2-40B4-BE49-F238E27FC236}">
+                <a16:creationId xmlns:a16="http://schemas.microsoft.com/office/drawing/2014/main" id="{F8B056EC-DFD4-4AD5-8E2E-E61A48BEFEB8}"/>
+              </a:ext>
+            </a:extLst>
+          </p:cNvPr>
+          <p:cNvSpPr txBox="1"/>
+          <p:nvPr/>
+        </p:nvSpPr>
+        <p:spPr>
+          <a:xfrm>
+            <a:off x="5285999" y="3568079"/>
+            <a:ext cx="580608" cy="246221"/>
+          </a:xfrm>
+          <a:prstGeom prst="rect">
+            <a:avLst/>
+          </a:prstGeom>
+          <a:noFill/>
+        </p:spPr>
+        <p:txBody>
+          <a:bodyPr wrap="none" rtlCol="0">
+            <a:spAutoFit/>
+          </a:bodyPr>
+          <a:lstStyle/>
+          <a:p>
+            <a:r>
+              <a:rPr lang="en-US" altLang="ko-KR" sz="1000" dirty="0">
+                <a:latin typeface="AppleSDGothicNeoM00" panose="02000503000000000000" pitchFamily="2" charset="-127"/>
+                <a:ea typeface="AppleSDGothicNeoM00" panose="02000503000000000000" pitchFamily="2" charset="-127"/>
+              </a:rPr>
+              <a:t>bottom</a:t>
+            </a:r>
+            <a:endParaRPr lang="ko-KR" altLang="en-US" sz="1000" dirty="0">
+              <a:latin typeface="AppleSDGothicNeoM00" panose="02000503000000000000" pitchFamily="2" charset="-127"/>
+              <a:ea typeface="AppleSDGothicNeoM00" panose="02000503000000000000" pitchFamily="2" charset="-127"/>
+            </a:endParaRPr>
+          </a:p>
+        </p:txBody>
+      </p:sp>
+      <p:graphicFrame>
+        <p:nvGraphicFramePr>
+          <p:cNvPr id="6" name="표 6">
+            <a:extLst>
+              <a:ext uri="{FF2B5EF4-FFF2-40B4-BE49-F238E27FC236}">
+                <a16:creationId xmlns:a16="http://schemas.microsoft.com/office/drawing/2014/main" id="{4DC09206-4C8B-4FB7-A8F3-73D4C72EB7B3}"/>
+              </a:ext>
+            </a:extLst>
+          </p:cNvPr>
+          <p:cNvGraphicFramePr>
+            <a:graphicFrameLocks noGrp="1"/>
+          </p:cNvGraphicFramePr>
+          <p:nvPr>
+            <p:extLst>
+              <p:ext uri="{D42A27DB-BD31-4B8C-83A1-F6EECF244321}">
+                <p14:modId xmlns:p14="http://schemas.microsoft.com/office/powerpoint/2010/main" val="2486200082"/>
+              </p:ext>
+            </p:extLst>
+          </p:nvPr>
+        </p:nvGraphicFramePr>
+        <p:xfrm>
+          <a:off x="5285999" y="3808193"/>
+          <a:ext cx="1620000" cy="540000"/>
+        </p:xfrm>
+        <a:graphic>
+          <a:graphicData uri="http://schemas.openxmlformats.org/drawingml/2006/table">
+            <a:tbl>
+              <a:tblPr firstRow="1" bandRow="1">
+                <a:tableStyleId>{5940675A-B579-460E-94D1-54222C63F5DA}</a:tableStyleId>
+              </a:tblPr>
+              <a:tblGrid>
+                <a:gridCol w="540000">
+                  <a:extLst>
+                    <a:ext uri="{9D8B030D-6E8A-4147-A177-3AD203B41FA5}">
+                      <a16:colId xmlns:a16="http://schemas.microsoft.com/office/drawing/2014/main" val="2800326601"/>
+                    </a:ext>
+                  </a:extLst>
+                </a:gridCol>
+                <a:gridCol w="540000">
+                  <a:extLst>
+                    <a:ext uri="{9D8B030D-6E8A-4147-A177-3AD203B41FA5}">
+                      <a16:colId xmlns:a16="http://schemas.microsoft.com/office/drawing/2014/main" val="1599625305"/>
+                    </a:ext>
+                  </a:extLst>
+                </a:gridCol>
+                <a:gridCol w="540000">
+                  <a:extLst>
+                    <a:ext uri="{9D8B030D-6E8A-4147-A177-3AD203B41FA5}">
+                      <a16:colId xmlns:a16="http://schemas.microsoft.com/office/drawing/2014/main" val="3449042132"/>
+                    </a:ext>
+                  </a:extLst>
+                </a:gridCol>
+              </a:tblGrid>
+              <a:tr h="540000">
+                <a:tc>
+                  <a:txBody>
+                    <a:bodyPr/>
+                    <a:lstStyle/>
+                    <a:p>
+                      <a:pPr algn="ctr" latinLnBrk="1"/>
+                      <a:r>
+                        <a:rPr lang="en-US" altLang="ko-KR" dirty="0">
+                          <a:latin typeface="AppleSDGothicNeoM00" panose="02000503000000000000" pitchFamily="2" charset="-127"/>
+                          <a:ea typeface="AppleSDGothicNeoM00" panose="02000503000000000000" pitchFamily="2" charset="-127"/>
+                        </a:rPr>
+                        <a:t>(</a:t>
+                      </a:r>
+                      <a:endParaRPr lang="ko-KR" altLang="en-US" dirty="0">
+                        <a:latin typeface="AppleSDGothicNeoM00" panose="02000503000000000000" pitchFamily="2" charset="-127"/>
+                        <a:ea typeface="AppleSDGothicNeoM00" panose="02000503000000000000" pitchFamily="2" charset="-127"/>
+                      </a:endParaRPr>
+                    </a:p>
+                  </a:txBody>
+                  <a:tcPr anchor="ctr">
+                    <a:lnR w="12700" cap="flat" cmpd="sng" algn="ctr">
+                      <a:solidFill>
+                        <a:schemeClr val="tx1"/>
+                      </a:solidFill>
+                      <a:prstDash val="dot"/>
+                      <a:round/>
+                      <a:headEnd type="none" w="med" len="med"/>
+                      <a:tailEnd type="none" w="med" len="med"/>
+                    </a:lnR>
+                    <a:solidFill>
+                      <a:srgbClr val="72EA78"/>
+                    </a:solidFill>
+                  </a:tcPr>
+                </a:tc>
+                <a:tc>
+                  <a:txBody>
+                    <a:bodyPr/>
+                    <a:lstStyle/>
+                    <a:p>
+                      <a:pPr algn="ctr" latinLnBrk="1"/>
+                      <a:endParaRPr lang="ko-KR" altLang="en-US" dirty="0">
+                        <a:latin typeface="AppleSDGothicNeoM00" panose="02000503000000000000" pitchFamily="2" charset="-127"/>
+                        <a:ea typeface="AppleSDGothicNeoM00" panose="02000503000000000000" pitchFamily="2" charset="-127"/>
+                      </a:endParaRPr>
+                    </a:p>
+                  </a:txBody>
+                  <a:tcPr anchor="ctr">
+                    <a:lnL w="12700" cap="flat" cmpd="sng" algn="ctr">
+                      <a:solidFill>
+                        <a:schemeClr val="tx1"/>
+                      </a:solidFill>
+                      <a:prstDash val="dot"/>
+                      <a:round/>
+                      <a:headEnd type="none" w="med" len="med"/>
+                      <a:tailEnd type="none" w="med" len="med"/>
+                    </a:lnL>
+                    <a:lnR w="12700" cap="flat" cmpd="sng" algn="ctr">
+                      <a:solidFill>
+                        <a:schemeClr val="tx1"/>
+                      </a:solidFill>
+                      <a:prstDash val="dot"/>
+                      <a:round/>
+                      <a:headEnd type="none" w="med" len="med"/>
+                      <a:tailEnd type="none" w="med" len="med"/>
+                    </a:lnR>
+                  </a:tcPr>
+                </a:tc>
+                <a:tc>
+                  <a:txBody>
+                    <a:bodyPr/>
+                    <a:lstStyle/>
+                    <a:p>
+                      <a:pPr algn="ctr" latinLnBrk="1"/>
+                      <a:endParaRPr lang="ko-KR" altLang="en-US" dirty="0">
+                        <a:latin typeface="AppleSDGothicNeoM00" panose="02000503000000000000" pitchFamily="2" charset="-127"/>
+                        <a:ea typeface="AppleSDGothicNeoM00" panose="02000503000000000000" pitchFamily="2" charset="-127"/>
+                      </a:endParaRPr>
+                    </a:p>
+                  </a:txBody>
+                  <a:tcPr anchor="ctr">
+                    <a:lnL w="12700" cap="flat" cmpd="sng" algn="ctr">
+                      <a:solidFill>
+                        <a:schemeClr val="tx1"/>
+                      </a:solidFill>
+                      <a:prstDash val="dot"/>
+                      <a:round/>
+                      <a:headEnd type="none" w="med" len="med"/>
+                      <a:tailEnd type="none" w="med" len="med"/>
+                    </a:lnL>
+                    <a:lnR w="12700" cap="flat" cmpd="sng" algn="ctr">
+                      <a:noFill/>
+                      <a:prstDash val="solid"/>
+                      <a:round/>
+                      <a:headEnd type="none" w="med" len="med"/>
+                      <a:tailEnd type="none" w="med" len="med"/>
+                    </a:lnR>
+                  </a:tcPr>
+                </a:tc>
+                <a:extLst>
+                  <a:ext uri="{0D108BD9-81ED-4DB2-BD59-A6C34878D82A}">
+                    <a16:rowId xmlns:a16="http://schemas.microsoft.com/office/drawing/2014/main" val="2567201062"/>
+                  </a:ext>
+                </a:extLst>
+              </a:tr>
+            </a:tbl>
+          </a:graphicData>
+        </a:graphic>
+      </p:graphicFrame>
+      <p:sp>
+        <p:nvSpPr>
+          <p:cNvPr id="8" name="TextBox 7">
+            <a:extLst>
+              <a:ext uri="{FF2B5EF4-FFF2-40B4-BE49-F238E27FC236}">
+                <a16:creationId xmlns:a16="http://schemas.microsoft.com/office/drawing/2014/main" id="{C786A39F-E09C-451F-848E-1DC715203F0C}"/>
+              </a:ext>
+            </a:extLst>
+          </p:cNvPr>
+          <p:cNvSpPr txBox="1"/>
+          <p:nvPr/>
+        </p:nvSpPr>
+        <p:spPr>
+          <a:xfrm>
+            <a:off x="4887975" y="2666008"/>
+            <a:ext cx="2537874" cy="369332"/>
+          </a:xfrm>
+          <a:prstGeom prst="rect">
+            <a:avLst/>
+          </a:prstGeom>
+          <a:noFill/>
+        </p:spPr>
+        <p:txBody>
+          <a:bodyPr wrap="none" rtlCol="0">
+            <a:spAutoFit/>
+          </a:bodyPr>
+          <a:lstStyle/>
+          <a:p>
+            <a:r>
+              <a:rPr lang="en-US" altLang="ko-KR" dirty="0">
+                <a:latin typeface="AppleSDGothicNeoM00" panose="02000503000000000000" pitchFamily="2" charset="-127"/>
+                <a:ea typeface="AppleSDGothicNeoM00" panose="02000503000000000000" pitchFamily="2" charset="-127"/>
+              </a:rPr>
+              <a:t>( var x = { y: [ 1, 2, 3 ] } )</a:t>
+            </a:r>
+            <a:endParaRPr lang="ko-KR" altLang="en-US" dirty="0">
+              <a:latin typeface="AppleSDGothicNeoM00" panose="02000503000000000000" pitchFamily="2" charset="-127"/>
+              <a:ea typeface="AppleSDGothicNeoM00" panose="02000503000000000000" pitchFamily="2" charset="-127"/>
+            </a:endParaRPr>
+          </a:p>
+        </p:txBody>
+      </p:sp>
+      <p:sp>
+        <p:nvSpPr>
+          <p:cNvPr id="2" name="직사각형 1">
+            <a:extLst>
+              <a:ext uri="{FF2B5EF4-FFF2-40B4-BE49-F238E27FC236}">
+                <a16:creationId xmlns:a16="http://schemas.microsoft.com/office/drawing/2014/main" id="{6D803D73-7A5E-4BDE-B1E4-442F05379D8C}"/>
+              </a:ext>
+            </a:extLst>
+          </p:cNvPr>
+          <p:cNvSpPr/>
+          <p:nvPr/>
+        </p:nvSpPr>
+        <p:spPr>
+          <a:xfrm>
+            <a:off x="4951635" y="2670199"/>
+            <a:ext cx="127000" cy="365141"/>
+          </a:xfrm>
+          <a:prstGeom prst="rect">
+            <a:avLst/>
+          </a:prstGeom>
+          <a:solidFill>
+            <a:srgbClr val="FF6565">
+              <a:alpha val="40000"/>
+            </a:srgbClr>
+          </a:solidFill>
+          <a:ln>
+            <a:noFill/>
+          </a:ln>
+        </p:spPr>
+        <p:style>
+          <a:lnRef idx="2">
+            <a:schemeClr val="accent1">
+              <a:shade val="50000"/>
+            </a:schemeClr>
+          </a:lnRef>
+          <a:fillRef idx="1">
+            <a:schemeClr val="accent1"/>
+          </a:fillRef>
+          <a:effectRef idx="0">
+            <a:schemeClr val="accent1"/>
+          </a:effectRef>
+          <a:fontRef idx="minor">
+            <a:schemeClr val="lt1"/>
+          </a:fontRef>
+        </p:style>
+        <p:txBody>
+          <a:bodyPr rtlCol="0" anchor="ctr"/>
+          <a:lstStyle/>
+          <a:p>
+            <a:pPr algn="ctr"/>
+            <a:endParaRPr lang="ko-KR" altLang="en-US"/>
+          </a:p>
+        </p:txBody>
+      </p:sp>
+    </p:spTree>
+    <p:extLst>
+      <p:ext uri="{BB962C8B-B14F-4D97-AF65-F5344CB8AC3E}">
+        <p14:creationId xmlns:p14="http://schemas.microsoft.com/office/powerpoint/2010/main" val="1623001100"/>
+      </p:ext>
+    </p:extLst>
+  </p:cSld>
+  <p:clrMapOvr>
+    <a:masterClrMapping/>
+  </p:clrMapOvr>
+</p:sld>
+</file>
+
+<file path=ppt/slides/slide8.xml><?xml version="1.0" encoding="utf-8"?>
+<p:sld xmlns:a="http://schemas.openxmlformats.org/drawingml/2006/main" xmlns:r="http://schemas.openxmlformats.org/officeDocument/2006/relationships" xmlns:p="http://schemas.openxmlformats.org/presentationml/2006/main">
+  <p:cSld>
+    <p:spTree>
+      <p:nvGrpSpPr>
+        <p:cNvPr id="1" name=""/>
+        <p:cNvGrpSpPr/>
+        <p:nvPr/>
+      </p:nvGrpSpPr>
+      <p:grpSpPr>
+        <a:xfrm>
+          <a:off x="0" y="0"/>
+          <a:ext cx="0" cy="0"/>
+          <a:chOff x="0" y="0"/>
+          <a:chExt cx="0" cy="0"/>
+        </a:xfrm>
+      </p:grpSpPr>
+      <p:sp>
+        <p:nvSpPr>
+          <p:cNvPr id="3" name="직사각형 2">
+            <a:extLst>
+              <a:ext uri="{FF2B5EF4-FFF2-40B4-BE49-F238E27FC236}">
+                <a16:creationId xmlns:a16="http://schemas.microsoft.com/office/drawing/2014/main" id="{A0877D69-93DD-4980-ADD0-ACBC17331F17}"/>
+              </a:ext>
+            </a:extLst>
+          </p:cNvPr>
+          <p:cNvSpPr/>
+          <p:nvPr/>
+        </p:nvSpPr>
+        <p:spPr>
+          <a:xfrm>
+            <a:off x="4310605" y="2139374"/>
+            <a:ext cx="3570787" cy="2579251"/>
+          </a:xfrm>
+          <a:prstGeom prst="rect">
+            <a:avLst/>
+          </a:prstGeom>
+          <a:noFill/>
+          <a:ln>
+            <a:noFill/>
+          </a:ln>
+        </p:spPr>
+        <p:style>
+          <a:lnRef idx="2">
+            <a:schemeClr val="accent1">
+              <a:shade val="50000"/>
+            </a:schemeClr>
+          </a:lnRef>
+          <a:fillRef idx="1">
+            <a:schemeClr val="accent1"/>
+          </a:fillRef>
+          <a:effectRef idx="0">
+            <a:schemeClr val="accent1"/>
+          </a:effectRef>
+          <a:fontRef idx="minor">
+            <a:schemeClr val="lt1"/>
+          </a:fontRef>
+        </p:style>
+        <p:txBody>
+          <a:bodyPr rtlCol="0" anchor="ctr"/>
+          <a:lstStyle/>
+          <a:p>
+            <a:pPr algn="ctr"/>
+            <a:endParaRPr lang="ko-KR" altLang="en-US"/>
+          </a:p>
+        </p:txBody>
+      </p:sp>
+      <p:sp>
+        <p:nvSpPr>
+          <p:cNvPr id="4" name="TextBox 3">
+            <a:extLst>
+              <a:ext uri="{FF2B5EF4-FFF2-40B4-BE49-F238E27FC236}">
+                <a16:creationId xmlns:a16="http://schemas.microsoft.com/office/drawing/2014/main" id="{3B239B6D-51A9-43C8-BD09-7E0DAA7DEC98}"/>
+              </a:ext>
+            </a:extLst>
+          </p:cNvPr>
+          <p:cNvSpPr txBox="1"/>
+          <p:nvPr/>
+        </p:nvSpPr>
+        <p:spPr>
+          <a:xfrm>
+            <a:off x="6540193" y="3574185"/>
+            <a:ext cx="365806" cy="246221"/>
+          </a:xfrm>
+          <a:prstGeom prst="rect">
+            <a:avLst/>
+          </a:prstGeom>
+          <a:noFill/>
+        </p:spPr>
+        <p:txBody>
+          <a:bodyPr wrap="none" rtlCol="0">
+            <a:spAutoFit/>
+          </a:bodyPr>
+          <a:lstStyle/>
+          <a:p>
+            <a:r>
+              <a:rPr lang="en-US" altLang="ko-KR" sz="1000" dirty="0">
+                <a:latin typeface="AppleSDGothicNeoM00" panose="02000503000000000000" pitchFamily="2" charset="-127"/>
+                <a:ea typeface="AppleSDGothicNeoM00" panose="02000503000000000000" pitchFamily="2" charset="-127"/>
+              </a:rPr>
+              <a:t>top</a:t>
+            </a:r>
+            <a:endParaRPr lang="ko-KR" altLang="en-US" sz="1000" dirty="0">
+              <a:latin typeface="AppleSDGothicNeoM00" panose="02000503000000000000" pitchFamily="2" charset="-127"/>
+              <a:ea typeface="AppleSDGothicNeoM00" panose="02000503000000000000" pitchFamily="2" charset="-127"/>
+            </a:endParaRPr>
+          </a:p>
+        </p:txBody>
+      </p:sp>
+      <p:sp>
+        <p:nvSpPr>
+          <p:cNvPr id="5" name="TextBox 4">
+            <a:extLst>
+              <a:ext uri="{FF2B5EF4-FFF2-40B4-BE49-F238E27FC236}">
+                <a16:creationId xmlns:a16="http://schemas.microsoft.com/office/drawing/2014/main" id="{F8B056EC-DFD4-4AD5-8E2E-E61A48BEFEB8}"/>
+              </a:ext>
+            </a:extLst>
+          </p:cNvPr>
+          <p:cNvSpPr txBox="1"/>
+          <p:nvPr/>
+        </p:nvSpPr>
+        <p:spPr>
+          <a:xfrm>
+            <a:off x="5285999" y="3568079"/>
+            <a:ext cx="580608" cy="246221"/>
+          </a:xfrm>
+          <a:prstGeom prst="rect">
+            <a:avLst/>
+          </a:prstGeom>
+          <a:noFill/>
+        </p:spPr>
+        <p:txBody>
+          <a:bodyPr wrap="none" rtlCol="0">
+            <a:spAutoFit/>
+          </a:bodyPr>
+          <a:lstStyle/>
+          <a:p>
+            <a:r>
+              <a:rPr lang="en-US" altLang="ko-KR" sz="1000" dirty="0">
+                <a:latin typeface="AppleSDGothicNeoM00" panose="02000503000000000000" pitchFamily="2" charset="-127"/>
+                <a:ea typeface="AppleSDGothicNeoM00" panose="02000503000000000000" pitchFamily="2" charset="-127"/>
+              </a:rPr>
+              <a:t>bottom</a:t>
+            </a:r>
+            <a:endParaRPr lang="ko-KR" altLang="en-US" sz="1000" dirty="0">
+              <a:latin typeface="AppleSDGothicNeoM00" panose="02000503000000000000" pitchFamily="2" charset="-127"/>
+              <a:ea typeface="AppleSDGothicNeoM00" panose="02000503000000000000" pitchFamily="2" charset="-127"/>
+            </a:endParaRPr>
+          </a:p>
+        </p:txBody>
+      </p:sp>
+      <p:graphicFrame>
+        <p:nvGraphicFramePr>
+          <p:cNvPr id="6" name="표 6">
+            <a:extLst>
+              <a:ext uri="{FF2B5EF4-FFF2-40B4-BE49-F238E27FC236}">
+                <a16:creationId xmlns:a16="http://schemas.microsoft.com/office/drawing/2014/main" id="{4DC09206-4C8B-4FB7-A8F3-73D4C72EB7B3}"/>
+              </a:ext>
+            </a:extLst>
+          </p:cNvPr>
+          <p:cNvGraphicFramePr>
+            <a:graphicFrameLocks noGrp="1"/>
+          </p:cNvGraphicFramePr>
+          <p:nvPr>
+            <p:extLst>
+              <p:ext uri="{D42A27DB-BD31-4B8C-83A1-F6EECF244321}">
+                <p14:modId xmlns:p14="http://schemas.microsoft.com/office/powerpoint/2010/main" val="2781608187"/>
+              </p:ext>
+            </p:extLst>
+          </p:nvPr>
+        </p:nvGraphicFramePr>
+        <p:xfrm>
+          <a:off x="5285999" y="3808193"/>
+          <a:ext cx="1620000" cy="540000"/>
+        </p:xfrm>
+        <a:graphic>
+          <a:graphicData uri="http://schemas.openxmlformats.org/drawingml/2006/table">
+            <a:tbl>
+              <a:tblPr firstRow="1" bandRow="1">
+                <a:tableStyleId>{5940675A-B579-460E-94D1-54222C63F5DA}</a:tableStyleId>
+              </a:tblPr>
+              <a:tblGrid>
+                <a:gridCol w="540000">
+                  <a:extLst>
+                    <a:ext uri="{9D8B030D-6E8A-4147-A177-3AD203B41FA5}">
+                      <a16:colId xmlns:a16="http://schemas.microsoft.com/office/drawing/2014/main" val="2800326601"/>
+                    </a:ext>
+                  </a:extLst>
+                </a:gridCol>
+                <a:gridCol w="540000">
+                  <a:extLst>
+                    <a:ext uri="{9D8B030D-6E8A-4147-A177-3AD203B41FA5}">
+                      <a16:colId xmlns:a16="http://schemas.microsoft.com/office/drawing/2014/main" val="1599625305"/>
+                    </a:ext>
+                  </a:extLst>
+                </a:gridCol>
+                <a:gridCol w="540000">
+                  <a:extLst>
+                    <a:ext uri="{9D8B030D-6E8A-4147-A177-3AD203B41FA5}">
+                      <a16:colId xmlns:a16="http://schemas.microsoft.com/office/drawing/2014/main" val="3449042132"/>
+                    </a:ext>
+                  </a:extLst>
+                </a:gridCol>
+              </a:tblGrid>
+              <a:tr h="540000">
+                <a:tc>
+                  <a:txBody>
+                    <a:bodyPr/>
+                    <a:lstStyle/>
+                    <a:p>
+                      <a:pPr algn="ctr" latinLnBrk="1"/>
+                      <a:r>
+                        <a:rPr lang="en-US" altLang="ko-KR" dirty="0">
+                          <a:latin typeface="AppleSDGothicNeoM00" panose="02000503000000000000" pitchFamily="2" charset="-127"/>
+                          <a:ea typeface="AppleSDGothicNeoM00" panose="02000503000000000000" pitchFamily="2" charset="-127"/>
+                        </a:rPr>
+                        <a:t>(</a:t>
+                      </a:r>
+                      <a:endParaRPr lang="ko-KR" altLang="en-US" dirty="0">
+                        <a:latin typeface="AppleSDGothicNeoM00" panose="02000503000000000000" pitchFamily="2" charset="-127"/>
+                        <a:ea typeface="AppleSDGothicNeoM00" panose="02000503000000000000" pitchFamily="2" charset="-127"/>
+                      </a:endParaRPr>
+                    </a:p>
+                  </a:txBody>
+                  <a:tcPr anchor="ctr">
+                    <a:lnR w="12700" cap="flat" cmpd="sng" algn="ctr">
+                      <a:solidFill>
+                        <a:schemeClr val="tx1"/>
+                      </a:solidFill>
+                      <a:prstDash val="dot"/>
+                      <a:round/>
+                      <a:headEnd type="none" w="med" len="med"/>
+                      <a:tailEnd type="none" w="med" len="med"/>
+                    </a:lnR>
+                  </a:tcPr>
+                </a:tc>
+                <a:tc>
+                  <a:txBody>
+                    <a:bodyPr/>
+                    <a:lstStyle/>
+                    <a:p>
+                      <a:pPr algn="ctr" latinLnBrk="1"/>
+                      <a:r>
+                        <a:rPr lang="en-US" altLang="ko-KR" dirty="0">
+                          <a:latin typeface="AppleSDGothicNeoM00" panose="02000503000000000000" pitchFamily="2" charset="-127"/>
+                          <a:ea typeface="AppleSDGothicNeoM00" panose="02000503000000000000" pitchFamily="2" charset="-127"/>
+                        </a:rPr>
+                        <a:t>{</a:t>
+                      </a:r>
+                      <a:endParaRPr lang="ko-KR" altLang="en-US" dirty="0">
+                        <a:latin typeface="AppleSDGothicNeoM00" panose="02000503000000000000" pitchFamily="2" charset="-127"/>
+                        <a:ea typeface="AppleSDGothicNeoM00" panose="02000503000000000000" pitchFamily="2" charset="-127"/>
+                      </a:endParaRPr>
+                    </a:p>
+                  </a:txBody>
+                  <a:tcPr anchor="ctr">
+                    <a:lnL w="12700" cap="flat" cmpd="sng" algn="ctr">
+                      <a:solidFill>
+                        <a:schemeClr val="tx1"/>
+                      </a:solidFill>
+                      <a:prstDash val="dot"/>
+                      <a:round/>
+                      <a:headEnd type="none" w="med" len="med"/>
+                      <a:tailEnd type="none" w="med" len="med"/>
+                    </a:lnL>
+                    <a:lnR w="12700" cap="flat" cmpd="sng" algn="ctr">
+                      <a:solidFill>
+                        <a:schemeClr val="tx1"/>
+                      </a:solidFill>
+                      <a:prstDash val="dot"/>
+                      <a:round/>
+                      <a:headEnd type="none" w="med" len="med"/>
+                      <a:tailEnd type="none" w="med" len="med"/>
+                    </a:lnR>
+                    <a:solidFill>
+                      <a:srgbClr val="72EA78"/>
+                    </a:solidFill>
+                  </a:tcPr>
+                </a:tc>
+                <a:tc>
+                  <a:txBody>
+                    <a:bodyPr/>
+                    <a:lstStyle/>
+                    <a:p>
+                      <a:pPr algn="ctr" latinLnBrk="1"/>
+                      <a:endParaRPr lang="ko-KR" altLang="en-US" dirty="0">
+                        <a:latin typeface="AppleSDGothicNeoM00" panose="02000503000000000000" pitchFamily="2" charset="-127"/>
+                        <a:ea typeface="AppleSDGothicNeoM00" panose="02000503000000000000" pitchFamily="2" charset="-127"/>
+                      </a:endParaRPr>
+                    </a:p>
+                  </a:txBody>
+                  <a:tcPr anchor="ctr">
+                    <a:lnL w="12700" cap="flat" cmpd="sng" algn="ctr">
+                      <a:solidFill>
+                        <a:schemeClr val="tx1"/>
+                      </a:solidFill>
+                      <a:prstDash val="dot"/>
+                      <a:round/>
+                      <a:headEnd type="none" w="med" len="med"/>
+                      <a:tailEnd type="none" w="med" len="med"/>
+                    </a:lnL>
+                    <a:lnR w="12700" cap="flat" cmpd="sng" algn="ctr">
+                      <a:noFill/>
+                      <a:prstDash val="solid"/>
+                      <a:round/>
+                      <a:headEnd type="none" w="med" len="med"/>
+                      <a:tailEnd type="none" w="med" len="med"/>
+                    </a:lnR>
+                  </a:tcPr>
+                </a:tc>
+                <a:extLst>
+                  <a:ext uri="{0D108BD9-81ED-4DB2-BD59-A6C34878D82A}">
+                    <a16:rowId xmlns:a16="http://schemas.microsoft.com/office/drawing/2014/main" val="2567201062"/>
+                  </a:ext>
+                </a:extLst>
+              </a:tr>
+            </a:tbl>
+          </a:graphicData>
+        </a:graphic>
+      </p:graphicFrame>
+      <p:sp>
+        <p:nvSpPr>
+          <p:cNvPr id="8" name="TextBox 7">
+            <a:extLst>
+              <a:ext uri="{FF2B5EF4-FFF2-40B4-BE49-F238E27FC236}">
+                <a16:creationId xmlns:a16="http://schemas.microsoft.com/office/drawing/2014/main" id="{C786A39F-E09C-451F-848E-1DC715203F0C}"/>
+              </a:ext>
+            </a:extLst>
+          </p:cNvPr>
+          <p:cNvSpPr txBox="1"/>
+          <p:nvPr/>
+        </p:nvSpPr>
+        <p:spPr>
+          <a:xfrm>
+            <a:off x="4887975" y="2666008"/>
+            <a:ext cx="2537874" cy="369332"/>
+          </a:xfrm>
+          <a:prstGeom prst="rect">
+            <a:avLst/>
+          </a:prstGeom>
+          <a:noFill/>
+        </p:spPr>
+        <p:txBody>
+          <a:bodyPr wrap="none" rtlCol="0">
+            <a:spAutoFit/>
+          </a:bodyPr>
+          <a:lstStyle/>
+          <a:p>
+            <a:r>
+              <a:rPr lang="en-US" altLang="ko-KR" dirty="0">
+                <a:latin typeface="AppleSDGothicNeoM00" panose="02000503000000000000" pitchFamily="2" charset="-127"/>
+                <a:ea typeface="AppleSDGothicNeoM00" panose="02000503000000000000" pitchFamily="2" charset="-127"/>
+              </a:rPr>
+              <a:t>( var x = { y: [ 1, 2, 3 ] } )</a:t>
+            </a:r>
+            <a:endParaRPr lang="ko-KR" altLang="en-US" dirty="0">
+              <a:latin typeface="AppleSDGothicNeoM00" panose="02000503000000000000" pitchFamily="2" charset="-127"/>
+              <a:ea typeface="AppleSDGothicNeoM00" panose="02000503000000000000" pitchFamily="2" charset="-127"/>
+            </a:endParaRPr>
+          </a:p>
+        </p:txBody>
+      </p:sp>
+      <p:sp>
+        <p:nvSpPr>
+          <p:cNvPr id="9" name="직사각형 8">
+            <a:extLst>
+              <a:ext uri="{FF2B5EF4-FFF2-40B4-BE49-F238E27FC236}">
+                <a16:creationId xmlns:a16="http://schemas.microsoft.com/office/drawing/2014/main" id="{95C744AF-8A09-4BE0-9035-5A25370FFCAD}"/>
+              </a:ext>
+            </a:extLst>
+          </p:cNvPr>
+          <p:cNvSpPr/>
+          <p:nvPr/>
+        </p:nvSpPr>
+        <p:spPr>
+          <a:xfrm>
+            <a:off x="5803107" y="2666007"/>
+            <a:ext cx="127000" cy="365141"/>
+          </a:xfrm>
+          <a:prstGeom prst="rect">
+            <a:avLst/>
+          </a:prstGeom>
+          <a:solidFill>
+            <a:srgbClr val="FF6565">
+              <a:alpha val="40000"/>
+            </a:srgbClr>
+          </a:solidFill>
+          <a:ln>
+            <a:noFill/>
+          </a:ln>
+        </p:spPr>
+        <p:style>
+          <a:lnRef idx="2">
+            <a:schemeClr val="accent1">
+              <a:shade val="50000"/>
+            </a:schemeClr>
+          </a:lnRef>
+          <a:fillRef idx="1">
+            <a:schemeClr val="accent1"/>
+          </a:fillRef>
+          <a:effectRef idx="0">
+            <a:schemeClr val="accent1"/>
+          </a:effectRef>
+          <a:fontRef idx="minor">
+            <a:schemeClr val="lt1"/>
+          </a:fontRef>
+        </p:style>
+        <p:txBody>
+          <a:bodyPr rtlCol="0" anchor="ctr"/>
+          <a:lstStyle/>
+          <a:p>
+            <a:pPr algn="ctr"/>
+            <a:endParaRPr lang="ko-KR" altLang="en-US"/>
+          </a:p>
+        </p:txBody>
+      </p:sp>
+    </p:spTree>
+    <p:extLst>
+      <p:ext uri="{BB962C8B-B14F-4D97-AF65-F5344CB8AC3E}">
+        <p14:creationId xmlns:p14="http://schemas.microsoft.com/office/powerpoint/2010/main" val="3643799983"/>
+      </p:ext>
+    </p:extLst>
+  </p:cSld>
+  <p:clrMapOvr>
+    <a:masterClrMapping/>
+  </p:clrMapOvr>
+</p:sld>
+</file>
+
+<file path=ppt/slides/slide9.xml><?xml version="1.0" encoding="utf-8"?>
+<p:sld xmlns:a="http://schemas.openxmlformats.org/drawingml/2006/main" xmlns:r="http://schemas.openxmlformats.org/officeDocument/2006/relationships" xmlns:p="http://schemas.openxmlformats.org/presentationml/2006/main">
+  <p:cSld>
+    <p:spTree>
+      <p:nvGrpSpPr>
+        <p:cNvPr id="1" name=""/>
+        <p:cNvGrpSpPr/>
+        <p:nvPr/>
+      </p:nvGrpSpPr>
+      <p:grpSpPr>
+        <a:xfrm>
+          <a:off x="0" y="0"/>
+          <a:ext cx="0" cy="0"/>
+          <a:chOff x="0" y="0"/>
+          <a:chExt cx="0" cy="0"/>
+        </a:xfrm>
+      </p:grpSpPr>
+      <p:sp>
+        <p:nvSpPr>
+          <p:cNvPr id="3" name="직사각형 2">
+            <a:extLst>
+              <a:ext uri="{FF2B5EF4-FFF2-40B4-BE49-F238E27FC236}">
+                <a16:creationId xmlns:a16="http://schemas.microsoft.com/office/drawing/2014/main" id="{A0877D69-93DD-4980-ADD0-ACBC17331F17}"/>
+              </a:ext>
+            </a:extLst>
+          </p:cNvPr>
+          <p:cNvSpPr/>
+          <p:nvPr/>
+        </p:nvSpPr>
+        <p:spPr>
+          <a:xfrm>
+            <a:off x="4310605" y="2139374"/>
+            <a:ext cx="3570787" cy="2579251"/>
+          </a:xfrm>
+          <a:prstGeom prst="rect">
+            <a:avLst/>
+          </a:prstGeom>
+          <a:noFill/>
+          <a:ln>
+            <a:noFill/>
+          </a:ln>
+        </p:spPr>
+        <p:style>
+          <a:lnRef idx="2">
+            <a:schemeClr val="accent1">
+              <a:shade val="50000"/>
+            </a:schemeClr>
+          </a:lnRef>
+          <a:fillRef idx="1">
+            <a:schemeClr val="accent1"/>
+          </a:fillRef>
+          <a:effectRef idx="0">
+            <a:schemeClr val="accent1"/>
+          </a:effectRef>
+          <a:fontRef idx="minor">
+            <a:schemeClr val="lt1"/>
+          </a:fontRef>
+        </p:style>
+        <p:txBody>
+          <a:bodyPr rtlCol="0" anchor="ctr"/>
+          <a:lstStyle/>
+          <a:p>
+            <a:pPr algn="ctr"/>
+            <a:endParaRPr lang="ko-KR" altLang="en-US"/>
+          </a:p>
+        </p:txBody>
+      </p:sp>
+      <p:sp>
+        <p:nvSpPr>
+          <p:cNvPr id="4" name="TextBox 3">
+            <a:extLst>
+              <a:ext uri="{FF2B5EF4-FFF2-40B4-BE49-F238E27FC236}">
+                <a16:creationId xmlns:a16="http://schemas.microsoft.com/office/drawing/2014/main" id="{3B239B6D-51A9-43C8-BD09-7E0DAA7DEC98}"/>
+              </a:ext>
+            </a:extLst>
+          </p:cNvPr>
+          <p:cNvSpPr txBox="1"/>
+          <p:nvPr/>
+        </p:nvSpPr>
+        <p:spPr>
+          <a:xfrm>
+            <a:off x="6540193" y="3574185"/>
+            <a:ext cx="365806" cy="246221"/>
+          </a:xfrm>
+          <a:prstGeom prst="rect">
+            <a:avLst/>
+          </a:prstGeom>
+          <a:noFill/>
+        </p:spPr>
+        <p:txBody>
+          <a:bodyPr wrap="none" rtlCol="0">
+            <a:spAutoFit/>
+          </a:bodyPr>
+          <a:lstStyle/>
+          <a:p>
+            <a:r>
+              <a:rPr lang="en-US" altLang="ko-KR" sz="1000" dirty="0">
+                <a:latin typeface="AppleSDGothicNeoM00" panose="02000503000000000000" pitchFamily="2" charset="-127"/>
+                <a:ea typeface="AppleSDGothicNeoM00" panose="02000503000000000000" pitchFamily="2" charset="-127"/>
+              </a:rPr>
+              <a:t>top</a:t>
+            </a:r>
+            <a:endParaRPr lang="ko-KR" altLang="en-US" sz="1000" dirty="0">
+              <a:latin typeface="AppleSDGothicNeoM00" panose="02000503000000000000" pitchFamily="2" charset="-127"/>
+              <a:ea typeface="AppleSDGothicNeoM00" panose="02000503000000000000" pitchFamily="2" charset="-127"/>
+            </a:endParaRPr>
+          </a:p>
+        </p:txBody>
+      </p:sp>
+      <p:sp>
+        <p:nvSpPr>
+          <p:cNvPr id="5" name="TextBox 4">
+            <a:extLst>
+              <a:ext uri="{FF2B5EF4-FFF2-40B4-BE49-F238E27FC236}">
+                <a16:creationId xmlns:a16="http://schemas.microsoft.com/office/drawing/2014/main" id="{F8B056EC-DFD4-4AD5-8E2E-E61A48BEFEB8}"/>
+              </a:ext>
+            </a:extLst>
+          </p:cNvPr>
+          <p:cNvSpPr txBox="1"/>
+          <p:nvPr/>
+        </p:nvSpPr>
+        <p:spPr>
+          <a:xfrm>
+            <a:off x="5285999" y="3568079"/>
+            <a:ext cx="580608" cy="246221"/>
+          </a:xfrm>
+          <a:prstGeom prst="rect">
+            <a:avLst/>
+          </a:prstGeom>
+          <a:noFill/>
+        </p:spPr>
+        <p:txBody>
+          <a:bodyPr wrap="none" rtlCol="0">
+            <a:spAutoFit/>
+          </a:bodyPr>
+          <a:lstStyle/>
+          <a:p>
+            <a:r>
+              <a:rPr lang="en-US" altLang="ko-KR" sz="1000" dirty="0">
+                <a:latin typeface="AppleSDGothicNeoM00" panose="02000503000000000000" pitchFamily="2" charset="-127"/>
+                <a:ea typeface="AppleSDGothicNeoM00" panose="02000503000000000000" pitchFamily="2" charset="-127"/>
+              </a:rPr>
+              <a:t>bottom</a:t>
+            </a:r>
+            <a:endParaRPr lang="ko-KR" altLang="en-US" sz="1000" dirty="0">
+              <a:latin typeface="AppleSDGothicNeoM00" panose="02000503000000000000" pitchFamily="2" charset="-127"/>
+              <a:ea typeface="AppleSDGothicNeoM00" panose="02000503000000000000" pitchFamily="2" charset="-127"/>
+            </a:endParaRPr>
+          </a:p>
+        </p:txBody>
+      </p:sp>
+      <p:graphicFrame>
+        <p:nvGraphicFramePr>
+          <p:cNvPr id="6" name="표 6">
+            <a:extLst>
+              <a:ext uri="{FF2B5EF4-FFF2-40B4-BE49-F238E27FC236}">
+                <a16:creationId xmlns:a16="http://schemas.microsoft.com/office/drawing/2014/main" id="{4DC09206-4C8B-4FB7-A8F3-73D4C72EB7B3}"/>
+              </a:ext>
+            </a:extLst>
+          </p:cNvPr>
+          <p:cNvGraphicFramePr>
+            <a:graphicFrameLocks noGrp="1"/>
+          </p:cNvGraphicFramePr>
+          <p:nvPr>
+            <p:extLst>
+              <p:ext uri="{D42A27DB-BD31-4B8C-83A1-F6EECF244321}">
+                <p14:modId xmlns:p14="http://schemas.microsoft.com/office/powerpoint/2010/main" val="1310439805"/>
+              </p:ext>
+            </p:extLst>
+          </p:nvPr>
+        </p:nvGraphicFramePr>
+        <p:xfrm>
+          <a:off x="5285999" y="3808193"/>
+          <a:ext cx="1620000" cy="540000"/>
+        </p:xfrm>
+        <a:graphic>
+          <a:graphicData uri="http://schemas.openxmlformats.org/drawingml/2006/table">
+            <a:tbl>
+              <a:tblPr firstRow="1" bandRow="1">
+                <a:tableStyleId>{5940675A-B579-460E-94D1-54222C63F5DA}</a:tableStyleId>
+              </a:tblPr>
+              <a:tblGrid>
+                <a:gridCol w="540000">
+                  <a:extLst>
+                    <a:ext uri="{9D8B030D-6E8A-4147-A177-3AD203B41FA5}">
+                      <a16:colId xmlns:a16="http://schemas.microsoft.com/office/drawing/2014/main" val="2800326601"/>
+                    </a:ext>
+                  </a:extLst>
+                </a:gridCol>
+                <a:gridCol w="540000">
+                  <a:extLst>
+                    <a:ext uri="{9D8B030D-6E8A-4147-A177-3AD203B41FA5}">
+                      <a16:colId xmlns:a16="http://schemas.microsoft.com/office/drawing/2014/main" val="1599625305"/>
+                    </a:ext>
+                  </a:extLst>
+                </a:gridCol>
+                <a:gridCol w="540000">
+                  <a:extLst>
+                    <a:ext uri="{9D8B030D-6E8A-4147-A177-3AD203B41FA5}">
+                      <a16:colId xmlns:a16="http://schemas.microsoft.com/office/drawing/2014/main" val="3449042132"/>
+                    </a:ext>
+                  </a:extLst>
+                </a:gridCol>
+              </a:tblGrid>
+              <a:tr h="540000">
+                <a:tc>
+                  <a:txBody>
+                    <a:bodyPr/>
+                    <a:lstStyle/>
+                    <a:p>
+                      <a:pPr algn="ctr" latinLnBrk="1"/>
+                      <a:r>
+                        <a:rPr lang="en-US" altLang="ko-KR" dirty="0">
+                          <a:latin typeface="AppleSDGothicNeoM00" panose="02000503000000000000" pitchFamily="2" charset="-127"/>
+                          <a:ea typeface="AppleSDGothicNeoM00" panose="02000503000000000000" pitchFamily="2" charset="-127"/>
+                        </a:rPr>
+                        <a:t>(</a:t>
+                      </a:r>
+                      <a:endParaRPr lang="ko-KR" altLang="en-US" dirty="0">
+                        <a:latin typeface="AppleSDGothicNeoM00" panose="02000503000000000000" pitchFamily="2" charset="-127"/>
+                        <a:ea typeface="AppleSDGothicNeoM00" panose="02000503000000000000" pitchFamily="2" charset="-127"/>
+                      </a:endParaRPr>
+                    </a:p>
+                  </a:txBody>
+                  <a:tcPr anchor="ctr">
+                    <a:lnR w="12700" cap="flat" cmpd="sng" algn="ctr">
+                      <a:solidFill>
+                        <a:schemeClr val="tx1"/>
+                      </a:solidFill>
+                      <a:prstDash val="dot"/>
+                      <a:round/>
+                      <a:headEnd type="none" w="med" len="med"/>
+                      <a:tailEnd type="none" w="med" len="med"/>
+                    </a:lnR>
+                  </a:tcPr>
+                </a:tc>
+                <a:tc>
+                  <a:txBody>
+                    <a:bodyPr/>
+                    <a:lstStyle/>
+                    <a:p>
+                      <a:pPr algn="ctr" latinLnBrk="1"/>
+                      <a:r>
+                        <a:rPr lang="en-US" altLang="ko-KR" dirty="0">
+                          <a:latin typeface="AppleSDGothicNeoM00" panose="02000503000000000000" pitchFamily="2" charset="-127"/>
+                          <a:ea typeface="AppleSDGothicNeoM00" panose="02000503000000000000" pitchFamily="2" charset="-127"/>
+                        </a:rPr>
+                        <a:t>{</a:t>
+                      </a:r>
+                      <a:endParaRPr lang="ko-KR" altLang="en-US" dirty="0">
+                        <a:latin typeface="AppleSDGothicNeoM00" panose="02000503000000000000" pitchFamily="2" charset="-127"/>
+                        <a:ea typeface="AppleSDGothicNeoM00" panose="02000503000000000000" pitchFamily="2" charset="-127"/>
+                      </a:endParaRPr>
+                    </a:p>
+                  </a:txBody>
+                  <a:tcPr anchor="ctr">
+                    <a:lnL w="12700" cap="flat" cmpd="sng" algn="ctr">
+                      <a:solidFill>
+                        <a:schemeClr val="tx1"/>
+                      </a:solidFill>
+                      <a:prstDash val="dot"/>
+                      <a:round/>
+                      <a:headEnd type="none" w="med" len="med"/>
+                      <a:tailEnd type="none" w="med" len="med"/>
+                    </a:lnL>
+                    <a:lnR w="12700" cap="flat" cmpd="sng" algn="ctr">
+                      <a:solidFill>
+                        <a:schemeClr val="tx1"/>
+                      </a:solidFill>
+                      <a:prstDash val="dot"/>
+                      <a:round/>
+                      <a:headEnd type="none" w="med" len="med"/>
+                      <a:tailEnd type="none" w="med" len="med"/>
+                    </a:lnR>
+                  </a:tcPr>
+                </a:tc>
+                <a:tc>
+                  <a:txBody>
+                    <a:bodyPr/>
+                    <a:lstStyle/>
+                    <a:p>
+                      <a:pPr algn="ctr" latinLnBrk="1"/>
+                      <a:r>
+                        <a:rPr lang="en-US" altLang="ko-KR" dirty="0">
+                          <a:latin typeface="AppleSDGothicNeoM00" panose="02000503000000000000" pitchFamily="2" charset="-127"/>
+                          <a:ea typeface="AppleSDGothicNeoM00" panose="02000503000000000000" pitchFamily="2" charset="-127"/>
+                        </a:rPr>
+                        <a:t>[</a:t>
+                      </a:r>
+                      <a:endParaRPr lang="ko-KR" altLang="en-US" dirty="0">
+                        <a:latin typeface="AppleSDGothicNeoM00" panose="02000503000000000000" pitchFamily="2" charset="-127"/>
+                        <a:ea typeface="AppleSDGothicNeoM00" panose="02000503000000000000" pitchFamily="2" charset="-127"/>
+                      </a:endParaRPr>
+                    </a:p>
+                  </a:txBody>
+                  <a:tcPr anchor="ctr">
+                    <a:lnL w="12700" cap="flat" cmpd="sng" algn="ctr">
+                      <a:solidFill>
+                        <a:schemeClr val="tx1"/>
+                      </a:solidFill>
+                      <a:prstDash val="dot"/>
+                      <a:round/>
+                      <a:headEnd type="none" w="med" len="med"/>
+                      <a:tailEnd type="none" w="med" len="med"/>
+                    </a:lnL>
+                    <a:lnR w="12700" cap="flat" cmpd="sng" algn="ctr">
+                      <a:noFill/>
+                      <a:prstDash val="solid"/>
+                      <a:round/>
+                      <a:headEnd type="none" w="med" len="med"/>
+                      <a:tailEnd type="none" w="med" len="med"/>
+                    </a:lnR>
+                    <a:solidFill>
+                      <a:srgbClr val="72EA78"/>
+                    </a:solidFill>
+                  </a:tcPr>
+                </a:tc>
+                <a:extLst>
+                  <a:ext uri="{0D108BD9-81ED-4DB2-BD59-A6C34878D82A}">
+                    <a16:rowId xmlns:a16="http://schemas.microsoft.com/office/drawing/2014/main" val="2567201062"/>
+                  </a:ext>
+                </a:extLst>
+              </a:tr>
+            </a:tbl>
+          </a:graphicData>
+        </a:graphic>
+      </p:graphicFrame>
+      <p:sp>
+        <p:nvSpPr>
+          <p:cNvPr id="8" name="TextBox 7">
+            <a:extLst>
+              <a:ext uri="{FF2B5EF4-FFF2-40B4-BE49-F238E27FC236}">
+                <a16:creationId xmlns:a16="http://schemas.microsoft.com/office/drawing/2014/main" id="{C786A39F-E09C-451F-848E-1DC715203F0C}"/>
+              </a:ext>
+            </a:extLst>
+          </p:cNvPr>
+          <p:cNvSpPr txBox="1"/>
+          <p:nvPr/>
+        </p:nvSpPr>
+        <p:spPr>
+          <a:xfrm>
+            <a:off x="4887975" y="2666008"/>
+            <a:ext cx="2537874" cy="369332"/>
+          </a:xfrm>
+          <a:prstGeom prst="rect">
+            <a:avLst/>
+          </a:prstGeom>
+          <a:noFill/>
+        </p:spPr>
+        <p:txBody>
+          <a:bodyPr wrap="none" rtlCol="0">
+            <a:spAutoFit/>
+          </a:bodyPr>
+          <a:lstStyle/>
+          <a:p>
+            <a:r>
+              <a:rPr lang="en-US" altLang="ko-KR" dirty="0">
+                <a:latin typeface="AppleSDGothicNeoM00" panose="02000503000000000000" pitchFamily="2" charset="-127"/>
+                <a:ea typeface="AppleSDGothicNeoM00" panose="02000503000000000000" pitchFamily="2" charset="-127"/>
+              </a:rPr>
+              <a:t>( var x = { y: [ 1, 2, 3 ] } )</a:t>
+            </a:r>
+            <a:endParaRPr lang="ko-KR" altLang="en-US" dirty="0">
+              <a:latin typeface="AppleSDGothicNeoM00" panose="02000503000000000000" pitchFamily="2" charset="-127"/>
+              <a:ea typeface="AppleSDGothicNeoM00" panose="02000503000000000000" pitchFamily="2" charset="-127"/>
+            </a:endParaRPr>
+          </a:p>
+        </p:txBody>
+      </p:sp>
+      <p:sp>
+        <p:nvSpPr>
+          <p:cNvPr id="10" name="직사각형 9">
+            <a:extLst>
+              <a:ext uri="{FF2B5EF4-FFF2-40B4-BE49-F238E27FC236}">
+                <a16:creationId xmlns:a16="http://schemas.microsoft.com/office/drawing/2014/main" id="{D4A4F5C2-CD24-47B0-BFB5-5C486692D20B}"/>
+              </a:ext>
+            </a:extLst>
+          </p:cNvPr>
+          <p:cNvSpPr/>
+          <p:nvPr/>
+        </p:nvSpPr>
+        <p:spPr>
+          <a:xfrm>
+            <a:off x="6164392" y="2666006"/>
+            <a:ext cx="127000" cy="365141"/>
+          </a:xfrm>
+          <a:prstGeom prst="rect">
+            <a:avLst/>
+          </a:prstGeom>
+          <a:solidFill>
+            <a:srgbClr val="FF6565">
+              <a:alpha val="40000"/>
+            </a:srgbClr>
+          </a:solidFill>
+          <a:ln>
+            <a:noFill/>
+          </a:ln>
+        </p:spPr>
+        <p:style>
+          <a:lnRef idx="2">
+            <a:schemeClr val="accent1">
+              <a:shade val="50000"/>
+            </a:schemeClr>
+          </a:lnRef>
+          <a:fillRef idx="1">
+            <a:schemeClr val="accent1"/>
+          </a:fillRef>
+          <a:effectRef idx="0">
+            <a:schemeClr val="accent1"/>
+          </a:effectRef>
+          <a:fontRef idx="minor">
+            <a:schemeClr val="lt1"/>
+          </a:fontRef>
+        </p:style>
+        <p:txBody>
+          <a:bodyPr rtlCol="0" anchor="ctr"/>
+          <a:lstStyle/>
+          <a:p>
+            <a:pPr algn="ctr"/>
+            <a:endParaRPr lang="ko-KR" altLang="en-US"/>
+          </a:p>
+        </p:txBody>
+      </p:sp>
+    </p:spTree>
+    <p:extLst>
+      <p:ext uri="{BB962C8B-B14F-4D97-AF65-F5344CB8AC3E}">
+        <p14:creationId xmlns:p14="http://schemas.microsoft.com/office/powerpoint/2010/main" val="2779328727"/>
       </p:ext>
     </p:extLst>
   </p:cSld>

--- a/사진.pptx
+++ b/사진.pptx
@@ -204,7 +204,7 @@
           <a:p>
             <a:fld id="{C4873304-7CC2-49A0-BE74-ACC0A9BBD974}" type="datetimeFigureOut">
               <a:rPr lang="ko-KR" altLang="en-US" smtClean="0"/>
-              <a:t>2021-08-03</a:t>
+              <a:t>2021-08-16</a:t>
             </a:fld>
             <a:endParaRPr lang="ko-KR" altLang="en-US"/>
           </a:p>
@@ -853,7 +853,7 @@
           <a:p>
             <a:fld id="{14627BA5-89F0-4976-B806-5D98EF5704F2}" type="datetimeFigureOut">
               <a:rPr lang="ko-KR" altLang="en-US" smtClean="0"/>
-              <a:t>2021-08-03</a:t>
+              <a:t>2021-08-16</a:t>
             </a:fld>
             <a:endParaRPr lang="ko-KR" altLang="en-US"/>
           </a:p>
@@ -1051,7 +1051,7 @@
           <a:p>
             <a:fld id="{14627BA5-89F0-4976-B806-5D98EF5704F2}" type="datetimeFigureOut">
               <a:rPr lang="ko-KR" altLang="en-US" smtClean="0"/>
-              <a:t>2021-08-03</a:t>
+              <a:t>2021-08-16</a:t>
             </a:fld>
             <a:endParaRPr lang="ko-KR" altLang="en-US"/>
           </a:p>
@@ -1259,7 +1259,7 @@
           <a:p>
             <a:fld id="{14627BA5-89F0-4976-B806-5D98EF5704F2}" type="datetimeFigureOut">
               <a:rPr lang="ko-KR" altLang="en-US" smtClean="0"/>
-              <a:t>2021-08-03</a:t>
+              <a:t>2021-08-16</a:t>
             </a:fld>
             <a:endParaRPr lang="ko-KR" altLang="en-US"/>
           </a:p>
@@ -1457,7 +1457,7 @@
           <a:p>
             <a:fld id="{14627BA5-89F0-4976-B806-5D98EF5704F2}" type="datetimeFigureOut">
               <a:rPr lang="ko-KR" altLang="en-US" smtClean="0"/>
-              <a:t>2021-08-03</a:t>
+              <a:t>2021-08-16</a:t>
             </a:fld>
             <a:endParaRPr lang="ko-KR" altLang="en-US"/>
           </a:p>
@@ -1732,7 +1732,7 @@
           <a:p>
             <a:fld id="{14627BA5-89F0-4976-B806-5D98EF5704F2}" type="datetimeFigureOut">
               <a:rPr lang="ko-KR" altLang="en-US" smtClean="0"/>
-              <a:t>2021-08-03</a:t>
+              <a:t>2021-08-16</a:t>
             </a:fld>
             <a:endParaRPr lang="ko-KR" altLang="en-US"/>
           </a:p>
@@ -1997,7 +1997,7 @@
           <a:p>
             <a:fld id="{14627BA5-89F0-4976-B806-5D98EF5704F2}" type="datetimeFigureOut">
               <a:rPr lang="ko-KR" altLang="en-US" smtClean="0"/>
-              <a:t>2021-08-03</a:t>
+              <a:t>2021-08-16</a:t>
             </a:fld>
             <a:endParaRPr lang="ko-KR" altLang="en-US"/>
           </a:p>
@@ -2409,7 +2409,7 @@
           <a:p>
             <a:fld id="{14627BA5-89F0-4976-B806-5D98EF5704F2}" type="datetimeFigureOut">
               <a:rPr lang="ko-KR" altLang="en-US" smtClean="0"/>
-              <a:t>2021-08-03</a:t>
+              <a:t>2021-08-16</a:t>
             </a:fld>
             <a:endParaRPr lang="ko-KR" altLang="en-US"/>
           </a:p>
@@ -2550,7 +2550,7 @@
           <a:p>
             <a:fld id="{14627BA5-89F0-4976-B806-5D98EF5704F2}" type="datetimeFigureOut">
               <a:rPr lang="ko-KR" altLang="en-US" smtClean="0"/>
-              <a:t>2021-08-03</a:t>
+              <a:t>2021-08-16</a:t>
             </a:fld>
             <a:endParaRPr lang="ko-KR" altLang="en-US"/>
           </a:p>
@@ -2663,7 +2663,7 @@
           <a:p>
             <a:fld id="{14627BA5-89F0-4976-B806-5D98EF5704F2}" type="datetimeFigureOut">
               <a:rPr lang="ko-KR" altLang="en-US" smtClean="0"/>
-              <a:t>2021-08-03</a:t>
+              <a:t>2021-08-16</a:t>
             </a:fld>
             <a:endParaRPr lang="ko-KR" altLang="en-US"/>
           </a:p>
@@ -2974,7 +2974,7 @@
           <a:p>
             <a:fld id="{14627BA5-89F0-4976-B806-5D98EF5704F2}" type="datetimeFigureOut">
               <a:rPr lang="ko-KR" altLang="en-US" smtClean="0"/>
-              <a:t>2021-08-03</a:t>
+              <a:t>2021-08-16</a:t>
             </a:fld>
             <a:endParaRPr lang="ko-KR" altLang="en-US"/>
           </a:p>
@@ -3262,7 +3262,7 @@
           <a:p>
             <a:fld id="{14627BA5-89F0-4976-B806-5D98EF5704F2}" type="datetimeFigureOut">
               <a:rPr lang="ko-KR" altLang="en-US" smtClean="0"/>
-              <a:t>2021-08-03</a:t>
+              <a:t>2021-08-16</a:t>
             </a:fld>
             <a:endParaRPr lang="ko-KR" altLang="en-US"/>
           </a:p>
@@ -3503,7 +3503,7 @@
           <a:p>
             <a:fld id="{14627BA5-89F0-4976-B806-5D98EF5704F2}" type="datetimeFigureOut">
               <a:rPr lang="ko-KR" altLang="en-US" smtClean="0"/>
-              <a:t>2021-08-03</a:t>
+              <a:t>2021-08-16</a:t>
             </a:fld>
             <a:endParaRPr lang="ko-KR" altLang="en-US"/>
           </a:p>
@@ -3970,8 +3970,8 @@
           </a:p>
         </p:txBody>
       </p:sp>
-      <mc:AlternateContent xmlns:mc="http://schemas.openxmlformats.org/markup-compatibility/2006">
-        <mc:Choice xmlns:a14="http://schemas.microsoft.com/office/drawing/2010/main" Requires="a14">
+      <mc:AlternateContent xmlns:mc="http://schemas.openxmlformats.org/markup-compatibility/2006" xmlns:a14="http://schemas.microsoft.com/office/drawing/2010/main">
+        <mc:Choice Requires="a14">
           <p:graphicFrame>
             <p:nvGraphicFramePr>
               <p:cNvPr id="2" name="표 2">
@@ -4190,7 +4190,7 @@
             </a:graphic>
           </p:graphicFrame>
         </mc:Choice>
-        <mc:Fallback>
+        <mc:Fallback xmlns="">
           <p:graphicFrame>
             <p:nvGraphicFramePr>
               <p:cNvPr id="2" name="표 2">
@@ -4552,8 +4552,8 @@
           </a:p>
         </p:txBody>
       </p:sp>
-      <mc:AlternateContent xmlns:mc="http://schemas.openxmlformats.org/markup-compatibility/2006">
-        <mc:Choice xmlns:a14="http://schemas.microsoft.com/office/drawing/2010/main" Requires="a14">
+      <mc:AlternateContent xmlns:mc="http://schemas.openxmlformats.org/markup-compatibility/2006" xmlns:a14="http://schemas.microsoft.com/office/drawing/2010/main">
+        <mc:Choice Requires="a14">
           <p:graphicFrame>
             <p:nvGraphicFramePr>
               <p:cNvPr id="2" name="표 2">
@@ -4811,7 +4811,7 @@
             </a:graphic>
           </p:graphicFrame>
         </mc:Choice>
-        <mc:Fallback>
+        <mc:Fallback xmlns="">
           <p:graphicFrame>
             <p:nvGraphicFramePr>
               <p:cNvPr id="2" name="표 2">
@@ -5174,8 +5174,8 @@
           </a:p>
         </p:txBody>
       </p:sp>
-      <mc:AlternateContent xmlns:mc="http://schemas.openxmlformats.org/markup-compatibility/2006">
-        <mc:Choice xmlns:a14="http://schemas.microsoft.com/office/drawing/2010/main" Requires="a14">
+      <mc:AlternateContent xmlns:mc="http://schemas.openxmlformats.org/markup-compatibility/2006" xmlns:a14="http://schemas.microsoft.com/office/drawing/2010/main">
+        <mc:Choice Requires="a14">
           <p:graphicFrame>
             <p:nvGraphicFramePr>
               <p:cNvPr id="2" name="표 2">
@@ -5488,7 +5488,7 @@
             </a:graphic>
           </p:graphicFrame>
         </mc:Choice>
-        <mc:Fallback>
+        <mc:Fallback xmlns="">
           <p:graphicFrame>
             <p:nvGraphicFramePr>
               <p:cNvPr id="2" name="표 2">
@@ -5869,8 +5869,8 @@
           </a:p>
         </p:txBody>
       </p:sp>
-      <mc:AlternateContent xmlns:mc="http://schemas.openxmlformats.org/markup-compatibility/2006">
-        <mc:Choice xmlns:a14="http://schemas.microsoft.com/office/drawing/2010/main" Requires="a14">
+      <mc:AlternateContent xmlns:mc="http://schemas.openxmlformats.org/markup-compatibility/2006" xmlns:a14="http://schemas.microsoft.com/office/drawing/2010/main">
+        <mc:Choice Requires="a14">
           <p:graphicFrame>
             <p:nvGraphicFramePr>
               <p:cNvPr id="2" name="표 2">
@@ -6122,7 +6122,7 @@
             </a:graphic>
           </p:graphicFrame>
         </mc:Choice>
-        <mc:Fallback>
+        <mc:Fallback xmlns="">
           <p:graphicFrame>
             <p:nvGraphicFramePr>
               <p:cNvPr id="2" name="표 2">
@@ -6479,8 +6479,8 @@
           </a:p>
         </p:txBody>
       </p:sp>
-      <mc:AlternateContent xmlns:mc="http://schemas.openxmlformats.org/markup-compatibility/2006">
-        <mc:Choice xmlns:a14="http://schemas.microsoft.com/office/drawing/2010/main" Requires="a14">
+      <mc:AlternateContent xmlns:mc="http://schemas.openxmlformats.org/markup-compatibility/2006" xmlns:a14="http://schemas.microsoft.com/office/drawing/2010/main">
+        <mc:Choice Requires="a14">
           <p:graphicFrame>
             <p:nvGraphicFramePr>
               <p:cNvPr id="2" name="표 2">
@@ -6693,7 +6693,7 @@
             </a:graphic>
           </p:graphicFrame>
         </mc:Choice>
-        <mc:Fallback>
+        <mc:Fallback xmlns="">
           <p:graphicFrame>
             <p:nvGraphicFramePr>
               <p:cNvPr id="2" name="표 2">

--- a/사진.pptx
+++ b/사진.pptx
@@ -5,12 +5,16 @@
     <p:sldMasterId id="2147483648" r:id="rId1"/>
   </p:sldMasterIdLst>
   <p:notesMasterIdLst>
-    <p:notesMasterId r:id="rId5"/>
+    <p:notesMasterId r:id="rId9"/>
   </p:notesMasterIdLst>
   <p:sldIdLst>
     <p:sldId id="271" r:id="rId2"/>
     <p:sldId id="272" r:id="rId3"/>
     <p:sldId id="273" r:id="rId4"/>
+    <p:sldId id="274" r:id="rId5"/>
+    <p:sldId id="275" r:id="rId6"/>
+    <p:sldId id="276" r:id="rId7"/>
+    <p:sldId id="277" r:id="rId8"/>
   </p:sldIdLst>
   <p:sldSz cx="12192000" cy="6858000"/>
   <p:notesSz cx="6858000" cy="9144000"/>
@@ -199,7 +203,7 @@
           <a:p>
             <a:fld id="{C4873304-7CC2-49A0-BE74-ACC0A9BBD974}" type="datetimeFigureOut">
               <a:rPr lang="ko-KR" altLang="en-US" smtClean="0"/>
-              <a:t>2021-08-17</a:t>
+              <a:t>2021-08-18</a:t>
             </a:fld>
             <a:endParaRPr lang="ko-KR" altLang="en-US"/>
           </a:p>
@@ -698,7 +702,7 @@
           <a:p>
             <a:fld id="{14627BA5-89F0-4976-B806-5D98EF5704F2}" type="datetimeFigureOut">
               <a:rPr lang="ko-KR" altLang="en-US" smtClean="0"/>
-              <a:t>2021-08-17</a:t>
+              <a:t>2021-08-18</a:t>
             </a:fld>
             <a:endParaRPr lang="ko-KR" altLang="en-US"/>
           </a:p>
@@ -896,7 +900,7 @@
           <a:p>
             <a:fld id="{14627BA5-89F0-4976-B806-5D98EF5704F2}" type="datetimeFigureOut">
               <a:rPr lang="ko-KR" altLang="en-US" smtClean="0"/>
-              <a:t>2021-08-17</a:t>
+              <a:t>2021-08-18</a:t>
             </a:fld>
             <a:endParaRPr lang="ko-KR" altLang="en-US"/>
           </a:p>
@@ -1104,7 +1108,7 @@
           <a:p>
             <a:fld id="{14627BA5-89F0-4976-B806-5D98EF5704F2}" type="datetimeFigureOut">
               <a:rPr lang="ko-KR" altLang="en-US" smtClean="0"/>
-              <a:t>2021-08-17</a:t>
+              <a:t>2021-08-18</a:t>
             </a:fld>
             <a:endParaRPr lang="ko-KR" altLang="en-US"/>
           </a:p>
@@ -1302,7 +1306,7 @@
           <a:p>
             <a:fld id="{14627BA5-89F0-4976-B806-5D98EF5704F2}" type="datetimeFigureOut">
               <a:rPr lang="ko-KR" altLang="en-US" smtClean="0"/>
-              <a:t>2021-08-17</a:t>
+              <a:t>2021-08-18</a:t>
             </a:fld>
             <a:endParaRPr lang="ko-KR" altLang="en-US"/>
           </a:p>
@@ -1577,7 +1581,7 @@
           <a:p>
             <a:fld id="{14627BA5-89F0-4976-B806-5D98EF5704F2}" type="datetimeFigureOut">
               <a:rPr lang="ko-KR" altLang="en-US" smtClean="0"/>
-              <a:t>2021-08-17</a:t>
+              <a:t>2021-08-18</a:t>
             </a:fld>
             <a:endParaRPr lang="ko-KR" altLang="en-US"/>
           </a:p>
@@ -1842,7 +1846,7 @@
           <a:p>
             <a:fld id="{14627BA5-89F0-4976-B806-5D98EF5704F2}" type="datetimeFigureOut">
               <a:rPr lang="ko-KR" altLang="en-US" smtClean="0"/>
-              <a:t>2021-08-17</a:t>
+              <a:t>2021-08-18</a:t>
             </a:fld>
             <a:endParaRPr lang="ko-KR" altLang="en-US"/>
           </a:p>
@@ -2254,7 +2258,7 @@
           <a:p>
             <a:fld id="{14627BA5-89F0-4976-B806-5D98EF5704F2}" type="datetimeFigureOut">
               <a:rPr lang="ko-KR" altLang="en-US" smtClean="0"/>
-              <a:t>2021-08-17</a:t>
+              <a:t>2021-08-18</a:t>
             </a:fld>
             <a:endParaRPr lang="ko-KR" altLang="en-US"/>
           </a:p>
@@ -2395,7 +2399,7 @@
           <a:p>
             <a:fld id="{14627BA5-89F0-4976-B806-5D98EF5704F2}" type="datetimeFigureOut">
               <a:rPr lang="ko-KR" altLang="en-US" smtClean="0"/>
-              <a:t>2021-08-17</a:t>
+              <a:t>2021-08-18</a:t>
             </a:fld>
             <a:endParaRPr lang="ko-KR" altLang="en-US"/>
           </a:p>
@@ -2508,7 +2512,7 @@
           <a:p>
             <a:fld id="{14627BA5-89F0-4976-B806-5D98EF5704F2}" type="datetimeFigureOut">
               <a:rPr lang="ko-KR" altLang="en-US" smtClean="0"/>
-              <a:t>2021-08-17</a:t>
+              <a:t>2021-08-18</a:t>
             </a:fld>
             <a:endParaRPr lang="ko-KR" altLang="en-US"/>
           </a:p>
@@ -2819,7 +2823,7 @@
           <a:p>
             <a:fld id="{14627BA5-89F0-4976-B806-5D98EF5704F2}" type="datetimeFigureOut">
               <a:rPr lang="ko-KR" altLang="en-US" smtClean="0"/>
-              <a:t>2021-08-17</a:t>
+              <a:t>2021-08-18</a:t>
             </a:fld>
             <a:endParaRPr lang="ko-KR" altLang="en-US"/>
           </a:p>
@@ -3107,7 +3111,7 @@
           <a:p>
             <a:fld id="{14627BA5-89F0-4976-B806-5D98EF5704F2}" type="datetimeFigureOut">
               <a:rPr lang="ko-KR" altLang="en-US" smtClean="0"/>
-              <a:t>2021-08-17</a:t>
+              <a:t>2021-08-18</a:t>
             </a:fld>
             <a:endParaRPr lang="ko-KR" altLang="en-US"/>
           </a:p>
@@ -3348,7 +3352,7 @@
           <a:p>
             <a:fld id="{14627BA5-89F0-4976-B806-5D98EF5704F2}" type="datetimeFigureOut">
               <a:rPr lang="ko-KR" altLang="en-US" smtClean="0"/>
-              <a:t>2021-08-17</a:t>
+              <a:t>2021-08-18</a:t>
             </a:fld>
             <a:endParaRPr lang="ko-KR" altLang="en-US"/>
           </a:p>
@@ -6188,6 +6192,596 @@
     <p:extLst>
       <p:ext uri="{BB962C8B-B14F-4D97-AF65-F5344CB8AC3E}">
         <p14:creationId xmlns:p14="http://schemas.microsoft.com/office/powerpoint/2010/main" val="1706465023"/>
+      </p:ext>
+    </p:extLst>
+  </p:cSld>
+  <p:clrMapOvr>
+    <a:masterClrMapping/>
+  </p:clrMapOvr>
+</p:sld>
+</file>
+
+<file path=ppt/slides/slide4.xml><?xml version="1.0" encoding="utf-8"?>
+<p:sld xmlns:a="http://schemas.openxmlformats.org/drawingml/2006/main" xmlns:r="http://schemas.openxmlformats.org/officeDocument/2006/relationships" xmlns:p="http://schemas.openxmlformats.org/presentationml/2006/main">
+  <p:cSld>
+    <p:spTree>
+      <p:nvGrpSpPr>
+        <p:cNvPr id="1" name=""/>
+        <p:cNvGrpSpPr/>
+        <p:nvPr/>
+      </p:nvGrpSpPr>
+      <p:grpSpPr>
+        <a:xfrm>
+          <a:off x="0" y="0"/>
+          <a:ext cx="0" cy="0"/>
+          <a:chOff x="0" y="0"/>
+          <a:chExt cx="0" cy="0"/>
+        </a:xfrm>
+      </p:grpSpPr>
+      <p:pic>
+        <p:nvPicPr>
+          <p:cNvPr id="4" name="그림 3">
+            <a:extLst>
+              <a:ext uri="{FF2B5EF4-FFF2-40B4-BE49-F238E27FC236}">
+                <a16:creationId xmlns:a16="http://schemas.microsoft.com/office/drawing/2014/main" id="{3ECCEBD0-0289-437B-A212-DF37C1A06E93}"/>
+              </a:ext>
+            </a:extLst>
+          </p:cNvPr>
+          <p:cNvPicPr>
+            <a:picLocks noChangeAspect="1"/>
+          </p:cNvPicPr>
+          <p:nvPr/>
+        </p:nvPicPr>
+        <p:blipFill>
+          <a:blip r:embed="rId2"/>
+          <a:stretch>
+            <a:fillRect/>
+          </a:stretch>
+        </p:blipFill>
+        <p:spPr>
+          <a:xfrm>
+            <a:off x="970128" y="656838"/>
+            <a:ext cx="4477375" cy="5544324"/>
+          </a:xfrm>
+          <a:prstGeom prst="rect">
+            <a:avLst/>
+          </a:prstGeom>
+        </p:spPr>
+      </p:pic>
+      <p:pic>
+        <p:nvPicPr>
+          <p:cNvPr id="5" name="그림 4">
+            <a:extLst>
+              <a:ext uri="{FF2B5EF4-FFF2-40B4-BE49-F238E27FC236}">
+                <a16:creationId xmlns:a16="http://schemas.microsoft.com/office/drawing/2014/main" id="{30E489F4-D288-49E6-A956-B6CCCF3479C8}"/>
+              </a:ext>
+            </a:extLst>
+          </p:cNvPr>
+          <p:cNvPicPr>
+            <a:picLocks noChangeAspect="1"/>
+          </p:cNvPicPr>
+          <p:nvPr/>
+        </p:nvPicPr>
+        <p:blipFill>
+          <a:blip r:embed="rId3"/>
+          <a:stretch>
+            <a:fillRect/>
+          </a:stretch>
+        </p:blipFill>
+        <p:spPr>
+          <a:xfrm>
+            <a:off x="6744499" y="656838"/>
+            <a:ext cx="4477375" cy="5544324"/>
+          </a:xfrm>
+          <a:prstGeom prst="rect">
+            <a:avLst/>
+          </a:prstGeom>
+        </p:spPr>
+      </p:pic>
+      <p:sp>
+        <p:nvSpPr>
+          <p:cNvPr id="6" name="직사각형 5">
+            <a:extLst>
+              <a:ext uri="{FF2B5EF4-FFF2-40B4-BE49-F238E27FC236}">
+                <a16:creationId xmlns:a16="http://schemas.microsoft.com/office/drawing/2014/main" id="{97C5E01D-71BB-4271-AE03-09D1B089AEE8}"/>
+              </a:ext>
+            </a:extLst>
+          </p:cNvPr>
+          <p:cNvSpPr/>
+          <p:nvPr/>
+        </p:nvSpPr>
+        <p:spPr>
+          <a:xfrm>
+            <a:off x="0" y="0"/>
+            <a:ext cx="12192000" cy="6858000"/>
+          </a:xfrm>
+          <a:prstGeom prst="rect">
+            <a:avLst/>
+          </a:prstGeom>
+          <a:noFill/>
+          <a:ln>
+            <a:noFill/>
+          </a:ln>
+        </p:spPr>
+        <p:style>
+          <a:lnRef idx="2">
+            <a:schemeClr val="accent1">
+              <a:shade val="50000"/>
+            </a:schemeClr>
+          </a:lnRef>
+          <a:fillRef idx="1">
+            <a:schemeClr val="accent1"/>
+          </a:fillRef>
+          <a:effectRef idx="0">
+            <a:schemeClr val="accent1"/>
+          </a:effectRef>
+          <a:fontRef idx="minor">
+            <a:schemeClr val="lt1"/>
+          </a:fontRef>
+        </p:style>
+        <p:txBody>
+          <a:bodyPr rtlCol="0" anchor="ctr"/>
+          <a:lstStyle/>
+          <a:p>
+            <a:pPr algn="ctr"/>
+            <a:endParaRPr lang="ko-KR" altLang="en-US"/>
+          </a:p>
+        </p:txBody>
+      </p:sp>
+    </p:spTree>
+    <p:extLst>
+      <p:ext uri="{BB962C8B-B14F-4D97-AF65-F5344CB8AC3E}">
+        <p14:creationId xmlns:p14="http://schemas.microsoft.com/office/powerpoint/2010/main" val="1455743034"/>
+      </p:ext>
+    </p:extLst>
+  </p:cSld>
+  <p:clrMapOvr>
+    <a:masterClrMapping/>
+  </p:clrMapOvr>
+</p:sld>
+</file>
+
+<file path=ppt/slides/slide5.xml><?xml version="1.0" encoding="utf-8"?>
+<p:sld xmlns:a="http://schemas.openxmlformats.org/drawingml/2006/main" xmlns:r="http://schemas.openxmlformats.org/officeDocument/2006/relationships" xmlns:p="http://schemas.openxmlformats.org/presentationml/2006/main">
+  <p:cSld>
+    <p:spTree>
+      <p:nvGrpSpPr>
+        <p:cNvPr id="1" name=""/>
+        <p:cNvGrpSpPr/>
+        <p:nvPr/>
+      </p:nvGrpSpPr>
+      <p:grpSpPr>
+        <a:xfrm>
+          <a:off x="0" y="0"/>
+          <a:ext cx="0" cy="0"/>
+          <a:chOff x="0" y="0"/>
+          <a:chExt cx="0" cy="0"/>
+        </a:xfrm>
+      </p:grpSpPr>
+      <p:pic>
+        <p:nvPicPr>
+          <p:cNvPr id="2" name="그림 1">
+            <a:extLst>
+              <a:ext uri="{FF2B5EF4-FFF2-40B4-BE49-F238E27FC236}">
+                <a16:creationId xmlns:a16="http://schemas.microsoft.com/office/drawing/2014/main" id="{880DB748-8529-44C8-A39E-D65C1C13D95F}"/>
+              </a:ext>
+            </a:extLst>
+          </p:cNvPr>
+          <p:cNvPicPr>
+            <a:picLocks noChangeAspect="1"/>
+          </p:cNvPicPr>
+          <p:nvPr/>
+        </p:nvPicPr>
+        <p:blipFill>
+          <a:blip r:embed="rId2"/>
+          <a:stretch>
+            <a:fillRect/>
+          </a:stretch>
+        </p:blipFill>
+        <p:spPr>
+          <a:xfrm>
+            <a:off x="970129" y="656838"/>
+            <a:ext cx="4477375" cy="5544324"/>
+          </a:xfrm>
+          <a:prstGeom prst="rect">
+            <a:avLst/>
+          </a:prstGeom>
+        </p:spPr>
+      </p:pic>
+      <p:pic>
+        <p:nvPicPr>
+          <p:cNvPr id="3" name="그림 2">
+            <a:extLst>
+              <a:ext uri="{FF2B5EF4-FFF2-40B4-BE49-F238E27FC236}">
+                <a16:creationId xmlns:a16="http://schemas.microsoft.com/office/drawing/2014/main" id="{77D2C824-D196-42E3-BD0E-FCE078FF7F94}"/>
+              </a:ext>
+            </a:extLst>
+          </p:cNvPr>
+          <p:cNvPicPr>
+            <a:picLocks noChangeAspect="1"/>
+          </p:cNvPicPr>
+          <p:nvPr/>
+        </p:nvPicPr>
+        <p:blipFill>
+          <a:blip r:embed="rId3"/>
+          <a:stretch>
+            <a:fillRect/>
+          </a:stretch>
+        </p:blipFill>
+        <p:spPr>
+          <a:xfrm>
+            <a:off x="6744496" y="656838"/>
+            <a:ext cx="4477375" cy="5544324"/>
+          </a:xfrm>
+          <a:prstGeom prst="rect">
+            <a:avLst/>
+          </a:prstGeom>
+        </p:spPr>
+      </p:pic>
+      <p:sp>
+        <p:nvSpPr>
+          <p:cNvPr id="6" name="직사각형 5">
+            <a:extLst>
+              <a:ext uri="{FF2B5EF4-FFF2-40B4-BE49-F238E27FC236}">
+                <a16:creationId xmlns:a16="http://schemas.microsoft.com/office/drawing/2014/main" id="{B4BC36D0-A86B-4C9C-9F47-CDF7F60700A3}"/>
+              </a:ext>
+            </a:extLst>
+          </p:cNvPr>
+          <p:cNvSpPr/>
+          <p:nvPr/>
+        </p:nvSpPr>
+        <p:spPr>
+          <a:xfrm>
+            <a:off x="0" y="0"/>
+            <a:ext cx="12192000" cy="6858000"/>
+          </a:xfrm>
+          <a:prstGeom prst="rect">
+            <a:avLst/>
+          </a:prstGeom>
+          <a:noFill/>
+          <a:ln>
+            <a:noFill/>
+          </a:ln>
+        </p:spPr>
+        <p:style>
+          <a:lnRef idx="2">
+            <a:schemeClr val="accent1">
+              <a:shade val="50000"/>
+            </a:schemeClr>
+          </a:lnRef>
+          <a:fillRef idx="1">
+            <a:schemeClr val="accent1"/>
+          </a:fillRef>
+          <a:effectRef idx="0">
+            <a:schemeClr val="accent1"/>
+          </a:effectRef>
+          <a:fontRef idx="minor">
+            <a:schemeClr val="lt1"/>
+          </a:fontRef>
+        </p:style>
+        <p:txBody>
+          <a:bodyPr rtlCol="0" anchor="ctr"/>
+          <a:lstStyle/>
+          <a:p>
+            <a:pPr algn="ctr"/>
+            <a:endParaRPr lang="ko-KR" altLang="en-US"/>
+          </a:p>
+        </p:txBody>
+      </p:sp>
+    </p:spTree>
+    <p:extLst>
+      <p:ext uri="{BB962C8B-B14F-4D97-AF65-F5344CB8AC3E}">
+        <p14:creationId xmlns:p14="http://schemas.microsoft.com/office/powerpoint/2010/main" val="1841350191"/>
+      </p:ext>
+    </p:extLst>
+  </p:cSld>
+  <p:clrMapOvr>
+    <a:masterClrMapping/>
+  </p:clrMapOvr>
+</p:sld>
+</file>
+
+<file path=ppt/slides/slide6.xml><?xml version="1.0" encoding="utf-8"?>
+<p:sld xmlns:a="http://schemas.openxmlformats.org/drawingml/2006/main" xmlns:r="http://schemas.openxmlformats.org/officeDocument/2006/relationships" xmlns:p="http://schemas.openxmlformats.org/presentationml/2006/main">
+  <p:cSld>
+    <p:spTree>
+      <p:nvGrpSpPr>
+        <p:cNvPr id="1" name=""/>
+        <p:cNvGrpSpPr/>
+        <p:nvPr/>
+      </p:nvGrpSpPr>
+      <p:grpSpPr>
+        <a:xfrm>
+          <a:off x="0" y="0"/>
+          <a:ext cx="0" cy="0"/>
+          <a:chOff x="0" y="0"/>
+          <a:chExt cx="0" cy="0"/>
+        </a:xfrm>
+      </p:grpSpPr>
+      <p:pic>
+        <p:nvPicPr>
+          <p:cNvPr id="5" name="그림 4">
+            <a:extLst>
+              <a:ext uri="{FF2B5EF4-FFF2-40B4-BE49-F238E27FC236}">
+                <a16:creationId xmlns:a16="http://schemas.microsoft.com/office/drawing/2014/main" id="{2D8ACB58-0288-4708-BA1B-68F53C86B328}"/>
+              </a:ext>
+            </a:extLst>
+          </p:cNvPr>
+          <p:cNvPicPr>
+            <a:picLocks noChangeAspect="1"/>
+          </p:cNvPicPr>
+          <p:nvPr/>
+        </p:nvPicPr>
+        <p:blipFill>
+          <a:blip r:embed="rId2"/>
+          <a:stretch>
+            <a:fillRect/>
+          </a:stretch>
+        </p:blipFill>
+        <p:spPr>
+          <a:xfrm>
+            <a:off x="6744498" y="656838"/>
+            <a:ext cx="4477375" cy="5544324"/>
+          </a:xfrm>
+          <a:prstGeom prst="rect">
+            <a:avLst/>
+          </a:prstGeom>
+        </p:spPr>
+      </p:pic>
+      <p:sp>
+        <p:nvSpPr>
+          <p:cNvPr id="6" name="직사각형 5">
+            <a:extLst>
+              <a:ext uri="{FF2B5EF4-FFF2-40B4-BE49-F238E27FC236}">
+                <a16:creationId xmlns:a16="http://schemas.microsoft.com/office/drawing/2014/main" id="{C97CE0A6-29BB-4D10-95E8-B51FF0BC81E7}"/>
+              </a:ext>
+            </a:extLst>
+          </p:cNvPr>
+          <p:cNvSpPr/>
+          <p:nvPr/>
+        </p:nvSpPr>
+        <p:spPr>
+          <a:xfrm>
+            <a:off x="0" y="0"/>
+            <a:ext cx="12192000" cy="6858000"/>
+          </a:xfrm>
+          <a:prstGeom prst="rect">
+            <a:avLst/>
+          </a:prstGeom>
+          <a:noFill/>
+          <a:ln>
+            <a:noFill/>
+          </a:ln>
+        </p:spPr>
+        <p:style>
+          <a:lnRef idx="2">
+            <a:schemeClr val="accent1">
+              <a:shade val="50000"/>
+            </a:schemeClr>
+          </a:lnRef>
+          <a:fillRef idx="1">
+            <a:schemeClr val="accent1"/>
+          </a:fillRef>
+          <a:effectRef idx="0">
+            <a:schemeClr val="accent1"/>
+          </a:effectRef>
+          <a:fontRef idx="minor">
+            <a:schemeClr val="lt1"/>
+          </a:fontRef>
+        </p:style>
+        <p:txBody>
+          <a:bodyPr rtlCol="0" anchor="ctr"/>
+          <a:lstStyle/>
+          <a:p>
+            <a:pPr algn="ctr"/>
+            <a:endParaRPr lang="ko-KR" altLang="en-US"/>
+          </a:p>
+        </p:txBody>
+      </p:sp>
+      <p:pic>
+        <p:nvPicPr>
+          <p:cNvPr id="7" name="그림 6">
+            <a:extLst>
+              <a:ext uri="{FF2B5EF4-FFF2-40B4-BE49-F238E27FC236}">
+                <a16:creationId xmlns:a16="http://schemas.microsoft.com/office/drawing/2014/main" id="{74757ECE-9E0F-47C4-823F-A9C80154E1A7}"/>
+              </a:ext>
+            </a:extLst>
+          </p:cNvPr>
+          <p:cNvPicPr>
+            <a:picLocks noChangeAspect="1"/>
+          </p:cNvPicPr>
+          <p:nvPr/>
+        </p:nvPicPr>
+        <p:blipFill>
+          <a:blip r:embed="rId3"/>
+          <a:stretch>
+            <a:fillRect/>
+          </a:stretch>
+        </p:blipFill>
+        <p:spPr>
+          <a:xfrm>
+            <a:off x="970129" y="656838"/>
+            <a:ext cx="4477375" cy="5544324"/>
+          </a:xfrm>
+          <a:prstGeom prst="rect">
+            <a:avLst/>
+          </a:prstGeom>
+        </p:spPr>
+      </p:pic>
+    </p:spTree>
+    <p:extLst>
+      <p:ext uri="{BB962C8B-B14F-4D97-AF65-F5344CB8AC3E}">
+        <p14:creationId xmlns:p14="http://schemas.microsoft.com/office/powerpoint/2010/main" val="4222228732"/>
+      </p:ext>
+    </p:extLst>
+  </p:cSld>
+  <p:clrMapOvr>
+    <a:masterClrMapping/>
+  </p:clrMapOvr>
+</p:sld>
+</file>
+
+<file path=ppt/slides/slide7.xml><?xml version="1.0" encoding="utf-8"?>
+<p:sld xmlns:a="http://schemas.openxmlformats.org/drawingml/2006/main" xmlns:r="http://schemas.openxmlformats.org/officeDocument/2006/relationships" xmlns:p="http://schemas.openxmlformats.org/presentationml/2006/main">
+  <p:cSld>
+    <p:spTree>
+      <p:nvGrpSpPr>
+        <p:cNvPr id="1" name=""/>
+        <p:cNvGrpSpPr/>
+        <p:nvPr/>
+      </p:nvGrpSpPr>
+      <p:grpSpPr>
+        <a:xfrm>
+          <a:off x="0" y="0"/>
+          <a:ext cx="0" cy="0"/>
+          <a:chOff x="0" y="0"/>
+          <a:chExt cx="0" cy="0"/>
+        </a:xfrm>
+      </p:grpSpPr>
+      <p:pic>
+        <p:nvPicPr>
+          <p:cNvPr id="2" name="그림 1">
+            <a:extLst>
+              <a:ext uri="{FF2B5EF4-FFF2-40B4-BE49-F238E27FC236}">
+                <a16:creationId xmlns:a16="http://schemas.microsoft.com/office/drawing/2014/main" id="{547244EA-C7A5-4798-9DC6-356773FD9894}"/>
+              </a:ext>
+            </a:extLst>
+          </p:cNvPr>
+          <p:cNvPicPr>
+            <a:picLocks noChangeAspect="1"/>
+          </p:cNvPicPr>
+          <p:nvPr/>
+        </p:nvPicPr>
+        <p:blipFill>
+          <a:blip r:embed="rId2"/>
+          <a:stretch>
+            <a:fillRect/>
+          </a:stretch>
+        </p:blipFill>
+        <p:spPr>
+          <a:xfrm>
+            <a:off x="1218309" y="1083654"/>
+            <a:ext cx="4286848" cy="3115110"/>
+          </a:xfrm>
+          <a:prstGeom prst="rect">
+            <a:avLst/>
+          </a:prstGeom>
+        </p:spPr>
+      </p:pic>
+      <p:pic>
+        <p:nvPicPr>
+          <p:cNvPr id="3" name="그림 2">
+            <a:extLst>
+              <a:ext uri="{FF2B5EF4-FFF2-40B4-BE49-F238E27FC236}">
+                <a16:creationId xmlns:a16="http://schemas.microsoft.com/office/drawing/2014/main" id="{7EE819AA-E602-4C45-BD75-AED1A7497881}"/>
+              </a:ext>
+            </a:extLst>
+          </p:cNvPr>
+          <p:cNvPicPr>
+            <a:picLocks noChangeAspect="1"/>
+          </p:cNvPicPr>
+          <p:nvPr/>
+        </p:nvPicPr>
+        <p:blipFill>
+          <a:blip r:embed="rId3"/>
+          <a:stretch>
+            <a:fillRect/>
+          </a:stretch>
+        </p:blipFill>
+        <p:spPr>
+          <a:xfrm>
+            <a:off x="6686843" y="1083654"/>
+            <a:ext cx="4286848" cy="3115110"/>
+          </a:xfrm>
+          <a:prstGeom prst="rect">
+            <a:avLst/>
+          </a:prstGeom>
+        </p:spPr>
+      </p:pic>
+      <p:pic>
+        <p:nvPicPr>
+          <p:cNvPr id="7" name="그림 6">
+            <a:extLst>
+              <a:ext uri="{FF2B5EF4-FFF2-40B4-BE49-F238E27FC236}">
+                <a16:creationId xmlns:a16="http://schemas.microsoft.com/office/drawing/2014/main" id="{DB7CE1D5-0DE6-4AD5-AC24-EB02CB462A56}"/>
+              </a:ext>
+            </a:extLst>
+          </p:cNvPr>
+          <p:cNvPicPr>
+            <a:picLocks noChangeAspect="1"/>
+          </p:cNvPicPr>
+          <p:nvPr/>
+        </p:nvPicPr>
+        <p:blipFill>
+          <a:blip r:embed="rId4"/>
+          <a:stretch>
+            <a:fillRect/>
+          </a:stretch>
+        </p:blipFill>
+        <p:spPr>
+          <a:xfrm>
+            <a:off x="615000" y="5481879"/>
+            <a:ext cx="10726647" cy="733527"/>
+          </a:xfrm>
+          <a:prstGeom prst="rect">
+            <a:avLst/>
+          </a:prstGeom>
+        </p:spPr>
+      </p:pic>
+      <p:sp>
+        <p:nvSpPr>
+          <p:cNvPr id="8" name="직사각형 7">
+            <a:extLst>
+              <a:ext uri="{FF2B5EF4-FFF2-40B4-BE49-F238E27FC236}">
+                <a16:creationId xmlns:a16="http://schemas.microsoft.com/office/drawing/2014/main" id="{EB753E5B-44B9-4288-A39B-262B1A9E19EB}"/>
+              </a:ext>
+            </a:extLst>
+          </p:cNvPr>
+          <p:cNvSpPr/>
+          <p:nvPr/>
+        </p:nvSpPr>
+        <p:spPr>
+          <a:xfrm>
+            <a:off x="730540" y="568105"/>
+            <a:ext cx="10730920" cy="4146211"/>
+          </a:xfrm>
+          <a:prstGeom prst="rect">
+            <a:avLst/>
+          </a:prstGeom>
+          <a:noFill/>
+          <a:ln>
+            <a:noFill/>
+          </a:ln>
+        </p:spPr>
+        <p:style>
+          <a:lnRef idx="2">
+            <a:schemeClr val="accent1">
+              <a:shade val="50000"/>
+            </a:schemeClr>
+          </a:lnRef>
+          <a:fillRef idx="1">
+            <a:schemeClr val="accent1"/>
+          </a:fillRef>
+          <a:effectRef idx="0">
+            <a:schemeClr val="accent1"/>
+          </a:effectRef>
+          <a:fontRef idx="minor">
+            <a:schemeClr val="lt1"/>
+          </a:fontRef>
+        </p:style>
+        <p:txBody>
+          <a:bodyPr rtlCol="0" anchor="ctr"/>
+          <a:lstStyle/>
+          <a:p>
+            <a:pPr algn="ctr"/>
+            <a:endParaRPr lang="ko-KR" altLang="en-US"/>
+          </a:p>
+        </p:txBody>
+      </p:sp>
+    </p:spTree>
+    <p:extLst>
+      <p:ext uri="{BB962C8B-B14F-4D97-AF65-F5344CB8AC3E}">
+        <p14:creationId xmlns:p14="http://schemas.microsoft.com/office/powerpoint/2010/main" val="2244646070"/>
       </p:ext>
     </p:extLst>
   </p:cSld>

--- a/사진.pptx
+++ b/사진.pptx
@@ -5,10 +5,11 @@
     <p:sldMasterId id="2147483648" r:id="rId1"/>
   </p:sldMasterIdLst>
   <p:notesMasterIdLst>
-    <p:notesMasterId r:id="rId3"/>
+    <p:notesMasterId r:id="rId4"/>
   </p:notesMasterIdLst>
   <p:sldIdLst>
     <p:sldId id="271" r:id="rId2"/>
+    <p:sldId id="272" r:id="rId3"/>
   </p:sldIdLst>
   <p:sldSz cx="12192000" cy="6858000"/>
   <p:notesSz cx="6858000" cy="9144000"/>
@@ -197,7 +198,7 @@
           <a:p>
             <a:fld id="{C4873304-7CC2-49A0-BE74-ACC0A9BBD974}" type="datetimeFigureOut">
               <a:rPr lang="ko-KR" altLang="en-US" smtClean="0"/>
-              <a:t>2021-09-13</a:t>
+              <a:t>2021-09-15</a:t>
             </a:fld>
             <a:endParaRPr lang="ko-KR" altLang="en-US"/>
           </a:p>
@@ -636,7 +637,7 @@
           <a:p>
             <a:fld id="{14627BA5-89F0-4976-B806-5D98EF5704F2}" type="datetimeFigureOut">
               <a:rPr lang="ko-KR" altLang="en-US" smtClean="0"/>
-              <a:t>2021-09-13</a:t>
+              <a:t>2021-09-15</a:t>
             </a:fld>
             <a:endParaRPr lang="ko-KR" altLang="en-US"/>
           </a:p>
@@ -834,7 +835,7 @@
           <a:p>
             <a:fld id="{14627BA5-89F0-4976-B806-5D98EF5704F2}" type="datetimeFigureOut">
               <a:rPr lang="ko-KR" altLang="en-US" smtClean="0"/>
-              <a:t>2021-09-13</a:t>
+              <a:t>2021-09-15</a:t>
             </a:fld>
             <a:endParaRPr lang="ko-KR" altLang="en-US"/>
           </a:p>
@@ -1042,7 +1043,7 @@
           <a:p>
             <a:fld id="{14627BA5-89F0-4976-B806-5D98EF5704F2}" type="datetimeFigureOut">
               <a:rPr lang="ko-KR" altLang="en-US" smtClean="0"/>
-              <a:t>2021-09-13</a:t>
+              <a:t>2021-09-15</a:t>
             </a:fld>
             <a:endParaRPr lang="ko-KR" altLang="en-US"/>
           </a:p>
@@ -1240,7 +1241,7 @@
           <a:p>
             <a:fld id="{14627BA5-89F0-4976-B806-5D98EF5704F2}" type="datetimeFigureOut">
               <a:rPr lang="ko-KR" altLang="en-US" smtClean="0"/>
-              <a:t>2021-09-13</a:t>
+              <a:t>2021-09-15</a:t>
             </a:fld>
             <a:endParaRPr lang="ko-KR" altLang="en-US"/>
           </a:p>
@@ -1515,7 +1516,7 @@
           <a:p>
             <a:fld id="{14627BA5-89F0-4976-B806-5D98EF5704F2}" type="datetimeFigureOut">
               <a:rPr lang="ko-KR" altLang="en-US" smtClean="0"/>
-              <a:t>2021-09-13</a:t>
+              <a:t>2021-09-15</a:t>
             </a:fld>
             <a:endParaRPr lang="ko-KR" altLang="en-US"/>
           </a:p>
@@ -1780,7 +1781,7 @@
           <a:p>
             <a:fld id="{14627BA5-89F0-4976-B806-5D98EF5704F2}" type="datetimeFigureOut">
               <a:rPr lang="ko-KR" altLang="en-US" smtClean="0"/>
-              <a:t>2021-09-13</a:t>
+              <a:t>2021-09-15</a:t>
             </a:fld>
             <a:endParaRPr lang="ko-KR" altLang="en-US"/>
           </a:p>
@@ -2192,7 +2193,7 @@
           <a:p>
             <a:fld id="{14627BA5-89F0-4976-B806-5D98EF5704F2}" type="datetimeFigureOut">
               <a:rPr lang="ko-KR" altLang="en-US" smtClean="0"/>
-              <a:t>2021-09-13</a:t>
+              <a:t>2021-09-15</a:t>
             </a:fld>
             <a:endParaRPr lang="ko-KR" altLang="en-US"/>
           </a:p>
@@ -2333,7 +2334,7 @@
           <a:p>
             <a:fld id="{14627BA5-89F0-4976-B806-5D98EF5704F2}" type="datetimeFigureOut">
               <a:rPr lang="ko-KR" altLang="en-US" smtClean="0"/>
-              <a:t>2021-09-13</a:t>
+              <a:t>2021-09-15</a:t>
             </a:fld>
             <a:endParaRPr lang="ko-KR" altLang="en-US"/>
           </a:p>
@@ -2446,7 +2447,7 @@
           <a:p>
             <a:fld id="{14627BA5-89F0-4976-B806-5D98EF5704F2}" type="datetimeFigureOut">
               <a:rPr lang="ko-KR" altLang="en-US" smtClean="0"/>
-              <a:t>2021-09-13</a:t>
+              <a:t>2021-09-15</a:t>
             </a:fld>
             <a:endParaRPr lang="ko-KR" altLang="en-US"/>
           </a:p>
@@ -2757,7 +2758,7 @@
           <a:p>
             <a:fld id="{14627BA5-89F0-4976-B806-5D98EF5704F2}" type="datetimeFigureOut">
               <a:rPr lang="ko-KR" altLang="en-US" smtClean="0"/>
-              <a:t>2021-09-13</a:t>
+              <a:t>2021-09-15</a:t>
             </a:fld>
             <a:endParaRPr lang="ko-KR" altLang="en-US"/>
           </a:p>
@@ -3045,7 +3046,7 @@
           <a:p>
             <a:fld id="{14627BA5-89F0-4976-B806-5D98EF5704F2}" type="datetimeFigureOut">
               <a:rPr lang="ko-KR" altLang="en-US" smtClean="0"/>
-              <a:t>2021-09-13</a:t>
+              <a:t>2021-09-15</a:t>
             </a:fld>
             <a:endParaRPr lang="ko-KR" altLang="en-US"/>
           </a:p>
@@ -3286,7 +3287,7 @@
           <a:p>
             <a:fld id="{14627BA5-89F0-4976-B806-5D98EF5704F2}" type="datetimeFigureOut">
               <a:rPr lang="ko-KR" altLang="en-US" smtClean="0"/>
-              <a:t>2021-09-13</a:t>
+              <a:t>2021-09-15</a:t>
             </a:fld>
             <a:endParaRPr lang="ko-KR" altLang="en-US"/>
           </a:p>
@@ -3755,205 +3756,56 @@
       </p:sp>
       <p:pic>
         <p:nvPicPr>
-          <p:cNvPr id="1036" name="Picture 12" descr="Database Manage Administer - Free vector graphic on Pixabay">
-            <a:extLst>
-              <a:ext uri="{FF2B5EF4-FFF2-40B4-BE49-F238E27FC236}">
-                <a16:creationId xmlns:a16="http://schemas.microsoft.com/office/drawing/2014/main" id="{6536BA2F-920A-40F9-8843-817A2877D4F8}"/>
+          <p:cNvPr id="3" name="그림 2">
+            <a:extLst>
+              <a:ext uri="{FF2B5EF4-FFF2-40B4-BE49-F238E27FC236}">
+                <a16:creationId xmlns:a16="http://schemas.microsoft.com/office/drawing/2014/main" id="{AE590248-60B9-4E5F-82D1-341608C488D3}"/>
               </a:ext>
             </a:extLst>
           </p:cNvPr>
           <p:cNvPicPr>
-            <a:picLocks noChangeAspect="1" noChangeArrowheads="1"/>
+            <a:picLocks noChangeAspect="1"/>
           </p:cNvPicPr>
           <p:nvPr/>
         </p:nvPicPr>
         <p:blipFill>
-          <a:blip r:embed="rId3">
-            <a:extLst>
-              <a:ext uri="{28A0092B-C50C-407E-A947-70E740481C1C}">
-                <a14:useLocalDpi xmlns:a14="http://schemas.microsoft.com/office/drawing/2010/main" val="0"/>
-              </a:ext>
-            </a:extLst>
-          </a:blip>
-          <a:srcRect/>
+          <a:blip r:embed="rId3"/>
           <a:stretch>
             <a:fillRect/>
           </a:stretch>
         </p:blipFill>
-        <p:spPr bwMode="auto">
+        <p:spPr>
           <a:xfrm>
-            <a:off x="2222157" y="2766884"/>
-            <a:ext cx="1324232" cy="1324232"/>
+            <a:off x="4090707" y="666364"/>
+            <a:ext cx="4010585" cy="5525271"/>
           </a:xfrm>
           <a:prstGeom prst="rect">
             <a:avLst/>
           </a:prstGeom>
-          <a:noFill/>
-          <a:extLst>
-            <a:ext uri="{909E8E84-426E-40DD-AFC4-6F175D3DCCD1}">
-              <a14:hiddenFill xmlns:a14="http://schemas.microsoft.com/office/drawing/2010/main">
-                <a:solidFill>
-                  <a:srgbClr val="FFFFFF"/>
-                </a:solidFill>
-              </a14:hiddenFill>
-            </a:ext>
-          </a:extLst>
         </p:spPr>
       </p:pic>
-      <p:pic>
-        <p:nvPicPr>
-          <p:cNvPr id="1042" name="Picture 18" descr="Android, logo, software, technology">
-            <a:extLst>
-              <a:ext uri="{FF2B5EF4-FFF2-40B4-BE49-F238E27FC236}">
-                <a16:creationId xmlns:a16="http://schemas.microsoft.com/office/drawing/2014/main" id="{F23B3C62-AAC5-4FEA-9191-0F9D766682C5}"/>
-              </a:ext>
-            </a:extLst>
-          </p:cNvPr>
-          <p:cNvPicPr>
-            <a:picLocks noChangeAspect="1" noChangeArrowheads="1"/>
-          </p:cNvPicPr>
+      <p:sp>
+        <p:nvSpPr>
+          <p:cNvPr id="4" name="직사각형 3">
+            <a:extLst>
+              <a:ext uri="{FF2B5EF4-FFF2-40B4-BE49-F238E27FC236}">
+                <a16:creationId xmlns:a16="http://schemas.microsoft.com/office/drawing/2014/main" id="{E228601A-09E9-47A9-A82E-1429DD1A8FE8}"/>
+              </a:ext>
+            </a:extLst>
+          </p:cNvPr>
+          <p:cNvSpPr/>
           <p:nvPr/>
-        </p:nvPicPr>
-        <p:blipFill>
-          <a:blip r:embed="rId4">
-            <a:extLst>
-              <a:ext uri="{28A0092B-C50C-407E-A947-70E740481C1C}">
-                <a14:useLocalDpi xmlns:a14="http://schemas.microsoft.com/office/drawing/2010/main" val="0"/>
-              </a:ext>
-            </a:extLst>
-          </a:blip>
-          <a:srcRect/>
-          <a:stretch>
-            <a:fillRect/>
-          </a:stretch>
-        </p:blipFill>
-        <p:spPr bwMode="auto">
+        </p:nvSpPr>
+        <p:spPr>
           <a:xfrm>
-            <a:off x="8645611" y="4626577"/>
-            <a:ext cx="1324232" cy="1324232"/>
+            <a:off x="4620861" y="2119184"/>
+            <a:ext cx="1786117" cy="154459"/>
           </a:xfrm>
           <a:prstGeom prst="rect">
             <a:avLst/>
           </a:prstGeom>
-          <a:noFill/>
-          <a:extLst>
-            <a:ext uri="{909E8E84-426E-40DD-AFC4-6F175D3DCCD1}">
-              <a14:hiddenFill xmlns:a14="http://schemas.microsoft.com/office/drawing/2010/main">
-                <a:solidFill>
-                  <a:srgbClr val="FFFFFF"/>
-                </a:solidFill>
-              </a14:hiddenFill>
-            </a:ext>
-          </a:extLst>
-        </p:spPr>
-      </p:pic>
-      <p:pic>
-        <p:nvPicPr>
-          <p:cNvPr id="1046" name="Picture 22" descr="Chrome, google, browser">
-            <a:extLst>
-              <a:ext uri="{FF2B5EF4-FFF2-40B4-BE49-F238E27FC236}">
-                <a16:creationId xmlns:a16="http://schemas.microsoft.com/office/drawing/2014/main" id="{4E810CD5-4E8C-433E-9FEC-B862BFF28DED}"/>
-              </a:ext>
-            </a:extLst>
-          </p:cNvPr>
-          <p:cNvPicPr>
-            <a:picLocks noChangeAspect="1" noChangeArrowheads="1"/>
-          </p:cNvPicPr>
-          <p:nvPr/>
-        </p:nvPicPr>
-        <p:blipFill>
-          <a:blip r:embed="rId5">
-            <a:extLst>
-              <a:ext uri="{28A0092B-C50C-407E-A947-70E740481C1C}">
-                <a14:useLocalDpi xmlns:a14="http://schemas.microsoft.com/office/drawing/2010/main" val="0"/>
-              </a:ext>
-            </a:extLst>
-          </a:blip>
-          <a:srcRect/>
-          <a:stretch>
-            <a:fillRect/>
-          </a:stretch>
-        </p:blipFill>
-        <p:spPr bwMode="auto">
-          <a:xfrm>
-            <a:off x="8645611" y="907191"/>
-            <a:ext cx="1324231" cy="1324231"/>
-          </a:xfrm>
-          <a:prstGeom prst="rect">
-            <a:avLst/>
-          </a:prstGeom>
-          <a:noFill/>
-        </p:spPr>
-      </p:pic>
-      <p:pic>
-        <p:nvPicPr>
-          <p:cNvPr id="1054" name="Picture 30" descr="Circle, js, node, node js, programming, round icon">
-            <a:extLst>
-              <a:ext uri="{FF2B5EF4-FFF2-40B4-BE49-F238E27FC236}">
-                <a16:creationId xmlns:a16="http://schemas.microsoft.com/office/drawing/2014/main" id="{27594053-EF63-4A02-960E-DF7D86448C47}"/>
-              </a:ext>
-            </a:extLst>
-          </p:cNvPr>
-          <p:cNvPicPr>
-            <a:picLocks noChangeAspect="1" noChangeArrowheads="1"/>
-          </p:cNvPicPr>
-          <p:nvPr/>
-        </p:nvPicPr>
-        <p:blipFill>
-          <a:blip r:embed="rId6">
-            <a:extLst>
-              <a:ext uri="{28A0092B-C50C-407E-A947-70E740481C1C}">
-                <a14:useLocalDpi xmlns:a14="http://schemas.microsoft.com/office/drawing/2010/main" val="0"/>
-              </a:ext>
-            </a:extLst>
-          </a:blip>
-          <a:srcRect/>
-          <a:stretch>
-            <a:fillRect/>
-          </a:stretch>
-        </p:blipFill>
-        <p:spPr bwMode="auto">
-          <a:xfrm>
-            <a:off x="8645611" y="2766884"/>
-            <a:ext cx="1324232" cy="1324232"/>
-          </a:xfrm>
-          <a:prstGeom prst="rect">
-            <a:avLst/>
-          </a:prstGeom>
-          <a:noFill/>
-          <a:extLst>
-            <a:ext uri="{909E8E84-426E-40DD-AFC4-6F175D3DCCD1}">
-              <a14:hiddenFill xmlns:a14="http://schemas.microsoft.com/office/drawing/2010/main">
-                <a:solidFill>
-                  <a:srgbClr val="FFFFFF"/>
-                </a:solidFill>
-              </a14:hiddenFill>
-            </a:ext>
-          </a:extLst>
-        </p:spPr>
-      </p:pic>
-      <p:sp>
-        <p:nvSpPr>
-          <p:cNvPr id="11" name="타원 10">
-            <a:extLst>
-              <a:ext uri="{FF2B5EF4-FFF2-40B4-BE49-F238E27FC236}">
-                <a16:creationId xmlns:a16="http://schemas.microsoft.com/office/drawing/2014/main" id="{5ECEC6B7-0FCA-4CC0-B6C1-1E86F6087F6E}"/>
-              </a:ext>
-            </a:extLst>
-          </p:cNvPr>
-          <p:cNvSpPr/>
-          <p:nvPr/>
-        </p:nvSpPr>
-        <p:spPr>
-          <a:xfrm>
-            <a:off x="5433884" y="2766884"/>
-            <a:ext cx="1324232" cy="1324232"/>
-          </a:xfrm>
-          <a:prstGeom prst="ellipse">
-            <a:avLst/>
-          </a:prstGeom>
           <a:solidFill>
-            <a:srgbClr val="354168"/>
+            <a:srgbClr val="FFFFFF"/>
           </a:solidFill>
           <a:ln>
             <a:noFill/>
@@ -3986,10 +3838,10 @@
       </p:sp>
       <p:sp>
         <p:nvSpPr>
-          <p:cNvPr id="13" name="사각형: 둥근 모서리 12">
-            <a:extLst>
-              <a:ext uri="{FF2B5EF4-FFF2-40B4-BE49-F238E27FC236}">
-                <a16:creationId xmlns:a16="http://schemas.microsoft.com/office/drawing/2014/main" id="{94B3AE4C-CDA7-440A-8234-8D379E989C32}"/>
+          <p:cNvPr id="16" name="직사각형 15">
+            <a:extLst>
+              <a:ext uri="{FF2B5EF4-FFF2-40B4-BE49-F238E27FC236}">
+                <a16:creationId xmlns:a16="http://schemas.microsoft.com/office/drawing/2014/main" id="{48C81E0D-06A0-4605-8D94-F3055B4ADDD1}"/>
               </a:ext>
             </a:extLst>
           </p:cNvPr>
@@ -3998,22 +3850,17 @@
         </p:nvSpPr>
         <p:spPr>
           <a:xfrm>
-            <a:off x="5650648" y="2983648"/>
-            <a:ext cx="890704" cy="890704"/>
+            <a:off x="5309286" y="2299504"/>
+            <a:ext cx="1173892" cy="154459"/>
           </a:xfrm>
-          <a:prstGeom prst="roundRect">
+          <a:prstGeom prst="rect">
             <a:avLst/>
           </a:prstGeom>
-          <a:blipFill>
-            <a:blip r:embed="rId7"/>
-            <a:stretch>
-              <a:fillRect/>
-            </a:stretch>
-          </a:blipFill>
+          <a:solidFill>
+            <a:srgbClr val="FFFFFF"/>
+          </a:solidFill>
           <a:ln>
-            <a:solidFill>
-              <a:srgbClr val="354168"/>
-            </a:solidFill>
+            <a:noFill/>
           </a:ln>
         </p:spPr>
         <p:style>
@@ -4041,200 +3888,486 @@
           </a:p>
         </p:txBody>
       </p:sp>
-      <p:cxnSp>
-        <p:nvCxnSpPr>
-          <p:cNvPr id="18" name="직선 화살표 연결선 17">
-            <a:extLst>
-              <a:ext uri="{FF2B5EF4-FFF2-40B4-BE49-F238E27FC236}">
-                <a16:creationId xmlns:a16="http://schemas.microsoft.com/office/drawing/2014/main" id="{C29F78EC-DFB3-4317-AA51-34AAF718EE2C}"/>
-              </a:ext>
-            </a:extLst>
-          </p:cNvPr>
-          <p:cNvCxnSpPr>
-            <a:stCxn id="1036" idx="3"/>
-            <a:endCxn id="11" idx="2"/>
-          </p:cNvCxnSpPr>
+      <p:sp>
+        <p:nvSpPr>
+          <p:cNvPr id="17" name="직사각형 16">
+            <a:extLst>
+              <a:ext uri="{FF2B5EF4-FFF2-40B4-BE49-F238E27FC236}">
+                <a16:creationId xmlns:a16="http://schemas.microsoft.com/office/drawing/2014/main" id="{4C50A3C0-B5E9-4D3F-BFFA-D6F3EA3098CF}"/>
+              </a:ext>
+            </a:extLst>
+          </p:cNvPr>
+          <p:cNvSpPr/>
           <p:nvPr/>
-        </p:nvCxnSpPr>
+        </p:nvSpPr>
         <p:spPr>
           <a:xfrm>
-            <a:off x="3546389" y="3429000"/>
-            <a:ext cx="1887495" cy="0"/>
+            <a:off x="4847433" y="2475625"/>
+            <a:ext cx="1173892" cy="154459"/>
           </a:xfrm>
-          <a:prstGeom prst="straightConnector1">
+          <a:prstGeom prst="rect">
             <a:avLst/>
           </a:prstGeom>
-          <a:ln w="127000" cmpd="dbl">
-            <a:solidFill>
-              <a:schemeClr val="bg2">
-                <a:lumMod val="50000"/>
-              </a:schemeClr>
-            </a:solidFill>
-            <a:headEnd type="none"/>
-            <a:tailEnd type="none"/>
+          <a:solidFill>
+            <a:srgbClr val="FFFFFF"/>
+          </a:solidFill>
+          <a:ln>
+            <a:noFill/>
           </a:ln>
         </p:spPr>
         <p:style>
-          <a:lnRef idx="1">
-            <a:schemeClr val="accent1"/>
+          <a:lnRef idx="2">
+            <a:schemeClr val="accent1">
+              <a:shade val="50000"/>
+            </a:schemeClr>
           </a:lnRef>
-          <a:fillRef idx="0">
+          <a:fillRef idx="1">
             <a:schemeClr val="accent1"/>
           </a:fillRef>
           <a:effectRef idx="0">
             <a:schemeClr val="accent1"/>
           </a:effectRef>
           <a:fontRef idx="minor">
-            <a:schemeClr val="tx1"/>
+            <a:schemeClr val="lt1"/>
           </a:fontRef>
         </p:style>
-      </p:cxnSp>
-      <p:cxnSp>
-        <p:nvCxnSpPr>
-          <p:cNvPr id="24" name="연결선: 꺾임 23">
-            <a:extLst>
-              <a:ext uri="{FF2B5EF4-FFF2-40B4-BE49-F238E27FC236}">
-                <a16:creationId xmlns:a16="http://schemas.microsoft.com/office/drawing/2014/main" id="{783FD45D-8162-419D-ACF5-4B31E3D5369D}"/>
-              </a:ext>
-            </a:extLst>
-          </p:cNvPr>
-          <p:cNvCxnSpPr>
-            <a:stCxn id="11" idx="6"/>
-            <a:endCxn id="1046" idx="1"/>
-          </p:cNvCxnSpPr>
+        <p:txBody>
+          <a:bodyPr rtlCol="0" anchor="ctr"/>
+          <a:lstStyle/>
+          <a:p>
+            <a:pPr algn="ctr"/>
+            <a:endParaRPr lang="ko-KR" altLang="en-US"/>
+          </a:p>
+        </p:txBody>
+      </p:sp>
+      <p:sp>
+        <p:nvSpPr>
+          <p:cNvPr id="19" name="직사각형 18">
+            <a:extLst>
+              <a:ext uri="{FF2B5EF4-FFF2-40B4-BE49-F238E27FC236}">
+                <a16:creationId xmlns:a16="http://schemas.microsoft.com/office/drawing/2014/main" id="{1682E04A-E2EB-4F06-ACD0-3EDEF65F26A0}"/>
+              </a:ext>
+            </a:extLst>
+          </p:cNvPr>
+          <p:cNvSpPr/>
           <p:nvPr/>
-        </p:nvCxnSpPr>
+        </p:nvSpPr>
         <p:spPr>
-          <a:xfrm flipV="1">
-            <a:off x="6758116" y="1569307"/>
-            <a:ext cx="1887495" cy="1859693"/>
+          <a:xfrm>
+            <a:off x="5413439" y="1375589"/>
+            <a:ext cx="1062759" cy="154459"/>
           </a:xfrm>
-          <a:prstGeom prst="bentConnector3">
+          <a:prstGeom prst="rect">
             <a:avLst/>
           </a:prstGeom>
-          <a:ln w="127000" cmpd="dbl">
-            <a:solidFill>
-              <a:schemeClr val="bg2">
-                <a:lumMod val="50000"/>
-              </a:schemeClr>
-            </a:solidFill>
+          <a:solidFill>
+            <a:srgbClr val="FFFFFF"/>
+          </a:solidFill>
+          <a:ln>
+            <a:noFill/>
           </a:ln>
         </p:spPr>
         <p:style>
-          <a:lnRef idx="1">
-            <a:schemeClr val="accent1"/>
+          <a:lnRef idx="2">
+            <a:schemeClr val="accent1">
+              <a:shade val="50000"/>
+            </a:schemeClr>
           </a:lnRef>
-          <a:fillRef idx="0">
+          <a:fillRef idx="1">
             <a:schemeClr val="accent1"/>
           </a:fillRef>
           <a:effectRef idx="0">
             <a:schemeClr val="accent1"/>
           </a:effectRef>
           <a:fontRef idx="minor">
-            <a:schemeClr val="tx1"/>
+            <a:schemeClr val="lt1"/>
           </a:fontRef>
         </p:style>
-      </p:cxnSp>
-      <p:cxnSp>
-        <p:nvCxnSpPr>
-          <p:cNvPr id="43" name="연결선: 꺾임 42">
-            <a:extLst>
-              <a:ext uri="{FF2B5EF4-FFF2-40B4-BE49-F238E27FC236}">
-                <a16:creationId xmlns:a16="http://schemas.microsoft.com/office/drawing/2014/main" id="{6AC818E0-903B-495B-80AD-3C1A2CF24BE9}"/>
-              </a:ext>
-            </a:extLst>
-          </p:cNvPr>
-          <p:cNvCxnSpPr>
-            <a:cxnSpLocks/>
-            <a:stCxn id="11" idx="6"/>
-            <a:endCxn id="1042" idx="1"/>
-          </p:cNvCxnSpPr>
+        <p:txBody>
+          <a:bodyPr rtlCol="0" anchor="ctr"/>
+          <a:lstStyle/>
+          <a:p>
+            <a:pPr algn="ctr"/>
+            <a:endParaRPr lang="ko-KR" altLang="en-US"/>
+          </a:p>
+        </p:txBody>
+      </p:sp>
+    </p:spTree>
+    <p:extLst>
+      <p:ext uri="{BB962C8B-B14F-4D97-AF65-F5344CB8AC3E}">
+        <p14:creationId xmlns:p14="http://schemas.microsoft.com/office/powerpoint/2010/main" val="3354590982"/>
+      </p:ext>
+    </p:extLst>
+  </p:cSld>
+  <p:clrMapOvr>
+    <a:masterClrMapping/>
+  </p:clrMapOvr>
+</p:sld>
+</file>
+
+<file path=ppt/slides/slide2.xml><?xml version="1.0" encoding="utf-8"?>
+<p:sld xmlns:a="http://schemas.openxmlformats.org/drawingml/2006/main" xmlns:r="http://schemas.openxmlformats.org/officeDocument/2006/relationships" xmlns:p="http://schemas.openxmlformats.org/presentationml/2006/main">
+  <p:cSld>
+    <p:spTree>
+      <p:nvGrpSpPr>
+        <p:cNvPr id="1" name=""/>
+        <p:cNvGrpSpPr/>
+        <p:nvPr/>
+      </p:nvGrpSpPr>
+      <p:grpSpPr>
+        <a:xfrm>
+          <a:off x="0" y="0"/>
+          <a:ext cx="0" cy="0"/>
+          <a:chOff x="0" y="0"/>
+          <a:chExt cx="0" cy="0"/>
+        </a:xfrm>
+      </p:grpSpPr>
+      <p:pic>
+        <p:nvPicPr>
+          <p:cNvPr id="5" name="그림 4">
+            <a:extLst>
+              <a:ext uri="{FF2B5EF4-FFF2-40B4-BE49-F238E27FC236}">
+                <a16:creationId xmlns:a16="http://schemas.microsoft.com/office/drawing/2014/main" id="{4E19F076-C33F-418C-BB5F-C1C785AC7E90}"/>
+              </a:ext>
+            </a:extLst>
+          </p:cNvPr>
+          <p:cNvPicPr>
+            <a:picLocks noChangeAspect="1"/>
+          </p:cNvPicPr>
           <p:nvPr/>
-        </p:nvCxnSpPr>
+        </p:nvPicPr>
+        <p:blipFill>
+          <a:blip r:embed="rId2"/>
+          <a:stretch>
+            <a:fillRect/>
+          </a:stretch>
+        </p:blipFill>
         <p:spPr>
           <a:xfrm>
-            <a:off x="6758116" y="3429000"/>
-            <a:ext cx="1887495" cy="1859693"/>
+            <a:off x="1832967" y="594917"/>
+            <a:ext cx="8526065" cy="5668166"/>
           </a:xfrm>
-          <a:prstGeom prst="bentConnector3">
+          <a:prstGeom prst="rect">
             <a:avLst/>
           </a:prstGeom>
-          <a:ln w="127000" cmpd="dbl">
-            <a:solidFill>
-              <a:schemeClr val="bg2">
-                <a:lumMod val="50000"/>
-              </a:schemeClr>
-            </a:solidFill>
+        </p:spPr>
+      </p:pic>
+      <p:sp>
+        <p:nvSpPr>
+          <p:cNvPr id="6" name="직사각형 5">
+            <a:extLst>
+              <a:ext uri="{FF2B5EF4-FFF2-40B4-BE49-F238E27FC236}">
+                <a16:creationId xmlns:a16="http://schemas.microsoft.com/office/drawing/2014/main" id="{40227084-3E3C-4B13-8CBB-3FFCD7F0CFB9}"/>
+              </a:ext>
+            </a:extLst>
+          </p:cNvPr>
+          <p:cNvSpPr/>
+          <p:nvPr/>
+        </p:nvSpPr>
+        <p:spPr>
+          <a:xfrm>
+            <a:off x="3089049" y="1159204"/>
+            <a:ext cx="1062759" cy="154459"/>
+          </a:xfrm>
+          <a:prstGeom prst="rect">
+            <a:avLst/>
+          </a:prstGeom>
+          <a:solidFill>
+            <a:srgbClr val="FFFFFF"/>
+          </a:solidFill>
+          <a:ln>
+            <a:noFill/>
           </a:ln>
         </p:spPr>
         <p:style>
-          <a:lnRef idx="1">
-            <a:schemeClr val="accent1"/>
+          <a:lnRef idx="2">
+            <a:schemeClr val="accent1">
+              <a:shade val="50000"/>
+            </a:schemeClr>
           </a:lnRef>
-          <a:fillRef idx="0">
+          <a:fillRef idx="1">
             <a:schemeClr val="accent1"/>
           </a:fillRef>
           <a:effectRef idx="0">
             <a:schemeClr val="accent1"/>
           </a:effectRef>
           <a:fontRef idx="minor">
-            <a:schemeClr val="tx1"/>
+            <a:schemeClr val="lt1"/>
           </a:fontRef>
         </p:style>
-      </p:cxnSp>
-      <p:cxnSp>
-        <p:nvCxnSpPr>
-          <p:cNvPr id="38" name="직선 화살표 연결선 37">
-            <a:extLst>
-              <a:ext uri="{FF2B5EF4-FFF2-40B4-BE49-F238E27FC236}">
-                <a16:creationId xmlns:a16="http://schemas.microsoft.com/office/drawing/2014/main" id="{5ADB6428-B19A-46AE-8DC0-90EF9CF77440}"/>
-              </a:ext>
-            </a:extLst>
-          </p:cNvPr>
-          <p:cNvCxnSpPr>
-            <a:cxnSpLocks/>
-            <a:stCxn id="11" idx="6"/>
-            <a:endCxn id="1054" idx="1"/>
-          </p:cNvCxnSpPr>
+        <p:txBody>
+          <a:bodyPr rtlCol="0" anchor="ctr"/>
+          <a:lstStyle/>
+          <a:p>
+            <a:pPr algn="ctr"/>
+            <a:endParaRPr lang="ko-KR" altLang="en-US"/>
+          </a:p>
+        </p:txBody>
+      </p:sp>
+      <p:sp>
+        <p:nvSpPr>
+          <p:cNvPr id="7" name="직사각형 6">
+            <a:extLst>
+              <a:ext uri="{FF2B5EF4-FFF2-40B4-BE49-F238E27FC236}">
+                <a16:creationId xmlns:a16="http://schemas.microsoft.com/office/drawing/2014/main" id="{51587E01-A7AF-4523-9028-D20BDBE704B0}"/>
+              </a:ext>
+            </a:extLst>
+          </p:cNvPr>
+          <p:cNvSpPr/>
           <p:nvPr/>
-        </p:nvCxnSpPr>
+        </p:nvSpPr>
         <p:spPr>
           <a:xfrm>
-            <a:off x="6758116" y="3429000"/>
-            <a:ext cx="1887495" cy="0"/>
+            <a:off x="2861863" y="1423287"/>
+            <a:ext cx="1863700" cy="154459"/>
           </a:xfrm>
-          <a:prstGeom prst="straightConnector1">
+          <a:prstGeom prst="rect">
             <a:avLst/>
           </a:prstGeom>
-          <a:ln w="127000" cmpd="dbl">
-            <a:solidFill>
-              <a:schemeClr val="bg2">
-                <a:lumMod val="50000"/>
-              </a:schemeClr>
-            </a:solidFill>
-            <a:headEnd type="none"/>
-            <a:tailEnd type="none"/>
+          <a:solidFill>
+            <a:srgbClr val="FFFFFF"/>
+          </a:solidFill>
+          <a:ln>
+            <a:noFill/>
           </a:ln>
         </p:spPr>
         <p:style>
-          <a:lnRef idx="1">
-            <a:schemeClr val="accent1"/>
+          <a:lnRef idx="2">
+            <a:schemeClr val="accent1">
+              <a:shade val="50000"/>
+            </a:schemeClr>
           </a:lnRef>
-          <a:fillRef idx="0">
+          <a:fillRef idx="1">
             <a:schemeClr val="accent1"/>
           </a:fillRef>
           <a:effectRef idx="0">
             <a:schemeClr val="accent1"/>
           </a:effectRef>
           <a:fontRef idx="minor">
-            <a:schemeClr val="tx1"/>
+            <a:schemeClr val="lt1"/>
           </a:fontRef>
         </p:style>
-      </p:cxnSp>
+        <p:txBody>
+          <a:bodyPr rtlCol="0" anchor="ctr"/>
+          <a:lstStyle/>
+          <a:p>
+            <a:pPr algn="ctr"/>
+            <a:endParaRPr lang="ko-KR" altLang="en-US"/>
+          </a:p>
+        </p:txBody>
+      </p:sp>
+      <p:sp>
+        <p:nvSpPr>
+          <p:cNvPr id="8" name="직사각형 7">
+            <a:extLst>
+              <a:ext uri="{FF2B5EF4-FFF2-40B4-BE49-F238E27FC236}">
+                <a16:creationId xmlns:a16="http://schemas.microsoft.com/office/drawing/2014/main" id="{53011821-1D74-438F-B9FB-EE87399673A6}"/>
+              </a:ext>
+            </a:extLst>
+          </p:cNvPr>
+          <p:cNvSpPr/>
+          <p:nvPr/>
+        </p:nvSpPr>
+        <p:spPr>
+          <a:xfrm>
+            <a:off x="3198405" y="2790234"/>
+            <a:ext cx="1156046" cy="154459"/>
+          </a:xfrm>
+          <a:prstGeom prst="rect">
+            <a:avLst/>
+          </a:prstGeom>
+          <a:solidFill>
+            <a:srgbClr val="FFFFFF"/>
+          </a:solidFill>
+          <a:ln>
+            <a:noFill/>
+          </a:ln>
+        </p:spPr>
+        <p:style>
+          <a:lnRef idx="2">
+            <a:schemeClr val="accent1">
+              <a:shade val="50000"/>
+            </a:schemeClr>
+          </a:lnRef>
+          <a:fillRef idx="1">
+            <a:schemeClr val="accent1"/>
+          </a:fillRef>
+          <a:effectRef idx="0">
+            <a:schemeClr val="accent1"/>
+          </a:effectRef>
+          <a:fontRef idx="minor">
+            <a:schemeClr val="lt1"/>
+          </a:fontRef>
+        </p:style>
+        <p:txBody>
+          <a:bodyPr rtlCol="0" anchor="ctr"/>
+          <a:lstStyle/>
+          <a:p>
+            <a:pPr algn="ctr"/>
+            <a:endParaRPr lang="ko-KR" altLang="en-US"/>
+          </a:p>
+        </p:txBody>
+      </p:sp>
+      <p:sp>
+        <p:nvSpPr>
+          <p:cNvPr id="9" name="직사각형 8">
+            <a:extLst>
+              <a:ext uri="{FF2B5EF4-FFF2-40B4-BE49-F238E27FC236}">
+                <a16:creationId xmlns:a16="http://schemas.microsoft.com/office/drawing/2014/main" id="{BA30FDF9-FFA4-44F9-8A9F-16A82A63F41B}"/>
+              </a:ext>
+            </a:extLst>
+          </p:cNvPr>
+          <p:cNvSpPr/>
+          <p:nvPr/>
+        </p:nvSpPr>
+        <p:spPr>
+          <a:xfrm>
+            <a:off x="3678872" y="3165357"/>
+            <a:ext cx="1156046" cy="154459"/>
+          </a:xfrm>
+          <a:prstGeom prst="rect">
+            <a:avLst/>
+          </a:prstGeom>
+          <a:solidFill>
+            <a:srgbClr val="FFFFFF"/>
+          </a:solidFill>
+          <a:ln>
+            <a:noFill/>
+          </a:ln>
+        </p:spPr>
+        <p:style>
+          <a:lnRef idx="2">
+            <a:schemeClr val="accent1">
+              <a:shade val="50000"/>
+            </a:schemeClr>
+          </a:lnRef>
+          <a:fillRef idx="1">
+            <a:schemeClr val="accent1"/>
+          </a:fillRef>
+          <a:effectRef idx="0">
+            <a:schemeClr val="accent1"/>
+          </a:effectRef>
+          <a:fontRef idx="minor">
+            <a:schemeClr val="lt1"/>
+          </a:fontRef>
+        </p:style>
+        <p:txBody>
+          <a:bodyPr rtlCol="0" anchor="ctr"/>
+          <a:lstStyle/>
+          <a:p>
+            <a:pPr algn="ctr"/>
+            <a:endParaRPr lang="ko-KR" altLang="en-US"/>
+          </a:p>
+        </p:txBody>
+      </p:sp>
+      <p:sp>
+        <p:nvSpPr>
+          <p:cNvPr id="10" name="직사각형 9">
+            <a:extLst>
+              <a:ext uri="{FF2B5EF4-FFF2-40B4-BE49-F238E27FC236}">
+                <a16:creationId xmlns:a16="http://schemas.microsoft.com/office/drawing/2014/main" id="{86A16A3A-7E2C-45CA-9261-ACB37B44FBFC}"/>
+              </a:ext>
+            </a:extLst>
+          </p:cNvPr>
+          <p:cNvSpPr/>
+          <p:nvPr/>
+        </p:nvSpPr>
+        <p:spPr>
+          <a:xfrm>
+            <a:off x="2980526" y="3351770"/>
+            <a:ext cx="1767030" cy="186415"/>
+          </a:xfrm>
+          <a:prstGeom prst="rect">
+            <a:avLst/>
+          </a:prstGeom>
+          <a:solidFill>
+            <a:srgbClr val="FFFFFF"/>
+          </a:solidFill>
+          <a:ln>
+            <a:noFill/>
+          </a:ln>
+        </p:spPr>
+        <p:style>
+          <a:lnRef idx="2">
+            <a:schemeClr val="accent1">
+              <a:shade val="50000"/>
+            </a:schemeClr>
+          </a:lnRef>
+          <a:fillRef idx="1">
+            <a:schemeClr val="accent1"/>
+          </a:fillRef>
+          <a:effectRef idx="0">
+            <a:schemeClr val="accent1"/>
+          </a:effectRef>
+          <a:fontRef idx="minor">
+            <a:schemeClr val="lt1"/>
+          </a:fontRef>
+        </p:style>
+        <p:txBody>
+          <a:bodyPr rtlCol="0" anchor="ctr"/>
+          <a:lstStyle/>
+          <a:p>
+            <a:pPr algn="ctr"/>
+            <a:endParaRPr lang="ko-KR" altLang="en-US"/>
+          </a:p>
+        </p:txBody>
+      </p:sp>
+      <p:sp>
+        <p:nvSpPr>
+          <p:cNvPr id="11" name="직사각형 10">
+            <a:extLst>
+              <a:ext uri="{FF2B5EF4-FFF2-40B4-BE49-F238E27FC236}">
+                <a16:creationId xmlns:a16="http://schemas.microsoft.com/office/drawing/2014/main" id="{7481B3F9-D0A6-4C30-A980-0D40767256DD}"/>
+              </a:ext>
+            </a:extLst>
+          </p:cNvPr>
+          <p:cNvSpPr/>
+          <p:nvPr/>
+        </p:nvSpPr>
+        <p:spPr>
+          <a:xfrm>
+            <a:off x="7524937" y="2790233"/>
+            <a:ext cx="579020" cy="715996"/>
+          </a:xfrm>
+          <a:prstGeom prst="rect">
+            <a:avLst/>
+          </a:prstGeom>
+          <a:solidFill>
+            <a:srgbClr val="FFFFFF"/>
+          </a:solidFill>
+          <a:ln>
+            <a:noFill/>
+          </a:ln>
+        </p:spPr>
+        <p:style>
+          <a:lnRef idx="2">
+            <a:schemeClr val="accent1">
+              <a:shade val="50000"/>
+            </a:schemeClr>
+          </a:lnRef>
+          <a:fillRef idx="1">
+            <a:schemeClr val="accent1"/>
+          </a:fillRef>
+          <a:effectRef idx="0">
+            <a:schemeClr val="accent1"/>
+          </a:effectRef>
+          <a:fontRef idx="minor">
+            <a:schemeClr val="lt1"/>
+          </a:fontRef>
+        </p:style>
+        <p:txBody>
+          <a:bodyPr rtlCol="0" anchor="ctr"/>
+          <a:lstStyle/>
+          <a:p>
+            <a:pPr algn="ctr"/>
+            <a:endParaRPr lang="ko-KR" altLang="en-US"/>
+          </a:p>
+        </p:txBody>
+      </p:sp>
     </p:spTree>
     <p:extLst>
       <p:ext uri="{BB962C8B-B14F-4D97-AF65-F5344CB8AC3E}">
-        <p14:creationId xmlns:p14="http://schemas.microsoft.com/office/powerpoint/2010/main" val="3354590982"/>
+        <p14:creationId xmlns:p14="http://schemas.microsoft.com/office/powerpoint/2010/main" val="211615195"/>
       </p:ext>
     </p:extLst>
   </p:cSld>

--- a/사진.pptx
+++ b/사진.pptx
@@ -5,11 +5,15 @@
     <p:sldMasterId id="2147483648" r:id="rId1"/>
   </p:sldMasterIdLst>
   <p:notesMasterIdLst>
-    <p:notesMasterId r:id="rId4"/>
+    <p:notesMasterId r:id="rId8"/>
   </p:notesMasterIdLst>
   <p:sldIdLst>
-    <p:sldId id="271" r:id="rId2"/>
-    <p:sldId id="272" r:id="rId3"/>
+    <p:sldId id="256" r:id="rId2"/>
+    <p:sldId id="257" r:id="rId3"/>
+    <p:sldId id="258" r:id="rId4"/>
+    <p:sldId id="259" r:id="rId5"/>
+    <p:sldId id="260" r:id="rId6"/>
+    <p:sldId id="261" r:id="rId7"/>
   </p:sldIdLst>
   <p:sldSz cx="12192000" cy="6858000"/>
   <p:notesSz cx="6858000" cy="9144000"/>
@@ -198,7 +202,7 @@
           <a:p>
             <a:fld id="{C4873304-7CC2-49A0-BE74-ACC0A9BBD974}" type="datetimeFigureOut">
               <a:rPr lang="ko-KR" altLang="en-US" smtClean="0"/>
-              <a:t>2021-09-15</a:t>
+              <a:t>2021-10-14</a:t>
             </a:fld>
             <a:endParaRPr lang="ko-KR" altLang="en-US"/>
           </a:p>
@@ -465,31 +469,6 @@
 </p:notesMaster>
 </file>
 
-<file path=ppt/notesSlides/notesSlide1.xml><?xml version="1.0" encoding="utf-8"?>
-<p:notes xmlns:a="http://schemas.openxmlformats.org/drawingml/2006/main" xmlns:r="http://schemas.openxmlformats.org/officeDocument/2006/relationships" xmlns:p="http://schemas.openxmlformats.org/presentationml/2006/main">
-  <p:cSld>
-    <p:spTree>
-      <p:nvGrpSpPr>
-        <p:cNvPr id="1" name=""/>
-        <p:cNvGrpSpPr/>
-        <p:nvPr/>
-      </p:nvGrpSpPr>
-      <p:grpSpPr>
-        <a:xfrm>
-          <a:off x="0" y="0"/>
-          <a:ext cx="0" cy="0"/>
-          <a:chOff x="0" y="0"/>
-          <a:chExt cx="0" cy="0"/>
-        </a:xfrm>
-      </p:grpSpPr>
-    </p:spTree>
-  </p:cSld>
-  <p:clrMapOvr>
-    <a:masterClrMapping/>
-  </p:clrMapOvr>
-</p:notes>
-</file>
-
 <file path=ppt/slideLayouts/slideLayout1.xml><?xml version="1.0" encoding="utf-8"?>
 <p:sldLayout xmlns:a="http://schemas.openxmlformats.org/drawingml/2006/main" xmlns:r="http://schemas.openxmlformats.org/officeDocument/2006/relationships" xmlns:p="http://schemas.openxmlformats.org/presentationml/2006/main" type="title" preserve="1">
   <p:cSld name="제목 슬라이드">
@@ -637,7 +616,7 @@
           <a:p>
             <a:fld id="{14627BA5-89F0-4976-B806-5D98EF5704F2}" type="datetimeFigureOut">
               <a:rPr lang="ko-KR" altLang="en-US" smtClean="0"/>
-              <a:t>2021-09-15</a:t>
+              <a:t>2021-10-14</a:t>
             </a:fld>
             <a:endParaRPr lang="ko-KR" altLang="en-US"/>
           </a:p>
@@ -835,7 +814,7 @@
           <a:p>
             <a:fld id="{14627BA5-89F0-4976-B806-5D98EF5704F2}" type="datetimeFigureOut">
               <a:rPr lang="ko-KR" altLang="en-US" smtClean="0"/>
-              <a:t>2021-09-15</a:t>
+              <a:t>2021-10-14</a:t>
             </a:fld>
             <a:endParaRPr lang="ko-KR" altLang="en-US"/>
           </a:p>
@@ -1043,7 +1022,7 @@
           <a:p>
             <a:fld id="{14627BA5-89F0-4976-B806-5D98EF5704F2}" type="datetimeFigureOut">
               <a:rPr lang="ko-KR" altLang="en-US" smtClean="0"/>
-              <a:t>2021-09-15</a:t>
+              <a:t>2021-10-14</a:t>
             </a:fld>
             <a:endParaRPr lang="ko-KR" altLang="en-US"/>
           </a:p>
@@ -1241,7 +1220,7 @@
           <a:p>
             <a:fld id="{14627BA5-89F0-4976-B806-5D98EF5704F2}" type="datetimeFigureOut">
               <a:rPr lang="ko-KR" altLang="en-US" smtClean="0"/>
-              <a:t>2021-09-15</a:t>
+              <a:t>2021-10-14</a:t>
             </a:fld>
             <a:endParaRPr lang="ko-KR" altLang="en-US"/>
           </a:p>
@@ -1516,7 +1495,7 @@
           <a:p>
             <a:fld id="{14627BA5-89F0-4976-B806-5D98EF5704F2}" type="datetimeFigureOut">
               <a:rPr lang="ko-KR" altLang="en-US" smtClean="0"/>
-              <a:t>2021-09-15</a:t>
+              <a:t>2021-10-14</a:t>
             </a:fld>
             <a:endParaRPr lang="ko-KR" altLang="en-US"/>
           </a:p>
@@ -1781,7 +1760,7 @@
           <a:p>
             <a:fld id="{14627BA5-89F0-4976-B806-5D98EF5704F2}" type="datetimeFigureOut">
               <a:rPr lang="ko-KR" altLang="en-US" smtClean="0"/>
-              <a:t>2021-09-15</a:t>
+              <a:t>2021-10-14</a:t>
             </a:fld>
             <a:endParaRPr lang="ko-KR" altLang="en-US"/>
           </a:p>
@@ -2193,7 +2172,7 @@
           <a:p>
             <a:fld id="{14627BA5-89F0-4976-B806-5D98EF5704F2}" type="datetimeFigureOut">
               <a:rPr lang="ko-KR" altLang="en-US" smtClean="0"/>
-              <a:t>2021-09-15</a:t>
+              <a:t>2021-10-14</a:t>
             </a:fld>
             <a:endParaRPr lang="ko-KR" altLang="en-US"/>
           </a:p>
@@ -2334,7 +2313,7 @@
           <a:p>
             <a:fld id="{14627BA5-89F0-4976-B806-5D98EF5704F2}" type="datetimeFigureOut">
               <a:rPr lang="ko-KR" altLang="en-US" smtClean="0"/>
-              <a:t>2021-09-15</a:t>
+              <a:t>2021-10-14</a:t>
             </a:fld>
             <a:endParaRPr lang="ko-KR" altLang="en-US"/>
           </a:p>
@@ -2447,7 +2426,7 @@
           <a:p>
             <a:fld id="{14627BA5-89F0-4976-B806-5D98EF5704F2}" type="datetimeFigureOut">
               <a:rPr lang="ko-KR" altLang="en-US" smtClean="0"/>
-              <a:t>2021-09-15</a:t>
+              <a:t>2021-10-14</a:t>
             </a:fld>
             <a:endParaRPr lang="ko-KR" altLang="en-US"/>
           </a:p>
@@ -2758,7 +2737,7 @@
           <a:p>
             <a:fld id="{14627BA5-89F0-4976-B806-5D98EF5704F2}" type="datetimeFigureOut">
               <a:rPr lang="ko-KR" altLang="en-US" smtClean="0"/>
-              <a:t>2021-09-15</a:t>
+              <a:t>2021-10-14</a:t>
             </a:fld>
             <a:endParaRPr lang="ko-KR" altLang="en-US"/>
           </a:p>
@@ -3046,7 +3025,7 @@
           <a:p>
             <a:fld id="{14627BA5-89F0-4976-B806-5D98EF5704F2}" type="datetimeFigureOut">
               <a:rPr lang="ko-KR" altLang="en-US" smtClean="0"/>
-              <a:t>2021-09-15</a:t>
+              <a:t>2021-10-14</a:t>
             </a:fld>
             <a:endParaRPr lang="ko-KR" altLang="en-US"/>
           </a:p>
@@ -3287,7 +3266,7 @@
           <a:p>
             <a:fld id="{14627BA5-89F0-4976-B806-5D98EF5704F2}" type="datetimeFigureOut">
               <a:rPr lang="ko-KR" altLang="en-US" smtClean="0"/>
-              <a:t>2021-09-15</a:t>
+              <a:t>2021-10-14</a:t>
             </a:fld>
             <a:endParaRPr lang="ko-KR" altLang="en-US"/>
           </a:p>
@@ -3706,10 +3685,10 @@
       </p:grpSpPr>
       <p:sp>
         <p:nvSpPr>
-          <p:cNvPr id="10" name="직사각형 9">
-            <a:extLst>
-              <a:ext uri="{FF2B5EF4-FFF2-40B4-BE49-F238E27FC236}">
-                <a16:creationId xmlns:a16="http://schemas.microsoft.com/office/drawing/2014/main" id="{CD4F1A03-997D-439B-86FB-52288FCDFA44}"/>
+          <p:cNvPr id="4" name="직사각형 3">
+            <a:extLst>
+              <a:ext uri="{FF2B5EF4-FFF2-40B4-BE49-F238E27FC236}">
+                <a16:creationId xmlns:a16="http://schemas.microsoft.com/office/drawing/2014/main" id="{BE8A1D6E-5113-44E5-8790-53EB8D9ACB80}"/>
               </a:ext>
             </a:extLst>
           </p:cNvPr>
@@ -3718,13 +3697,15 @@
         </p:nvSpPr>
         <p:spPr>
           <a:xfrm>
-            <a:off x="0" y="0"/>
-            <a:ext cx="12192000" cy="6858000"/>
+            <a:off x="0" y="1007533"/>
+            <a:ext cx="12192000" cy="4842933"/>
           </a:xfrm>
           <a:prstGeom prst="rect">
             <a:avLst/>
           </a:prstGeom>
-          <a:noFill/>
+          <a:solidFill>
+            <a:srgbClr val="262D3D"/>
+          </a:solidFill>
           <a:ln>
             <a:noFill/>
           </a:ln>
@@ -3750,252 +3731,138 @@
           <a:lstStyle/>
           <a:p>
             <a:pPr algn="ctr"/>
-            <a:endParaRPr lang="ko-KR" altLang="en-US"/>
+            <a:endParaRPr lang="ko-KR" altLang="en-US" dirty="0"/>
+          </a:p>
+        </p:txBody>
+      </p:sp>
+      <p:sp>
+        <p:nvSpPr>
+          <p:cNvPr id="5" name="TextBox 4">
+            <a:extLst>
+              <a:ext uri="{FF2B5EF4-FFF2-40B4-BE49-F238E27FC236}">
+                <a16:creationId xmlns:a16="http://schemas.microsoft.com/office/drawing/2014/main" id="{CC34C18F-9D37-45D3-B42A-4ADAFC994583}"/>
+              </a:ext>
+            </a:extLst>
+          </p:cNvPr>
+          <p:cNvSpPr txBox="1"/>
+          <p:nvPr/>
+        </p:nvSpPr>
+        <p:spPr>
+          <a:xfrm>
+            <a:off x="4961947" y="2644169"/>
+            <a:ext cx="3836307" cy="1569660"/>
+          </a:xfrm>
+          <a:prstGeom prst="rect">
+            <a:avLst/>
+          </a:prstGeom>
+          <a:noFill/>
+        </p:spPr>
+        <p:txBody>
+          <a:bodyPr wrap="none" rtlCol="0">
+            <a:spAutoFit/>
+          </a:bodyPr>
+          <a:lstStyle/>
+          <a:p>
+            <a:pPr algn="ctr"/>
+            <a:r>
+              <a:rPr lang="en-US" altLang="ko-KR" sz="9600" dirty="0">
+                <a:solidFill>
+                  <a:srgbClr val="0070C0"/>
+                </a:solidFill>
+                <a:effectLst>
+                  <a:outerShdw blurRad="38100" dist="38100" dir="2700000" algn="tl">
+                    <a:srgbClr val="000000">
+                      <a:alpha val="43137"/>
+                    </a:srgbClr>
+                  </a:outerShdw>
+                </a:effectLst>
+                <a:latin typeface="Bahnschrift Condensed" panose="020B0502040204020203" pitchFamily="34" charset="0"/>
+              </a:rPr>
+              <a:t>O</a:t>
+            </a:r>
+            <a:r>
+              <a:rPr lang="en-US" altLang="ko-KR" sz="9600" dirty="0">
+                <a:solidFill>
+                  <a:schemeClr val="bg1"/>
+                </a:solidFill>
+                <a:effectLst>
+                  <a:outerShdw blurRad="38100" dist="38100" dir="2700000" algn="tl">
+                    <a:srgbClr val="000000">
+                      <a:alpha val="43137"/>
+                    </a:srgbClr>
+                  </a:outerShdw>
+                </a:effectLst>
+                <a:latin typeface="Bahnschrift Condensed" panose="020B0502040204020203" pitchFamily="34" charset="0"/>
+              </a:rPr>
+              <a:t>Auth2.0</a:t>
+            </a:r>
+            <a:endParaRPr lang="ko-KR" altLang="en-US" sz="9600" dirty="0">
+              <a:solidFill>
+                <a:schemeClr val="bg1"/>
+              </a:solidFill>
+              <a:effectLst>
+                <a:outerShdw blurRad="38100" dist="38100" dir="2700000" algn="tl">
+                  <a:srgbClr val="000000">
+                    <a:alpha val="43137"/>
+                  </a:srgbClr>
+                </a:outerShdw>
+              </a:effectLst>
+              <a:latin typeface="Bahnschrift Condensed" panose="020B0502040204020203" pitchFamily="34" charset="0"/>
+            </a:endParaRPr>
           </a:p>
         </p:txBody>
       </p:sp>
       <p:pic>
         <p:nvPicPr>
-          <p:cNvPr id="3" name="그림 2">
-            <a:extLst>
-              <a:ext uri="{FF2B5EF4-FFF2-40B4-BE49-F238E27FC236}">
-                <a16:creationId xmlns:a16="http://schemas.microsoft.com/office/drawing/2014/main" id="{AE590248-60B9-4E5F-82D1-341608C488D3}"/>
+          <p:cNvPr id="1028" name="Picture 4" descr="OAuth - 위키백과, 우리 모두의 백과사전">
+            <a:extLst>
+              <a:ext uri="{FF2B5EF4-FFF2-40B4-BE49-F238E27FC236}">
+                <a16:creationId xmlns:a16="http://schemas.microsoft.com/office/drawing/2014/main" id="{BE669D82-B09B-41D0-8275-55515D0A2DCC}"/>
               </a:ext>
             </a:extLst>
           </p:cNvPr>
           <p:cNvPicPr>
-            <a:picLocks noChangeAspect="1"/>
+            <a:picLocks noChangeAspect="1" noChangeArrowheads="1"/>
           </p:cNvPicPr>
           <p:nvPr/>
         </p:nvPicPr>
         <p:blipFill>
-          <a:blip r:embed="rId3"/>
+          <a:blip r:embed="rId2">
+            <a:extLst>
+              <a:ext uri="{28A0092B-C50C-407E-A947-70E740481C1C}">
+                <a14:useLocalDpi xmlns:a14="http://schemas.microsoft.com/office/drawing/2010/main" val="0"/>
+              </a:ext>
+            </a:extLst>
+          </a:blip>
+          <a:srcRect/>
           <a:stretch>
             <a:fillRect/>
           </a:stretch>
         </p:blipFill>
-        <p:spPr>
-          <a:xfrm>
-            <a:off x="4090707" y="666364"/>
-            <a:ext cx="4010585" cy="5525271"/>
+        <p:spPr bwMode="auto">
+          <a:xfrm>
+            <a:off x="3397374" y="2644169"/>
+            <a:ext cx="1564573" cy="1569660"/>
           </a:xfrm>
           <a:prstGeom prst="rect">
             <a:avLst/>
           </a:prstGeom>
+          <a:noFill/>
+          <a:extLst>
+            <a:ext uri="{909E8E84-426E-40DD-AFC4-6F175D3DCCD1}">
+              <a14:hiddenFill xmlns:a14="http://schemas.microsoft.com/office/drawing/2010/main">
+                <a:solidFill>
+                  <a:srgbClr val="FFFFFF"/>
+                </a:solidFill>
+              </a14:hiddenFill>
+            </a:ext>
+          </a:extLst>
         </p:spPr>
       </p:pic>
-      <p:sp>
-        <p:nvSpPr>
-          <p:cNvPr id="4" name="직사각형 3">
-            <a:extLst>
-              <a:ext uri="{FF2B5EF4-FFF2-40B4-BE49-F238E27FC236}">
-                <a16:creationId xmlns:a16="http://schemas.microsoft.com/office/drawing/2014/main" id="{E228601A-09E9-47A9-A82E-1429DD1A8FE8}"/>
-              </a:ext>
-            </a:extLst>
-          </p:cNvPr>
-          <p:cNvSpPr/>
-          <p:nvPr/>
-        </p:nvSpPr>
-        <p:spPr>
-          <a:xfrm>
-            <a:off x="4620861" y="2119184"/>
-            <a:ext cx="1786117" cy="154459"/>
-          </a:xfrm>
-          <a:prstGeom prst="rect">
-            <a:avLst/>
-          </a:prstGeom>
-          <a:solidFill>
-            <a:srgbClr val="FFFFFF"/>
-          </a:solidFill>
-          <a:ln>
-            <a:noFill/>
-          </a:ln>
-        </p:spPr>
-        <p:style>
-          <a:lnRef idx="2">
-            <a:schemeClr val="accent1">
-              <a:shade val="50000"/>
-            </a:schemeClr>
-          </a:lnRef>
-          <a:fillRef idx="1">
-            <a:schemeClr val="accent1"/>
-          </a:fillRef>
-          <a:effectRef idx="0">
-            <a:schemeClr val="accent1"/>
-          </a:effectRef>
-          <a:fontRef idx="minor">
-            <a:schemeClr val="lt1"/>
-          </a:fontRef>
-        </p:style>
-        <p:txBody>
-          <a:bodyPr rtlCol="0" anchor="ctr"/>
-          <a:lstStyle/>
-          <a:p>
-            <a:pPr algn="ctr"/>
-            <a:endParaRPr lang="ko-KR" altLang="en-US"/>
-          </a:p>
-        </p:txBody>
-      </p:sp>
-      <p:sp>
-        <p:nvSpPr>
-          <p:cNvPr id="16" name="직사각형 15">
-            <a:extLst>
-              <a:ext uri="{FF2B5EF4-FFF2-40B4-BE49-F238E27FC236}">
-                <a16:creationId xmlns:a16="http://schemas.microsoft.com/office/drawing/2014/main" id="{48C81E0D-06A0-4605-8D94-F3055B4ADDD1}"/>
-              </a:ext>
-            </a:extLst>
-          </p:cNvPr>
-          <p:cNvSpPr/>
-          <p:nvPr/>
-        </p:nvSpPr>
-        <p:spPr>
-          <a:xfrm>
-            <a:off x="5309286" y="2299504"/>
-            <a:ext cx="1173892" cy="154459"/>
-          </a:xfrm>
-          <a:prstGeom prst="rect">
-            <a:avLst/>
-          </a:prstGeom>
-          <a:solidFill>
-            <a:srgbClr val="FFFFFF"/>
-          </a:solidFill>
-          <a:ln>
-            <a:noFill/>
-          </a:ln>
-        </p:spPr>
-        <p:style>
-          <a:lnRef idx="2">
-            <a:schemeClr val="accent1">
-              <a:shade val="50000"/>
-            </a:schemeClr>
-          </a:lnRef>
-          <a:fillRef idx="1">
-            <a:schemeClr val="accent1"/>
-          </a:fillRef>
-          <a:effectRef idx="0">
-            <a:schemeClr val="accent1"/>
-          </a:effectRef>
-          <a:fontRef idx="minor">
-            <a:schemeClr val="lt1"/>
-          </a:fontRef>
-        </p:style>
-        <p:txBody>
-          <a:bodyPr rtlCol="0" anchor="ctr"/>
-          <a:lstStyle/>
-          <a:p>
-            <a:pPr algn="ctr"/>
-            <a:endParaRPr lang="ko-KR" altLang="en-US"/>
-          </a:p>
-        </p:txBody>
-      </p:sp>
-      <p:sp>
-        <p:nvSpPr>
-          <p:cNvPr id="17" name="직사각형 16">
-            <a:extLst>
-              <a:ext uri="{FF2B5EF4-FFF2-40B4-BE49-F238E27FC236}">
-                <a16:creationId xmlns:a16="http://schemas.microsoft.com/office/drawing/2014/main" id="{4C50A3C0-B5E9-4D3F-BFFA-D6F3EA3098CF}"/>
-              </a:ext>
-            </a:extLst>
-          </p:cNvPr>
-          <p:cNvSpPr/>
-          <p:nvPr/>
-        </p:nvSpPr>
-        <p:spPr>
-          <a:xfrm>
-            <a:off x="4847433" y="2475625"/>
-            <a:ext cx="1173892" cy="154459"/>
-          </a:xfrm>
-          <a:prstGeom prst="rect">
-            <a:avLst/>
-          </a:prstGeom>
-          <a:solidFill>
-            <a:srgbClr val="FFFFFF"/>
-          </a:solidFill>
-          <a:ln>
-            <a:noFill/>
-          </a:ln>
-        </p:spPr>
-        <p:style>
-          <a:lnRef idx="2">
-            <a:schemeClr val="accent1">
-              <a:shade val="50000"/>
-            </a:schemeClr>
-          </a:lnRef>
-          <a:fillRef idx="1">
-            <a:schemeClr val="accent1"/>
-          </a:fillRef>
-          <a:effectRef idx="0">
-            <a:schemeClr val="accent1"/>
-          </a:effectRef>
-          <a:fontRef idx="minor">
-            <a:schemeClr val="lt1"/>
-          </a:fontRef>
-        </p:style>
-        <p:txBody>
-          <a:bodyPr rtlCol="0" anchor="ctr"/>
-          <a:lstStyle/>
-          <a:p>
-            <a:pPr algn="ctr"/>
-            <a:endParaRPr lang="ko-KR" altLang="en-US"/>
-          </a:p>
-        </p:txBody>
-      </p:sp>
-      <p:sp>
-        <p:nvSpPr>
-          <p:cNvPr id="19" name="직사각형 18">
-            <a:extLst>
-              <a:ext uri="{FF2B5EF4-FFF2-40B4-BE49-F238E27FC236}">
-                <a16:creationId xmlns:a16="http://schemas.microsoft.com/office/drawing/2014/main" id="{1682E04A-E2EB-4F06-ACD0-3EDEF65F26A0}"/>
-              </a:ext>
-            </a:extLst>
-          </p:cNvPr>
-          <p:cNvSpPr/>
-          <p:nvPr/>
-        </p:nvSpPr>
-        <p:spPr>
-          <a:xfrm>
-            <a:off x="5413439" y="1375589"/>
-            <a:ext cx="1062759" cy="154459"/>
-          </a:xfrm>
-          <a:prstGeom prst="rect">
-            <a:avLst/>
-          </a:prstGeom>
-          <a:solidFill>
-            <a:srgbClr val="FFFFFF"/>
-          </a:solidFill>
-          <a:ln>
-            <a:noFill/>
-          </a:ln>
-        </p:spPr>
-        <p:style>
-          <a:lnRef idx="2">
-            <a:schemeClr val="accent1">
-              <a:shade val="50000"/>
-            </a:schemeClr>
-          </a:lnRef>
-          <a:fillRef idx="1">
-            <a:schemeClr val="accent1"/>
-          </a:fillRef>
-          <a:effectRef idx="0">
-            <a:schemeClr val="accent1"/>
-          </a:effectRef>
-          <a:fontRef idx="minor">
-            <a:schemeClr val="lt1"/>
-          </a:fontRef>
-        </p:style>
-        <p:txBody>
-          <a:bodyPr rtlCol="0" anchor="ctr"/>
-          <a:lstStyle/>
-          <a:p>
-            <a:pPr algn="ctr"/>
-            <a:endParaRPr lang="ko-KR" altLang="en-US"/>
-          </a:p>
-        </p:txBody>
-      </p:sp>
     </p:spTree>
     <p:extLst>
       <p:ext uri="{BB962C8B-B14F-4D97-AF65-F5344CB8AC3E}">
-        <p14:creationId xmlns:p14="http://schemas.microsoft.com/office/powerpoint/2010/main" val="3354590982"/>
+        <p14:creationId xmlns:p14="http://schemas.microsoft.com/office/powerpoint/2010/main" val="2667994714"/>
       </p:ext>
     </p:extLst>
   </p:cSld>
@@ -4024,40 +3891,87 @@
       </p:grpSpPr>
       <p:pic>
         <p:nvPicPr>
-          <p:cNvPr id="5" name="그림 4">
-            <a:extLst>
-              <a:ext uri="{FF2B5EF4-FFF2-40B4-BE49-F238E27FC236}">
-                <a16:creationId xmlns:a16="http://schemas.microsoft.com/office/drawing/2014/main" id="{4E19F076-C33F-418C-BB5F-C1C785AC7E90}"/>
+          <p:cNvPr id="2050" name="Picture 2" descr="OAuth - 위키백과, 우리 모두의 백과사전">
+            <a:extLst>
+              <a:ext uri="{FF2B5EF4-FFF2-40B4-BE49-F238E27FC236}">
+                <a16:creationId xmlns:a16="http://schemas.microsoft.com/office/drawing/2014/main" id="{05420C2F-4F23-4987-B188-89D78CEB9B01}"/>
               </a:ext>
             </a:extLst>
           </p:cNvPr>
           <p:cNvPicPr>
-            <a:picLocks noChangeAspect="1"/>
+            <a:picLocks noChangeAspect="1" noChangeArrowheads="1"/>
           </p:cNvPicPr>
           <p:nvPr/>
         </p:nvPicPr>
         <p:blipFill>
-          <a:blip r:embed="rId2"/>
+          <a:blip r:embed="rId2">
+            <a:extLst>
+              <a:ext uri="{28A0092B-C50C-407E-A947-70E740481C1C}">
+                <a14:useLocalDpi xmlns:a14="http://schemas.microsoft.com/office/drawing/2010/main" val="0"/>
+              </a:ext>
+            </a:extLst>
+          </a:blip>
+          <a:srcRect/>
           <a:stretch>
             <a:fillRect/>
           </a:stretch>
         </p:blipFill>
-        <p:spPr>
-          <a:xfrm>
-            <a:off x="1832967" y="594917"/>
-            <a:ext cx="8526065" cy="5668166"/>
+        <p:spPr bwMode="auto">
+          <a:xfrm>
+            <a:off x="4823786" y="2152650"/>
+            <a:ext cx="2544427" cy="2552700"/>
           </a:xfrm>
           <a:prstGeom prst="rect">
             <a:avLst/>
           </a:prstGeom>
+          <a:noFill/>
+          <a:extLst>
+            <a:ext uri="{909E8E84-426E-40DD-AFC4-6F175D3DCCD1}">
+              <a14:hiddenFill xmlns:a14="http://schemas.microsoft.com/office/drawing/2010/main">
+                <a:solidFill>
+                  <a:srgbClr val="FFFFFF"/>
+                </a:solidFill>
+              </a14:hiddenFill>
+            </a:ext>
+          </a:extLst>
         </p:spPr>
       </p:pic>
-      <p:sp>
-        <p:nvSpPr>
-          <p:cNvPr id="6" name="직사각형 5">
-            <a:extLst>
-              <a:ext uri="{FF2B5EF4-FFF2-40B4-BE49-F238E27FC236}">
-                <a16:creationId xmlns:a16="http://schemas.microsoft.com/office/drawing/2014/main" id="{40227084-3E3C-4B13-8CBB-3FFCD7F0CFB9}"/>
+    </p:spTree>
+    <p:extLst>
+      <p:ext uri="{BB962C8B-B14F-4D97-AF65-F5344CB8AC3E}">
+        <p14:creationId xmlns:p14="http://schemas.microsoft.com/office/powerpoint/2010/main" val="3969227721"/>
+      </p:ext>
+    </p:extLst>
+  </p:cSld>
+  <p:clrMapOvr>
+    <a:masterClrMapping/>
+  </p:clrMapOvr>
+</p:sld>
+</file>
+
+<file path=ppt/slides/slide3.xml><?xml version="1.0" encoding="utf-8"?>
+<p:sld xmlns:a="http://schemas.openxmlformats.org/drawingml/2006/main" xmlns:r="http://schemas.openxmlformats.org/officeDocument/2006/relationships" xmlns:p="http://schemas.openxmlformats.org/presentationml/2006/main">
+  <p:cSld>
+    <p:spTree>
+      <p:nvGrpSpPr>
+        <p:cNvPr id="1" name=""/>
+        <p:cNvGrpSpPr/>
+        <p:nvPr/>
+      </p:nvGrpSpPr>
+      <p:grpSpPr>
+        <a:xfrm>
+          <a:off x="0" y="0"/>
+          <a:ext cx="0" cy="0"/>
+          <a:chOff x="0" y="0"/>
+          <a:chExt cx="0" cy="0"/>
+        </a:xfrm>
+      </p:grpSpPr>
+      <p:sp>
+        <p:nvSpPr>
+          <p:cNvPr id="3" name="직사각형 2">
+            <a:extLst>
+              <a:ext uri="{FF2B5EF4-FFF2-40B4-BE49-F238E27FC236}">
+                <a16:creationId xmlns:a16="http://schemas.microsoft.com/office/drawing/2014/main" id="{AE2D6E9A-C8D3-4F57-95FE-317AFE2BC2A9}"/>
               </a:ext>
             </a:extLst>
           </p:cNvPr>
@@ -4066,14 +3980,14 @@
         </p:nvSpPr>
         <p:spPr>
           <a:xfrm>
-            <a:off x="3089049" y="1159204"/>
-            <a:ext cx="1062759" cy="154459"/>
+            <a:off x="-1485905" y="0"/>
+            <a:ext cx="15182053" cy="6858000"/>
           </a:xfrm>
           <a:prstGeom prst="rect">
             <a:avLst/>
           </a:prstGeom>
           <a:solidFill>
-            <a:srgbClr val="FFFFFF"/>
+            <a:schemeClr val="bg1"/>
           </a:solidFill>
           <a:ln>
             <a:noFill/>
@@ -4106,10 +4020,10 @@
       </p:sp>
       <p:sp>
         <p:nvSpPr>
-          <p:cNvPr id="7" name="직사각형 6">
-            <a:extLst>
-              <a:ext uri="{FF2B5EF4-FFF2-40B4-BE49-F238E27FC236}">
-                <a16:creationId xmlns:a16="http://schemas.microsoft.com/office/drawing/2014/main" id="{51587E01-A7AF-4523-9028-D20BDBE704B0}"/>
+          <p:cNvPr id="54" name="직사각형 53">
+            <a:extLst>
+              <a:ext uri="{FF2B5EF4-FFF2-40B4-BE49-F238E27FC236}">
+                <a16:creationId xmlns:a16="http://schemas.microsoft.com/office/drawing/2014/main" id="{42310676-96F4-4E9E-9412-5E4A01E66CC7}"/>
               </a:ext>
             </a:extLst>
           </p:cNvPr>
@@ -4118,14 +4032,17 @@
         </p:nvSpPr>
         <p:spPr>
           <a:xfrm>
-            <a:off x="2861863" y="1423287"/>
-            <a:ext cx="1863700" cy="154459"/>
+            <a:off x="1553375" y="0"/>
+            <a:ext cx="6085667" cy="6858000"/>
           </a:xfrm>
           <a:prstGeom prst="rect">
             <a:avLst/>
           </a:prstGeom>
           <a:solidFill>
-            <a:srgbClr val="FFFFFF"/>
+            <a:schemeClr val="accent5">
+              <a:lumMod val="20000"/>
+              <a:lumOff val="80000"/>
+            </a:schemeClr>
           </a:solidFill>
           <a:ln>
             <a:noFill/>
@@ -4158,10 +4075,10 @@
       </p:sp>
       <p:sp>
         <p:nvSpPr>
-          <p:cNvPr id="8" name="직사각형 7">
-            <a:extLst>
-              <a:ext uri="{FF2B5EF4-FFF2-40B4-BE49-F238E27FC236}">
-                <a16:creationId xmlns:a16="http://schemas.microsoft.com/office/drawing/2014/main" id="{53011821-1D74-438F-B9FB-EE87399673A6}"/>
+          <p:cNvPr id="66" name="직사각형 65">
+            <a:extLst>
+              <a:ext uri="{FF2B5EF4-FFF2-40B4-BE49-F238E27FC236}">
+                <a16:creationId xmlns:a16="http://schemas.microsoft.com/office/drawing/2014/main" id="{77EE17BB-8629-4DCE-8F30-3875FAE7E12F}"/>
               </a:ext>
             </a:extLst>
           </p:cNvPr>
@@ -4170,14 +4087,17 @@
         </p:nvSpPr>
         <p:spPr>
           <a:xfrm>
-            <a:off x="3198405" y="2790234"/>
-            <a:ext cx="1156046" cy="154459"/>
+            <a:off x="7639043" y="0"/>
+            <a:ext cx="6057106" cy="6858000"/>
           </a:xfrm>
           <a:prstGeom prst="rect">
             <a:avLst/>
           </a:prstGeom>
           <a:solidFill>
-            <a:srgbClr val="FFFFFF"/>
+            <a:schemeClr val="accent6">
+              <a:lumMod val="20000"/>
+              <a:lumOff val="80000"/>
+            </a:schemeClr>
           </a:solidFill>
           <a:ln>
             <a:noFill/>
@@ -4210,10 +4130,10 @@
       </p:sp>
       <p:sp>
         <p:nvSpPr>
-          <p:cNvPr id="9" name="직사각형 8">
-            <a:extLst>
-              <a:ext uri="{FF2B5EF4-FFF2-40B4-BE49-F238E27FC236}">
-                <a16:creationId xmlns:a16="http://schemas.microsoft.com/office/drawing/2014/main" id="{BA30FDF9-FFA4-44F9-8A9F-16A82A63F41B}"/>
+          <p:cNvPr id="2" name="직사각형 1">
+            <a:extLst>
+              <a:ext uri="{FF2B5EF4-FFF2-40B4-BE49-F238E27FC236}">
+                <a16:creationId xmlns:a16="http://schemas.microsoft.com/office/drawing/2014/main" id="{442D5DB4-3CBC-44B9-B9E9-2DC6F47FD7D1}"/>
               </a:ext>
             </a:extLst>
           </p:cNvPr>
@@ -4222,17 +4142,19 @@
         </p:nvSpPr>
         <p:spPr>
           <a:xfrm>
-            <a:off x="3678872" y="3165357"/>
-            <a:ext cx="1156046" cy="154459"/>
+            <a:off x="2309812" y="457194"/>
+            <a:ext cx="1495425" cy="714375"/>
           </a:xfrm>
           <a:prstGeom prst="rect">
             <a:avLst/>
           </a:prstGeom>
           <a:solidFill>
-            <a:srgbClr val="FFFFFF"/>
+            <a:schemeClr val="bg1"/>
           </a:solidFill>
-          <a:ln>
-            <a:noFill/>
+          <a:ln w="15875">
+            <a:solidFill>
+              <a:schemeClr val="tx1"/>
+            </a:solidFill>
           </a:ln>
         </p:spPr>
         <p:style>
@@ -4256,16 +4178,45 @@
           <a:lstStyle/>
           <a:p>
             <a:pPr algn="ctr"/>
-            <a:endParaRPr lang="ko-KR" altLang="en-US"/>
-          </a:p>
-        </p:txBody>
-      </p:sp>
-      <p:sp>
-        <p:nvSpPr>
-          <p:cNvPr id="10" name="직사각형 9">
-            <a:extLst>
-              <a:ext uri="{FF2B5EF4-FFF2-40B4-BE49-F238E27FC236}">
-                <a16:creationId xmlns:a16="http://schemas.microsoft.com/office/drawing/2014/main" id="{86A16A3A-7E2C-45CA-9261-ACB37B44FBFC}"/>
+            <a:r>
+              <a:rPr lang="en-US" altLang="ko-KR" sz="1200" dirty="0">
+                <a:solidFill>
+                  <a:schemeClr val="tx1"/>
+                </a:solidFill>
+                <a:latin typeface="AppleSDGothicNeoM00" panose="02000503000000000000" pitchFamily="2" charset="-127"/>
+                <a:ea typeface="AppleSDGothicNeoM00" panose="02000503000000000000" pitchFamily="2" charset="-127"/>
+              </a:rPr>
+              <a:t>Consumer</a:t>
+            </a:r>
+          </a:p>
+          <a:p>
+            <a:pPr algn="ctr"/>
+            <a:r>
+              <a:rPr lang="en-US" altLang="ko-KR" sz="1200" dirty="0">
+                <a:solidFill>
+                  <a:schemeClr val="tx1"/>
+                </a:solidFill>
+                <a:latin typeface="AppleSDGothicNeoM00" panose="02000503000000000000" pitchFamily="2" charset="-127"/>
+                <a:ea typeface="AppleSDGothicNeoM00" panose="02000503000000000000" pitchFamily="2" charset="-127"/>
+              </a:rPr>
+              <a:t>Frontend</a:t>
+            </a:r>
+            <a:endParaRPr lang="ko-KR" altLang="en-US" sz="1200" dirty="0">
+              <a:solidFill>
+                <a:schemeClr val="tx1"/>
+              </a:solidFill>
+              <a:latin typeface="AppleSDGothicNeoM00" panose="02000503000000000000" pitchFamily="2" charset="-127"/>
+              <a:ea typeface="AppleSDGothicNeoM00" panose="02000503000000000000" pitchFamily="2" charset="-127"/>
+            </a:endParaRPr>
+          </a:p>
+        </p:txBody>
+      </p:sp>
+      <p:sp>
+        <p:nvSpPr>
+          <p:cNvPr id="4" name="직사각형 3">
+            <a:extLst>
+              <a:ext uri="{FF2B5EF4-FFF2-40B4-BE49-F238E27FC236}">
+                <a16:creationId xmlns:a16="http://schemas.microsoft.com/office/drawing/2014/main" id="{85BEECA2-8081-480C-B44D-A03CA23E359A}"/>
               </a:ext>
             </a:extLst>
           </p:cNvPr>
@@ -4274,17 +4225,19 @@
         </p:nvSpPr>
         <p:spPr>
           <a:xfrm>
-            <a:off x="2980526" y="3351770"/>
-            <a:ext cx="1767030" cy="186415"/>
+            <a:off x="5348287" y="457195"/>
+            <a:ext cx="1495425" cy="714375"/>
           </a:xfrm>
           <a:prstGeom prst="rect">
             <a:avLst/>
           </a:prstGeom>
           <a:solidFill>
-            <a:srgbClr val="FFFFFF"/>
+            <a:schemeClr val="bg1"/>
           </a:solidFill>
-          <a:ln>
-            <a:noFill/>
+          <a:ln w="15875">
+            <a:solidFill>
+              <a:schemeClr val="tx1"/>
+            </a:solidFill>
           </a:ln>
         </p:spPr>
         <p:style>
@@ -4308,16 +4261,45 @@
           <a:lstStyle/>
           <a:p>
             <a:pPr algn="ctr"/>
-            <a:endParaRPr lang="ko-KR" altLang="en-US"/>
-          </a:p>
-        </p:txBody>
-      </p:sp>
-      <p:sp>
-        <p:nvSpPr>
-          <p:cNvPr id="11" name="직사각형 10">
-            <a:extLst>
-              <a:ext uri="{FF2B5EF4-FFF2-40B4-BE49-F238E27FC236}">
-                <a16:creationId xmlns:a16="http://schemas.microsoft.com/office/drawing/2014/main" id="{7481B3F9-D0A6-4C30-A980-0D40767256DD}"/>
+            <a:r>
+              <a:rPr lang="en-US" altLang="ko-KR" sz="1200" dirty="0">
+                <a:solidFill>
+                  <a:schemeClr val="tx1"/>
+                </a:solidFill>
+                <a:latin typeface="AppleSDGothicNeoM00" panose="02000503000000000000" pitchFamily="2" charset="-127"/>
+                <a:ea typeface="AppleSDGothicNeoM00" panose="02000503000000000000" pitchFamily="2" charset="-127"/>
+              </a:rPr>
+              <a:t>Consumer</a:t>
+            </a:r>
+          </a:p>
+          <a:p>
+            <a:pPr algn="ctr"/>
+            <a:r>
+              <a:rPr lang="en-US" altLang="ko-KR" sz="1200" dirty="0">
+                <a:solidFill>
+                  <a:schemeClr val="tx1"/>
+                </a:solidFill>
+                <a:latin typeface="AppleSDGothicNeoM00" panose="02000503000000000000" pitchFamily="2" charset="-127"/>
+                <a:ea typeface="AppleSDGothicNeoM00" panose="02000503000000000000" pitchFamily="2" charset="-127"/>
+              </a:rPr>
+              <a:t>Backend</a:t>
+            </a:r>
+            <a:endParaRPr lang="ko-KR" altLang="en-US" sz="1200" dirty="0">
+              <a:solidFill>
+                <a:schemeClr val="tx1"/>
+              </a:solidFill>
+              <a:latin typeface="AppleSDGothicNeoM00" panose="02000503000000000000" pitchFamily="2" charset="-127"/>
+              <a:ea typeface="AppleSDGothicNeoM00" panose="02000503000000000000" pitchFamily="2" charset="-127"/>
+            </a:endParaRPr>
+          </a:p>
+        </p:txBody>
+      </p:sp>
+      <p:sp>
+        <p:nvSpPr>
+          <p:cNvPr id="5" name="직사각형 4">
+            <a:extLst>
+              <a:ext uri="{FF2B5EF4-FFF2-40B4-BE49-F238E27FC236}">
+                <a16:creationId xmlns:a16="http://schemas.microsoft.com/office/drawing/2014/main" id="{B198BC91-B78F-4041-8DB9-63DB9231F9DD}"/>
               </a:ext>
             </a:extLst>
           </p:cNvPr>
@@ -4326,17 +4308,19 @@
         </p:nvSpPr>
         <p:spPr>
           <a:xfrm>
-            <a:off x="7524937" y="2790233"/>
-            <a:ext cx="579020" cy="715996"/>
+            <a:off x="-728663" y="457194"/>
+            <a:ext cx="1495425" cy="714375"/>
           </a:xfrm>
           <a:prstGeom prst="rect">
             <a:avLst/>
           </a:prstGeom>
           <a:solidFill>
-            <a:srgbClr val="FFFFFF"/>
+            <a:schemeClr val="bg1"/>
           </a:solidFill>
-          <a:ln>
-            <a:noFill/>
+          <a:ln w="15875">
+            <a:solidFill>
+              <a:schemeClr val="tx1"/>
+            </a:solidFill>
           </a:ln>
         </p:spPr>
         <p:style>
@@ -4360,14 +4344,5473 @@
           <a:lstStyle/>
           <a:p>
             <a:pPr algn="ctr"/>
+            <a:r>
+              <a:rPr lang="en-US" altLang="ko-KR" sz="1200" dirty="0">
+                <a:solidFill>
+                  <a:schemeClr val="tx1"/>
+                </a:solidFill>
+                <a:latin typeface="AppleSDGothicNeoM00" panose="02000503000000000000" pitchFamily="2" charset="-127"/>
+                <a:ea typeface="AppleSDGothicNeoM00" panose="02000503000000000000" pitchFamily="2" charset="-127"/>
+              </a:rPr>
+              <a:t>User</a:t>
+            </a:r>
+            <a:endParaRPr lang="ko-KR" altLang="en-US" sz="1200" dirty="0">
+              <a:solidFill>
+                <a:schemeClr val="tx1"/>
+              </a:solidFill>
+              <a:latin typeface="AppleSDGothicNeoM00" panose="02000503000000000000" pitchFamily="2" charset="-127"/>
+              <a:ea typeface="AppleSDGothicNeoM00" panose="02000503000000000000" pitchFamily="2" charset="-127"/>
+            </a:endParaRPr>
+          </a:p>
+        </p:txBody>
+      </p:sp>
+      <p:sp>
+        <p:nvSpPr>
+          <p:cNvPr id="6" name="직사각형 5">
+            <a:extLst>
+              <a:ext uri="{FF2B5EF4-FFF2-40B4-BE49-F238E27FC236}">
+                <a16:creationId xmlns:a16="http://schemas.microsoft.com/office/drawing/2014/main" id="{524AEE3A-B5F9-40F6-B4E2-722CD76C47EA}"/>
+              </a:ext>
+            </a:extLst>
+          </p:cNvPr>
+          <p:cNvSpPr/>
+          <p:nvPr/>
+        </p:nvSpPr>
+        <p:spPr>
+          <a:xfrm>
+            <a:off x="8386758" y="457193"/>
+            <a:ext cx="1495425" cy="714375"/>
+          </a:xfrm>
+          <a:prstGeom prst="rect">
+            <a:avLst/>
+          </a:prstGeom>
+          <a:solidFill>
+            <a:schemeClr val="bg1"/>
+          </a:solidFill>
+          <a:ln w="15875">
+            <a:solidFill>
+              <a:schemeClr val="tx1"/>
+            </a:solidFill>
+          </a:ln>
+        </p:spPr>
+        <p:style>
+          <a:lnRef idx="2">
+            <a:schemeClr val="accent1">
+              <a:shade val="50000"/>
+            </a:schemeClr>
+          </a:lnRef>
+          <a:fillRef idx="1">
+            <a:schemeClr val="accent1"/>
+          </a:fillRef>
+          <a:effectRef idx="0">
+            <a:schemeClr val="accent1"/>
+          </a:effectRef>
+          <a:fontRef idx="minor">
+            <a:schemeClr val="lt1"/>
+          </a:fontRef>
+        </p:style>
+        <p:txBody>
+          <a:bodyPr rtlCol="0" anchor="ctr"/>
+          <a:lstStyle/>
+          <a:p>
+            <a:pPr algn="ctr"/>
+            <a:r>
+              <a:rPr lang="en-US" altLang="ko-KR" sz="1200" dirty="0">
+                <a:solidFill>
+                  <a:schemeClr val="tx1"/>
+                </a:solidFill>
+                <a:latin typeface="AppleSDGothicNeoM00" panose="02000503000000000000" pitchFamily="2" charset="-127"/>
+                <a:ea typeface="AppleSDGothicNeoM00" panose="02000503000000000000" pitchFamily="2" charset="-127"/>
+              </a:rPr>
+              <a:t>Service Provider</a:t>
+            </a:r>
+          </a:p>
+          <a:p>
+            <a:pPr algn="ctr"/>
+            <a:r>
+              <a:rPr lang="en-US" altLang="ko-KR" sz="1200" dirty="0">
+                <a:solidFill>
+                  <a:schemeClr val="tx1"/>
+                </a:solidFill>
+                <a:latin typeface="AppleSDGothicNeoM00" panose="02000503000000000000" pitchFamily="2" charset="-127"/>
+                <a:ea typeface="AppleSDGothicNeoM00" panose="02000503000000000000" pitchFamily="2" charset="-127"/>
+              </a:rPr>
+              <a:t>Authentication</a:t>
+            </a:r>
+            <a:endParaRPr lang="ko-KR" altLang="en-US" sz="1200" dirty="0">
+              <a:solidFill>
+                <a:schemeClr val="tx1"/>
+              </a:solidFill>
+              <a:latin typeface="AppleSDGothicNeoM00" panose="02000503000000000000" pitchFamily="2" charset="-127"/>
+              <a:ea typeface="AppleSDGothicNeoM00" panose="02000503000000000000" pitchFamily="2" charset="-127"/>
+            </a:endParaRPr>
+          </a:p>
+        </p:txBody>
+      </p:sp>
+      <p:sp>
+        <p:nvSpPr>
+          <p:cNvPr id="7" name="직사각형 6">
+            <a:extLst>
+              <a:ext uri="{FF2B5EF4-FFF2-40B4-BE49-F238E27FC236}">
+                <a16:creationId xmlns:a16="http://schemas.microsoft.com/office/drawing/2014/main" id="{3765916A-3F73-4BBC-9184-C73147D1FDBE}"/>
+              </a:ext>
+            </a:extLst>
+          </p:cNvPr>
+          <p:cNvSpPr/>
+          <p:nvPr/>
+        </p:nvSpPr>
+        <p:spPr>
+          <a:xfrm>
+            <a:off x="11425237" y="457193"/>
+            <a:ext cx="1495425" cy="714375"/>
+          </a:xfrm>
+          <a:prstGeom prst="rect">
+            <a:avLst/>
+          </a:prstGeom>
+          <a:solidFill>
+            <a:schemeClr val="bg1"/>
+          </a:solidFill>
+          <a:ln w="15875">
+            <a:solidFill>
+              <a:schemeClr val="tx1"/>
+            </a:solidFill>
+          </a:ln>
+        </p:spPr>
+        <p:style>
+          <a:lnRef idx="2">
+            <a:schemeClr val="accent1">
+              <a:shade val="50000"/>
+            </a:schemeClr>
+          </a:lnRef>
+          <a:fillRef idx="1">
+            <a:schemeClr val="accent1"/>
+          </a:fillRef>
+          <a:effectRef idx="0">
+            <a:schemeClr val="accent1"/>
+          </a:effectRef>
+          <a:fontRef idx="minor">
+            <a:schemeClr val="lt1"/>
+          </a:fontRef>
+        </p:style>
+        <p:txBody>
+          <a:bodyPr rtlCol="0" anchor="ctr"/>
+          <a:lstStyle/>
+          <a:p>
+            <a:pPr algn="ctr"/>
+            <a:r>
+              <a:rPr lang="en-US" altLang="ko-KR" sz="1200" dirty="0">
+                <a:solidFill>
+                  <a:schemeClr val="tx1"/>
+                </a:solidFill>
+                <a:latin typeface="AppleSDGothicNeoM00" panose="02000503000000000000" pitchFamily="2" charset="-127"/>
+                <a:ea typeface="AppleSDGothicNeoM00" panose="02000503000000000000" pitchFamily="2" charset="-127"/>
+              </a:rPr>
+              <a:t>Service Provider</a:t>
+            </a:r>
+          </a:p>
+          <a:p>
+            <a:pPr algn="ctr"/>
+            <a:r>
+              <a:rPr lang="en-US" altLang="ko-KR" sz="1200" dirty="0">
+                <a:solidFill>
+                  <a:schemeClr val="tx1"/>
+                </a:solidFill>
+                <a:latin typeface="AppleSDGothicNeoM00" panose="02000503000000000000" pitchFamily="2" charset="-127"/>
+                <a:ea typeface="AppleSDGothicNeoM00" panose="02000503000000000000" pitchFamily="2" charset="-127"/>
+              </a:rPr>
+              <a:t>Resource</a:t>
+            </a:r>
+            <a:endParaRPr lang="ko-KR" altLang="en-US" sz="1200" dirty="0">
+              <a:solidFill>
+                <a:schemeClr val="tx1"/>
+              </a:solidFill>
+              <a:latin typeface="AppleSDGothicNeoM00" panose="02000503000000000000" pitchFamily="2" charset="-127"/>
+              <a:ea typeface="AppleSDGothicNeoM00" panose="02000503000000000000" pitchFamily="2" charset="-127"/>
+            </a:endParaRPr>
+          </a:p>
+        </p:txBody>
+      </p:sp>
+      <p:cxnSp>
+        <p:nvCxnSpPr>
+          <p:cNvPr id="9" name="직선 연결선 8">
+            <a:extLst>
+              <a:ext uri="{FF2B5EF4-FFF2-40B4-BE49-F238E27FC236}">
+                <a16:creationId xmlns:a16="http://schemas.microsoft.com/office/drawing/2014/main" id="{94DDD840-7F6A-4F35-A8D7-B802B5E56567}"/>
+              </a:ext>
+            </a:extLst>
+          </p:cNvPr>
+          <p:cNvCxnSpPr>
+            <a:stCxn id="5" idx="2"/>
+          </p:cNvCxnSpPr>
+          <p:nvPr/>
+        </p:nvCxnSpPr>
+        <p:spPr>
+          <a:xfrm flipH="1">
+            <a:off x="0" y="1171569"/>
+            <a:ext cx="19050" cy="5229237"/>
+          </a:xfrm>
+          <a:prstGeom prst="line">
+            <a:avLst/>
+          </a:prstGeom>
+          <a:ln w="12700">
+            <a:solidFill>
+              <a:schemeClr val="tx1"/>
+            </a:solidFill>
+            <a:prstDash val="dash"/>
+          </a:ln>
+        </p:spPr>
+        <p:style>
+          <a:lnRef idx="1">
+            <a:schemeClr val="accent1"/>
+          </a:lnRef>
+          <a:fillRef idx="0">
+            <a:schemeClr val="accent1"/>
+          </a:fillRef>
+          <a:effectRef idx="0">
+            <a:schemeClr val="accent1"/>
+          </a:effectRef>
+          <a:fontRef idx="minor">
+            <a:schemeClr val="tx1"/>
+          </a:fontRef>
+        </p:style>
+      </p:cxnSp>
+      <p:cxnSp>
+        <p:nvCxnSpPr>
+          <p:cNvPr id="17" name="직선 연결선 16">
+            <a:extLst>
+              <a:ext uri="{FF2B5EF4-FFF2-40B4-BE49-F238E27FC236}">
+                <a16:creationId xmlns:a16="http://schemas.microsoft.com/office/drawing/2014/main" id="{06B8ADE0-DC9B-446C-85C6-8BBB2614C209}"/>
+              </a:ext>
+            </a:extLst>
+          </p:cNvPr>
+          <p:cNvCxnSpPr>
+            <a:stCxn id="2" idx="2"/>
+          </p:cNvCxnSpPr>
+          <p:nvPr/>
+        </p:nvCxnSpPr>
+        <p:spPr>
+          <a:xfrm flipH="1">
+            <a:off x="3057524" y="1171569"/>
+            <a:ext cx="1" cy="5229237"/>
+          </a:xfrm>
+          <a:prstGeom prst="line">
+            <a:avLst/>
+          </a:prstGeom>
+          <a:ln w="12700">
+            <a:solidFill>
+              <a:schemeClr val="tx1"/>
+            </a:solidFill>
+            <a:prstDash val="dash"/>
+          </a:ln>
+        </p:spPr>
+        <p:style>
+          <a:lnRef idx="1">
+            <a:schemeClr val="accent1"/>
+          </a:lnRef>
+          <a:fillRef idx="0">
+            <a:schemeClr val="accent1"/>
+          </a:fillRef>
+          <a:effectRef idx="0">
+            <a:schemeClr val="accent1"/>
+          </a:effectRef>
+          <a:fontRef idx="minor">
+            <a:schemeClr val="tx1"/>
+          </a:fontRef>
+        </p:style>
+      </p:cxnSp>
+      <p:cxnSp>
+        <p:nvCxnSpPr>
+          <p:cNvPr id="22" name="직선 연결선 21">
+            <a:extLst>
+              <a:ext uri="{FF2B5EF4-FFF2-40B4-BE49-F238E27FC236}">
+                <a16:creationId xmlns:a16="http://schemas.microsoft.com/office/drawing/2014/main" id="{24CA9725-99D5-4056-9E23-322DDA6A0AC7}"/>
+              </a:ext>
+            </a:extLst>
+          </p:cNvPr>
+          <p:cNvCxnSpPr>
+            <a:cxnSpLocks/>
+            <a:stCxn id="4" idx="2"/>
+          </p:cNvCxnSpPr>
+          <p:nvPr/>
+        </p:nvCxnSpPr>
+        <p:spPr>
+          <a:xfrm>
+            <a:off x="6096000" y="1171570"/>
+            <a:ext cx="0" cy="5229235"/>
+          </a:xfrm>
+          <a:prstGeom prst="line">
+            <a:avLst/>
+          </a:prstGeom>
+          <a:ln w="12700">
+            <a:solidFill>
+              <a:schemeClr val="tx1"/>
+            </a:solidFill>
+            <a:prstDash val="dash"/>
+          </a:ln>
+        </p:spPr>
+        <p:style>
+          <a:lnRef idx="1">
+            <a:schemeClr val="accent1"/>
+          </a:lnRef>
+          <a:fillRef idx="0">
+            <a:schemeClr val="accent1"/>
+          </a:fillRef>
+          <a:effectRef idx="0">
+            <a:schemeClr val="accent1"/>
+          </a:effectRef>
+          <a:fontRef idx="minor">
+            <a:schemeClr val="tx1"/>
+          </a:fontRef>
+        </p:style>
+      </p:cxnSp>
+      <p:cxnSp>
+        <p:nvCxnSpPr>
+          <p:cNvPr id="25" name="직선 연결선 24">
+            <a:extLst>
+              <a:ext uri="{FF2B5EF4-FFF2-40B4-BE49-F238E27FC236}">
+                <a16:creationId xmlns:a16="http://schemas.microsoft.com/office/drawing/2014/main" id="{7CDE3204-51A8-4E9F-955A-AFAAE9A6CB33}"/>
+              </a:ext>
+            </a:extLst>
+          </p:cNvPr>
+          <p:cNvCxnSpPr>
+            <a:stCxn id="6" idx="2"/>
+          </p:cNvCxnSpPr>
+          <p:nvPr/>
+        </p:nvCxnSpPr>
+        <p:spPr>
+          <a:xfrm flipH="1">
+            <a:off x="9134470" y="1171568"/>
+            <a:ext cx="1" cy="5229238"/>
+          </a:xfrm>
+          <a:prstGeom prst="line">
+            <a:avLst/>
+          </a:prstGeom>
+          <a:ln w="12700">
+            <a:solidFill>
+              <a:schemeClr val="tx1"/>
+            </a:solidFill>
+            <a:prstDash val="dash"/>
+          </a:ln>
+        </p:spPr>
+        <p:style>
+          <a:lnRef idx="1">
+            <a:schemeClr val="accent1"/>
+          </a:lnRef>
+          <a:fillRef idx="0">
+            <a:schemeClr val="accent1"/>
+          </a:fillRef>
+          <a:effectRef idx="0">
+            <a:schemeClr val="accent1"/>
+          </a:effectRef>
+          <a:fontRef idx="minor">
+            <a:schemeClr val="tx1"/>
+          </a:fontRef>
+        </p:style>
+      </p:cxnSp>
+      <p:cxnSp>
+        <p:nvCxnSpPr>
+          <p:cNvPr id="29" name="직선 연결선 28">
+            <a:extLst>
+              <a:ext uri="{FF2B5EF4-FFF2-40B4-BE49-F238E27FC236}">
+                <a16:creationId xmlns:a16="http://schemas.microsoft.com/office/drawing/2014/main" id="{DE3F1C9D-07A8-49D4-853A-B2585C8FBC48}"/>
+              </a:ext>
+            </a:extLst>
+          </p:cNvPr>
+          <p:cNvCxnSpPr>
+            <a:stCxn id="7" idx="2"/>
+          </p:cNvCxnSpPr>
+          <p:nvPr/>
+        </p:nvCxnSpPr>
+        <p:spPr>
+          <a:xfrm flipH="1">
+            <a:off x="12172949" y="1171568"/>
+            <a:ext cx="1" cy="5229237"/>
+          </a:xfrm>
+          <a:prstGeom prst="line">
+            <a:avLst/>
+          </a:prstGeom>
+          <a:ln w="12700">
+            <a:solidFill>
+              <a:schemeClr val="tx1"/>
+            </a:solidFill>
+            <a:prstDash val="dash"/>
+          </a:ln>
+        </p:spPr>
+        <p:style>
+          <a:lnRef idx="1">
+            <a:schemeClr val="accent1"/>
+          </a:lnRef>
+          <a:fillRef idx="0">
+            <a:schemeClr val="accent1"/>
+          </a:fillRef>
+          <a:effectRef idx="0">
+            <a:schemeClr val="accent1"/>
+          </a:effectRef>
+          <a:fontRef idx="minor">
+            <a:schemeClr val="tx1"/>
+          </a:fontRef>
+        </p:style>
+      </p:cxnSp>
+      <p:cxnSp>
+        <p:nvCxnSpPr>
+          <p:cNvPr id="31" name="직선 화살표 연결선 30">
+            <a:extLst>
+              <a:ext uri="{FF2B5EF4-FFF2-40B4-BE49-F238E27FC236}">
+                <a16:creationId xmlns:a16="http://schemas.microsoft.com/office/drawing/2014/main" id="{98DEB0B0-FA21-4C29-9340-C890C3F5DBDC}"/>
+              </a:ext>
+            </a:extLst>
+          </p:cNvPr>
+          <p:cNvCxnSpPr/>
+          <p:nvPr/>
+        </p:nvCxnSpPr>
+        <p:spPr>
+          <a:xfrm>
+            <a:off x="19049" y="1651000"/>
+            <a:ext cx="3038475" cy="0"/>
+          </a:xfrm>
+          <a:prstGeom prst="straightConnector1">
+            <a:avLst/>
+          </a:prstGeom>
+          <a:ln w="12700">
+            <a:solidFill>
+              <a:schemeClr val="tx1"/>
+            </a:solidFill>
+            <a:tailEnd type="triangle"/>
+          </a:ln>
+        </p:spPr>
+        <p:style>
+          <a:lnRef idx="1">
+            <a:schemeClr val="accent1"/>
+          </a:lnRef>
+          <a:fillRef idx="0">
+            <a:schemeClr val="accent1"/>
+          </a:fillRef>
+          <a:effectRef idx="0">
+            <a:schemeClr val="accent1"/>
+          </a:effectRef>
+          <a:fontRef idx="minor">
+            <a:schemeClr val="tx1"/>
+          </a:fontRef>
+        </p:style>
+      </p:cxnSp>
+      <p:cxnSp>
+        <p:nvCxnSpPr>
+          <p:cNvPr id="33" name="직선 화살표 연결선 32">
+            <a:extLst>
+              <a:ext uri="{FF2B5EF4-FFF2-40B4-BE49-F238E27FC236}">
+                <a16:creationId xmlns:a16="http://schemas.microsoft.com/office/drawing/2014/main" id="{E208B1A9-2B1C-4F33-B4FB-5E2B2FBF8D22}"/>
+              </a:ext>
+            </a:extLst>
+          </p:cNvPr>
+          <p:cNvCxnSpPr/>
+          <p:nvPr/>
+        </p:nvCxnSpPr>
+        <p:spPr>
+          <a:xfrm>
+            <a:off x="3057524" y="1651000"/>
+            <a:ext cx="3038475" cy="0"/>
+          </a:xfrm>
+          <a:prstGeom prst="straightConnector1">
+            <a:avLst/>
+          </a:prstGeom>
+          <a:ln w="12700">
+            <a:solidFill>
+              <a:schemeClr val="tx1"/>
+            </a:solidFill>
+            <a:tailEnd type="triangle"/>
+          </a:ln>
+        </p:spPr>
+        <p:style>
+          <a:lnRef idx="1">
+            <a:schemeClr val="accent1"/>
+          </a:lnRef>
+          <a:fillRef idx="0">
+            <a:schemeClr val="accent1"/>
+          </a:fillRef>
+          <a:effectRef idx="0">
+            <a:schemeClr val="accent1"/>
+          </a:effectRef>
+          <a:fontRef idx="minor">
+            <a:schemeClr val="tx1"/>
+          </a:fontRef>
+        </p:style>
+      </p:cxnSp>
+      <p:cxnSp>
+        <p:nvCxnSpPr>
+          <p:cNvPr id="34" name="직선 화살표 연결선 33">
+            <a:extLst>
+              <a:ext uri="{FF2B5EF4-FFF2-40B4-BE49-F238E27FC236}">
+                <a16:creationId xmlns:a16="http://schemas.microsoft.com/office/drawing/2014/main" id="{152A85F4-12BE-409A-86F3-F7417878C691}"/>
+              </a:ext>
+            </a:extLst>
+          </p:cNvPr>
+          <p:cNvCxnSpPr>
+            <a:cxnSpLocks/>
+          </p:cNvCxnSpPr>
+          <p:nvPr/>
+        </p:nvCxnSpPr>
+        <p:spPr>
+          <a:xfrm flipH="1">
+            <a:off x="3057523" y="2120900"/>
+            <a:ext cx="3038475" cy="0"/>
+          </a:xfrm>
+          <a:prstGeom prst="straightConnector1">
+            <a:avLst/>
+          </a:prstGeom>
+          <a:ln w="12700">
+            <a:solidFill>
+              <a:schemeClr val="tx1"/>
+            </a:solidFill>
+            <a:prstDash val="dashDot"/>
+            <a:tailEnd type="triangle"/>
+          </a:ln>
+        </p:spPr>
+        <p:style>
+          <a:lnRef idx="1">
+            <a:schemeClr val="accent1"/>
+          </a:lnRef>
+          <a:fillRef idx="0">
+            <a:schemeClr val="accent1"/>
+          </a:fillRef>
+          <a:effectRef idx="0">
+            <a:schemeClr val="accent1"/>
+          </a:effectRef>
+          <a:fontRef idx="minor">
+            <a:schemeClr val="tx1"/>
+          </a:fontRef>
+        </p:style>
+      </p:cxnSp>
+      <p:cxnSp>
+        <p:nvCxnSpPr>
+          <p:cNvPr id="35" name="직선 화살표 연결선 34">
+            <a:extLst>
+              <a:ext uri="{FF2B5EF4-FFF2-40B4-BE49-F238E27FC236}">
+                <a16:creationId xmlns:a16="http://schemas.microsoft.com/office/drawing/2014/main" id="{A91FBB4E-65F5-4E81-B6F9-B92A4941B138}"/>
+              </a:ext>
+            </a:extLst>
+          </p:cNvPr>
+          <p:cNvCxnSpPr>
+            <a:cxnSpLocks/>
+          </p:cNvCxnSpPr>
+          <p:nvPr/>
+        </p:nvCxnSpPr>
+        <p:spPr>
+          <a:xfrm>
+            <a:off x="19049" y="2641600"/>
+            <a:ext cx="9115425" cy="0"/>
+          </a:xfrm>
+          <a:prstGeom prst="straightConnector1">
+            <a:avLst/>
+          </a:prstGeom>
+          <a:ln w="12700">
+            <a:solidFill>
+              <a:schemeClr val="tx1"/>
+            </a:solidFill>
+            <a:tailEnd type="triangle"/>
+          </a:ln>
+        </p:spPr>
+        <p:style>
+          <a:lnRef idx="1">
+            <a:schemeClr val="accent1"/>
+          </a:lnRef>
+          <a:fillRef idx="0">
+            <a:schemeClr val="accent1"/>
+          </a:fillRef>
+          <a:effectRef idx="0">
+            <a:schemeClr val="accent1"/>
+          </a:effectRef>
+          <a:fontRef idx="minor">
+            <a:schemeClr val="tx1"/>
+          </a:fontRef>
+        </p:style>
+      </p:cxnSp>
+      <p:cxnSp>
+        <p:nvCxnSpPr>
+          <p:cNvPr id="39" name="직선 화살표 연결선 38">
+            <a:extLst>
+              <a:ext uri="{FF2B5EF4-FFF2-40B4-BE49-F238E27FC236}">
+                <a16:creationId xmlns:a16="http://schemas.microsoft.com/office/drawing/2014/main" id="{31EA3432-D681-4E80-A93C-08EB055D302D}"/>
+              </a:ext>
+            </a:extLst>
+          </p:cNvPr>
+          <p:cNvCxnSpPr>
+            <a:cxnSpLocks/>
+          </p:cNvCxnSpPr>
+          <p:nvPr/>
+        </p:nvCxnSpPr>
+        <p:spPr>
+          <a:xfrm flipH="1">
+            <a:off x="3057523" y="3263900"/>
+            <a:ext cx="6076952" cy="0"/>
+          </a:xfrm>
+          <a:prstGeom prst="straightConnector1">
+            <a:avLst/>
+          </a:prstGeom>
+          <a:ln w="12700">
+            <a:solidFill>
+              <a:schemeClr val="tx1"/>
+            </a:solidFill>
+            <a:prstDash val="dashDot"/>
+            <a:tailEnd type="triangle"/>
+          </a:ln>
+        </p:spPr>
+        <p:style>
+          <a:lnRef idx="1">
+            <a:schemeClr val="accent1"/>
+          </a:lnRef>
+          <a:fillRef idx="0">
+            <a:schemeClr val="accent1"/>
+          </a:fillRef>
+          <a:effectRef idx="0">
+            <a:schemeClr val="accent1"/>
+          </a:effectRef>
+          <a:fontRef idx="minor">
+            <a:schemeClr val="tx1"/>
+          </a:fontRef>
+        </p:style>
+      </p:cxnSp>
+      <p:cxnSp>
+        <p:nvCxnSpPr>
+          <p:cNvPr id="41" name="직선 화살표 연결선 40">
+            <a:extLst>
+              <a:ext uri="{FF2B5EF4-FFF2-40B4-BE49-F238E27FC236}">
+                <a16:creationId xmlns:a16="http://schemas.microsoft.com/office/drawing/2014/main" id="{73405FFE-88FA-4AA9-8135-3A377274AEE6}"/>
+              </a:ext>
+            </a:extLst>
+          </p:cNvPr>
+          <p:cNvCxnSpPr>
+            <a:cxnSpLocks/>
+          </p:cNvCxnSpPr>
+          <p:nvPr/>
+        </p:nvCxnSpPr>
+        <p:spPr>
+          <a:xfrm>
+            <a:off x="3057523" y="3848100"/>
+            <a:ext cx="3038475" cy="0"/>
+          </a:xfrm>
+          <a:prstGeom prst="straightConnector1">
+            <a:avLst/>
+          </a:prstGeom>
+          <a:ln w="12700">
+            <a:solidFill>
+              <a:schemeClr val="tx1"/>
+            </a:solidFill>
+            <a:tailEnd type="triangle"/>
+          </a:ln>
+        </p:spPr>
+        <p:style>
+          <a:lnRef idx="1">
+            <a:schemeClr val="accent1"/>
+          </a:lnRef>
+          <a:fillRef idx="0">
+            <a:schemeClr val="accent1"/>
+          </a:fillRef>
+          <a:effectRef idx="0">
+            <a:schemeClr val="accent1"/>
+          </a:effectRef>
+          <a:fontRef idx="minor">
+            <a:schemeClr val="tx1"/>
+          </a:fontRef>
+        </p:style>
+      </p:cxnSp>
+      <p:cxnSp>
+        <p:nvCxnSpPr>
+          <p:cNvPr id="45" name="직선 화살표 연결선 44">
+            <a:extLst>
+              <a:ext uri="{FF2B5EF4-FFF2-40B4-BE49-F238E27FC236}">
+                <a16:creationId xmlns:a16="http://schemas.microsoft.com/office/drawing/2014/main" id="{6C08152A-03E6-40F0-8613-5F9573871DBF}"/>
+              </a:ext>
+            </a:extLst>
+          </p:cNvPr>
+          <p:cNvCxnSpPr>
+            <a:cxnSpLocks/>
+          </p:cNvCxnSpPr>
+          <p:nvPr/>
+        </p:nvCxnSpPr>
+        <p:spPr>
+          <a:xfrm>
+            <a:off x="6095999" y="3848100"/>
+            <a:ext cx="3038475" cy="0"/>
+          </a:xfrm>
+          <a:prstGeom prst="straightConnector1">
+            <a:avLst/>
+          </a:prstGeom>
+          <a:ln w="12700">
+            <a:solidFill>
+              <a:schemeClr val="tx1"/>
+            </a:solidFill>
+            <a:tailEnd type="triangle"/>
+          </a:ln>
+        </p:spPr>
+        <p:style>
+          <a:lnRef idx="1">
+            <a:schemeClr val="accent1"/>
+          </a:lnRef>
+          <a:fillRef idx="0">
+            <a:schemeClr val="accent1"/>
+          </a:fillRef>
+          <a:effectRef idx="0">
+            <a:schemeClr val="accent1"/>
+          </a:effectRef>
+          <a:fontRef idx="minor">
+            <a:schemeClr val="tx1"/>
+          </a:fontRef>
+        </p:style>
+      </p:cxnSp>
+      <p:cxnSp>
+        <p:nvCxnSpPr>
+          <p:cNvPr id="46" name="직선 화살표 연결선 45">
+            <a:extLst>
+              <a:ext uri="{FF2B5EF4-FFF2-40B4-BE49-F238E27FC236}">
+                <a16:creationId xmlns:a16="http://schemas.microsoft.com/office/drawing/2014/main" id="{AAE08988-1D11-4713-B470-37994ABD63FA}"/>
+              </a:ext>
+            </a:extLst>
+          </p:cNvPr>
+          <p:cNvCxnSpPr>
+            <a:cxnSpLocks/>
+          </p:cNvCxnSpPr>
+          <p:nvPr/>
+        </p:nvCxnSpPr>
+        <p:spPr>
+          <a:xfrm flipH="1">
+            <a:off x="3057523" y="4673600"/>
+            <a:ext cx="3038475" cy="0"/>
+          </a:xfrm>
+          <a:prstGeom prst="straightConnector1">
+            <a:avLst/>
+          </a:prstGeom>
+          <a:ln w="12700">
+            <a:solidFill>
+              <a:schemeClr val="tx1"/>
+            </a:solidFill>
+            <a:prstDash val="dashDot"/>
+            <a:tailEnd type="triangle"/>
+          </a:ln>
+        </p:spPr>
+        <p:style>
+          <a:lnRef idx="1">
+            <a:schemeClr val="accent1"/>
+          </a:lnRef>
+          <a:fillRef idx="0">
+            <a:schemeClr val="accent1"/>
+          </a:fillRef>
+          <a:effectRef idx="0">
+            <a:schemeClr val="accent1"/>
+          </a:effectRef>
+          <a:fontRef idx="minor">
+            <a:schemeClr val="tx1"/>
+          </a:fontRef>
+        </p:style>
+      </p:cxnSp>
+      <p:cxnSp>
+        <p:nvCxnSpPr>
+          <p:cNvPr id="47" name="직선 화살표 연결선 46">
+            <a:extLst>
+              <a:ext uri="{FF2B5EF4-FFF2-40B4-BE49-F238E27FC236}">
+                <a16:creationId xmlns:a16="http://schemas.microsoft.com/office/drawing/2014/main" id="{C1B33D43-A6ED-4856-B74D-CBAB4A9B4997}"/>
+              </a:ext>
+            </a:extLst>
+          </p:cNvPr>
+          <p:cNvCxnSpPr>
+            <a:cxnSpLocks/>
+          </p:cNvCxnSpPr>
+          <p:nvPr/>
+        </p:nvCxnSpPr>
+        <p:spPr>
+          <a:xfrm flipH="1">
+            <a:off x="6095999" y="4673600"/>
+            <a:ext cx="3038475" cy="0"/>
+          </a:xfrm>
+          <a:prstGeom prst="straightConnector1">
+            <a:avLst/>
+          </a:prstGeom>
+          <a:ln w="12700">
+            <a:solidFill>
+              <a:schemeClr val="tx1"/>
+            </a:solidFill>
+            <a:prstDash val="dashDot"/>
+            <a:tailEnd type="triangle"/>
+          </a:ln>
+        </p:spPr>
+        <p:style>
+          <a:lnRef idx="1">
+            <a:schemeClr val="accent1"/>
+          </a:lnRef>
+          <a:fillRef idx="0">
+            <a:schemeClr val="accent1"/>
+          </a:fillRef>
+          <a:effectRef idx="0">
+            <a:schemeClr val="accent1"/>
+          </a:effectRef>
+          <a:fontRef idx="minor">
+            <a:schemeClr val="tx1"/>
+          </a:fontRef>
+        </p:style>
+      </p:cxnSp>
+      <p:cxnSp>
+        <p:nvCxnSpPr>
+          <p:cNvPr id="48" name="직선 화살표 연결선 47">
+            <a:extLst>
+              <a:ext uri="{FF2B5EF4-FFF2-40B4-BE49-F238E27FC236}">
+                <a16:creationId xmlns:a16="http://schemas.microsoft.com/office/drawing/2014/main" id="{2FA2380D-9CA9-42C0-817C-0374C764ACE9}"/>
+              </a:ext>
+            </a:extLst>
+          </p:cNvPr>
+          <p:cNvCxnSpPr>
+            <a:cxnSpLocks/>
+          </p:cNvCxnSpPr>
+          <p:nvPr/>
+        </p:nvCxnSpPr>
+        <p:spPr>
+          <a:xfrm>
+            <a:off x="3057523" y="5321300"/>
+            <a:ext cx="3038475" cy="0"/>
+          </a:xfrm>
+          <a:prstGeom prst="straightConnector1">
+            <a:avLst/>
+          </a:prstGeom>
+          <a:ln w="12700">
+            <a:solidFill>
+              <a:schemeClr val="tx1"/>
+            </a:solidFill>
+            <a:tailEnd type="triangle"/>
+          </a:ln>
+        </p:spPr>
+        <p:style>
+          <a:lnRef idx="1">
+            <a:schemeClr val="accent1"/>
+          </a:lnRef>
+          <a:fillRef idx="0">
+            <a:schemeClr val="accent1"/>
+          </a:fillRef>
+          <a:effectRef idx="0">
+            <a:schemeClr val="accent1"/>
+          </a:effectRef>
+          <a:fontRef idx="minor">
+            <a:schemeClr val="tx1"/>
+          </a:fontRef>
+        </p:style>
+      </p:cxnSp>
+      <p:cxnSp>
+        <p:nvCxnSpPr>
+          <p:cNvPr id="49" name="직선 화살표 연결선 48">
+            <a:extLst>
+              <a:ext uri="{FF2B5EF4-FFF2-40B4-BE49-F238E27FC236}">
+                <a16:creationId xmlns:a16="http://schemas.microsoft.com/office/drawing/2014/main" id="{C40C3EFB-E405-4ADA-9353-176700B3D392}"/>
+              </a:ext>
+            </a:extLst>
+          </p:cNvPr>
+          <p:cNvCxnSpPr>
+            <a:cxnSpLocks/>
+          </p:cNvCxnSpPr>
+          <p:nvPr/>
+        </p:nvCxnSpPr>
+        <p:spPr>
+          <a:xfrm>
+            <a:off x="6095999" y="5321300"/>
+            <a:ext cx="6096001" cy="0"/>
+          </a:xfrm>
+          <a:prstGeom prst="straightConnector1">
+            <a:avLst/>
+          </a:prstGeom>
+          <a:ln w="12700">
+            <a:solidFill>
+              <a:schemeClr val="tx1"/>
+            </a:solidFill>
+            <a:tailEnd type="triangle"/>
+          </a:ln>
+        </p:spPr>
+        <p:style>
+          <a:lnRef idx="1">
+            <a:schemeClr val="accent1"/>
+          </a:lnRef>
+          <a:fillRef idx="0">
+            <a:schemeClr val="accent1"/>
+          </a:fillRef>
+          <a:effectRef idx="0">
+            <a:schemeClr val="accent1"/>
+          </a:effectRef>
+          <a:fontRef idx="minor">
+            <a:schemeClr val="tx1"/>
+          </a:fontRef>
+        </p:style>
+      </p:cxnSp>
+      <p:cxnSp>
+        <p:nvCxnSpPr>
+          <p:cNvPr id="51" name="직선 화살표 연결선 50">
+            <a:extLst>
+              <a:ext uri="{FF2B5EF4-FFF2-40B4-BE49-F238E27FC236}">
+                <a16:creationId xmlns:a16="http://schemas.microsoft.com/office/drawing/2014/main" id="{D55A4B76-3EAD-4315-A4CB-14C74D06DE17}"/>
+              </a:ext>
+            </a:extLst>
+          </p:cNvPr>
+          <p:cNvCxnSpPr>
+            <a:cxnSpLocks/>
+          </p:cNvCxnSpPr>
+          <p:nvPr/>
+        </p:nvCxnSpPr>
+        <p:spPr>
+          <a:xfrm flipH="1">
+            <a:off x="6095998" y="5930900"/>
+            <a:ext cx="6076952" cy="0"/>
+          </a:xfrm>
+          <a:prstGeom prst="straightConnector1">
+            <a:avLst/>
+          </a:prstGeom>
+          <a:ln w="12700">
+            <a:solidFill>
+              <a:schemeClr val="tx1"/>
+            </a:solidFill>
+            <a:prstDash val="dashDot"/>
+            <a:tailEnd type="triangle"/>
+          </a:ln>
+        </p:spPr>
+        <p:style>
+          <a:lnRef idx="1">
+            <a:schemeClr val="accent1"/>
+          </a:lnRef>
+          <a:fillRef idx="0">
+            <a:schemeClr val="accent1"/>
+          </a:fillRef>
+          <a:effectRef idx="0">
+            <a:schemeClr val="accent1"/>
+          </a:effectRef>
+          <a:fontRef idx="minor">
+            <a:schemeClr val="tx1"/>
+          </a:fontRef>
+        </p:style>
+      </p:cxnSp>
+      <p:cxnSp>
+        <p:nvCxnSpPr>
+          <p:cNvPr id="53" name="직선 화살표 연결선 52">
+            <a:extLst>
+              <a:ext uri="{FF2B5EF4-FFF2-40B4-BE49-F238E27FC236}">
+                <a16:creationId xmlns:a16="http://schemas.microsoft.com/office/drawing/2014/main" id="{D990935E-C599-432A-B964-F5014C0502DE}"/>
+              </a:ext>
+            </a:extLst>
+          </p:cNvPr>
+          <p:cNvCxnSpPr>
+            <a:cxnSpLocks/>
+          </p:cNvCxnSpPr>
+          <p:nvPr/>
+        </p:nvCxnSpPr>
+        <p:spPr>
+          <a:xfrm flipH="1">
+            <a:off x="3057523" y="5930900"/>
+            <a:ext cx="3038475" cy="0"/>
+          </a:xfrm>
+          <a:prstGeom prst="straightConnector1">
+            <a:avLst/>
+          </a:prstGeom>
+          <a:ln w="12700">
+            <a:solidFill>
+              <a:schemeClr val="tx1"/>
+            </a:solidFill>
+            <a:prstDash val="dashDot"/>
+            <a:tailEnd type="triangle"/>
+          </a:ln>
+        </p:spPr>
+        <p:style>
+          <a:lnRef idx="1">
+            <a:schemeClr val="accent1"/>
+          </a:lnRef>
+          <a:fillRef idx="0">
+            <a:schemeClr val="accent1"/>
+          </a:fillRef>
+          <a:effectRef idx="0">
+            <a:schemeClr val="accent1"/>
+          </a:effectRef>
+          <a:fontRef idx="minor">
+            <a:schemeClr val="tx1"/>
+          </a:fontRef>
+        </p:style>
+      </p:cxnSp>
+      <p:sp>
+        <p:nvSpPr>
+          <p:cNvPr id="61" name="TextBox 60">
+            <a:extLst>
+              <a:ext uri="{FF2B5EF4-FFF2-40B4-BE49-F238E27FC236}">
+                <a16:creationId xmlns:a16="http://schemas.microsoft.com/office/drawing/2014/main" id="{3B988A63-15AF-4337-8CC8-2CBFBCE7C7FD}"/>
+              </a:ext>
+            </a:extLst>
+          </p:cNvPr>
+          <p:cNvSpPr txBox="1"/>
+          <p:nvPr/>
+        </p:nvSpPr>
+        <p:spPr>
+          <a:xfrm>
+            <a:off x="777099" y="1343223"/>
+            <a:ext cx="1521570" cy="307777"/>
+          </a:xfrm>
+          <a:prstGeom prst="rect">
+            <a:avLst/>
+          </a:prstGeom>
+          <a:noFill/>
+        </p:spPr>
+        <p:txBody>
+          <a:bodyPr wrap="none" rtlCol="0">
+            <a:spAutoFit/>
+          </a:bodyPr>
+          <a:lstStyle/>
+          <a:p>
+            <a:pPr algn="ctr"/>
+            <a:r>
+              <a:rPr lang="en-US" altLang="ko-KR" sz="1400" dirty="0">
+                <a:latin typeface="AppleSDGothicNeoM00" panose="02000503000000000000" pitchFamily="2" charset="-127"/>
+                <a:ea typeface="AppleSDGothicNeoM00" panose="02000503000000000000" pitchFamily="2" charset="-127"/>
+              </a:rPr>
+              <a:t>1. </a:t>
+            </a:r>
+            <a:r>
+              <a:rPr lang="ko-KR" altLang="en-US" sz="1400" dirty="0">
+                <a:latin typeface="AppleSDGothicNeoM00" panose="02000503000000000000" pitchFamily="2" charset="-127"/>
+                <a:ea typeface="AppleSDGothicNeoM00" panose="02000503000000000000" pitchFamily="2" charset="-127"/>
+              </a:rPr>
+              <a:t>소셜 로그인 요청</a:t>
+            </a:r>
+          </a:p>
+        </p:txBody>
+      </p:sp>
+      <p:sp>
+        <p:nvSpPr>
+          <p:cNvPr id="69" name="TextBox 68">
+            <a:extLst>
+              <a:ext uri="{FF2B5EF4-FFF2-40B4-BE49-F238E27FC236}">
+                <a16:creationId xmlns:a16="http://schemas.microsoft.com/office/drawing/2014/main" id="{E528E2E1-48AF-4BA3-9578-D06EA1AC8A7B}"/>
+              </a:ext>
+            </a:extLst>
+          </p:cNvPr>
+          <p:cNvSpPr txBox="1"/>
+          <p:nvPr/>
+        </p:nvSpPr>
+        <p:spPr>
+          <a:xfrm>
+            <a:off x="3484999" y="1343222"/>
+            <a:ext cx="2175596" cy="307777"/>
+          </a:xfrm>
+          <a:prstGeom prst="rect">
+            <a:avLst/>
+          </a:prstGeom>
+          <a:noFill/>
+        </p:spPr>
+        <p:txBody>
+          <a:bodyPr wrap="none" rtlCol="0">
+            <a:spAutoFit/>
+          </a:bodyPr>
+          <a:lstStyle/>
+          <a:p>
+            <a:pPr algn="ctr"/>
+            <a:r>
+              <a:rPr lang="en-US" altLang="ko-KR" sz="1400" dirty="0">
+                <a:latin typeface="AppleSDGothicNeoM00" panose="02000503000000000000" pitchFamily="2" charset="-127"/>
+                <a:ea typeface="AppleSDGothicNeoM00" panose="02000503000000000000" pitchFamily="2" charset="-127"/>
+              </a:rPr>
+              <a:t>1. </a:t>
+            </a:r>
+            <a:r>
+              <a:rPr lang="ko-KR" altLang="en-US" sz="1400" dirty="0">
+                <a:latin typeface="AppleSDGothicNeoM00" panose="02000503000000000000" pitchFamily="2" charset="-127"/>
+                <a:ea typeface="AppleSDGothicNeoM00" panose="02000503000000000000" pitchFamily="2" charset="-127"/>
+              </a:rPr>
+              <a:t>소셜 로그인 </a:t>
+            </a:r>
+            <a:r>
+              <a:rPr lang="en-US" altLang="ko-KR" sz="1400" dirty="0">
+                <a:latin typeface="AppleSDGothicNeoM00" panose="02000503000000000000" pitchFamily="2" charset="-127"/>
+                <a:ea typeface="AppleSDGothicNeoM00" panose="02000503000000000000" pitchFamily="2" charset="-127"/>
+              </a:rPr>
+              <a:t>URL API </a:t>
+            </a:r>
+            <a:r>
+              <a:rPr lang="ko-KR" altLang="en-US" sz="1400" dirty="0">
+                <a:latin typeface="AppleSDGothicNeoM00" panose="02000503000000000000" pitchFamily="2" charset="-127"/>
+                <a:ea typeface="AppleSDGothicNeoM00" panose="02000503000000000000" pitchFamily="2" charset="-127"/>
+              </a:rPr>
+              <a:t>요청</a:t>
+            </a:r>
+          </a:p>
+        </p:txBody>
+      </p:sp>
+      <p:sp>
+        <p:nvSpPr>
+          <p:cNvPr id="70" name="TextBox 69">
+            <a:extLst>
+              <a:ext uri="{FF2B5EF4-FFF2-40B4-BE49-F238E27FC236}">
+                <a16:creationId xmlns:a16="http://schemas.microsoft.com/office/drawing/2014/main" id="{90622785-B09D-43FE-BF11-8510C6BE977D}"/>
+              </a:ext>
+            </a:extLst>
+          </p:cNvPr>
+          <p:cNvSpPr txBox="1"/>
+          <p:nvPr/>
+        </p:nvSpPr>
+        <p:spPr>
+          <a:xfrm>
+            <a:off x="3497540" y="1825824"/>
+            <a:ext cx="2206053" cy="307777"/>
+          </a:xfrm>
+          <a:prstGeom prst="rect">
+            <a:avLst/>
+          </a:prstGeom>
+          <a:noFill/>
+        </p:spPr>
+        <p:txBody>
+          <a:bodyPr wrap="none" rtlCol="0">
+            <a:spAutoFit/>
+          </a:bodyPr>
+          <a:lstStyle/>
+          <a:p>
+            <a:pPr algn="ctr"/>
+            <a:r>
+              <a:rPr lang="en-US" altLang="ko-KR" sz="1400" dirty="0">
+                <a:latin typeface="AppleSDGothicNeoM00" panose="02000503000000000000" pitchFamily="2" charset="-127"/>
+                <a:ea typeface="AppleSDGothicNeoM00" panose="02000503000000000000" pitchFamily="2" charset="-127"/>
+              </a:rPr>
+              <a:t>2. </a:t>
+            </a:r>
+            <a:r>
+              <a:rPr lang="ko-KR" altLang="en-US" sz="1400" dirty="0">
+                <a:latin typeface="AppleSDGothicNeoM00" panose="02000503000000000000" pitchFamily="2" charset="-127"/>
+                <a:ea typeface="AppleSDGothicNeoM00" panose="02000503000000000000" pitchFamily="2" charset="-127"/>
+              </a:rPr>
+              <a:t>소셜 로그인 </a:t>
+            </a:r>
+            <a:r>
+              <a:rPr lang="en-US" altLang="ko-KR" sz="1400" dirty="0">
+                <a:latin typeface="AppleSDGothicNeoM00" panose="02000503000000000000" pitchFamily="2" charset="-127"/>
+                <a:ea typeface="AppleSDGothicNeoM00" panose="02000503000000000000" pitchFamily="2" charset="-127"/>
+              </a:rPr>
+              <a:t>URL API </a:t>
+            </a:r>
+            <a:r>
+              <a:rPr lang="ko-KR" altLang="en-US" sz="1400" dirty="0">
+                <a:latin typeface="AppleSDGothicNeoM00" panose="02000503000000000000" pitchFamily="2" charset="-127"/>
+                <a:ea typeface="AppleSDGothicNeoM00" panose="02000503000000000000" pitchFamily="2" charset="-127"/>
+              </a:rPr>
+              <a:t>응답</a:t>
+            </a:r>
+          </a:p>
+        </p:txBody>
+      </p:sp>
+      <p:sp>
+        <p:nvSpPr>
+          <p:cNvPr id="71" name="TextBox 70">
+            <a:extLst>
+              <a:ext uri="{FF2B5EF4-FFF2-40B4-BE49-F238E27FC236}">
+                <a16:creationId xmlns:a16="http://schemas.microsoft.com/office/drawing/2014/main" id="{F4CDD372-3A3B-4B6D-84E9-4357C3B276B9}"/>
+              </a:ext>
+            </a:extLst>
+          </p:cNvPr>
+          <p:cNvSpPr txBox="1"/>
+          <p:nvPr/>
+        </p:nvSpPr>
+        <p:spPr>
+          <a:xfrm>
+            <a:off x="3824552" y="2346524"/>
+            <a:ext cx="1552028" cy="307777"/>
+          </a:xfrm>
+          <a:prstGeom prst="rect">
+            <a:avLst/>
+          </a:prstGeom>
+          <a:noFill/>
+        </p:spPr>
+        <p:txBody>
+          <a:bodyPr wrap="none" rtlCol="0">
+            <a:spAutoFit/>
+          </a:bodyPr>
+          <a:lstStyle/>
+          <a:p>
+            <a:pPr algn="ctr"/>
+            <a:r>
+              <a:rPr lang="en-US" altLang="ko-KR" sz="1400" dirty="0">
+                <a:latin typeface="AppleSDGothicNeoM00" panose="02000503000000000000" pitchFamily="2" charset="-127"/>
+                <a:ea typeface="AppleSDGothicNeoM00" panose="02000503000000000000" pitchFamily="2" charset="-127"/>
+              </a:rPr>
+              <a:t>3. </a:t>
+            </a:r>
+            <a:r>
+              <a:rPr lang="ko-KR" altLang="en-US" sz="1400" dirty="0">
+                <a:latin typeface="AppleSDGothicNeoM00" panose="02000503000000000000" pitchFamily="2" charset="-127"/>
+                <a:ea typeface="AppleSDGothicNeoM00" panose="02000503000000000000" pitchFamily="2" charset="-127"/>
+              </a:rPr>
+              <a:t>소셜 로그인 수행</a:t>
+            </a:r>
+          </a:p>
+        </p:txBody>
+      </p:sp>
+      <p:sp>
+        <p:nvSpPr>
+          <p:cNvPr id="72" name="TextBox 71">
+            <a:extLst>
+              <a:ext uri="{FF2B5EF4-FFF2-40B4-BE49-F238E27FC236}">
+                <a16:creationId xmlns:a16="http://schemas.microsoft.com/office/drawing/2014/main" id="{7625B3A5-EE17-432D-A443-58DDD9A1836E}"/>
+              </a:ext>
+            </a:extLst>
+          </p:cNvPr>
+          <p:cNvSpPr txBox="1"/>
+          <p:nvPr/>
+        </p:nvSpPr>
+        <p:spPr>
+          <a:xfrm>
+            <a:off x="5395320" y="2956123"/>
+            <a:ext cx="1401346" cy="307777"/>
+          </a:xfrm>
+          <a:prstGeom prst="rect">
+            <a:avLst/>
+          </a:prstGeom>
+          <a:solidFill>
+            <a:srgbClr val="DEEBF7"/>
+          </a:solidFill>
+        </p:spPr>
+        <p:txBody>
+          <a:bodyPr wrap="none" rtlCol="0">
+            <a:spAutoFit/>
+          </a:bodyPr>
+          <a:lstStyle/>
+          <a:p>
+            <a:pPr algn="ctr"/>
+            <a:r>
+              <a:rPr lang="en-US" altLang="ko-KR" sz="1400" dirty="0">
+                <a:latin typeface="AppleSDGothicNeoM00" panose="02000503000000000000" pitchFamily="2" charset="-127"/>
+                <a:ea typeface="AppleSDGothicNeoM00" panose="02000503000000000000" pitchFamily="2" charset="-127"/>
+              </a:rPr>
+              <a:t>4. </a:t>
+            </a:r>
+            <a:r>
+              <a:rPr lang="ko-KR" altLang="en-US" sz="1400" dirty="0">
+                <a:latin typeface="AppleSDGothicNeoM00" panose="02000503000000000000" pitchFamily="2" charset="-127"/>
+                <a:ea typeface="AppleSDGothicNeoM00" panose="02000503000000000000" pitchFamily="2" charset="-127"/>
+              </a:rPr>
+              <a:t>인가 코드 응답</a:t>
+            </a:r>
+          </a:p>
+        </p:txBody>
+      </p:sp>
+      <p:sp>
+        <p:nvSpPr>
+          <p:cNvPr id="73" name="TextBox 72">
+            <a:extLst>
+              <a:ext uri="{FF2B5EF4-FFF2-40B4-BE49-F238E27FC236}">
+                <a16:creationId xmlns:a16="http://schemas.microsoft.com/office/drawing/2014/main" id="{68103116-4516-4754-AEE3-DCCA22D1D5E2}"/>
+              </a:ext>
+            </a:extLst>
+          </p:cNvPr>
+          <p:cNvSpPr txBox="1"/>
+          <p:nvPr/>
+        </p:nvSpPr>
+        <p:spPr>
+          <a:xfrm>
+            <a:off x="3557937" y="3553023"/>
+            <a:ext cx="2029723" cy="307777"/>
+          </a:xfrm>
+          <a:prstGeom prst="rect">
+            <a:avLst/>
+          </a:prstGeom>
+          <a:noFill/>
+        </p:spPr>
+        <p:txBody>
+          <a:bodyPr wrap="none" rtlCol="0">
+            <a:spAutoFit/>
+          </a:bodyPr>
+          <a:lstStyle/>
+          <a:p>
+            <a:pPr algn="ctr"/>
+            <a:r>
+              <a:rPr lang="en-US" altLang="ko-KR" sz="1400" dirty="0">
+                <a:latin typeface="AppleSDGothicNeoM00" panose="02000503000000000000" pitchFamily="2" charset="-127"/>
+                <a:ea typeface="AppleSDGothicNeoM00" panose="02000503000000000000" pitchFamily="2" charset="-127"/>
+              </a:rPr>
+              <a:t>5. Access Token</a:t>
+            </a:r>
+            <a:r>
+              <a:rPr lang="ko-KR" altLang="en-US" sz="1400" dirty="0">
+                <a:latin typeface="AppleSDGothicNeoM00" panose="02000503000000000000" pitchFamily="2" charset="-127"/>
+                <a:ea typeface="AppleSDGothicNeoM00" panose="02000503000000000000" pitchFamily="2" charset="-127"/>
+              </a:rPr>
+              <a:t> </a:t>
+            </a:r>
+            <a:r>
+              <a:rPr lang="en-US" altLang="ko-KR" sz="1400" dirty="0">
+                <a:latin typeface="AppleSDGothicNeoM00" panose="02000503000000000000" pitchFamily="2" charset="-127"/>
+                <a:ea typeface="AppleSDGothicNeoM00" panose="02000503000000000000" pitchFamily="2" charset="-127"/>
+              </a:rPr>
+              <a:t>API </a:t>
+            </a:r>
+            <a:r>
+              <a:rPr lang="ko-KR" altLang="en-US" sz="1400" dirty="0">
+                <a:latin typeface="AppleSDGothicNeoM00" panose="02000503000000000000" pitchFamily="2" charset="-127"/>
+                <a:ea typeface="AppleSDGothicNeoM00" panose="02000503000000000000" pitchFamily="2" charset="-127"/>
+              </a:rPr>
+              <a:t>요청</a:t>
+            </a:r>
+          </a:p>
+        </p:txBody>
+      </p:sp>
+      <p:sp>
+        <p:nvSpPr>
+          <p:cNvPr id="74" name="TextBox 73">
+            <a:extLst>
+              <a:ext uri="{FF2B5EF4-FFF2-40B4-BE49-F238E27FC236}">
+                <a16:creationId xmlns:a16="http://schemas.microsoft.com/office/drawing/2014/main" id="{1B31F867-D666-4B89-A432-20365A0A7E10}"/>
+              </a:ext>
+            </a:extLst>
+          </p:cNvPr>
+          <p:cNvSpPr txBox="1"/>
+          <p:nvPr/>
+        </p:nvSpPr>
+        <p:spPr>
+          <a:xfrm>
+            <a:off x="6779114" y="3553023"/>
+            <a:ext cx="1729962" cy="307777"/>
+          </a:xfrm>
+          <a:prstGeom prst="rect">
+            <a:avLst/>
+          </a:prstGeom>
+          <a:noFill/>
+        </p:spPr>
+        <p:txBody>
+          <a:bodyPr wrap="none" rtlCol="0">
+            <a:spAutoFit/>
+          </a:bodyPr>
+          <a:lstStyle/>
+          <a:p>
+            <a:pPr algn="ctr"/>
+            <a:r>
+              <a:rPr lang="en-US" altLang="ko-KR" sz="1400" dirty="0">
+                <a:latin typeface="AppleSDGothicNeoM00" panose="02000503000000000000" pitchFamily="2" charset="-127"/>
+                <a:ea typeface="AppleSDGothicNeoM00" panose="02000503000000000000" pitchFamily="2" charset="-127"/>
+              </a:rPr>
+              <a:t>5. Access Token </a:t>
+            </a:r>
+            <a:r>
+              <a:rPr lang="ko-KR" altLang="en-US" sz="1400" dirty="0">
+                <a:latin typeface="AppleSDGothicNeoM00" panose="02000503000000000000" pitchFamily="2" charset="-127"/>
+                <a:ea typeface="AppleSDGothicNeoM00" panose="02000503000000000000" pitchFamily="2" charset="-127"/>
+              </a:rPr>
+              <a:t>요청</a:t>
+            </a:r>
+          </a:p>
+        </p:txBody>
+      </p:sp>
+      <p:sp>
+        <p:nvSpPr>
+          <p:cNvPr id="75" name="TextBox 74">
+            <a:extLst>
+              <a:ext uri="{FF2B5EF4-FFF2-40B4-BE49-F238E27FC236}">
+                <a16:creationId xmlns:a16="http://schemas.microsoft.com/office/drawing/2014/main" id="{6341D65F-73CD-47FB-9911-2EFE0A1E5B76}"/>
+              </a:ext>
+            </a:extLst>
+          </p:cNvPr>
+          <p:cNvSpPr txBox="1"/>
+          <p:nvPr/>
+        </p:nvSpPr>
+        <p:spPr>
+          <a:xfrm>
+            <a:off x="3560782" y="4365823"/>
+            <a:ext cx="2039341" cy="307777"/>
+          </a:xfrm>
+          <a:prstGeom prst="rect">
+            <a:avLst/>
+          </a:prstGeom>
+          <a:noFill/>
+        </p:spPr>
+        <p:txBody>
+          <a:bodyPr wrap="none" rtlCol="0">
+            <a:spAutoFit/>
+          </a:bodyPr>
+          <a:lstStyle/>
+          <a:p>
+            <a:pPr algn="ctr"/>
+            <a:r>
+              <a:rPr lang="en-US" altLang="ko-KR" sz="1400" dirty="0">
+                <a:latin typeface="AppleSDGothicNeoM00" panose="02000503000000000000" pitchFamily="2" charset="-127"/>
+                <a:ea typeface="AppleSDGothicNeoM00" panose="02000503000000000000" pitchFamily="2" charset="-127"/>
+              </a:rPr>
+              <a:t>6. Access Token</a:t>
+            </a:r>
+            <a:r>
+              <a:rPr lang="ko-KR" altLang="en-US" sz="1400" dirty="0">
+                <a:latin typeface="AppleSDGothicNeoM00" panose="02000503000000000000" pitchFamily="2" charset="-127"/>
+                <a:ea typeface="AppleSDGothicNeoM00" panose="02000503000000000000" pitchFamily="2" charset="-127"/>
+              </a:rPr>
+              <a:t> </a:t>
+            </a:r>
+            <a:r>
+              <a:rPr lang="en-US" altLang="ko-KR" sz="1400" dirty="0">
+                <a:latin typeface="AppleSDGothicNeoM00" panose="02000503000000000000" pitchFamily="2" charset="-127"/>
+                <a:ea typeface="AppleSDGothicNeoM00" panose="02000503000000000000" pitchFamily="2" charset="-127"/>
+              </a:rPr>
+              <a:t>API </a:t>
+            </a:r>
+            <a:r>
+              <a:rPr lang="ko-KR" altLang="en-US" sz="1400" dirty="0">
+                <a:latin typeface="AppleSDGothicNeoM00" panose="02000503000000000000" pitchFamily="2" charset="-127"/>
+                <a:ea typeface="AppleSDGothicNeoM00" panose="02000503000000000000" pitchFamily="2" charset="-127"/>
+              </a:rPr>
+              <a:t>응답</a:t>
+            </a:r>
+          </a:p>
+        </p:txBody>
+      </p:sp>
+      <p:sp>
+        <p:nvSpPr>
+          <p:cNvPr id="76" name="TextBox 75">
+            <a:extLst>
+              <a:ext uri="{FF2B5EF4-FFF2-40B4-BE49-F238E27FC236}">
+                <a16:creationId xmlns:a16="http://schemas.microsoft.com/office/drawing/2014/main" id="{188EADDA-7597-437E-81F1-265C80474C7B}"/>
+              </a:ext>
+            </a:extLst>
+          </p:cNvPr>
+          <p:cNvSpPr txBox="1"/>
+          <p:nvPr/>
+        </p:nvSpPr>
+        <p:spPr>
+          <a:xfrm>
+            <a:off x="6781959" y="4365823"/>
+            <a:ext cx="1739580" cy="307777"/>
+          </a:xfrm>
+          <a:prstGeom prst="rect">
+            <a:avLst/>
+          </a:prstGeom>
+          <a:noFill/>
+        </p:spPr>
+        <p:txBody>
+          <a:bodyPr wrap="none" rtlCol="0">
+            <a:spAutoFit/>
+          </a:bodyPr>
+          <a:lstStyle/>
+          <a:p>
+            <a:pPr algn="ctr"/>
+            <a:r>
+              <a:rPr lang="en-US" altLang="ko-KR" sz="1400" dirty="0">
+                <a:latin typeface="AppleSDGothicNeoM00" panose="02000503000000000000" pitchFamily="2" charset="-127"/>
+                <a:ea typeface="AppleSDGothicNeoM00" panose="02000503000000000000" pitchFamily="2" charset="-127"/>
+              </a:rPr>
+              <a:t>6. Access Token </a:t>
+            </a:r>
+            <a:r>
+              <a:rPr lang="ko-KR" altLang="en-US" sz="1400" dirty="0">
+                <a:latin typeface="AppleSDGothicNeoM00" panose="02000503000000000000" pitchFamily="2" charset="-127"/>
+                <a:ea typeface="AppleSDGothicNeoM00" panose="02000503000000000000" pitchFamily="2" charset="-127"/>
+              </a:rPr>
+              <a:t>응답</a:t>
+            </a:r>
+          </a:p>
+        </p:txBody>
+      </p:sp>
+      <p:sp>
+        <p:nvSpPr>
+          <p:cNvPr id="77" name="TextBox 76">
+            <a:extLst>
+              <a:ext uri="{FF2B5EF4-FFF2-40B4-BE49-F238E27FC236}">
+                <a16:creationId xmlns:a16="http://schemas.microsoft.com/office/drawing/2014/main" id="{8B4CFD5C-CFDC-40C2-B384-9BEC1B118E72}"/>
+              </a:ext>
+            </a:extLst>
+          </p:cNvPr>
+          <p:cNvSpPr txBox="1"/>
+          <p:nvPr/>
+        </p:nvSpPr>
+        <p:spPr>
+          <a:xfrm>
+            <a:off x="4093777" y="4997846"/>
+            <a:ext cx="973343" cy="307777"/>
+          </a:xfrm>
+          <a:prstGeom prst="rect">
+            <a:avLst/>
+          </a:prstGeom>
+          <a:noFill/>
+        </p:spPr>
+        <p:txBody>
+          <a:bodyPr wrap="none" rtlCol="0">
+            <a:spAutoFit/>
+          </a:bodyPr>
+          <a:lstStyle/>
+          <a:p>
+            <a:pPr algn="ctr"/>
+            <a:r>
+              <a:rPr lang="en-US" altLang="ko-KR" sz="1400" dirty="0">
+                <a:latin typeface="AppleSDGothicNeoM00" panose="02000503000000000000" pitchFamily="2" charset="-127"/>
+                <a:ea typeface="AppleSDGothicNeoM00" panose="02000503000000000000" pitchFamily="2" charset="-127"/>
+              </a:rPr>
+              <a:t>7. API </a:t>
+            </a:r>
+            <a:r>
+              <a:rPr lang="ko-KR" altLang="en-US" sz="1400" dirty="0">
+                <a:latin typeface="AppleSDGothicNeoM00" panose="02000503000000000000" pitchFamily="2" charset="-127"/>
+                <a:ea typeface="AppleSDGothicNeoM00" panose="02000503000000000000" pitchFamily="2" charset="-127"/>
+              </a:rPr>
+              <a:t>요청</a:t>
+            </a:r>
+          </a:p>
+        </p:txBody>
+      </p:sp>
+      <p:sp>
+        <p:nvSpPr>
+          <p:cNvPr id="78" name="TextBox 77">
+            <a:extLst>
+              <a:ext uri="{FF2B5EF4-FFF2-40B4-BE49-F238E27FC236}">
+                <a16:creationId xmlns:a16="http://schemas.microsoft.com/office/drawing/2014/main" id="{15044FA0-4648-48F5-B894-13A345B9CB19}"/>
+              </a:ext>
+            </a:extLst>
+          </p:cNvPr>
+          <p:cNvSpPr txBox="1"/>
+          <p:nvPr/>
+        </p:nvSpPr>
+        <p:spPr>
+          <a:xfrm>
+            <a:off x="8472172" y="4997846"/>
+            <a:ext cx="1342035" cy="307777"/>
+          </a:xfrm>
+          <a:prstGeom prst="rect">
+            <a:avLst/>
+          </a:prstGeom>
+          <a:solidFill>
+            <a:schemeClr val="accent6">
+              <a:lumMod val="20000"/>
+              <a:lumOff val="80000"/>
+            </a:schemeClr>
+          </a:solidFill>
+        </p:spPr>
+        <p:txBody>
+          <a:bodyPr wrap="none" rtlCol="0">
+            <a:spAutoFit/>
+          </a:bodyPr>
+          <a:lstStyle/>
+          <a:p>
+            <a:pPr algn="ctr"/>
+            <a:r>
+              <a:rPr lang="en-US" altLang="ko-KR" sz="1400" dirty="0">
+                <a:latin typeface="AppleSDGothicNeoM00" panose="02000503000000000000" pitchFamily="2" charset="-127"/>
+                <a:ea typeface="AppleSDGothicNeoM00" panose="02000503000000000000" pitchFamily="2" charset="-127"/>
+              </a:rPr>
+              <a:t>7. </a:t>
+            </a:r>
+            <a:r>
+              <a:rPr lang="ko-KR" altLang="en-US" sz="1400" dirty="0">
+                <a:latin typeface="AppleSDGothicNeoM00" panose="02000503000000000000" pitchFamily="2" charset="-127"/>
+                <a:ea typeface="AppleSDGothicNeoM00" panose="02000503000000000000" pitchFamily="2" charset="-127"/>
+              </a:rPr>
+              <a:t>요구자원 요청</a:t>
+            </a:r>
+          </a:p>
+        </p:txBody>
+      </p:sp>
+      <p:sp>
+        <p:nvSpPr>
+          <p:cNvPr id="79" name="TextBox 78">
+            <a:extLst>
+              <a:ext uri="{FF2B5EF4-FFF2-40B4-BE49-F238E27FC236}">
+                <a16:creationId xmlns:a16="http://schemas.microsoft.com/office/drawing/2014/main" id="{309C73FF-238A-4192-BF84-B3DBC77C7051}"/>
+              </a:ext>
+            </a:extLst>
+          </p:cNvPr>
+          <p:cNvSpPr txBox="1"/>
+          <p:nvPr/>
+        </p:nvSpPr>
+        <p:spPr>
+          <a:xfrm>
+            <a:off x="8494334" y="5607445"/>
+            <a:ext cx="1358065" cy="307777"/>
+          </a:xfrm>
+          <a:prstGeom prst="rect">
+            <a:avLst/>
+          </a:prstGeom>
+          <a:solidFill>
+            <a:schemeClr val="accent6">
+              <a:lumMod val="20000"/>
+              <a:lumOff val="80000"/>
+            </a:schemeClr>
+          </a:solidFill>
+        </p:spPr>
+        <p:txBody>
+          <a:bodyPr wrap="none" rtlCol="0">
+            <a:spAutoFit/>
+          </a:bodyPr>
+          <a:lstStyle/>
+          <a:p>
+            <a:pPr algn="ctr"/>
+            <a:r>
+              <a:rPr lang="en-US" altLang="ko-KR" sz="1400" dirty="0">
+                <a:latin typeface="AppleSDGothicNeoM00" panose="02000503000000000000" pitchFamily="2" charset="-127"/>
+                <a:ea typeface="AppleSDGothicNeoM00" panose="02000503000000000000" pitchFamily="2" charset="-127"/>
+              </a:rPr>
+              <a:t>8. </a:t>
+            </a:r>
+            <a:r>
+              <a:rPr lang="ko-KR" altLang="en-US" sz="1400" dirty="0">
+                <a:latin typeface="AppleSDGothicNeoM00" panose="02000503000000000000" pitchFamily="2" charset="-127"/>
+                <a:ea typeface="AppleSDGothicNeoM00" panose="02000503000000000000" pitchFamily="2" charset="-127"/>
+              </a:rPr>
+              <a:t>요구자원 반환</a:t>
+            </a:r>
+          </a:p>
+        </p:txBody>
+      </p:sp>
+      <p:sp>
+        <p:nvSpPr>
+          <p:cNvPr id="80" name="TextBox 79">
+            <a:extLst>
+              <a:ext uri="{FF2B5EF4-FFF2-40B4-BE49-F238E27FC236}">
+                <a16:creationId xmlns:a16="http://schemas.microsoft.com/office/drawing/2014/main" id="{E2037319-9C29-41A9-B0C4-65C4279AB9C5}"/>
+              </a:ext>
+            </a:extLst>
+          </p:cNvPr>
+          <p:cNvSpPr txBox="1"/>
+          <p:nvPr/>
+        </p:nvSpPr>
+        <p:spPr>
+          <a:xfrm>
+            <a:off x="4105876" y="5607445"/>
+            <a:ext cx="989373" cy="307777"/>
+          </a:xfrm>
+          <a:prstGeom prst="rect">
+            <a:avLst/>
+          </a:prstGeom>
+          <a:noFill/>
+        </p:spPr>
+        <p:txBody>
+          <a:bodyPr wrap="none" rtlCol="0">
+            <a:spAutoFit/>
+          </a:bodyPr>
+          <a:lstStyle/>
+          <a:p>
+            <a:pPr algn="ctr"/>
+            <a:r>
+              <a:rPr lang="en-US" altLang="ko-KR" sz="1400" dirty="0">
+                <a:latin typeface="AppleSDGothicNeoM00" panose="02000503000000000000" pitchFamily="2" charset="-127"/>
+                <a:ea typeface="AppleSDGothicNeoM00" panose="02000503000000000000" pitchFamily="2" charset="-127"/>
+              </a:rPr>
+              <a:t>8. API </a:t>
+            </a:r>
+            <a:r>
+              <a:rPr lang="ko-KR" altLang="en-US" sz="1400" dirty="0">
+                <a:latin typeface="AppleSDGothicNeoM00" panose="02000503000000000000" pitchFamily="2" charset="-127"/>
+                <a:ea typeface="AppleSDGothicNeoM00" panose="02000503000000000000" pitchFamily="2" charset="-127"/>
+              </a:rPr>
+              <a:t>응답</a:t>
+            </a:r>
+          </a:p>
+        </p:txBody>
+      </p:sp>
+      <p:sp>
+        <p:nvSpPr>
+          <p:cNvPr id="67" name="직사각형 66">
+            <a:extLst>
+              <a:ext uri="{FF2B5EF4-FFF2-40B4-BE49-F238E27FC236}">
+                <a16:creationId xmlns:a16="http://schemas.microsoft.com/office/drawing/2014/main" id="{A70BE83C-B27F-46B2-97DF-F13E0C1FCBD8}"/>
+              </a:ext>
+            </a:extLst>
+          </p:cNvPr>
+          <p:cNvSpPr/>
+          <p:nvPr/>
+        </p:nvSpPr>
+        <p:spPr>
+          <a:xfrm>
+            <a:off x="2743200" y="4213233"/>
+            <a:ext cx="9740900" cy="1984354"/>
+          </a:xfrm>
+          <a:prstGeom prst="rect">
+            <a:avLst/>
+          </a:prstGeom>
+          <a:noFill/>
+          <a:ln w="19050">
+            <a:solidFill>
+              <a:schemeClr val="tx1"/>
+            </a:solidFill>
+          </a:ln>
+        </p:spPr>
+        <p:style>
+          <a:lnRef idx="2">
+            <a:schemeClr val="accent1">
+              <a:shade val="50000"/>
+            </a:schemeClr>
+          </a:lnRef>
+          <a:fillRef idx="1">
+            <a:schemeClr val="accent1"/>
+          </a:fillRef>
+          <a:effectRef idx="0">
+            <a:schemeClr val="accent1"/>
+          </a:effectRef>
+          <a:fontRef idx="minor">
+            <a:schemeClr val="lt1"/>
+          </a:fontRef>
+        </p:style>
+        <p:txBody>
+          <a:bodyPr rtlCol="0" anchor="ctr"/>
+          <a:lstStyle/>
+          <a:p>
+            <a:pPr algn="ctr"/>
             <a:endParaRPr lang="ko-KR" altLang="en-US"/>
+          </a:p>
+        </p:txBody>
+      </p:sp>
+      <p:sp>
+        <p:nvSpPr>
+          <p:cNvPr id="82" name="TextBox 81">
+            <a:extLst>
+              <a:ext uri="{FF2B5EF4-FFF2-40B4-BE49-F238E27FC236}">
+                <a16:creationId xmlns:a16="http://schemas.microsoft.com/office/drawing/2014/main" id="{140A452E-DD74-4BBE-BE5E-A4A3839B4E1D}"/>
+              </a:ext>
+            </a:extLst>
+          </p:cNvPr>
+          <p:cNvSpPr txBox="1"/>
+          <p:nvPr/>
+        </p:nvSpPr>
+        <p:spPr>
+          <a:xfrm>
+            <a:off x="10638625" y="3803134"/>
+            <a:ext cx="1401346" cy="369332"/>
+          </a:xfrm>
+          <a:prstGeom prst="rect">
+            <a:avLst/>
+          </a:prstGeom>
+          <a:noFill/>
+        </p:spPr>
+        <p:txBody>
+          <a:bodyPr wrap="none" rtlCol="0">
+            <a:spAutoFit/>
+          </a:bodyPr>
+          <a:lstStyle/>
+          <a:p>
+            <a:pPr algn="ctr"/>
+            <a:r>
+              <a:rPr lang="ko-KR" altLang="en-US" dirty="0">
+                <a:solidFill>
+                  <a:srgbClr val="0070C0"/>
+                </a:solidFill>
+                <a:latin typeface="AppleSDGothicNeoM00" panose="02000503000000000000" pitchFamily="2" charset="-127"/>
+                <a:ea typeface="AppleSDGothicNeoM00" panose="02000503000000000000" pitchFamily="2" charset="-127"/>
+              </a:rPr>
+              <a:t>♻ 반복 수행</a:t>
+            </a:r>
+          </a:p>
+        </p:txBody>
+      </p:sp>
+      <p:cxnSp>
+        <p:nvCxnSpPr>
+          <p:cNvPr id="83" name="직선 화살표 연결선 82">
+            <a:extLst>
+              <a:ext uri="{FF2B5EF4-FFF2-40B4-BE49-F238E27FC236}">
+                <a16:creationId xmlns:a16="http://schemas.microsoft.com/office/drawing/2014/main" id="{F6B2DF2E-BDE1-47EA-889A-020BAB80AF8F}"/>
+              </a:ext>
+            </a:extLst>
+          </p:cNvPr>
+          <p:cNvCxnSpPr>
+            <a:cxnSpLocks/>
+          </p:cNvCxnSpPr>
+          <p:nvPr/>
+        </p:nvCxnSpPr>
+        <p:spPr>
+          <a:xfrm flipH="1">
+            <a:off x="0" y="2120900"/>
+            <a:ext cx="3038475" cy="0"/>
+          </a:xfrm>
+          <a:prstGeom prst="straightConnector1">
+            <a:avLst/>
+          </a:prstGeom>
+          <a:ln w="12700">
+            <a:solidFill>
+              <a:schemeClr val="tx1"/>
+            </a:solidFill>
+            <a:prstDash val="dashDot"/>
+            <a:tailEnd type="triangle"/>
+          </a:ln>
+        </p:spPr>
+        <p:style>
+          <a:lnRef idx="1">
+            <a:schemeClr val="accent1"/>
+          </a:lnRef>
+          <a:fillRef idx="0">
+            <a:schemeClr val="accent1"/>
+          </a:fillRef>
+          <a:effectRef idx="0">
+            <a:schemeClr val="accent1"/>
+          </a:effectRef>
+          <a:fontRef idx="minor">
+            <a:schemeClr val="tx1"/>
+          </a:fontRef>
+        </p:style>
+      </p:cxnSp>
+      <p:sp>
+        <p:nvSpPr>
+          <p:cNvPr id="84" name="TextBox 83">
+            <a:extLst>
+              <a:ext uri="{FF2B5EF4-FFF2-40B4-BE49-F238E27FC236}">
+                <a16:creationId xmlns:a16="http://schemas.microsoft.com/office/drawing/2014/main" id="{53F18388-4D99-4B74-827F-1C9A5CEE2472}"/>
+              </a:ext>
+            </a:extLst>
+          </p:cNvPr>
+          <p:cNvSpPr txBox="1"/>
+          <p:nvPr/>
+        </p:nvSpPr>
+        <p:spPr>
+          <a:xfrm>
+            <a:off x="365510" y="1813123"/>
+            <a:ext cx="2372765" cy="307777"/>
+          </a:xfrm>
+          <a:prstGeom prst="rect">
+            <a:avLst/>
+          </a:prstGeom>
+          <a:noFill/>
+        </p:spPr>
+        <p:txBody>
+          <a:bodyPr wrap="none" rtlCol="0">
+            <a:spAutoFit/>
+          </a:bodyPr>
+          <a:lstStyle/>
+          <a:p>
+            <a:pPr algn="ctr"/>
+            <a:r>
+              <a:rPr lang="en-US" altLang="ko-KR" sz="1400" dirty="0">
+                <a:latin typeface="AppleSDGothicNeoM00" panose="02000503000000000000" pitchFamily="2" charset="-127"/>
+                <a:ea typeface="AppleSDGothicNeoM00" panose="02000503000000000000" pitchFamily="2" charset="-127"/>
+              </a:rPr>
+              <a:t>2. </a:t>
+            </a:r>
+            <a:r>
+              <a:rPr lang="ko-KR" altLang="en-US" sz="1400" dirty="0">
+                <a:latin typeface="AppleSDGothicNeoM00" panose="02000503000000000000" pitchFamily="2" charset="-127"/>
+                <a:ea typeface="AppleSDGothicNeoM00" panose="02000503000000000000" pitchFamily="2" charset="-127"/>
+              </a:rPr>
+              <a:t>소셜 로그인 </a:t>
+            </a:r>
+            <a:r>
+              <a:rPr lang="en-US" altLang="ko-KR" sz="1400" dirty="0">
+                <a:latin typeface="AppleSDGothicNeoM00" panose="02000503000000000000" pitchFamily="2" charset="-127"/>
+                <a:ea typeface="AppleSDGothicNeoM00" panose="02000503000000000000" pitchFamily="2" charset="-127"/>
+              </a:rPr>
+              <a:t>URL </a:t>
+            </a:r>
+            <a:r>
+              <a:rPr lang="ko-KR" altLang="en-US" sz="1400" dirty="0" err="1">
+                <a:latin typeface="AppleSDGothicNeoM00" panose="02000503000000000000" pitchFamily="2" charset="-127"/>
+                <a:ea typeface="AppleSDGothicNeoM00" panose="02000503000000000000" pitchFamily="2" charset="-127"/>
+              </a:rPr>
+              <a:t>리다이렉션</a:t>
+            </a:r>
+            <a:endParaRPr lang="ko-KR" altLang="en-US" sz="1400" dirty="0">
+              <a:latin typeface="AppleSDGothicNeoM00" panose="02000503000000000000" pitchFamily="2" charset="-127"/>
+              <a:ea typeface="AppleSDGothicNeoM00" panose="02000503000000000000" pitchFamily="2" charset="-127"/>
+            </a:endParaRPr>
           </a:p>
         </p:txBody>
       </p:sp>
     </p:spTree>
     <p:extLst>
       <p:ext uri="{BB962C8B-B14F-4D97-AF65-F5344CB8AC3E}">
-        <p14:creationId xmlns:p14="http://schemas.microsoft.com/office/powerpoint/2010/main" val="211615195"/>
+        <p14:creationId xmlns:p14="http://schemas.microsoft.com/office/powerpoint/2010/main" val="3064814879"/>
+      </p:ext>
+    </p:extLst>
+  </p:cSld>
+  <p:clrMapOvr>
+    <a:masterClrMapping/>
+  </p:clrMapOvr>
+</p:sld>
+</file>
+
+<file path=ppt/slides/slide4.xml><?xml version="1.0" encoding="utf-8"?>
+<p:sld xmlns:a="http://schemas.openxmlformats.org/drawingml/2006/main" xmlns:r="http://schemas.openxmlformats.org/officeDocument/2006/relationships" xmlns:p="http://schemas.openxmlformats.org/presentationml/2006/main">
+  <p:cSld>
+    <p:spTree>
+      <p:nvGrpSpPr>
+        <p:cNvPr id="1" name=""/>
+        <p:cNvGrpSpPr/>
+        <p:nvPr/>
+      </p:nvGrpSpPr>
+      <p:grpSpPr>
+        <a:xfrm>
+          <a:off x="0" y="0"/>
+          <a:ext cx="0" cy="0"/>
+          <a:chOff x="0" y="0"/>
+          <a:chExt cx="0" cy="0"/>
+        </a:xfrm>
+      </p:grpSpPr>
+      <p:sp>
+        <p:nvSpPr>
+          <p:cNvPr id="3" name="직사각형 2">
+            <a:extLst>
+              <a:ext uri="{FF2B5EF4-FFF2-40B4-BE49-F238E27FC236}">
+                <a16:creationId xmlns:a16="http://schemas.microsoft.com/office/drawing/2014/main" id="{AE2D6E9A-C8D3-4F57-95FE-317AFE2BC2A9}"/>
+              </a:ext>
+            </a:extLst>
+          </p:cNvPr>
+          <p:cNvSpPr/>
+          <p:nvPr/>
+        </p:nvSpPr>
+        <p:spPr>
+          <a:xfrm>
+            <a:off x="-765168" y="0"/>
+            <a:ext cx="13731867" cy="6858000"/>
+          </a:xfrm>
+          <a:prstGeom prst="rect">
+            <a:avLst/>
+          </a:prstGeom>
+          <a:solidFill>
+            <a:schemeClr val="bg1"/>
+          </a:solidFill>
+          <a:ln>
+            <a:noFill/>
+          </a:ln>
+        </p:spPr>
+        <p:style>
+          <a:lnRef idx="2">
+            <a:schemeClr val="accent1">
+              <a:shade val="50000"/>
+            </a:schemeClr>
+          </a:lnRef>
+          <a:fillRef idx="1">
+            <a:schemeClr val="accent1"/>
+          </a:fillRef>
+          <a:effectRef idx="0">
+            <a:schemeClr val="accent1"/>
+          </a:effectRef>
+          <a:fontRef idx="minor">
+            <a:schemeClr val="lt1"/>
+          </a:fontRef>
+        </p:style>
+        <p:txBody>
+          <a:bodyPr rtlCol="0" anchor="ctr"/>
+          <a:lstStyle/>
+          <a:p>
+            <a:pPr algn="ctr"/>
+            <a:endParaRPr lang="ko-KR" altLang="en-US"/>
+          </a:p>
+        </p:txBody>
+      </p:sp>
+      <p:sp>
+        <p:nvSpPr>
+          <p:cNvPr id="63" name="직사각형 62">
+            <a:extLst>
+              <a:ext uri="{FF2B5EF4-FFF2-40B4-BE49-F238E27FC236}">
+                <a16:creationId xmlns:a16="http://schemas.microsoft.com/office/drawing/2014/main" id="{541068AD-6A61-4653-94EE-E3A1320E1C7E}"/>
+              </a:ext>
+            </a:extLst>
+          </p:cNvPr>
+          <p:cNvSpPr/>
+          <p:nvPr/>
+        </p:nvSpPr>
+        <p:spPr>
+          <a:xfrm>
+            <a:off x="2741193" y="0"/>
+            <a:ext cx="3368681" cy="6858000"/>
+          </a:xfrm>
+          <a:prstGeom prst="rect">
+            <a:avLst/>
+          </a:prstGeom>
+          <a:solidFill>
+            <a:schemeClr val="accent5">
+              <a:lumMod val="20000"/>
+              <a:lumOff val="80000"/>
+            </a:schemeClr>
+          </a:solidFill>
+          <a:ln>
+            <a:noFill/>
+          </a:ln>
+        </p:spPr>
+        <p:style>
+          <a:lnRef idx="2">
+            <a:schemeClr val="accent1">
+              <a:shade val="50000"/>
+            </a:schemeClr>
+          </a:lnRef>
+          <a:fillRef idx="1">
+            <a:schemeClr val="accent1"/>
+          </a:fillRef>
+          <a:effectRef idx="0">
+            <a:schemeClr val="accent1"/>
+          </a:effectRef>
+          <a:fontRef idx="minor">
+            <a:schemeClr val="lt1"/>
+          </a:fontRef>
+        </p:style>
+        <p:txBody>
+          <a:bodyPr rtlCol="0" anchor="ctr"/>
+          <a:lstStyle/>
+          <a:p>
+            <a:pPr algn="ctr"/>
+            <a:endParaRPr lang="ko-KR" altLang="en-US"/>
+          </a:p>
+        </p:txBody>
+      </p:sp>
+      <p:sp>
+        <p:nvSpPr>
+          <p:cNvPr id="60" name="직사각형 59">
+            <a:extLst>
+              <a:ext uri="{FF2B5EF4-FFF2-40B4-BE49-F238E27FC236}">
+                <a16:creationId xmlns:a16="http://schemas.microsoft.com/office/drawing/2014/main" id="{FCDB5A1A-C47C-4309-AF47-55078683541D}"/>
+              </a:ext>
+            </a:extLst>
+          </p:cNvPr>
+          <p:cNvSpPr/>
+          <p:nvPr/>
+        </p:nvSpPr>
+        <p:spPr>
+          <a:xfrm>
+            <a:off x="6095999" y="0"/>
+            <a:ext cx="6870700" cy="6858000"/>
+          </a:xfrm>
+          <a:prstGeom prst="rect">
+            <a:avLst/>
+          </a:prstGeom>
+          <a:solidFill>
+            <a:schemeClr val="accent6">
+              <a:lumMod val="20000"/>
+              <a:lumOff val="80000"/>
+            </a:schemeClr>
+          </a:solidFill>
+          <a:ln>
+            <a:noFill/>
+          </a:ln>
+        </p:spPr>
+        <p:style>
+          <a:lnRef idx="2">
+            <a:schemeClr val="accent1">
+              <a:shade val="50000"/>
+            </a:schemeClr>
+          </a:lnRef>
+          <a:fillRef idx="1">
+            <a:schemeClr val="accent1"/>
+          </a:fillRef>
+          <a:effectRef idx="0">
+            <a:schemeClr val="accent1"/>
+          </a:effectRef>
+          <a:fontRef idx="minor">
+            <a:schemeClr val="lt1"/>
+          </a:fontRef>
+        </p:style>
+        <p:txBody>
+          <a:bodyPr rtlCol="0" anchor="ctr"/>
+          <a:lstStyle/>
+          <a:p>
+            <a:pPr algn="ctr"/>
+            <a:endParaRPr lang="ko-KR" altLang="en-US"/>
+          </a:p>
+        </p:txBody>
+      </p:sp>
+      <p:sp>
+        <p:nvSpPr>
+          <p:cNvPr id="2" name="직사각형 1">
+            <a:extLst>
+              <a:ext uri="{FF2B5EF4-FFF2-40B4-BE49-F238E27FC236}">
+                <a16:creationId xmlns:a16="http://schemas.microsoft.com/office/drawing/2014/main" id="{442D5DB4-3CBC-44B9-B9E9-2DC6F47FD7D1}"/>
+              </a:ext>
+            </a:extLst>
+          </p:cNvPr>
+          <p:cNvSpPr/>
+          <p:nvPr/>
+        </p:nvSpPr>
+        <p:spPr>
+          <a:xfrm>
+            <a:off x="3638549" y="457192"/>
+            <a:ext cx="1495425" cy="714375"/>
+          </a:xfrm>
+          <a:prstGeom prst="rect">
+            <a:avLst/>
+          </a:prstGeom>
+          <a:solidFill>
+            <a:schemeClr val="bg1"/>
+          </a:solidFill>
+          <a:ln w="15875">
+            <a:solidFill>
+              <a:schemeClr val="tx1"/>
+            </a:solidFill>
+          </a:ln>
+        </p:spPr>
+        <p:style>
+          <a:lnRef idx="2">
+            <a:schemeClr val="accent1">
+              <a:shade val="50000"/>
+            </a:schemeClr>
+          </a:lnRef>
+          <a:fillRef idx="1">
+            <a:schemeClr val="accent1"/>
+          </a:fillRef>
+          <a:effectRef idx="0">
+            <a:schemeClr val="accent1"/>
+          </a:effectRef>
+          <a:fontRef idx="minor">
+            <a:schemeClr val="lt1"/>
+          </a:fontRef>
+        </p:style>
+        <p:txBody>
+          <a:bodyPr rtlCol="0" anchor="ctr"/>
+          <a:lstStyle/>
+          <a:p>
+            <a:pPr algn="ctr"/>
+            <a:r>
+              <a:rPr lang="en-US" altLang="ko-KR" sz="1200" dirty="0">
+                <a:solidFill>
+                  <a:schemeClr val="tx1"/>
+                </a:solidFill>
+                <a:latin typeface="AppleSDGothicNeoM00" panose="02000503000000000000" pitchFamily="2" charset="-127"/>
+                <a:ea typeface="AppleSDGothicNeoM00" panose="02000503000000000000" pitchFamily="2" charset="-127"/>
+              </a:rPr>
+              <a:t>Consumer</a:t>
+            </a:r>
+          </a:p>
+        </p:txBody>
+      </p:sp>
+      <p:sp>
+        <p:nvSpPr>
+          <p:cNvPr id="5" name="직사각형 4">
+            <a:extLst>
+              <a:ext uri="{FF2B5EF4-FFF2-40B4-BE49-F238E27FC236}">
+                <a16:creationId xmlns:a16="http://schemas.microsoft.com/office/drawing/2014/main" id="{B198BC91-B78F-4041-8DB9-63DB9231F9DD}"/>
+              </a:ext>
+            </a:extLst>
+          </p:cNvPr>
+          <p:cNvSpPr/>
+          <p:nvPr/>
+        </p:nvSpPr>
+        <p:spPr>
+          <a:xfrm>
+            <a:off x="219071" y="457192"/>
+            <a:ext cx="1495425" cy="714375"/>
+          </a:xfrm>
+          <a:prstGeom prst="rect">
+            <a:avLst/>
+          </a:prstGeom>
+          <a:solidFill>
+            <a:schemeClr val="bg1"/>
+          </a:solidFill>
+          <a:ln w="15875">
+            <a:solidFill>
+              <a:schemeClr val="tx1"/>
+            </a:solidFill>
+          </a:ln>
+        </p:spPr>
+        <p:style>
+          <a:lnRef idx="2">
+            <a:schemeClr val="accent1">
+              <a:shade val="50000"/>
+            </a:schemeClr>
+          </a:lnRef>
+          <a:fillRef idx="1">
+            <a:schemeClr val="accent1"/>
+          </a:fillRef>
+          <a:effectRef idx="0">
+            <a:schemeClr val="accent1"/>
+          </a:effectRef>
+          <a:fontRef idx="minor">
+            <a:schemeClr val="lt1"/>
+          </a:fontRef>
+        </p:style>
+        <p:txBody>
+          <a:bodyPr rtlCol="0" anchor="ctr"/>
+          <a:lstStyle/>
+          <a:p>
+            <a:pPr algn="ctr"/>
+            <a:r>
+              <a:rPr lang="en-US" altLang="ko-KR" sz="1200" dirty="0">
+                <a:solidFill>
+                  <a:schemeClr val="tx1"/>
+                </a:solidFill>
+                <a:latin typeface="AppleSDGothicNeoM00" panose="02000503000000000000" pitchFamily="2" charset="-127"/>
+                <a:ea typeface="AppleSDGothicNeoM00" panose="02000503000000000000" pitchFamily="2" charset="-127"/>
+              </a:rPr>
+              <a:t>User</a:t>
+            </a:r>
+            <a:endParaRPr lang="ko-KR" altLang="en-US" sz="1200" dirty="0">
+              <a:solidFill>
+                <a:schemeClr val="tx1"/>
+              </a:solidFill>
+              <a:latin typeface="AppleSDGothicNeoM00" panose="02000503000000000000" pitchFamily="2" charset="-127"/>
+              <a:ea typeface="AppleSDGothicNeoM00" panose="02000503000000000000" pitchFamily="2" charset="-127"/>
+            </a:endParaRPr>
+          </a:p>
+        </p:txBody>
+      </p:sp>
+      <p:sp>
+        <p:nvSpPr>
+          <p:cNvPr id="6" name="직사각형 5">
+            <a:extLst>
+              <a:ext uri="{FF2B5EF4-FFF2-40B4-BE49-F238E27FC236}">
+                <a16:creationId xmlns:a16="http://schemas.microsoft.com/office/drawing/2014/main" id="{524AEE3A-B5F9-40F6-B4E2-722CD76C47EA}"/>
+              </a:ext>
+            </a:extLst>
+          </p:cNvPr>
+          <p:cNvSpPr/>
+          <p:nvPr/>
+        </p:nvSpPr>
+        <p:spPr>
+          <a:xfrm>
+            <a:off x="7058027" y="457192"/>
+            <a:ext cx="1495425" cy="714375"/>
+          </a:xfrm>
+          <a:prstGeom prst="rect">
+            <a:avLst/>
+          </a:prstGeom>
+          <a:solidFill>
+            <a:schemeClr val="bg1"/>
+          </a:solidFill>
+          <a:ln w="15875">
+            <a:solidFill>
+              <a:schemeClr val="tx1"/>
+            </a:solidFill>
+          </a:ln>
+        </p:spPr>
+        <p:style>
+          <a:lnRef idx="2">
+            <a:schemeClr val="accent1">
+              <a:shade val="50000"/>
+            </a:schemeClr>
+          </a:lnRef>
+          <a:fillRef idx="1">
+            <a:schemeClr val="accent1"/>
+          </a:fillRef>
+          <a:effectRef idx="0">
+            <a:schemeClr val="accent1"/>
+          </a:effectRef>
+          <a:fontRef idx="minor">
+            <a:schemeClr val="lt1"/>
+          </a:fontRef>
+        </p:style>
+        <p:txBody>
+          <a:bodyPr rtlCol="0" anchor="ctr"/>
+          <a:lstStyle/>
+          <a:p>
+            <a:pPr algn="ctr"/>
+            <a:r>
+              <a:rPr lang="en-US" altLang="ko-KR" sz="1200" dirty="0">
+                <a:solidFill>
+                  <a:schemeClr val="tx1"/>
+                </a:solidFill>
+                <a:latin typeface="AppleSDGothicNeoM00" panose="02000503000000000000" pitchFamily="2" charset="-127"/>
+                <a:ea typeface="AppleSDGothicNeoM00" panose="02000503000000000000" pitchFamily="2" charset="-127"/>
+              </a:rPr>
+              <a:t>Service Provider</a:t>
+            </a:r>
+          </a:p>
+          <a:p>
+            <a:pPr algn="ctr"/>
+            <a:r>
+              <a:rPr lang="en-US" altLang="ko-KR" sz="1200" dirty="0">
+                <a:solidFill>
+                  <a:schemeClr val="tx1"/>
+                </a:solidFill>
+                <a:latin typeface="AppleSDGothicNeoM00" panose="02000503000000000000" pitchFamily="2" charset="-127"/>
+                <a:ea typeface="AppleSDGothicNeoM00" panose="02000503000000000000" pitchFamily="2" charset="-127"/>
+              </a:rPr>
+              <a:t>Authentication</a:t>
+            </a:r>
+            <a:endParaRPr lang="ko-KR" altLang="en-US" sz="1200" dirty="0">
+              <a:solidFill>
+                <a:schemeClr val="tx1"/>
+              </a:solidFill>
+              <a:latin typeface="AppleSDGothicNeoM00" panose="02000503000000000000" pitchFamily="2" charset="-127"/>
+              <a:ea typeface="AppleSDGothicNeoM00" panose="02000503000000000000" pitchFamily="2" charset="-127"/>
+            </a:endParaRPr>
+          </a:p>
+        </p:txBody>
+      </p:sp>
+      <p:sp>
+        <p:nvSpPr>
+          <p:cNvPr id="7" name="직사각형 6">
+            <a:extLst>
+              <a:ext uri="{FF2B5EF4-FFF2-40B4-BE49-F238E27FC236}">
+                <a16:creationId xmlns:a16="http://schemas.microsoft.com/office/drawing/2014/main" id="{3765916A-3F73-4BBC-9184-C73147D1FDBE}"/>
+              </a:ext>
+            </a:extLst>
+          </p:cNvPr>
+          <p:cNvSpPr/>
+          <p:nvPr/>
+        </p:nvSpPr>
+        <p:spPr>
+          <a:xfrm>
+            <a:off x="10477505" y="457192"/>
+            <a:ext cx="1495425" cy="714375"/>
+          </a:xfrm>
+          <a:prstGeom prst="rect">
+            <a:avLst/>
+          </a:prstGeom>
+          <a:solidFill>
+            <a:schemeClr val="bg1"/>
+          </a:solidFill>
+          <a:ln w="15875">
+            <a:solidFill>
+              <a:schemeClr val="tx1"/>
+            </a:solidFill>
+          </a:ln>
+        </p:spPr>
+        <p:style>
+          <a:lnRef idx="2">
+            <a:schemeClr val="accent1">
+              <a:shade val="50000"/>
+            </a:schemeClr>
+          </a:lnRef>
+          <a:fillRef idx="1">
+            <a:schemeClr val="accent1"/>
+          </a:fillRef>
+          <a:effectRef idx="0">
+            <a:schemeClr val="accent1"/>
+          </a:effectRef>
+          <a:fontRef idx="minor">
+            <a:schemeClr val="lt1"/>
+          </a:fontRef>
+        </p:style>
+        <p:txBody>
+          <a:bodyPr rtlCol="0" anchor="ctr"/>
+          <a:lstStyle/>
+          <a:p>
+            <a:pPr algn="ctr"/>
+            <a:r>
+              <a:rPr lang="en-US" altLang="ko-KR" sz="1200" dirty="0">
+                <a:solidFill>
+                  <a:schemeClr val="tx1"/>
+                </a:solidFill>
+                <a:latin typeface="AppleSDGothicNeoM00" panose="02000503000000000000" pitchFamily="2" charset="-127"/>
+                <a:ea typeface="AppleSDGothicNeoM00" panose="02000503000000000000" pitchFamily="2" charset="-127"/>
+              </a:rPr>
+              <a:t>Service Provider</a:t>
+            </a:r>
+          </a:p>
+          <a:p>
+            <a:pPr algn="ctr"/>
+            <a:r>
+              <a:rPr lang="en-US" altLang="ko-KR" sz="1200" dirty="0">
+                <a:solidFill>
+                  <a:schemeClr val="tx1"/>
+                </a:solidFill>
+                <a:latin typeface="AppleSDGothicNeoM00" panose="02000503000000000000" pitchFamily="2" charset="-127"/>
+                <a:ea typeface="AppleSDGothicNeoM00" panose="02000503000000000000" pitchFamily="2" charset="-127"/>
+              </a:rPr>
+              <a:t>Resource</a:t>
+            </a:r>
+            <a:endParaRPr lang="ko-KR" altLang="en-US" sz="1200" dirty="0">
+              <a:solidFill>
+                <a:schemeClr val="tx1"/>
+              </a:solidFill>
+              <a:latin typeface="AppleSDGothicNeoM00" panose="02000503000000000000" pitchFamily="2" charset="-127"/>
+              <a:ea typeface="AppleSDGothicNeoM00" panose="02000503000000000000" pitchFamily="2" charset="-127"/>
+            </a:endParaRPr>
+          </a:p>
+        </p:txBody>
+      </p:sp>
+      <p:cxnSp>
+        <p:nvCxnSpPr>
+          <p:cNvPr id="9" name="직선 연결선 8">
+            <a:extLst>
+              <a:ext uri="{FF2B5EF4-FFF2-40B4-BE49-F238E27FC236}">
+                <a16:creationId xmlns:a16="http://schemas.microsoft.com/office/drawing/2014/main" id="{94DDD840-7F6A-4F35-A8D7-B802B5E56567}"/>
+              </a:ext>
+            </a:extLst>
+          </p:cNvPr>
+          <p:cNvCxnSpPr>
+            <a:stCxn id="5" idx="2"/>
+          </p:cNvCxnSpPr>
+          <p:nvPr/>
+        </p:nvCxnSpPr>
+        <p:spPr>
+          <a:xfrm flipH="1">
+            <a:off x="947734" y="1171567"/>
+            <a:ext cx="19050" cy="5229237"/>
+          </a:xfrm>
+          <a:prstGeom prst="line">
+            <a:avLst/>
+          </a:prstGeom>
+          <a:ln w="12700">
+            <a:solidFill>
+              <a:schemeClr val="tx1"/>
+            </a:solidFill>
+            <a:prstDash val="dash"/>
+          </a:ln>
+        </p:spPr>
+        <p:style>
+          <a:lnRef idx="1">
+            <a:schemeClr val="accent1"/>
+          </a:lnRef>
+          <a:fillRef idx="0">
+            <a:schemeClr val="accent1"/>
+          </a:fillRef>
+          <a:effectRef idx="0">
+            <a:schemeClr val="accent1"/>
+          </a:effectRef>
+          <a:fontRef idx="minor">
+            <a:schemeClr val="tx1"/>
+          </a:fontRef>
+        </p:style>
+      </p:cxnSp>
+      <p:cxnSp>
+        <p:nvCxnSpPr>
+          <p:cNvPr id="17" name="직선 연결선 16">
+            <a:extLst>
+              <a:ext uri="{FF2B5EF4-FFF2-40B4-BE49-F238E27FC236}">
+                <a16:creationId xmlns:a16="http://schemas.microsoft.com/office/drawing/2014/main" id="{06B8ADE0-DC9B-446C-85C6-8BBB2614C209}"/>
+              </a:ext>
+            </a:extLst>
+          </p:cNvPr>
+          <p:cNvCxnSpPr>
+            <a:stCxn id="2" idx="2"/>
+          </p:cNvCxnSpPr>
+          <p:nvPr/>
+        </p:nvCxnSpPr>
+        <p:spPr>
+          <a:xfrm flipH="1">
+            <a:off x="4386261" y="1171567"/>
+            <a:ext cx="1" cy="5229237"/>
+          </a:xfrm>
+          <a:prstGeom prst="line">
+            <a:avLst/>
+          </a:prstGeom>
+          <a:ln w="12700">
+            <a:solidFill>
+              <a:schemeClr val="tx1"/>
+            </a:solidFill>
+            <a:prstDash val="dash"/>
+          </a:ln>
+        </p:spPr>
+        <p:style>
+          <a:lnRef idx="1">
+            <a:schemeClr val="accent1"/>
+          </a:lnRef>
+          <a:fillRef idx="0">
+            <a:schemeClr val="accent1"/>
+          </a:fillRef>
+          <a:effectRef idx="0">
+            <a:schemeClr val="accent1"/>
+          </a:effectRef>
+          <a:fontRef idx="minor">
+            <a:schemeClr val="tx1"/>
+          </a:fontRef>
+        </p:style>
+      </p:cxnSp>
+      <p:cxnSp>
+        <p:nvCxnSpPr>
+          <p:cNvPr id="25" name="직선 연결선 24">
+            <a:extLst>
+              <a:ext uri="{FF2B5EF4-FFF2-40B4-BE49-F238E27FC236}">
+                <a16:creationId xmlns:a16="http://schemas.microsoft.com/office/drawing/2014/main" id="{7CDE3204-51A8-4E9F-955A-AFAAE9A6CB33}"/>
+              </a:ext>
+            </a:extLst>
+          </p:cNvPr>
+          <p:cNvCxnSpPr>
+            <a:stCxn id="6" idx="2"/>
+          </p:cNvCxnSpPr>
+          <p:nvPr/>
+        </p:nvCxnSpPr>
+        <p:spPr>
+          <a:xfrm flipH="1">
+            <a:off x="7805739" y="1171567"/>
+            <a:ext cx="1" cy="5229238"/>
+          </a:xfrm>
+          <a:prstGeom prst="line">
+            <a:avLst/>
+          </a:prstGeom>
+          <a:ln w="12700">
+            <a:solidFill>
+              <a:schemeClr val="tx1"/>
+            </a:solidFill>
+            <a:prstDash val="dash"/>
+          </a:ln>
+        </p:spPr>
+        <p:style>
+          <a:lnRef idx="1">
+            <a:schemeClr val="accent1"/>
+          </a:lnRef>
+          <a:fillRef idx="0">
+            <a:schemeClr val="accent1"/>
+          </a:fillRef>
+          <a:effectRef idx="0">
+            <a:schemeClr val="accent1"/>
+          </a:effectRef>
+          <a:fontRef idx="minor">
+            <a:schemeClr val="tx1"/>
+          </a:fontRef>
+        </p:style>
+      </p:cxnSp>
+      <p:cxnSp>
+        <p:nvCxnSpPr>
+          <p:cNvPr id="29" name="직선 연결선 28">
+            <a:extLst>
+              <a:ext uri="{FF2B5EF4-FFF2-40B4-BE49-F238E27FC236}">
+                <a16:creationId xmlns:a16="http://schemas.microsoft.com/office/drawing/2014/main" id="{DE3F1C9D-07A8-49D4-853A-B2585C8FBC48}"/>
+              </a:ext>
+            </a:extLst>
+          </p:cNvPr>
+          <p:cNvCxnSpPr>
+            <a:stCxn id="7" idx="2"/>
+          </p:cNvCxnSpPr>
+          <p:nvPr/>
+        </p:nvCxnSpPr>
+        <p:spPr>
+          <a:xfrm flipH="1">
+            <a:off x="11225217" y="1171567"/>
+            <a:ext cx="1" cy="5229237"/>
+          </a:xfrm>
+          <a:prstGeom prst="line">
+            <a:avLst/>
+          </a:prstGeom>
+          <a:ln w="12700">
+            <a:solidFill>
+              <a:schemeClr val="tx1"/>
+            </a:solidFill>
+            <a:prstDash val="dash"/>
+          </a:ln>
+        </p:spPr>
+        <p:style>
+          <a:lnRef idx="1">
+            <a:schemeClr val="accent1"/>
+          </a:lnRef>
+          <a:fillRef idx="0">
+            <a:schemeClr val="accent1"/>
+          </a:fillRef>
+          <a:effectRef idx="0">
+            <a:schemeClr val="accent1"/>
+          </a:effectRef>
+          <a:fontRef idx="minor">
+            <a:schemeClr val="tx1"/>
+          </a:fontRef>
+        </p:style>
+      </p:cxnSp>
+      <p:cxnSp>
+        <p:nvCxnSpPr>
+          <p:cNvPr id="43" name="직선 화살표 연결선 42">
+            <a:extLst>
+              <a:ext uri="{FF2B5EF4-FFF2-40B4-BE49-F238E27FC236}">
+                <a16:creationId xmlns:a16="http://schemas.microsoft.com/office/drawing/2014/main" id="{6789F9D4-C908-4EB3-A243-31B514D70235}"/>
+              </a:ext>
+            </a:extLst>
+          </p:cNvPr>
+          <p:cNvCxnSpPr>
+            <a:cxnSpLocks/>
+          </p:cNvCxnSpPr>
+          <p:nvPr/>
+        </p:nvCxnSpPr>
+        <p:spPr>
+          <a:xfrm>
+            <a:off x="966784" y="1612900"/>
+            <a:ext cx="3419477" cy="0"/>
+          </a:xfrm>
+          <a:prstGeom prst="straightConnector1">
+            <a:avLst/>
+          </a:prstGeom>
+          <a:ln w="12700">
+            <a:solidFill>
+              <a:schemeClr val="tx1"/>
+            </a:solidFill>
+            <a:tailEnd type="triangle"/>
+          </a:ln>
+        </p:spPr>
+        <p:style>
+          <a:lnRef idx="1">
+            <a:schemeClr val="accent1"/>
+          </a:lnRef>
+          <a:fillRef idx="0">
+            <a:schemeClr val="accent1"/>
+          </a:fillRef>
+          <a:effectRef idx="0">
+            <a:schemeClr val="accent1"/>
+          </a:effectRef>
+          <a:fontRef idx="minor">
+            <a:schemeClr val="tx1"/>
+          </a:fontRef>
+        </p:style>
+      </p:cxnSp>
+      <p:sp>
+        <p:nvSpPr>
+          <p:cNvPr id="44" name="TextBox 43">
+            <a:extLst>
+              <a:ext uri="{FF2B5EF4-FFF2-40B4-BE49-F238E27FC236}">
+                <a16:creationId xmlns:a16="http://schemas.microsoft.com/office/drawing/2014/main" id="{D2CCABE0-6A32-4C54-BB85-81DE454DD445}"/>
+              </a:ext>
+            </a:extLst>
+          </p:cNvPr>
+          <p:cNvSpPr txBox="1"/>
+          <p:nvPr/>
+        </p:nvSpPr>
+        <p:spPr>
+          <a:xfrm>
+            <a:off x="1915738" y="1305123"/>
+            <a:ext cx="1521570" cy="307777"/>
+          </a:xfrm>
+          <a:prstGeom prst="rect">
+            <a:avLst/>
+          </a:prstGeom>
+          <a:noFill/>
+        </p:spPr>
+        <p:txBody>
+          <a:bodyPr wrap="none" rtlCol="0">
+            <a:spAutoFit/>
+          </a:bodyPr>
+          <a:lstStyle/>
+          <a:p>
+            <a:pPr algn="ctr"/>
+            <a:r>
+              <a:rPr lang="en-US" altLang="ko-KR" sz="1400" dirty="0">
+                <a:latin typeface="AppleSDGothicNeoM00" panose="02000503000000000000" pitchFamily="2" charset="-127"/>
+                <a:ea typeface="AppleSDGothicNeoM00" panose="02000503000000000000" pitchFamily="2" charset="-127"/>
+              </a:rPr>
+              <a:t>1. </a:t>
+            </a:r>
+            <a:r>
+              <a:rPr lang="ko-KR" altLang="en-US" sz="1400" dirty="0">
+                <a:latin typeface="AppleSDGothicNeoM00" panose="02000503000000000000" pitchFamily="2" charset="-127"/>
+                <a:ea typeface="AppleSDGothicNeoM00" panose="02000503000000000000" pitchFamily="2" charset="-127"/>
+              </a:rPr>
+              <a:t>소셜 로그인 요청</a:t>
+            </a:r>
+          </a:p>
+        </p:txBody>
+      </p:sp>
+      <p:cxnSp>
+        <p:nvCxnSpPr>
+          <p:cNvPr id="93" name="직선 화살표 연결선 92">
+            <a:extLst>
+              <a:ext uri="{FF2B5EF4-FFF2-40B4-BE49-F238E27FC236}">
+                <a16:creationId xmlns:a16="http://schemas.microsoft.com/office/drawing/2014/main" id="{3E909BBF-E4F3-4D28-8425-D41112143437}"/>
+              </a:ext>
+            </a:extLst>
+          </p:cNvPr>
+          <p:cNvCxnSpPr>
+            <a:cxnSpLocks/>
+          </p:cNvCxnSpPr>
+          <p:nvPr/>
+        </p:nvCxnSpPr>
+        <p:spPr>
+          <a:xfrm>
+            <a:off x="947734" y="2803818"/>
+            <a:ext cx="6858002" cy="0"/>
+          </a:xfrm>
+          <a:prstGeom prst="straightConnector1">
+            <a:avLst/>
+          </a:prstGeom>
+          <a:ln w="12700">
+            <a:solidFill>
+              <a:schemeClr val="tx1"/>
+            </a:solidFill>
+            <a:tailEnd type="triangle"/>
+          </a:ln>
+        </p:spPr>
+        <p:style>
+          <a:lnRef idx="1">
+            <a:schemeClr val="accent1"/>
+          </a:lnRef>
+          <a:fillRef idx="0">
+            <a:schemeClr val="accent1"/>
+          </a:fillRef>
+          <a:effectRef idx="0">
+            <a:schemeClr val="accent1"/>
+          </a:effectRef>
+          <a:fontRef idx="minor">
+            <a:schemeClr val="tx1"/>
+          </a:fontRef>
+        </p:style>
+      </p:cxnSp>
+      <p:sp>
+        <p:nvSpPr>
+          <p:cNvPr id="94" name="TextBox 93">
+            <a:extLst>
+              <a:ext uri="{FF2B5EF4-FFF2-40B4-BE49-F238E27FC236}">
+                <a16:creationId xmlns:a16="http://schemas.microsoft.com/office/drawing/2014/main" id="{00A64EED-8A50-4A98-9783-17054BF81BA9}"/>
+              </a:ext>
+            </a:extLst>
+          </p:cNvPr>
+          <p:cNvSpPr txBox="1"/>
+          <p:nvPr/>
+        </p:nvSpPr>
+        <p:spPr>
+          <a:xfrm>
+            <a:off x="3610246" y="2501332"/>
+            <a:ext cx="1552028" cy="307777"/>
+          </a:xfrm>
+          <a:prstGeom prst="rect">
+            <a:avLst/>
+          </a:prstGeom>
+          <a:noFill/>
+        </p:spPr>
+        <p:txBody>
+          <a:bodyPr wrap="none" rtlCol="0">
+            <a:spAutoFit/>
+          </a:bodyPr>
+          <a:lstStyle/>
+          <a:p>
+            <a:pPr algn="ctr"/>
+            <a:r>
+              <a:rPr lang="en-US" altLang="ko-KR" sz="1400" dirty="0">
+                <a:latin typeface="AppleSDGothicNeoM00" panose="02000503000000000000" pitchFamily="2" charset="-127"/>
+                <a:ea typeface="AppleSDGothicNeoM00" panose="02000503000000000000" pitchFamily="2" charset="-127"/>
+              </a:rPr>
+              <a:t>3. </a:t>
+            </a:r>
+            <a:r>
+              <a:rPr lang="ko-KR" altLang="en-US" sz="1400" dirty="0">
+                <a:latin typeface="AppleSDGothicNeoM00" panose="02000503000000000000" pitchFamily="2" charset="-127"/>
+                <a:ea typeface="AppleSDGothicNeoM00" panose="02000503000000000000" pitchFamily="2" charset="-127"/>
+              </a:rPr>
+              <a:t>소셜 로그인 수행</a:t>
+            </a:r>
+          </a:p>
+        </p:txBody>
+      </p:sp>
+      <p:cxnSp>
+        <p:nvCxnSpPr>
+          <p:cNvPr id="95" name="직선 화살표 연결선 94">
+            <a:extLst>
+              <a:ext uri="{FF2B5EF4-FFF2-40B4-BE49-F238E27FC236}">
+                <a16:creationId xmlns:a16="http://schemas.microsoft.com/office/drawing/2014/main" id="{65A125E4-FB05-480B-8D7C-F7197F55CDB8}"/>
+              </a:ext>
+            </a:extLst>
+          </p:cNvPr>
+          <p:cNvCxnSpPr>
+            <a:cxnSpLocks/>
+          </p:cNvCxnSpPr>
+          <p:nvPr/>
+        </p:nvCxnSpPr>
+        <p:spPr>
+          <a:xfrm flipH="1">
+            <a:off x="4386260" y="3340100"/>
+            <a:ext cx="3419476" cy="0"/>
+          </a:xfrm>
+          <a:prstGeom prst="straightConnector1">
+            <a:avLst/>
+          </a:prstGeom>
+          <a:ln w="12700">
+            <a:solidFill>
+              <a:schemeClr val="tx1"/>
+            </a:solidFill>
+            <a:prstDash val="dashDot"/>
+            <a:tailEnd type="triangle"/>
+          </a:ln>
+        </p:spPr>
+        <p:style>
+          <a:lnRef idx="1">
+            <a:schemeClr val="accent1"/>
+          </a:lnRef>
+          <a:fillRef idx="0">
+            <a:schemeClr val="accent1"/>
+          </a:fillRef>
+          <a:effectRef idx="0">
+            <a:schemeClr val="accent1"/>
+          </a:effectRef>
+          <a:fontRef idx="minor">
+            <a:schemeClr val="tx1"/>
+          </a:fontRef>
+        </p:style>
+      </p:cxnSp>
+      <p:sp>
+        <p:nvSpPr>
+          <p:cNvPr id="96" name="TextBox 95">
+            <a:extLst>
+              <a:ext uri="{FF2B5EF4-FFF2-40B4-BE49-F238E27FC236}">
+                <a16:creationId xmlns:a16="http://schemas.microsoft.com/office/drawing/2014/main" id="{D7A0EA0E-13AA-4E77-B117-7A831334B121}"/>
+              </a:ext>
+            </a:extLst>
+          </p:cNvPr>
+          <p:cNvSpPr txBox="1"/>
+          <p:nvPr/>
+        </p:nvSpPr>
+        <p:spPr>
+          <a:xfrm>
+            <a:off x="5239284" y="3026558"/>
+            <a:ext cx="1741182" cy="307777"/>
+          </a:xfrm>
+          <a:prstGeom prst="rect">
+            <a:avLst/>
+          </a:prstGeom>
+          <a:noFill/>
+        </p:spPr>
+        <p:txBody>
+          <a:bodyPr wrap="none" rtlCol="0">
+            <a:spAutoFit/>
+          </a:bodyPr>
+          <a:lstStyle/>
+          <a:p>
+            <a:pPr algn="ctr"/>
+            <a:r>
+              <a:rPr lang="en-US" altLang="ko-KR" sz="1400" dirty="0">
+                <a:latin typeface="AppleSDGothicNeoM00" panose="02000503000000000000" pitchFamily="2" charset="-127"/>
+                <a:ea typeface="AppleSDGothicNeoM00" panose="02000503000000000000" pitchFamily="2" charset="-127"/>
+              </a:rPr>
+              <a:t>4. Access Token </a:t>
+            </a:r>
+            <a:r>
+              <a:rPr lang="ko-KR" altLang="en-US" sz="1400" dirty="0">
+                <a:latin typeface="AppleSDGothicNeoM00" panose="02000503000000000000" pitchFamily="2" charset="-127"/>
+                <a:ea typeface="AppleSDGothicNeoM00" panose="02000503000000000000" pitchFamily="2" charset="-127"/>
+              </a:rPr>
+              <a:t>응답</a:t>
+            </a:r>
+          </a:p>
+        </p:txBody>
+      </p:sp>
+      <p:cxnSp>
+        <p:nvCxnSpPr>
+          <p:cNvPr id="103" name="직선 화살표 연결선 102">
+            <a:extLst>
+              <a:ext uri="{FF2B5EF4-FFF2-40B4-BE49-F238E27FC236}">
+                <a16:creationId xmlns:a16="http://schemas.microsoft.com/office/drawing/2014/main" id="{BFF284C2-7854-474B-BC11-4479CDD4400C}"/>
+              </a:ext>
+            </a:extLst>
+          </p:cNvPr>
+          <p:cNvCxnSpPr>
+            <a:cxnSpLocks/>
+          </p:cNvCxnSpPr>
+          <p:nvPr/>
+        </p:nvCxnSpPr>
+        <p:spPr>
+          <a:xfrm flipH="1">
+            <a:off x="952911" y="2085398"/>
+            <a:ext cx="3419476" cy="0"/>
+          </a:xfrm>
+          <a:prstGeom prst="straightConnector1">
+            <a:avLst/>
+          </a:prstGeom>
+          <a:ln w="12700">
+            <a:solidFill>
+              <a:schemeClr val="tx1"/>
+            </a:solidFill>
+            <a:prstDash val="dashDot"/>
+            <a:tailEnd type="triangle"/>
+          </a:ln>
+        </p:spPr>
+        <p:style>
+          <a:lnRef idx="1">
+            <a:schemeClr val="accent1"/>
+          </a:lnRef>
+          <a:fillRef idx="0">
+            <a:schemeClr val="accent1"/>
+          </a:fillRef>
+          <a:effectRef idx="0">
+            <a:schemeClr val="accent1"/>
+          </a:effectRef>
+          <a:fontRef idx="minor">
+            <a:schemeClr val="tx1"/>
+          </a:fontRef>
+        </p:style>
+      </p:cxnSp>
+      <p:sp>
+        <p:nvSpPr>
+          <p:cNvPr id="104" name="TextBox 103">
+            <a:extLst>
+              <a:ext uri="{FF2B5EF4-FFF2-40B4-BE49-F238E27FC236}">
+                <a16:creationId xmlns:a16="http://schemas.microsoft.com/office/drawing/2014/main" id="{DDD386EB-399F-4643-8EA8-86D3C0AFAD5E}"/>
+              </a:ext>
+            </a:extLst>
+          </p:cNvPr>
+          <p:cNvSpPr txBox="1"/>
+          <p:nvPr/>
+        </p:nvSpPr>
+        <p:spPr>
+          <a:xfrm>
+            <a:off x="1490146" y="1771856"/>
+            <a:ext cx="2372765" cy="307777"/>
+          </a:xfrm>
+          <a:prstGeom prst="rect">
+            <a:avLst/>
+          </a:prstGeom>
+          <a:noFill/>
+        </p:spPr>
+        <p:txBody>
+          <a:bodyPr wrap="none" rtlCol="0">
+            <a:spAutoFit/>
+          </a:bodyPr>
+          <a:lstStyle/>
+          <a:p>
+            <a:pPr algn="ctr"/>
+            <a:r>
+              <a:rPr lang="en-US" altLang="ko-KR" sz="1400" dirty="0">
+                <a:latin typeface="AppleSDGothicNeoM00" panose="02000503000000000000" pitchFamily="2" charset="-127"/>
+                <a:ea typeface="AppleSDGothicNeoM00" panose="02000503000000000000" pitchFamily="2" charset="-127"/>
+              </a:rPr>
+              <a:t>2. </a:t>
+            </a:r>
+            <a:r>
+              <a:rPr lang="ko-KR" altLang="en-US" sz="1400" dirty="0">
+                <a:latin typeface="AppleSDGothicNeoM00" panose="02000503000000000000" pitchFamily="2" charset="-127"/>
+                <a:ea typeface="AppleSDGothicNeoM00" panose="02000503000000000000" pitchFamily="2" charset="-127"/>
+              </a:rPr>
+              <a:t>소셜 로그인 </a:t>
+            </a:r>
+            <a:r>
+              <a:rPr lang="en-US" altLang="ko-KR" sz="1400" dirty="0">
+                <a:latin typeface="AppleSDGothicNeoM00" panose="02000503000000000000" pitchFamily="2" charset="-127"/>
+                <a:ea typeface="AppleSDGothicNeoM00" panose="02000503000000000000" pitchFamily="2" charset="-127"/>
+              </a:rPr>
+              <a:t>URL </a:t>
+            </a:r>
+            <a:r>
+              <a:rPr lang="ko-KR" altLang="en-US" sz="1400" dirty="0" err="1">
+                <a:latin typeface="AppleSDGothicNeoM00" panose="02000503000000000000" pitchFamily="2" charset="-127"/>
+                <a:ea typeface="AppleSDGothicNeoM00" panose="02000503000000000000" pitchFamily="2" charset="-127"/>
+              </a:rPr>
+              <a:t>리다이렉션</a:t>
+            </a:r>
+            <a:endParaRPr lang="ko-KR" altLang="en-US" sz="1400" dirty="0">
+              <a:latin typeface="AppleSDGothicNeoM00" panose="02000503000000000000" pitchFamily="2" charset="-127"/>
+              <a:ea typeface="AppleSDGothicNeoM00" panose="02000503000000000000" pitchFamily="2" charset="-127"/>
+            </a:endParaRPr>
+          </a:p>
+        </p:txBody>
+      </p:sp>
+      <p:cxnSp>
+        <p:nvCxnSpPr>
+          <p:cNvPr id="105" name="직선 화살표 연결선 104">
+            <a:extLst>
+              <a:ext uri="{FF2B5EF4-FFF2-40B4-BE49-F238E27FC236}">
+                <a16:creationId xmlns:a16="http://schemas.microsoft.com/office/drawing/2014/main" id="{89ABB2E0-2A1C-46F6-985B-AF141904CDCE}"/>
+              </a:ext>
+            </a:extLst>
+          </p:cNvPr>
+          <p:cNvCxnSpPr>
+            <a:cxnSpLocks/>
+          </p:cNvCxnSpPr>
+          <p:nvPr/>
+        </p:nvCxnSpPr>
+        <p:spPr>
+          <a:xfrm>
+            <a:off x="4397793" y="3865326"/>
+            <a:ext cx="3419477" cy="0"/>
+          </a:xfrm>
+          <a:prstGeom prst="straightConnector1">
+            <a:avLst/>
+          </a:prstGeom>
+          <a:ln w="12700">
+            <a:solidFill>
+              <a:schemeClr val="tx1"/>
+            </a:solidFill>
+            <a:tailEnd type="triangle"/>
+          </a:ln>
+        </p:spPr>
+        <p:style>
+          <a:lnRef idx="1">
+            <a:schemeClr val="accent1"/>
+          </a:lnRef>
+          <a:fillRef idx="0">
+            <a:schemeClr val="accent1"/>
+          </a:fillRef>
+          <a:effectRef idx="0">
+            <a:schemeClr val="accent1"/>
+          </a:effectRef>
+          <a:fontRef idx="minor">
+            <a:schemeClr val="tx1"/>
+          </a:fontRef>
+        </p:style>
+      </p:cxnSp>
+      <p:sp>
+        <p:nvSpPr>
+          <p:cNvPr id="106" name="TextBox 105">
+            <a:extLst>
+              <a:ext uri="{FF2B5EF4-FFF2-40B4-BE49-F238E27FC236}">
+                <a16:creationId xmlns:a16="http://schemas.microsoft.com/office/drawing/2014/main" id="{1BB5EAC4-2EE5-4B46-8A21-5932215EE29B}"/>
+              </a:ext>
+            </a:extLst>
+          </p:cNvPr>
+          <p:cNvSpPr txBox="1"/>
+          <p:nvPr/>
+        </p:nvSpPr>
+        <p:spPr>
+          <a:xfrm>
+            <a:off x="5063820" y="3557549"/>
+            <a:ext cx="2087431" cy="307777"/>
+          </a:xfrm>
+          <a:prstGeom prst="rect">
+            <a:avLst/>
+          </a:prstGeom>
+          <a:noFill/>
+        </p:spPr>
+        <p:txBody>
+          <a:bodyPr wrap="none" rtlCol="0">
+            <a:spAutoFit/>
+          </a:bodyPr>
+          <a:lstStyle/>
+          <a:p>
+            <a:pPr algn="ctr"/>
+            <a:r>
+              <a:rPr lang="en-US" altLang="ko-KR" sz="1400" dirty="0">
+                <a:latin typeface="AppleSDGothicNeoM00" panose="02000503000000000000" pitchFamily="2" charset="-127"/>
+                <a:ea typeface="AppleSDGothicNeoM00" panose="02000503000000000000" pitchFamily="2" charset="-127"/>
+              </a:rPr>
+              <a:t>5. Access Token </a:t>
+            </a:r>
+            <a:r>
+              <a:rPr lang="ko-KR" altLang="en-US" sz="1400" dirty="0">
+                <a:latin typeface="AppleSDGothicNeoM00" panose="02000503000000000000" pitchFamily="2" charset="-127"/>
+                <a:ea typeface="AppleSDGothicNeoM00" panose="02000503000000000000" pitchFamily="2" charset="-127"/>
+              </a:rPr>
+              <a:t>검증 요청</a:t>
+            </a:r>
+          </a:p>
+        </p:txBody>
+      </p:sp>
+      <p:cxnSp>
+        <p:nvCxnSpPr>
+          <p:cNvPr id="107" name="직선 화살표 연결선 106">
+            <a:extLst>
+              <a:ext uri="{FF2B5EF4-FFF2-40B4-BE49-F238E27FC236}">
+                <a16:creationId xmlns:a16="http://schemas.microsoft.com/office/drawing/2014/main" id="{8020FEF9-65EC-4578-AEBC-B952AA04B8AE}"/>
+              </a:ext>
+            </a:extLst>
+          </p:cNvPr>
+          <p:cNvCxnSpPr>
+            <a:cxnSpLocks/>
+          </p:cNvCxnSpPr>
+          <p:nvPr/>
+        </p:nvCxnSpPr>
+        <p:spPr>
+          <a:xfrm flipH="1">
+            <a:off x="4374733" y="4390551"/>
+            <a:ext cx="3419476" cy="0"/>
+          </a:xfrm>
+          <a:prstGeom prst="straightConnector1">
+            <a:avLst/>
+          </a:prstGeom>
+          <a:ln w="12700">
+            <a:solidFill>
+              <a:schemeClr val="tx1"/>
+            </a:solidFill>
+            <a:prstDash val="dashDot"/>
+            <a:tailEnd type="triangle"/>
+          </a:ln>
+        </p:spPr>
+        <p:style>
+          <a:lnRef idx="1">
+            <a:schemeClr val="accent1"/>
+          </a:lnRef>
+          <a:fillRef idx="0">
+            <a:schemeClr val="accent1"/>
+          </a:fillRef>
+          <a:effectRef idx="0">
+            <a:schemeClr val="accent1"/>
+          </a:effectRef>
+          <a:fontRef idx="minor">
+            <a:schemeClr val="tx1"/>
+          </a:fontRef>
+        </p:style>
+      </p:cxnSp>
+      <p:sp>
+        <p:nvSpPr>
+          <p:cNvPr id="108" name="TextBox 107">
+            <a:extLst>
+              <a:ext uri="{FF2B5EF4-FFF2-40B4-BE49-F238E27FC236}">
+                <a16:creationId xmlns:a16="http://schemas.microsoft.com/office/drawing/2014/main" id="{798FBAEC-599A-44E3-BF3D-51CCE97D27F1}"/>
+              </a:ext>
+            </a:extLst>
+          </p:cNvPr>
+          <p:cNvSpPr txBox="1"/>
+          <p:nvPr/>
+        </p:nvSpPr>
+        <p:spPr>
+          <a:xfrm>
+            <a:off x="4871094" y="4077009"/>
+            <a:ext cx="2454519" cy="307777"/>
+          </a:xfrm>
+          <a:prstGeom prst="rect">
+            <a:avLst/>
+          </a:prstGeom>
+          <a:noFill/>
+        </p:spPr>
+        <p:txBody>
+          <a:bodyPr wrap="none" rtlCol="0">
+            <a:spAutoFit/>
+          </a:bodyPr>
+          <a:lstStyle/>
+          <a:p>
+            <a:pPr algn="ctr"/>
+            <a:r>
+              <a:rPr lang="en-US" altLang="ko-KR" sz="1400" dirty="0">
+                <a:latin typeface="AppleSDGothicNeoM00" panose="02000503000000000000" pitchFamily="2" charset="-127"/>
+                <a:ea typeface="AppleSDGothicNeoM00" panose="02000503000000000000" pitchFamily="2" charset="-127"/>
+              </a:rPr>
+              <a:t>6. Access Token </a:t>
+            </a:r>
+            <a:r>
+              <a:rPr lang="ko-KR" altLang="en-US" sz="1400" dirty="0">
+                <a:latin typeface="AppleSDGothicNeoM00" panose="02000503000000000000" pitchFamily="2" charset="-127"/>
+                <a:ea typeface="AppleSDGothicNeoM00" panose="02000503000000000000" pitchFamily="2" charset="-127"/>
+              </a:rPr>
+              <a:t>검증 결과 응답</a:t>
+            </a:r>
+          </a:p>
+        </p:txBody>
+      </p:sp>
+      <p:cxnSp>
+        <p:nvCxnSpPr>
+          <p:cNvPr id="109" name="직선 화살표 연결선 108">
+            <a:extLst>
+              <a:ext uri="{FF2B5EF4-FFF2-40B4-BE49-F238E27FC236}">
+                <a16:creationId xmlns:a16="http://schemas.microsoft.com/office/drawing/2014/main" id="{8252CFF0-083F-4AC0-8ADB-BAED6E95E2D7}"/>
+              </a:ext>
+            </a:extLst>
+          </p:cNvPr>
+          <p:cNvCxnSpPr>
+            <a:cxnSpLocks/>
+          </p:cNvCxnSpPr>
+          <p:nvPr/>
+        </p:nvCxnSpPr>
+        <p:spPr>
+          <a:xfrm>
+            <a:off x="4365208" y="5143896"/>
+            <a:ext cx="6858002" cy="0"/>
+          </a:xfrm>
+          <a:prstGeom prst="straightConnector1">
+            <a:avLst/>
+          </a:prstGeom>
+          <a:ln w="12700">
+            <a:solidFill>
+              <a:schemeClr val="tx1"/>
+            </a:solidFill>
+            <a:tailEnd type="triangle"/>
+          </a:ln>
+        </p:spPr>
+        <p:style>
+          <a:lnRef idx="1">
+            <a:schemeClr val="accent1"/>
+          </a:lnRef>
+          <a:fillRef idx="0">
+            <a:schemeClr val="accent1"/>
+          </a:fillRef>
+          <a:effectRef idx="0">
+            <a:schemeClr val="accent1"/>
+          </a:effectRef>
+          <a:fontRef idx="minor">
+            <a:schemeClr val="tx1"/>
+          </a:fontRef>
+        </p:style>
+      </p:cxnSp>
+      <p:sp>
+        <p:nvSpPr>
+          <p:cNvPr id="110" name="TextBox 109">
+            <a:extLst>
+              <a:ext uri="{FF2B5EF4-FFF2-40B4-BE49-F238E27FC236}">
+                <a16:creationId xmlns:a16="http://schemas.microsoft.com/office/drawing/2014/main" id="{9E07BFB7-B2AE-455E-B017-EBD5A5A3877D}"/>
+              </a:ext>
+            </a:extLst>
+          </p:cNvPr>
+          <p:cNvSpPr txBox="1"/>
+          <p:nvPr/>
+        </p:nvSpPr>
+        <p:spPr>
+          <a:xfrm>
+            <a:off x="7132717" y="4841410"/>
+            <a:ext cx="1342035" cy="307777"/>
+          </a:xfrm>
+          <a:prstGeom prst="rect">
+            <a:avLst/>
+          </a:prstGeom>
+          <a:solidFill>
+            <a:schemeClr val="accent6">
+              <a:lumMod val="20000"/>
+              <a:lumOff val="80000"/>
+            </a:schemeClr>
+          </a:solidFill>
+        </p:spPr>
+        <p:txBody>
+          <a:bodyPr wrap="none" rtlCol="0">
+            <a:spAutoFit/>
+          </a:bodyPr>
+          <a:lstStyle/>
+          <a:p>
+            <a:pPr algn="ctr"/>
+            <a:r>
+              <a:rPr lang="en-US" altLang="ko-KR" sz="1400" dirty="0">
+                <a:latin typeface="AppleSDGothicNeoM00" panose="02000503000000000000" pitchFamily="2" charset="-127"/>
+                <a:ea typeface="AppleSDGothicNeoM00" panose="02000503000000000000" pitchFamily="2" charset="-127"/>
+              </a:rPr>
+              <a:t>7. </a:t>
+            </a:r>
+            <a:r>
+              <a:rPr lang="ko-KR" altLang="en-US" sz="1400" dirty="0">
+                <a:latin typeface="AppleSDGothicNeoM00" panose="02000503000000000000" pitchFamily="2" charset="-127"/>
+                <a:ea typeface="AppleSDGothicNeoM00" panose="02000503000000000000" pitchFamily="2" charset="-127"/>
+              </a:rPr>
+              <a:t>요구자원 요청</a:t>
+            </a:r>
+          </a:p>
+        </p:txBody>
+      </p:sp>
+      <p:cxnSp>
+        <p:nvCxnSpPr>
+          <p:cNvPr id="111" name="직선 화살표 연결선 110">
+            <a:extLst>
+              <a:ext uri="{FF2B5EF4-FFF2-40B4-BE49-F238E27FC236}">
+                <a16:creationId xmlns:a16="http://schemas.microsoft.com/office/drawing/2014/main" id="{41976906-C77F-4F96-BD0D-3583148B95DC}"/>
+              </a:ext>
+            </a:extLst>
+          </p:cNvPr>
+          <p:cNvCxnSpPr>
+            <a:cxnSpLocks/>
+          </p:cNvCxnSpPr>
+          <p:nvPr/>
+        </p:nvCxnSpPr>
+        <p:spPr>
+          <a:xfrm flipH="1">
+            <a:off x="4374733" y="5692705"/>
+            <a:ext cx="6848477" cy="0"/>
+          </a:xfrm>
+          <a:prstGeom prst="straightConnector1">
+            <a:avLst/>
+          </a:prstGeom>
+          <a:ln w="12700">
+            <a:solidFill>
+              <a:schemeClr val="tx1"/>
+            </a:solidFill>
+            <a:prstDash val="dashDot"/>
+            <a:tailEnd type="triangle"/>
+          </a:ln>
+        </p:spPr>
+        <p:style>
+          <a:lnRef idx="1">
+            <a:schemeClr val="accent1"/>
+          </a:lnRef>
+          <a:fillRef idx="0">
+            <a:schemeClr val="accent1"/>
+          </a:fillRef>
+          <a:effectRef idx="0">
+            <a:schemeClr val="accent1"/>
+          </a:effectRef>
+          <a:fontRef idx="minor">
+            <a:schemeClr val="tx1"/>
+          </a:fontRef>
+        </p:style>
+      </p:cxnSp>
+      <p:sp>
+        <p:nvSpPr>
+          <p:cNvPr id="112" name="TextBox 111">
+            <a:extLst>
+              <a:ext uri="{FF2B5EF4-FFF2-40B4-BE49-F238E27FC236}">
+                <a16:creationId xmlns:a16="http://schemas.microsoft.com/office/drawing/2014/main" id="{E172A436-1393-4BB5-9B17-6C825F737F2C}"/>
+              </a:ext>
+            </a:extLst>
+          </p:cNvPr>
+          <p:cNvSpPr txBox="1"/>
+          <p:nvPr/>
+        </p:nvSpPr>
+        <p:spPr>
+          <a:xfrm>
+            <a:off x="7138238" y="5384928"/>
+            <a:ext cx="1358065" cy="307777"/>
+          </a:xfrm>
+          <a:prstGeom prst="rect">
+            <a:avLst/>
+          </a:prstGeom>
+          <a:solidFill>
+            <a:schemeClr val="accent6">
+              <a:lumMod val="20000"/>
+              <a:lumOff val="80000"/>
+            </a:schemeClr>
+          </a:solidFill>
+        </p:spPr>
+        <p:txBody>
+          <a:bodyPr wrap="none" rtlCol="0">
+            <a:spAutoFit/>
+          </a:bodyPr>
+          <a:lstStyle/>
+          <a:p>
+            <a:pPr algn="ctr"/>
+            <a:r>
+              <a:rPr lang="en-US" altLang="ko-KR" sz="1400" dirty="0">
+                <a:latin typeface="AppleSDGothicNeoM00" panose="02000503000000000000" pitchFamily="2" charset="-127"/>
+                <a:ea typeface="AppleSDGothicNeoM00" panose="02000503000000000000" pitchFamily="2" charset="-127"/>
+              </a:rPr>
+              <a:t>8. </a:t>
+            </a:r>
+            <a:r>
+              <a:rPr lang="ko-KR" altLang="en-US" sz="1400" dirty="0">
+                <a:latin typeface="AppleSDGothicNeoM00" panose="02000503000000000000" pitchFamily="2" charset="-127"/>
+                <a:ea typeface="AppleSDGothicNeoM00" panose="02000503000000000000" pitchFamily="2" charset="-127"/>
+              </a:rPr>
+              <a:t>요구자원 반환</a:t>
+            </a:r>
+          </a:p>
+        </p:txBody>
+      </p:sp>
+    </p:spTree>
+    <p:extLst>
+      <p:ext uri="{BB962C8B-B14F-4D97-AF65-F5344CB8AC3E}">
+        <p14:creationId xmlns:p14="http://schemas.microsoft.com/office/powerpoint/2010/main" val="321390261"/>
+      </p:ext>
+    </p:extLst>
+  </p:cSld>
+  <p:clrMapOvr>
+    <a:masterClrMapping/>
+  </p:clrMapOvr>
+</p:sld>
+</file>
+
+<file path=ppt/slides/slide5.xml><?xml version="1.0" encoding="utf-8"?>
+<p:sld xmlns:a="http://schemas.openxmlformats.org/drawingml/2006/main" xmlns:r="http://schemas.openxmlformats.org/officeDocument/2006/relationships" xmlns:p="http://schemas.openxmlformats.org/presentationml/2006/main">
+  <p:cSld>
+    <p:spTree>
+      <p:nvGrpSpPr>
+        <p:cNvPr id="1" name=""/>
+        <p:cNvGrpSpPr/>
+        <p:nvPr/>
+      </p:nvGrpSpPr>
+      <p:grpSpPr>
+        <a:xfrm>
+          <a:off x="0" y="0"/>
+          <a:ext cx="0" cy="0"/>
+          <a:chOff x="0" y="0"/>
+          <a:chExt cx="0" cy="0"/>
+        </a:xfrm>
+      </p:grpSpPr>
+      <p:sp>
+        <p:nvSpPr>
+          <p:cNvPr id="3" name="직사각형 2">
+            <a:extLst>
+              <a:ext uri="{FF2B5EF4-FFF2-40B4-BE49-F238E27FC236}">
+                <a16:creationId xmlns:a16="http://schemas.microsoft.com/office/drawing/2014/main" id="{AE2D6E9A-C8D3-4F57-95FE-317AFE2BC2A9}"/>
+              </a:ext>
+            </a:extLst>
+          </p:cNvPr>
+          <p:cNvSpPr/>
+          <p:nvPr/>
+        </p:nvSpPr>
+        <p:spPr>
+          <a:xfrm>
+            <a:off x="-765168" y="0"/>
+            <a:ext cx="13731867" cy="6858000"/>
+          </a:xfrm>
+          <a:prstGeom prst="rect">
+            <a:avLst/>
+          </a:prstGeom>
+          <a:solidFill>
+            <a:schemeClr val="bg1"/>
+          </a:solidFill>
+          <a:ln>
+            <a:noFill/>
+          </a:ln>
+        </p:spPr>
+        <p:style>
+          <a:lnRef idx="2">
+            <a:schemeClr val="accent1">
+              <a:shade val="50000"/>
+            </a:schemeClr>
+          </a:lnRef>
+          <a:fillRef idx="1">
+            <a:schemeClr val="accent1"/>
+          </a:fillRef>
+          <a:effectRef idx="0">
+            <a:schemeClr val="accent1"/>
+          </a:effectRef>
+          <a:fontRef idx="minor">
+            <a:schemeClr val="lt1"/>
+          </a:fontRef>
+        </p:style>
+        <p:txBody>
+          <a:bodyPr rtlCol="0" anchor="ctr"/>
+          <a:lstStyle/>
+          <a:p>
+            <a:pPr algn="ctr"/>
+            <a:endParaRPr lang="ko-KR" altLang="en-US"/>
+          </a:p>
+        </p:txBody>
+      </p:sp>
+      <p:sp>
+        <p:nvSpPr>
+          <p:cNvPr id="63" name="직사각형 62">
+            <a:extLst>
+              <a:ext uri="{FF2B5EF4-FFF2-40B4-BE49-F238E27FC236}">
+                <a16:creationId xmlns:a16="http://schemas.microsoft.com/office/drawing/2014/main" id="{541068AD-6A61-4653-94EE-E3A1320E1C7E}"/>
+              </a:ext>
+            </a:extLst>
+          </p:cNvPr>
+          <p:cNvSpPr/>
+          <p:nvPr/>
+        </p:nvSpPr>
+        <p:spPr>
+          <a:xfrm>
+            <a:off x="2741193" y="0"/>
+            <a:ext cx="3368681" cy="6858000"/>
+          </a:xfrm>
+          <a:prstGeom prst="rect">
+            <a:avLst/>
+          </a:prstGeom>
+          <a:solidFill>
+            <a:schemeClr val="accent5">
+              <a:lumMod val="20000"/>
+              <a:lumOff val="80000"/>
+            </a:schemeClr>
+          </a:solidFill>
+          <a:ln>
+            <a:noFill/>
+          </a:ln>
+        </p:spPr>
+        <p:style>
+          <a:lnRef idx="2">
+            <a:schemeClr val="accent1">
+              <a:shade val="50000"/>
+            </a:schemeClr>
+          </a:lnRef>
+          <a:fillRef idx="1">
+            <a:schemeClr val="accent1"/>
+          </a:fillRef>
+          <a:effectRef idx="0">
+            <a:schemeClr val="accent1"/>
+          </a:effectRef>
+          <a:fontRef idx="minor">
+            <a:schemeClr val="lt1"/>
+          </a:fontRef>
+        </p:style>
+        <p:txBody>
+          <a:bodyPr rtlCol="0" anchor="ctr"/>
+          <a:lstStyle/>
+          <a:p>
+            <a:pPr algn="ctr"/>
+            <a:endParaRPr lang="ko-KR" altLang="en-US"/>
+          </a:p>
+        </p:txBody>
+      </p:sp>
+      <p:sp>
+        <p:nvSpPr>
+          <p:cNvPr id="60" name="직사각형 59">
+            <a:extLst>
+              <a:ext uri="{FF2B5EF4-FFF2-40B4-BE49-F238E27FC236}">
+                <a16:creationId xmlns:a16="http://schemas.microsoft.com/office/drawing/2014/main" id="{FCDB5A1A-C47C-4309-AF47-55078683541D}"/>
+              </a:ext>
+            </a:extLst>
+          </p:cNvPr>
+          <p:cNvSpPr/>
+          <p:nvPr/>
+        </p:nvSpPr>
+        <p:spPr>
+          <a:xfrm>
+            <a:off x="6095999" y="0"/>
+            <a:ext cx="6870700" cy="6858000"/>
+          </a:xfrm>
+          <a:prstGeom prst="rect">
+            <a:avLst/>
+          </a:prstGeom>
+          <a:solidFill>
+            <a:schemeClr val="accent6">
+              <a:lumMod val="20000"/>
+              <a:lumOff val="80000"/>
+            </a:schemeClr>
+          </a:solidFill>
+          <a:ln>
+            <a:noFill/>
+          </a:ln>
+        </p:spPr>
+        <p:style>
+          <a:lnRef idx="2">
+            <a:schemeClr val="accent1">
+              <a:shade val="50000"/>
+            </a:schemeClr>
+          </a:lnRef>
+          <a:fillRef idx="1">
+            <a:schemeClr val="accent1"/>
+          </a:fillRef>
+          <a:effectRef idx="0">
+            <a:schemeClr val="accent1"/>
+          </a:effectRef>
+          <a:fontRef idx="minor">
+            <a:schemeClr val="lt1"/>
+          </a:fontRef>
+        </p:style>
+        <p:txBody>
+          <a:bodyPr rtlCol="0" anchor="ctr"/>
+          <a:lstStyle/>
+          <a:p>
+            <a:pPr algn="ctr"/>
+            <a:endParaRPr lang="ko-KR" altLang="en-US"/>
+          </a:p>
+        </p:txBody>
+      </p:sp>
+      <p:sp>
+        <p:nvSpPr>
+          <p:cNvPr id="2" name="직사각형 1">
+            <a:extLst>
+              <a:ext uri="{FF2B5EF4-FFF2-40B4-BE49-F238E27FC236}">
+                <a16:creationId xmlns:a16="http://schemas.microsoft.com/office/drawing/2014/main" id="{442D5DB4-3CBC-44B9-B9E9-2DC6F47FD7D1}"/>
+              </a:ext>
+            </a:extLst>
+          </p:cNvPr>
+          <p:cNvSpPr/>
+          <p:nvPr/>
+        </p:nvSpPr>
+        <p:spPr>
+          <a:xfrm>
+            <a:off x="3638549" y="457192"/>
+            <a:ext cx="1495425" cy="714375"/>
+          </a:xfrm>
+          <a:prstGeom prst="rect">
+            <a:avLst/>
+          </a:prstGeom>
+          <a:solidFill>
+            <a:schemeClr val="bg1"/>
+          </a:solidFill>
+          <a:ln w="15875">
+            <a:solidFill>
+              <a:schemeClr val="tx1"/>
+            </a:solidFill>
+          </a:ln>
+        </p:spPr>
+        <p:style>
+          <a:lnRef idx="2">
+            <a:schemeClr val="accent1">
+              <a:shade val="50000"/>
+            </a:schemeClr>
+          </a:lnRef>
+          <a:fillRef idx="1">
+            <a:schemeClr val="accent1"/>
+          </a:fillRef>
+          <a:effectRef idx="0">
+            <a:schemeClr val="accent1"/>
+          </a:effectRef>
+          <a:fontRef idx="minor">
+            <a:schemeClr val="lt1"/>
+          </a:fontRef>
+        </p:style>
+        <p:txBody>
+          <a:bodyPr rtlCol="0" anchor="ctr"/>
+          <a:lstStyle/>
+          <a:p>
+            <a:pPr algn="ctr"/>
+            <a:r>
+              <a:rPr lang="en-US" altLang="ko-KR" sz="1200" dirty="0">
+                <a:solidFill>
+                  <a:schemeClr val="tx1"/>
+                </a:solidFill>
+                <a:latin typeface="AppleSDGothicNeoM00" panose="02000503000000000000" pitchFamily="2" charset="-127"/>
+                <a:ea typeface="AppleSDGothicNeoM00" panose="02000503000000000000" pitchFamily="2" charset="-127"/>
+              </a:rPr>
+              <a:t>Consumer</a:t>
+            </a:r>
+          </a:p>
+        </p:txBody>
+      </p:sp>
+      <p:sp>
+        <p:nvSpPr>
+          <p:cNvPr id="5" name="직사각형 4">
+            <a:extLst>
+              <a:ext uri="{FF2B5EF4-FFF2-40B4-BE49-F238E27FC236}">
+                <a16:creationId xmlns:a16="http://schemas.microsoft.com/office/drawing/2014/main" id="{B198BC91-B78F-4041-8DB9-63DB9231F9DD}"/>
+              </a:ext>
+            </a:extLst>
+          </p:cNvPr>
+          <p:cNvSpPr/>
+          <p:nvPr/>
+        </p:nvSpPr>
+        <p:spPr>
+          <a:xfrm>
+            <a:off x="219071" y="457192"/>
+            <a:ext cx="1495425" cy="714375"/>
+          </a:xfrm>
+          <a:prstGeom prst="rect">
+            <a:avLst/>
+          </a:prstGeom>
+          <a:solidFill>
+            <a:schemeClr val="bg1"/>
+          </a:solidFill>
+          <a:ln w="15875">
+            <a:solidFill>
+              <a:schemeClr val="tx1"/>
+            </a:solidFill>
+          </a:ln>
+        </p:spPr>
+        <p:style>
+          <a:lnRef idx="2">
+            <a:schemeClr val="accent1">
+              <a:shade val="50000"/>
+            </a:schemeClr>
+          </a:lnRef>
+          <a:fillRef idx="1">
+            <a:schemeClr val="accent1"/>
+          </a:fillRef>
+          <a:effectRef idx="0">
+            <a:schemeClr val="accent1"/>
+          </a:effectRef>
+          <a:fontRef idx="minor">
+            <a:schemeClr val="lt1"/>
+          </a:fontRef>
+        </p:style>
+        <p:txBody>
+          <a:bodyPr rtlCol="0" anchor="ctr"/>
+          <a:lstStyle/>
+          <a:p>
+            <a:pPr algn="ctr"/>
+            <a:r>
+              <a:rPr lang="en-US" altLang="ko-KR" sz="1200" dirty="0">
+                <a:solidFill>
+                  <a:schemeClr val="tx1"/>
+                </a:solidFill>
+                <a:latin typeface="AppleSDGothicNeoM00" panose="02000503000000000000" pitchFamily="2" charset="-127"/>
+                <a:ea typeface="AppleSDGothicNeoM00" panose="02000503000000000000" pitchFamily="2" charset="-127"/>
+              </a:rPr>
+              <a:t>User</a:t>
+            </a:r>
+            <a:endParaRPr lang="ko-KR" altLang="en-US" sz="1200" dirty="0">
+              <a:solidFill>
+                <a:schemeClr val="tx1"/>
+              </a:solidFill>
+              <a:latin typeface="AppleSDGothicNeoM00" panose="02000503000000000000" pitchFamily="2" charset="-127"/>
+              <a:ea typeface="AppleSDGothicNeoM00" panose="02000503000000000000" pitchFamily="2" charset="-127"/>
+            </a:endParaRPr>
+          </a:p>
+        </p:txBody>
+      </p:sp>
+      <p:sp>
+        <p:nvSpPr>
+          <p:cNvPr id="6" name="직사각형 5">
+            <a:extLst>
+              <a:ext uri="{FF2B5EF4-FFF2-40B4-BE49-F238E27FC236}">
+                <a16:creationId xmlns:a16="http://schemas.microsoft.com/office/drawing/2014/main" id="{524AEE3A-B5F9-40F6-B4E2-722CD76C47EA}"/>
+              </a:ext>
+            </a:extLst>
+          </p:cNvPr>
+          <p:cNvSpPr/>
+          <p:nvPr/>
+        </p:nvSpPr>
+        <p:spPr>
+          <a:xfrm>
+            <a:off x="7058027" y="457192"/>
+            <a:ext cx="1495425" cy="714375"/>
+          </a:xfrm>
+          <a:prstGeom prst="rect">
+            <a:avLst/>
+          </a:prstGeom>
+          <a:solidFill>
+            <a:schemeClr val="bg1"/>
+          </a:solidFill>
+          <a:ln w="15875">
+            <a:solidFill>
+              <a:schemeClr val="tx1"/>
+            </a:solidFill>
+          </a:ln>
+        </p:spPr>
+        <p:style>
+          <a:lnRef idx="2">
+            <a:schemeClr val="accent1">
+              <a:shade val="50000"/>
+            </a:schemeClr>
+          </a:lnRef>
+          <a:fillRef idx="1">
+            <a:schemeClr val="accent1"/>
+          </a:fillRef>
+          <a:effectRef idx="0">
+            <a:schemeClr val="accent1"/>
+          </a:effectRef>
+          <a:fontRef idx="minor">
+            <a:schemeClr val="lt1"/>
+          </a:fontRef>
+        </p:style>
+        <p:txBody>
+          <a:bodyPr rtlCol="0" anchor="ctr"/>
+          <a:lstStyle/>
+          <a:p>
+            <a:pPr algn="ctr"/>
+            <a:r>
+              <a:rPr lang="en-US" altLang="ko-KR" sz="1200" dirty="0">
+                <a:solidFill>
+                  <a:schemeClr val="tx1"/>
+                </a:solidFill>
+                <a:latin typeface="AppleSDGothicNeoM00" panose="02000503000000000000" pitchFamily="2" charset="-127"/>
+                <a:ea typeface="AppleSDGothicNeoM00" panose="02000503000000000000" pitchFamily="2" charset="-127"/>
+              </a:rPr>
+              <a:t>Service Provider</a:t>
+            </a:r>
+          </a:p>
+          <a:p>
+            <a:pPr algn="ctr"/>
+            <a:r>
+              <a:rPr lang="en-US" altLang="ko-KR" sz="1200" dirty="0">
+                <a:solidFill>
+                  <a:schemeClr val="tx1"/>
+                </a:solidFill>
+                <a:latin typeface="AppleSDGothicNeoM00" panose="02000503000000000000" pitchFamily="2" charset="-127"/>
+                <a:ea typeface="AppleSDGothicNeoM00" panose="02000503000000000000" pitchFamily="2" charset="-127"/>
+              </a:rPr>
+              <a:t>Authentication</a:t>
+            </a:r>
+            <a:endParaRPr lang="ko-KR" altLang="en-US" sz="1200" dirty="0">
+              <a:solidFill>
+                <a:schemeClr val="tx1"/>
+              </a:solidFill>
+              <a:latin typeface="AppleSDGothicNeoM00" panose="02000503000000000000" pitchFamily="2" charset="-127"/>
+              <a:ea typeface="AppleSDGothicNeoM00" panose="02000503000000000000" pitchFamily="2" charset="-127"/>
+            </a:endParaRPr>
+          </a:p>
+        </p:txBody>
+      </p:sp>
+      <p:sp>
+        <p:nvSpPr>
+          <p:cNvPr id="7" name="직사각형 6">
+            <a:extLst>
+              <a:ext uri="{FF2B5EF4-FFF2-40B4-BE49-F238E27FC236}">
+                <a16:creationId xmlns:a16="http://schemas.microsoft.com/office/drawing/2014/main" id="{3765916A-3F73-4BBC-9184-C73147D1FDBE}"/>
+              </a:ext>
+            </a:extLst>
+          </p:cNvPr>
+          <p:cNvSpPr/>
+          <p:nvPr/>
+        </p:nvSpPr>
+        <p:spPr>
+          <a:xfrm>
+            <a:off x="10477505" y="457192"/>
+            <a:ext cx="1495425" cy="714375"/>
+          </a:xfrm>
+          <a:prstGeom prst="rect">
+            <a:avLst/>
+          </a:prstGeom>
+          <a:solidFill>
+            <a:schemeClr val="bg1"/>
+          </a:solidFill>
+          <a:ln w="15875">
+            <a:solidFill>
+              <a:schemeClr val="tx1"/>
+            </a:solidFill>
+          </a:ln>
+        </p:spPr>
+        <p:style>
+          <a:lnRef idx="2">
+            <a:schemeClr val="accent1">
+              <a:shade val="50000"/>
+            </a:schemeClr>
+          </a:lnRef>
+          <a:fillRef idx="1">
+            <a:schemeClr val="accent1"/>
+          </a:fillRef>
+          <a:effectRef idx="0">
+            <a:schemeClr val="accent1"/>
+          </a:effectRef>
+          <a:fontRef idx="minor">
+            <a:schemeClr val="lt1"/>
+          </a:fontRef>
+        </p:style>
+        <p:txBody>
+          <a:bodyPr rtlCol="0" anchor="ctr"/>
+          <a:lstStyle/>
+          <a:p>
+            <a:pPr algn="ctr"/>
+            <a:r>
+              <a:rPr lang="en-US" altLang="ko-KR" sz="1200" dirty="0">
+                <a:solidFill>
+                  <a:schemeClr val="tx1"/>
+                </a:solidFill>
+                <a:latin typeface="AppleSDGothicNeoM00" panose="02000503000000000000" pitchFamily="2" charset="-127"/>
+                <a:ea typeface="AppleSDGothicNeoM00" panose="02000503000000000000" pitchFamily="2" charset="-127"/>
+              </a:rPr>
+              <a:t>Service Provider</a:t>
+            </a:r>
+          </a:p>
+          <a:p>
+            <a:pPr algn="ctr"/>
+            <a:r>
+              <a:rPr lang="en-US" altLang="ko-KR" sz="1200" dirty="0">
+                <a:solidFill>
+                  <a:schemeClr val="tx1"/>
+                </a:solidFill>
+                <a:latin typeface="AppleSDGothicNeoM00" panose="02000503000000000000" pitchFamily="2" charset="-127"/>
+                <a:ea typeface="AppleSDGothicNeoM00" panose="02000503000000000000" pitchFamily="2" charset="-127"/>
+              </a:rPr>
+              <a:t>Resource</a:t>
+            </a:r>
+            <a:endParaRPr lang="ko-KR" altLang="en-US" sz="1200" dirty="0">
+              <a:solidFill>
+                <a:schemeClr val="tx1"/>
+              </a:solidFill>
+              <a:latin typeface="AppleSDGothicNeoM00" panose="02000503000000000000" pitchFamily="2" charset="-127"/>
+              <a:ea typeface="AppleSDGothicNeoM00" panose="02000503000000000000" pitchFamily="2" charset="-127"/>
+            </a:endParaRPr>
+          </a:p>
+        </p:txBody>
+      </p:sp>
+      <p:cxnSp>
+        <p:nvCxnSpPr>
+          <p:cNvPr id="9" name="직선 연결선 8">
+            <a:extLst>
+              <a:ext uri="{FF2B5EF4-FFF2-40B4-BE49-F238E27FC236}">
+                <a16:creationId xmlns:a16="http://schemas.microsoft.com/office/drawing/2014/main" id="{94DDD840-7F6A-4F35-A8D7-B802B5E56567}"/>
+              </a:ext>
+            </a:extLst>
+          </p:cNvPr>
+          <p:cNvCxnSpPr>
+            <a:stCxn id="5" idx="2"/>
+          </p:cNvCxnSpPr>
+          <p:nvPr/>
+        </p:nvCxnSpPr>
+        <p:spPr>
+          <a:xfrm flipH="1">
+            <a:off x="947734" y="1171567"/>
+            <a:ext cx="19050" cy="5229237"/>
+          </a:xfrm>
+          <a:prstGeom prst="line">
+            <a:avLst/>
+          </a:prstGeom>
+          <a:ln w="12700">
+            <a:solidFill>
+              <a:schemeClr val="tx1"/>
+            </a:solidFill>
+            <a:prstDash val="dash"/>
+          </a:ln>
+        </p:spPr>
+        <p:style>
+          <a:lnRef idx="1">
+            <a:schemeClr val="accent1"/>
+          </a:lnRef>
+          <a:fillRef idx="0">
+            <a:schemeClr val="accent1"/>
+          </a:fillRef>
+          <a:effectRef idx="0">
+            <a:schemeClr val="accent1"/>
+          </a:effectRef>
+          <a:fontRef idx="minor">
+            <a:schemeClr val="tx1"/>
+          </a:fontRef>
+        </p:style>
+      </p:cxnSp>
+      <p:cxnSp>
+        <p:nvCxnSpPr>
+          <p:cNvPr id="17" name="직선 연결선 16">
+            <a:extLst>
+              <a:ext uri="{FF2B5EF4-FFF2-40B4-BE49-F238E27FC236}">
+                <a16:creationId xmlns:a16="http://schemas.microsoft.com/office/drawing/2014/main" id="{06B8ADE0-DC9B-446C-85C6-8BBB2614C209}"/>
+              </a:ext>
+            </a:extLst>
+          </p:cNvPr>
+          <p:cNvCxnSpPr>
+            <a:stCxn id="2" idx="2"/>
+          </p:cNvCxnSpPr>
+          <p:nvPr/>
+        </p:nvCxnSpPr>
+        <p:spPr>
+          <a:xfrm flipH="1">
+            <a:off x="4386261" y="1171567"/>
+            <a:ext cx="1" cy="5229237"/>
+          </a:xfrm>
+          <a:prstGeom prst="line">
+            <a:avLst/>
+          </a:prstGeom>
+          <a:ln w="12700">
+            <a:solidFill>
+              <a:schemeClr val="tx1"/>
+            </a:solidFill>
+            <a:prstDash val="dash"/>
+          </a:ln>
+        </p:spPr>
+        <p:style>
+          <a:lnRef idx="1">
+            <a:schemeClr val="accent1"/>
+          </a:lnRef>
+          <a:fillRef idx="0">
+            <a:schemeClr val="accent1"/>
+          </a:fillRef>
+          <a:effectRef idx="0">
+            <a:schemeClr val="accent1"/>
+          </a:effectRef>
+          <a:fontRef idx="minor">
+            <a:schemeClr val="tx1"/>
+          </a:fontRef>
+        </p:style>
+      </p:cxnSp>
+      <p:cxnSp>
+        <p:nvCxnSpPr>
+          <p:cNvPr id="25" name="직선 연결선 24">
+            <a:extLst>
+              <a:ext uri="{FF2B5EF4-FFF2-40B4-BE49-F238E27FC236}">
+                <a16:creationId xmlns:a16="http://schemas.microsoft.com/office/drawing/2014/main" id="{7CDE3204-51A8-4E9F-955A-AFAAE9A6CB33}"/>
+              </a:ext>
+            </a:extLst>
+          </p:cNvPr>
+          <p:cNvCxnSpPr>
+            <a:stCxn id="6" idx="2"/>
+          </p:cNvCxnSpPr>
+          <p:nvPr/>
+        </p:nvCxnSpPr>
+        <p:spPr>
+          <a:xfrm flipH="1">
+            <a:off x="7805739" y="1171567"/>
+            <a:ext cx="1" cy="5229238"/>
+          </a:xfrm>
+          <a:prstGeom prst="line">
+            <a:avLst/>
+          </a:prstGeom>
+          <a:ln w="12700">
+            <a:solidFill>
+              <a:schemeClr val="tx1"/>
+            </a:solidFill>
+            <a:prstDash val="dash"/>
+          </a:ln>
+        </p:spPr>
+        <p:style>
+          <a:lnRef idx="1">
+            <a:schemeClr val="accent1"/>
+          </a:lnRef>
+          <a:fillRef idx="0">
+            <a:schemeClr val="accent1"/>
+          </a:fillRef>
+          <a:effectRef idx="0">
+            <a:schemeClr val="accent1"/>
+          </a:effectRef>
+          <a:fontRef idx="minor">
+            <a:schemeClr val="tx1"/>
+          </a:fontRef>
+        </p:style>
+      </p:cxnSp>
+      <p:cxnSp>
+        <p:nvCxnSpPr>
+          <p:cNvPr id="29" name="직선 연결선 28">
+            <a:extLst>
+              <a:ext uri="{FF2B5EF4-FFF2-40B4-BE49-F238E27FC236}">
+                <a16:creationId xmlns:a16="http://schemas.microsoft.com/office/drawing/2014/main" id="{DE3F1C9D-07A8-49D4-853A-B2585C8FBC48}"/>
+              </a:ext>
+            </a:extLst>
+          </p:cNvPr>
+          <p:cNvCxnSpPr>
+            <a:stCxn id="7" idx="2"/>
+          </p:cNvCxnSpPr>
+          <p:nvPr/>
+        </p:nvCxnSpPr>
+        <p:spPr>
+          <a:xfrm flipH="1">
+            <a:off x="11225217" y="1171567"/>
+            <a:ext cx="1" cy="5229237"/>
+          </a:xfrm>
+          <a:prstGeom prst="line">
+            <a:avLst/>
+          </a:prstGeom>
+          <a:ln w="12700">
+            <a:solidFill>
+              <a:schemeClr val="tx1"/>
+            </a:solidFill>
+            <a:prstDash val="dash"/>
+          </a:ln>
+        </p:spPr>
+        <p:style>
+          <a:lnRef idx="1">
+            <a:schemeClr val="accent1"/>
+          </a:lnRef>
+          <a:fillRef idx="0">
+            <a:schemeClr val="accent1"/>
+          </a:fillRef>
+          <a:effectRef idx="0">
+            <a:schemeClr val="accent1"/>
+          </a:effectRef>
+          <a:fontRef idx="minor">
+            <a:schemeClr val="tx1"/>
+          </a:fontRef>
+        </p:style>
+      </p:cxnSp>
+      <p:cxnSp>
+        <p:nvCxnSpPr>
+          <p:cNvPr id="43" name="직선 화살표 연결선 42">
+            <a:extLst>
+              <a:ext uri="{FF2B5EF4-FFF2-40B4-BE49-F238E27FC236}">
+                <a16:creationId xmlns:a16="http://schemas.microsoft.com/office/drawing/2014/main" id="{6789F9D4-C908-4EB3-A243-31B514D70235}"/>
+              </a:ext>
+            </a:extLst>
+          </p:cNvPr>
+          <p:cNvCxnSpPr>
+            <a:cxnSpLocks/>
+          </p:cNvCxnSpPr>
+          <p:nvPr/>
+        </p:nvCxnSpPr>
+        <p:spPr>
+          <a:xfrm>
+            <a:off x="966784" y="1612900"/>
+            <a:ext cx="3419477" cy="0"/>
+          </a:xfrm>
+          <a:prstGeom prst="straightConnector1">
+            <a:avLst/>
+          </a:prstGeom>
+          <a:ln w="12700">
+            <a:solidFill>
+              <a:schemeClr val="tx1"/>
+            </a:solidFill>
+            <a:tailEnd type="triangle"/>
+          </a:ln>
+        </p:spPr>
+        <p:style>
+          <a:lnRef idx="1">
+            <a:schemeClr val="accent1"/>
+          </a:lnRef>
+          <a:fillRef idx="0">
+            <a:schemeClr val="accent1"/>
+          </a:fillRef>
+          <a:effectRef idx="0">
+            <a:schemeClr val="accent1"/>
+          </a:effectRef>
+          <a:fontRef idx="minor">
+            <a:schemeClr val="tx1"/>
+          </a:fontRef>
+        </p:style>
+      </p:cxnSp>
+      <p:sp>
+        <p:nvSpPr>
+          <p:cNvPr id="44" name="TextBox 43">
+            <a:extLst>
+              <a:ext uri="{FF2B5EF4-FFF2-40B4-BE49-F238E27FC236}">
+                <a16:creationId xmlns:a16="http://schemas.microsoft.com/office/drawing/2014/main" id="{D2CCABE0-6A32-4C54-BB85-81DE454DD445}"/>
+              </a:ext>
+            </a:extLst>
+          </p:cNvPr>
+          <p:cNvSpPr txBox="1"/>
+          <p:nvPr/>
+        </p:nvSpPr>
+        <p:spPr>
+          <a:xfrm>
+            <a:off x="1993482" y="1305123"/>
+            <a:ext cx="1366080" cy="307777"/>
+          </a:xfrm>
+          <a:prstGeom prst="rect">
+            <a:avLst/>
+          </a:prstGeom>
+          <a:noFill/>
+        </p:spPr>
+        <p:txBody>
+          <a:bodyPr wrap="none" rtlCol="0">
+            <a:spAutoFit/>
+          </a:bodyPr>
+          <a:lstStyle/>
+          <a:p>
+            <a:pPr algn="ctr"/>
+            <a:r>
+              <a:rPr lang="en-US" altLang="ko-KR" sz="1400" dirty="0">
+                <a:latin typeface="AppleSDGothicNeoM00" panose="02000503000000000000" pitchFamily="2" charset="-127"/>
+                <a:ea typeface="AppleSDGothicNeoM00" panose="02000503000000000000" pitchFamily="2" charset="-127"/>
+              </a:rPr>
+              <a:t>1. </a:t>
+            </a:r>
+            <a:r>
+              <a:rPr lang="ko-KR" altLang="en-US" sz="1400" dirty="0">
+                <a:latin typeface="AppleSDGothicNeoM00" panose="02000503000000000000" pitchFamily="2" charset="-127"/>
+                <a:ea typeface="AppleSDGothicNeoM00" panose="02000503000000000000" pitchFamily="2" charset="-127"/>
+              </a:rPr>
+              <a:t>인증 자격 제공</a:t>
+            </a:r>
+          </a:p>
+        </p:txBody>
+      </p:sp>
+      <p:cxnSp>
+        <p:nvCxnSpPr>
+          <p:cNvPr id="93" name="직선 화살표 연결선 92">
+            <a:extLst>
+              <a:ext uri="{FF2B5EF4-FFF2-40B4-BE49-F238E27FC236}">
+                <a16:creationId xmlns:a16="http://schemas.microsoft.com/office/drawing/2014/main" id="{3E909BBF-E4F3-4D28-8425-D41112143437}"/>
+              </a:ext>
+            </a:extLst>
+          </p:cNvPr>
+          <p:cNvCxnSpPr>
+            <a:cxnSpLocks/>
+          </p:cNvCxnSpPr>
+          <p:nvPr/>
+        </p:nvCxnSpPr>
+        <p:spPr>
+          <a:xfrm>
+            <a:off x="4386259" y="2740318"/>
+            <a:ext cx="3419477" cy="0"/>
+          </a:xfrm>
+          <a:prstGeom prst="straightConnector1">
+            <a:avLst/>
+          </a:prstGeom>
+          <a:ln w="12700">
+            <a:solidFill>
+              <a:schemeClr val="tx1"/>
+            </a:solidFill>
+            <a:tailEnd type="triangle"/>
+          </a:ln>
+        </p:spPr>
+        <p:style>
+          <a:lnRef idx="1">
+            <a:schemeClr val="accent1"/>
+          </a:lnRef>
+          <a:fillRef idx="0">
+            <a:schemeClr val="accent1"/>
+          </a:fillRef>
+          <a:effectRef idx="0">
+            <a:schemeClr val="accent1"/>
+          </a:effectRef>
+          <a:fontRef idx="minor">
+            <a:schemeClr val="tx1"/>
+          </a:fontRef>
+        </p:style>
+      </p:cxnSp>
+      <p:sp>
+        <p:nvSpPr>
+          <p:cNvPr id="94" name="TextBox 93">
+            <a:extLst>
+              <a:ext uri="{FF2B5EF4-FFF2-40B4-BE49-F238E27FC236}">
+                <a16:creationId xmlns:a16="http://schemas.microsoft.com/office/drawing/2014/main" id="{00A64EED-8A50-4A98-9783-17054BF81BA9}"/>
+              </a:ext>
+            </a:extLst>
+          </p:cNvPr>
+          <p:cNvSpPr txBox="1"/>
+          <p:nvPr/>
+        </p:nvSpPr>
+        <p:spPr>
+          <a:xfrm>
+            <a:off x="5227813" y="2432541"/>
+            <a:ext cx="1736374" cy="307777"/>
+          </a:xfrm>
+          <a:prstGeom prst="rect">
+            <a:avLst/>
+          </a:prstGeom>
+          <a:noFill/>
+        </p:spPr>
+        <p:txBody>
+          <a:bodyPr wrap="none" rtlCol="0">
+            <a:spAutoFit/>
+          </a:bodyPr>
+          <a:lstStyle/>
+          <a:p>
+            <a:pPr algn="ctr"/>
+            <a:r>
+              <a:rPr lang="en-US" altLang="ko-KR" sz="1400" dirty="0">
+                <a:latin typeface="AppleSDGothicNeoM00" panose="02000503000000000000" pitchFamily="2" charset="-127"/>
+                <a:ea typeface="AppleSDGothicNeoM00" panose="02000503000000000000" pitchFamily="2" charset="-127"/>
+              </a:rPr>
+              <a:t>2. Access Token </a:t>
+            </a:r>
+            <a:r>
+              <a:rPr lang="ko-KR" altLang="en-US" sz="1400" dirty="0">
+                <a:latin typeface="AppleSDGothicNeoM00" panose="02000503000000000000" pitchFamily="2" charset="-127"/>
+                <a:ea typeface="AppleSDGothicNeoM00" panose="02000503000000000000" pitchFamily="2" charset="-127"/>
+              </a:rPr>
+              <a:t>요청</a:t>
+            </a:r>
+          </a:p>
+        </p:txBody>
+      </p:sp>
+      <p:cxnSp>
+        <p:nvCxnSpPr>
+          <p:cNvPr id="95" name="직선 화살표 연결선 94">
+            <a:extLst>
+              <a:ext uri="{FF2B5EF4-FFF2-40B4-BE49-F238E27FC236}">
+                <a16:creationId xmlns:a16="http://schemas.microsoft.com/office/drawing/2014/main" id="{65A125E4-FB05-480B-8D7C-F7197F55CDB8}"/>
+              </a:ext>
+            </a:extLst>
+          </p:cNvPr>
+          <p:cNvCxnSpPr>
+            <a:cxnSpLocks/>
+          </p:cNvCxnSpPr>
+          <p:nvPr/>
+        </p:nvCxnSpPr>
+        <p:spPr>
+          <a:xfrm flipH="1">
+            <a:off x="4386260" y="3276600"/>
+            <a:ext cx="3419476" cy="0"/>
+          </a:xfrm>
+          <a:prstGeom prst="straightConnector1">
+            <a:avLst/>
+          </a:prstGeom>
+          <a:ln w="12700">
+            <a:solidFill>
+              <a:schemeClr val="tx1"/>
+            </a:solidFill>
+            <a:prstDash val="dashDot"/>
+            <a:tailEnd type="triangle"/>
+          </a:ln>
+        </p:spPr>
+        <p:style>
+          <a:lnRef idx="1">
+            <a:schemeClr val="accent1"/>
+          </a:lnRef>
+          <a:fillRef idx="0">
+            <a:schemeClr val="accent1"/>
+          </a:fillRef>
+          <a:effectRef idx="0">
+            <a:schemeClr val="accent1"/>
+          </a:effectRef>
+          <a:fontRef idx="minor">
+            <a:schemeClr val="tx1"/>
+          </a:fontRef>
+        </p:style>
+      </p:cxnSp>
+      <p:sp>
+        <p:nvSpPr>
+          <p:cNvPr id="96" name="TextBox 95">
+            <a:extLst>
+              <a:ext uri="{FF2B5EF4-FFF2-40B4-BE49-F238E27FC236}">
+                <a16:creationId xmlns:a16="http://schemas.microsoft.com/office/drawing/2014/main" id="{D7A0EA0E-13AA-4E77-B117-7A831334B121}"/>
+              </a:ext>
+            </a:extLst>
+          </p:cNvPr>
+          <p:cNvSpPr txBox="1"/>
+          <p:nvPr/>
+        </p:nvSpPr>
+        <p:spPr>
+          <a:xfrm>
+            <a:off x="5241687" y="2963058"/>
+            <a:ext cx="1736374" cy="307777"/>
+          </a:xfrm>
+          <a:prstGeom prst="rect">
+            <a:avLst/>
+          </a:prstGeom>
+          <a:noFill/>
+        </p:spPr>
+        <p:txBody>
+          <a:bodyPr wrap="none" rtlCol="0">
+            <a:spAutoFit/>
+          </a:bodyPr>
+          <a:lstStyle/>
+          <a:p>
+            <a:pPr algn="ctr"/>
+            <a:r>
+              <a:rPr lang="en-US" altLang="ko-KR" sz="1400" dirty="0">
+                <a:latin typeface="AppleSDGothicNeoM00" panose="02000503000000000000" pitchFamily="2" charset="-127"/>
+                <a:ea typeface="AppleSDGothicNeoM00" panose="02000503000000000000" pitchFamily="2" charset="-127"/>
+              </a:rPr>
+              <a:t>3. Access Token </a:t>
+            </a:r>
+            <a:r>
+              <a:rPr lang="ko-KR" altLang="en-US" sz="1400" dirty="0">
+                <a:latin typeface="AppleSDGothicNeoM00" panose="02000503000000000000" pitchFamily="2" charset="-127"/>
+                <a:ea typeface="AppleSDGothicNeoM00" panose="02000503000000000000" pitchFamily="2" charset="-127"/>
+              </a:rPr>
+              <a:t>응답</a:t>
+            </a:r>
+          </a:p>
+        </p:txBody>
+      </p:sp>
+      <p:cxnSp>
+        <p:nvCxnSpPr>
+          <p:cNvPr id="97" name="직선 화살표 연결선 96">
+            <a:extLst>
+              <a:ext uri="{FF2B5EF4-FFF2-40B4-BE49-F238E27FC236}">
+                <a16:creationId xmlns:a16="http://schemas.microsoft.com/office/drawing/2014/main" id="{F9E9EDA9-D54B-4184-96E5-82BA73711A18}"/>
+              </a:ext>
+            </a:extLst>
+          </p:cNvPr>
+          <p:cNvCxnSpPr>
+            <a:cxnSpLocks/>
+          </p:cNvCxnSpPr>
+          <p:nvPr/>
+        </p:nvCxnSpPr>
+        <p:spPr>
+          <a:xfrm>
+            <a:off x="4386259" y="4648200"/>
+            <a:ext cx="6838958" cy="0"/>
+          </a:xfrm>
+          <a:prstGeom prst="straightConnector1">
+            <a:avLst/>
+          </a:prstGeom>
+          <a:ln w="12700">
+            <a:solidFill>
+              <a:schemeClr val="tx1"/>
+            </a:solidFill>
+            <a:tailEnd type="triangle"/>
+          </a:ln>
+        </p:spPr>
+        <p:style>
+          <a:lnRef idx="1">
+            <a:schemeClr val="accent1"/>
+          </a:lnRef>
+          <a:fillRef idx="0">
+            <a:schemeClr val="accent1"/>
+          </a:fillRef>
+          <a:effectRef idx="0">
+            <a:schemeClr val="accent1"/>
+          </a:effectRef>
+          <a:fontRef idx="minor">
+            <a:schemeClr val="tx1"/>
+          </a:fontRef>
+        </p:style>
+      </p:cxnSp>
+      <p:cxnSp>
+        <p:nvCxnSpPr>
+          <p:cNvPr id="98" name="직선 화살표 연결선 97">
+            <a:extLst>
+              <a:ext uri="{FF2B5EF4-FFF2-40B4-BE49-F238E27FC236}">
+                <a16:creationId xmlns:a16="http://schemas.microsoft.com/office/drawing/2014/main" id="{40E9B8F9-8572-46AB-BFE0-FE5157F073F2}"/>
+              </a:ext>
+            </a:extLst>
+          </p:cNvPr>
+          <p:cNvCxnSpPr>
+            <a:cxnSpLocks/>
+          </p:cNvCxnSpPr>
+          <p:nvPr/>
+        </p:nvCxnSpPr>
+        <p:spPr>
+          <a:xfrm flipH="1">
+            <a:off x="4386259" y="5257800"/>
+            <a:ext cx="6838959" cy="0"/>
+          </a:xfrm>
+          <a:prstGeom prst="straightConnector1">
+            <a:avLst/>
+          </a:prstGeom>
+          <a:ln w="12700">
+            <a:solidFill>
+              <a:schemeClr val="tx1"/>
+            </a:solidFill>
+            <a:prstDash val="dashDot"/>
+            <a:tailEnd type="triangle"/>
+          </a:ln>
+        </p:spPr>
+        <p:style>
+          <a:lnRef idx="1">
+            <a:schemeClr val="accent1"/>
+          </a:lnRef>
+          <a:fillRef idx="0">
+            <a:schemeClr val="accent1"/>
+          </a:fillRef>
+          <a:effectRef idx="0">
+            <a:schemeClr val="accent1"/>
+          </a:effectRef>
+          <a:fontRef idx="minor">
+            <a:schemeClr val="tx1"/>
+          </a:fontRef>
+        </p:style>
+      </p:cxnSp>
+      <p:sp>
+        <p:nvSpPr>
+          <p:cNvPr id="99" name="TextBox 98">
+            <a:extLst>
+              <a:ext uri="{FF2B5EF4-FFF2-40B4-BE49-F238E27FC236}">
+                <a16:creationId xmlns:a16="http://schemas.microsoft.com/office/drawing/2014/main" id="{481941BE-2553-4E68-83D0-F20F159E7C5A}"/>
+              </a:ext>
+            </a:extLst>
+          </p:cNvPr>
+          <p:cNvSpPr txBox="1"/>
+          <p:nvPr/>
+        </p:nvSpPr>
+        <p:spPr>
+          <a:xfrm>
+            <a:off x="7134718" y="4340423"/>
+            <a:ext cx="1342035" cy="307777"/>
+          </a:xfrm>
+          <a:prstGeom prst="rect">
+            <a:avLst/>
+          </a:prstGeom>
+          <a:solidFill>
+            <a:schemeClr val="accent6">
+              <a:lumMod val="20000"/>
+              <a:lumOff val="80000"/>
+            </a:schemeClr>
+          </a:solidFill>
+        </p:spPr>
+        <p:txBody>
+          <a:bodyPr wrap="none" rtlCol="0">
+            <a:spAutoFit/>
+          </a:bodyPr>
+          <a:lstStyle/>
+          <a:p>
+            <a:pPr algn="ctr"/>
+            <a:r>
+              <a:rPr lang="en-US" altLang="ko-KR" sz="1400" dirty="0">
+                <a:latin typeface="AppleSDGothicNeoM00" panose="02000503000000000000" pitchFamily="2" charset="-127"/>
+                <a:ea typeface="AppleSDGothicNeoM00" panose="02000503000000000000" pitchFamily="2" charset="-127"/>
+              </a:rPr>
+              <a:t>4. </a:t>
+            </a:r>
+            <a:r>
+              <a:rPr lang="ko-KR" altLang="en-US" sz="1400" dirty="0">
+                <a:latin typeface="AppleSDGothicNeoM00" panose="02000503000000000000" pitchFamily="2" charset="-127"/>
+                <a:ea typeface="AppleSDGothicNeoM00" panose="02000503000000000000" pitchFamily="2" charset="-127"/>
+              </a:rPr>
+              <a:t>요구자원 요청</a:t>
+            </a:r>
+          </a:p>
+        </p:txBody>
+      </p:sp>
+      <p:sp>
+        <p:nvSpPr>
+          <p:cNvPr id="100" name="TextBox 99">
+            <a:extLst>
+              <a:ext uri="{FF2B5EF4-FFF2-40B4-BE49-F238E27FC236}">
+                <a16:creationId xmlns:a16="http://schemas.microsoft.com/office/drawing/2014/main" id="{7DF52884-39AA-48FA-9DC0-C3A1249862C4}"/>
+              </a:ext>
+            </a:extLst>
+          </p:cNvPr>
+          <p:cNvSpPr txBox="1"/>
+          <p:nvPr/>
+        </p:nvSpPr>
+        <p:spPr>
+          <a:xfrm>
+            <a:off x="7134718" y="4950023"/>
+            <a:ext cx="1358065" cy="307777"/>
+          </a:xfrm>
+          <a:prstGeom prst="rect">
+            <a:avLst/>
+          </a:prstGeom>
+          <a:solidFill>
+            <a:schemeClr val="accent6">
+              <a:lumMod val="20000"/>
+              <a:lumOff val="80000"/>
+            </a:schemeClr>
+          </a:solidFill>
+        </p:spPr>
+        <p:txBody>
+          <a:bodyPr wrap="none" rtlCol="0">
+            <a:spAutoFit/>
+          </a:bodyPr>
+          <a:lstStyle/>
+          <a:p>
+            <a:pPr algn="ctr"/>
+            <a:r>
+              <a:rPr lang="en-US" altLang="ko-KR" sz="1400" dirty="0">
+                <a:latin typeface="AppleSDGothicNeoM00" panose="02000503000000000000" pitchFamily="2" charset="-127"/>
+                <a:ea typeface="AppleSDGothicNeoM00" panose="02000503000000000000" pitchFamily="2" charset="-127"/>
+              </a:rPr>
+              <a:t>5. </a:t>
+            </a:r>
+            <a:r>
+              <a:rPr lang="ko-KR" altLang="en-US" sz="1400" dirty="0">
+                <a:latin typeface="AppleSDGothicNeoM00" panose="02000503000000000000" pitchFamily="2" charset="-127"/>
+                <a:ea typeface="AppleSDGothicNeoM00" panose="02000503000000000000" pitchFamily="2" charset="-127"/>
+              </a:rPr>
+              <a:t>요구자원 반환</a:t>
+            </a:r>
+          </a:p>
+        </p:txBody>
+      </p:sp>
+      <p:sp>
+        <p:nvSpPr>
+          <p:cNvPr id="101" name="직사각형 100">
+            <a:extLst>
+              <a:ext uri="{FF2B5EF4-FFF2-40B4-BE49-F238E27FC236}">
+                <a16:creationId xmlns:a16="http://schemas.microsoft.com/office/drawing/2014/main" id="{CBF40A68-91AA-47B3-B7EF-274E3F60A8BF}"/>
+              </a:ext>
+            </a:extLst>
+          </p:cNvPr>
+          <p:cNvSpPr/>
+          <p:nvPr/>
+        </p:nvSpPr>
+        <p:spPr>
+          <a:xfrm>
+            <a:off x="3962401" y="4117683"/>
+            <a:ext cx="7619998" cy="1568750"/>
+          </a:xfrm>
+          <a:prstGeom prst="rect">
+            <a:avLst/>
+          </a:prstGeom>
+          <a:noFill/>
+          <a:ln w="19050">
+            <a:solidFill>
+              <a:schemeClr val="tx1"/>
+            </a:solidFill>
+          </a:ln>
+        </p:spPr>
+        <p:style>
+          <a:lnRef idx="2">
+            <a:schemeClr val="accent1">
+              <a:shade val="50000"/>
+            </a:schemeClr>
+          </a:lnRef>
+          <a:fillRef idx="1">
+            <a:schemeClr val="accent1"/>
+          </a:fillRef>
+          <a:effectRef idx="0">
+            <a:schemeClr val="accent1"/>
+          </a:effectRef>
+          <a:fontRef idx="minor">
+            <a:schemeClr val="lt1"/>
+          </a:fontRef>
+        </p:style>
+        <p:txBody>
+          <a:bodyPr rtlCol="0" anchor="ctr"/>
+          <a:lstStyle/>
+          <a:p>
+            <a:pPr algn="ctr"/>
+            <a:endParaRPr lang="ko-KR" altLang="en-US"/>
+          </a:p>
+        </p:txBody>
+      </p:sp>
+      <p:sp>
+        <p:nvSpPr>
+          <p:cNvPr id="102" name="TextBox 101">
+            <a:extLst>
+              <a:ext uri="{FF2B5EF4-FFF2-40B4-BE49-F238E27FC236}">
+                <a16:creationId xmlns:a16="http://schemas.microsoft.com/office/drawing/2014/main" id="{E355A6B0-22D0-485C-8BBA-BA9B21EC86CE}"/>
+              </a:ext>
+            </a:extLst>
+          </p:cNvPr>
+          <p:cNvSpPr txBox="1"/>
+          <p:nvPr/>
+        </p:nvSpPr>
+        <p:spPr>
+          <a:xfrm>
+            <a:off x="9776832" y="3667759"/>
+            <a:ext cx="1401346" cy="369332"/>
+          </a:xfrm>
+          <a:prstGeom prst="rect">
+            <a:avLst/>
+          </a:prstGeom>
+          <a:noFill/>
+        </p:spPr>
+        <p:txBody>
+          <a:bodyPr wrap="none" rtlCol="0">
+            <a:spAutoFit/>
+          </a:bodyPr>
+          <a:lstStyle/>
+          <a:p>
+            <a:pPr algn="ctr"/>
+            <a:r>
+              <a:rPr lang="ko-KR" altLang="en-US" dirty="0">
+                <a:solidFill>
+                  <a:srgbClr val="0070C0"/>
+                </a:solidFill>
+                <a:latin typeface="AppleSDGothicNeoM00" panose="02000503000000000000" pitchFamily="2" charset="-127"/>
+                <a:ea typeface="AppleSDGothicNeoM00" panose="02000503000000000000" pitchFamily="2" charset="-127"/>
+              </a:rPr>
+              <a:t>♻ 반복 수행</a:t>
+            </a:r>
+          </a:p>
+        </p:txBody>
+      </p:sp>
+    </p:spTree>
+    <p:extLst>
+      <p:ext uri="{BB962C8B-B14F-4D97-AF65-F5344CB8AC3E}">
+        <p14:creationId xmlns:p14="http://schemas.microsoft.com/office/powerpoint/2010/main" val="517230011"/>
+      </p:ext>
+    </p:extLst>
+  </p:cSld>
+  <p:clrMapOvr>
+    <a:masterClrMapping/>
+  </p:clrMapOvr>
+</p:sld>
+</file>
+
+<file path=ppt/slides/slide6.xml><?xml version="1.0" encoding="utf-8"?>
+<p:sld xmlns:a="http://schemas.openxmlformats.org/drawingml/2006/main" xmlns:r="http://schemas.openxmlformats.org/officeDocument/2006/relationships" xmlns:p="http://schemas.openxmlformats.org/presentationml/2006/main">
+  <p:cSld>
+    <p:spTree>
+      <p:nvGrpSpPr>
+        <p:cNvPr id="1" name=""/>
+        <p:cNvGrpSpPr/>
+        <p:nvPr/>
+      </p:nvGrpSpPr>
+      <p:grpSpPr>
+        <a:xfrm>
+          <a:off x="0" y="0"/>
+          <a:ext cx="0" cy="0"/>
+          <a:chOff x="0" y="0"/>
+          <a:chExt cx="0" cy="0"/>
+        </a:xfrm>
+      </p:grpSpPr>
+      <p:sp>
+        <p:nvSpPr>
+          <p:cNvPr id="3" name="직사각형 2">
+            <a:extLst>
+              <a:ext uri="{FF2B5EF4-FFF2-40B4-BE49-F238E27FC236}">
+                <a16:creationId xmlns:a16="http://schemas.microsoft.com/office/drawing/2014/main" id="{AE2D6E9A-C8D3-4F57-95FE-317AFE2BC2A9}"/>
+              </a:ext>
+            </a:extLst>
+          </p:cNvPr>
+          <p:cNvSpPr/>
+          <p:nvPr/>
+        </p:nvSpPr>
+        <p:spPr>
+          <a:xfrm>
+            <a:off x="-1" y="0"/>
+            <a:ext cx="12192001" cy="6858000"/>
+          </a:xfrm>
+          <a:prstGeom prst="rect">
+            <a:avLst/>
+          </a:prstGeom>
+          <a:solidFill>
+            <a:schemeClr val="bg1"/>
+          </a:solidFill>
+          <a:ln>
+            <a:noFill/>
+          </a:ln>
+        </p:spPr>
+        <p:style>
+          <a:lnRef idx="2">
+            <a:schemeClr val="accent1">
+              <a:shade val="50000"/>
+            </a:schemeClr>
+          </a:lnRef>
+          <a:fillRef idx="1">
+            <a:schemeClr val="accent1"/>
+          </a:fillRef>
+          <a:effectRef idx="0">
+            <a:schemeClr val="accent1"/>
+          </a:effectRef>
+          <a:fontRef idx="minor">
+            <a:schemeClr val="lt1"/>
+          </a:fontRef>
+        </p:style>
+        <p:txBody>
+          <a:bodyPr rtlCol="0" anchor="ctr"/>
+          <a:lstStyle/>
+          <a:p>
+            <a:pPr algn="ctr"/>
+            <a:endParaRPr lang="ko-KR" altLang="en-US"/>
+          </a:p>
+        </p:txBody>
+      </p:sp>
+      <p:sp>
+        <p:nvSpPr>
+          <p:cNvPr id="60" name="직사각형 59">
+            <a:extLst>
+              <a:ext uri="{FF2B5EF4-FFF2-40B4-BE49-F238E27FC236}">
+                <a16:creationId xmlns:a16="http://schemas.microsoft.com/office/drawing/2014/main" id="{FCDB5A1A-C47C-4309-AF47-55078683541D}"/>
+              </a:ext>
+            </a:extLst>
+          </p:cNvPr>
+          <p:cNvSpPr/>
+          <p:nvPr/>
+        </p:nvSpPr>
+        <p:spPr>
+          <a:xfrm>
+            <a:off x="4152900" y="0"/>
+            <a:ext cx="8039100" cy="6858000"/>
+          </a:xfrm>
+          <a:prstGeom prst="rect">
+            <a:avLst/>
+          </a:prstGeom>
+          <a:solidFill>
+            <a:schemeClr val="accent6">
+              <a:lumMod val="20000"/>
+              <a:lumOff val="80000"/>
+            </a:schemeClr>
+          </a:solidFill>
+          <a:ln>
+            <a:noFill/>
+          </a:ln>
+        </p:spPr>
+        <p:style>
+          <a:lnRef idx="2">
+            <a:schemeClr val="accent1">
+              <a:shade val="50000"/>
+            </a:schemeClr>
+          </a:lnRef>
+          <a:fillRef idx="1">
+            <a:schemeClr val="accent1"/>
+          </a:fillRef>
+          <a:effectRef idx="0">
+            <a:schemeClr val="accent1"/>
+          </a:effectRef>
+          <a:fontRef idx="minor">
+            <a:schemeClr val="lt1"/>
+          </a:fontRef>
+        </p:style>
+        <p:txBody>
+          <a:bodyPr rtlCol="0" anchor="ctr"/>
+          <a:lstStyle/>
+          <a:p>
+            <a:pPr algn="ctr"/>
+            <a:endParaRPr lang="ko-KR" altLang="en-US"/>
+          </a:p>
+        </p:txBody>
+      </p:sp>
+      <p:sp>
+        <p:nvSpPr>
+          <p:cNvPr id="5" name="직사각형 4">
+            <a:extLst>
+              <a:ext uri="{FF2B5EF4-FFF2-40B4-BE49-F238E27FC236}">
+                <a16:creationId xmlns:a16="http://schemas.microsoft.com/office/drawing/2014/main" id="{B198BC91-B78F-4041-8DB9-63DB9231F9DD}"/>
+              </a:ext>
+            </a:extLst>
+          </p:cNvPr>
+          <p:cNvSpPr/>
+          <p:nvPr/>
+        </p:nvSpPr>
+        <p:spPr>
+          <a:xfrm>
+            <a:off x="1539081" y="457192"/>
+            <a:ext cx="1495425" cy="714375"/>
+          </a:xfrm>
+          <a:prstGeom prst="rect">
+            <a:avLst/>
+          </a:prstGeom>
+          <a:solidFill>
+            <a:schemeClr val="bg1"/>
+          </a:solidFill>
+          <a:ln w="15875">
+            <a:solidFill>
+              <a:schemeClr val="tx1"/>
+            </a:solidFill>
+          </a:ln>
+        </p:spPr>
+        <p:style>
+          <a:lnRef idx="2">
+            <a:schemeClr val="accent1">
+              <a:shade val="50000"/>
+            </a:schemeClr>
+          </a:lnRef>
+          <a:fillRef idx="1">
+            <a:schemeClr val="accent1"/>
+          </a:fillRef>
+          <a:effectRef idx="0">
+            <a:schemeClr val="accent1"/>
+          </a:effectRef>
+          <a:fontRef idx="minor">
+            <a:schemeClr val="lt1"/>
+          </a:fontRef>
+        </p:style>
+        <p:txBody>
+          <a:bodyPr rtlCol="0" anchor="ctr"/>
+          <a:lstStyle/>
+          <a:p>
+            <a:pPr algn="ctr"/>
+            <a:r>
+              <a:rPr lang="en-US" altLang="ko-KR" sz="1200" dirty="0">
+                <a:solidFill>
+                  <a:schemeClr val="tx1"/>
+                </a:solidFill>
+                <a:latin typeface="AppleSDGothicNeoM00" panose="02000503000000000000" pitchFamily="2" charset="-127"/>
+                <a:ea typeface="AppleSDGothicNeoM00" panose="02000503000000000000" pitchFamily="2" charset="-127"/>
+              </a:rPr>
+              <a:t>User</a:t>
+            </a:r>
+            <a:endParaRPr lang="ko-KR" altLang="en-US" sz="1200" dirty="0">
+              <a:solidFill>
+                <a:schemeClr val="tx1"/>
+              </a:solidFill>
+              <a:latin typeface="AppleSDGothicNeoM00" panose="02000503000000000000" pitchFamily="2" charset="-127"/>
+              <a:ea typeface="AppleSDGothicNeoM00" panose="02000503000000000000" pitchFamily="2" charset="-127"/>
+            </a:endParaRPr>
+          </a:p>
+        </p:txBody>
+      </p:sp>
+      <p:sp>
+        <p:nvSpPr>
+          <p:cNvPr id="6" name="직사각형 5">
+            <a:extLst>
+              <a:ext uri="{FF2B5EF4-FFF2-40B4-BE49-F238E27FC236}">
+                <a16:creationId xmlns:a16="http://schemas.microsoft.com/office/drawing/2014/main" id="{524AEE3A-B5F9-40F6-B4E2-722CD76C47EA}"/>
+              </a:ext>
+            </a:extLst>
+          </p:cNvPr>
+          <p:cNvSpPr/>
+          <p:nvPr/>
+        </p:nvSpPr>
+        <p:spPr>
+          <a:xfrm>
+            <a:off x="5348287" y="457192"/>
+            <a:ext cx="1495425" cy="714375"/>
+          </a:xfrm>
+          <a:prstGeom prst="rect">
+            <a:avLst/>
+          </a:prstGeom>
+          <a:solidFill>
+            <a:schemeClr val="bg1"/>
+          </a:solidFill>
+          <a:ln w="15875">
+            <a:solidFill>
+              <a:schemeClr val="tx1"/>
+            </a:solidFill>
+          </a:ln>
+        </p:spPr>
+        <p:style>
+          <a:lnRef idx="2">
+            <a:schemeClr val="accent1">
+              <a:shade val="50000"/>
+            </a:schemeClr>
+          </a:lnRef>
+          <a:fillRef idx="1">
+            <a:schemeClr val="accent1"/>
+          </a:fillRef>
+          <a:effectRef idx="0">
+            <a:schemeClr val="accent1"/>
+          </a:effectRef>
+          <a:fontRef idx="minor">
+            <a:schemeClr val="lt1"/>
+          </a:fontRef>
+        </p:style>
+        <p:txBody>
+          <a:bodyPr rtlCol="0" anchor="ctr"/>
+          <a:lstStyle/>
+          <a:p>
+            <a:pPr algn="ctr"/>
+            <a:r>
+              <a:rPr lang="en-US" altLang="ko-KR" sz="1200" dirty="0">
+                <a:solidFill>
+                  <a:schemeClr val="tx1"/>
+                </a:solidFill>
+                <a:latin typeface="AppleSDGothicNeoM00" panose="02000503000000000000" pitchFamily="2" charset="-127"/>
+                <a:ea typeface="AppleSDGothicNeoM00" panose="02000503000000000000" pitchFamily="2" charset="-127"/>
+              </a:rPr>
+              <a:t>Service Provider</a:t>
+            </a:r>
+          </a:p>
+          <a:p>
+            <a:pPr algn="ctr"/>
+            <a:r>
+              <a:rPr lang="en-US" altLang="ko-KR" sz="1200" dirty="0">
+                <a:solidFill>
+                  <a:schemeClr val="tx1"/>
+                </a:solidFill>
+                <a:latin typeface="AppleSDGothicNeoM00" panose="02000503000000000000" pitchFamily="2" charset="-127"/>
+                <a:ea typeface="AppleSDGothicNeoM00" panose="02000503000000000000" pitchFamily="2" charset="-127"/>
+              </a:rPr>
+              <a:t>Authentication</a:t>
+            </a:r>
+            <a:endParaRPr lang="ko-KR" altLang="en-US" sz="1200" dirty="0">
+              <a:solidFill>
+                <a:schemeClr val="tx1"/>
+              </a:solidFill>
+              <a:latin typeface="AppleSDGothicNeoM00" panose="02000503000000000000" pitchFamily="2" charset="-127"/>
+              <a:ea typeface="AppleSDGothicNeoM00" panose="02000503000000000000" pitchFamily="2" charset="-127"/>
+            </a:endParaRPr>
+          </a:p>
+        </p:txBody>
+      </p:sp>
+      <p:sp>
+        <p:nvSpPr>
+          <p:cNvPr id="7" name="직사각형 6">
+            <a:extLst>
+              <a:ext uri="{FF2B5EF4-FFF2-40B4-BE49-F238E27FC236}">
+                <a16:creationId xmlns:a16="http://schemas.microsoft.com/office/drawing/2014/main" id="{3765916A-3F73-4BBC-9184-C73147D1FDBE}"/>
+              </a:ext>
+            </a:extLst>
+          </p:cNvPr>
+          <p:cNvSpPr/>
+          <p:nvPr/>
+        </p:nvSpPr>
+        <p:spPr>
+          <a:xfrm>
+            <a:off x="9157493" y="457192"/>
+            <a:ext cx="1495425" cy="714375"/>
+          </a:xfrm>
+          <a:prstGeom prst="rect">
+            <a:avLst/>
+          </a:prstGeom>
+          <a:solidFill>
+            <a:schemeClr val="bg1"/>
+          </a:solidFill>
+          <a:ln w="15875">
+            <a:solidFill>
+              <a:schemeClr val="tx1"/>
+            </a:solidFill>
+          </a:ln>
+        </p:spPr>
+        <p:style>
+          <a:lnRef idx="2">
+            <a:schemeClr val="accent1">
+              <a:shade val="50000"/>
+            </a:schemeClr>
+          </a:lnRef>
+          <a:fillRef idx="1">
+            <a:schemeClr val="accent1"/>
+          </a:fillRef>
+          <a:effectRef idx="0">
+            <a:schemeClr val="accent1"/>
+          </a:effectRef>
+          <a:fontRef idx="minor">
+            <a:schemeClr val="lt1"/>
+          </a:fontRef>
+        </p:style>
+        <p:txBody>
+          <a:bodyPr rtlCol="0" anchor="ctr"/>
+          <a:lstStyle/>
+          <a:p>
+            <a:pPr algn="ctr"/>
+            <a:r>
+              <a:rPr lang="en-US" altLang="ko-KR" sz="1200" dirty="0">
+                <a:solidFill>
+                  <a:schemeClr val="tx1"/>
+                </a:solidFill>
+                <a:latin typeface="AppleSDGothicNeoM00" panose="02000503000000000000" pitchFamily="2" charset="-127"/>
+                <a:ea typeface="AppleSDGothicNeoM00" panose="02000503000000000000" pitchFamily="2" charset="-127"/>
+              </a:rPr>
+              <a:t>Service Provider</a:t>
+            </a:r>
+          </a:p>
+          <a:p>
+            <a:pPr algn="ctr"/>
+            <a:r>
+              <a:rPr lang="en-US" altLang="ko-KR" sz="1200" dirty="0">
+                <a:solidFill>
+                  <a:schemeClr val="tx1"/>
+                </a:solidFill>
+                <a:latin typeface="AppleSDGothicNeoM00" panose="02000503000000000000" pitchFamily="2" charset="-127"/>
+                <a:ea typeface="AppleSDGothicNeoM00" panose="02000503000000000000" pitchFamily="2" charset="-127"/>
+              </a:rPr>
+              <a:t>Resource</a:t>
+            </a:r>
+            <a:endParaRPr lang="ko-KR" altLang="en-US" sz="1200" dirty="0">
+              <a:solidFill>
+                <a:schemeClr val="tx1"/>
+              </a:solidFill>
+              <a:latin typeface="AppleSDGothicNeoM00" panose="02000503000000000000" pitchFamily="2" charset="-127"/>
+              <a:ea typeface="AppleSDGothicNeoM00" panose="02000503000000000000" pitchFamily="2" charset="-127"/>
+            </a:endParaRPr>
+          </a:p>
+        </p:txBody>
+      </p:sp>
+      <p:cxnSp>
+        <p:nvCxnSpPr>
+          <p:cNvPr id="9" name="직선 연결선 8">
+            <a:extLst>
+              <a:ext uri="{FF2B5EF4-FFF2-40B4-BE49-F238E27FC236}">
+                <a16:creationId xmlns:a16="http://schemas.microsoft.com/office/drawing/2014/main" id="{94DDD840-7F6A-4F35-A8D7-B802B5E56567}"/>
+              </a:ext>
+            </a:extLst>
+          </p:cNvPr>
+          <p:cNvCxnSpPr>
+            <a:stCxn id="5" idx="2"/>
+          </p:cNvCxnSpPr>
+          <p:nvPr/>
+        </p:nvCxnSpPr>
+        <p:spPr>
+          <a:xfrm flipH="1">
+            <a:off x="2267744" y="1171567"/>
+            <a:ext cx="19050" cy="5229237"/>
+          </a:xfrm>
+          <a:prstGeom prst="line">
+            <a:avLst/>
+          </a:prstGeom>
+          <a:ln w="12700">
+            <a:solidFill>
+              <a:schemeClr val="tx1"/>
+            </a:solidFill>
+            <a:prstDash val="dash"/>
+          </a:ln>
+        </p:spPr>
+        <p:style>
+          <a:lnRef idx="1">
+            <a:schemeClr val="accent1"/>
+          </a:lnRef>
+          <a:fillRef idx="0">
+            <a:schemeClr val="accent1"/>
+          </a:fillRef>
+          <a:effectRef idx="0">
+            <a:schemeClr val="accent1"/>
+          </a:effectRef>
+          <a:fontRef idx="minor">
+            <a:schemeClr val="tx1"/>
+          </a:fontRef>
+        </p:style>
+      </p:cxnSp>
+      <p:cxnSp>
+        <p:nvCxnSpPr>
+          <p:cNvPr id="25" name="직선 연결선 24">
+            <a:extLst>
+              <a:ext uri="{FF2B5EF4-FFF2-40B4-BE49-F238E27FC236}">
+                <a16:creationId xmlns:a16="http://schemas.microsoft.com/office/drawing/2014/main" id="{7CDE3204-51A8-4E9F-955A-AFAAE9A6CB33}"/>
+              </a:ext>
+            </a:extLst>
+          </p:cNvPr>
+          <p:cNvCxnSpPr>
+            <a:stCxn id="6" idx="2"/>
+          </p:cNvCxnSpPr>
+          <p:nvPr/>
+        </p:nvCxnSpPr>
+        <p:spPr>
+          <a:xfrm flipH="1">
+            <a:off x="6095999" y="1171567"/>
+            <a:ext cx="1" cy="5229238"/>
+          </a:xfrm>
+          <a:prstGeom prst="line">
+            <a:avLst/>
+          </a:prstGeom>
+          <a:ln w="12700">
+            <a:solidFill>
+              <a:schemeClr val="tx1"/>
+            </a:solidFill>
+            <a:prstDash val="dash"/>
+          </a:ln>
+        </p:spPr>
+        <p:style>
+          <a:lnRef idx="1">
+            <a:schemeClr val="accent1"/>
+          </a:lnRef>
+          <a:fillRef idx="0">
+            <a:schemeClr val="accent1"/>
+          </a:fillRef>
+          <a:effectRef idx="0">
+            <a:schemeClr val="accent1"/>
+          </a:effectRef>
+          <a:fontRef idx="minor">
+            <a:schemeClr val="tx1"/>
+          </a:fontRef>
+        </p:style>
+      </p:cxnSp>
+      <p:cxnSp>
+        <p:nvCxnSpPr>
+          <p:cNvPr id="29" name="직선 연결선 28">
+            <a:extLst>
+              <a:ext uri="{FF2B5EF4-FFF2-40B4-BE49-F238E27FC236}">
+                <a16:creationId xmlns:a16="http://schemas.microsoft.com/office/drawing/2014/main" id="{DE3F1C9D-07A8-49D4-853A-B2585C8FBC48}"/>
+              </a:ext>
+            </a:extLst>
+          </p:cNvPr>
+          <p:cNvCxnSpPr>
+            <a:stCxn id="7" idx="2"/>
+          </p:cNvCxnSpPr>
+          <p:nvPr/>
+        </p:nvCxnSpPr>
+        <p:spPr>
+          <a:xfrm flipH="1">
+            <a:off x="9905205" y="1171567"/>
+            <a:ext cx="1" cy="5229237"/>
+          </a:xfrm>
+          <a:prstGeom prst="line">
+            <a:avLst/>
+          </a:prstGeom>
+          <a:ln w="12700">
+            <a:solidFill>
+              <a:schemeClr val="tx1"/>
+            </a:solidFill>
+            <a:prstDash val="dash"/>
+          </a:ln>
+        </p:spPr>
+        <p:style>
+          <a:lnRef idx="1">
+            <a:schemeClr val="accent1"/>
+          </a:lnRef>
+          <a:fillRef idx="0">
+            <a:schemeClr val="accent1"/>
+          </a:fillRef>
+          <a:effectRef idx="0">
+            <a:schemeClr val="accent1"/>
+          </a:effectRef>
+          <a:fontRef idx="minor">
+            <a:schemeClr val="tx1"/>
+          </a:fontRef>
+        </p:style>
+      </p:cxnSp>
+      <p:cxnSp>
+        <p:nvCxnSpPr>
+          <p:cNvPr id="26" name="직선 화살표 연결선 25">
+            <a:extLst>
+              <a:ext uri="{FF2B5EF4-FFF2-40B4-BE49-F238E27FC236}">
+                <a16:creationId xmlns:a16="http://schemas.microsoft.com/office/drawing/2014/main" id="{841B5CD7-16A1-4AA7-B2FB-7ABFC464DE1C}"/>
+              </a:ext>
+            </a:extLst>
+          </p:cNvPr>
+          <p:cNvCxnSpPr>
+            <a:cxnSpLocks/>
+          </p:cNvCxnSpPr>
+          <p:nvPr/>
+        </p:nvCxnSpPr>
+        <p:spPr>
+          <a:xfrm>
+            <a:off x="2309812" y="1790700"/>
+            <a:ext cx="3786187" cy="0"/>
+          </a:xfrm>
+          <a:prstGeom prst="straightConnector1">
+            <a:avLst/>
+          </a:prstGeom>
+          <a:ln w="12700">
+            <a:solidFill>
+              <a:schemeClr val="tx1"/>
+            </a:solidFill>
+            <a:tailEnd type="triangle"/>
+          </a:ln>
+        </p:spPr>
+        <p:style>
+          <a:lnRef idx="1">
+            <a:schemeClr val="accent1"/>
+          </a:lnRef>
+          <a:fillRef idx="0">
+            <a:schemeClr val="accent1"/>
+          </a:fillRef>
+          <a:effectRef idx="0">
+            <a:schemeClr val="accent1"/>
+          </a:effectRef>
+          <a:fontRef idx="minor">
+            <a:schemeClr val="tx1"/>
+          </a:fontRef>
+        </p:style>
+      </p:cxnSp>
+      <p:sp>
+        <p:nvSpPr>
+          <p:cNvPr id="27" name="TextBox 26">
+            <a:extLst>
+              <a:ext uri="{FF2B5EF4-FFF2-40B4-BE49-F238E27FC236}">
+                <a16:creationId xmlns:a16="http://schemas.microsoft.com/office/drawing/2014/main" id="{2CA21F30-49EF-418E-A2E7-5A0C01776B89}"/>
+              </a:ext>
+            </a:extLst>
+          </p:cNvPr>
+          <p:cNvSpPr txBox="1"/>
+          <p:nvPr/>
+        </p:nvSpPr>
+        <p:spPr>
+          <a:xfrm>
+            <a:off x="3299544" y="1482923"/>
+            <a:ext cx="1705916" cy="307777"/>
+          </a:xfrm>
+          <a:prstGeom prst="rect">
+            <a:avLst/>
+          </a:prstGeom>
+          <a:noFill/>
+        </p:spPr>
+        <p:txBody>
+          <a:bodyPr wrap="none" rtlCol="0">
+            <a:spAutoFit/>
+          </a:bodyPr>
+          <a:lstStyle/>
+          <a:p>
+            <a:pPr algn="ctr"/>
+            <a:r>
+              <a:rPr lang="en-US" altLang="ko-KR" sz="1400" dirty="0">
+                <a:latin typeface="AppleSDGothicNeoM00" panose="02000503000000000000" pitchFamily="2" charset="-127"/>
+                <a:ea typeface="AppleSDGothicNeoM00" panose="02000503000000000000" pitchFamily="2" charset="-127"/>
+              </a:rPr>
+              <a:t>1. Access Token </a:t>
+            </a:r>
+            <a:r>
+              <a:rPr lang="ko-KR" altLang="en-US" sz="1400" dirty="0">
+                <a:latin typeface="AppleSDGothicNeoM00" panose="02000503000000000000" pitchFamily="2" charset="-127"/>
+                <a:ea typeface="AppleSDGothicNeoM00" panose="02000503000000000000" pitchFamily="2" charset="-127"/>
+              </a:rPr>
+              <a:t>요청</a:t>
+            </a:r>
+          </a:p>
+        </p:txBody>
+      </p:sp>
+      <p:cxnSp>
+        <p:nvCxnSpPr>
+          <p:cNvPr id="28" name="직선 화살표 연결선 27">
+            <a:extLst>
+              <a:ext uri="{FF2B5EF4-FFF2-40B4-BE49-F238E27FC236}">
+                <a16:creationId xmlns:a16="http://schemas.microsoft.com/office/drawing/2014/main" id="{D9241A60-9DCC-4B6F-9A1A-8F7633ED42E7}"/>
+              </a:ext>
+            </a:extLst>
+          </p:cNvPr>
+          <p:cNvCxnSpPr>
+            <a:cxnSpLocks/>
+          </p:cNvCxnSpPr>
+          <p:nvPr/>
+        </p:nvCxnSpPr>
+        <p:spPr>
+          <a:xfrm flipH="1">
+            <a:off x="2286794" y="2415598"/>
+            <a:ext cx="3809205" cy="0"/>
+          </a:xfrm>
+          <a:prstGeom prst="straightConnector1">
+            <a:avLst/>
+          </a:prstGeom>
+          <a:ln w="12700">
+            <a:solidFill>
+              <a:schemeClr val="tx1"/>
+            </a:solidFill>
+            <a:prstDash val="dashDot"/>
+            <a:tailEnd type="triangle"/>
+          </a:ln>
+        </p:spPr>
+        <p:style>
+          <a:lnRef idx="1">
+            <a:schemeClr val="accent1"/>
+          </a:lnRef>
+          <a:fillRef idx="0">
+            <a:schemeClr val="accent1"/>
+          </a:fillRef>
+          <a:effectRef idx="0">
+            <a:schemeClr val="accent1"/>
+          </a:effectRef>
+          <a:fontRef idx="minor">
+            <a:schemeClr val="tx1"/>
+          </a:fontRef>
+        </p:style>
+      </p:cxnSp>
+      <p:sp>
+        <p:nvSpPr>
+          <p:cNvPr id="30" name="TextBox 29">
+            <a:extLst>
+              <a:ext uri="{FF2B5EF4-FFF2-40B4-BE49-F238E27FC236}">
+                <a16:creationId xmlns:a16="http://schemas.microsoft.com/office/drawing/2014/main" id="{823BEDD7-451D-431A-A02A-1E9D39EA2DF6}"/>
+              </a:ext>
+            </a:extLst>
+          </p:cNvPr>
+          <p:cNvSpPr txBox="1"/>
+          <p:nvPr/>
+        </p:nvSpPr>
+        <p:spPr>
+          <a:xfrm>
+            <a:off x="3284315" y="2098477"/>
+            <a:ext cx="1736374" cy="307777"/>
+          </a:xfrm>
+          <a:prstGeom prst="rect">
+            <a:avLst/>
+          </a:prstGeom>
+          <a:noFill/>
+        </p:spPr>
+        <p:txBody>
+          <a:bodyPr wrap="none" rtlCol="0">
+            <a:spAutoFit/>
+          </a:bodyPr>
+          <a:lstStyle/>
+          <a:p>
+            <a:pPr algn="ctr"/>
+            <a:r>
+              <a:rPr lang="en-US" altLang="ko-KR" sz="1400" dirty="0">
+                <a:latin typeface="AppleSDGothicNeoM00" panose="02000503000000000000" pitchFamily="2" charset="-127"/>
+                <a:ea typeface="AppleSDGothicNeoM00" panose="02000503000000000000" pitchFamily="2" charset="-127"/>
+              </a:rPr>
+              <a:t>2. Access Token </a:t>
+            </a:r>
+            <a:r>
+              <a:rPr lang="ko-KR" altLang="en-US" sz="1400" dirty="0">
+                <a:latin typeface="AppleSDGothicNeoM00" panose="02000503000000000000" pitchFamily="2" charset="-127"/>
+                <a:ea typeface="AppleSDGothicNeoM00" panose="02000503000000000000" pitchFamily="2" charset="-127"/>
+              </a:rPr>
+              <a:t>응답</a:t>
+            </a:r>
+          </a:p>
+        </p:txBody>
+      </p:sp>
+      <p:cxnSp>
+        <p:nvCxnSpPr>
+          <p:cNvPr id="31" name="직선 화살표 연결선 30">
+            <a:extLst>
+              <a:ext uri="{FF2B5EF4-FFF2-40B4-BE49-F238E27FC236}">
+                <a16:creationId xmlns:a16="http://schemas.microsoft.com/office/drawing/2014/main" id="{0FC0E33A-4499-491D-B4B1-554A97BB36B3}"/>
+              </a:ext>
+            </a:extLst>
+          </p:cNvPr>
+          <p:cNvCxnSpPr>
+            <a:cxnSpLocks/>
+          </p:cNvCxnSpPr>
+          <p:nvPr/>
+        </p:nvCxnSpPr>
+        <p:spPr>
+          <a:xfrm>
+            <a:off x="2272230" y="4485888"/>
+            <a:ext cx="7632975" cy="0"/>
+          </a:xfrm>
+          <a:prstGeom prst="straightConnector1">
+            <a:avLst/>
+          </a:prstGeom>
+          <a:ln w="12700">
+            <a:solidFill>
+              <a:schemeClr val="tx1"/>
+            </a:solidFill>
+            <a:tailEnd type="triangle"/>
+          </a:ln>
+        </p:spPr>
+        <p:style>
+          <a:lnRef idx="1">
+            <a:schemeClr val="accent1"/>
+          </a:lnRef>
+          <a:fillRef idx="0">
+            <a:schemeClr val="accent1"/>
+          </a:fillRef>
+          <a:effectRef idx="0">
+            <a:schemeClr val="accent1"/>
+          </a:effectRef>
+          <a:fontRef idx="minor">
+            <a:schemeClr val="tx1"/>
+          </a:fontRef>
+        </p:style>
+      </p:cxnSp>
+      <p:cxnSp>
+        <p:nvCxnSpPr>
+          <p:cNvPr id="32" name="직선 화살표 연결선 31">
+            <a:extLst>
+              <a:ext uri="{FF2B5EF4-FFF2-40B4-BE49-F238E27FC236}">
+                <a16:creationId xmlns:a16="http://schemas.microsoft.com/office/drawing/2014/main" id="{F8FFE023-4499-4FB0-825A-2E9DFEB89707}"/>
+              </a:ext>
+            </a:extLst>
+          </p:cNvPr>
+          <p:cNvCxnSpPr>
+            <a:cxnSpLocks/>
+          </p:cNvCxnSpPr>
+          <p:nvPr/>
+        </p:nvCxnSpPr>
+        <p:spPr>
+          <a:xfrm flipH="1">
+            <a:off x="2272231" y="5095488"/>
+            <a:ext cx="7632974" cy="0"/>
+          </a:xfrm>
+          <a:prstGeom prst="straightConnector1">
+            <a:avLst/>
+          </a:prstGeom>
+          <a:ln w="12700">
+            <a:solidFill>
+              <a:schemeClr val="tx1"/>
+            </a:solidFill>
+            <a:prstDash val="dashDot"/>
+            <a:tailEnd type="triangle"/>
+          </a:ln>
+        </p:spPr>
+        <p:style>
+          <a:lnRef idx="1">
+            <a:schemeClr val="accent1"/>
+          </a:lnRef>
+          <a:fillRef idx="0">
+            <a:schemeClr val="accent1"/>
+          </a:fillRef>
+          <a:effectRef idx="0">
+            <a:schemeClr val="accent1"/>
+          </a:effectRef>
+          <a:fontRef idx="minor">
+            <a:schemeClr val="tx1"/>
+          </a:fontRef>
+        </p:style>
+      </p:cxnSp>
+      <p:sp>
+        <p:nvSpPr>
+          <p:cNvPr id="33" name="TextBox 32">
+            <a:extLst>
+              <a:ext uri="{FF2B5EF4-FFF2-40B4-BE49-F238E27FC236}">
+                <a16:creationId xmlns:a16="http://schemas.microsoft.com/office/drawing/2014/main" id="{9706A9FE-7BCE-44FD-BCC2-4EBC83CD0116}"/>
+              </a:ext>
+            </a:extLst>
+          </p:cNvPr>
+          <p:cNvSpPr txBox="1"/>
+          <p:nvPr/>
+        </p:nvSpPr>
+        <p:spPr>
+          <a:xfrm>
+            <a:off x="5425714" y="4172157"/>
+            <a:ext cx="1342035" cy="307777"/>
+          </a:xfrm>
+          <a:prstGeom prst="rect">
+            <a:avLst/>
+          </a:prstGeom>
+          <a:solidFill>
+            <a:schemeClr val="accent6">
+              <a:lumMod val="20000"/>
+              <a:lumOff val="80000"/>
+            </a:schemeClr>
+          </a:solidFill>
+        </p:spPr>
+        <p:txBody>
+          <a:bodyPr wrap="none" rtlCol="0">
+            <a:spAutoFit/>
+          </a:bodyPr>
+          <a:lstStyle/>
+          <a:p>
+            <a:pPr algn="ctr"/>
+            <a:r>
+              <a:rPr lang="en-US" altLang="ko-KR" sz="1400" dirty="0">
+                <a:latin typeface="AppleSDGothicNeoM00" panose="02000503000000000000" pitchFamily="2" charset="-127"/>
+                <a:ea typeface="AppleSDGothicNeoM00" panose="02000503000000000000" pitchFamily="2" charset="-127"/>
+              </a:rPr>
+              <a:t>3. </a:t>
+            </a:r>
+            <a:r>
+              <a:rPr lang="ko-KR" altLang="en-US" sz="1400" dirty="0">
+                <a:latin typeface="AppleSDGothicNeoM00" panose="02000503000000000000" pitchFamily="2" charset="-127"/>
+                <a:ea typeface="AppleSDGothicNeoM00" panose="02000503000000000000" pitchFamily="2" charset="-127"/>
+              </a:rPr>
+              <a:t>요구자원 요청</a:t>
+            </a:r>
+          </a:p>
+        </p:txBody>
+      </p:sp>
+      <p:sp>
+        <p:nvSpPr>
+          <p:cNvPr id="34" name="TextBox 33">
+            <a:extLst>
+              <a:ext uri="{FF2B5EF4-FFF2-40B4-BE49-F238E27FC236}">
+                <a16:creationId xmlns:a16="http://schemas.microsoft.com/office/drawing/2014/main" id="{682F6C6A-0C02-49DC-9842-4B103B8C0EEF}"/>
+              </a:ext>
+            </a:extLst>
+          </p:cNvPr>
+          <p:cNvSpPr txBox="1"/>
+          <p:nvPr/>
+        </p:nvSpPr>
+        <p:spPr>
+          <a:xfrm>
+            <a:off x="5409684" y="4787711"/>
+            <a:ext cx="1358065" cy="307777"/>
+          </a:xfrm>
+          <a:prstGeom prst="rect">
+            <a:avLst/>
+          </a:prstGeom>
+          <a:solidFill>
+            <a:schemeClr val="accent6">
+              <a:lumMod val="20000"/>
+              <a:lumOff val="80000"/>
+            </a:schemeClr>
+          </a:solidFill>
+        </p:spPr>
+        <p:txBody>
+          <a:bodyPr wrap="none" rtlCol="0">
+            <a:spAutoFit/>
+          </a:bodyPr>
+          <a:lstStyle/>
+          <a:p>
+            <a:pPr algn="ctr"/>
+            <a:r>
+              <a:rPr lang="en-US" altLang="ko-KR" sz="1400" dirty="0">
+                <a:latin typeface="AppleSDGothicNeoM00" panose="02000503000000000000" pitchFamily="2" charset="-127"/>
+                <a:ea typeface="AppleSDGothicNeoM00" panose="02000503000000000000" pitchFamily="2" charset="-127"/>
+              </a:rPr>
+              <a:t>4. </a:t>
+            </a:r>
+            <a:r>
+              <a:rPr lang="ko-KR" altLang="en-US" sz="1400" dirty="0">
+                <a:latin typeface="AppleSDGothicNeoM00" panose="02000503000000000000" pitchFamily="2" charset="-127"/>
+                <a:ea typeface="AppleSDGothicNeoM00" panose="02000503000000000000" pitchFamily="2" charset="-127"/>
+              </a:rPr>
+              <a:t>요구자원 반환</a:t>
+            </a:r>
+          </a:p>
+        </p:txBody>
+      </p:sp>
+      <p:sp>
+        <p:nvSpPr>
+          <p:cNvPr id="37" name="직사각형 36">
+            <a:extLst>
+              <a:ext uri="{FF2B5EF4-FFF2-40B4-BE49-F238E27FC236}">
+                <a16:creationId xmlns:a16="http://schemas.microsoft.com/office/drawing/2014/main" id="{6ABD7C9C-A973-4933-8F3D-F2BAE03B996E}"/>
+              </a:ext>
+            </a:extLst>
+          </p:cNvPr>
+          <p:cNvSpPr/>
+          <p:nvPr/>
+        </p:nvSpPr>
+        <p:spPr>
+          <a:xfrm>
+            <a:off x="1847851" y="3924303"/>
+            <a:ext cx="8540750" cy="1638298"/>
+          </a:xfrm>
+          <a:prstGeom prst="rect">
+            <a:avLst/>
+          </a:prstGeom>
+          <a:noFill/>
+          <a:ln w="19050">
+            <a:solidFill>
+              <a:schemeClr val="tx1"/>
+            </a:solidFill>
+          </a:ln>
+        </p:spPr>
+        <p:style>
+          <a:lnRef idx="2">
+            <a:schemeClr val="accent1">
+              <a:shade val="50000"/>
+            </a:schemeClr>
+          </a:lnRef>
+          <a:fillRef idx="1">
+            <a:schemeClr val="accent1"/>
+          </a:fillRef>
+          <a:effectRef idx="0">
+            <a:schemeClr val="accent1"/>
+          </a:effectRef>
+          <a:fontRef idx="minor">
+            <a:schemeClr val="lt1"/>
+          </a:fontRef>
+        </p:style>
+        <p:txBody>
+          <a:bodyPr rtlCol="0" anchor="ctr"/>
+          <a:lstStyle/>
+          <a:p>
+            <a:pPr algn="ctr"/>
+            <a:endParaRPr lang="ko-KR" altLang="en-US"/>
+          </a:p>
+        </p:txBody>
+      </p:sp>
+      <p:sp>
+        <p:nvSpPr>
+          <p:cNvPr id="38" name="TextBox 37">
+            <a:extLst>
+              <a:ext uri="{FF2B5EF4-FFF2-40B4-BE49-F238E27FC236}">
+                <a16:creationId xmlns:a16="http://schemas.microsoft.com/office/drawing/2014/main" id="{204B1B3C-A24C-40FA-8192-8D64C5640F64}"/>
+              </a:ext>
+            </a:extLst>
+          </p:cNvPr>
+          <p:cNvSpPr txBox="1"/>
+          <p:nvPr/>
+        </p:nvSpPr>
+        <p:spPr>
+          <a:xfrm>
+            <a:off x="8443327" y="3466361"/>
+            <a:ext cx="1401346" cy="369332"/>
+          </a:xfrm>
+          <a:prstGeom prst="rect">
+            <a:avLst/>
+          </a:prstGeom>
+          <a:noFill/>
+        </p:spPr>
+        <p:txBody>
+          <a:bodyPr wrap="none" rtlCol="0">
+            <a:spAutoFit/>
+          </a:bodyPr>
+          <a:lstStyle/>
+          <a:p>
+            <a:pPr algn="ctr"/>
+            <a:r>
+              <a:rPr lang="ko-KR" altLang="en-US" dirty="0">
+                <a:solidFill>
+                  <a:srgbClr val="0070C0"/>
+                </a:solidFill>
+                <a:latin typeface="AppleSDGothicNeoM00" panose="02000503000000000000" pitchFamily="2" charset="-127"/>
+                <a:ea typeface="AppleSDGothicNeoM00" panose="02000503000000000000" pitchFamily="2" charset="-127"/>
+              </a:rPr>
+              <a:t>♻ 반복 수행</a:t>
+            </a:r>
+          </a:p>
+        </p:txBody>
+      </p:sp>
+    </p:spTree>
+    <p:extLst>
+      <p:ext uri="{BB962C8B-B14F-4D97-AF65-F5344CB8AC3E}">
+        <p14:creationId xmlns:p14="http://schemas.microsoft.com/office/powerpoint/2010/main" val="2538497918"/>
       </p:ext>
     </p:extLst>
   </p:cSld>

--- a/사진.pptx
+++ b/사진.pptx
@@ -3688,7 +3688,7 @@
           <p:cNvPr id="4" name="직사각형 3">
             <a:extLst>
               <a:ext uri="{FF2B5EF4-FFF2-40B4-BE49-F238E27FC236}">
-                <a16:creationId xmlns:a16="http://schemas.microsoft.com/office/drawing/2014/main" id="{BE8A1D6E-5113-44E5-8790-53EB8D9ACB80}"/>
+                <a16:creationId xmlns:a16="http://schemas.microsoft.com/office/drawing/2014/main" id="{20AD96B3-9578-4598-9480-1B1B7ADFA82F}"/>
               </a:ext>
             </a:extLst>
           </p:cNvPr>
@@ -3697,15 +3697,13 @@
         </p:nvSpPr>
         <p:spPr>
           <a:xfrm>
-            <a:off x="0" y="1007533"/>
-            <a:ext cx="12192000" cy="4842933"/>
+            <a:off x="1149178" y="701246"/>
+            <a:ext cx="9893643" cy="5455508"/>
           </a:xfrm>
           <a:prstGeom prst="rect">
             <a:avLst/>
           </a:prstGeom>
-          <a:solidFill>
-            <a:srgbClr val="262D3D"/>
-          </a:solidFill>
+          <a:noFill/>
           <a:ln>
             <a:noFill/>
           </a:ln>
@@ -3731,16 +3729,365 @@
           <a:lstStyle/>
           <a:p>
             <a:pPr algn="ctr"/>
-            <a:endParaRPr lang="ko-KR" altLang="en-US" dirty="0"/>
-          </a:p>
-        </p:txBody>
-      </p:sp>
-      <p:sp>
-        <p:nvSpPr>
-          <p:cNvPr id="5" name="TextBox 4">
-            <a:extLst>
-              <a:ext uri="{FF2B5EF4-FFF2-40B4-BE49-F238E27FC236}">
-                <a16:creationId xmlns:a16="http://schemas.microsoft.com/office/drawing/2014/main" id="{CC34C18F-9D37-45D3-B42A-4ADAFC994583}"/>
+            <a:endParaRPr lang="ko-KR" altLang="en-US"/>
+          </a:p>
+        </p:txBody>
+      </p:sp>
+      <p:pic>
+        <p:nvPicPr>
+          <p:cNvPr id="6" name="그래픽 5" descr="브라우저 창">
+            <a:extLst>
+              <a:ext uri="{FF2B5EF4-FFF2-40B4-BE49-F238E27FC236}">
+                <a16:creationId xmlns:a16="http://schemas.microsoft.com/office/drawing/2014/main" id="{46974FC7-4D3B-4669-BEF5-46F34DB95EBC}"/>
+              </a:ext>
+            </a:extLst>
+          </p:cNvPr>
+          <p:cNvPicPr>
+            <a:picLocks noChangeAspect="1"/>
+          </p:cNvPicPr>
+          <p:nvPr/>
+        </p:nvPicPr>
+        <p:blipFill>
+          <a:blip r:embed="rId2">
+            <a:extLst>
+              <a:ext uri="{28A0092B-C50C-407E-A947-70E740481C1C}">
+                <a14:useLocalDpi xmlns:a14="http://schemas.microsoft.com/office/drawing/2010/main" val="0"/>
+              </a:ext>
+              <a:ext uri="{96DAC541-7B7A-43D3-8B79-37D633B846F1}">
+                <asvg:svgBlip xmlns:asvg="http://schemas.microsoft.com/office/drawing/2016/SVG/main" r:embed="rId3"/>
+              </a:ext>
+            </a:extLst>
+          </a:blip>
+          <a:stretch>
+            <a:fillRect/>
+          </a:stretch>
+        </p:blipFill>
+        <p:spPr>
+          <a:xfrm>
+            <a:off x="2479589" y="2771772"/>
+            <a:ext cx="1314451" cy="1314451"/>
+          </a:xfrm>
+          <a:prstGeom prst="rect">
+            <a:avLst/>
+          </a:prstGeom>
+        </p:spPr>
+      </p:pic>
+      <p:sp>
+        <p:nvSpPr>
+          <p:cNvPr id="7" name="직사각형 6">
+            <a:extLst>
+              <a:ext uri="{FF2B5EF4-FFF2-40B4-BE49-F238E27FC236}">
+                <a16:creationId xmlns:a16="http://schemas.microsoft.com/office/drawing/2014/main" id="{CC1EB238-C8D6-4540-B22B-216E944FC1F9}"/>
+              </a:ext>
+            </a:extLst>
+          </p:cNvPr>
+          <p:cNvSpPr/>
+          <p:nvPr/>
+        </p:nvSpPr>
+        <p:spPr>
+          <a:xfrm>
+            <a:off x="5114925" y="1252536"/>
+            <a:ext cx="5334000" cy="4352925"/>
+          </a:xfrm>
+          <a:prstGeom prst="rect">
+            <a:avLst/>
+          </a:prstGeom>
+          <a:noFill/>
+          <a:ln w="19050">
+            <a:solidFill>
+              <a:schemeClr val="tx1"/>
+            </a:solidFill>
+          </a:ln>
+        </p:spPr>
+        <p:style>
+          <a:lnRef idx="2">
+            <a:schemeClr val="accent1">
+              <a:shade val="50000"/>
+            </a:schemeClr>
+          </a:lnRef>
+          <a:fillRef idx="1">
+            <a:schemeClr val="accent1"/>
+          </a:fillRef>
+          <a:effectRef idx="0">
+            <a:schemeClr val="accent1"/>
+          </a:effectRef>
+          <a:fontRef idx="minor">
+            <a:schemeClr val="lt1"/>
+          </a:fontRef>
+        </p:style>
+        <p:txBody>
+          <a:bodyPr rtlCol="0" anchor="ctr"/>
+          <a:lstStyle/>
+          <a:p>
+            <a:pPr algn="ctr"/>
+            <a:endParaRPr lang="ko-KR" altLang="en-US"/>
+          </a:p>
+        </p:txBody>
+      </p:sp>
+      <p:pic>
+        <p:nvPicPr>
+          <p:cNvPr id="9" name="그래픽 8" descr="서버">
+            <a:extLst>
+              <a:ext uri="{FF2B5EF4-FFF2-40B4-BE49-F238E27FC236}">
+                <a16:creationId xmlns:a16="http://schemas.microsoft.com/office/drawing/2014/main" id="{5D4BC5B3-B897-4C66-91CD-97409819BEFA}"/>
+              </a:ext>
+            </a:extLst>
+          </p:cNvPr>
+          <p:cNvPicPr>
+            <a:picLocks noChangeAspect="1"/>
+          </p:cNvPicPr>
+          <p:nvPr/>
+        </p:nvPicPr>
+        <p:blipFill>
+          <a:blip r:embed="rId4">
+            <a:extLst>
+              <a:ext uri="{28A0092B-C50C-407E-A947-70E740481C1C}">
+                <a14:useLocalDpi xmlns:a14="http://schemas.microsoft.com/office/drawing/2010/main" val="0"/>
+              </a:ext>
+              <a:ext uri="{96DAC541-7B7A-43D3-8B79-37D633B846F1}">
+                <asvg:svgBlip xmlns:asvg="http://schemas.microsoft.com/office/drawing/2016/SVG/main" r:embed="rId5"/>
+              </a:ext>
+            </a:extLst>
+          </a:blip>
+          <a:stretch>
+            <a:fillRect/>
+          </a:stretch>
+        </p:blipFill>
+        <p:spPr>
+          <a:xfrm>
+            <a:off x="5781675" y="3052759"/>
+            <a:ext cx="752475" cy="752475"/>
+          </a:xfrm>
+          <a:prstGeom prst="rect">
+            <a:avLst/>
+          </a:prstGeom>
+        </p:spPr>
+      </p:pic>
+      <p:pic>
+        <p:nvPicPr>
+          <p:cNvPr id="10" name="그래픽 9" descr="서버">
+            <a:extLst>
+              <a:ext uri="{FF2B5EF4-FFF2-40B4-BE49-F238E27FC236}">
+                <a16:creationId xmlns:a16="http://schemas.microsoft.com/office/drawing/2014/main" id="{A6168178-4E48-4444-A7CA-208E573F6180}"/>
+              </a:ext>
+            </a:extLst>
+          </p:cNvPr>
+          <p:cNvPicPr>
+            <a:picLocks noChangeAspect="1"/>
+          </p:cNvPicPr>
+          <p:nvPr/>
+        </p:nvPicPr>
+        <p:blipFill>
+          <a:blip r:embed="rId4">
+            <a:extLst>
+              <a:ext uri="{28A0092B-C50C-407E-A947-70E740481C1C}">
+                <a14:useLocalDpi xmlns:a14="http://schemas.microsoft.com/office/drawing/2010/main" val="0"/>
+              </a:ext>
+              <a:ext uri="{96DAC541-7B7A-43D3-8B79-37D633B846F1}">
+                <asvg:svgBlip xmlns:asvg="http://schemas.microsoft.com/office/drawing/2016/SVG/main" r:embed="rId5"/>
+              </a:ext>
+            </a:extLst>
+          </a:blip>
+          <a:stretch>
+            <a:fillRect/>
+          </a:stretch>
+        </p:blipFill>
+        <p:spPr>
+          <a:xfrm>
+            <a:off x="5781675" y="4329108"/>
+            <a:ext cx="752475" cy="752475"/>
+          </a:xfrm>
+          <a:prstGeom prst="rect">
+            <a:avLst/>
+          </a:prstGeom>
+        </p:spPr>
+      </p:pic>
+      <p:pic>
+        <p:nvPicPr>
+          <p:cNvPr id="11" name="그래픽 10" descr="서버">
+            <a:extLst>
+              <a:ext uri="{FF2B5EF4-FFF2-40B4-BE49-F238E27FC236}">
+                <a16:creationId xmlns:a16="http://schemas.microsoft.com/office/drawing/2014/main" id="{F055F7EA-FE6F-4B77-AA1F-8544081D4433}"/>
+              </a:ext>
+            </a:extLst>
+          </p:cNvPr>
+          <p:cNvPicPr>
+            <a:picLocks noChangeAspect="1"/>
+          </p:cNvPicPr>
+          <p:nvPr/>
+        </p:nvPicPr>
+        <p:blipFill>
+          <a:blip r:embed="rId4">
+            <a:extLst>
+              <a:ext uri="{28A0092B-C50C-407E-A947-70E740481C1C}">
+                <a14:useLocalDpi xmlns:a14="http://schemas.microsoft.com/office/drawing/2010/main" val="0"/>
+              </a:ext>
+              <a:ext uri="{96DAC541-7B7A-43D3-8B79-37D633B846F1}">
+                <asvg:svgBlip xmlns:asvg="http://schemas.microsoft.com/office/drawing/2016/SVG/main" r:embed="rId5"/>
+              </a:ext>
+            </a:extLst>
+          </a:blip>
+          <a:stretch>
+            <a:fillRect/>
+          </a:stretch>
+        </p:blipFill>
+        <p:spPr>
+          <a:xfrm>
+            <a:off x="5781675" y="1776409"/>
+            <a:ext cx="752475" cy="752475"/>
+          </a:xfrm>
+          <a:prstGeom prst="rect">
+            <a:avLst/>
+          </a:prstGeom>
+        </p:spPr>
+      </p:pic>
+      <p:cxnSp>
+        <p:nvCxnSpPr>
+          <p:cNvPr id="13" name="연결선: 꺾임 12">
+            <a:extLst>
+              <a:ext uri="{FF2B5EF4-FFF2-40B4-BE49-F238E27FC236}">
+                <a16:creationId xmlns:a16="http://schemas.microsoft.com/office/drawing/2014/main" id="{658CEC4C-5F00-42E4-A6F0-A749CEF4E4F4}"/>
+              </a:ext>
+            </a:extLst>
+          </p:cNvPr>
+          <p:cNvCxnSpPr>
+            <a:cxnSpLocks/>
+            <a:stCxn id="6" idx="3"/>
+            <a:endCxn id="9" idx="1"/>
+          </p:cNvCxnSpPr>
+          <p:nvPr/>
+        </p:nvCxnSpPr>
+        <p:spPr>
+          <a:xfrm flipV="1">
+            <a:off x="3794040" y="3428997"/>
+            <a:ext cx="1987635" cy="1"/>
+          </a:xfrm>
+          <a:prstGeom prst="bentConnector3">
+            <a:avLst/>
+          </a:prstGeom>
+          <a:ln w="19050">
+            <a:solidFill>
+              <a:schemeClr val="tx1"/>
+            </a:solidFill>
+            <a:prstDash val="dash"/>
+            <a:tailEnd type="triangle"/>
+          </a:ln>
+        </p:spPr>
+        <p:style>
+          <a:lnRef idx="1">
+            <a:schemeClr val="accent1"/>
+          </a:lnRef>
+          <a:fillRef idx="0">
+            <a:schemeClr val="accent1"/>
+          </a:fillRef>
+          <a:effectRef idx="0">
+            <a:schemeClr val="accent1"/>
+          </a:effectRef>
+          <a:fontRef idx="minor">
+            <a:schemeClr val="tx1"/>
+          </a:fontRef>
+        </p:style>
+      </p:cxnSp>
+      <p:cxnSp>
+        <p:nvCxnSpPr>
+          <p:cNvPr id="14" name="연결선: 꺾임 13">
+            <a:extLst>
+              <a:ext uri="{FF2B5EF4-FFF2-40B4-BE49-F238E27FC236}">
+                <a16:creationId xmlns:a16="http://schemas.microsoft.com/office/drawing/2014/main" id="{0726B56A-FC61-4B7D-87E6-5BB0B82301FF}"/>
+              </a:ext>
+            </a:extLst>
+          </p:cNvPr>
+          <p:cNvCxnSpPr>
+            <a:cxnSpLocks/>
+            <a:stCxn id="6" idx="3"/>
+            <a:endCxn id="11" idx="1"/>
+          </p:cNvCxnSpPr>
+          <p:nvPr/>
+        </p:nvCxnSpPr>
+        <p:spPr>
+          <a:xfrm flipV="1">
+            <a:off x="3794040" y="2152647"/>
+            <a:ext cx="1987635" cy="1276351"/>
+          </a:xfrm>
+          <a:prstGeom prst="bentConnector3">
+            <a:avLst/>
+          </a:prstGeom>
+          <a:ln w="19050">
+            <a:solidFill>
+              <a:schemeClr val="tx1"/>
+            </a:solidFill>
+            <a:prstDash val="dash"/>
+            <a:tailEnd type="triangle"/>
+          </a:ln>
+        </p:spPr>
+        <p:style>
+          <a:lnRef idx="1">
+            <a:schemeClr val="accent1"/>
+          </a:lnRef>
+          <a:fillRef idx="0">
+            <a:schemeClr val="accent1"/>
+          </a:fillRef>
+          <a:effectRef idx="0">
+            <a:schemeClr val="accent1"/>
+          </a:effectRef>
+          <a:fontRef idx="minor">
+            <a:schemeClr val="tx1"/>
+          </a:fontRef>
+        </p:style>
+      </p:cxnSp>
+      <p:cxnSp>
+        <p:nvCxnSpPr>
+          <p:cNvPr id="17" name="연결선: 꺾임 16">
+            <a:extLst>
+              <a:ext uri="{FF2B5EF4-FFF2-40B4-BE49-F238E27FC236}">
+                <a16:creationId xmlns:a16="http://schemas.microsoft.com/office/drawing/2014/main" id="{D4C445DE-1C86-41DA-AFFB-38949962C948}"/>
+              </a:ext>
+            </a:extLst>
+          </p:cNvPr>
+          <p:cNvCxnSpPr>
+            <a:cxnSpLocks/>
+            <a:stCxn id="6" idx="3"/>
+            <a:endCxn id="10" idx="1"/>
+          </p:cNvCxnSpPr>
+          <p:nvPr/>
+        </p:nvCxnSpPr>
+        <p:spPr>
+          <a:xfrm>
+            <a:off x="3794040" y="3428998"/>
+            <a:ext cx="1987635" cy="1276348"/>
+          </a:xfrm>
+          <a:prstGeom prst="bentConnector3">
+            <a:avLst/>
+          </a:prstGeom>
+          <a:ln w="19050">
+            <a:solidFill>
+              <a:schemeClr val="tx1"/>
+            </a:solidFill>
+            <a:prstDash val="dash"/>
+            <a:tailEnd type="triangle"/>
+          </a:ln>
+        </p:spPr>
+        <p:style>
+          <a:lnRef idx="1">
+            <a:schemeClr val="accent1"/>
+          </a:lnRef>
+          <a:fillRef idx="0">
+            <a:schemeClr val="accent1"/>
+          </a:fillRef>
+          <a:effectRef idx="0">
+            <a:schemeClr val="accent1"/>
+          </a:effectRef>
+          <a:fontRef idx="minor">
+            <a:schemeClr val="tx1"/>
+          </a:fontRef>
+        </p:style>
+      </p:cxnSp>
+      <p:sp>
+        <p:nvSpPr>
+          <p:cNvPr id="20" name="TextBox 19">
+            <a:extLst>
+              <a:ext uri="{FF2B5EF4-FFF2-40B4-BE49-F238E27FC236}">
+                <a16:creationId xmlns:a16="http://schemas.microsoft.com/office/drawing/2014/main" id="{B1CFA724-CBB7-46BE-841D-C4C9CBE92E45}"/>
               </a:ext>
             </a:extLst>
           </p:cNvPr>
@@ -3749,8 +4096,104 @@
         </p:nvSpPr>
         <p:spPr>
           <a:xfrm>
-            <a:off x="4961947" y="2644169"/>
-            <a:ext cx="3836307" cy="1569660"/>
+            <a:off x="6737564" y="1921813"/>
+            <a:ext cx="1326003" cy="461665"/>
+          </a:xfrm>
+          <a:prstGeom prst="rect">
+            <a:avLst/>
+          </a:prstGeom>
+          <a:noFill/>
+        </p:spPr>
+        <p:txBody>
+          <a:bodyPr wrap="square" rtlCol="0">
+            <a:spAutoFit/>
+          </a:bodyPr>
+          <a:lstStyle/>
+          <a:p>
+            <a:r>
+              <a:rPr lang="en-US" altLang="ko-KR" sz="2400" dirty="0">
+                <a:solidFill>
+                  <a:srgbClr val="0070C0"/>
+                </a:solidFill>
+                <a:latin typeface="AppleSDGothicNeoM00" panose="02000503000000000000" pitchFamily="2" charset="-127"/>
+                <a:ea typeface="AppleSDGothicNeoM00" panose="02000503000000000000" pitchFamily="2" charset="-127"/>
+              </a:rPr>
+              <a:t>/login</a:t>
+            </a:r>
+            <a:endParaRPr lang="ko-KR" altLang="en-US" sz="2400" dirty="0">
+              <a:solidFill>
+                <a:srgbClr val="0070C0"/>
+              </a:solidFill>
+              <a:latin typeface="AppleSDGothicNeoM00" panose="02000503000000000000" pitchFamily="2" charset="-127"/>
+              <a:ea typeface="AppleSDGothicNeoM00" panose="02000503000000000000" pitchFamily="2" charset="-127"/>
+            </a:endParaRPr>
+          </a:p>
+        </p:txBody>
+      </p:sp>
+      <p:sp>
+        <p:nvSpPr>
+          <p:cNvPr id="21" name="TextBox 20">
+            <a:extLst>
+              <a:ext uri="{FF2B5EF4-FFF2-40B4-BE49-F238E27FC236}">
+                <a16:creationId xmlns:a16="http://schemas.microsoft.com/office/drawing/2014/main" id="{D8F5F3FA-B117-4A2B-8BE1-8D1DC3C128A0}"/>
+              </a:ext>
+            </a:extLst>
+          </p:cNvPr>
+          <p:cNvSpPr txBox="1"/>
+          <p:nvPr/>
+        </p:nvSpPr>
+        <p:spPr>
+          <a:xfrm>
+            <a:off x="6737564" y="3198163"/>
+            <a:ext cx="1326003" cy="461665"/>
+          </a:xfrm>
+          <a:prstGeom prst="rect">
+            <a:avLst/>
+          </a:prstGeom>
+          <a:noFill/>
+        </p:spPr>
+        <p:txBody>
+          <a:bodyPr wrap="square" rtlCol="0">
+            <a:spAutoFit/>
+          </a:bodyPr>
+          <a:lstStyle/>
+          <a:p>
+            <a:r>
+              <a:rPr lang="en-US" altLang="ko-KR" sz="2400" dirty="0">
+                <a:solidFill>
+                  <a:srgbClr val="0070C0"/>
+                </a:solidFill>
+                <a:latin typeface="AppleSDGothicNeoM00" panose="02000503000000000000" pitchFamily="2" charset="-127"/>
+                <a:ea typeface="AppleSDGothicNeoM00" panose="02000503000000000000" pitchFamily="2" charset="-127"/>
+              </a:rPr>
+              <a:t>/logout</a:t>
+            </a:r>
+            <a:endParaRPr lang="ko-KR" altLang="en-US" sz="2400" dirty="0">
+              <a:solidFill>
+                <a:srgbClr val="0070C0"/>
+              </a:solidFill>
+              <a:latin typeface="AppleSDGothicNeoM00" panose="02000503000000000000" pitchFamily="2" charset="-127"/>
+              <a:ea typeface="AppleSDGothicNeoM00" panose="02000503000000000000" pitchFamily="2" charset="-127"/>
+            </a:endParaRPr>
+          </a:p>
+        </p:txBody>
+      </p:sp>
+      <p:sp>
+        <p:nvSpPr>
+          <p:cNvPr id="22" name="TextBox 21">
+            <a:extLst>
+              <a:ext uri="{FF2B5EF4-FFF2-40B4-BE49-F238E27FC236}">
+                <a16:creationId xmlns:a16="http://schemas.microsoft.com/office/drawing/2014/main" id="{964E2AA1-20D6-454E-BAAC-2D19B16C0585}"/>
+              </a:ext>
+            </a:extLst>
+          </p:cNvPr>
+          <p:cNvSpPr txBox="1"/>
+          <p:nvPr/>
+        </p:nvSpPr>
+        <p:spPr>
+          <a:xfrm>
+            <a:off x="6737563" y="4474513"/>
+            <a:ext cx="1326004" cy="461665"/>
           </a:xfrm>
           <a:prstGeom prst="rect">
             <a:avLst/>
@@ -3763,106 +4206,224 @@
           </a:bodyPr>
           <a:lstStyle/>
           <a:p>
-            <a:pPr algn="ctr"/>
             <a:r>
-              <a:rPr lang="en-US" altLang="ko-KR" sz="9600" dirty="0">
+              <a:rPr lang="en-US" altLang="ko-KR" sz="2400" dirty="0">
                 <a:solidFill>
                   <a:srgbClr val="0070C0"/>
                 </a:solidFill>
-                <a:effectLst>
-                  <a:outerShdw blurRad="38100" dist="38100" dir="2700000" algn="tl">
-                    <a:srgbClr val="000000">
-                      <a:alpha val="43137"/>
-                    </a:srgbClr>
-                  </a:outerShdw>
-                </a:effectLst>
-                <a:latin typeface="Bahnschrift Condensed" panose="020B0502040204020203" pitchFamily="34" charset="0"/>
+                <a:latin typeface="AppleSDGothicNeoM00" panose="02000503000000000000" pitchFamily="2" charset="-127"/>
+                <a:ea typeface="AppleSDGothicNeoM00" panose="02000503000000000000" pitchFamily="2" charset="-127"/>
               </a:rPr>
-              <a:t>O</a:t>
+              <a:t>/</a:t>
             </a:r>
             <a:r>
-              <a:rPr lang="en-US" altLang="ko-KR" sz="9600" dirty="0">
+              <a:rPr lang="en-US" altLang="ko-KR" sz="2400" dirty="0" err="1">
                 <a:solidFill>
-                  <a:schemeClr val="bg1"/>
+                  <a:srgbClr val="0070C0"/>
                 </a:solidFill>
-                <a:effectLst>
-                  <a:outerShdw blurRad="38100" dist="38100" dir="2700000" algn="tl">
-                    <a:srgbClr val="000000">
-                      <a:alpha val="43137"/>
-                    </a:srgbClr>
-                  </a:outerShdw>
-                </a:effectLst>
-                <a:latin typeface="Bahnschrift Condensed" panose="020B0502040204020203" pitchFamily="34" charset="0"/>
+                <a:latin typeface="AppleSDGothicNeoM00" panose="02000503000000000000" pitchFamily="2" charset="-127"/>
+                <a:ea typeface="AppleSDGothicNeoM00" panose="02000503000000000000" pitchFamily="2" charset="-127"/>
               </a:rPr>
-              <a:t>Auth2.0</a:t>
+              <a:t>userinfo</a:t>
             </a:r>
-            <a:endParaRPr lang="ko-KR" altLang="en-US" sz="9600" dirty="0">
+            <a:endParaRPr lang="ko-KR" altLang="en-US" sz="2400" dirty="0">
               <a:solidFill>
-                <a:schemeClr val="bg1"/>
+                <a:srgbClr val="0070C0"/>
               </a:solidFill>
-              <a:effectLst>
-                <a:outerShdw blurRad="38100" dist="38100" dir="2700000" algn="tl">
-                  <a:srgbClr val="000000">
-                    <a:alpha val="43137"/>
-                  </a:srgbClr>
-                </a:outerShdw>
-              </a:effectLst>
-              <a:latin typeface="Bahnschrift Condensed" panose="020B0502040204020203" pitchFamily="34" charset="0"/>
+              <a:latin typeface="AppleSDGothicNeoM00" panose="02000503000000000000" pitchFamily="2" charset="-127"/>
+              <a:ea typeface="AppleSDGothicNeoM00" panose="02000503000000000000" pitchFamily="2" charset="-127"/>
             </a:endParaRPr>
           </a:p>
         </p:txBody>
       </p:sp>
-      <p:pic>
-        <p:nvPicPr>
-          <p:cNvPr id="1028" name="Picture 4" descr="OAuth - 위키백과, 우리 모두의 백과사전">
-            <a:extLst>
-              <a:ext uri="{FF2B5EF4-FFF2-40B4-BE49-F238E27FC236}">
-                <a16:creationId xmlns:a16="http://schemas.microsoft.com/office/drawing/2014/main" id="{BE669D82-B09B-41D0-8275-55515D0A2DCC}"/>
-              </a:ext>
-            </a:extLst>
-          </p:cNvPr>
-          <p:cNvPicPr>
-            <a:picLocks noChangeAspect="1" noChangeArrowheads="1"/>
-          </p:cNvPicPr>
-          <p:nvPr/>
-        </p:nvPicPr>
-        <p:blipFill>
-          <a:blip r:embed="rId2">
-            <a:extLst>
-              <a:ext uri="{28A0092B-C50C-407E-A947-70E740481C1C}">
-                <a14:useLocalDpi xmlns:a14="http://schemas.microsoft.com/office/drawing/2010/main" val="0"/>
-              </a:ext>
-            </a:extLst>
-          </a:blip>
-          <a:srcRect/>
-          <a:stretch>
-            <a:fillRect/>
-          </a:stretch>
-        </p:blipFill>
-        <p:spPr bwMode="auto">
-          <a:xfrm>
-            <a:off x="3397374" y="2644169"/>
-            <a:ext cx="1564573" cy="1569660"/>
+      <p:sp>
+        <p:nvSpPr>
+          <p:cNvPr id="24" name="TextBox 23">
+            <a:extLst>
+              <a:ext uri="{FF2B5EF4-FFF2-40B4-BE49-F238E27FC236}">
+                <a16:creationId xmlns:a16="http://schemas.microsoft.com/office/drawing/2014/main" id="{462F2C51-F1ED-4B64-BF15-3165ACE0877C}"/>
+              </a:ext>
+            </a:extLst>
+          </p:cNvPr>
+          <p:cNvSpPr txBox="1"/>
+          <p:nvPr/>
+        </p:nvSpPr>
+        <p:spPr>
+          <a:xfrm>
+            <a:off x="8940260" y="3198163"/>
+            <a:ext cx="1159292" cy="461665"/>
           </a:xfrm>
           <a:prstGeom prst="rect">
             <a:avLst/>
           </a:prstGeom>
           <a:noFill/>
-          <a:extLst>
-            <a:ext uri="{909E8E84-426E-40DD-AFC4-6F175D3DCCD1}">
-              <a14:hiddenFill xmlns:a14="http://schemas.microsoft.com/office/drawing/2010/main">
-                <a:solidFill>
-                  <a:srgbClr val="FFFFFF"/>
-                </a:solidFill>
-              </a14:hiddenFill>
-            </a:ext>
-          </a:extLst>
-        </p:spPr>
-      </p:pic>
+        </p:spPr>
+        <p:txBody>
+          <a:bodyPr wrap="none" rtlCol="0">
+            <a:spAutoFit/>
+          </a:bodyPr>
+          <a:lstStyle/>
+          <a:p>
+            <a:r>
+              <a:rPr lang="en-US" altLang="ko-KR" sz="2400" dirty="0">
+                <a:latin typeface="AppleSDGothicNeoM00" panose="02000503000000000000" pitchFamily="2" charset="-127"/>
+                <a:ea typeface="AppleSDGothicNeoM00" panose="02000503000000000000" pitchFamily="2" charset="-127"/>
+              </a:rPr>
+              <a:t>process</a:t>
+            </a:r>
+            <a:endParaRPr lang="ko-KR" altLang="en-US" sz="2400" dirty="0">
+              <a:latin typeface="AppleSDGothicNeoM00" panose="02000503000000000000" pitchFamily="2" charset="-127"/>
+              <a:ea typeface="AppleSDGothicNeoM00" panose="02000503000000000000" pitchFamily="2" charset="-127"/>
+            </a:endParaRPr>
+          </a:p>
+        </p:txBody>
+      </p:sp>
+      <p:cxnSp>
+        <p:nvCxnSpPr>
+          <p:cNvPr id="30" name="직선 화살표 연결선 29">
+            <a:extLst>
+              <a:ext uri="{FF2B5EF4-FFF2-40B4-BE49-F238E27FC236}">
+                <a16:creationId xmlns:a16="http://schemas.microsoft.com/office/drawing/2014/main" id="{57D715B1-56F8-4C75-948C-2AF32EB9844F}"/>
+              </a:ext>
+            </a:extLst>
+          </p:cNvPr>
+          <p:cNvCxnSpPr>
+            <a:cxnSpLocks/>
+            <a:stCxn id="21" idx="3"/>
+            <a:endCxn id="24" idx="1"/>
+          </p:cNvCxnSpPr>
+          <p:nvPr/>
+        </p:nvCxnSpPr>
+        <p:spPr>
+          <a:xfrm>
+            <a:off x="8063567" y="3428996"/>
+            <a:ext cx="876693" cy="0"/>
+          </a:xfrm>
+          <a:prstGeom prst="straightConnector1">
+            <a:avLst/>
+          </a:prstGeom>
+          <a:ln w="19050">
+            <a:solidFill>
+              <a:schemeClr val="tx1"/>
+            </a:solidFill>
+            <a:prstDash val="dash"/>
+            <a:tailEnd type="triangle"/>
+          </a:ln>
+        </p:spPr>
+        <p:style>
+          <a:lnRef idx="1">
+            <a:schemeClr val="accent1"/>
+          </a:lnRef>
+          <a:fillRef idx="0">
+            <a:schemeClr val="accent1"/>
+          </a:fillRef>
+          <a:effectRef idx="0">
+            <a:schemeClr val="accent1"/>
+          </a:effectRef>
+          <a:fontRef idx="minor">
+            <a:schemeClr val="tx1"/>
+          </a:fontRef>
+        </p:style>
+      </p:cxnSp>
+      <p:cxnSp>
+        <p:nvCxnSpPr>
+          <p:cNvPr id="34" name="연결선: 꺾임 33">
+            <a:extLst>
+              <a:ext uri="{FF2B5EF4-FFF2-40B4-BE49-F238E27FC236}">
+                <a16:creationId xmlns:a16="http://schemas.microsoft.com/office/drawing/2014/main" id="{CF4E1F81-566B-4054-9193-CE94FFB10B53}"/>
+              </a:ext>
+            </a:extLst>
+          </p:cNvPr>
+          <p:cNvCxnSpPr>
+            <a:stCxn id="22" idx="3"/>
+            <a:endCxn id="24" idx="1"/>
+          </p:cNvCxnSpPr>
+          <p:nvPr/>
+        </p:nvCxnSpPr>
+        <p:spPr>
+          <a:xfrm flipV="1">
+            <a:off x="8063567" y="3428996"/>
+            <a:ext cx="876693" cy="1276350"/>
+          </a:xfrm>
+          <a:prstGeom prst="bentConnector3">
+            <a:avLst/>
+          </a:prstGeom>
+          <a:ln w="19050">
+            <a:solidFill>
+              <a:schemeClr val="tx1"/>
+            </a:solidFill>
+            <a:prstDash val="dash"/>
+            <a:tailEnd type="triangle"/>
+          </a:ln>
+        </p:spPr>
+        <p:style>
+          <a:lnRef idx="1">
+            <a:schemeClr val="accent1"/>
+          </a:lnRef>
+          <a:fillRef idx="0">
+            <a:schemeClr val="accent1"/>
+          </a:fillRef>
+          <a:effectRef idx="0">
+            <a:schemeClr val="accent1"/>
+          </a:effectRef>
+          <a:fontRef idx="minor">
+            <a:schemeClr val="tx1"/>
+          </a:fontRef>
+        </p:style>
+      </p:cxnSp>
+      <p:cxnSp>
+        <p:nvCxnSpPr>
+          <p:cNvPr id="35" name="연결선: 꺾임 34">
+            <a:extLst>
+              <a:ext uri="{FF2B5EF4-FFF2-40B4-BE49-F238E27FC236}">
+                <a16:creationId xmlns:a16="http://schemas.microsoft.com/office/drawing/2014/main" id="{3DC0EC11-42FA-42A5-BC61-4D225E62EB2D}"/>
+              </a:ext>
+            </a:extLst>
+          </p:cNvPr>
+          <p:cNvCxnSpPr>
+            <a:cxnSpLocks/>
+            <a:stCxn id="20" idx="3"/>
+            <a:endCxn id="24" idx="1"/>
+          </p:cNvCxnSpPr>
+          <p:nvPr/>
+        </p:nvCxnSpPr>
+        <p:spPr>
+          <a:xfrm>
+            <a:off x="8063567" y="2152646"/>
+            <a:ext cx="876693" cy="1276350"/>
+          </a:xfrm>
+          <a:prstGeom prst="bentConnector3">
+            <a:avLst>
+              <a:gd name="adj1" fmla="val 50000"/>
+            </a:avLst>
+          </a:prstGeom>
+          <a:ln w="19050">
+            <a:solidFill>
+              <a:schemeClr val="tx1"/>
+            </a:solidFill>
+            <a:prstDash val="dash"/>
+            <a:tailEnd type="triangle"/>
+          </a:ln>
+        </p:spPr>
+        <p:style>
+          <a:lnRef idx="1">
+            <a:schemeClr val="accent1"/>
+          </a:lnRef>
+          <a:fillRef idx="0">
+            <a:schemeClr val="accent1"/>
+          </a:fillRef>
+          <a:effectRef idx="0">
+            <a:schemeClr val="accent1"/>
+          </a:effectRef>
+          <a:fontRef idx="minor">
+            <a:schemeClr val="tx1"/>
+          </a:fontRef>
+        </p:style>
+      </p:cxnSp>
     </p:spTree>
     <p:extLst>
       <p:ext uri="{BB962C8B-B14F-4D97-AF65-F5344CB8AC3E}">
-        <p14:creationId xmlns:p14="http://schemas.microsoft.com/office/powerpoint/2010/main" val="2667994714"/>
+        <p14:creationId xmlns:p14="http://schemas.microsoft.com/office/powerpoint/2010/main" val="210351227"/>
       </p:ext>
     </p:extLst>
   </p:cSld>
@@ -3889,17 +4450,67 @@
           <a:chExt cx="0" cy="0"/>
         </a:xfrm>
       </p:grpSpPr>
+      <p:sp>
+        <p:nvSpPr>
+          <p:cNvPr id="4" name="직사각형 3">
+            <a:extLst>
+              <a:ext uri="{FF2B5EF4-FFF2-40B4-BE49-F238E27FC236}">
+                <a16:creationId xmlns:a16="http://schemas.microsoft.com/office/drawing/2014/main" id="{20AD96B3-9578-4598-9480-1B1B7ADFA82F}"/>
+              </a:ext>
+            </a:extLst>
+          </p:cNvPr>
+          <p:cNvSpPr/>
+          <p:nvPr/>
+        </p:nvSpPr>
+        <p:spPr>
+          <a:xfrm>
+            <a:off x="1149178" y="701246"/>
+            <a:ext cx="9893643" cy="5455508"/>
+          </a:xfrm>
+          <a:prstGeom prst="rect">
+            <a:avLst/>
+          </a:prstGeom>
+          <a:noFill/>
+          <a:ln>
+            <a:noFill/>
+          </a:ln>
+        </p:spPr>
+        <p:style>
+          <a:lnRef idx="2">
+            <a:schemeClr val="accent1">
+              <a:shade val="50000"/>
+            </a:schemeClr>
+          </a:lnRef>
+          <a:fillRef idx="1">
+            <a:schemeClr val="accent1"/>
+          </a:fillRef>
+          <a:effectRef idx="0">
+            <a:schemeClr val="accent1"/>
+          </a:effectRef>
+          <a:fontRef idx="minor">
+            <a:schemeClr val="lt1"/>
+          </a:fontRef>
+        </p:style>
+        <p:txBody>
+          <a:bodyPr rtlCol="0" anchor="ctr"/>
+          <a:lstStyle/>
+          <a:p>
+            <a:pPr algn="ctr"/>
+            <a:endParaRPr lang="ko-KR" altLang="en-US"/>
+          </a:p>
+        </p:txBody>
+      </p:sp>
       <p:pic>
         <p:nvPicPr>
-          <p:cNvPr id="2050" name="Picture 2" descr="OAuth - 위키백과, 우리 모두의 백과사전">
-            <a:extLst>
-              <a:ext uri="{FF2B5EF4-FFF2-40B4-BE49-F238E27FC236}">
-                <a16:creationId xmlns:a16="http://schemas.microsoft.com/office/drawing/2014/main" id="{05420C2F-4F23-4987-B188-89D78CEB9B01}"/>
+          <p:cNvPr id="6" name="그래픽 5" descr="브라우저 창">
+            <a:extLst>
+              <a:ext uri="{FF2B5EF4-FFF2-40B4-BE49-F238E27FC236}">
+                <a16:creationId xmlns:a16="http://schemas.microsoft.com/office/drawing/2014/main" id="{46974FC7-4D3B-4669-BEF5-46F34DB95EBC}"/>
               </a:ext>
             </a:extLst>
           </p:cNvPr>
           <p:cNvPicPr>
-            <a:picLocks noChangeAspect="1" noChangeArrowheads="1"/>
+            <a:picLocks noChangeAspect="1"/>
           </p:cNvPicPr>
           <p:nvPr/>
         </p:nvPicPr>
@@ -3909,37 +4520,419 @@
               <a:ext uri="{28A0092B-C50C-407E-A947-70E740481C1C}">
                 <a14:useLocalDpi xmlns:a14="http://schemas.microsoft.com/office/drawing/2010/main" val="0"/>
               </a:ext>
+              <a:ext uri="{96DAC541-7B7A-43D3-8B79-37D633B846F1}">
+                <asvg:svgBlip xmlns:asvg="http://schemas.microsoft.com/office/drawing/2016/SVG/main" r:embed="rId3"/>
+              </a:ext>
             </a:extLst>
           </a:blip>
-          <a:srcRect/>
           <a:stretch>
             <a:fillRect/>
           </a:stretch>
         </p:blipFill>
-        <p:spPr bwMode="auto">
-          <a:xfrm>
-            <a:off x="4823786" y="2152650"/>
-            <a:ext cx="2544427" cy="2552700"/>
+        <p:spPr>
+          <a:xfrm>
+            <a:off x="2636750" y="2771772"/>
+            <a:ext cx="1314451" cy="1314451"/>
           </a:xfrm>
           <a:prstGeom prst="rect">
             <a:avLst/>
           </a:prstGeom>
-          <a:noFill/>
-          <a:extLst>
-            <a:ext uri="{909E8E84-426E-40DD-AFC4-6F175D3DCCD1}">
-              <a14:hiddenFill xmlns:a14="http://schemas.microsoft.com/office/drawing/2010/main">
-                <a:solidFill>
-                  <a:srgbClr val="FFFFFF"/>
-                </a:solidFill>
-              </a14:hiddenFill>
-            </a:ext>
-          </a:extLst>
+        </p:spPr>
+      </p:pic>
+      <p:pic>
+        <p:nvPicPr>
+          <p:cNvPr id="9" name="그래픽 8" descr="서버">
+            <a:extLst>
+              <a:ext uri="{FF2B5EF4-FFF2-40B4-BE49-F238E27FC236}">
+                <a16:creationId xmlns:a16="http://schemas.microsoft.com/office/drawing/2014/main" id="{5D4BC5B3-B897-4C66-91CD-97409819BEFA}"/>
+              </a:ext>
+            </a:extLst>
+          </p:cNvPr>
+          <p:cNvPicPr>
+            <a:picLocks noChangeAspect="1"/>
+          </p:cNvPicPr>
+          <p:nvPr/>
+        </p:nvPicPr>
+        <p:blipFill>
+          <a:blip r:embed="rId4">
+            <a:extLst>
+              <a:ext uri="{28A0092B-C50C-407E-A947-70E740481C1C}">
+                <a14:useLocalDpi xmlns:a14="http://schemas.microsoft.com/office/drawing/2010/main" val="0"/>
+              </a:ext>
+              <a:ext uri="{96DAC541-7B7A-43D3-8B79-37D633B846F1}">
+                <asvg:svgBlip xmlns:asvg="http://schemas.microsoft.com/office/drawing/2016/SVG/main" r:embed="rId5"/>
+              </a:ext>
+            </a:extLst>
+          </a:blip>
+          <a:stretch>
+            <a:fillRect/>
+          </a:stretch>
+        </p:blipFill>
+        <p:spPr>
+          <a:xfrm>
+            <a:off x="5438773" y="2771772"/>
+            <a:ext cx="1314451" cy="1314451"/>
+          </a:xfrm>
+          <a:prstGeom prst="rect">
+            <a:avLst/>
+          </a:prstGeom>
+        </p:spPr>
+      </p:pic>
+      <p:pic>
+        <p:nvPicPr>
+          <p:cNvPr id="3" name="그래픽 2" descr="프로세서">
+            <a:extLst>
+              <a:ext uri="{FF2B5EF4-FFF2-40B4-BE49-F238E27FC236}">
+                <a16:creationId xmlns:a16="http://schemas.microsoft.com/office/drawing/2014/main" id="{4573A644-565F-45D8-A4CA-1444CA82EDD0}"/>
+              </a:ext>
+            </a:extLst>
+          </p:cNvPr>
+          <p:cNvPicPr>
+            <a:picLocks noChangeAspect="1"/>
+          </p:cNvPicPr>
+          <p:nvPr/>
+        </p:nvPicPr>
+        <p:blipFill>
+          <a:blip r:embed="rId6">
+            <a:extLst>
+              <a:ext uri="{28A0092B-C50C-407E-A947-70E740481C1C}">
+                <a14:useLocalDpi xmlns:a14="http://schemas.microsoft.com/office/drawing/2010/main" val="0"/>
+              </a:ext>
+              <a:ext uri="{96DAC541-7B7A-43D3-8B79-37D633B846F1}">
+                <asvg:svgBlip xmlns:asvg="http://schemas.microsoft.com/office/drawing/2016/SVG/main" r:embed="rId7"/>
+              </a:ext>
+            </a:extLst>
+          </a:blip>
+          <a:stretch>
+            <a:fillRect/>
+          </a:stretch>
+        </p:blipFill>
+        <p:spPr>
+          <a:xfrm>
+            <a:off x="8240800" y="2771773"/>
+            <a:ext cx="1314450" cy="1314450"/>
+          </a:xfrm>
+          <a:prstGeom prst="rect">
+            <a:avLst/>
+          </a:prstGeom>
+        </p:spPr>
+      </p:pic>
+      <p:pic>
+        <p:nvPicPr>
+          <p:cNvPr id="8" name="그래픽 7" descr="전송">
+            <a:extLst>
+              <a:ext uri="{FF2B5EF4-FFF2-40B4-BE49-F238E27FC236}">
+                <a16:creationId xmlns:a16="http://schemas.microsoft.com/office/drawing/2014/main" id="{0A96B77F-F247-4483-AEE4-63593E2C706F}"/>
+              </a:ext>
+            </a:extLst>
+          </p:cNvPr>
+          <p:cNvPicPr>
+            <a:picLocks noChangeAspect="1"/>
+          </p:cNvPicPr>
+          <p:nvPr/>
+        </p:nvPicPr>
+        <p:blipFill>
+          <a:blip r:embed="rId8">
+            <a:extLst>
+              <a:ext uri="{28A0092B-C50C-407E-A947-70E740481C1C}">
+                <a14:useLocalDpi xmlns:a14="http://schemas.microsoft.com/office/drawing/2010/main" val="0"/>
+              </a:ext>
+              <a:ext uri="{96DAC541-7B7A-43D3-8B79-37D633B846F1}">
+                <asvg:svgBlip xmlns:asvg="http://schemas.microsoft.com/office/drawing/2016/SVG/main" r:embed="rId9"/>
+              </a:ext>
+            </a:extLst>
+          </a:blip>
+          <a:stretch>
+            <a:fillRect/>
+          </a:stretch>
+        </p:blipFill>
+        <p:spPr>
+          <a:xfrm>
+            <a:off x="4466385" y="3200397"/>
+            <a:ext cx="457200" cy="457200"/>
+          </a:xfrm>
+          <a:prstGeom prst="rect">
+            <a:avLst/>
+          </a:prstGeom>
+        </p:spPr>
+      </p:pic>
+      <p:pic>
+        <p:nvPicPr>
+          <p:cNvPr id="23" name="그래픽 22" descr="전송">
+            <a:extLst>
+              <a:ext uri="{FF2B5EF4-FFF2-40B4-BE49-F238E27FC236}">
+                <a16:creationId xmlns:a16="http://schemas.microsoft.com/office/drawing/2014/main" id="{666FF039-5BAF-46FA-B9A6-16A9FCD98A51}"/>
+              </a:ext>
+            </a:extLst>
+          </p:cNvPr>
+          <p:cNvPicPr>
+            <a:picLocks noChangeAspect="1"/>
+          </p:cNvPicPr>
+          <p:nvPr/>
+        </p:nvPicPr>
+        <p:blipFill>
+          <a:blip r:embed="rId8">
+            <a:extLst>
+              <a:ext uri="{28A0092B-C50C-407E-A947-70E740481C1C}">
+                <a14:useLocalDpi xmlns:a14="http://schemas.microsoft.com/office/drawing/2010/main" val="0"/>
+              </a:ext>
+              <a:ext uri="{96DAC541-7B7A-43D3-8B79-37D633B846F1}">
+                <asvg:svgBlip xmlns:asvg="http://schemas.microsoft.com/office/drawing/2016/SVG/main" r:embed="rId9"/>
+              </a:ext>
+            </a:extLst>
+          </a:blip>
+          <a:stretch>
+            <a:fillRect/>
+          </a:stretch>
+        </p:blipFill>
+        <p:spPr>
+          <a:xfrm>
+            <a:off x="7268409" y="3200397"/>
+            <a:ext cx="457200" cy="457200"/>
+          </a:xfrm>
+          <a:prstGeom prst="rect">
+            <a:avLst/>
+          </a:prstGeom>
+        </p:spPr>
+      </p:pic>
+      <p:pic>
+        <p:nvPicPr>
+          <p:cNvPr id="15" name="그래픽 14" descr="DVD 플레이어">
+            <a:extLst>
+              <a:ext uri="{FF2B5EF4-FFF2-40B4-BE49-F238E27FC236}">
+                <a16:creationId xmlns:a16="http://schemas.microsoft.com/office/drawing/2014/main" id="{8A7C280A-3719-4194-8247-B75862C665C1}"/>
+              </a:ext>
+            </a:extLst>
+          </p:cNvPr>
+          <p:cNvPicPr>
+            <a:picLocks noChangeAspect="1"/>
+          </p:cNvPicPr>
+          <p:nvPr/>
+        </p:nvPicPr>
+        <p:blipFill>
+          <a:blip r:embed="rId10">
+            <a:extLst>
+              <a:ext uri="{28A0092B-C50C-407E-A947-70E740481C1C}">
+                <a14:useLocalDpi xmlns:a14="http://schemas.microsoft.com/office/drawing/2010/main" val="0"/>
+              </a:ext>
+              <a:ext uri="{96DAC541-7B7A-43D3-8B79-37D633B846F1}">
+                <asvg:svgBlip xmlns:asvg="http://schemas.microsoft.com/office/drawing/2016/SVG/main" r:embed="rId11"/>
+              </a:ext>
+            </a:extLst>
+          </a:blip>
+          <a:stretch>
+            <a:fillRect/>
+          </a:stretch>
+        </p:blipFill>
+        <p:spPr>
+          <a:xfrm>
+            <a:off x="7897900" y="1514475"/>
+            <a:ext cx="685800" cy="685800"/>
+          </a:xfrm>
+          <a:prstGeom prst="rect">
+            <a:avLst/>
+          </a:prstGeom>
+        </p:spPr>
+      </p:pic>
+      <p:pic>
+        <p:nvPicPr>
+          <p:cNvPr id="25" name="그래픽 24" descr="DVD 플레이어">
+            <a:extLst>
+              <a:ext uri="{FF2B5EF4-FFF2-40B4-BE49-F238E27FC236}">
+                <a16:creationId xmlns:a16="http://schemas.microsoft.com/office/drawing/2014/main" id="{E32C81FD-EF0E-4EE9-95DA-A5C8F537638C}"/>
+              </a:ext>
+            </a:extLst>
+          </p:cNvPr>
+          <p:cNvPicPr>
+            <a:picLocks noChangeAspect="1"/>
+          </p:cNvPicPr>
+          <p:nvPr/>
+        </p:nvPicPr>
+        <p:blipFill>
+          <a:blip r:embed="rId10">
+            <a:extLst>
+              <a:ext uri="{28A0092B-C50C-407E-A947-70E740481C1C}">
+                <a14:useLocalDpi xmlns:a14="http://schemas.microsoft.com/office/drawing/2010/main" val="0"/>
+              </a:ext>
+              <a:ext uri="{96DAC541-7B7A-43D3-8B79-37D633B846F1}">
+                <asvg:svgBlip xmlns:asvg="http://schemas.microsoft.com/office/drawing/2016/SVG/main" r:embed="rId11"/>
+              </a:ext>
+            </a:extLst>
+          </a:blip>
+          <a:stretch>
+            <a:fillRect/>
+          </a:stretch>
+        </p:blipFill>
+        <p:spPr>
+          <a:xfrm>
+            <a:off x="9650500" y="1857375"/>
+            <a:ext cx="685800" cy="685800"/>
+          </a:xfrm>
+          <a:prstGeom prst="rect">
+            <a:avLst/>
+          </a:prstGeom>
+        </p:spPr>
+      </p:pic>
+      <p:pic>
+        <p:nvPicPr>
+          <p:cNvPr id="26" name="그래픽 25" descr="DVD 플레이어">
+            <a:extLst>
+              <a:ext uri="{FF2B5EF4-FFF2-40B4-BE49-F238E27FC236}">
+                <a16:creationId xmlns:a16="http://schemas.microsoft.com/office/drawing/2014/main" id="{01543D91-DEAB-4286-8A33-29922096D0A1}"/>
+              </a:ext>
+            </a:extLst>
+          </p:cNvPr>
+          <p:cNvPicPr>
+            <a:picLocks noChangeAspect="1"/>
+          </p:cNvPicPr>
+          <p:nvPr/>
+        </p:nvPicPr>
+        <p:blipFill>
+          <a:blip r:embed="rId10">
+            <a:extLst>
+              <a:ext uri="{28A0092B-C50C-407E-A947-70E740481C1C}">
+                <a14:useLocalDpi xmlns:a14="http://schemas.microsoft.com/office/drawing/2010/main" val="0"/>
+              </a:ext>
+              <a:ext uri="{96DAC541-7B7A-43D3-8B79-37D633B846F1}">
+                <asvg:svgBlip xmlns:asvg="http://schemas.microsoft.com/office/drawing/2016/SVG/main" r:embed="rId11"/>
+              </a:ext>
+            </a:extLst>
+          </a:blip>
+          <a:stretch>
+            <a:fillRect/>
+          </a:stretch>
+        </p:blipFill>
+        <p:spPr>
+          <a:xfrm>
+            <a:off x="8116975" y="4924425"/>
+            <a:ext cx="685800" cy="685800"/>
+          </a:xfrm>
+          <a:prstGeom prst="rect">
+            <a:avLst/>
+          </a:prstGeom>
+        </p:spPr>
+      </p:pic>
+      <p:pic>
+        <p:nvPicPr>
+          <p:cNvPr id="27" name="그래픽 26" descr="전송">
+            <a:extLst>
+              <a:ext uri="{FF2B5EF4-FFF2-40B4-BE49-F238E27FC236}">
+                <a16:creationId xmlns:a16="http://schemas.microsoft.com/office/drawing/2014/main" id="{86019469-B0A5-4AD8-88E7-421F4115A789}"/>
+              </a:ext>
+            </a:extLst>
+          </p:cNvPr>
+          <p:cNvPicPr>
+            <a:picLocks noChangeAspect="1"/>
+          </p:cNvPicPr>
+          <p:nvPr/>
+        </p:nvPicPr>
+        <p:blipFill>
+          <a:blip r:embed="rId8">
+            <a:extLst>
+              <a:ext uri="{28A0092B-C50C-407E-A947-70E740481C1C}">
+                <a14:useLocalDpi xmlns:a14="http://schemas.microsoft.com/office/drawing/2010/main" val="0"/>
+              </a:ext>
+              <a:ext uri="{96DAC541-7B7A-43D3-8B79-37D633B846F1}">
+                <asvg:svgBlip xmlns:asvg="http://schemas.microsoft.com/office/drawing/2016/SVG/main" r:embed="rId9"/>
+              </a:ext>
+            </a:extLst>
+          </a:blip>
+          <a:stretch>
+            <a:fillRect/>
+          </a:stretch>
+        </p:blipFill>
+        <p:spPr>
+          <a:xfrm rot="3914393">
+            <a:off x="8231274" y="2211274"/>
+            <a:ext cx="457200" cy="457200"/>
+          </a:xfrm>
+          <a:prstGeom prst="rect">
+            <a:avLst/>
+          </a:prstGeom>
+        </p:spPr>
+      </p:pic>
+      <p:pic>
+        <p:nvPicPr>
+          <p:cNvPr id="28" name="그래픽 27" descr="전송">
+            <a:extLst>
+              <a:ext uri="{FF2B5EF4-FFF2-40B4-BE49-F238E27FC236}">
+                <a16:creationId xmlns:a16="http://schemas.microsoft.com/office/drawing/2014/main" id="{416CF345-EF3E-4E07-9B2B-7AF4DA500454}"/>
+              </a:ext>
+            </a:extLst>
+          </p:cNvPr>
+          <p:cNvPicPr>
+            <a:picLocks noChangeAspect="1"/>
+          </p:cNvPicPr>
+          <p:nvPr/>
+        </p:nvPicPr>
+        <p:blipFill>
+          <a:blip r:embed="rId8">
+            <a:extLst>
+              <a:ext uri="{28A0092B-C50C-407E-A947-70E740481C1C}">
+                <a14:useLocalDpi xmlns:a14="http://schemas.microsoft.com/office/drawing/2010/main" val="0"/>
+              </a:ext>
+              <a:ext uri="{96DAC541-7B7A-43D3-8B79-37D633B846F1}">
+                <asvg:svgBlip xmlns:asvg="http://schemas.microsoft.com/office/drawing/2016/SVG/main" r:embed="rId9"/>
+              </a:ext>
+            </a:extLst>
+          </a:blip>
+          <a:stretch>
+            <a:fillRect/>
+          </a:stretch>
+        </p:blipFill>
+        <p:spPr>
+          <a:xfrm rot="7602133">
+            <a:off x="9395121" y="2503831"/>
+            <a:ext cx="320257" cy="320257"/>
+          </a:xfrm>
+          <a:prstGeom prst="rect">
+            <a:avLst/>
+          </a:prstGeom>
+        </p:spPr>
+      </p:pic>
+      <p:pic>
+        <p:nvPicPr>
+          <p:cNvPr id="29" name="그래픽 28" descr="전송">
+            <a:extLst>
+              <a:ext uri="{FF2B5EF4-FFF2-40B4-BE49-F238E27FC236}">
+                <a16:creationId xmlns:a16="http://schemas.microsoft.com/office/drawing/2014/main" id="{BBD612F3-EFAA-4933-8DA9-30945EB398DA}"/>
+              </a:ext>
+            </a:extLst>
+          </p:cNvPr>
+          <p:cNvPicPr>
+            <a:picLocks noChangeAspect="1"/>
+          </p:cNvPicPr>
+          <p:nvPr/>
+        </p:nvPicPr>
+        <p:blipFill>
+          <a:blip r:embed="rId8">
+            <a:extLst>
+              <a:ext uri="{28A0092B-C50C-407E-A947-70E740481C1C}">
+                <a14:useLocalDpi xmlns:a14="http://schemas.microsoft.com/office/drawing/2010/main" val="0"/>
+              </a:ext>
+              <a:ext uri="{96DAC541-7B7A-43D3-8B79-37D633B846F1}">
+                <asvg:svgBlip xmlns:asvg="http://schemas.microsoft.com/office/drawing/2016/SVG/main" r:embed="rId9"/>
+              </a:ext>
+            </a:extLst>
+          </a:blip>
+          <a:stretch>
+            <a:fillRect/>
+          </a:stretch>
+        </p:blipFill>
+        <p:spPr>
+          <a:xfrm rot="6324070">
+            <a:off x="8366098" y="4330833"/>
+            <a:ext cx="457200" cy="457200"/>
+          </a:xfrm>
+          <a:prstGeom prst="rect">
+            <a:avLst/>
+          </a:prstGeom>
         </p:spPr>
       </p:pic>
     </p:spTree>
     <p:extLst>
       <p:ext uri="{BB962C8B-B14F-4D97-AF65-F5344CB8AC3E}">
-        <p14:creationId xmlns:p14="http://schemas.microsoft.com/office/powerpoint/2010/main" val="3969227721"/>
+        <p14:creationId xmlns:p14="http://schemas.microsoft.com/office/powerpoint/2010/main" val="1302572943"/>
       </p:ext>
     </p:extLst>
   </p:cSld>
@@ -3968,10 +4961,10 @@
       </p:grpSpPr>
       <p:sp>
         <p:nvSpPr>
-          <p:cNvPr id="3" name="직사각형 2">
-            <a:extLst>
-              <a:ext uri="{FF2B5EF4-FFF2-40B4-BE49-F238E27FC236}">
-                <a16:creationId xmlns:a16="http://schemas.microsoft.com/office/drawing/2014/main" id="{AE2D6E9A-C8D3-4F57-95FE-317AFE2BC2A9}"/>
+          <p:cNvPr id="2" name="타원 1">
+            <a:extLst>
+              <a:ext uri="{FF2B5EF4-FFF2-40B4-BE49-F238E27FC236}">
+                <a16:creationId xmlns:a16="http://schemas.microsoft.com/office/drawing/2014/main" id="{B6DC9A1A-8158-4B21-9AE5-6A30E0A72D29}"/>
               </a:ext>
             </a:extLst>
           </p:cNvPr>
@@ -3980,14 +4973,16 @@
         </p:nvSpPr>
         <p:spPr>
           <a:xfrm>
-            <a:off x="-1485905" y="0"/>
-            <a:ext cx="15182053" cy="6858000"/>
-          </a:xfrm>
-          <a:prstGeom prst="rect">
+            <a:off x="5010149" y="2343149"/>
+            <a:ext cx="2171700" cy="2171700"/>
+          </a:xfrm>
+          <a:prstGeom prst="ellipse">
             <a:avLst/>
           </a:prstGeom>
           <a:solidFill>
-            <a:schemeClr val="bg1"/>
+            <a:schemeClr val="accent1">
+              <a:lumMod val="50000"/>
+            </a:schemeClr>
           </a:solidFill>
           <a:ln>
             <a:noFill/>
@@ -4020,10 +5015,10 @@
       </p:sp>
       <p:sp>
         <p:nvSpPr>
-          <p:cNvPr id="54" name="직사각형 53">
-            <a:extLst>
-              <a:ext uri="{FF2B5EF4-FFF2-40B4-BE49-F238E27FC236}">
-                <a16:creationId xmlns:a16="http://schemas.microsoft.com/office/drawing/2014/main" id="{42310676-96F4-4E9E-9412-5E4A01E66CC7}"/>
+          <p:cNvPr id="10" name="타원 9">
+            <a:extLst>
+              <a:ext uri="{FF2B5EF4-FFF2-40B4-BE49-F238E27FC236}">
+                <a16:creationId xmlns:a16="http://schemas.microsoft.com/office/drawing/2014/main" id="{9A9B60E4-2A13-452D-B967-372E077B3BB2}"/>
               </a:ext>
             </a:extLst>
           </p:cNvPr>
@@ -4032,17 +5027,14 @@
         </p:nvSpPr>
         <p:spPr>
           <a:xfrm>
-            <a:off x="1553375" y="0"/>
-            <a:ext cx="6085667" cy="6858000"/>
-          </a:xfrm>
-          <a:prstGeom prst="rect">
+            <a:off x="9029700" y="2809874"/>
+            <a:ext cx="1238250" cy="1238250"/>
+          </a:xfrm>
+          <a:prstGeom prst="ellipse">
             <a:avLst/>
           </a:prstGeom>
           <a:solidFill>
-            <a:schemeClr val="accent5">
-              <a:lumMod val="20000"/>
-              <a:lumOff val="80000"/>
-            </a:schemeClr>
+            <a:srgbClr val="006600"/>
           </a:solidFill>
           <a:ln>
             <a:noFill/>
@@ -4073,12 +5065,51 @@
           </a:p>
         </p:txBody>
       </p:sp>
-      <p:sp>
-        <p:nvSpPr>
-          <p:cNvPr id="66" name="직사각형 65">
-            <a:extLst>
-              <a:ext uri="{FF2B5EF4-FFF2-40B4-BE49-F238E27FC236}">
-                <a16:creationId xmlns:a16="http://schemas.microsoft.com/office/drawing/2014/main" id="{77EE17BB-8629-4DCE-8F30-3875FAE7E12F}"/>
+      <p:pic>
+        <p:nvPicPr>
+          <p:cNvPr id="7" name="그래픽 6" descr="자물쇠">
+            <a:extLst>
+              <a:ext uri="{FF2B5EF4-FFF2-40B4-BE49-F238E27FC236}">
+                <a16:creationId xmlns:a16="http://schemas.microsoft.com/office/drawing/2014/main" id="{F8C8F9BB-B723-4D25-A7B4-4A2CFA35BCF5}"/>
+              </a:ext>
+            </a:extLst>
+          </p:cNvPr>
+          <p:cNvPicPr>
+            <a:picLocks noChangeAspect="1"/>
+          </p:cNvPicPr>
+          <p:nvPr/>
+        </p:nvPicPr>
+        <p:blipFill>
+          <a:blip r:embed="rId2">
+            <a:extLst>
+              <a:ext uri="{28A0092B-C50C-407E-A947-70E740481C1C}">
+                <a14:useLocalDpi xmlns:a14="http://schemas.microsoft.com/office/drawing/2010/main" val="0"/>
+              </a:ext>
+              <a:ext uri="{96DAC541-7B7A-43D3-8B79-37D633B846F1}">
+                <asvg:svgBlip xmlns:asvg="http://schemas.microsoft.com/office/drawing/2016/SVG/main" r:embed="rId3"/>
+              </a:ext>
+            </a:extLst>
+          </a:blip>
+          <a:stretch>
+            <a:fillRect/>
+          </a:stretch>
+        </p:blipFill>
+        <p:spPr>
+          <a:xfrm>
+            <a:off x="9253537" y="3033711"/>
+            <a:ext cx="790575" cy="790575"/>
+          </a:xfrm>
+          <a:prstGeom prst="rect">
+            <a:avLst/>
+          </a:prstGeom>
+        </p:spPr>
+      </p:pic>
+      <p:sp>
+        <p:nvSpPr>
+          <p:cNvPr id="19" name="타원 18">
+            <a:extLst>
+              <a:ext uri="{FF2B5EF4-FFF2-40B4-BE49-F238E27FC236}">
+                <a16:creationId xmlns:a16="http://schemas.microsoft.com/office/drawing/2014/main" id="{941AE4C9-CC52-4204-B4A8-E10C29E6007E}"/>
               </a:ext>
             </a:extLst>
           </p:cNvPr>
@@ -4087,17 +5118,14 @@
         </p:nvSpPr>
         <p:spPr>
           <a:xfrm>
-            <a:off x="7639043" y="0"/>
-            <a:ext cx="6057106" cy="6858000"/>
-          </a:xfrm>
-          <a:prstGeom prst="rect">
+            <a:off x="1924048" y="2809875"/>
+            <a:ext cx="1238250" cy="1238250"/>
+          </a:xfrm>
+          <a:prstGeom prst="ellipse">
             <a:avLst/>
           </a:prstGeom>
           <a:solidFill>
-            <a:schemeClr val="accent6">
-              <a:lumMod val="20000"/>
-              <a:lumOff val="80000"/>
-            </a:schemeClr>
+            <a:srgbClr val="006600"/>
           </a:solidFill>
           <a:ln>
             <a:noFill/>
@@ -4128,12 +5156,51 @@
           </a:p>
         </p:txBody>
       </p:sp>
-      <p:sp>
-        <p:nvSpPr>
-          <p:cNvPr id="2" name="직사각형 1">
-            <a:extLst>
-              <a:ext uri="{FF2B5EF4-FFF2-40B4-BE49-F238E27FC236}">
-                <a16:creationId xmlns:a16="http://schemas.microsoft.com/office/drawing/2014/main" id="{442D5DB4-3CBC-44B9-B9E9-2DC6F47FD7D1}"/>
+      <p:pic>
+        <p:nvPicPr>
+          <p:cNvPr id="20" name="그래픽 19" descr="자물쇠">
+            <a:extLst>
+              <a:ext uri="{FF2B5EF4-FFF2-40B4-BE49-F238E27FC236}">
+                <a16:creationId xmlns:a16="http://schemas.microsoft.com/office/drawing/2014/main" id="{187298A4-A6F0-4D4A-A998-97D038BACF18}"/>
+              </a:ext>
+            </a:extLst>
+          </p:cNvPr>
+          <p:cNvPicPr>
+            <a:picLocks noChangeAspect="1"/>
+          </p:cNvPicPr>
+          <p:nvPr/>
+        </p:nvPicPr>
+        <p:blipFill>
+          <a:blip r:embed="rId2">
+            <a:extLst>
+              <a:ext uri="{28A0092B-C50C-407E-A947-70E740481C1C}">
+                <a14:useLocalDpi xmlns:a14="http://schemas.microsoft.com/office/drawing/2010/main" val="0"/>
+              </a:ext>
+              <a:ext uri="{96DAC541-7B7A-43D3-8B79-37D633B846F1}">
+                <asvg:svgBlip xmlns:asvg="http://schemas.microsoft.com/office/drawing/2016/SVG/main" r:embed="rId3"/>
+              </a:ext>
+            </a:extLst>
+          </a:blip>
+          <a:stretch>
+            <a:fillRect/>
+          </a:stretch>
+        </p:blipFill>
+        <p:spPr>
+          <a:xfrm>
+            <a:off x="2143123" y="3028949"/>
+            <a:ext cx="790575" cy="790575"/>
+          </a:xfrm>
+          <a:prstGeom prst="rect">
+            <a:avLst/>
+          </a:prstGeom>
+        </p:spPr>
+      </p:pic>
+      <p:sp>
+        <p:nvSpPr>
+          <p:cNvPr id="32" name="타원 31">
+            <a:extLst>
+              <a:ext uri="{FF2B5EF4-FFF2-40B4-BE49-F238E27FC236}">
+                <a16:creationId xmlns:a16="http://schemas.microsoft.com/office/drawing/2014/main" id="{E9B345A8-A4BB-468C-A8B6-D051F57CDE38}"/>
               </a:ext>
             </a:extLst>
           </p:cNvPr>
@@ -4142,19 +5209,17 @@
         </p:nvSpPr>
         <p:spPr>
           <a:xfrm>
-            <a:off x="2309812" y="457194"/>
-            <a:ext cx="1495425" cy="714375"/>
-          </a:xfrm>
-          <a:prstGeom prst="rect">
+            <a:off x="8015287" y="489346"/>
+            <a:ext cx="1238250" cy="1238250"/>
+          </a:xfrm>
+          <a:prstGeom prst="ellipse">
             <a:avLst/>
           </a:prstGeom>
           <a:solidFill>
-            <a:schemeClr val="bg1"/>
+            <a:srgbClr val="006600"/>
           </a:solidFill>
-          <a:ln w="15875">
-            <a:solidFill>
-              <a:schemeClr val="tx1"/>
-            </a:solidFill>
+          <a:ln>
+            <a:noFill/>
           </a:ln>
         </p:spPr>
         <p:style>
@@ -4178,45 +5243,16 @@
           <a:lstStyle/>
           <a:p>
             <a:pPr algn="ctr"/>
-            <a:r>
-              <a:rPr lang="en-US" altLang="ko-KR" sz="1200" dirty="0">
-                <a:solidFill>
-                  <a:schemeClr val="tx1"/>
-                </a:solidFill>
-                <a:latin typeface="AppleSDGothicNeoM00" panose="02000503000000000000" pitchFamily="2" charset="-127"/>
-                <a:ea typeface="AppleSDGothicNeoM00" panose="02000503000000000000" pitchFamily="2" charset="-127"/>
-              </a:rPr>
-              <a:t>Consumer</a:t>
-            </a:r>
-          </a:p>
-          <a:p>
-            <a:pPr algn="ctr"/>
-            <a:r>
-              <a:rPr lang="en-US" altLang="ko-KR" sz="1200" dirty="0">
-                <a:solidFill>
-                  <a:schemeClr val="tx1"/>
-                </a:solidFill>
-                <a:latin typeface="AppleSDGothicNeoM00" panose="02000503000000000000" pitchFamily="2" charset="-127"/>
-                <a:ea typeface="AppleSDGothicNeoM00" panose="02000503000000000000" pitchFamily="2" charset="-127"/>
-              </a:rPr>
-              <a:t>Frontend</a:t>
-            </a:r>
-            <a:endParaRPr lang="ko-KR" altLang="en-US" sz="1200" dirty="0">
-              <a:solidFill>
-                <a:schemeClr val="tx1"/>
-              </a:solidFill>
-              <a:latin typeface="AppleSDGothicNeoM00" panose="02000503000000000000" pitchFamily="2" charset="-127"/>
-              <a:ea typeface="AppleSDGothicNeoM00" panose="02000503000000000000" pitchFamily="2" charset="-127"/>
-            </a:endParaRPr>
-          </a:p>
-        </p:txBody>
-      </p:sp>
-      <p:sp>
-        <p:nvSpPr>
-          <p:cNvPr id="4" name="직사각형 3">
-            <a:extLst>
-              <a:ext uri="{FF2B5EF4-FFF2-40B4-BE49-F238E27FC236}">
-                <a16:creationId xmlns:a16="http://schemas.microsoft.com/office/drawing/2014/main" id="{85BEECA2-8081-480C-B44D-A03CA23E359A}"/>
+            <a:endParaRPr lang="ko-KR" altLang="en-US"/>
+          </a:p>
+        </p:txBody>
+      </p:sp>
+      <p:sp>
+        <p:nvSpPr>
+          <p:cNvPr id="33" name="타원 32">
+            <a:extLst>
+              <a:ext uri="{FF2B5EF4-FFF2-40B4-BE49-F238E27FC236}">
+                <a16:creationId xmlns:a16="http://schemas.microsoft.com/office/drawing/2014/main" id="{D1C92F02-A060-4EBA-8251-DCCA60EE1648}"/>
               </a:ext>
             </a:extLst>
           </p:cNvPr>
@@ -4225,19 +5261,17 @@
         </p:nvSpPr>
         <p:spPr>
           <a:xfrm>
-            <a:off x="5348287" y="457195"/>
-            <a:ext cx="1495425" cy="714375"/>
-          </a:xfrm>
-          <a:prstGeom prst="rect">
+            <a:off x="8015287" y="5130404"/>
+            <a:ext cx="1238250" cy="1238250"/>
+          </a:xfrm>
+          <a:prstGeom prst="ellipse">
             <a:avLst/>
           </a:prstGeom>
           <a:solidFill>
-            <a:schemeClr val="bg1"/>
+            <a:srgbClr val="006600"/>
           </a:solidFill>
-          <a:ln w="15875">
-            <a:solidFill>
-              <a:schemeClr val="tx1"/>
-            </a:solidFill>
+          <a:ln>
+            <a:noFill/>
           </a:ln>
         </p:spPr>
         <p:style>
@@ -4261,45 +5295,16 @@
           <a:lstStyle/>
           <a:p>
             <a:pPr algn="ctr"/>
-            <a:r>
-              <a:rPr lang="en-US" altLang="ko-KR" sz="1200" dirty="0">
-                <a:solidFill>
-                  <a:schemeClr val="tx1"/>
-                </a:solidFill>
-                <a:latin typeface="AppleSDGothicNeoM00" panose="02000503000000000000" pitchFamily="2" charset="-127"/>
-                <a:ea typeface="AppleSDGothicNeoM00" panose="02000503000000000000" pitchFamily="2" charset="-127"/>
-              </a:rPr>
-              <a:t>Consumer</a:t>
-            </a:r>
-          </a:p>
-          <a:p>
-            <a:pPr algn="ctr"/>
-            <a:r>
-              <a:rPr lang="en-US" altLang="ko-KR" sz="1200" dirty="0">
-                <a:solidFill>
-                  <a:schemeClr val="tx1"/>
-                </a:solidFill>
-                <a:latin typeface="AppleSDGothicNeoM00" panose="02000503000000000000" pitchFamily="2" charset="-127"/>
-                <a:ea typeface="AppleSDGothicNeoM00" panose="02000503000000000000" pitchFamily="2" charset="-127"/>
-              </a:rPr>
-              <a:t>Backend</a:t>
-            </a:r>
-            <a:endParaRPr lang="ko-KR" altLang="en-US" sz="1200" dirty="0">
-              <a:solidFill>
-                <a:schemeClr val="tx1"/>
-              </a:solidFill>
-              <a:latin typeface="AppleSDGothicNeoM00" panose="02000503000000000000" pitchFamily="2" charset="-127"/>
-              <a:ea typeface="AppleSDGothicNeoM00" panose="02000503000000000000" pitchFamily="2" charset="-127"/>
-            </a:endParaRPr>
-          </a:p>
-        </p:txBody>
-      </p:sp>
-      <p:sp>
-        <p:nvSpPr>
-          <p:cNvPr id="5" name="직사각형 4">
-            <a:extLst>
-              <a:ext uri="{FF2B5EF4-FFF2-40B4-BE49-F238E27FC236}">
-                <a16:creationId xmlns:a16="http://schemas.microsoft.com/office/drawing/2014/main" id="{B198BC91-B78F-4041-8DB9-63DB9231F9DD}"/>
+            <a:endParaRPr lang="ko-KR" altLang="en-US"/>
+          </a:p>
+        </p:txBody>
+      </p:sp>
+      <p:sp>
+        <p:nvSpPr>
+          <p:cNvPr id="34" name="타원 33">
+            <a:extLst>
+              <a:ext uri="{FF2B5EF4-FFF2-40B4-BE49-F238E27FC236}">
+                <a16:creationId xmlns:a16="http://schemas.microsoft.com/office/drawing/2014/main" id="{44FA1724-CD45-4BD8-8E6F-610A12CF6D04}"/>
               </a:ext>
             </a:extLst>
           </p:cNvPr>
@@ -4308,19 +5313,17 @@
         </p:nvSpPr>
         <p:spPr>
           <a:xfrm>
-            <a:off x="-728663" y="457194"/>
-            <a:ext cx="1495425" cy="714375"/>
-          </a:xfrm>
-          <a:prstGeom prst="rect">
+            <a:off x="2933698" y="489346"/>
+            <a:ext cx="1238250" cy="1238250"/>
+          </a:xfrm>
+          <a:prstGeom prst="ellipse">
             <a:avLst/>
           </a:prstGeom>
           <a:solidFill>
-            <a:schemeClr val="bg1"/>
+            <a:srgbClr val="006600"/>
           </a:solidFill>
-          <a:ln w="15875">
-            <a:solidFill>
-              <a:schemeClr val="tx1"/>
-            </a:solidFill>
+          <a:ln>
+            <a:noFill/>
           </a:ln>
         </p:spPr>
         <p:style>
@@ -4344,32 +5347,16 @@
           <a:lstStyle/>
           <a:p>
             <a:pPr algn="ctr"/>
-            <a:r>
-              <a:rPr lang="en-US" altLang="ko-KR" sz="1200" dirty="0">
-                <a:solidFill>
-                  <a:schemeClr val="tx1"/>
-                </a:solidFill>
-                <a:latin typeface="AppleSDGothicNeoM00" panose="02000503000000000000" pitchFamily="2" charset="-127"/>
-                <a:ea typeface="AppleSDGothicNeoM00" panose="02000503000000000000" pitchFamily="2" charset="-127"/>
-              </a:rPr>
-              <a:t>User</a:t>
-            </a:r>
-            <a:endParaRPr lang="ko-KR" altLang="en-US" sz="1200" dirty="0">
-              <a:solidFill>
-                <a:schemeClr val="tx1"/>
-              </a:solidFill>
-              <a:latin typeface="AppleSDGothicNeoM00" panose="02000503000000000000" pitchFamily="2" charset="-127"/>
-              <a:ea typeface="AppleSDGothicNeoM00" panose="02000503000000000000" pitchFamily="2" charset="-127"/>
-            </a:endParaRPr>
-          </a:p>
-        </p:txBody>
-      </p:sp>
-      <p:sp>
-        <p:nvSpPr>
-          <p:cNvPr id="6" name="직사각형 5">
-            <a:extLst>
-              <a:ext uri="{FF2B5EF4-FFF2-40B4-BE49-F238E27FC236}">
-                <a16:creationId xmlns:a16="http://schemas.microsoft.com/office/drawing/2014/main" id="{524AEE3A-B5F9-40F6-B4E2-722CD76C47EA}"/>
+            <a:endParaRPr lang="ko-KR" altLang="en-US"/>
+          </a:p>
+        </p:txBody>
+      </p:sp>
+      <p:sp>
+        <p:nvSpPr>
+          <p:cNvPr id="35" name="타원 34">
+            <a:extLst>
+              <a:ext uri="{FF2B5EF4-FFF2-40B4-BE49-F238E27FC236}">
+                <a16:creationId xmlns:a16="http://schemas.microsoft.com/office/drawing/2014/main" id="{CA649154-642D-44B9-B25A-A5C320AE3313}"/>
               </a:ext>
             </a:extLst>
           </p:cNvPr>
@@ -4378,19 +5365,17 @@
         </p:nvSpPr>
         <p:spPr>
           <a:xfrm>
-            <a:off x="8386758" y="457193"/>
-            <a:ext cx="1495425" cy="714375"/>
-          </a:xfrm>
-          <a:prstGeom prst="rect">
+            <a:off x="2933698" y="5130404"/>
+            <a:ext cx="1238250" cy="1238250"/>
+          </a:xfrm>
+          <a:prstGeom prst="ellipse">
             <a:avLst/>
           </a:prstGeom>
           <a:solidFill>
-            <a:schemeClr val="bg1"/>
+            <a:srgbClr val="006600"/>
           </a:solidFill>
-          <a:ln w="15875">
-            <a:solidFill>
-              <a:schemeClr val="tx1"/>
-            </a:solidFill>
+          <a:ln>
+            <a:noFill/>
           </a:ln>
         </p:spPr>
         <p:style>
@@ -4414,587 +5399,197 @@
           <a:lstStyle/>
           <a:p>
             <a:pPr algn="ctr"/>
-            <a:r>
-              <a:rPr lang="en-US" altLang="ko-KR" sz="1200" dirty="0">
-                <a:solidFill>
-                  <a:schemeClr val="tx1"/>
-                </a:solidFill>
-                <a:latin typeface="AppleSDGothicNeoM00" panose="02000503000000000000" pitchFamily="2" charset="-127"/>
-                <a:ea typeface="AppleSDGothicNeoM00" panose="02000503000000000000" pitchFamily="2" charset="-127"/>
-              </a:rPr>
-              <a:t>Service Provider</a:t>
-            </a:r>
-          </a:p>
-          <a:p>
-            <a:pPr algn="ctr"/>
-            <a:r>
-              <a:rPr lang="en-US" altLang="ko-KR" sz="1200" dirty="0">
-                <a:solidFill>
-                  <a:schemeClr val="tx1"/>
-                </a:solidFill>
-                <a:latin typeface="AppleSDGothicNeoM00" panose="02000503000000000000" pitchFamily="2" charset="-127"/>
-                <a:ea typeface="AppleSDGothicNeoM00" panose="02000503000000000000" pitchFamily="2" charset="-127"/>
-              </a:rPr>
-              <a:t>Authentication</a:t>
-            </a:r>
-            <a:endParaRPr lang="ko-KR" altLang="en-US" sz="1200" dirty="0">
-              <a:solidFill>
-                <a:schemeClr val="tx1"/>
-              </a:solidFill>
-              <a:latin typeface="AppleSDGothicNeoM00" panose="02000503000000000000" pitchFamily="2" charset="-127"/>
-              <a:ea typeface="AppleSDGothicNeoM00" panose="02000503000000000000" pitchFamily="2" charset="-127"/>
-            </a:endParaRPr>
-          </a:p>
-        </p:txBody>
-      </p:sp>
-      <p:sp>
-        <p:nvSpPr>
-          <p:cNvPr id="7" name="직사각형 6">
-            <a:extLst>
-              <a:ext uri="{FF2B5EF4-FFF2-40B4-BE49-F238E27FC236}">
-                <a16:creationId xmlns:a16="http://schemas.microsoft.com/office/drawing/2014/main" id="{3765916A-3F73-4BBC-9184-C73147D1FDBE}"/>
-              </a:ext>
-            </a:extLst>
-          </p:cNvPr>
-          <p:cNvSpPr/>
-          <p:nvPr/>
-        </p:nvSpPr>
-        <p:spPr>
-          <a:xfrm>
-            <a:off x="11425237" y="457193"/>
-            <a:ext cx="1495425" cy="714375"/>
+            <a:endParaRPr lang="ko-KR" altLang="en-US"/>
+          </a:p>
+        </p:txBody>
+      </p:sp>
+      <p:pic>
+        <p:nvPicPr>
+          <p:cNvPr id="38" name="그래픽 37" descr="자물쇠">
+            <a:extLst>
+              <a:ext uri="{FF2B5EF4-FFF2-40B4-BE49-F238E27FC236}">
+                <a16:creationId xmlns:a16="http://schemas.microsoft.com/office/drawing/2014/main" id="{305930F2-5717-404E-B1C7-3374329527E6}"/>
+              </a:ext>
+            </a:extLst>
+          </p:cNvPr>
+          <p:cNvPicPr>
+            <a:picLocks noChangeAspect="1"/>
+          </p:cNvPicPr>
+          <p:nvPr/>
+        </p:nvPicPr>
+        <p:blipFill>
+          <a:blip r:embed="rId2">
+            <a:extLst>
+              <a:ext uri="{28A0092B-C50C-407E-A947-70E740481C1C}">
+                <a14:useLocalDpi xmlns:a14="http://schemas.microsoft.com/office/drawing/2010/main" val="0"/>
+              </a:ext>
+              <a:ext uri="{96DAC541-7B7A-43D3-8B79-37D633B846F1}">
+                <asvg:svgBlip xmlns:asvg="http://schemas.microsoft.com/office/drawing/2016/SVG/main" r:embed="rId3"/>
+              </a:ext>
+            </a:extLst>
+          </a:blip>
+          <a:stretch>
+            <a:fillRect/>
+          </a:stretch>
+        </p:blipFill>
+        <p:spPr>
+          <a:xfrm>
+            <a:off x="3152773" y="697109"/>
+            <a:ext cx="790575" cy="790575"/>
           </a:xfrm>
           <a:prstGeom prst="rect">
             <a:avLst/>
           </a:prstGeom>
-          <a:solidFill>
-            <a:schemeClr val="bg1"/>
-          </a:solidFill>
-          <a:ln w="15875">
-            <a:solidFill>
-              <a:schemeClr val="tx1"/>
-            </a:solidFill>
-          </a:ln>
-        </p:spPr>
-        <p:style>
-          <a:lnRef idx="2">
-            <a:schemeClr val="accent1">
-              <a:shade val="50000"/>
-            </a:schemeClr>
-          </a:lnRef>
-          <a:fillRef idx="1">
-            <a:schemeClr val="accent1"/>
-          </a:fillRef>
-          <a:effectRef idx="0">
-            <a:schemeClr val="accent1"/>
-          </a:effectRef>
-          <a:fontRef idx="minor">
-            <a:schemeClr val="lt1"/>
-          </a:fontRef>
-        </p:style>
-        <p:txBody>
-          <a:bodyPr rtlCol="0" anchor="ctr"/>
-          <a:lstStyle/>
-          <a:p>
-            <a:pPr algn="ctr"/>
-            <a:r>
-              <a:rPr lang="en-US" altLang="ko-KR" sz="1200" dirty="0">
-                <a:solidFill>
-                  <a:schemeClr val="tx1"/>
-                </a:solidFill>
-                <a:latin typeface="AppleSDGothicNeoM00" panose="02000503000000000000" pitchFamily="2" charset="-127"/>
-                <a:ea typeface="AppleSDGothicNeoM00" panose="02000503000000000000" pitchFamily="2" charset="-127"/>
-              </a:rPr>
-              <a:t>Service Provider</a:t>
-            </a:r>
-          </a:p>
-          <a:p>
-            <a:pPr algn="ctr"/>
-            <a:r>
-              <a:rPr lang="en-US" altLang="ko-KR" sz="1200" dirty="0">
-                <a:solidFill>
-                  <a:schemeClr val="tx1"/>
-                </a:solidFill>
-                <a:latin typeface="AppleSDGothicNeoM00" panose="02000503000000000000" pitchFamily="2" charset="-127"/>
-                <a:ea typeface="AppleSDGothicNeoM00" panose="02000503000000000000" pitchFamily="2" charset="-127"/>
-              </a:rPr>
-              <a:t>Resource</a:t>
-            </a:r>
-            <a:endParaRPr lang="ko-KR" altLang="en-US" sz="1200" dirty="0">
-              <a:solidFill>
-                <a:schemeClr val="tx1"/>
-              </a:solidFill>
-              <a:latin typeface="AppleSDGothicNeoM00" panose="02000503000000000000" pitchFamily="2" charset="-127"/>
-              <a:ea typeface="AppleSDGothicNeoM00" panose="02000503000000000000" pitchFamily="2" charset="-127"/>
-            </a:endParaRPr>
-          </a:p>
-        </p:txBody>
-      </p:sp>
+        </p:spPr>
+      </p:pic>
+      <p:pic>
+        <p:nvPicPr>
+          <p:cNvPr id="40" name="그래픽 39" descr="자물쇠">
+            <a:extLst>
+              <a:ext uri="{FF2B5EF4-FFF2-40B4-BE49-F238E27FC236}">
+                <a16:creationId xmlns:a16="http://schemas.microsoft.com/office/drawing/2014/main" id="{06789C9B-5409-4DAE-B7F5-F469702C6699}"/>
+              </a:ext>
+            </a:extLst>
+          </p:cNvPr>
+          <p:cNvPicPr>
+            <a:picLocks noChangeAspect="1"/>
+          </p:cNvPicPr>
+          <p:nvPr/>
+        </p:nvPicPr>
+        <p:blipFill>
+          <a:blip r:embed="rId2">
+            <a:extLst>
+              <a:ext uri="{28A0092B-C50C-407E-A947-70E740481C1C}">
+                <a14:useLocalDpi xmlns:a14="http://schemas.microsoft.com/office/drawing/2010/main" val="0"/>
+              </a:ext>
+              <a:ext uri="{96DAC541-7B7A-43D3-8B79-37D633B846F1}">
+                <asvg:svgBlip xmlns:asvg="http://schemas.microsoft.com/office/drawing/2016/SVG/main" r:embed="rId3"/>
+              </a:ext>
+            </a:extLst>
+          </a:blip>
+          <a:stretch>
+            <a:fillRect/>
+          </a:stretch>
+        </p:blipFill>
+        <p:spPr>
+          <a:xfrm>
+            <a:off x="3152773" y="5349478"/>
+            <a:ext cx="790575" cy="790575"/>
+          </a:xfrm>
+          <a:prstGeom prst="rect">
+            <a:avLst/>
+          </a:prstGeom>
+        </p:spPr>
+      </p:pic>
+      <p:pic>
+        <p:nvPicPr>
+          <p:cNvPr id="42" name="그래픽 41" descr="자물쇠">
+            <a:extLst>
+              <a:ext uri="{FF2B5EF4-FFF2-40B4-BE49-F238E27FC236}">
+                <a16:creationId xmlns:a16="http://schemas.microsoft.com/office/drawing/2014/main" id="{9AE49A61-0B22-47D8-85D0-8CE7759DF9CA}"/>
+              </a:ext>
+            </a:extLst>
+          </p:cNvPr>
+          <p:cNvPicPr>
+            <a:picLocks noChangeAspect="1"/>
+          </p:cNvPicPr>
+          <p:nvPr/>
+        </p:nvPicPr>
+        <p:blipFill>
+          <a:blip r:embed="rId2">
+            <a:extLst>
+              <a:ext uri="{28A0092B-C50C-407E-A947-70E740481C1C}">
+                <a14:useLocalDpi xmlns:a14="http://schemas.microsoft.com/office/drawing/2010/main" val="0"/>
+              </a:ext>
+              <a:ext uri="{96DAC541-7B7A-43D3-8B79-37D633B846F1}">
+                <asvg:svgBlip xmlns:asvg="http://schemas.microsoft.com/office/drawing/2016/SVG/main" r:embed="rId3"/>
+              </a:ext>
+            </a:extLst>
+          </a:blip>
+          <a:stretch>
+            <a:fillRect/>
+          </a:stretch>
+        </p:blipFill>
+        <p:spPr>
+          <a:xfrm>
+            <a:off x="8234362" y="5349476"/>
+            <a:ext cx="790575" cy="790575"/>
+          </a:xfrm>
+          <a:prstGeom prst="rect">
+            <a:avLst/>
+          </a:prstGeom>
+        </p:spPr>
+      </p:pic>
+      <p:pic>
+        <p:nvPicPr>
+          <p:cNvPr id="44" name="그래픽 43" descr="자물쇠">
+            <a:extLst>
+              <a:ext uri="{FF2B5EF4-FFF2-40B4-BE49-F238E27FC236}">
+                <a16:creationId xmlns:a16="http://schemas.microsoft.com/office/drawing/2014/main" id="{8596E7AB-B227-4C9F-ACCD-59791EA0FE1F}"/>
+              </a:ext>
+            </a:extLst>
+          </p:cNvPr>
+          <p:cNvPicPr>
+            <a:picLocks noChangeAspect="1"/>
+          </p:cNvPicPr>
+          <p:nvPr/>
+        </p:nvPicPr>
+        <p:blipFill>
+          <a:blip r:embed="rId2">
+            <a:extLst>
+              <a:ext uri="{28A0092B-C50C-407E-A947-70E740481C1C}">
+                <a14:useLocalDpi xmlns:a14="http://schemas.microsoft.com/office/drawing/2010/main" val="0"/>
+              </a:ext>
+              <a:ext uri="{96DAC541-7B7A-43D3-8B79-37D633B846F1}">
+                <asvg:svgBlip xmlns:asvg="http://schemas.microsoft.com/office/drawing/2016/SVG/main" r:embed="rId3"/>
+              </a:ext>
+            </a:extLst>
+          </a:blip>
+          <a:stretch>
+            <a:fillRect/>
+          </a:stretch>
+        </p:blipFill>
+        <p:spPr>
+          <a:xfrm>
+            <a:off x="8234362" y="708419"/>
+            <a:ext cx="790575" cy="790575"/>
+          </a:xfrm>
+          <a:prstGeom prst="rect">
+            <a:avLst/>
+          </a:prstGeom>
+        </p:spPr>
+      </p:pic>
       <p:cxnSp>
         <p:nvCxnSpPr>
-          <p:cNvPr id="9" name="직선 연결선 8">
-            <a:extLst>
-              <a:ext uri="{FF2B5EF4-FFF2-40B4-BE49-F238E27FC236}">
-                <a16:creationId xmlns:a16="http://schemas.microsoft.com/office/drawing/2014/main" id="{94DDD840-7F6A-4F35-A8D7-B802B5E56567}"/>
+          <p:cNvPr id="13" name="직선 화살표 연결선 12">
+            <a:extLst>
+              <a:ext uri="{FF2B5EF4-FFF2-40B4-BE49-F238E27FC236}">
+                <a16:creationId xmlns:a16="http://schemas.microsoft.com/office/drawing/2014/main" id="{3F84788A-CACF-4E6E-BE2E-0D6F2482CD3A}"/>
               </a:ext>
             </a:extLst>
           </p:cNvPr>
           <p:cNvCxnSpPr>
-            <a:stCxn id="5" idx="2"/>
+            <a:stCxn id="34" idx="5"/>
+            <a:endCxn id="2" idx="1"/>
           </p:cNvCxnSpPr>
           <p:nvPr/>
         </p:nvCxnSpPr>
         <p:spPr>
-          <a:xfrm flipH="1">
-            <a:off x="0" y="1171569"/>
-            <a:ext cx="19050" cy="5229237"/>
-          </a:xfrm>
-          <a:prstGeom prst="line">
-            <a:avLst/>
-          </a:prstGeom>
-          <a:ln w="12700">
+          <a:xfrm>
+            <a:off x="3990610" y="1546258"/>
+            <a:ext cx="1337577" cy="1114929"/>
+          </a:xfrm>
+          <a:prstGeom prst="straightConnector1">
+            <a:avLst/>
+          </a:prstGeom>
+          <a:ln w="19050">
             <a:solidFill>
-              <a:schemeClr val="tx1"/>
+              <a:schemeClr val="bg2">
+                <a:lumMod val="50000"/>
+              </a:schemeClr>
             </a:solidFill>
             <a:prstDash val="dash"/>
-          </a:ln>
-        </p:spPr>
-        <p:style>
-          <a:lnRef idx="1">
-            <a:schemeClr val="accent1"/>
-          </a:lnRef>
-          <a:fillRef idx="0">
-            <a:schemeClr val="accent1"/>
-          </a:fillRef>
-          <a:effectRef idx="0">
-            <a:schemeClr val="accent1"/>
-          </a:effectRef>
-          <a:fontRef idx="minor">
-            <a:schemeClr val="tx1"/>
-          </a:fontRef>
-        </p:style>
-      </p:cxnSp>
-      <p:cxnSp>
-        <p:nvCxnSpPr>
-          <p:cNvPr id="17" name="직선 연결선 16">
-            <a:extLst>
-              <a:ext uri="{FF2B5EF4-FFF2-40B4-BE49-F238E27FC236}">
-                <a16:creationId xmlns:a16="http://schemas.microsoft.com/office/drawing/2014/main" id="{06B8ADE0-DC9B-446C-85C6-8BBB2614C209}"/>
-              </a:ext>
-            </a:extLst>
-          </p:cNvPr>
-          <p:cNvCxnSpPr>
-            <a:stCxn id="2" idx="2"/>
-          </p:cNvCxnSpPr>
-          <p:nvPr/>
-        </p:nvCxnSpPr>
-        <p:spPr>
-          <a:xfrm flipH="1">
-            <a:off x="3057524" y="1171569"/>
-            <a:ext cx="1" cy="5229237"/>
-          </a:xfrm>
-          <a:prstGeom prst="line">
-            <a:avLst/>
-          </a:prstGeom>
-          <a:ln w="12700">
-            <a:solidFill>
-              <a:schemeClr val="tx1"/>
-            </a:solidFill>
-            <a:prstDash val="dash"/>
-          </a:ln>
-        </p:spPr>
-        <p:style>
-          <a:lnRef idx="1">
-            <a:schemeClr val="accent1"/>
-          </a:lnRef>
-          <a:fillRef idx="0">
-            <a:schemeClr val="accent1"/>
-          </a:fillRef>
-          <a:effectRef idx="0">
-            <a:schemeClr val="accent1"/>
-          </a:effectRef>
-          <a:fontRef idx="minor">
-            <a:schemeClr val="tx1"/>
-          </a:fontRef>
-        </p:style>
-      </p:cxnSp>
-      <p:cxnSp>
-        <p:nvCxnSpPr>
-          <p:cNvPr id="22" name="직선 연결선 21">
-            <a:extLst>
-              <a:ext uri="{FF2B5EF4-FFF2-40B4-BE49-F238E27FC236}">
-                <a16:creationId xmlns:a16="http://schemas.microsoft.com/office/drawing/2014/main" id="{24CA9725-99D5-4056-9E23-322DDA6A0AC7}"/>
-              </a:ext>
-            </a:extLst>
-          </p:cNvPr>
-          <p:cNvCxnSpPr>
-            <a:cxnSpLocks/>
-            <a:stCxn id="4" idx="2"/>
-          </p:cNvCxnSpPr>
-          <p:nvPr/>
-        </p:nvCxnSpPr>
-        <p:spPr>
-          <a:xfrm>
-            <a:off x="6096000" y="1171570"/>
-            <a:ext cx="0" cy="5229235"/>
-          </a:xfrm>
-          <a:prstGeom prst="line">
-            <a:avLst/>
-          </a:prstGeom>
-          <a:ln w="12700">
-            <a:solidFill>
-              <a:schemeClr val="tx1"/>
-            </a:solidFill>
-            <a:prstDash val="dash"/>
-          </a:ln>
-        </p:spPr>
-        <p:style>
-          <a:lnRef idx="1">
-            <a:schemeClr val="accent1"/>
-          </a:lnRef>
-          <a:fillRef idx="0">
-            <a:schemeClr val="accent1"/>
-          </a:fillRef>
-          <a:effectRef idx="0">
-            <a:schemeClr val="accent1"/>
-          </a:effectRef>
-          <a:fontRef idx="minor">
-            <a:schemeClr val="tx1"/>
-          </a:fontRef>
-        </p:style>
-      </p:cxnSp>
-      <p:cxnSp>
-        <p:nvCxnSpPr>
-          <p:cNvPr id="25" name="직선 연결선 24">
-            <a:extLst>
-              <a:ext uri="{FF2B5EF4-FFF2-40B4-BE49-F238E27FC236}">
-                <a16:creationId xmlns:a16="http://schemas.microsoft.com/office/drawing/2014/main" id="{7CDE3204-51A8-4E9F-955A-AFAAE9A6CB33}"/>
-              </a:ext>
-            </a:extLst>
-          </p:cNvPr>
-          <p:cNvCxnSpPr>
-            <a:stCxn id="6" idx="2"/>
-          </p:cNvCxnSpPr>
-          <p:nvPr/>
-        </p:nvCxnSpPr>
-        <p:spPr>
-          <a:xfrm flipH="1">
-            <a:off x="9134470" y="1171568"/>
-            <a:ext cx="1" cy="5229238"/>
-          </a:xfrm>
-          <a:prstGeom prst="line">
-            <a:avLst/>
-          </a:prstGeom>
-          <a:ln w="12700">
-            <a:solidFill>
-              <a:schemeClr val="tx1"/>
-            </a:solidFill>
-            <a:prstDash val="dash"/>
-          </a:ln>
-        </p:spPr>
-        <p:style>
-          <a:lnRef idx="1">
-            <a:schemeClr val="accent1"/>
-          </a:lnRef>
-          <a:fillRef idx="0">
-            <a:schemeClr val="accent1"/>
-          </a:fillRef>
-          <a:effectRef idx="0">
-            <a:schemeClr val="accent1"/>
-          </a:effectRef>
-          <a:fontRef idx="minor">
-            <a:schemeClr val="tx1"/>
-          </a:fontRef>
-        </p:style>
-      </p:cxnSp>
-      <p:cxnSp>
-        <p:nvCxnSpPr>
-          <p:cNvPr id="29" name="직선 연결선 28">
-            <a:extLst>
-              <a:ext uri="{FF2B5EF4-FFF2-40B4-BE49-F238E27FC236}">
-                <a16:creationId xmlns:a16="http://schemas.microsoft.com/office/drawing/2014/main" id="{DE3F1C9D-07A8-49D4-853A-B2585C8FBC48}"/>
-              </a:ext>
-            </a:extLst>
-          </p:cNvPr>
-          <p:cNvCxnSpPr>
-            <a:stCxn id="7" idx="2"/>
-          </p:cNvCxnSpPr>
-          <p:nvPr/>
-        </p:nvCxnSpPr>
-        <p:spPr>
-          <a:xfrm flipH="1">
-            <a:off x="12172949" y="1171568"/>
-            <a:ext cx="1" cy="5229237"/>
-          </a:xfrm>
-          <a:prstGeom prst="line">
-            <a:avLst/>
-          </a:prstGeom>
-          <a:ln w="12700">
-            <a:solidFill>
-              <a:schemeClr val="tx1"/>
-            </a:solidFill>
-            <a:prstDash val="dash"/>
-          </a:ln>
-        </p:spPr>
-        <p:style>
-          <a:lnRef idx="1">
-            <a:schemeClr val="accent1"/>
-          </a:lnRef>
-          <a:fillRef idx="0">
-            <a:schemeClr val="accent1"/>
-          </a:fillRef>
-          <a:effectRef idx="0">
-            <a:schemeClr val="accent1"/>
-          </a:effectRef>
-          <a:fontRef idx="minor">
-            <a:schemeClr val="tx1"/>
-          </a:fontRef>
-        </p:style>
-      </p:cxnSp>
-      <p:cxnSp>
-        <p:nvCxnSpPr>
-          <p:cNvPr id="31" name="직선 화살표 연결선 30">
-            <a:extLst>
-              <a:ext uri="{FF2B5EF4-FFF2-40B4-BE49-F238E27FC236}">
-                <a16:creationId xmlns:a16="http://schemas.microsoft.com/office/drawing/2014/main" id="{98DEB0B0-FA21-4C29-9340-C890C3F5DBDC}"/>
-              </a:ext>
-            </a:extLst>
-          </p:cNvPr>
-          <p:cNvCxnSpPr/>
-          <p:nvPr/>
-        </p:nvCxnSpPr>
-        <p:spPr>
-          <a:xfrm>
-            <a:off x="19049" y="1651000"/>
-            <a:ext cx="3038475" cy="0"/>
-          </a:xfrm>
-          <a:prstGeom prst="straightConnector1">
-            <a:avLst/>
-          </a:prstGeom>
-          <a:ln w="12700">
-            <a:solidFill>
-              <a:schemeClr val="tx1"/>
-            </a:solidFill>
-            <a:tailEnd type="triangle"/>
-          </a:ln>
-        </p:spPr>
-        <p:style>
-          <a:lnRef idx="1">
-            <a:schemeClr val="accent1"/>
-          </a:lnRef>
-          <a:fillRef idx="0">
-            <a:schemeClr val="accent1"/>
-          </a:fillRef>
-          <a:effectRef idx="0">
-            <a:schemeClr val="accent1"/>
-          </a:effectRef>
-          <a:fontRef idx="minor">
-            <a:schemeClr val="tx1"/>
-          </a:fontRef>
-        </p:style>
-      </p:cxnSp>
-      <p:cxnSp>
-        <p:nvCxnSpPr>
-          <p:cNvPr id="33" name="직선 화살표 연결선 32">
-            <a:extLst>
-              <a:ext uri="{FF2B5EF4-FFF2-40B4-BE49-F238E27FC236}">
-                <a16:creationId xmlns:a16="http://schemas.microsoft.com/office/drawing/2014/main" id="{E208B1A9-2B1C-4F33-B4FB-5E2B2FBF8D22}"/>
-              </a:ext>
-            </a:extLst>
-          </p:cNvPr>
-          <p:cNvCxnSpPr/>
-          <p:nvPr/>
-        </p:nvCxnSpPr>
-        <p:spPr>
-          <a:xfrm>
-            <a:off x="3057524" y="1651000"/>
-            <a:ext cx="3038475" cy="0"/>
-          </a:xfrm>
-          <a:prstGeom prst="straightConnector1">
-            <a:avLst/>
-          </a:prstGeom>
-          <a:ln w="12700">
-            <a:solidFill>
-              <a:schemeClr val="tx1"/>
-            </a:solidFill>
-            <a:tailEnd type="triangle"/>
-          </a:ln>
-        </p:spPr>
-        <p:style>
-          <a:lnRef idx="1">
-            <a:schemeClr val="accent1"/>
-          </a:lnRef>
-          <a:fillRef idx="0">
-            <a:schemeClr val="accent1"/>
-          </a:fillRef>
-          <a:effectRef idx="0">
-            <a:schemeClr val="accent1"/>
-          </a:effectRef>
-          <a:fontRef idx="minor">
-            <a:schemeClr val="tx1"/>
-          </a:fontRef>
-        </p:style>
-      </p:cxnSp>
-      <p:cxnSp>
-        <p:nvCxnSpPr>
-          <p:cNvPr id="34" name="직선 화살표 연결선 33">
-            <a:extLst>
-              <a:ext uri="{FF2B5EF4-FFF2-40B4-BE49-F238E27FC236}">
-                <a16:creationId xmlns:a16="http://schemas.microsoft.com/office/drawing/2014/main" id="{152A85F4-12BE-409A-86F3-F7417878C691}"/>
-              </a:ext>
-            </a:extLst>
-          </p:cNvPr>
-          <p:cNvCxnSpPr>
-            <a:cxnSpLocks/>
-          </p:cNvCxnSpPr>
-          <p:nvPr/>
-        </p:nvCxnSpPr>
-        <p:spPr>
-          <a:xfrm flipH="1">
-            <a:off x="3057523" y="2120900"/>
-            <a:ext cx="3038475" cy="0"/>
-          </a:xfrm>
-          <a:prstGeom prst="straightConnector1">
-            <a:avLst/>
-          </a:prstGeom>
-          <a:ln w="12700">
-            <a:solidFill>
-              <a:schemeClr val="tx1"/>
-            </a:solidFill>
-            <a:prstDash val="dashDot"/>
-            <a:tailEnd type="triangle"/>
-          </a:ln>
-        </p:spPr>
-        <p:style>
-          <a:lnRef idx="1">
-            <a:schemeClr val="accent1"/>
-          </a:lnRef>
-          <a:fillRef idx="0">
-            <a:schemeClr val="accent1"/>
-          </a:fillRef>
-          <a:effectRef idx="0">
-            <a:schemeClr val="accent1"/>
-          </a:effectRef>
-          <a:fontRef idx="minor">
-            <a:schemeClr val="tx1"/>
-          </a:fontRef>
-        </p:style>
-      </p:cxnSp>
-      <p:cxnSp>
-        <p:nvCxnSpPr>
-          <p:cNvPr id="35" name="직선 화살표 연결선 34">
-            <a:extLst>
-              <a:ext uri="{FF2B5EF4-FFF2-40B4-BE49-F238E27FC236}">
-                <a16:creationId xmlns:a16="http://schemas.microsoft.com/office/drawing/2014/main" id="{A91FBB4E-65F5-4E81-B6F9-B92A4941B138}"/>
-              </a:ext>
-            </a:extLst>
-          </p:cNvPr>
-          <p:cNvCxnSpPr>
-            <a:cxnSpLocks/>
-          </p:cNvCxnSpPr>
-          <p:nvPr/>
-        </p:nvCxnSpPr>
-        <p:spPr>
-          <a:xfrm>
-            <a:off x="19049" y="2641600"/>
-            <a:ext cx="9115425" cy="0"/>
-          </a:xfrm>
-          <a:prstGeom prst="straightConnector1">
-            <a:avLst/>
-          </a:prstGeom>
-          <a:ln w="12700">
-            <a:solidFill>
-              <a:schemeClr val="tx1"/>
-            </a:solidFill>
-            <a:tailEnd type="triangle"/>
-          </a:ln>
-        </p:spPr>
-        <p:style>
-          <a:lnRef idx="1">
-            <a:schemeClr val="accent1"/>
-          </a:lnRef>
-          <a:fillRef idx="0">
-            <a:schemeClr val="accent1"/>
-          </a:fillRef>
-          <a:effectRef idx="0">
-            <a:schemeClr val="accent1"/>
-          </a:effectRef>
-          <a:fontRef idx="minor">
-            <a:schemeClr val="tx1"/>
-          </a:fontRef>
-        </p:style>
-      </p:cxnSp>
-      <p:cxnSp>
-        <p:nvCxnSpPr>
-          <p:cNvPr id="39" name="직선 화살표 연결선 38">
-            <a:extLst>
-              <a:ext uri="{FF2B5EF4-FFF2-40B4-BE49-F238E27FC236}">
-                <a16:creationId xmlns:a16="http://schemas.microsoft.com/office/drawing/2014/main" id="{31EA3432-D681-4E80-A93C-08EB055D302D}"/>
-              </a:ext>
-            </a:extLst>
-          </p:cNvPr>
-          <p:cNvCxnSpPr>
-            <a:cxnSpLocks/>
-          </p:cNvCxnSpPr>
-          <p:nvPr/>
-        </p:nvCxnSpPr>
-        <p:spPr>
-          <a:xfrm flipH="1">
-            <a:off x="3057523" y="3263900"/>
-            <a:ext cx="6076952" cy="0"/>
-          </a:xfrm>
-          <a:prstGeom prst="straightConnector1">
-            <a:avLst/>
-          </a:prstGeom>
-          <a:ln w="12700">
-            <a:solidFill>
-              <a:schemeClr val="tx1"/>
-            </a:solidFill>
-            <a:prstDash val="dashDot"/>
-            <a:tailEnd type="triangle"/>
-          </a:ln>
-        </p:spPr>
-        <p:style>
-          <a:lnRef idx="1">
-            <a:schemeClr val="accent1"/>
-          </a:lnRef>
-          <a:fillRef idx="0">
-            <a:schemeClr val="accent1"/>
-          </a:fillRef>
-          <a:effectRef idx="0">
-            <a:schemeClr val="accent1"/>
-          </a:effectRef>
-          <a:fontRef idx="minor">
-            <a:schemeClr val="tx1"/>
-          </a:fontRef>
-        </p:style>
-      </p:cxnSp>
-      <p:cxnSp>
-        <p:nvCxnSpPr>
-          <p:cNvPr id="41" name="직선 화살표 연결선 40">
-            <a:extLst>
-              <a:ext uri="{FF2B5EF4-FFF2-40B4-BE49-F238E27FC236}">
-                <a16:creationId xmlns:a16="http://schemas.microsoft.com/office/drawing/2014/main" id="{73405FFE-88FA-4AA9-8135-3A377274AEE6}"/>
-              </a:ext>
-            </a:extLst>
-          </p:cNvPr>
-          <p:cNvCxnSpPr>
-            <a:cxnSpLocks/>
-          </p:cNvCxnSpPr>
-          <p:nvPr/>
-        </p:nvCxnSpPr>
-        <p:spPr>
-          <a:xfrm>
-            <a:off x="3057523" y="3848100"/>
-            <a:ext cx="3038475" cy="0"/>
-          </a:xfrm>
-          <a:prstGeom prst="straightConnector1">
-            <a:avLst/>
-          </a:prstGeom>
-          <a:ln w="12700">
-            <a:solidFill>
-              <a:schemeClr val="tx1"/>
-            </a:solidFill>
+            <a:headEnd type="triangle"/>
             <a:tailEnd type="triangle"/>
           </a:ln>
         </p:spPr>
@@ -5018,27 +5613,33 @@
           <p:cNvPr id="45" name="직선 화살표 연결선 44">
             <a:extLst>
               <a:ext uri="{FF2B5EF4-FFF2-40B4-BE49-F238E27FC236}">
-                <a16:creationId xmlns:a16="http://schemas.microsoft.com/office/drawing/2014/main" id="{6C08152A-03E6-40F0-8613-5F9573871DBF}"/>
+                <a16:creationId xmlns:a16="http://schemas.microsoft.com/office/drawing/2014/main" id="{A5FEFBBA-D7C0-4CF6-87DD-FAEAD2613511}"/>
               </a:ext>
             </a:extLst>
           </p:cNvPr>
           <p:cNvCxnSpPr>
             <a:cxnSpLocks/>
+            <a:stCxn id="19" idx="6"/>
+            <a:endCxn id="2" idx="2"/>
           </p:cNvCxnSpPr>
           <p:nvPr/>
         </p:nvCxnSpPr>
         <p:spPr>
-          <a:xfrm>
-            <a:off x="6095999" y="3848100"/>
-            <a:ext cx="3038475" cy="0"/>
+          <a:xfrm flipV="1">
+            <a:off x="3162298" y="3428999"/>
+            <a:ext cx="1847851" cy="1"/>
           </a:xfrm>
           <a:prstGeom prst="straightConnector1">
             <a:avLst/>
           </a:prstGeom>
-          <a:ln w="12700">
+          <a:ln w="19050">
             <a:solidFill>
-              <a:schemeClr val="tx1"/>
+              <a:schemeClr val="bg2">
+                <a:lumMod val="50000"/>
+              </a:schemeClr>
             </a:solidFill>
+            <a:prstDash val="dash"/>
+            <a:headEnd type="triangle"/>
             <a:tailEnd type="triangle"/>
           </a:ln>
         </p:spPr>
@@ -5062,73 +5663,32 @@
           <p:cNvPr id="46" name="직선 화살표 연결선 45">
             <a:extLst>
               <a:ext uri="{FF2B5EF4-FFF2-40B4-BE49-F238E27FC236}">
-                <a16:creationId xmlns:a16="http://schemas.microsoft.com/office/drawing/2014/main" id="{AAE08988-1D11-4713-B470-37994ABD63FA}"/>
+                <a16:creationId xmlns:a16="http://schemas.microsoft.com/office/drawing/2014/main" id="{A9A574B3-C8BC-4B81-A48A-59D5F2CB02D7}"/>
               </a:ext>
             </a:extLst>
           </p:cNvPr>
           <p:cNvCxnSpPr>
             <a:cxnSpLocks/>
+            <a:endCxn id="2" idx="3"/>
           </p:cNvCxnSpPr>
           <p:nvPr/>
         </p:nvCxnSpPr>
         <p:spPr>
-          <a:xfrm flipH="1">
-            <a:off x="3057523" y="4673600"/>
-            <a:ext cx="3038475" cy="0"/>
+          <a:xfrm flipV="1">
+            <a:off x="3990610" y="4196811"/>
+            <a:ext cx="1337577" cy="1085850"/>
           </a:xfrm>
           <a:prstGeom prst="straightConnector1">
             <a:avLst/>
           </a:prstGeom>
-          <a:ln w="12700">
+          <a:ln w="19050">
             <a:solidFill>
-              <a:schemeClr val="tx1"/>
+              <a:schemeClr val="bg2">
+                <a:lumMod val="50000"/>
+              </a:schemeClr>
             </a:solidFill>
-            <a:prstDash val="dashDot"/>
-            <a:tailEnd type="triangle"/>
-          </a:ln>
-        </p:spPr>
-        <p:style>
-          <a:lnRef idx="1">
-            <a:schemeClr val="accent1"/>
-          </a:lnRef>
-          <a:fillRef idx="0">
-            <a:schemeClr val="accent1"/>
-          </a:fillRef>
-          <a:effectRef idx="0">
-            <a:schemeClr val="accent1"/>
-          </a:effectRef>
-          <a:fontRef idx="minor">
-            <a:schemeClr val="tx1"/>
-          </a:fontRef>
-        </p:style>
-      </p:cxnSp>
-      <p:cxnSp>
-        <p:nvCxnSpPr>
-          <p:cNvPr id="47" name="직선 화살표 연결선 46">
-            <a:extLst>
-              <a:ext uri="{FF2B5EF4-FFF2-40B4-BE49-F238E27FC236}">
-                <a16:creationId xmlns:a16="http://schemas.microsoft.com/office/drawing/2014/main" id="{C1B33D43-A6ED-4856-B74D-CBAB4A9B4997}"/>
-              </a:ext>
-            </a:extLst>
-          </p:cNvPr>
-          <p:cNvCxnSpPr>
-            <a:cxnSpLocks/>
-          </p:cNvCxnSpPr>
-          <p:nvPr/>
-        </p:nvCxnSpPr>
-        <p:spPr>
-          <a:xfrm flipH="1">
-            <a:off x="6095999" y="4673600"/>
-            <a:ext cx="3038475" cy="0"/>
-          </a:xfrm>
-          <a:prstGeom prst="straightConnector1">
-            <a:avLst/>
-          </a:prstGeom>
-          <a:ln w="12700">
-            <a:solidFill>
-              <a:schemeClr val="tx1"/>
-            </a:solidFill>
-            <a:prstDash val="dashDot"/>
+            <a:prstDash val="dash"/>
+            <a:headEnd type="triangle"/>
             <a:tailEnd type="triangle"/>
           </a:ln>
         </p:spPr>
@@ -5152,71 +5712,33 @@
           <p:cNvPr id="48" name="직선 화살표 연결선 47">
             <a:extLst>
               <a:ext uri="{FF2B5EF4-FFF2-40B4-BE49-F238E27FC236}">
-                <a16:creationId xmlns:a16="http://schemas.microsoft.com/office/drawing/2014/main" id="{2FA2380D-9CA9-42C0-817C-0374C764ACE9}"/>
+                <a16:creationId xmlns:a16="http://schemas.microsoft.com/office/drawing/2014/main" id="{69361592-4420-4120-93D3-7C9EB20305D7}"/>
               </a:ext>
             </a:extLst>
           </p:cNvPr>
           <p:cNvCxnSpPr>
             <a:cxnSpLocks/>
+            <a:stCxn id="33" idx="1"/>
+            <a:endCxn id="2" idx="5"/>
           </p:cNvCxnSpPr>
           <p:nvPr/>
         </p:nvCxnSpPr>
         <p:spPr>
-          <a:xfrm>
-            <a:off x="3057523" y="5321300"/>
-            <a:ext cx="3038475" cy="0"/>
+          <a:xfrm flipH="1" flipV="1">
+            <a:off x="6863811" y="4196811"/>
+            <a:ext cx="1332814" cy="1114931"/>
           </a:xfrm>
           <a:prstGeom prst="straightConnector1">
             <a:avLst/>
           </a:prstGeom>
-          <a:ln w="12700">
+          <a:ln w="19050">
             <a:solidFill>
-              <a:schemeClr val="tx1"/>
+              <a:schemeClr val="bg2">
+                <a:lumMod val="50000"/>
+              </a:schemeClr>
             </a:solidFill>
-            <a:tailEnd type="triangle"/>
-          </a:ln>
-        </p:spPr>
-        <p:style>
-          <a:lnRef idx="1">
-            <a:schemeClr val="accent1"/>
-          </a:lnRef>
-          <a:fillRef idx="0">
-            <a:schemeClr val="accent1"/>
-          </a:fillRef>
-          <a:effectRef idx="0">
-            <a:schemeClr val="accent1"/>
-          </a:effectRef>
-          <a:fontRef idx="minor">
-            <a:schemeClr val="tx1"/>
-          </a:fontRef>
-        </p:style>
-      </p:cxnSp>
-      <p:cxnSp>
-        <p:nvCxnSpPr>
-          <p:cNvPr id="49" name="직선 화살표 연결선 48">
-            <a:extLst>
-              <a:ext uri="{FF2B5EF4-FFF2-40B4-BE49-F238E27FC236}">
-                <a16:creationId xmlns:a16="http://schemas.microsoft.com/office/drawing/2014/main" id="{C40C3EFB-E405-4ADA-9353-176700B3D392}"/>
-              </a:ext>
-            </a:extLst>
-          </p:cNvPr>
-          <p:cNvCxnSpPr>
-            <a:cxnSpLocks/>
-          </p:cNvCxnSpPr>
-          <p:nvPr/>
-        </p:nvCxnSpPr>
-        <p:spPr>
-          <a:xfrm>
-            <a:off x="6095999" y="5321300"/>
-            <a:ext cx="6096001" cy="0"/>
-          </a:xfrm>
-          <a:prstGeom prst="straightConnector1">
-            <a:avLst/>
-          </a:prstGeom>
-          <a:ln w="12700">
-            <a:solidFill>
-              <a:schemeClr val="tx1"/>
-            </a:solidFill>
+            <a:prstDash val="dash"/>
+            <a:headEnd type="triangle"/>
             <a:tailEnd type="triangle"/>
           </a:ln>
         </p:spPr>
@@ -5240,28 +5762,33 @@
           <p:cNvPr id="51" name="직선 화살표 연결선 50">
             <a:extLst>
               <a:ext uri="{FF2B5EF4-FFF2-40B4-BE49-F238E27FC236}">
-                <a16:creationId xmlns:a16="http://schemas.microsoft.com/office/drawing/2014/main" id="{D55A4B76-3EAD-4315-A4CB-14C74D06DE17}"/>
+                <a16:creationId xmlns:a16="http://schemas.microsoft.com/office/drawing/2014/main" id="{09592721-CF43-45E1-9A5A-F2CEDBA1861C}"/>
               </a:ext>
             </a:extLst>
           </p:cNvPr>
           <p:cNvCxnSpPr>
             <a:cxnSpLocks/>
+            <a:stCxn id="10" idx="2"/>
+            <a:endCxn id="2" idx="6"/>
           </p:cNvCxnSpPr>
           <p:nvPr/>
         </p:nvCxnSpPr>
         <p:spPr>
           <a:xfrm flipH="1">
-            <a:off x="6095998" y="5930900"/>
-            <a:ext cx="6076952" cy="0"/>
+            <a:off x="7181849" y="3428999"/>
+            <a:ext cx="1847851" cy="0"/>
           </a:xfrm>
           <a:prstGeom prst="straightConnector1">
             <a:avLst/>
           </a:prstGeom>
-          <a:ln w="12700">
+          <a:ln w="19050">
             <a:solidFill>
-              <a:schemeClr val="tx1"/>
+              <a:schemeClr val="bg2">
+                <a:lumMod val="50000"/>
+              </a:schemeClr>
             </a:solidFill>
-            <a:prstDash val="dashDot"/>
+            <a:prstDash val="dash"/>
+            <a:headEnd type="triangle"/>
             <a:tailEnd type="triangle"/>
           </a:ln>
         </p:spPr>
@@ -5282,31 +5809,36 @@
       </p:cxnSp>
       <p:cxnSp>
         <p:nvCxnSpPr>
-          <p:cNvPr id="53" name="직선 화살표 연결선 52">
-            <a:extLst>
-              <a:ext uri="{FF2B5EF4-FFF2-40B4-BE49-F238E27FC236}">
-                <a16:creationId xmlns:a16="http://schemas.microsoft.com/office/drawing/2014/main" id="{D990935E-C599-432A-B964-F5014C0502DE}"/>
+          <p:cNvPr id="54" name="직선 화살표 연결선 53">
+            <a:extLst>
+              <a:ext uri="{FF2B5EF4-FFF2-40B4-BE49-F238E27FC236}">
+                <a16:creationId xmlns:a16="http://schemas.microsoft.com/office/drawing/2014/main" id="{20644EE2-CC10-46C6-8DF1-002E838207EE}"/>
               </a:ext>
             </a:extLst>
           </p:cNvPr>
           <p:cNvCxnSpPr>
             <a:cxnSpLocks/>
+            <a:stCxn id="32" idx="3"/>
+            <a:endCxn id="2" idx="7"/>
           </p:cNvCxnSpPr>
           <p:nvPr/>
         </p:nvCxnSpPr>
         <p:spPr>
           <a:xfrm flipH="1">
-            <a:off x="3057523" y="5930900"/>
-            <a:ext cx="3038475" cy="0"/>
+            <a:off x="6863811" y="1546258"/>
+            <a:ext cx="1332814" cy="1114929"/>
           </a:xfrm>
           <a:prstGeom prst="straightConnector1">
             <a:avLst/>
           </a:prstGeom>
-          <a:ln w="12700">
+          <a:ln w="19050">
             <a:solidFill>
-              <a:schemeClr val="tx1"/>
+              <a:schemeClr val="bg2">
+                <a:lumMod val="50000"/>
+              </a:schemeClr>
             </a:solidFill>
-            <a:prstDash val="dashDot"/>
+            <a:prstDash val="dash"/>
+            <a:headEnd type="triangle"/>
             <a:tailEnd type="triangle"/>
           </a:ln>
         </p:spPr>
@@ -5325,697 +5857,68 @@
           </a:fontRef>
         </p:style>
       </p:cxnSp>
-      <p:sp>
-        <p:nvSpPr>
-          <p:cNvPr id="61" name="TextBox 60">
-            <a:extLst>
-              <a:ext uri="{FF2B5EF4-FFF2-40B4-BE49-F238E27FC236}">
-                <a16:creationId xmlns:a16="http://schemas.microsoft.com/office/drawing/2014/main" id="{3B988A63-15AF-4337-8CC8-2CBFBCE7C7FD}"/>
-              </a:ext>
-            </a:extLst>
-          </p:cNvPr>
-          <p:cNvSpPr txBox="1"/>
-          <p:nvPr/>
-        </p:nvSpPr>
-        <p:spPr>
-          <a:xfrm>
-            <a:off x="777099" y="1343223"/>
-            <a:ext cx="1521570" cy="307777"/>
+      <p:pic>
+        <p:nvPicPr>
+          <p:cNvPr id="63" name="그래픽 62" descr="확인 표시">
+            <a:extLst>
+              <a:ext uri="{FF2B5EF4-FFF2-40B4-BE49-F238E27FC236}">
+                <a16:creationId xmlns:a16="http://schemas.microsoft.com/office/drawing/2014/main" id="{87180B0C-8B3C-417E-9677-B112438759B8}"/>
+              </a:ext>
+            </a:extLst>
+          </p:cNvPr>
+          <p:cNvPicPr>
+            <a:picLocks noChangeAspect="1"/>
+          </p:cNvPicPr>
+          <p:nvPr/>
+        </p:nvPicPr>
+        <p:blipFill>
+          <a:blip r:embed="rId4">
+            <a:extLst>
+              <a:ext uri="{28A0092B-C50C-407E-A947-70E740481C1C}">
+                <a14:useLocalDpi xmlns:a14="http://schemas.microsoft.com/office/drawing/2010/main" val="0"/>
+              </a:ext>
+              <a:ext uri="{96DAC541-7B7A-43D3-8B79-37D633B846F1}">
+                <asvg:svgBlip xmlns:asvg="http://schemas.microsoft.com/office/drawing/2016/SVG/main" r:embed="rId5"/>
+              </a:ext>
+            </a:extLst>
+          </a:blip>
+          <a:stretch>
+            <a:fillRect/>
+          </a:stretch>
+        </p:blipFill>
+        <p:spPr>
+          <a:xfrm>
+            <a:off x="6206586" y="3685773"/>
+            <a:ext cx="640548" cy="640548"/>
           </a:xfrm>
           <a:prstGeom prst="rect">
             <a:avLst/>
           </a:prstGeom>
+        </p:spPr>
+      </p:pic>
+      <p:sp>
+        <p:nvSpPr>
+          <p:cNvPr id="64" name="직사각형 63">
+            <a:extLst>
+              <a:ext uri="{FF2B5EF4-FFF2-40B4-BE49-F238E27FC236}">
+                <a16:creationId xmlns:a16="http://schemas.microsoft.com/office/drawing/2014/main" id="{31730E93-EC82-4F61-91BA-BFB7827B47E5}"/>
+              </a:ext>
+            </a:extLst>
+          </p:cNvPr>
+          <p:cNvSpPr/>
+          <p:nvPr/>
+        </p:nvSpPr>
+        <p:spPr>
+          <a:xfrm>
+            <a:off x="1266825" y="136"/>
+            <a:ext cx="9658350" cy="6858000"/>
+          </a:xfrm>
+          <a:prstGeom prst="rect">
+            <a:avLst/>
+          </a:prstGeom>
           <a:noFill/>
-        </p:spPr>
-        <p:txBody>
-          <a:bodyPr wrap="none" rtlCol="0">
-            <a:spAutoFit/>
-          </a:bodyPr>
-          <a:lstStyle/>
-          <a:p>
-            <a:pPr algn="ctr"/>
-            <a:r>
-              <a:rPr lang="en-US" altLang="ko-KR" sz="1400" dirty="0">
-                <a:latin typeface="AppleSDGothicNeoM00" panose="02000503000000000000" pitchFamily="2" charset="-127"/>
-                <a:ea typeface="AppleSDGothicNeoM00" panose="02000503000000000000" pitchFamily="2" charset="-127"/>
-              </a:rPr>
-              <a:t>1. </a:t>
-            </a:r>
-            <a:r>
-              <a:rPr lang="ko-KR" altLang="en-US" sz="1400" dirty="0">
-                <a:latin typeface="AppleSDGothicNeoM00" panose="02000503000000000000" pitchFamily="2" charset="-127"/>
-                <a:ea typeface="AppleSDGothicNeoM00" panose="02000503000000000000" pitchFamily="2" charset="-127"/>
-              </a:rPr>
-              <a:t>소셜 로그인 요청</a:t>
-            </a:r>
-          </a:p>
-        </p:txBody>
-      </p:sp>
-      <p:sp>
-        <p:nvSpPr>
-          <p:cNvPr id="69" name="TextBox 68">
-            <a:extLst>
-              <a:ext uri="{FF2B5EF4-FFF2-40B4-BE49-F238E27FC236}">
-                <a16:creationId xmlns:a16="http://schemas.microsoft.com/office/drawing/2014/main" id="{E528E2E1-48AF-4BA3-9578-D06EA1AC8A7B}"/>
-              </a:ext>
-            </a:extLst>
-          </p:cNvPr>
-          <p:cNvSpPr txBox="1"/>
-          <p:nvPr/>
-        </p:nvSpPr>
-        <p:spPr>
-          <a:xfrm>
-            <a:off x="3484999" y="1343222"/>
-            <a:ext cx="2175596" cy="307777"/>
-          </a:xfrm>
-          <a:prstGeom prst="rect">
-            <a:avLst/>
-          </a:prstGeom>
-          <a:noFill/>
-        </p:spPr>
-        <p:txBody>
-          <a:bodyPr wrap="none" rtlCol="0">
-            <a:spAutoFit/>
-          </a:bodyPr>
-          <a:lstStyle/>
-          <a:p>
-            <a:pPr algn="ctr"/>
-            <a:r>
-              <a:rPr lang="en-US" altLang="ko-KR" sz="1400" dirty="0">
-                <a:latin typeface="AppleSDGothicNeoM00" panose="02000503000000000000" pitchFamily="2" charset="-127"/>
-                <a:ea typeface="AppleSDGothicNeoM00" panose="02000503000000000000" pitchFamily="2" charset="-127"/>
-              </a:rPr>
-              <a:t>1. </a:t>
-            </a:r>
-            <a:r>
-              <a:rPr lang="ko-KR" altLang="en-US" sz="1400" dirty="0">
-                <a:latin typeface="AppleSDGothicNeoM00" panose="02000503000000000000" pitchFamily="2" charset="-127"/>
-                <a:ea typeface="AppleSDGothicNeoM00" panose="02000503000000000000" pitchFamily="2" charset="-127"/>
-              </a:rPr>
-              <a:t>소셜 로그인 </a:t>
-            </a:r>
-            <a:r>
-              <a:rPr lang="en-US" altLang="ko-KR" sz="1400" dirty="0">
-                <a:latin typeface="AppleSDGothicNeoM00" panose="02000503000000000000" pitchFamily="2" charset="-127"/>
-                <a:ea typeface="AppleSDGothicNeoM00" panose="02000503000000000000" pitchFamily="2" charset="-127"/>
-              </a:rPr>
-              <a:t>URL API </a:t>
-            </a:r>
-            <a:r>
-              <a:rPr lang="ko-KR" altLang="en-US" sz="1400" dirty="0">
-                <a:latin typeface="AppleSDGothicNeoM00" panose="02000503000000000000" pitchFamily="2" charset="-127"/>
-                <a:ea typeface="AppleSDGothicNeoM00" panose="02000503000000000000" pitchFamily="2" charset="-127"/>
-              </a:rPr>
-              <a:t>요청</a:t>
-            </a:r>
-          </a:p>
-        </p:txBody>
-      </p:sp>
-      <p:sp>
-        <p:nvSpPr>
-          <p:cNvPr id="70" name="TextBox 69">
-            <a:extLst>
-              <a:ext uri="{FF2B5EF4-FFF2-40B4-BE49-F238E27FC236}">
-                <a16:creationId xmlns:a16="http://schemas.microsoft.com/office/drawing/2014/main" id="{90622785-B09D-43FE-BF11-8510C6BE977D}"/>
-              </a:ext>
-            </a:extLst>
-          </p:cNvPr>
-          <p:cNvSpPr txBox="1"/>
-          <p:nvPr/>
-        </p:nvSpPr>
-        <p:spPr>
-          <a:xfrm>
-            <a:off x="3497540" y="1825824"/>
-            <a:ext cx="2206053" cy="307777"/>
-          </a:xfrm>
-          <a:prstGeom prst="rect">
-            <a:avLst/>
-          </a:prstGeom>
-          <a:noFill/>
-        </p:spPr>
-        <p:txBody>
-          <a:bodyPr wrap="none" rtlCol="0">
-            <a:spAutoFit/>
-          </a:bodyPr>
-          <a:lstStyle/>
-          <a:p>
-            <a:pPr algn="ctr"/>
-            <a:r>
-              <a:rPr lang="en-US" altLang="ko-KR" sz="1400" dirty="0">
-                <a:latin typeface="AppleSDGothicNeoM00" panose="02000503000000000000" pitchFamily="2" charset="-127"/>
-                <a:ea typeface="AppleSDGothicNeoM00" panose="02000503000000000000" pitchFamily="2" charset="-127"/>
-              </a:rPr>
-              <a:t>2. </a:t>
-            </a:r>
-            <a:r>
-              <a:rPr lang="ko-KR" altLang="en-US" sz="1400" dirty="0">
-                <a:latin typeface="AppleSDGothicNeoM00" panose="02000503000000000000" pitchFamily="2" charset="-127"/>
-                <a:ea typeface="AppleSDGothicNeoM00" panose="02000503000000000000" pitchFamily="2" charset="-127"/>
-              </a:rPr>
-              <a:t>소셜 로그인 </a:t>
-            </a:r>
-            <a:r>
-              <a:rPr lang="en-US" altLang="ko-KR" sz="1400" dirty="0">
-                <a:latin typeface="AppleSDGothicNeoM00" panose="02000503000000000000" pitchFamily="2" charset="-127"/>
-                <a:ea typeface="AppleSDGothicNeoM00" panose="02000503000000000000" pitchFamily="2" charset="-127"/>
-              </a:rPr>
-              <a:t>URL API </a:t>
-            </a:r>
-            <a:r>
-              <a:rPr lang="ko-KR" altLang="en-US" sz="1400" dirty="0">
-                <a:latin typeface="AppleSDGothicNeoM00" panose="02000503000000000000" pitchFamily="2" charset="-127"/>
-                <a:ea typeface="AppleSDGothicNeoM00" panose="02000503000000000000" pitchFamily="2" charset="-127"/>
-              </a:rPr>
-              <a:t>응답</a:t>
-            </a:r>
-          </a:p>
-        </p:txBody>
-      </p:sp>
-      <p:sp>
-        <p:nvSpPr>
-          <p:cNvPr id="71" name="TextBox 70">
-            <a:extLst>
-              <a:ext uri="{FF2B5EF4-FFF2-40B4-BE49-F238E27FC236}">
-                <a16:creationId xmlns:a16="http://schemas.microsoft.com/office/drawing/2014/main" id="{F4CDD372-3A3B-4B6D-84E9-4357C3B276B9}"/>
-              </a:ext>
-            </a:extLst>
-          </p:cNvPr>
-          <p:cNvSpPr txBox="1"/>
-          <p:nvPr/>
-        </p:nvSpPr>
-        <p:spPr>
-          <a:xfrm>
-            <a:off x="3824552" y="2346524"/>
-            <a:ext cx="1552028" cy="307777"/>
-          </a:xfrm>
-          <a:prstGeom prst="rect">
-            <a:avLst/>
-          </a:prstGeom>
-          <a:noFill/>
-        </p:spPr>
-        <p:txBody>
-          <a:bodyPr wrap="none" rtlCol="0">
-            <a:spAutoFit/>
-          </a:bodyPr>
-          <a:lstStyle/>
-          <a:p>
-            <a:pPr algn="ctr"/>
-            <a:r>
-              <a:rPr lang="en-US" altLang="ko-KR" sz="1400" dirty="0">
-                <a:latin typeface="AppleSDGothicNeoM00" panose="02000503000000000000" pitchFamily="2" charset="-127"/>
-                <a:ea typeface="AppleSDGothicNeoM00" panose="02000503000000000000" pitchFamily="2" charset="-127"/>
-              </a:rPr>
-              <a:t>3. </a:t>
-            </a:r>
-            <a:r>
-              <a:rPr lang="ko-KR" altLang="en-US" sz="1400" dirty="0">
-                <a:latin typeface="AppleSDGothicNeoM00" panose="02000503000000000000" pitchFamily="2" charset="-127"/>
-                <a:ea typeface="AppleSDGothicNeoM00" panose="02000503000000000000" pitchFamily="2" charset="-127"/>
-              </a:rPr>
-              <a:t>소셜 로그인 수행</a:t>
-            </a:r>
-          </a:p>
-        </p:txBody>
-      </p:sp>
-      <p:sp>
-        <p:nvSpPr>
-          <p:cNvPr id="72" name="TextBox 71">
-            <a:extLst>
-              <a:ext uri="{FF2B5EF4-FFF2-40B4-BE49-F238E27FC236}">
-                <a16:creationId xmlns:a16="http://schemas.microsoft.com/office/drawing/2014/main" id="{7625B3A5-EE17-432D-A443-58DDD9A1836E}"/>
-              </a:ext>
-            </a:extLst>
-          </p:cNvPr>
-          <p:cNvSpPr txBox="1"/>
-          <p:nvPr/>
-        </p:nvSpPr>
-        <p:spPr>
-          <a:xfrm>
-            <a:off x="5395320" y="2956123"/>
-            <a:ext cx="1401346" cy="307777"/>
-          </a:xfrm>
-          <a:prstGeom prst="rect">
-            <a:avLst/>
-          </a:prstGeom>
-          <a:solidFill>
-            <a:srgbClr val="DEEBF7"/>
-          </a:solidFill>
-        </p:spPr>
-        <p:txBody>
-          <a:bodyPr wrap="none" rtlCol="0">
-            <a:spAutoFit/>
-          </a:bodyPr>
-          <a:lstStyle/>
-          <a:p>
-            <a:pPr algn="ctr"/>
-            <a:r>
-              <a:rPr lang="en-US" altLang="ko-KR" sz="1400" dirty="0">
-                <a:latin typeface="AppleSDGothicNeoM00" panose="02000503000000000000" pitchFamily="2" charset="-127"/>
-                <a:ea typeface="AppleSDGothicNeoM00" panose="02000503000000000000" pitchFamily="2" charset="-127"/>
-              </a:rPr>
-              <a:t>4. </a:t>
-            </a:r>
-            <a:r>
-              <a:rPr lang="ko-KR" altLang="en-US" sz="1400" dirty="0">
-                <a:latin typeface="AppleSDGothicNeoM00" panose="02000503000000000000" pitchFamily="2" charset="-127"/>
-                <a:ea typeface="AppleSDGothicNeoM00" panose="02000503000000000000" pitchFamily="2" charset="-127"/>
-              </a:rPr>
-              <a:t>인가 코드 응답</a:t>
-            </a:r>
-          </a:p>
-        </p:txBody>
-      </p:sp>
-      <p:sp>
-        <p:nvSpPr>
-          <p:cNvPr id="73" name="TextBox 72">
-            <a:extLst>
-              <a:ext uri="{FF2B5EF4-FFF2-40B4-BE49-F238E27FC236}">
-                <a16:creationId xmlns:a16="http://schemas.microsoft.com/office/drawing/2014/main" id="{68103116-4516-4754-AEE3-DCCA22D1D5E2}"/>
-              </a:ext>
-            </a:extLst>
-          </p:cNvPr>
-          <p:cNvSpPr txBox="1"/>
-          <p:nvPr/>
-        </p:nvSpPr>
-        <p:spPr>
-          <a:xfrm>
-            <a:off x="3557937" y="3553023"/>
-            <a:ext cx="2029723" cy="307777"/>
-          </a:xfrm>
-          <a:prstGeom prst="rect">
-            <a:avLst/>
-          </a:prstGeom>
-          <a:noFill/>
-        </p:spPr>
-        <p:txBody>
-          <a:bodyPr wrap="none" rtlCol="0">
-            <a:spAutoFit/>
-          </a:bodyPr>
-          <a:lstStyle/>
-          <a:p>
-            <a:pPr algn="ctr"/>
-            <a:r>
-              <a:rPr lang="en-US" altLang="ko-KR" sz="1400" dirty="0">
-                <a:latin typeface="AppleSDGothicNeoM00" panose="02000503000000000000" pitchFamily="2" charset="-127"/>
-                <a:ea typeface="AppleSDGothicNeoM00" panose="02000503000000000000" pitchFamily="2" charset="-127"/>
-              </a:rPr>
-              <a:t>5. Access Token</a:t>
-            </a:r>
-            <a:r>
-              <a:rPr lang="ko-KR" altLang="en-US" sz="1400" dirty="0">
-                <a:latin typeface="AppleSDGothicNeoM00" panose="02000503000000000000" pitchFamily="2" charset="-127"/>
-                <a:ea typeface="AppleSDGothicNeoM00" panose="02000503000000000000" pitchFamily="2" charset="-127"/>
-              </a:rPr>
-              <a:t> </a:t>
-            </a:r>
-            <a:r>
-              <a:rPr lang="en-US" altLang="ko-KR" sz="1400" dirty="0">
-                <a:latin typeface="AppleSDGothicNeoM00" panose="02000503000000000000" pitchFamily="2" charset="-127"/>
-                <a:ea typeface="AppleSDGothicNeoM00" panose="02000503000000000000" pitchFamily="2" charset="-127"/>
-              </a:rPr>
-              <a:t>API </a:t>
-            </a:r>
-            <a:r>
-              <a:rPr lang="ko-KR" altLang="en-US" sz="1400" dirty="0">
-                <a:latin typeface="AppleSDGothicNeoM00" panose="02000503000000000000" pitchFamily="2" charset="-127"/>
-                <a:ea typeface="AppleSDGothicNeoM00" panose="02000503000000000000" pitchFamily="2" charset="-127"/>
-              </a:rPr>
-              <a:t>요청</a:t>
-            </a:r>
-          </a:p>
-        </p:txBody>
-      </p:sp>
-      <p:sp>
-        <p:nvSpPr>
-          <p:cNvPr id="74" name="TextBox 73">
-            <a:extLst>
-              <a:ext uri="{FF2B5EF4-FFF2-40B4-BE49-F238E27FC236}">
-                <a16:creationId xmlns:a16="http://schemas.microsoft.com/office/drawing/2014/main" id="{1B31F867-D666-4B89-A432-20365A0A7E10}"/>
-              </a:ext>
-            </a:extLst>
-          </p:cNvPr>
-          <p:cNvSpPr txBox="1"/>
-          <p:nvPr/>
-        </p:nvSpPr>
-        <p:spPr>
-          <a:xfrm>
-            <a:off x="6779114" y="3553023"/>
-            <a:ext cx="1729962" cy="307777"/>
-          </a:xfrm>
-          <a:prstGeom prst="rect">
-            <a:avLst/>
-          </a:prstGeom>
-          <a:noFill/>
-        </p:spPr>
-        <p:txBody>
-          <a:bodyPr wrap="none" rtlCol="0">
-            <a:spAutoFit/>
-          </a:bodyPr>
-          <a:lstStyle/>
-          <a:p>
-            <a:pPr algn="ctr"/>
-            <a:r>
-              <a:rPr lang="en-US" altLang="ko-KR" sz="1400" dirty="0">
-                <a:latin typeface="AppleSDGothicNeoM00" panose="02000503000000000000" pitchFamily="2" charset="-127"/>
-                <a:ea typeface="AppleSDGothicNeoM00" panose="02000503000000000000" pitchFamily="2" charset="-127"/>
-              </a:rPr>
-              <a:t>5. Access Token </a:t>
-            </a:r>
-            <a:r>
-              <a:rPr lang="ko-KR" altLang="en-US" sz="1400" dirty="0">
-                <a:latin typeface="AppleSDGothicNeoM00" panose="02000503000000000000" pitchFamily="2" charset="-127"/>
-                <a:ea typeface="AppleSDGothicNeoM00" panose="02000503000000000000" pitchFamily="2" charset="-127"/>
-              </a:rPr>
-              <a:t>요청</a:t>
-            </a:r>
-          </a:p>
-        </p:txBody>
-      </p:sp>
-      <p:sp>
-        <p:nvSpPr>
-          <p:cNvPr id="75" name="TextBox 74">
-            <a:extLst>
-              <a:ext uri="{FF2B5EF4-FFF2-40B4-BE49-F238E27FC236}">
-                <a16:creationId xmlns:a16="http://schemas.microsoft.com/office/drawing/2014/main" id="{6341D65F-73CD-47FB-9911-2EFE0A1E5B76}"/>
-              </a:ext>
-            </a:extLst>
-          </p:cNvPr>
-          <p:cNvSpPr txBox="1"/>
-          <p:nvPr/>
-        </p:nvSpPr>
-        <p:spPr>
-          <a:xfrm>
-            <a:off x="3560782" y="4365823"/>
-            <a:ext cx="2039341" cy="307777"/>
-          </a:xfrm>
-          <a:prstGeom prst="rect">
-            <a:avLst/>
-          </a:prstGeom>
-          <a:noFill/>
-        </p:spPr>
-        <p:txBody>
-          <a:bodyPr wrap="none" rtlCol="0">
-            <a:spAutoFit/>
-          </a:bodyPr>
-          <a:lstStyle/>
-          <a:p>
-            <a:pPr algn="ctr"/>
-            <a:r>
-              <a:rPr lang="en-US" altLang="ko-KR" sz="1400" dirty="0">
-                <a:latin typeface="AppleSDGothicNeoM00" panose="02000503000000000000" pitchFamily="2" charset="-127"/>
-                <a:ea typeface="AppleSDGothicNeoM00" panose="02000503000000000000" pitchFamily="2" charset="-127"/>
-              </a:rPr>
-              <a:t>6. Access Token</a:t>
-            </a:r>
-            <a:r>
-              <a:rPr lang="ko-KR" altLang="en-US" sz="1400" dirty="0">
-                <a:latin typeface="AppleSDGothicNeoM00" panose="02000503000000000000" pitchFamily="2" charset="-127"/>
-                <a:ea typeface="AppleSDGothicNeoM00" panose="02000503000000000000" pitchFamily="2" charset="-127"/>
-              </a:rPr>
-              <a:t> </a:t>
-            </a:r>
-            <a:r>
-              <a:rPr lang="en-US" altLang="ko-KR" sz="1400" dirty="0">
-                <a:latin typeface="AppleSDGothicNeoM00" panose="02000503000000000000" pitchFamily="2" charset="-127"/>
-                <a:ea typeface="AppleSDGothicNeoM00" panose="02000503000000000000" pitchFamily="2" charset="-127"/>
-              </a:rPr>
-              <a:t>API </a:t>
-            </a:r>
-            <a:r>
-              <a:rPr lang="ko-KR" altLang="en-US" sz="1400" dirty="0">
-                <a:latin typeface="AppleSDGothicNeoM00" panose="02000503000000000000" pitchFamily="2" charset="-127"/>
-                <a:ea typeface="AppleSDGothicNeoM00" panose="02000503000000000000" pitchFamily="2" charset="-127"/>
-              </a:rPr>
-              <a:t>응답</a:t>
-            </a:r>
-          </a:p>
-        </p:txBody>
-      </p:sp>
-      <p:sp>
-        <p:nvSpPr>
-          <p:cNvPr id="76" name="TextBox 75">
-            <a:extLst>
-              <a:ext uri="{FF2B5EF4-FFF2-40B4-BE49-F238E27FC236}">
-                <a16:creationId xmlns:a16="http://schemas.microsoft.com/office/drawing/2014/main" id="{188EADDA-7597-437E-81F1-265C80474C7B}"/>
-              </a:ext>
-            </a:extLst>
-          </p:cNvPr>
-          <p:cNvSpPr txBox="1"/>
-          <p:nvPr/>
-        </p:nvSpPr>
-        <p:spPr>
-          <a:xfrm>
-            <a:off x="6781959" y="4365823"/>
-            <a:ext cx="1739580" cy="307777"/>
-          </a:xfrm>
-          <a:prstGeom prst="rect">
-            <a:avLst/>
-          </a:prstGeom>
-          <a:noFill/>
-        </p:spPr>
-        <p:txBody>
-          <a:bodyPr wrap="none" rtlCol="0">
-            <a:spAutoFit/>
-          </a:bodyPr>
-          <a:lstStyle/>
-          <a:p>
-            <a:pPr algn="ctr"/>
-            <a:r>
-              <a:rPr lang="en-US" altLang="ko-KR" sz="1400" dirty="0">
-                <a:latin typeface="AppleSDGothicNeoM00" panose="02000503000000000000" pitchFamily="2" charset="-127"/>
-                <a:ea typeface="AppleSDGothicNeoM00" panose="02000503000000000000" pitchFamily="2" charset="-127"/>
-              </a:rPr>
-              <a:t>6. Access Token </a:t>
-            </a:r>
-            <a:r>
-              <a:rPr lang="ko-KR" altLang="en-US" sz="1400" dirty="0">
-                <a:latin typeface="AppleSDGothicNeoM00" panose="02000503000000000000" pitchFamily="2" charset="-127"/>
-                <a:ea typeface="AppleSDGothicNeoM00" panose="02000503000000000000" pitchFamily="2" charset="-127"/>
-              </a:rPr>
-              <a:t>응답</a:t>
-            </a:r>
-          </a:p>
-        </p:txBody>
-      </p:sp>
-      <p:sp>
-        <p:nvSpPr>
-          <p:cNvPr id="77" name="TextBox 76">
-            <a:extLst>
-              <a:ext uri="{FF2B5EF4-FFF2-40B4-BE49-F238E27FC236}">
-                <a16:creationId xmlns:a16="http://schemas.microsoft.com/office/drawing/2014/main" id="{8B4CFD5C-CFDC-40C2-B384-9BEC1B118E72}"/>
-              </a:ext>
-            </a:extLst>
-          </p:cNvPr>
-          <p:cNvSpPr txBox="1"/>
-          <p:nvPr/>
-        </p:nvSpPr>
-        <p:spPr>
-          <a:xfrm>
-            <a:off x="4093777" y="4997846"/>
-            <a:ext cx="973343" cy="307777"/>
-          </a:xfrm>
-          <a:prstGeom prst="rect">
-            <a:avLst/>
-          </a:prstGeom>
-          <a:noFill/>
-        </p:spPr>
-        <p:txBody>
-          <a:bodyPr wrap="none" rtlCol="0">
-            <a:spAutoFit/>
-          </a:bodyPr>
-          <a:lstStyle/>
-          <a:p>
-            <a:pPr algn="ctr"/>
-            <a:r>
-              <a:rPr lang="en-US" altLang="ko-KR" sz="1400" dirty="0">
-                <a:latin typeface="AppleSDGothicNeoM00" panose="02000503000000000000" pitchFamily="2" charset="-127"/>
-                <a:ea typeface="AppleSDGothicNeoM00" panose="02000503000000000000" pitchFamily="2" charset="-127"/>
-              </a:rPr>
-              <a:t>7. API </a:t>
-            </a:r>
-            <a:r>
-              <a:rPr lang="ko-KR" altLang="en-US" sz="1400" dirty="0">
-                <a:latin typeface="AppleSDGothicNeoM00" panose="02000503000000000000" pitchFamily="2" charset="-127"/>
-                <a:ea typeface="AppleSDGothicNeoM00" panose="02000503000000000000" pitchFamily="2" charset="-127"/>
-              </a:rPr>
-              <a:t>요청</a:t>
-            </a:r>
-          </a:p>
-        </p:txBody>
-      </p:sp>
-      <p:sp>
-        <p:nvSpPr>
-          <p:cNvPr id="78" name="TextBox 77">
-            <a:extLst>
-              <a:ext uri="{FF2B5EF4-FFF2-40B4-BE49-F238E27FC236}">
-                <a16:creationId xmlns:a16="http://schemas.microsoft.com/office/drawing/2014/main" id="{15044FA0-4648-48F5-B894-13A345B9CB19}"/>
-              </a:ext>
-            </a:extLst>
-          </p:cNvPr>
-          <p:cNvSpPr txBox="1"/>
-          <p:nvPr/>
-        </p:nvSpPr>
-        <p:spPr>
-          <a:xfrm>
-            <a:off x="8472172" y="4997846"/>
-            <a:ext cx="1342035" cy="307777"/>
-          </a:xfrm>
-          <a:prstGeom prst="rect">
-            <a:avLst/>
-          </a:prstGeom>
-          <a:solidFill>
-            <a:schemeClr val="accent6">
-              <a:lumMod val="20000"/>
-              <a:lumOff val="80000"/>
-            </a:schemeClr>
-          </a:solidFill>
-        </p:spPr>
-        <p:txBody>
-          <a:bodyPr wrap="none" rtlCol="0">
-            <a:spAutoFit/>
-          </a:bodyPr>
-          <a:lstStyle/>
-          <a:p>
-            <a:pPr algn="ctr"/>
-            <a:r>
-              <a:rPr lang="en-US" altLang="ko-KR" sz="1400" dirty="0">
-                <a:latin typeface="AppleSDGothicNeoM00" panose="02000503000000000000" pitchFamily="2" charset="-127"/>
-                <a:ea typeface="AppleSDGothicNeoM00" panose="02000503000000000000" pitchFamily="2" charset="-127"/>
-              </a:rPr>
-              <a:t>7. </a:t>
-            </a:r>
-            <a:r>
-              <a:rPr lang="ko-KR" altLang="en-US" sz="1400" dirty="0">
-                <a:latin typeface="AppleSDGothicNeoM00" panose="02000503000000000000" pitchFamily="2" charset="-127"/>
-                <a:ea typeface="AppleSDGothicNeoM00" panose="02000503000000000000" pitchFamily="2" charset="-127"/>
-              </a:rPr>
-              <a:t>요구자원 요청</a:t>
-            </a:r>
-          </a:p>
-        </p:txBody>
-      </p:sp>
-      <p:sp>
-        <p:nvSpPr>
-          <p:cNvPr id="79" name="TextBox 78">
-            <a:extLst>
-              <a:ext uri="{FF2B5EF4-FFF2-40B4-BE49-F238E27FC236}">
-                <a16:creationId xmlns:a16="http://schemas.microsoft.com/office/drawing/2014/main" id="{309C73FF-238A-4192-BF84-B3DBC77C7051}"/>
-              </a:ext>
-            </a:extLst>
-          </p:cNvPr>
-          <p:cNvSpPr txBox="1"/>
-          <p:nvPr/>
-        </p:nvSpPr>
-        <p:spPr>
-          <a:xfrm>
-            <a:off x="8494334" y="5607445"/>
-            <a:ext cx="1358065" cy="307777"/>
-          </a:xfrm>
-          <a:prstGeom prst="rect">
-            <a:avLst/>
-          </a:prstGeom>
-          <a:solidFill>
-            <a:schemeClr val="accent6">
-              <a:lumMod val="20000"/>
-              <a:lumOff val="80000"/>
-            </a:schemeClr>
-          </a:solidFill>
-        </p:spPr>
-        <p:txBody>
-          <a:bodyPr wrap="none" rtlCol="0">
-            <a:spAutoFit/>
-          </a:bodyPr>
-          <a:lstStyle/>
-          <a:p>
-            <a:pPr algn="ctr"/>
-            <a:r>
-              <a:rPr lang="en-US" altLang="ko-KR" sz="1400" dirty="0">
-                <a:latin typeface="AppleSDGothicNeoM00" panose="02000503000000000000" pitchFamily="2" charset="-127"/>
-                <a:ea typeface="AppleSDGothicNeoM00" panose="02000503000000000000" pitchFamily="2" charset="-127"/>
-              </a:rPr>
-              <a:t>8. </a:t>
-            </a:r>
-            <a:r>
-              <a:rPr lang="ko-KR" altLang="en-US" sz="1400" dirty="0">
-                <a:latin typeface="AppleSDGothicNeoM00" panose="02000503000000000000" pitchFamily="2" charset="-127"/>
-                <a:ea typeface="AppleSDGothicNeoM00" panose="02000503000000000000" pitchFamily="2" charset="-127"/>
-              </a:rPr>
-              <a:t>요구자원 반환</a:t>
-            </a:r>
-          </a:p>
-        </p:txBody>
-      </p:sp>
-      <p:sp>
-        <p:nvSpPr>
-          <p:cNvPr id="80" name="TextBox 79">
-            <a:extLst>
-              <a:ext uri="{FF2B5EF4-FFF2-40B4-BE49-F238E27FC236}">
-                <a16:creationId xmlns:a16="http://schemas.microsoft.com/office/drawing/2014/main" id="{E2037319-9C29-41A9-B0C4-65C4279AB9C5}"/>
-              </a:ext>
-            </a:extLst>
-          </p:cNvPr>
-          <p:cNvSpPr txBox="1"/>
-          <p:nvPr/>
-        </p:nvSpPr>
-        <p:spPr>
-          <a:xfrm>
-            <a:off x="4105876" y="5607445"/>
-            <a:ext cx="989373" cy="307777"/>
-          </a:xfrm>
-          <a:prstGeom prst="rect">
-            <a:avLst/>
-          </a:prstGeom>
-          <a:noFill/>
-        </p:spPr>
-        <p:txBody>
-          <a:bodyPr wrap="none" rtlCol="0">
-            <a:spAutoFit/>
-          </a:bodyPr>
-          <a:lstStyle/>
-          <a:p>
-            <a:pPr algn="ctr"/>
-            <a:r>
-              <a:rPr lang="en-US" altLang="ko-KR" sz="1400" dirty="0">
-                <a:latin typeface="AppleSDGothicNeoM00" panose="02000503000000000000" pitchFamily="2" charset="-127"/>
-                <a:ea typeface="AppleSDGothicNeoM00" panose="02000503000000000000" pitchFamily="2" charset="-127"/>
-              </a:rPr>
-              <a:t>8. API </a:t>
-            </a:r>
-            <a:r>
-              <a:rPr lang="ko-KR" altLang="en-US" sz="1400" dirty="0">
-                <a:latin typeface="AppleSDGothicNeoM00" panose="02000503000000000000" pitchFamily="2" charset="-127"/>
-                <a:ea typeface="AppleSDGothicNeoM00" panose="02000503000000000000" pitchFamily="2" charset="-127"/>
-              </a:rPr>
-              <a:t>응답</a:t>
-            </a:r>
-          </a:p>
-        </p:txBody>
-      </p:sp>
-      <p:sp>
-        <p:nvSpPr>
-          <p:cNvPr id="67" name="직사각형 66">
-            <a:extLst>
-              <a:ext uri="{FF2B5EF4-FFF2-40B4-BE49-F238E27FC236}">
-                <a16:creationId xmlns:a16="http://schemas.microsoft.com/office/drawing/2014/main" id="{A70BE83C-B27F-46B2-97DF-F13E0C1FCBD8}"/>
-              </a:ext>
-            </a:extLst>
-          </p:cNvPr>
-          <p:cNvSpPr/>
-          <p:nvPr/>
-        </p:nvSpPr>
-        <p:spPr>
-          <a:xfrm>
-            <a:off x="2743200" y="4213233"/>
-            <a:ext cx="9740900" cy="1984354"/>
-          </a:xfrm>
-          <a:prstGeom prst="rect">
-            <a:avLst/>
-          </a:prstGeom>
-          <a:noFill/>
-          <a:ln w="19050">
-            <a:solidFill>
-              <a:schemeClr val="tx1"/>
-            </a:solidFill>
+          <a:ln>
+            <a:noFill/>
           </a:ln>
         </p:spPr>
         <p:style>
@@ -6045,10 +5948,10 @@
       </p:sp>
       <p:sp>
         <p:nvSpPr>
-          <p:cNvPr id="82" name="TextBox 81">
-            <a:extLst>
-              <a:ext uri="{FF2B5EF4-FFF2-40B4-BE49-F238E27FC236}">
-                <a16:creationId xmlns:a16="http://schemas.microsoft.com/office/drawing/2014/main" id="{140A452E-DD74-4BBE-BE5E-A4A3839B4E1D}"/>
+          <p:cNvPr id="65" name="TextBox 64">
+            <a:extLst>
+              <a:ext uri="{FF2B5EF4-FFF2-40B4-BE49-F238E27FC236}">
+                <a16:creationId xmlns:a16="http://schemas.microsoft.com/office/drawing/2014/main" id="{1F09B78F-048B-4EE6-9F34-5A65D4D333CF}"/>
               </a:ext>
             </a:extLst>
           </p:cNvPr>
@@ -6056,9 +5959,9 @@
           <p:nvPr/>
         </p:nvSpPr>
         <p:spPr>
-          <a:xfrm>
-            <a:off x="10638625" y="3803134"/>
-            <a:ext cx="1401346" cy="369332"/>
+          <a:xfrm rot="20873546">
+            <a:off x="5279988" y="2734990"/>
+            <a:ext cx="1212191" cy="307777"/>
           </a:xfrm>
           <a:prstGeom prst="rect">
             <a:avLst/>
@@ -6071,133 +5974,100 @@
           </a:bodyPr>
           <a:lstStyle/>
           <a:p>
-            <a:pPr algn="ctr"/>
             <a:r>
-              <a:rPr lang="ko-KR" altLang="en-US" dirty="0">
+              <a:rPr lang="ko-KR" altLang="en-US" sz="1400" dirty="0">
                 <a:solidFill>
-                  <a:srgbClr val="0070C0"/>
+                  <a:schemeClr val="bg1"/>
                 </a:solidFill>
+                <a:effectLst>
+                  <a:outerShdw blurRad="38100" dist="38100" dir="2700000" algn="tl">
+                    <a:srgbClr val="000000">
+                      <a:alpha val="43137"/>
+                    </a:srgbClr>
+                  </a:outerShdw>
+                </a:effectLst>
                 <a:latin typeface="AppleSDGothicNeoM00" panose="02000503000000000000" pitchFamily="2" charset="-127"/>
                 <a:ea typeface="AppleSDGothicNeoM00" panose="02000503000000000000" pitchFamily="2" charset="-127"/>
               </a:rPr>
-              <a:t>♻ 반복 수행</a:t>
+              <a:t>난 일당백이야</a:t>
             </a:r>
-          </a:p>
-        </p:txBody>
-      </p:sp>
-      <p:cxnSp>
-        <p:nvCxnSpPr>
-          <p:cNvPr id="83" name="직선 화살표 연결선 82">
-            <a:extLst>
-              <a:ext uri="{FF2B5EF4-FFF2-40B4-BE49-F238E27FC236}">
-                <a16:creationId xmlns:a16="http://schemas.microsoft.com/office/drawing/2014/main" id="{F6B2DF2E-BDE1-47EA-889A-020BAB80AF8F}"/>
-              </a:ext>
-            </a:extLst>
-          </p:cNvPr>
-          <p:cNvCxnSpPr>
-            <a:cxnSpLocks/>
-          </p:cNvCxnSpPr>
-          <p:nvPr/>
-        </p:nvCxnSpPr>
-        <p:spPr>
-          <a:xfrm flipH="1">
-            <a:off x="0" y="2120900"/>
-            <a:ext cx="3038475" cy="0"/>
-          </a:xfrm>
-          <a:prstGeom prst="straightConnector1">
-            <a:avLst/>
-          </a:prstGeom>
-          <a:ln w="12700">
-            <a:solidFill>
-              <a:schemeClr val="tx1"/>
-            </a:solidFill>
-            <a:prstDash val="dashDot"/>
-            <a:tailEnd type="triangle"/>
-          </a:ln>
-        </p:spPr>
-        <p:style>
-          <a:lnRef idx="1">
-            <a:schemeClr val="accent1"/>
-          </a:lnRef>
-          <a:fillRef idx="0">
-            <a:schemeClr val="accent1"/>
-          </a:fillRef>
-          <a:effectRef idx="0">
-            <a:schemeClr val="accent1"/>
-          </a:effectRef>
-          <a:fontRef idx="minor">
-            <a:schemeClr val="tx1"/>
-          </a:fontRef>
-        </p:style>
-      </p:cxnSp>
-      <p:sp>
-        <p:nvSpPr>
-          <p:cNvPr id="84" name="TextBox 83">
-            <a:extLst>
-              <a:ext uri="{FF2B5EF4-FFF2-40B4-BE49-F238E27FC236}">
-                <a16:creationId xmlns:a16="http://schemas.microsoft.com/office/drawing/2014/main" id="{53F18388-4D99-4B74-827F-1C9A5CEE2472}"/>
-              </a:ext>
-            </a:extLst>
-          </p:cNvPr>
-          <p:cNvSpPr txBox="1"/>
-          <p:nvPr/>
-        </p:nvSpPr>
-        <p:spPr>
-          <a:xfrm>
-            <a:off x="365510" y="1813123"/>
-            <a:ext cx="2372765" cy="307777"/>
-          </a:xfrm>
-          <a:prstGeom prst="rect">
-            <a:avLst/>
-          </a:prstGeom>
-          <a:noFill/>
-        </p:spPr>
-        <p:txBody>
-          <a:bodyPr wrap="none" rtlCol="0">
-            <a:spAutoFit/>
-          </a:bodyPr>
-          <a:lstStyle/>
-          <a:p>
-            <a:pPr algn="ctr"/>
             <a:r>
               <a:rPr lang="en-US" altLang="ko-KR" sz="1400" dirty="0">
+                <a:solidFill>
+                  <a:schemeClr val="bg1"/>
+                </a:solidFill>
+                <a:effectLst>
+                  <a:outerShdw blurRad="38100" dist="38100" dir="2700000" algn="tl">
+                    <a:srgbClr val="000000">
+                      <a:alpha val="43137"/>
+                    </a:srgbClr>
+                  </a:outerShdw>
+                </a:effectLst>
                 <a:latin typeface="AppleSDGothicNeoM00" panose="02000503000000000000" pitchFamily="2" charset="-127"/>
                 <a:ea typeface="AppleSDGothicNeoM00" panose="02000503000000000000" pitchFamily="2" charset="-127"/>
               </a:rPr>
-              <a:t>2. </a:t>
-            </a:r>
-            <a:r>
-              <a:rPr lang="ko-KR" altLang="en-US" sz="1400" dirty="0">
-                <a:latin typeface="AppleSDGothicNeoM00" panose="02000503000000000000" pitchFamily="2" charset="-127"/>
-                <a:ea typeface="AppleSDGothicNeoM00" panose="02000503000000000000" pitchFamily="2" charset="-127"/>
-              </a:rPr>
-              <a:t>소셜 로그인 </a:t>
-            </a:r>
-            <a:r>
-              <a:rPr lang="en-US" altLang="ko-KR" sz="1400" dirty="0">
-                <a:latin typeface="AppleSDGothicNeoM00" panose="02000503000000000000" pitchFamily="2" charset="-127"/>
-                <a:ea typeface="AppleSDGothicNeoM00" panose="02000503000000000000" pitchFamily="2" charset="-127"/>
-              </a:rPr>
-              <a:t>URL </a:t>
-            </a:r>
-            <a:r>
-              <a:rPr lang="ko-KR" altLang="en-US" sz="1400" dirty="0" err="1">
-                <a:latin typeface="AppleSDGothicNeoM00" panose="02000503000000000000" pitchFamily="2" charset="-127"/>
-                <a:ea typeface="AppleSDGothicNeoM00" panose="02000503000000000000" pitchFamily="2" charset="-127"/>
-              </a:rPr>
-              <a:t>리다이렉션</a:t>
+              <a:t>!</a:t>
             </a:r>
             <a:endParaRPr lang="ko-KR" altLang="en-US" sz="1400" dirty="0">
+              <a:solidFill>
+                <a:schemeClr val="bg1"/>
+              </a:solidFill>
+              <a:effectLst>
+                <a:outerShdw blurRad="38100" dist="38100" dir="2700000" algn="tl">
+                  <a:srgbClr val="000000">
+                    <a:alpha val="43137"/>
+                  </a:srgbClr>
+                </a:outerShdw>
+              </a:effectLst>
               <a:latin typeface="AppleSDGothicNeoM00" panose="02000503000000000000" pitchFamily="2" charset="-127"/>
               <a:ea typeface="AppleSDGothicNeoM00" panose="02000503000000000000" pitchFamily="2" charset="-127"/>
             </a:endParaRPr>
           </a:p>
         </p:txBody>
       </p:sp>
+      <p:pic>
+        <p:nvPicPr>
+          <p:cNvPr id="68" name="그래픽 67" descr="DVD 플레이어">
+            <a:extLst>
+              <a:ext uri="{FF2B5EF4-FFF2-40B4-BE49-F238E27FC236}">
+                <a16:creationId xmlns:a16="http://schemas.microsoft.com/office/drawing/2014/main" id="{257D8E82-A51C-450E-BD25-4A64A6056254}"/>
+              </a:ext>
+            </a:extLst>
+          </p:cNvPr>
+          <p:cNvPicPr>
+            <a:picLocks noChangeAspect="1"/>
+          </p:cNvPicPr>
+          <p:nvPr/>
+        </p:nvPicPr>
+        <p:blipFill>
+          <a:blip r:embed="rId6">
+            <a:extLst>
+              <a:ext uri="{28A0092B-C50C-407E-A947-70E740481C1C}">
+                <a14:useLocalDpi xmlns:a14="http://schemas.microsoft.com/office/drawing/2010/main" val="0"/>
+              </a:ext>
+              <a:ext uri="{96DAC541-7B7A-43D3-8B79-37D633B846F1}">
+                <asvg:svgBlip xmlns:asvg="http://schemas.microsoft.com/office/drawing/2016/SVG/main" r:embed="rId7"/>
+              </a:ext>
+            </a:extLst>
+          </a:blip>
+          <a:stretch>
+            <a:fillRect/>
+          </a:stretch>
+        </p:blipFill>
+        <p:spPr>
+          <a:xfrm>
+            <a:off x="5395696" y="2728091"/>
+            <a:ext cx="1409701" cy="1409701"/>
+          </a:xfrm>
+          <a:prstGeom prst="rect">
+            <a:avLst/>
+          </a:prstGeom>
+        </p:spPr>
+      </p:pic>
     </p:spTree>
     <p:extLst>
       <p:ext uri="{BB962C8B-B14F-4D97-AF65-F5344CB8AC3E}">
-        <p14:creationId xmlns:p14="http://schemas.microsoft.com/office/powerpoint/2010/main" val="3064814879"/>
+        <p14:creationId xmlns:p14="http://schemas.microsoft.com/office/powerpoint/2010/main" val="1794529971"/>
       </p:ext>
     </p:extLst>
   </p:cSld>
@@ -6226,10 +6096,10 @@
       </p:grpSpPr>
       <p:sp>
         <p:nvSpPr>
-          <p:cNvPr id="3" name="직사각형 2">
-            <a:extLst>
-              <a:ext uri="{FF2B5EF4-FFF2-40B4-BE49-F238E27FC236}">
-                <a16:creationId xmlns:a16="http://schemas.microsoft.com/office/drawing/2014/main" id="{AE2D6E9A-C8D3-4F57-95FE-317AFE2BC2A9}"/>
+          <p:cNvPr id="5" name="직사각형 4">
+            <a:extLst>
+              <a:ext uri="{FF2B5EF4-FFF2-40B4-BE49-F238E27FC236}">
+                <a16:creationId xmlns:a16="http://schemas.microsoft.com/office/drawing/2014/main" id="{D7ADDA23-EC11-4778-B289-6743D1362D42}"/>
               </a:ext>
             </a:extLst>
           </p:cNvPr>
@@ -6238,15 +6108,13 @@
         </p:nvSpPr>
         <p:spPr>
           <a:xfrm>
-            <a:off x="-765168" y="0"/>
-            <a:ext cx="13731867" cy="6858000"/>
+            <a:off x="1266825" y="136"/>
+            <a:ext cx="9658350" cy="6858000"/>
           </a:xfrm>
           <a:prstGeom prst="rect">
             <a:avLst/>
           </a:prstGeom>
-          <a:solidFill>
-            <a:schemeClr val="bg1"/>
-          </a:solidFill>
+          <a:noFill/>
           <a:ln>
             <a:noFill/>
           </a:ln>
@@ -6278,10 +6146,10 @@
       </p:sp>
       <p:sp>
         <p:nvSpPr>
-          <p:cNvPr id="63" name="직사각형 62">
-            <a:extLst>
-              <a:ext uri="{FF2B5EF4-FFF2-40B4-BE49-F238E27FC236}">
-                <a16:creationId xmlns:a16="http://schemas.microsoft.com/office/drawing/2014/main" id="{541068AD-6A61-4653-94EE-E3A1320E1C7E}"/>
+          <p:cNvPr id="2" name="타원 1">
+            <a:extLst>
+              <a:ext uri="{FF2B5EF4-FFF2-40B4-BE49-F238E27FC236}">
+                <a16:creationId xmlns:a16="http://schemas.microsoft.com/office/drawing/2014/main" id="{B6DC9A1A-8158-4B21-9AE5-6A30E0A72D29}"/>
               </a:ext>
             </a:extLst>
           </p:cNvPr>
@@ -6290,16 +6158,15 @@
         </p:nvSpPr>
         <p:spPr>
           <a:xfrm>
-            <a:off x="2741193" y="0"/>
-            <a:ext cx="3368681" cy="6858000"/>
-          </a:xfrm>
-          <a:prstGeom prst="rect">
+            <a:off x="5010149" y="2343149"/>
+            <a:ext cx="2171700" cy="2171700"/>
+          </a:xfrm>
+          <a:prstGeom prst="ellipse">
             <a:avLst/>
           </a:prstGeom>
           <a:solidFill>
-            <a:schemeClr val="accent5">
-              <a:lumMod val="20000"/>
-              <a:lumOff val="80000"/>
+            <a:schemeClr val="accent1">
+              <a:lumMod val="50000"/>
             </a:schemeClr>
           </a:solidFill>
           <a:ln>
@@ -6333,10 +6200,10 @@
       </p:sp>
       <p:sp>
         <p:nvSpPr>
-          <p:cNvPr id="60" name="직사각형 59">
-            <a:extLst>
-              <a:ext uri="{FF2B5EF4-FFF2-40B4-BE49-F238E27FC236}">
-                <a16:creationId xmlns:a16="http://schemas.microsoft.com/office/drawing/2014/main" id="{FCDB5A1A-C47C-4309-AF47-55078683541D}"/>
+          <p:cNvPr id="10" name="타원 9">
+            <a:extLst>
+              <a:ext uri="{FF2B5EF4-FFF2-40B4-BE49-F238E27FC236}">
+                <a16:creationId xmlns:a16="http://schemas.microsoft.com/office/drawing/2014/main" id="{9A9B60E4-2A13-452D-B967-372E077B3BB2}"/>
               </a:ext>
             </a:extLst>
           </p:cNvPr>
@@ -6345,17 +6212,14 @@
         </p:nvSpPr>
         <p:spPr>
           <a:xfrm>
-            <a:off x="6095999" y="0"/>
-            <a:ext cx="6870700" cy="6858000"/>
-          </a:xfrm>
-          <a:prstGeom prst="rect">
+            <a:off x="9029700" y="2809874"/>
+            <a:ext cx="1238250" cy="1238250"/>
+          </a:xfrm>
+          <a:prstGeom prst="ellipse">
             <a:avLst/>
           </a:prstGeom>
           <a:solidFill>
-            <a:schemeClr val="accent6">
-              <a:lumMod val="20000"/>
-              <a:lumOff val="80000"/>
-            </a:schemeClr>
+            <a:srgbClr val="006600"/>
           </a:solidFill>
           <a:ln>
             <a:noFill/>
@@ -6386,12 +6250,51 @@
           </a:p>
         </p:txBody>
       </p:sp>
-      <p:sp>
-        <p:nvSpPr>
-          <p:cNvPr id="2" name="직사각형 1">
-            <a:extLst>
-              <a:ext uri="{FF2B5EF4-FFF2-40B4-BE49-F238E27FC236}">
-                <a16:creationId xmlns:a16="http://schemas.microsoft.com/office/drawing/2014/main" id="{442D5DB4-3CBC-44B9-B9E9-2DC6F47FD7D1}"/>
+      <p:pic>
+        <p:nvPicPr>
+          <p:cNvPr id="7" name="그래픽 6" descr="자물쇠">
+            <a:extLst>
+              <a:ext uri="{FF2B5EF4-FFF2-40B4-BE49-F238E27FC236}">
+                <a16:creationId xmlns:a16="http://schemas.microsoft.com/office/drawing/2014/main" id="{F8C8F9BB-B723-4D25-A7B4-4A2CFA35BCF5}"/>
+              </a:ext>
+            </a:extLst>
+          </p:cNvPr>
+          <p:cNvPicPr>
+            <a:picLocks noChangeAspect="1"/>
+          </p:cNvPicPr>
+          <p:nvPr/>
+        </p:nvPicPr>
+        <p:blipFill>
+          <a:blip r:embed="rId2">
+            <a:extLst>
+              <a:ext uri="{28A0092B-C50C-407E-A947-70E740481C1C}">
+                <a14:useLocalDpi xmlns:a14="http://schemas.microsoft.com/office/drawing/2010/main" val="0"/>
+              </a:ext>
+              <a:ext uri="{96DAC541-7B7A-43D3-8B79-37D633B846F1}">
+                <asvg:svgBlip xmlns:asvg="http://schemas.microsoft.com/office/drawing/2016/SVG/main" r:embed="rId3"/>
+              </a:ext>
+            </a:extLst>
+          </a:blip>
+          <a:stretch>
+            <a:fillRect/>
+          </a:stretch>
+        </p:blipFill>
+        <p:spPr>
+          <a:xfrm>
+            <a:off x="9253537" y="3033711"/>
+            <a:ext cx="790575" cy="790575"/>
+          </a:xfrm>
+          <a:prstGeom prst="rect">
+            <a:avLst/>
+          </a:prstGeom>
+        </p:spPr>
+      </p:pic>
+      <p:sp>
+        <p:nvSpPr>
+          <p:cNvPr id="19" name="타원 18">
+            <a:extLst>
+              <a:ext uri="{FF2B5EF4-FFF2-40B4-BE49-F238E27FC236}">
+                <a16:creationId xmlns:a16="http://schemas.microsoft.com/office/drawing/2014/main" id="{941AE4C9-CC52-4204-B4A8-E10C29E6007E}"/>
               </a:ext>
             </a:extLst>
           </p:cNvPr>
@@ -6400,19 +6303,17 @@
         </p:nvSpPr>
         <p:spPr>
           <a:xfrm>
-            <a:off x="3638549" y="457192"/>
-            <a:ext cx="1495425" cy="714375"/>
-          </a:xfrm>
-          <a:prstGeom prst="rect">
+            <a:off x="1924048" y="2809875"/>
+            <a:ext cx="1238250" cy="1238250"/>
+          </a:xfrm>
+          <a:prstGeom prst="ellipse">
             <a:avLst/>
           </a:prstGeom>
           <a:solidFill>
-            <a:schemeClr val="bg1"/>
+            <a:srgbClr val="006600"/>
           </a:solidFill>
-          <a:ln w="15875">
-            <a:solidFill>
-              <a:schemeClr val="tx1"/>
-            </a:solidFill>
+          <a:ln>
+            <a:noFill/>
           </a:ln>
         </p:spPr>
         <p:style>
@@ -6436,25 +6337,55 @@
           <a:lstStyle/>
           <a:p>
             <a:pPr algn="ctr"/>
-            <a:r>
-              <a:rPr lang="en-US" altLang="ko-KR" sz="1200" dirty="0">
-                <a:solidFill>
-                  <a:schemeClr val="tx1"/>
-                </a:solidFill>
-                <a:latin typeface="AppleSDGothicNeoM00" panose="02000503000000000000" pitchFamily="2" charset="-127"/>
-                <a:ea typeface="AppleSDGothicNeoM00" panose="02000503000000000000" pitchFamily="2" charset="-127"/>
-              </a:rPr>
-              <a:t>Consumer</a:t>
-            </a:r>
-          </a:p>
-        </p:txBody>
-      </p:sp>
-      <p:sp>
-        <p:nvSpPr>
-          <p:cNvPr id="5" name="직사각형 4">
-            <a:extLst>
-              <a:ext uri="{FF2B5EF4-FFF2-40B4-BE49-F238E27FC236}">
-                <a16:creationId xmlns:a16="http://schemas.microsoft.com/office/drawing/2014/main" id="{B198BC91-B78F-4041-8DB9-63DB9231F9DD}"/>
+            <a:endParaRPr lang="ko-KR" altLang="en-US"/>
+          </a:p>
+        </p:txBody>
+      </p:sp>
+      <p:pic>
+        <p:nvPicPr>
+          <p:cNvPr id="20" name="그래픽 19" descr="자물쇠">
+            <a:extLst>
+              <a:ext uri="{FF2B5EF4-FFF2-40B4-BE49-F238E27FC236}">
+                <a16:creationId xmlns:a16="http://schemas.microsoft.com/office/drawing/2014/main" id="{187298A4-A6F0-4D4A-A998-97D038BACF18}"/>
+              </a:ext>
+            </a:extLst>
+          </p:cNvPr>
+          <p:cNvPicPr>
+            <a:picLocks noChangeAspect="1"/>
+          </p:cNvPicPr>
+          <p:nvPr/>
+        </p:nvPicPr>
+        <p:blipFill>
+          <a:blip r:embed="rId2">
+            <a:extLst>
+              <a:ext uri="{28A0092B-C50C-407E-A947-70E740481C1C}">
+                <a14:useLocalDpi xmlns:a14="http://schemas.microsoft.com/office/drawing/2010/main" val="0"/>
+              </a:ext>
+              <a:ext uri="{96DAC541-7B7A-43D3-8B79-37D633B846F1}">
+                <asvg:svgBlip xmlns:asvg="http://schemas.microsoft.com/office/drawing/2016/SVG/main" r:embed="rId3"/>
+              </a:ext>
+            </a:extLst>
+          </a:blip>
+          <a:stretch>
+            <a:fillRect/>
+          </a:stretch>
+        </p:blipFill>
+        <p:spPr>
+          <a:xfrm>
+            <a:off x="2143123" y="3028949"/>
+            <a:ext cx="790575" cy="790575"/>
+          </a:xfrm>
+          <a:prstGeom prst="rect">
+            <a:avLst/>
+          </a:prstGeom>
+        </p:spPr>
+      </p:pic>
+      <p:sp>
+        <p:nvSpPr>
+          <p:cNvPr id="32" name="타원 31">
+            <a:extLst>
+              <a:ext uri="{FF2B5EF4-FFF2-40B4-BE49-F238E27FC236}">
+                <a16:creationId xmlns:a16="http://schemas.microsoft.com/office/drawing/2014/main" id="{E9B345A8-A4BB-468C-A8B6-D051F57CDE38}"/>
               </a:ext>
             </a:extLst>
           </p:cNvPr>
@@ -6463,19 +6394,17 @@
         </p:nvSpPr>
         <p:spPr>
           <a:xfrm>
-            <a:off x="219071" y="457192"/>
-            <a:ext cx="1495425" cy="714375"/>
-          </a:xfrm>
-          <a:prstGeom prst="rect">
+            <a:off x="8015287" y="489346"/>
+            <a:ext cx="1238250" cy="1238250"/>
+          </a:xfrm>
+          <a:prstGeom prst="ellipse">
             <a:avLst/>
           </a:prstGeom>
           <a:solidFill>
-            <a:schemeClr val="bg1"/>
+            <a:srgbClr val="006600"/>
           </a:solidFill>
-          <a:ln w="15875">
-            <a:solidFill>
-              <a:schemeClr val="tx1"/>
-            </a:solidFill>
+          <a:ln>
+            <a:noFill/>
           </a:ln>
         </p:spPr>
         <p:style>
@@ -6499,32 +6428,16 @@
           <a:lstStyle/>
           <a:p>
             <a:pPr algn="ctr"/>
-            <a:r>
-              <a:rPr lang="en-US" altLang="ko-KR" sz="1200" dirty="0">
-                <a:solidFill>
-                  <a:schemeClr val="tx1"/>
-                </a:solidFill>
-                <a:latin typeface="AppleSDGothicNeoM00" panose="02000503000000000000" pitchFamily="2" charset="-127"/>
-                <a:ea typeface="AppleSDGothicNeoM00" panose="02000503000000000000" pitchFamily="2" charset="-127"/>
-              </a:rPr>
-              <a:t>User</a:t>
-            </a:r>
-            <a:endParaRPr lang="ko-KR" altLang="en-US" sz="1200" dirty="0">
-              <a:solidFill>
-                <a:schemeClr val="tx1"/>
-              </a:solidFill>
-              <a:latin typeface="AppleSDGothicNeoM00" panose="02000503000000000000" pitchFamily="2" charset="-127"/>
-              <a:ea typeface="AppleSDGothicNeoM00" panose="02000503000000000000" pitchFamily="2" charset="-127"/>
-            </a:endParaRPr>
-          </a:p>
-        </p:txBody>
-      </p:sp>
-      <p:sp>
-        <p:nvSpPr>
-          <p:cNvPr id="6" name="직사각형 5">
-            <a:extLst>
-              <a:ext uri="{FF2B5EF4-FFF2-40B4-BE49-F238E27FC236}">
-                <a16:creationId xmlns:a16="http://schemas.microsoft.com/office/drawing/2014/main" id="{524AEE3A-B5F9-40F6-B4E2-722CD76C47EA}"/>
+            <a:endParaRPr lang="ko-KR" altLang="en-US"/>
+          </a:p>
+        </p:txBody>
+      </p:sp>
+      <p:sp>
+        <p:nvSpPr>
+          <p:cNvPr id="33" name="타원 32">
+            <a:extLst>
+              <a:ext uri="{FF2B5EF4-FFF2-40B4-BE49-F238E27FC236}">
+                <a16:creationId xmlns:a16="http://schemas.microsoft.com/office/drawing/2014/main" id="{D1C92F02-A060-4EBA-8251-DCCA60EE1648}"/>
               </a:ext>
             </a:extLst>
           </p:cNvPr>
@@ -6533,19 +6446,17 @@
         </p:nvSpPr>
         <p:spPr>
           <a:xfrm>
-            <a:off x="7058027" y="457192"/>
-            <a:ext cx="1495425" cy="714375"/>
-          </a:xfrm>
-          <a:prstGeom prst="rect">
+            <a:off x="8015287" y="5130404"/>
+            <a:ext cx="1238250" cy="1238250"/>
+          </a:xfrm>
+          <a:prstGeom prst="ellipse">
             <a:avLst/>
           </a:prstGeom>
           <a:solidFill>
-            <a:schemeClr val="bg1"/>
+            <a:srgbClr val="006600"/>
           </a:solidFill>
-          <a:ln w="15875">
-            <a:solidFill>
-              <a:schemeClr val="tx1"/>
-            </a:solidFill>
+          <a:ln>
+            <a:noFill/>
           </a:ln>
         </p:spPr>
         <p:style>
@@ -6569,45 +6480,16 @@
           <a:lstStyle/>
           <a:p>
             <a:pPr algn="ctr"/>
-            <a:r>
-              <a:rPr lang="en-US" altLang="ko-KR" sz="1200" dirty="0">
-                <a:solidFill>
-                  <a:schemeClr val="tx1"/>
-                </a:solidFill>
-                <a:latin typeface="AppleSDGothicNeoM00" panose="02000503000000000000" pitchFamily="2" charset="-127"/>
-                <a:ea typeface="AppleSDGothicNeoM00" panose="02000503000000000000" pitchFamily="2" charset="-127"/>
-              </a:rPr>
-              <a:t>Service Provider</a:t>
-            </a:r>
-          </a:p>
-          <a:p>
-            <a:pPr algn="ctr"/>
-            <a:r>
-              <a:rPr lang="en-US" altLang="ko-KR" sz="1200" dirty="0">
-                <a:solidFill>
-                  <a:schemeClr val="tx1"/>
-                </a:solidFill>
-                <a:latin typeface="AppleSDGothicNeoM00" panose="02000503000000000000" pitchFamily="2" charset="-127"/>
-                <a:ea typeface="AppleSDGothicNeoM00" panose="02000503000000000000" pitchFamily="2" charset="-127"/>
-              </a:rPr>
-              <a:t>Authentication</a:t>
-            </a:r>
-            <a:endParaRPr lang="ko-KR" altLang="en-US" sz="1200" dirty="0">
-              <a:solidFill>
-                <a:schemeClr val="tx1"/>
-              </a:solidFill>
-              <a:latin typeface="AppleSDGothicNeoM00" panose="02000503000000000000" pitchFamily="2" charset="-127"/>
-              <a:ea typeface="AppleSDGothicNeoM00" panose="02000503000000000000" pitchFamily="2" charset="-127"/>
-            </a:endParaRPr>
-          </a:p>
-        </p:txBody>
-      </p:sp>
-      <p:sp>
-        <p:nvSpPr>
-          <p:cNvPr id="7" name="직사각형 6">
-            <a:extLst>
-              <a:ext uri="{FF2B5EF4-FFF2-40B4-BE49-F238E27FC236}">
-                <a16:creationId xmlns:a16="http://schemas.microsoft.com/office/drawing/2014/main" id="{3765916A-3F73-4BBC-9184-C73147D1FDBE}"/>
+            <a:endParaRPr lang="ko-KR" altLang="en-US"/>
+          </a:p>
+        </p:txBody>
+      </p:sp>
+      <p:sp>
+        <p:nvSpPr>
+          <p:cNvPr id="34" name="타원 33">
+            <a:extLst>
+              <a:ext uri="{FF2B5EF4-FFF2-40B4-BE49-F238E27FC236}">
+                <a16:creationId xmlns:a16="http://schemas.microsoft.com/office/drawing/2014/main" id="{44FA1724-CD45-4BD8-8E6F-610A12CF6D04}"/>
               </a:ext>
             </a:extLst>
           </p:cNvPr>
@@ -6616,19 +6498,17 @@
         </p:nvSpPr>
         <p:spPr>
           <a:xfrm>
-            <a:off x="10477505" y="457192"/>
-            <a:ext cx="1495425" cy="714375"/>
-          </a:xfrm>
-          <a:prstGeom prst="rect">
+            <a:off x="2933698" y="489346"/>
+            <a:ext cx="1238250" cy="1238250"/>
+          </a:xfrm>
+          <a:prstGeom prst="ellipse">
             <a:avLst/>
           </a:prstGeom>
           <a:solidFill>
-            <a:schemeClr val="bg1"/>
+            <a:srgbClr val="006600"/>
           </a:solidFill>
-          <a:ln w="15875">
-            <a:solidFill>
-              <a:schemeClr val="tx1"/>
-            </a:solidFill>
+          <a:ln>
+            <a:noFill/>
           </a:ln>
         </p:spPr>
         <p:style>
@@ -6652,66 +6532,250 @@
           <a:lstStyle/>
           <a:p>
             <a:pPr algn="ctr"/>
-            <a:r>
-              <a:rPr lang="en-US" altLang="ko-KR" sz="1200" dirty="0">
-                <a:solidFill>
-                  <a:schemeClr val="tx1"/>
-                </a:solidFill>
-                <a:latin typeface="AppleSDGothicNeoM00" panose="02000503000000000000" pitchFamily="2" charset="-127"/>
-                <a:ea typeface="AppleSDGothicNeoM00" panose="02000503000000000000" pitchFamily="2" charset="-127"/>
-              </a:rPr>
-              <a:t>Service Provider</a:t>
-            </a:r>
-          </a:p>
+            <a:endParaRPr lang="ko-KR" altLang="en-US"/>
+          </a:p>
+        </p:txBody>
+      </p:sp>
+      <p:sp>
+        <p:nvSpPr>
+          <p:cNvPr id="35" name="타원 34">
+            <a:extLst>
+              <a:ext uri="{FF2B5EF4-FFF2-40B4-BE49-F238E27FC236}">
+                <a16:creationId xmlns:a16="http://schemas.microsoft.com/office/drawing/2014/main" id="{CA649154-642D-44B9-B25A-A5C320AE3313}"/>
+              </a:ext>
+            </a:extLst>
+          </p:cNvPr>
+          <p:cNvSpPr/>
+          <p:nvPr/>
+        </p:nvSpPr>
+        <p:spPr>
+          <a:xfrm>
+            <a:off x="2933698" y="5130404"/>
+            <a:ext cx="1238250" cy="1238250"/>
+          </a:xfrm>
+          <a:prstGeom prst="ellipse">
+            <a:avLst/>
+          </a:prstGeom>
+          <a:solidFill>
+            <a:srgbClr val="006600"/>
+          </a:solidFill>
+          <a:ln>
+            <a:noFill/>
+          </a:ln>
+        </p:spPr>
+        <p:style>
+          <a:lnRef idx="2">
+            <a:schemeClr val="accent1">
+              <a:shade val="50000"/>
+            </a:schemeClr>
+          </a:lnRef>
+          <a:fillRef idx="1">
+            <a:schemeClr val="accent1"/>
+          </a:fillRef>
+          <a:effectRef idx="0">
+            <a:schemeClr val="accent1"/>
+          </a:effectRef>
+          <a:fontRef idx="minor">
+            <a:schemeClr val="lt1"/>
+          </a:fontRef>
+        </p:style>
+        <p:txBody>
+          <a:bodyPr rtlCol="0" anchor="ctr"/>
+          <a:lstStyle/>
           <a:p>
             <a:pPr algn="ctr"/>
-            <a:r>
-              <a:rPr lang="en-US" altLang="ko-KR" sz="1200" dirty="0">
-                <a:solidFill>
-                  <a:schemeClr val="tx1"/>
-                </a:solidFill>
-                <a:latin typeface="AppleSDGothicNeoM00" panose="02000503000000000000" pitchFamily="2" charset="-127"/>
-                <a:ea typeface="AppleSDGothicNeoM00" panose="02000503000000000000" pitchFamily="2" charset="-127"/>
-              </a:rPr>
-              <a:t>Resource</a:t>
-            </a:r>
-            <a:endParaRPr lang="ko-KR" altLang="en-US" sz="1200" dirty="0">
-              <a:solidFill>
-                <a:schemeClr val="tx1"/>
-              </a:solidFill>
-              <a:latin typeface="AppleSDGothicNeoM00" panose="02000503000000000000" pitchFamily="2" charset="-127"/>
-              <a:ea typeface="AppleSDGothicNeoM00" panose="02000503000000000000" pitchFamily="2" charset="-127"/>
-            </a:endParaRPr>
-          </a:p>
-        </p:txBody>
-      </p:sp>
+            <a:endParaRPr lang="ko-KR" altLang="en-US"/>
+          </a:p>
+        </p:txBody>
+      </p:sp>
+      <p:pic>
+        <p:nvPicPr>
+          <p:cNvPr id="38" name="그래픽 37" descr="자물쇠">
+            <a:extLst>
+              <a:ext uri="{FF2B5EF4-FFF2-40B4-BE49-F238E27FC236}">
+                <a16:creationId xmlns:a16="http://schemas.microsoft.com/office/drawing/2014/main" id="{305930F2-5717-404E-B1C7-3374329527E6}"/>
+              </a:ext>
+            </a:extLst>
+          </p:cNvPr>
+          <p:cNvPicPr>
+            <a:picLocks noChangeAspect="1"/>
+          </p:cNvPicPr>
+          <p:nvPr/>
+        </p:nvPicPr>
+        <p:blipFill>
+          <a:blip r:embed="rId2">
+            <a:extLst>
+              <a:ext uri="{28A0092B-C50C-407E-A947-70E740481C1C}">
+                <a14:useLocalDpi xmlns:a14="http://schemas.microsoft.com/office/drawing/2010/main" val="0"/>
+              </a:ext>
+              <a:ext uri="{96DAC541-7B7A-43D3-8B79-37D633B846F1}">
+                <asvg:svgBlip xmlns:asvg="http://schemas.microsoft.com/office/drawing/2016/SVG/main" r:embed="rId3"/>
+              </a:ext>
+            </a:extLst>
+          </a:blip>
+          <a:stretch>
+            <a:fillRect/>
+          </a:stretch>
+        </p:blipFill>
+        <p:spPr>
+          <a:xfrm>
+            <a:off x="3152773" y="697109"/>
+            <a:ext cx="790575" cy="790575"/>
+          </a:xfrm>
+          <a:prstGeom prst="rect">
+            <a:avLst/>
+          </a:prstGeom>
+        </p:spPr>
+      </p:pic>
+      <p:pic>
+        <p:nvPicPr>
+          <p:cNvPr id="40" name="그래픽 39" descr="자물쇠">
+            <a:extLst>
+              <a:ext uri="{FF2B5EF4-FFF2-40B4-BE49-F238E27FC236}">
+                <a16:creationId xmlns:a16="http://schemas.microsoft.com/office/drawing/2014/main" id="{06789C9B-5409-4DAE-B7F5-F469702C6699}"/>
+              </a:ext>
+            </a:extLst>
+          </p:cNvPr>
+          <p:cNvPicPr>
+            <a:picLocks noChangeAspect="1"/>
+          </p:cNvPicPr>
+          <p:nvPr/>
+        </p:nvPicPr>
+        <p:blipFill>
+          <a:blip r:embed="rId2">
+            <a:extLst>
+              <a:ext uri="{28A0092B-C50C-407E-A947-70E740481C1C}">
+                <a14:useLocalDpi xmlns:a14="http://schemas.microsoft.com/office/drawing/2010/main" val="0"/>
+              </a:ext>
+              <a:ext uri="{96DAC541-7B7A-43D3-8B79-37D633B846F1}">
+                <asvg:svgBlip xmlns:asvg="http://schemas.microsoft.com/office/drawing/2016/SVG/main" r:embed="rId3"/>
+              </a:ext>
+            </a:extLst>
+          </a:blip>
+          <a:stretch>
+            <a:fillRect/>
+          </a:stretch>
+        </p:blipFill>
+        <p:spPr>
+          <a:xfrm>
+            <a:off x="3152773" y="5349478"/>
+            <a:ext cx="790575" cy="790575"/>
+          </a:xfrm>
+          <a:prstGeom prst="rect">
+            <a:avLst/>
+          </a:prstGeom>
+        </p:spPr>
+      </p:pic>
+      <p:pic>
+        <p:nvPicPr>
+          <p:cNvPr id="42" name="그래픽 41" descr="자물쇠">
+            <a:extLst>
+              <a:ext uri="{FF2B5EF4-FFF2-40B4-BE49-F238E27FC236}">
+                <a16:creationId xmlns:a16="http://schemas.microsoft.com/office/drawing/2014/main" id="{9AE49A61-0B22-47D8-85D0-8CE7759DF9CA}"/>
+              </a:ext>
+            </a:extLst>
+          </p:cNvPr>
+          <p:cNvPicPr>
+            <a:picLocks noChangeAspect="1"/>
+          </p:cNvPicPr>
+          <p:nvPr/>
+        </p:nvPicPr>
+        <p:blipFill>
+          <a:blip r:embed="rId2">
+            <a:extLst>
+              <a:ext uri="{28A0092B-C50C-407E-A947-70E740481C1C}">
+                <a14:useLocalDpi xmlns:a14="http://schemas.microsoft.com/office/drawing/2010/main" val="0"/>
+              </a:ext>
+              <a:ext uri="{96DAC541-7B7A-43D3-8B79-37D633B846F1}">
+                <asvg:svgBlip xmlns:asvg="http://schemas.microsoft.com/office/drawing/2016/SVG/main" r:embed="rId3"/>
+              </a:ext>
+            </a:extLst>
+          </a:blip>
+          <a:stretch>
+            <a:fillRect/>
+          </a:stretch>
+        </p:blipFill>
+        <p:spPr>
+          <a:xfrm>
+            <a:off x="8234362" y="5349476"/>
+            <a:ext cx="790575" cy="790575"/>
+          </a:xfrm>
+          <a:prstGeom prst="rect">
+            <a:avLst/>
+          </a:prstGeom>
+        </p:spPr>
+      </p:pic>
+      <p:pic>
+        <p:nvPicPr>
+          <p:cNvPr id="44" name="그래픽 43" descr="자물쇠">
+            <a:extLst>
+              <a:ext uri="{FF2B5EF4-FFF2-40B4-BE49-F238E27FC236}">
+                <a16:creationId xmlns:a16="http://schemas.microsoft.com/office/drawing/2014/main" id="{8596E7AB-B227-4C9F-ACCD-59791EA0FE1F}"/>
+              </a:ext>
+            </a:extLst>
+          </p:cNvPr>
+          <p:cNvPicPr>
+            <a:picLocks noChangeAspect="1"/>
+          </p:cNvPicPr>
+          <p:nvPr/>
+        </p:nvPicPr>
+        <p:blipFill>
+          <a:blip r:embed="rId2">
+            <a:extLst>
+              <a:ext uri="{28A0092B-C50C-407E-A947-70E740481C1C}">
+                <a14:useLocalDpi xmlns:a14="http://schemas.microsoft.com/office/drawing/2010/main" val="0"/>
+              </a:ext>
+              <a:ext uri="{96DAC541-7B7A-43D3-8B79-37D633B846F1}">
+                <asvg:svgBlip xmlns:asvg="http://schemas.microsoft.com/office/drawing/2016/SVG/main" r:embed="rId3"/>
+              </a:ext>
+            </a:extLst>
+          </a:blip>
+          <a:stretch>
+            <a:fillRect/>
+          </a:stretch>
+        </p:blipFill>
+        <p:spPr>
+          <a:xfrm>
+            <a:off x="8234362" y="708419"/>
+            <a:ext cx="790575" cy="790575"/>
+          </a:xfrm>
+          <a:prstGeom prst="rect">
+            <a:avLst/>
+          </a:prstGeom>
+        </p:spPr>
+      </p:pic>
       <p:cxnSp>
         <p:nvCxnSpPr>
-          <p:cNvPr id="9" name="직선 연결선 8">
-            <a:extLst>
-              <a:ext uri="{FF2B5EF4-FFF2-40B4-BE49-F238E27FC236}">
-                <a16:creationId xmlns:a16="http://schemas.microsoft.com/office/drawing/2014/main" id="{94DDD840-7F6A-4F35-A8D7-B802B5E56567}"/>
+          <p:cNvPr id="13" name="직선 화살표 연결선 12">
+            <a:extLst>
+              <a:ext uri="{FF2B5EF4-FFF2-40B4-BE49-F238E27FC236}">
+                <a16:creationId xmlns:a16="http://schemas.microsoft.com/office/drawing/2014/main" id="{3F84788A-CACF-4E6E-BE2E-0D6F2482CD3A}"/>
               </a:ext>
             </a:extLst>
           </p:cNvPr>
           <p:cNvCxnSpPr>
-            <a:stCxn id="5" idx="2"/>
+            <a:stCxn id="34" idx="5"/>
+            <a:endCxn id="2" idx="1"/>
           </p:cNvCxnSpPr>
           <p:nvPr/>
         </p:nvCxnSpPr>
         <p:spPr>
-          <a:xfrm flipH="1">
-            <a:off x="947734" y="1171567"/>
-            <a:ext cx="19050" cy="5229237"/>
-          </a:xfrm>
-          <a:prstGeom prst="line">
-            <a:avLst/>
-          </a:prstGeom>
-          <a:ln w="12700">
+          <a:xfrm>
+            <a:off x="3990610" y="1546258"/>
+            <a:ext cx="1337577" cy="1114929"/>
+          </a:xfrm>
+          <a:prstGeom prst="straightConnector1">
+            <a:avLst/>
+          </a:prstGeom>
+          <a:ln w="19050">
             <a:solidFill>
-              <a:schemeClr val="tx1"/>
+              <a:schemeClr val="bg2">
+                <a:lumMod val="50000"/>
+              </a:schemeClr>
             </a:solidFill>
             <a:prstDash val="dash"/>
+            <a:headEnd type="triangle"/>
+            <a:tailEnd type="triangle"/>
           </a:ln>
         </p:spPr>
         <p:style>
@@ -6731,31 +6795,35 @@
       </p:cxnSp>
       <p:cxnSp>
         <p:nvCxnSpPr>
-          <p:cNvPr id="17" name="직선 연결선 16">
-            <a:extLst>
-              <a:ext uri="{FF2B5EF4-FFF2-40B4-BE49-F238E27FC236}">
-                <a16:creationId xmlns:a16="http://schemas.microsoft.com/office/drawing/2014/main" id="{06B8ADE0-DC9B-446C-85C6-8BBB2614C209}"/>
+          <p:cNvPr id="45" name="직선 화살표 연결선 44">
+            <a:extLst>
+              <a:ext uri="{FF2B5EF4-FFF2-40B4-BE49-F238E27FC236}">
+                <a16:creationId xmlns:a16="http://schemas.microsoft.com/office/drawing/2014/main" id="{A5FEFBBA-D7C0-4CF6-87DD-FAEAD2613511}"/>
               </a:ext>
             </a:extLst>
           </p:cNvPr>
           <p:cNvCxnSpPr>
-            <a:stCxn id="2" idx="2"/>
+            <a:cxnSpLocks/>
+            <a:stCxn id="19" idx="6"/>
+            <a:endCxn id="2" idx="2"/>
           </p:cNvCxnSpPr>
           <p:nvPr/>
         </p:nvCxnSpPr>
         <p:spPr>
-          <a:xfrm flipH="1">
-            <a:off x="4386261" y="1171567"/>
-            <a:ext cx="1" cy="5229237"/>
-          </a:xfrm>
-          <a:prstGeom prst="line">
-            <a:avLst/>
-          </a:prstGeom>
-          <a:ln w="12700">
+          <a:xfrm flipV="1">
+            <a:off x="3162298" y="3428999"/>
+            <a:ext cx="1847851" cy="1"/>
+          </a:xfrm>
+          <a:prstGeom prst="straightConnector1">
+            <a:avLst/>
+          </a:prstGeom>
+          <a:ln w="19050">
             <a:solidFill>
-              <a:schemeClr val="tx1"/>
+              <a:srgbClr val="FF0000"/>
             </a:solidFill>
             <a:prstDash val="dash"/>
+            <a:headEnd type="triangle"/>
+            <a:tailEnd type="triangle"/>
           </a:ln>
         </p:spPr>
         <p:style>
@@ -6775,31 +6843,36 @@
       </p:cxnSp>
       <p:cxnSp>
         <p:nvCxnSpPr>
-          <p:cNvPr id="25" name="직선 연결선 24">
-            <a:extLst>
-              <a:ext uri="{FF2B5EF4-FFF2-40B4-BE49-F238E27FC236}">
-                <a16:creationId xmlns:a16="http://schemas.microsoft.com/office/drawing/2014/main" id="{7CDE3204-51A8-4E9F-955A-AFAAE9A6CB33}"/>
+          <p:cNvPr id="46" name="직선 화살표 연결선 45">
+            <a:extLst>
+              <a:ext uri="{FF2B5EF4-FFF2-40B4-BE49-F238E27FC236}">
+                <a16:creationId xmlns:a16="http://schemas.microsoft.com/office/drawing/2014/main" id="{A9A574B3-C8BC-4B81-A48A-59D5F2CB02D7}"/>
               </a:ext>
             </a:extLst>
           </p:cNvPr>
           <p:cNvCxnSpPr>
-            <a:stCxn id="6" idx="2"/>
+            <a:cxnSpLocks/>
+            <a:endCxn id="2" idx="3"/>
           </p:cNvCxnSpPr>
           <p:nvPr/>
         </p:nvCxnSpPr>
         <p:spPr>
-          <a:xfrm flipH="1">
-            <a:off x="7805739" y="1171567"/>
-            <a:ext cx="1" cy="5229238"/>
-          </a:xfrm>
-          <a:prstGeom prst="line">
-            <a:avLst/>
-          </a:prstGeom>
-          <a:ln w="12700">
+          <a:xfrm flipV="1">
+            <a:off x="3990610" y="4196811"/>
+            <a:ext cx="1337577" cy="1085850"/>
+          </a:xfrm>
+          <a:prstGeom prst="straightConnector1">
+            <a:avLst/>
+          </a:prstGeom>
+          <a:ln w="19050">
             <a:solidFill>
-              <a:schemeClr val="tx1"/>
+              <a:schemeClr val="bg2">
+                <a:lumMod val="50000"/>
+              </a:schemeClr>
             </a:solidFill>
             <a:prstDash val="dash"/>
+            <a:headEnd type="triangle"/>
+            <a:tailEnd type="triangle"/>
           </a:ln>
         </p:spPr>
         <p:style>
@@ -6819,31 +6892,37 @@
       </p:cxnSp>
       <p:cxnSp>
         <p:nvCxnSpPr>
-          <p:cNvPr id="29" name="직선 연결선 28">
-            <a:extLst>
-              <a:ext uri="{FF2B5EF4-FFF2-40B4-BE49-F238E27FC236}">
-                <a16:creationId xmlns:a16="http://schemas.microsoft.com/office/drawing/2014/main" id="{DE3F1C9D-07A8-49D4-853A-B2585C8FBC48}"/>
+          <p:cNvPr id="48" name="직선 화살표 연결선 47">
+            <a:extLst>
+              <a:ext uri="{FF2B5EF4-FFF2-40B4-BE49-F238E27FC236}">
+                <a16:creationId xmlns:a16="http://schemas.microsoft.com/office/drawing/2014/main" id="{69361592-4420-4120-93D3-7C9EB20305D7}"/>
               </a:ext>
             </a:extLst>
           </p:cNvPr>
           <p:cNvCxnSpPr>
-            <a:stCxn id="7" idx="2"/>
+            <a:cxnSpLocks/>
+            <a:stCxn id="33" idx="1"/>
+            <a:endCxn id="2" idx="5"/>
           </p:cNvCxnSpPr>
           <p:nvPr/>
         </p:nvCxnSpPr>
         <p:spPr>
-          <a:xfrm flipH="1">
-            <a:off x="11225217" y="1171567"/>
-            <a:ext cx="1" cy="5229237"/>
-          </a:xfrm>
-          <a:prstGeom prst="line">
-            <a:avLst/>
-          </a:prstGeom>
-          <a:ln w="12700">
+          <a:xfrm flipH="1" flipV="1">
+            <a:off x="6863811" y="4196811"/>
+            <a:ext cx="1332814" cy="1114931"/>
+          </a:xfrm>
+          <a:prstGeom prst="straightConnector1">
+            <a:avLst/>
+          </a:prstGeom>
+          <a:ln w="19050">
             <a:solidFill>
-              <a:schemeClr val="tx1"/>
+              <a:schemeClr val="bg2">
+                <a:lumMod val="50000"/>
+              </a:schemeClr>
             </a:solidFill>
             <a:prstDash val="dash"/>
+            <a:headEnd type="triangle"/>
+            <a:tailEnd type="triangle"/>
           </a:ln>
         </p:spPr>
         <p:style>
@@ -6863,30 +6942,36 @@
       </p:cxnSp>
       <p:cxnSp>
         <p:nvCxnSpPr>
-          <p:cNvPr id="43" name="직선 화살표 연결선 42">
-            <a:extLst>
-              <a:ext uri="{FF2B5EF4-FFF2-40B4-BE49-F238E27FC236}">
-                <a16:creationId xmlns:a16="http://schemas.microsoft.com/office/drawing/2014/main" id="{6789F9D4-C908-4EB3-A243-31B514D70235}"/>
+          <p:cNvPr id="51" name="직선 화살표 연결선 50">
+            <a:extLst>
+              <a:ext uri="{FF2B5EF4-FFF2-40B4-BE49-F238E27FC236}">
+                <a16:creationId xmlns:a16="http://schemas.microsoft.com/office/drawing/2014/main" id="{09592721-CF43-45E1-9A5A-F2CEDBA1861C}"/>
               </a:ext>
             </a:extLst>
           </p:cNvPr>
           <p:cNvCxnSpPr>
             <a:cxnSpLocks/>
+            <a:stCxn id="10" idx="2"/>
+            <a:endCxn id="2" idx="6"/>
           </p:cNvCxnSpPr>
           <p:nvPr/>
         </p:nvCxnSpPr>
         <p:spPr>
-          <a:xfrm>
-            <a:off x="966784" y="1612900"/>
-            <a:ext cx="3419477" cy="0"/>
+          <a:xfrm flipH="1">
+            <a:off x="7181849" y="3428999"/>
+            <a:ext cx="1847851" cy="0"/>
           </a:xfrm>
           <a:prstGeom prst="straightConnector1">
             <a:avLst/>
           </a:prstGeom>
-          <a:ln w="12700">
+          <a:ln w="19050">
             <a:solidFill>
-              <a:schemeClr val="tx1"/>
+              <a:schemeClr val="bg2">
+                <a:lumMod val="50000"/>
+              </a:schemeClr>
             </a:solidFill>
+            <a:prstDash val="dash"/>
+            <a:headEnd type="triangle"/>
             <a:tailEnd type="triangle"/>
           </a:ln>
         </p:spPr>
@@ -6905,78 +6990,36 @@
           </a:fontRef>
         </p:style>
       </p:cxnSp>
-      <p:sp>
-        <p:nvSpPr>
-          <p:cNvPr id="44" name="TextBox 43">
-            <a:extLst>
-              <a:ext uri="{FF2B5EF4-FFF2-40B4-BE49-F238E27FC236}">
-                <a16:creationId xmlns:a16="http://schemas.microsoft.com/office/drawing/2014/main" id="{D2CCABE0-6A32-4C54-BB85-81DE454DD445}"/>
-              </a:ext>
-            </a:extLst>
-          </p:cNvPr>
-          <p:cNvSpPr txBox="1"/>
-          <p:nvPr/>
-        </p:nvSpPr>
-        <p:spPr>
-          <a:xfrm>
-            <a:off x="1915738" y="1305123"/>
-            <a:ext cx="1521570" cy="307777"/>
-          </a:xfrm>
-          <a:prstGeom prst="rect">
-            <a:avLst/>
-          </a:prstGeom>
-          <a:noFill/>
-        </p:spPr>
-        <p:txBody>
-          <a:bodyPr wrap="none" rtlCol="0">
-            <a:spAutoFit/>
-          </a:bodyPr>
-          <a:lstStyle/>
-          <a:p>
-            <a:pPr algn="ctr"/>
-            <a:r>
-              <a:rPr lang="en-US" altLang="ko-KR" sz="1400" dirty="0">
-                <a:latin typeface="AppleSDGothicNeoM00" panose="02000503000000000000" pitchFamily="2" charset="-127"/>
-                <a:ea typeface="AppleSDGothicNeoM00" panose="02000503000000000000" pitchFamily="2" charset="-127"/>
-              </a:rPr>
-              <a:t>1. </a:t>
-            </a:r>
-            <a:r>
-              <a:rPr lang="ko-KR" altLang="en-US" sz="1400" dirty="0">
-                <a:latin typeface="AppleSDGothicNeoM00" panose="02000503000000000000" pitchFamily="2" charset="-127"/>
-                <a:ea typeface="AppleSDGothicNeoM00" panose="02000503000000000000" pitchFamily="2" charset="-127"/>
-              </a:rPr>
-              <a:t>소셜 로그인 요청</a:t>
-            </a:r>
-          </a:p>
-        </p:txBody>
-      </p:sp>
       <p:cxnSp>
         <p:nvCxnSpPr>
-          <p:cNvPr id="93" name="직선 화살표 연결선 92">
-            <a:extLst>
-              <a:ext uri="{FF2B5EF4-FFF2-40B4-BE49-F238E27FC236}">
-                <a16:creationId xmlns:a16="http://schemas.microsoft.com/office/drawing/2014/main" id="{3E909BBF-E4F3-4D28-8425-D41112143437}"/>
+          <p:cNvPr id="54" name="직선 화살표 연결선 53">
+            <a:extLst>
+              <a:ext uri="{FF2B5EF4-FFF2-40B4-BE49-F238E27FC236}">
+                <a16:creationId xmlns:a16="http://schemas.microsoft.com/office/drawing/2014/main" id="{20644EE2-CC10-46C6-8DF1-002E838207EE}"/>
               </a:ext>
             </a:extLst>
           </p:cNvPr>
           <p:cNvCxnSpPr>
             <a:cxnSpLocks/>
+            <a:stCxn id="32" idx="3"/>
+            <a:endCxn id="2" idx="7"/>
           </p:cNvCxnSpPr>
           <p:nvPr/>
         </p:nvCxnSpPr>
         <p:spPr>
-          <a:xfrm>
-            <a:off x="947734" y="2803818"/>
-            <a:ext cx="6858002" cy="0"/>
+          <a:xfrm flipH="1">
+            <a:off x="6863811" y="1546258"/>
+            <a:ext cx="1332814" cy="1114929"/>
           </a:xfrm>
           <a:prstGeom prst="straightConnector1">
             <a:avLst/>
           </a:prstGeom>
-          <a:ln w="12700">
+          <a:ln w="19050">
             <a:solidFill>
-              <a:schemeClr val="tx1"/>
+              <a:srgbClr val="FF0000"/>
             </a:solidFill>
+            <a:prstDash val="dash"/>
+            <a:headEnd type="triangle"/>
             <a:tailEnd type="triangle"/>
           </a:ln>
         </p:spPr>
@@ -6997,10 +7040,10 @@
       </p:cxnSp>
       <p:sp>
         <p:nvSpPr>
-          <p:cNvPr id="94" name="TextBox 93">
-            <a:extLst>
-              <a:ext uri="{FF2B5EF4-FFF2-40B4-BE49-F238E27FC236}">
-                <a16:creationId xmlns:a16="http://schemas.microsoft.com/office/drawing/2014/main" id="{00A64EED-8A50-4A98-9783-17054BF81BA9}"/>
+          <p:cNvPr id="3" name="TextBox 2">
+            <a:extLst>
+              <a:ext uri="{FF2B5EF4-FFF2-40B4-BE49-F238E27FC236}">
+                <a16:creationId xmlns:a16="http://schemas.microsoft.com/office/drawing/2014/main" id="{F8AA5BB3-3A26-4613-B5F3-F5A49D36EE47}"/>
               </a:ext>
             </a:extLst>
           </p:cNvPr>
@@ -7008,9 +7051,9 @@
           <p:nvPr/>
         </p:nvSpPr>
         <p:spPr>
-          <a:xfrm>
-            <a:off x="3610246" y="2501332"/>
-            <a:ext cx="1552028" cy="307777"/>
+          <a:xfrm rot="20790757">
+            <a:off x="7792227" y="1758115"/>
+            <a:ext cx="2141933" cy="261610"/>
           </a:xfrm>
           <a:prstGeom prst="rect">
             <a:avLst/>
@@ -7023,75 +7066,54 @@
           </a:bodyPr>
           <a:lstStyle/>
           <a:p>
-            <a:pPr algn="ctr"/>
             <a:r>
-              <a:rPr lang="en-US" altLang="ko-KR" sz="1400" dirty="0">
+              <a:rPr lang="ko-KR" altLang="en-US" sz="1100" dirty="0">
+                <a:effectLst>
+                  <a:outerShdw blurRad="38100" dist="38100" dir="2700000" algn="tl">
+                    <a:srgbClr val="000000">
+                      <a:alpha val="43137"/>
+                    </a:srgbClr>
+                  </a:outerShdw>
+                </a:effectLst>
                 <a:latin typeface="AppleSDGothicNeoM00" panose="02000503000000000000" pitchFamily="2" charset="-127"/>
                 <a:ea typeface="AppleSDGothicNeoM00" panose="02000503000000000000" pitchFamily="2" charset="-127"/>
               </a:rPr>
-              <a:t>3. </a:t>
+              <a:t>저희 요청엔 이 헤더를 주셔야 해요</a:t>
             </a:r>
             <a:r>
-              <a:rPr lang="ko-KR" altLang="en-US" sz="1400" dirty="0">
+              <a:rPr lang="en-US" altLang="ko-KR" sz="1100" dirty="0">
+                <a:effectLst>
+                  <a:outerShdw blurRad="38100" dist="38100" dir="2700000" algn="tl">
+                    <a:srgbClr val="000000">
+                      <a:alpha val="43137"/>
+                    </a:srgbClr>
+                  </a:outerShdw>
+                </a:effectLst>
                 <a:latin typeface="AppleSDGothicNeoM00" panose="02000503000000000000" pitchFamily="2" charset="-127"/>
                 <a:ea typeface="AppleSDGothicNeoM00" panose="02000503000000000000" pitchFamily="2" charset="-127"/>
               </a:rPr>
-              <a:t>소셜 로그인 수행</a:t>
+              <a:t>..</a:t>
             </a:r>
-          </a:p>
-        </p:txBody>
-      </p:sp>
-      <p:cxnSp>
-        <p:nvCxnSpPr>
-          <p:cNvPr id="95" name="직선 화살표 연결선 94">
-            <a:extLst>
-              <a:ext uri="{FF2B5EF4-FFF2-40B4-BE49-F238E27FC236}">
-                <a16:creationId xmlns:a16="http://schemas.microsoft.com/office/drawing/2014/main" id="{65A125E4-FB05-480B-8D7C-F7197F55CDB8}"/>
-              </a:ext>
-            </a:extLst>
-          </p:cNvPr>
-          <p:cNvCxnSpPr>
-            <a:cxnSpLocks/>
-          </p:cNvCxnSpPr>
-          <p:nvPr/>
-        </p:nvCxnSpPr>
-        <p:spPr>
-          <a:xfrm flipH="1">
-            <a:off x="4386260" y="3340100"/>
-            <a:ext cx="3419476" cy="0"/>
-          </a:xfrm>
-          <a:prstGeom prst="straightConnector1">
-            <a:avLst/>
-          </a:prstGeom>
-          <a:ln w="12700">
-            <a:solidFill>
-              <a:schemeClr val="tx1"/>
-            </a:solidFill>
-            <a:prstDash val="dashDot"/>
-            <a:tailEnd type="triangle"/>
-          </a:ln>
-        </p:spPr>
-        <p:style>
-          <a:lnRef idx="1">
-            <a:schemeClr val="accent1"/>
-          </a:lnRef>
-          <a:fillRef idx="0">
-            <a:schemeClr val="accent1"/>
-          </a:fillRef>
-          <a:effectRef idx="0">
-            <a:schemeClr val="accent1"/>
-          </a:effectRef>
-          <a:fontRef idx="minor">
-            <a:schemeClr val="tx1"/>
-          </a:fontRef>
-        </p:style>
-      </p:cxnSp>
-      <p:sp>
-        <p:nvSpPr>
-          <p:cNvPr id="96" name="TextBox 95">
-            <a:extLst>
-              <a:ext uri="{FF2B5EF4-FFF2-40B4-BE49-F238E27FC236}">
-                <a16:creationId xmlns:a16="http://schemas.microsoft.com/office/drawing/2014/main" id="{D7A0EA0E-13AA-4E77-B117-7A831334B121}"/>
+            <a:endParaRPr lang="ko-KR" altLang="en-US" sz="1100" dirty="0">
+              <a:effectLst>
+                <a:outerShdw blurRad="38100" dist="38100" dir="2700000" algn="tl">
+                  <a:srgbClr val="000000">
+                    <a:alpha val="43137"/>
+                  </a:srgbClr>
+                </a:outerShdw>
+              </a:effectLst>
+              <a:latin typeface="AppleSDGothicNeoM00" panose="02000503000000000000" pitchFamily="2" charset="-127"/>
+              <a:ea typeface="AppleSDGothicNeoM00" panose="02000503000000000000" pitchFamily="2" charset="-127"/>
+            </a:endParaRPr>
+          </a:p>
+        </p:txBody>
+      </p:sp>
+      <p:sp>
+        <p:nvSpPr>
+          <p:cNvPr id="24" name="TextBox 23">
+            <a:extLst>
+              <a:ext uri="{FF2B5EF4-FFF2-40B4-BE49-F238E27FC236}">
+                <a16:creationId xmlns:a16="http://schemas.microsoft.com/office/drawing/2014/main" id="{955C3DDB-928B-4F13-82DA-73287ECAE35F}"/>
               </a:ext>
             </a:extLst>
           </p:cNvPr>
@@ -7099,9 +7121,9 @@
           <p:nvPr/>
         </p:nvSpPr>
         <p:spPr>
-          <a:xfrm>
-            <a:off x="5239284" y="3026558"/>
-            <a:ext cx="1741182" cy="307777"/>
+          <a:xfrm rot="1602700">
+            <a:off x="2061223" y="2665502"/>
+            <a:ext cx="2114681" cy="261610"/>
           </a:xfrm>
           <a:prstGeom prst="rect">
             <a:avLst/>
@@ -7114,75 +7136,148 @@
           </a:bodyPr>
           <a:lstStyle/>
           <a:p>
-            <a:pPr algn="ctr"/>
             <a:r>
-              <a:rPr lang="en-US" altLang="ko-KR" sz="1400" dirty="0">
+              <a:rPr lang="ko-KR" altLang="en-US" sz="1100" dirty="0">
+                <a:effectLst>
+                  <a:outerShdw blurRad="38100" dist="38100" dir="2700000" algn="tl">
+                    <a:srgbClr val="000000">
+                      <a:alpha val="43137"/>
+                    </a:srgbClr>
+                  </a:outerShdw>
+                </a:effectLst>
                 <a:latin typeface="AppleSDGothicNeoM00" panose="02000503000000000000" pitchFamily="2" charset="-127"/>
                 <a:ea typeface="AppleSDGothicNeoM00" panose="02000503000000000000" pitchFamily="2" charset="-127"/>
               </a:rPr>
-              <a:t>4. Access Token </a:t>
+              <a:t>저흰 이 파라미터를 필수로 받아요</a:t>
             </a:r>
             <a:r>
-              <a:rPr lang="ko-KR" altLang="en-US" sz="1400" dirty="0">
+              <a:rPr lang="en-US" altLang="ko-KR" sz="1100" dirty="0">
+                <a:effectLst>
+                  <a:outerShdw blurRad="38100" dist="38100" dir="2700000" algn="tl">
+                    <a:srgbClr val="000000">
+                      <a:alpha val="43137"/>
+                    </a:srgbClr>
+                  </a:outerShdw>
+                </a:effectLst>
                 <a:latin typeface="AppleSDGothicNeoM00" panose="02000503000000000000" pitchFamily="2" charset="-127"/>
                 <a:ea typeface="AppleSDGothicNeoM00" panose="02000503000000000000" pitchFamily="2" charset="-127"/>
               </a:rPr>
-              <a:t>응답</a:t>
+              <a:t>!!</a:t>
             </a:r>
-          </a:p>
-        </p:txBody>
-      </p:sp>
-      <p:cxnSp>
-        <p:nvCxnSpPr>
-          <p:cNvPr id="103" name="직선 화살표 연결선 102">
-            <a:extLst>
-              <a:ext uri="{FF2B5EF4-FFF2-40B4-BE49-F238E27FC236}">
-                <a16:creationId xmlns:a16="http://schemas.microsoft.com/office/drawing/2014/main" id="{BFF284C2-7854-474B-BC11-4479CDD4400C}"/>
-              </a:ext>
-            </a:extLst>
-          </p:cNvPr>
-          <p:cNvCxnSpPr>
-            <a:cxnSpLocks/>
-          </p:cNvCxnSpPr>
-          <p:nvPr/>
-        </p:nvCxnSpPr>
-        <p:spPr>
-          <a:xfrm flipH="1">
-            <a:off x="952911" y="2085398"/>
-            <a:ext cx="3419476" cy="0"/>
-          </a:xfrm>
-          <a:prstGeom prst="straightConnector1">
-            <a:avLst/>
-          </a:prstGeom>
-          <a:ln w="12700">
-            <a:solidFill>
-              <a:schemeClr val="tx1"/>
-            </a:solidFill>
-            <a:prstDash val="dashDot"/>
-            <a:tailEnd type="triangle"/>
-          </a:ln>
-        </p:spPr>
-        <p:style>
-          <a:lnRef idx="1">
-            <a:schemeClr val="accent1"/>
-          </a:lnRef>
-          <a:fillRef idx="0">
-            <a:schemeClr val="accent1"/>
-          </a:fillRef>
-          <a:effectRef idx="0">
-            <a:schemeClr val="accent1"/>
-          </a:effectRef>
-          <a:fontRef idx="minor">
-            <a:schemeClr val="tx1"/>
-          </a:fontRef>
-        </p:style>
-      </p:cxnSp>
-      <p:sp>
-        <p:nvSpPr>
-          <p:cNvPr id="104" name="TextBox 103">
-            <a:extLst>
-              <a:ext uri="{FF2B5EF4-FFF2-40B4-BE49-F238E27FC236}">
-                <a16:creationId xmlns:a16="http://schemas.microsoft.com/office/drawing/2014/main" id="{DDD386EB-399F-4643-8EA8-86D3C0AFAD5E}"/>
+            <a:endParaRPr lang="ko-KR" altLang="en-US" sz="1100" dirty="0">
+              <a:effectLst>
+                <a:outerShdw blurRad="38100" dist="38100" dir="2700000" algn="tl">
+                  <a:srgbClr val="000000">
+                    <a:alpha val="43137"/>
+                  </a:srgbClr>
+                </a:outerShdw>
+              </a:effectLst>
+              <a:latin typeface="AppleSDGothicNeoM00" panose="02000503000000000000" pitchFamily="2" charset="-127"/>
+              <a:ea typeface="AppleSDGothicNeoM00" panose="02000503000000000000" pitchFamily="2" charset="-127"/>
+            </a:endParaRPr>
+          </a:p>
+        </p:txBody>
+      </p:sp>
+      <p:pic>
+        <p:nvPicPr>
+          <p:cNvPr id="1026" name="Picture 2" descr="작은 물방울 떨어지다 체액 - Pixabay의 무료 벡터 그래픽">
+            <a:extLst>
+              <a:ext uri="{FF2B5EF4-FFF2-40B4-BE49-F238E27FC236}">
+                <a16:creationId xmlns:a16="http://schemas.microsoft.com/office/drawing/2014/main" id="{436ACFA3-9A1D-41ED-BAEB-5663815FFCC2}"/>
+              </a:ext>
+            </a:extLst>
+          </p:cNvPr>
+          <p:cNvPicPr>
+            <a:picLocks noChangeAspect="1" noChangeArrowheads="1"/>
+          </p:cNvPicPr>
+          <p:nvPr/>
+        </p:nvPicPr>
+        <p:blipFill>
+          <a:blip r:embed="rId4">
+            <a:extLst>
+              <a:ext uri="{28A0092B-C50C-407E-A947-70E740481C1C}">
+                <a14:useLocalDpi xmlns:a14="http://schemas.microsoft.com/office/drawing/2010/main" val="0"/>
+              </a:ext>
+            </a:extLst>
+          </a:blip>
+          <a:srcRect/>
+          <a:stretch>
+            <a:fillRect/>
+          </a:stretch>
+        </p:blipFill>
+        <p:spPr bwMode="auto">
+          <a:xfrm rot="1451169">
+            <a:off x="5067121" y="3369395"/>
+            <a:ext cx="330467" cy="475872"/>
+          </a:xfrm>
+          <a:prstGeom prst="rect">
+            <a:avLst/>
+          </a:prstGeom>
+          <a:noFill/>
+          <a:extLst>
+            <a:ext uri="{909E8E84-426E-40DD-AFC4-6F175D3DCCD1}">
+              <a14:hiddenFill xmlns:a14="http://schemas.microsoft.com/office/drawing/2010/main">
+                <a:solidFill>
+                  <a:srgbClr val="FFFFFF"/>
+                </a:solidFill>
+              </a14:hiddenFill>
+            </a:ext>
+          </a:extLst>
+        </p:spPr>
+      </p:pic>
+      <p:pic>
+        <p:nvPicPr>
+          <p:cNvPr id="28" name="Picture 2" descr="작은 물방울 떨어지다 체액 - Pixabay의 무료 벡터 그래픽">
+            <a:extLst>
+              <a:ext uri="{FF2B5EF4-FFF2-40B4-BE49-F238E27FC236}">
+                <a16:creationId xmlns:a16="http://schemas.microsoft.com/office/drawing/2014/main" id="{8EC8C60F-B000-463B-BCDF-45E99EA95124}"/>
+              </a:ext>
+            </a:extLst>
+          </p:cNvPr>
+          <p:cNvPicPr>
+            <a:picLocks noChangeAspect="1" noChangeArrowheads="1"/>
+          </p:cNvPicPr>
+          <p:nvPr/>
+        </p:nvPicPr>
+        <p:blipFill>
+          <a:blip r:embed="rId4">
+            <a:extLst>
+              <a:ext uri="{28A0092B-C50C-407E-A947-70E740481C1C}">
+                <a14:useLocalDpi xmlns:a14="http://schemas.microsoft.com/office/drawing/2010/main" val="0"/>
+              </a:ext>
+            </a:extLst>
+          </a:blip>
+          <a:srcRect/>
+          <a:stretch>
+            <a:fillRect/>
+          </a:stretch>
+        </p:blipFill>
+        <p:spPr bwMode="auto">
+          <a:xfrm rot="6159023">
+            <a:off x="5172817" y="2959518"/>
+            <a:ext cx="221921" cy="319566"/>
+          </a:xfrm>
+          <a:prstGeom prst="rect">
+            <a:avLst/>
+          </a:prstGeom>
+          <a:noFill/>
+          <a:extLst>
+            <a:ext uri="{909E8E84-426E-40DD-AFC4-6F175D3DCCD1}">
+              <a14:hiddenFill xmlns:a14="http://schemas.microsoft.com/office/drawing/2010/main">
+                <a:solidFill>
+                  <a:srgbClr val="FFFFFF"/>
+                </a:solidFill>
+              </a14:hiddenFill>
+            </a:ext>
+          </a:extLst>
+        </p:spPr>
+      </p:pic>
+      <p:sp>
+        <p:nvSpPr>
+          <p:cNvPr id="29" name="TextBox 28">
+            <a:extLst>
+              <a:ext uri="{FF2B5EF4-FFF2-40B4-BE49-F238E27FC236}">
+                <a16:creationId xmlns:a16="http://schemas.microsoft.com/office/drawing/2014/main" id="{E0B1E596-A526-4432-A582-E471A4B5599B}"/>
               </a:ext>
             </a:extLst>
           </p:cNvPr>
@@ -7190,9 +7285,9 @@
           <p:nvPr/>
         </p:nvSpPr>
         <p:spPr>
-          <a:xfrm>
-            <a:off x="1490146" y="1771856"/>
-            <a:ext cx="2372765" cy="307777"/>
+          <a:xfrm rot="552481">
+            <a:off x="5292870" y="2840828"/>
+            <a:ext cx="1837362" cy="261610"/>
           </a:xfrm>
           <a:prstGeom prst="rect">
             <a:avLst/>
@@ -7205,418 +7300,134 @@
           </a:bodyPr>
           <a:lstStyle/>
           <a:p>
-            <a:pPr algn="ctr"/>
             <a:r>
-              <a:rPr lang="en-US" altLang="ko-KR" sz="1400" dirty="0">
+              <a:rPr lang="ko-KR" altLang="en-US" sz="1100" dirty="0">
+                <a:solidFill>
+                  <a:schemeClr val="bg1"/>
+                </a:solidFill>
+                <a:effectLst>
+                  <a:outerShdw blurRad="38100" dist="38100" dir="2700000" algn="tl">
+                    <a:srgbClr val="000000">
+                      <a:alpha val="43137"/>
+                    </a:srgbClr>
+                  </a:outerShdw>
+                </a:effectLst>
                 <a:latin typeface="AppleSDGothicNeoM00" panose="02000503000000000000" pitchFamily="2" charset="-127"/>
                 <a:ea typeface="AppleSDGothicNeoM00" panose="02000503000000000000" pitchFamily="2" charset="-127"/>
               </a:rPr>
-              <a:t>2. </a:t>
+              <a:t>아니 저기</a:t>
             </a:r>
             <a:r>
-              <a:rPr lang="ko-KR" altLang="en-US" sz="1400" dirty="0">
+              <a:rPr lang="en-US" altLang="ko-KR" sz="1100" dirty="0">
+                <a:solidFill>
+                  <a:schemeClr val="bg1"/>
+                </a:solidFill>
+                <a:effectLst>
+                  <a:outerShdw blurRad="38100" dist="38100" dir="2700000" algn="tl">
+                    <a:srgbClr val="000000">
+                      <a:alpha val="43137"/>
+                    </a:srgbClr>
+                  </a:outerShdw>
+                </a:effectLst>
                 <a:latin typeface="AppleSDGothicNeoM00" panose="02000503000000000000" pitchFamily="2" charset="-127"/>
                 <a:ea typeface="AppleSDGothicNeoM00" panose="02000503000000000000" pitchFamily="2" charset="-127"/>
               </a:rPr>
-              <a:t>소셜 로그인 </a:t>
+              <a:t>... </a:t>
             </a:r>
             <a:r>
-              <a:rPr lang="en-US" altLang="ko-KR" sz="1400" dirty="0">
+              <a:rPr lang="ko-KR" altLang="en-US" sz="1100" dirty="0" err="1">
+                <a:solidFill>
+                  <a:schemeClr val="bg1"/>
+                </a:solidFill>
+                <a:effectLst>
+                  <a:outerShdw blurRad="38100" dist="38100" dir="2700000" algn="tl">
+                    <a:srgbClr val="000000">
+                      <a:alpha val="43137"/>
+                    </a:srgbClr>
+                  </a:outerShdw>
+                </a:effectLst>
                 <a:latin typeface="AppleSDGothicNeoM00" panose="02000503000000000000" pitchFamily="2" charset="-127"/>
                 <a:ea typeface="AppleSDGothicNeoM00" panose="02000503000000000000" pitchFamily="2" charset="-127"/>
               </a:rPr>
-              <a:t>URL </a:t>
+              <a:t>공통이라면서요</a:t>
             </a:r>
             <a:r>
-              <a:rPr lang="ko-KR" altLang="en-US" sz="1400" dirty="0" err="1">
+              <a:rPr lang="en-US" altLang="ko-KR" sz="1100" dirty="0">
+                <a:solidFill>
+                  <a:schemeClr val="bg1"/>
+                </a:solidFill>
+                <a:effectLst>
+                  <a:outerShdw blurRad="38100" dist="38100" dir="2700000" algn="tl">
+                    <a:srgbClr val="000000">
+                      <a:alpha val="43137"/>
+                    </a:srgbClr>
+                  </a:outerShdw>
+                </a:effectLst>
                 <a:latin typeface="AppleSDGothicNeoM00" panose="02000503000000000000" pitchFamily="2" charset="-127"/>
                 <a:ea typeface="AppleSDGothicNeoM00" panose="02000503000000000000" pitchFamily="2" charset="-127"/>
               </a:rPr>
-              <a:t>리다이렉션</a:t>
+              <a:t>...</a:t>
             </a:r>
-            <a:endParaRPr lang="ko-KR" altLang="en-US" sz="1400" dirty="0">
+            <a:endParaRPr lang="ko-KR" altLang="en-US" sz="1100" dirty="0">
+              <a:solidFill>
+                <a:schemeClr val="bg1"/>
+              </a:solidFill>
+              <a:effectLst>
+                <a:outerShdw blurRad="38100" dist="38100" dir="2700000" algn="tl">
+                  <a:srgbClr val="000000">
+                    <a:alpha val="43137"/>
+                  </a:srgbClr>
+                </a:outerShdw>
+              </a:effectLst>
               <a:latin typeface="AppleSDGothicNeoM00" panose="02000503000000000000" pitchFamily="2" charset="-127"/>
               <a:ea typeface="AppleSDGothicNeoM00" panose="02000503000000000000" pitchFamily="2" charset="-127"/>
             </a:endParaRPr>
           </a:p>
         </p:txBody>
       </p:sp>
-      <p:cxnSp>
-        <p:nvCxnSpPr>
-          <p:cNvPr id="105" name="직선 화살표 연결선 104">
-            <a:extLst>
-              <a:ext uri="{FF2B5EF4-FFF2-40B4-BE49-F238E27FC236}">
-                <a16:creationId xmlns:a16="http://schemas.microsoft.com/office/drawing/2014/main" id="{89ABB2E0-2A1C-46F6-985B-AF141904CDCE}"/>
-              </a:ext>
-            </a:extLst>
-          </p:cNvPr>
-          <p:cNvCxnSpPr>
-            <a:cxnSpLocks/>
-          </p:cNvCxnSpPr>
-          <p:nvPr/>
-        </p:nvCxnSpPr>
-        <p:spPr>
-          <a:xfrm>
-            <a:off x="4397793" y="3865326"/>
-            <a:ext cx="3419477" cy="0"/>
-          </a:xfrm>
-          <a:prstGeom prst="straightConnector1">
-            <a:avLst/>
-          </a:prstGeom>
-          <a:ln w="12700">
-            <a:solidFill>
-              <a:schemeClr val="tx1"/>
-            </a:solidFill>
-            <a:tailEnd type="triangle"/>
-          </a:ln>
-        </p:spPr>
-        <p:style>
-          <a:lnRef idx="1">
-            <a:schemeClr val="accent1"/>
-          </a:lnRef>
-          <a:fillRef idx="0">
-            <a:schemeClr val="accent1"/>
-          </a:fillRef>
-          <a:effectRef idx="0">
-            <a:schemeClr val="accent1"/>
-          </a:effectRef>
-          <a:fontRef idx="minor">
-            <a:schemeClr val="tx1"/>
-          </a:fontRef>
-        </p:style>
-      </p:cxnSp>
-      <p:sp>
-        <p:nvSpPr>
-          <p:cNvPr id="106" name="TextBox 105">
-            <a:extLst>
-              <a:ext uri="{FF2B5EF4-FFF2-40B4-BE49-F238E27FC236}">
-                <a16:creationId xmlns:a16="http://schemas.microsoft.com/office/drawing/2014/main" id="{1BB5EAC4-2EE5-4B46-8A21-5932215EE29B}"/>
-              </a:ext>
-            </a:extLst>
-          </p:cNvPr>
-          <p:cNvSpPr txBox="1"/>
-          <p:nvPr/>
-        </p:nvSpPr>
-        <p:spPr>
-          <a:xfrm>
-            <a:off x="5063820" y="3557549"/>
-            <a:ext cx="2087431" cy="307777"/>
+      <p:pic>
+        <p:nvPicPr>
+          <p:cNvPr id="36" name="그래픽 35" descr="DVD 플레이어">
+            <a:extLst>
+              <a:ext uri="{FF2B5EF4-FFF2-40B4-BE49-F238E27FC236}">
+                <a16:creationId xmlns:a16="http://schemas.microsoft.com/office/drawing/2014/main" id="{B0899924-5286-4EC0-B273-F7139C84CD10}"/>
+              </a:ext>
+            </a:extLst>
+          </p:cNvPr>
+          <p:cNvPicPr>
+            <a:picLocks noChangeAspect="1"/>
+          </p:cNvPicPr>
+          <p:nvPr/>
+        </p:nvPicPr>
+        <p:blipFill>
+          <a:blip r:embed="rId5">
+            <a:extLst>
+              <a:ext uri="{28A0092B-C50C-407E-A947-70E740481C1C}">
+                <a14:useLocalDpi xmlns:a14="http://schemas.microsoft.com/office/drawing/2010/main" val="0"/>
+              </a:ext>
+              <a:ext uri="{96DAC541-7B7A-43D3-8B79-37D633B846F1}">
+                <asvg:svgBlip xmlns:asvg="http://schemas.microsoft.com/office/drawing/2016/SVG/main" r:embed="rId6"/>
+              </a:ext>
+            </a:extLst>
+          </a:blip>
+          <a:stretch>
+            <a:fillRect/>
+          </a:stretch>
+        </p:blipFill>
+        <p:spPr>
+          <a:xfrm>
+            <a:off x="5395696" y="2728091"/>
+            <a:ext cx="1409701" cy="1409701"/>
           </a:xfrm>
           <a:prstGeom prst="rect">
             <a:avLst/>
           </a:prstGeom>
-          <a:noFill/>
-        </p:spPr>
-        <p:txBody>
-          <a:bodyPr wrap="none" rtlCol="0">
-            <a:spAutoFit/>
-          </a:bodyPr>
-          <a:lstStyle/>
-          <a:p>
-            <a:pPr algn="ctr"/>
-            <a:r>
-              <a:rPr lang="en-US" altLang="ko-KR" sz="1400" dirty="0">
-                <a:latin typeface="AppleSDGothicNeoM00" panose="02000503000000000000" pitchFamily="2" charset="-127"/>
-                <a:ea typeface="AppleSDGothicNeoM00" panose="02000503000000000000" pitchFamily="2" charset="-127"/>
-              </a:rPr>
-              <a:t>5. Access Token </a:t>
-            </a:r>
-            <a:r>
-              <a:rPr lang="ko-KR" altLang="en-US" sz="1400" dirty="0">
-                <a:latin typeface="AppleSDGothicNeoM00" panose="02000503000000000000" pitchFamily="2" charset="-127"/>
-                <a:ea typeface="AppleSDGothicNeoM00" panose="02000503000000000000" pitchFamily="2" charset="-127"/>
-              </a:rPr>
-              <a:t>검증 요청</a:t>
-            </a:r>
-          </a:p>
-        </p:txBody>
-      </p:sp>
-      <p:cxnSp>
-        <p:nvCxnSpPr>
-          <p:cNvPr id="107" name="직선 화살표 연결선 106">
-            <a:extLst>
-              <a:ext uri="{FF2B5EF4-FFF2-40B4-BE49-F238E27FC236}">
-                <a16:creationId xmlns:a16="http://schemas.microsoft.com/office/drawing/2014/main" id="{8020FEF9-65EC-4578-AEBC-B952AA04B8AE}"/>
-              </a:ext>
-            </a:extLst>
-          </p:cNvPr>
-          <p:cNvCxnSpPr>
-            <a:cxnSpLocks/>
-          </p:cNvCxnSpPr>
-          <p:nvPr/>
-        </p:nvCxnSpPr>
-        <p:spPr>
-          <a:xfrm flipH="1">
-            <a:off x="4374733" y="4390551"/>
-            <a:ext cx="3419476" cy="0"/>
-          </a:xfrm>
-          <a:prstGeom prst="straightConnector1">
-            <a:avLst/>
-          </a:prstGeom>
-          <a:ln w="12700">
-            <a:solidFill>
-              <a:schemeClr val="tx1"/>
-            </a:solidFill>
-            <a:prstDash val="dashDot"/>
-            <a:tailEnd type="triangle"/>
-          </a:ln>
-        </p:spPr>
-        <p:style>
-          <a:lnRef idx="1">
-            <a:schemeClr val="accent1"/>
-          </a:lnRef>
-          <a:fillRef idx="0">
-            <a:schemeClr val="accent1"/>
-          </a:fillRef>
-          <a:effectRef idx="0">
-            <a:schemeClr val="accent1"/>
-          </a:effectRef>
-          <a:fontRef idx="minor">
-            <a:schemeClr val="tx1"/>
-          </a:fontRef>
-        </p:style>
-      </p:cxnSp>
-      <p:sp>
-        <p:nvSpPr>
-          <p:cNvPr id="108" name="TextBox 107">
-            <a:extLst>
-              <a:ext uri="{FF2B5EF4-FFF2-40B4-BE49-F238E27FC236}">
-                <a16:creationId xmlns:a16="http://schemas.microsoft.com/office/drawing/2014/main" id="{798FBAEC-599A-44E3-BF3D-51CCE97D27F1}"/>
-              </a:ext>
-            </a:extLst>
-          </p:cNvPr>
-          <p:cNvSpPr txBox="1"/>
-          <p:nvPr/>
-        </p:nvSpPr>
-        <p:spPr>
-          <a:xfrm>
-            <a:off x="4871094" y="4077009"/>
-            <a:ext cx="2454519" cy="307777"/>
-          </a:xfrm>
-          <a:prstGeom prst="rect">
-            <a:avLst/>
-          </a:prstGeom>
-          <a:noFill/>
-        </p:spPr>
-        <p:txBody>
-          <a:bodyPr wrap="none" rtlCol="0">
-            <a:spAutoFit/>
-          </a:bodyPr>
-          <a:lstStyle/>
-          <a:p>
-            <a:pPr algn="ctr"/>
-            <a:r>
-              <a:rPr lang="en-US" altLang="ko-KR" sz="1400" dirty="0">
-                <a:latin typeface="AppleSDGothicNeoM00" panose="02000503000000000000" pitchFamily="2" charset="-127"/>
-                <a:ea typeface="AppleSDGothicNeoM00" panose="02000503000000000000" pitchFamily="2" charset="-127"/>
-              </a:rPr>
-              <a:t>6. Access Token </a:t>
-            </a:r>
-            <a:r>
-              <a:rPr lang="ko-KR" altLang="en-US" sz="1400" dirty="0">
-                <a:latin typeface="AppleSDGothicNeoM00" panose="02000503000000000000" pitchFamily="2" charset="-127"/>
-                <a:ea typeface="AppleSDGothicNeoM00" panose="02000503000000000000" pitchFamily="2" charset="-127"/>
-              </a:rPr>
-              <a:t>검증 결과 응답</a:t>
-            </a:r>
-          </a:p>
-        </p:txBody>
-      </p:sp>
-      <p:cxnSp>
-        <p:nvCxnSpPr>
-          <p:cNvPr id="109" name="직선 화살표 연결선 108">
-            <a:extLst>
-              <a:ext uri="{FF2B5EF4-FFF2-40B4-BE49-F238E27FC236}">
-                <a16:creationId xmlns:a16="http://schemas.microsoft.com/office/drawing/2014/main" id="{8252CFF0-083F-4AC0-8ADB-BAED6E95E2D7}"/>
-              </a:ext>
-            </a:extLst>
-          </p:cNvPr>
-          <p:cNvCxnSpPr>
-            <a:cxnSpLocks/>
-          </p:cNvCxnSpPr>
-          <p:nvPr/>
-        </p:nvCxnSpPr>
-        <p:spPr>
-          <a:xfrm>
-            <a:off x="4365208" y="5143896"/>
-            <a:ext cx="6858002" cy="0"/>
-          </a:xfrm>
-          <a:prstGeom prst="straightConnector1">
-            <a:avLst/>
-          </a:prstGeom>
-          <a:ln w="12700">
-            <a:solidFill>
-              <a:schemeClr val="tx1"/>
-            </a:solidFill>
-            <a:tailEnd type="triangle"/>
-          </a:ln>
-        </p:spPr>
-        <p:style>
-          <a:lnRef idx="1">
-            <a:schemeClr val="accent1"/>
-          </a:lnRef>
-          <a:fillRef idx="0">
-            <a:schemeClr val="accent1"/>
-          </a:fillRef>
-          <a:effectRef idx="0">
-            <a:schemeClr val="accent1"/>
-          </a:effectRef>
-          <a:fontRef idx="minor">
-            <a:schemeClr val="tx1"/>
-          </a:fontRef>
-        </p:style>
-      </p:cxnSp>
-      <p:sp>
-        <p:nvSpPr>
-          <p:cNvPr id="110" name="TextBox 109">
-            <a:extLst>
-              <a:ext uri="{FF2B5EF4-FFF2-40B4-BE49-F238E27FC236}">
-                <a16:creationId xmlns:a16="http://schemas.microsoft.com/office/drawing/2014/main" id="{9E07BFB7-B2AE-455E-B017-EBD5A5A3877D}"/>
-              </a:ext>
-            </a:extLst>
-          </p:cNvPr>
-          <p:cNvSpPr txBox="1"/>
-          <p:nvPr/>
-        </p:nvSpPr>
-        <p:spPr>
-          <a:xfrm>
-            <a:off x="7132717" y="4841410"/>
-            <a:ext cx="1342035" cy="307777"/>
-          </a:xfrm>
-          <a:prstGeom prst="rect">
-            <a:avLst/>
-          </a:prstGeom>
-          <a:solidFill>
-            <a:schemeClr val="accent6">
-              <a:lumMod val="20000"/>
-              <a:lumOff val="80000"/>
-            </a:schemeClr>
-          </a:solidFill>
-        </p:spPr>
-        <p:txBody>
-          <a:bodyPr wrap="none" rtlCol="0">
-            <a:spAutoFit/>
-          </a:bodyPr>
-          <a:lstStyle/>
-          <a:p>
-            <a:pPr algn="ctr"/>
-            <a:r>
-              <a:rPr lang="en-US" altLang="ko-KR" sz="1400" dirty="0">
-                <a:latin typeface="AppleSDGothicNeoM00" panose="02000503000000000000" pitchFamily="2" charset="-127"/>
-                <a:ea typeface="AppleSDGothicNeoM00" panose="02000503000000000000" pitchFamily="2" charset="-127"/>
-              </a:rPr>
-              <a:t>7. </a:t>
-            </a:r>
-            <a:r>
-              <a:rPr lang="ko-KR" altLang="en-US" sz="1400" dirty="0">
-                <a:latin typeface="AppleSDGothicNeoM00" panose="02000503000000000000" pitchFamily="2" charset="-127"/>
-                <a:ea typeface="AppleSDGothicNeoM00" panose="02000503000000000000" pitchFamily="2" charset="-127"/>
-              </a:rPr>
-              <a:t>요구자원 요청</a:t>
-            </a:r>
-          </a:p>
-        </p:txBody>
-      </p:sp>
-      <p:cxnSp>
-        <p:nvCxnSpPr>
-          <p:cNvPr id="111" name="직선 화살표 연결선 110">
-            <a:extLst>
-              <a:ext uri="{FF2B5EF4-FFF2-40B4-BE49-F238E27FC236}">
-                <a16:creationId xmlns:a16="http://schemas.microsoft.com/office/drawing/2014/main" id="{41976906-C77F-4F96-BD0D-3583148B95DC}"/>
-              </a:ext>
-            </a:extLst>
-          </p:cNvPr>
-          <p:cNvCxnSpPr>
-            <a:cxnSpLocks/>
-          </p:cNvCxnSpPr>
-          <p:nvPr/>
-        </p:nvCxnSpPr>
-        <p:spPr>
-          <a:xfrm flipH="1">
-            <a:off x="4374733" y="5692705"/>
-            <a:ext cx="6848477" cy="0"/>
-          </a:xfrm>
-          <a:prstGeom prst="straightConnector1">
-            <a:avLst/>
-          </a:prstGeom>
-          <a:ln w="12700">
-            <a:solidFill>
-              <a:schemeClr val="tx1"/>
-            </a:solidFill>
-            <a:prstDash val="dashDot"/>
-            <a:tailEnd type="triangle"/>
-          </a:ln>
-        </p:spPr>
-        <p:style>
-          <a:lnRef idx="1">
-            <a:schemeClr val="accent1"/>
-          </a:lnRef>
-          <a:fillRef idx="0">
-            <a:schemeClr val="accent1"/>
-          </a:fillRef>
-          <a:effectRef idx="0">
-            <a:schemeClr val="accent1"/>
-          </a:effectRef>
-          <a:fontRef idx="minor">
-            <a:schemeClr val="tx1"/>
-          </a:fontRef>
-        </p:style>
-      </p:cxnSp>
-      <p:sp>
-        <p:nvSpPr>
-          <p:cNvPr id="112" name="TextBox 111">
-            <a:extLst>
-              <a:ext uri="{FF2B5EF4-FFF2-40B4-BE49-F238E27FC236}">
-                <a16:creationId xmlns:a16="http://schemas.microsoft.com/office/drawing/2014/main" id="{E172A436-1393-4BB5-9B17-6C825F737F2C}"/>
-              </a:ext>
-            </a:extLst>
-          </p:cNvPr>
-          <p:cNvSpPr txBox="1"/>
-          <p:nvPr/>
-        </p:nvSpPr>
-        <p:spPr>
-          <a:xfrm>
-            <a:off x="7138238" y="5384928"/>
-            <a:ext cx="1358065" cy="307777"/>
-          </a:xfrm>
-          <a:prstGeom prst="rect">
-            <a:avLst/>
-          </a:prstGeom>
-          <a:solidFill>
-            <a:schemeClr val="accent6">
-              <a:lumMod val="20000"/>
-              <a:lumOff val="80000"/>
-            </a:schemeClr>
-          </a:solidFill>
-        </p:spPr>
-        <p:txBody>
-          <a:bodyPr wrap="none" rtlCol="0">
-            <a:spAutoFit/>
-          </a:bodyPr>
-          <a:lstStyle/>
-          <a:p>
-            <a:pPr algn="ctr"/>
-            <a:r>
-              <a:rPr lang="en-US" altLang="ko-KR" sz="1400" dirty="0">
-                <a:latin typeface="AppleSDGothicNeoM00" panose="02000503000000000000" pitchFamily="2" charset="-127"/>
-                <a:ea typeface="AppleSDGothicNeoM00" panose="02000503000000000000" pitchFamily="2" charset="-127"/>
-              </a:rPr>
-              <a:t>8. </a:t>
-            </a:r>
-            <a:r>
-              <a:rPr lang="ko-KR" altLang="en-US" sz="1400" dirty="0">
-                <a:latin typeface="AppleSDGothicNeoM00" panose="02000503000000000000" pitchFamily="2" charset="-127"/>
-                <a:ea typeface="AppleSDGothicNeoM00" panose="02000503000000000000" pitchFamily="2" charset="-127"/>
-              </a:rPr>
-              <a:t>요구자원 반환</a:t>
-            </a:r>
-          </a:p>
-        </p:txBody>
-      </p:sp>
+        </p:spPr>
+      </p:pic>
     </p:spTree>
     <p:extLst>
       <p:ext uri="{BB962C8B-B14F-4D97-AF65-F5344CB8AC3E}">
-        <p14:creationId xmlns:p14="http://schemas.microsoft.com/office/powerpoint/2010/main" val="321390261"/>
+        <p14:creationId xmlns:p14="http://schemas.microsoft.com/office/powerpoint/2010/main" val="2665649549"/>
       </p:ext>
     </p:extLst>
   </p:cSld>
@@ -7645,10 +7456,10 @@
       </p:grpSpPr>
       <p:sp>
         <p:nvSpPr>
-          <p:cNvPr id="3" name="직사각형 2">
-            <a:extLst>
-              <a:ext uri="{FF2B5EF4-FFF2-40B4-BE49-F238E27FC236}">
-                <a16:creationId xmlns:a16="http://schemas.microsoft.com/office/drawing/2014/main" id="{AE2D6E9A-C8D3-4F57-95FE-317AFE2BC2A9}"/>
+          <p:cNvPr id="5" name="직사각형 4">
+            <a:extLst>
+              <a:ext uri="{FF2B5EF4-FFF2-40B4-BE49-F238E27FC236}">
+                <a16:creationId xmlns:a16="http://schemas.microsoft.com/office/drawing/2014/main" id="{D7ADDA23-EC11-4778-B289-6743D1362D42}"/>
               </a:ext>
             </a:extLst>
           </p:cNvPr>
@@ -7657,15 +7468,13 @@
         </p:nvSpPr>
         <p:spPr>
           <a:xfrm>
-            <a:off x="-765168" y="0"/>
-            <a:ext cx="13731867" cy="6858000"/>
+            <a:off x="1266825" y="136"/>
+            <a:ext cx="9658350" cy="6858000"/>
           </a:xfrm>
           <a:prstGeom prst="rect">
             <a:avLst/>
           </a:prstGeom>
-          <a:solidFill>
-            <a:schemeClr val="bg1"/>
-          </a:solidFill>
+          <a:noFill/>
           <a:ln>
             <a:noFill/>
           </a:ln>
@@ -7697,10 +7506,10 @@
       </p:sp>
       <p:sp>
         <p:nvSpPr>
-          <p:cNvPr id="63" name="직사각형 62">
-            <a:extLst>
-              <a:ext uri="{FF2B5EF4-FFF2-40B4-BE49-F238E27FC236}">
-                <a16:creationId xmlns:a16="http://schemas.microsoft.com/office/drawing/2014/main" id="{541068AD-6A61-4653-94EE-E3A1320E1C7E}"/>
+          <p:cNvPr id="2" name="타원 1">
+            <a:extLst>
+              <a:ext uri="{FF2B5EF4-FFF2-40B4-BE49-F238E27FC236}">
+                <a16:creationId xmlns:a16="http://schemas.microsoft.com/office/drawing/2014/main" id="{B6DC9A1A-8158-4B21-9AE5-6A30E0A72D29}"/>
               </a:ext>
             </a:extLst>
           </p:cNvPr>
@@ -7709,20 +7518,20 @@
         </p:nvSpPr>
         <p:spPr>
           <a:xfrm>
-            <a:off x="2741193" y="0"/>
-            <a:ext cx="3368681" cy="6858000"/>
-          </a:xfrm>
-          <a:prstGeom prst="rect">
-            <a:avLst/>
-          </a:prstGeom>
-          <a:solidFill>
-            <a:schemeClr val="accent5">
-              <a:lumMod val="20000"/>
-              <a:lumOff val="80000"/>
-            </a:schemeClr>
-          </a:solidFill>
+            <a:off x="5010149" y="2343149"/>
+            <a:ext cx="2171700" cy="2171700"/>
+          </a:xfrm>
+          <a:prstGeom prst="ellipse">
+            <a:avLst/>
+          </a:prstGeom>
+          <a:noFill/>
           <a:ln>
-            <a:noFill/>
+            <a:solidFill>
+              <a:schemeClr val="bg2">
+                <a:lumMod val="50000"/>
+              </a:schemeClr>
+            </a:solidFill>
+            <a:prstDash val="dash"/>
           </a:ln>
         </p:spPr>
         <p:style>
@@ -7752,10 +7561,10 @@
       </p:sp>
       <p:sp>
         <p:nvSpPr>
-          <p:cNvPr id="60" name="직사각형 59">
-            <a:extLst>
-              <a:ext uri="{FF2B5EF4-FFF2-40B4-BE49-F238E27FC236}">
-                <a16:creationId xmlns:a16="http://schemas.microsoft.com/office/drawing/2014/main" id="{FCDB5A1A-C47C-4309-AF47-55078683541D}"/>
+          <p:cNvPr id="10" name="타원 9">
+            <a:extLst>
+              <a:ext uri="{FF2B5EF4-FFF2-40B4-BE49-F238E27FC236}">
+                <a16:creationId xmlns:a16="http://schemas.microsoft.com/office/drawing/2014/main" id="{9A9B60E4-2A13-452D-B967-372E077B3BB2}"/>
               </a:ext>
             </a:extLst>
           </p:cNvPr>
@@ -7764,16 +7573,15 @@
         </p:nvSpPr>
         <p:spPr>
           <a:xfrm>
-            <a:off x="6095999" y="0"/>
-            <a:ext cx="6870700" cy="6858000"/>
-          </a:xfrm>
-          <a:prstGeom prst="rect">
+            <a:off x="9029700" y="2809874"/>
+            <a:ext cx="1238250" cy="1238250"/>
+          </a:xfrm>
+          <a:prstGeom prst="ellipse">
             <a:avLst/>
           </a:prstGeom>
           <a:solidFill>
-            <a:schemeClr val="accent6">
-              <a:lumMod val="20000"/>
-              <a:lumOff val="80000"/>
+            <a:schemeClr val="accent2">
+              <a:lumMod val="50000"/>
             </a:schemeClr>
           </a:solidFill>
           <a:ln>
@@ -7807,10 +7615,10 @@
       </p:sp>
       <p:sp>
         <p:nvSpPr>
-          <p:cNvPr id="2" name="직사각형 1">
-            <a:extLst>
-              <a:ext uri="{FF2B5EF4-FFF2-40B4-BE49-F238E27FC236}">
-                <a16:creationId xmlns:a16="http://schemas.microsoft.com/office/drawing/2014/main" id="{442D5DB4-3CBC-44B9-B9E9-2DC6F47FD7D1}"/>
+          <p:cNvPr id="19" name="타원 18">
+            <a:extLst>
+              <a:ext uri="{FF2B5EF4-FFF2-40B4-BE49-F238E27FC236}">
+                <a16:creationId xmlns:a16="http://schemas.microsoft.com/office/drawing/2014/main" id="{941AE4C9-CC52-4204-B4A8-E10C29E6007E}"/>
               </a:ext>
             </a:extLst>
           </p:cNvPr>
@@ -7819,19 +7627,19 @@
         </p:nvSpPr>
         <p:spPr>
           <a:xfrm>
-            <a:off x="3638549" y="457192"/>
-            <a:ext cx="1495425" cy="714375"/>
-          </a:xfrm>
-          <a:prstGeom prst="rect">
+            <a:off x="1924048" y="2809875"/>
+            <a:ext cx="1238250" cy="1238250"/>
+          </a:xfrm>
+          <a:prstGeom prst="ellipse">
             <a:avLst/>
           </a:prstGeom>
           <a:solidFill>
-            <a:schemeClr val="bg1"/>
+            <a:schemeClr val="tx2">
+              <a:lumMod val="50000"/>
+            </a:schemeClr>
           </a:solidFill>
-          <a:ln w="15875">
-            <a:solidFill>
-              <a:schemeClr val="tx1"/>
-            </a:solidFill>
+          <a:ln>
+            <a:noFill/>
           </a:ln>
         </p:spPr>
         <p:style>
@@ -7855,25 +7663,16 @@
           <a:lstStyle/>
           <a:p>
             <a:pPr algn="ctr"/>
-            <a:r>
-              <a:rPr lang="en-US" altLang="ko-KR" sz="1200" dirty="0">
-                <a:solidFill>
-                  <a:schemeClr val="tx1"/>
-                </a:solidFill>
-                <a:latin typeface="AppleSDGothicNeoM00" panose="02000503000000000000" pitchFamily="2" charset="-127"/>
-                <a:ea typeface="AppleSDGothicNeoM00" panose="02000503000000000000" pitchFamily="2" charset="-127"/>
-              </a:rPr>
-              <a:t>Consumer</a:t>
-            </a:r>
-          </a:p>
-        </p:txBody>
-      </p:sp>
-      <p:sp>
-        <p:nvSpPr>
-          <p:cNvPr id="5" name="직사각형 4">
-            <a:extLst>
-              <a:ext uri="{FF2B5EF4-FFF2-40B4-BE49-F238E27FC236}">
-                <a16:creationId xmlns:a16="http://schemas.microsoft.com/office/drawing/2014/main" id="{B198BC91-B78F-4041-8DB9-63DB9231F9DD}"/>
+            <a:endParaRPr lang="ko-KR" altLang="en-US"/>
+          </a:p>
+        </p:txBody>
+      </p:sp>
+      <p:sp>
+        <p:nvSpPr>
+          <p:cNvPr id="32" name="타원 31">
+            <a:extLst>
+              <a:ext uri="{FF2B5EF4-FFF2-40B4-BE49-F238E27FC236}">
+                <a16:creationId xmlns:a16="http://schemas.microsoft.com/office/drawing/2014/main" id="{E9B345A8-A4BB-468C-A8B6-D051F57CDE38}"/>
               </a:ext>
             </a:extLst>
           </p:cNvPr>
@@ -7882,19 +7681,19 @@
         </p:nvSpPr>
         <p:spPr>
           <a:xfrm>
-            <a:off x="219071" y="457192"/>
-            <a:ext cx="1495425" cy="714375"/>
-          </a:xfrm>
-          <a:prstGeom prst="rect">
+            <a:off x="8015287" y="489346"/>
+            <a:ext cx="1238250" cy="1238250"/>
+          </a:xfrm>
+          <a:prstGeom prst="ellipse">
             <a:avLst/>
           </a:prstGeom>
           <a:solidFill>
-            <a:schemeClr val="bg1"/>
+            <a:schemeClr val="accent5">
+              <a:lumMod val="50000"/>
+            </a:schemeClr>
           </a:solidFill>
-          <a:ln w="15875">
-            <a:solidFill>
-              <a:schemeClr val="tx1"/>
-            </a:solidFill>
+          <a:ln>
+            <a:noFill/>
           </a:ln>
         </p:spPr>
         <p:style>
@@ -7918,32 +7717,16 @@
           <a:lstStyle/>
           <a:p>
             <a:pPr algn="ctr"/>
-            <a:r>
-              <a:rPr lang="en-US" altLang="ko-KR" sz="1200" dirty="0">
-                <a:solidFill>
-                  <a:schemeClr val="tx1"/>
-                </a:solidFill>
-                <a:latin typeface="AppleSDGothicNeoM00" panose="02000503000000000000" pitchFamily="2" charset="-127"/>
-                <a:ea typeface="AppleSDGothicNeoM00" panose="02000503000000000000" pitchFamily="2" charset="-127"/>
-              </a:rPr>
-              <a:t>User</a:t>
-            </a:r>
-            <a:endParaRPr lang="ko-KR" altLang="en-US" sz="1200" dirty="0">
-              <a:solidFill>
-                <a:schemeClr val="tx1"/>
-              </a:solidFill>
-              <a:latin typeface="AppleSDGothicNeoM00" panose="02000503000000000000" pitchFamily="2" charset="-127"/>
-              <a:ea typeface="AppleSDGothicNeoM00" panose="02000503000000000000" pitchFamily="2" charset="-127"/>
-            </a:endParaRPr>
-          </a:p>
-        </p:txBody>
-      </p:sp>
-      <p:sp>
-        <p:nvSpPr>
-          <p:cNvPr id="6" name="직사각형 5">
-            <a:extLst>
-              <a:ext uri="{FF2B5EF4-FFF2-40B4-BE49-F238E27FC236}">
-                <a16:creationId xmlns:a16="http://schemas.microsoft.com/office/drawing/2014/main" id="{524AEE3A-B5F9-40F6-B4E2-722CD76C47EA}"/>
+            <a:endParaRPr lang="ko-KR" altLang="en-US"/>
+          </a:p>
+        </p:txBody>
+      </p:sp>
+      <p:sp>
+        <p:nvSpPr>
+          <p:cNvPr id="33" name="타원 32">
+            <a:extLst>
+              <a:ext uri="{FF2B5EF4-FFF2-40B4-BE49-F238E27FC236}">
+                <a16:creationId xmlns:a16="http://schemas.microsoft.com/office/drawing/2014/main" id="{D1C92F02-A060-4EBA-8251-DCCA60EE1648}"/>
               </a:ext>
             </a:extLst>
           </p:cNvPr>
@@ -7952,19 +7735,19 @@
         </p:nvSpPr>
         <p:spPr>
           <a:xfrm>
-            <a:off x="7058027" y="457192"/>
-            <a:ext cx="1495425" cy="714375"/>
-          </a:xfrm>
-          <a:prstGeom prst="rect">
+            <a:off x="8015287" y="5130404"/>
+            <a:ext cx="1238250" cy="1238250"/>
+          </a:xfrm>
+          <a:prstGeom prst="ellipse">
             <a:avLst/>
           </a:prstGeom>
           <a:solidFill>
-            <a:schemeClr val="bg1"/>
+            <a:schemeClr val="accent1">
+              <a:lumMod val="50000"/>
+            </a:schemeClr>
           </a:solidFill>
-          <a:ln w="15875">
-            <a:solidFill>
-              <a:schemeClr val="tx1"/>
-            </a:solidFill>
+          <a:ln>
+            <a:noFill/>
           </a:ln>
         </p:spPr>
         <p:style>
@@ -7988,45 +7771,16 @@
           <a:lstStyle/>
           <a:p>
             <a:pPr algn="ctr"/>
-            <a:r>
-              <a:rPr lang="en-US" altLang="ko-KR" sz="1200" dirty="0">
-                <a:solidFill>
-                  <a:schemeClr val="tx1"/>
-                </a:solidFill>
-                <a:latin typeface="AppleSDGothicNeoM00" panose="02000503000000000000" pitchFamily="2" charset="-127"/>
-                <a:ea typeface="AppleSDGothicNeoM00" panose="02000503000000000000" pitchFamily="2" charset="-127"/>
-              </a:rPr>
-              <a:t>Service Provider</a:t>
-            </a:r>
-          </a:p>
-          <a:p>
-            <a:pPr algn="ctr"/>
-            <a:r>
-              <a:rPr lang="en-US" altLang="ko-KR" sz="1200" dirty="0">
-                <a:solidFill>
-                  <a:schemeClr val="tx1"/>
-                </a:solidFill>
-                <a:latin typeface="AppleSDGothicNeoM00" panose="02000503000000000000" pitchFamily="2" charset="-127"/>
-                <a:ea typeface="AppleSDGothicNeoM00" panose="02000503000000000000" pitchFamily="2" charset="-127"/>
-              </a:rPr>
-              <a:t>Authentication</a:t>
-            </a:r>
-            <a:endParaRPr lang="ko-KR" altLang="en-US" sz="1200" dirty="0">
-              <a:solidFill>
-                <a:schemeClr val="tx1"/>
-              </a:solidFill>
-              <a:latin typeface="AppleSDGothicNeoM00" panose="02000503000000000000" pitchFamily="2" charset="-127"/>
-              <a:ea typeface="AppleSDGothicNeoM00" panose="02000503000000000000" pitchFamily="2" charset="-127"/>
-            </a:endParaRPr>
-          </a:p>
-        </p:txBody>
-      </p:sp>
-      <p:sp>
-        <p:nvSpPr>
-          <p:cNvPr id="7" name="직사각형 6">
-            <a:extLst>
-              <a:ext uri="{FF2B5EF4-FFF2-40B4-BE49-F238E27FC236}">
-                <a16:creationId xmlns:a16="http://schemas.microsoft.com/office/drawing/2014/main" id="{3765916A-3F73-4BBC-9184-C73147D1FDBE}"/>
+            <a:endParaRPr lang="ko-KR" altLang="en-US"/>
+          </a:p>
+        </p:txBody>
+      </p:sp>
+      <p:sp>
+        <p:nvSpPr>
+          <p:cNvPr id="34" name="타원 33">
+            <a:extLst>
+              <a:ext uri="{FF2B5EF4-FFF2-40B4-BE49-F238E27FC236}">
+                <a16:creationId xmlns:a16="http://schemas.microsoft.com/office/drawing/2014/main" id="{44FA1724-CD45-4BD8-8E6F-610A12CF6D04}"/>
               </a:ext>
             </a:extLst>
           </p:cNvPr>
@@ -8035,19 +7789,17 @@
         </p:nvSpPr>
         <p:spPr>
           <a:xfrm>
-            <a:off x="10477505" y="457192"/>
-            <a:ext cx="1495425" cy="714375"/>
-          </a:xfrm>
-          <a:prstGeom prst="rect">
+            <a:off x="2933698" y="489346"/>
+            <a:ext cx="1238250" cy="1238250"/>
+          </a:xfrm>
+          <a:prstGeom prst="ellipse">
             <a:avLst/>
           </a:prstGeom>
           <a:solidFill>
-            <a:schemeClr val="bg1"/>
+            <a:srgbClr val="006600"/>
           </a:solidFill>
-          <a:ln w="15875">
-            <a:solidFill>
-              <a:schemeClr val="tx1"/>
-            </a:solidFill>
+          <a:ln>
+            <a:noFill/>
           </a:ln>
         </p:spPr>
         <p:style>
@@ -8071,66 +7823,93 @@
           <a:lstStyle/>
           <a:p>
             <a:pPr algn="ctr"/>
-            <a:r>
-              <a:rPr lang="en-US" altLang="ko-KR" sz="1200" dirty="0">
-                <a:solidFill>
-                  <a:schemeClr val="tx1"/>
-                </a:solidFill>
-                <a:latin typeface="AppleSDGothicNeoM00" panose="02000503000000000000" pitchFamily="2" charset="-127"/>
-                <a:ea typeface="AppleSDGothicNeoM00" panose="02000503000000000000" pitchFamily="2" charset="-127"/>
-              </a:rPr>
-              <a:t>Service Provider</a:t>
-            </a:r>
-          </a:p>
+            <a:endParaRPr lang="ko-KR" altLang="en-US"/>
+          </a:p>
+        </p:txBody>
+      </p:sp>
+      <p:sp>
+        <p:nvSpPr>
+          <p:cNvPr id="35" name="타원 34">
+            <a:extLst>
+              <a:ext uri="{FF2B5EF4-FFF2-40B4-BE49-F238E27FC236}">
+                <a16:creationId xmlns:a16="http://schemas.microsoft.com/office/drawing/2014/main" id="{CA649154-642D-44B9-B25A-A5C320AE3313}"/>
+              </a:ext>
+            </a:extLst>
+          </p:cNvPr>
+          <p:cNvSpPr/>
+          <p:nvPr/>
+        </p:nvSpPr>
+        <p:spPr>
+          <a:xfrm>
+            <a:off x="2933698" y="5130404"/>
+            <a:ext cx="1238250" cy="1238250"/>
+          </a:xfrm>
+          <a:prstGeom prst="ellipse">
+            <a:avLst/>
+          </a:prstGeom>
+          <a:solidFill>
+            <a:schemeClr val="accent4">
+              <a:lumMod val="50000"/>
+            </a:schemeClr>
+          </a:solidFill>
+          <a:ln>
+            <a:noFill/>
+          </a:ln>
+        </p:spPr>
+        <p:style>
+          <a:lnRef idx="2">
+            <a:schemeClr val="accent1">
+              <a:shade val="50000"/>
+            </a:schemeClr>
+          </a:lnRef>
+          <a:fillRef idx="1">
+            <a:schemeClr val="accent1"/>
+          </a:fillRef>
+          <a:effectRef idx="0">
+            <a:schemeClr val="accent1"/>
+          </a:effectRef>
+          <a:fontRef idx="minor">
+            <a:schemeClr val="lt1"/>
+          </a:fontRef>
+        </p:style>
+        <p:txBody>
+          <a:bodyPr rtlCol="0" anchor="ctr"/>
+          <a:lstStyle/>
           <a:p>
             <a:pPr algn="ctr"/>
-            <a:r>
-              <a:rPr lang="en-US" altLang="ko-KR" sz="1200" dirty="0">
-                <a:solidFill>
-                  <a:schemeClr val="tx1"/>
-                </a:solidFill>
-                <a:latin typeface="AppleSDGothicNeoM00" panose="02000503000000000000" pitchFamily="2" charset="-127"/>
-                <a:ea typeface="AppleSDGothicNeoM00" panose="02000503000000000000" pitchFamily="2" charset="-127"/>
-              </a:rPr>
-              <a:t>Resource</a:t>
-            </a:r>
-            <a:endParaRPr lang="ko-KR" altLang="en-US" sz="1200" dirty="0">
-              <a:solidFill>
-                <a:schemeClr val="tx1"/>
-              </a:solidFill>
-              <a:latin typeface="AppleSDGothicNeoM00" panose="02000503000000000000" pitchFamily="2" charset="-127"/>
-              <a:ea typeface="AppleSDGothicNeoM00" panose="02000503000000000000" pitchFamily="2" charset="-127"/>
-            </a:endParaRPr>
+            <a:endParaRPr lang="ko-KR" altLang="en-US"/>
           </a:p>
         </p:txBody>
       </p:sp>
       <p:cxnSp>
         <p:nvCxnSpPr>
-          <p:cNvPr id="9" name="직선 연결선 8">
-            <a:extLst>
-              <a:ext uri="{FF2B5EF4-FFF2-40B4-BE49-F238E27FC236}">
-                <a16:creationId xmlns:a16="http://schemas.microsoft.com/office/drawing/2014/main" id="{94DDD840-7F6A-4F35-A8D7-B802B5E56567}"/>
+          <p:cNvPr id="6" name="직선 화살표 연결선 5">
+            <a:extLst>
+              <a:ext uri="{FF2B5EF4-FFF2-40B4-BE49-F238E27FC236}">
+                <a16:creationId xmlns:a16="http://schemas.microsoft.com/office/drawing/2014/main" id="{9B3387BD-0E81-4D6D-BE02-2E0CCBBAC8C5}"/>
               </a:ext>
             </a:extLst>
           </p:cNvPr>
           <p:cNvCxnSpPr>
-            <a:stCxn id="5" idx="2"/>
+            <a:cxnSpLocks/>
+            <a:stCxn id="2" idx="1"/>
+            <a:endCxn id="34" idx="5"/>
           </p:cNvCxnSpPr>
           <p:nvPr/>
         </p:nvCxnSpPr>
         <p:spPr>
-          <a:xfrm flipH="1">
-            <a:off x="947734" y="1171567"/>
-            <a:ext cx="19050" cy="5229237"/>
-          </a:xfrm>
-          <a:prstGeom prst="line">
+          <a:xfrm flipH="1" flipV="1">
+            <a:off x="3990610" y="1546258"/>
+            <a:ext cx="1337577" cy="1114929"/>
+          </a:xfrm>
+          <a:prstGeom prst="straightConnector1">
             <a:avLst/>
           </a:prstGeom>
           <a:ln w="12700">
             <a:solidFill>
               <a:schemeClr val="tx1"/>
             </a:solidFill>
-            <a:prstDash val="dash"/>
+            <a:tailEnd type="triangle"/>
           </a:ln>
         </p:spPr>
         <p:style>
@@ -8150,31 +7929,33 @@
       </p:cxnSp>
       <p:cxnSp>
         <p:nvCxnSpPr>
-          <p:cNvPr id="17" name="직선 연결선 16">
-            <a:extLst>
-              <a:ext uri="{FF2B5EF4-FFF2-40B4-BE49-F238E27FC236}">
-                <a16:creationId xmlns:a16="http://schemas.microsoft.com/office/drawing/2014/main" id="{06B8ADE0-DC9B-446C-85C6-8BBB2614C209}"/>
+          <p:cNvPr id="47" name="직선 화살표 연결선 46">
+            <a:extLst>
+              <a:ext uri="{FF2B5EF4-FFF2-40B4-BE49-F238E27FC236}">
+                <a16:creationId xmlns:a16="http://schemas.microsoft.com/office/drawing/2014/main" id="{379AD3D9-3AC7-419E-AC2D-976EE0C04004}"/>
               </a:ext>
             </a:extLst>
           </p:cNvPr>
           <p:cNvCxnSpPr>
+            <a:cxnSpLocks/>
             <a:stCxn id="2" idx="2"/>
+            <a:endCxn id="19" idx="6"/>
           </p:cNvCxnSpPr>
           <p:nvPr/>
         </p:nvCxnSpPr>
         <p:spPr>
           <a:xfrm flipH="1">
-            <a:off x="4386261" y="1171567"/>
-            <a:ext cx="1" cy="5229237"/>
-          </a:xfrm>
-          <a:prstGeom prst="line">
+            <a:off x="3162298" y="3428999"/>
+            <a:ext cx="1847851" cy="1"/>
+          </a:xfrm>
+          <a:prstGeom prst="straightConnector1">
             <a:avLst/>
           </a:prstGeom>
           <a:ln w="12700">
             <a:solidFill>
               <a:schemeClr val="tx1"/>
             </a:solidFill>
-            <a:prstDash val="dash"/>
+            <a:tailEnd type="triangle"/>
           </a:ln>
         </p:spPr>
         <p:style>
@@ -8194,31 +7975,33 @@
       </p:cxnSp>
       <p:cxnSp>
         <p:nvCxnSpPr>
-          <p:cNvPr id="25" name="직선 연결선 24">
-            <a:extLst>
-              <a:ext uri="{FF2B5EF4-FFF2-40B4-BE49-F238E27FC236}">
-                <a16:creationId xmlns:a16="http://schemas.microsoft.com/office/drawing/2014/main" id="{7CDE3204-51A8-4E9F-955A-AFAAE9A6CB33}"/>
+          <p:cNvPr id="49" name="직선 화살표 연결선 48">
+            <a:extLst>
+              <a:ext uri="{FF2B5EF4-FFF2-40B4-BE49-F238E27FC236}">
+                <a16:creationId xmlns:a16="http://schemas.microsoft.com/office/drawing/2014/main" id="{DD6907BA-00A2-4195-A7A5-D025DF39F62E}"/>
               </a:ext>
             </a:extLst>
           </p:cNvPr>
           <p:cNvCxnSpPr>
-            <a:stCxn id="6" idx="2"/>
+            <a:cxnSpLocks/>
+            <a:stCxn id="2" idx="3"/>
+            <a:endCxn id="35" idx="7"/>
           </p:cNvCxnSpPr>
           <p:nvPr/>
         </p:nvCxnSpPr>
         <p:spPr>
           <a:xfrm flipH="1">
-            <a:off x="7805739" y="1171567"/>
-            <a:ext cx="1" cy="5229238"/>
-          </a:xfrm>
-          <a:prstGeom prst="line">
+            <a:off x="3990610" y="4196811"/>
+            <a:ext cx="1337577" cy="1114931"/>
+          </a:xfrm>
+          <a:prstGeom prst="straightConnector1">
             <a:avLst/>
           </a:prstGeom>
           <a:ln w="12700">
             <a:solidFill>
               <a:schemeClr val="tx1"/>
             </a:solidFill>
-            <a:prstDash val="dash"/>
+            <a:tailEnd type="triangle"/>
           </a:ln>
         </p:spPr>
         <p:style>
@@ -8238,31 +8021,33 @@
       </p:cxnSp>
       <p:cxnSp>
         <p:nvCxnSpPr>
-          <p:cNvPr id="29" name="직선 연결선 28">
-            <a:extLst>
-              <a:ext uri="{FF2B5EF4-FFF2-40B4-BE49-F238E27FC236}">
-                <a16:creationId xmlns:a16="http://schemas.microsoft.com/office/drawing/2014/main" id="{DE3F1C9D-07A8-49D4-853A-B2585C8FBC48}"/>
+          <p:cNvPr id="50" name="직선 화살표 연결선 49">
+            <a:extLst>
+              <a:ext uri="{FF2B5EF4-FFF2-40B4-BE49-F238E27FC236}">
+                <a16:creationId xmlns:a16="http://schemas.microsoft.com/office/drawing/2014/main" id="{973C43CE-5A65-439B-A93D-52A94AF7CFE1}"/>
               </a:ext>
             </a:extLst>
           </p:cNvPr>
           <p:cNvCxnSpPr>
-            <a:stCxn id="7" idx="2"/>
+            <a:cxnSpLocks/>
+            <a:stCxn id="2" idx="5"/>
+            <a:endCxn id="33" idx="1"/>
           </p:cNvCxnSpPr>
           <p:nvPr/>
         </p:nvCxnSpPr>
         <p:spPr>
-          <a:xfrm flipH="1">
-            <a:off x="11225217" y="1171567"/>
-            <a:ext cx="1" cy="5229237"/>
-          </a:xfrm>
-          <a:prstGeom prst="line">
+          <a:xfrm>
+            <a:off x="6863811" y="4196811"/>
+            <a:ext cx="1332814" cy="1114931"/>
+          </a:xfrm>
+          <a:prstGeom prst="straightConnector1">
             <a:avLst/>
           </a:prstGeom>
           <a:ln w="12700">
             <a:solidFill>
               <a:schemeClr val="tx1"/>
             </a:solidFill>
-            <a:prstDash val="dash"/>
+            <a:tailEnd type="triangle"/>
           </a:ln>
         </p:spPr>
         <p:style>
@@ -8282,293 +8067,24 @@
       </p:cxnSp>
       <p:cxnSp>
         <p:nvCxnSpPr>
-          <p:cNvPr id="43" name="직선 화살표 연결선 42">
-            <a:extLst>
-              <a:ext uri="{FF2B5EF4-FFF2-40B4-BE49-F238E27FC236}">
-                <a16:creationId xmlns:a16="http://schemas.microsoft.com/office/drawing/2014/main" id="{6789F9D4-C908-4EB3-A243-31B514D70235}"/>
+          <p:cNvPr id="52" name="직선 화살표 연결선 51">
+            <a:extLst>
+              <a:ext uri="{FF2B5EF4-FFF2-40B4-BE49-F238E27FC236}">
+                <a16:creationId xmlns:a16="http://schemas.microsoft.com/office/drawing/2014/main" id="{61E24E5E-59DC-4AD7-97C3-3699DBA9C075}"/>
               </a:ext>
             </a:extLst>
           </p:cNvPr>
           <p:cNvCxnSpPr>
             <a:cxnSpLocks/>
+            <a:stCxn id="2" idx="6"/>
+            <a:endCxn id="10" idx="2"/>
           </p:cNvCxnSpPr>
           <p:nvPr/>
         </p:nvCxnSpPr>
         <p:spPr>
           <a:xfrm>
-            <a:off x="966784" y="1612900"/>
-            <a:ext cx="3419477" cy="0"/>
-          </a:xfrm>
-          <a:prstGeom prst="straightConnector1">
-            <a:avLst/>
-          </a:prstGeom>
-          <a:ln w="12700">
-            <a:solidFill>
-              <a:schemeClr val="tx1"/>
-            </a:solidFill>
-            <a:tailEnd type="triangle"/>
-          </a:ln>
-        </p:spPr>
-        <p:style>
-          <a:lnRef idx="1">
-            <a:schemeClr val="accent1"/>
-          </a:lnRef>
-          <a:fillRef idx="0">
-            <a:schemeClr val="accent1"/>
-          </a:fillRef>
-          <a:effectRef idx="0">
-            <a:schemeClr val="accent1"/>
-          </a:effectRef>
-          <a:fontRef idx="minor">
-            <a:schemeClr val="tx1"/>
-          </a:fontRef>
-        </p:style>
-      </p:cxnSp>
-      <p:sp>
-        <p:nvSpPr>
-          <p:cNvPr id="44" name="TextBox 43">
-            <a:extLst>
-              <a:ext uri="{FF2B5EF4-FFF2-40B4-BE49-F238E27FC236}">
-                <a16:creationId xmlns:a16="http://schemas.microsoft.com/office/drawing/2014/main" id="{D2CCABE0-6A32-4C54-BB85-81DE454DD445}"/>
-              </a:ext>
-            </a:extLst>
-          </p:cNvPr>
-          <p:cNvSpPr txBox="1"/>
-          <p:nvPr/>
-        </p:nvSpPr>
-        <p:spPr>
-          <a:xfrm>
-            <a:off x="1993482" y="1305123"/>
-            <a:ext cx="1366080" cy="307777"/>
-          </a:xfrm>
-          <a:prstGeom prst="rect">
-            <a:avLst/>
-          </a:prstGeom>
-          <a:noFill/>
-        </p:spPr>
-        <p:txBody>
-          <a:bodyPr wrap="none" rtlCol="0">
-            <a:spAutoFit/>
-          </a:bodyPr>
-          <a:lstStyle/>
-          <a:p>
-            <a:pPr algn="ctr"/>
-            <a:r>
-              <a:rPr lang="en-US" altLang="ko-KR" sz="1400" dirty="0">
-                <a:latin typeface="AppleSDGothicNeoM00" panose="02000503000000000000" pitchFamily="2" charset="-127"/>
-                <a:ea typeface="AppleSDGothicNeoM00" panose="02000503000000000000" pitchFamily="2" charset="-127"/>
-              </a:rPr>
-              <a:t>1. </a:t>
-            </a:r>
-            <a:r>
-              <a:rPr lang="ko-KR" altLang="en-US" sz="1400" dirty="0">
-                <a:latin typeface="AppleSDGothicNeoM00" panose="02000503000000000000" pitchFamily="2" charset="-127"/>
-                <a:ea typeface="AppleSDGothicNeoM00" panose="02000503000000000000" pitchFamily="2" charset="-127"/>
-              </a:rPr>
-              <a:t>인증 자격 제공</a:t>
-            </a:r>
-          </a:p>
-        </p:txBody>
-      </p:sp>
-      <p:cxnSp>
-        <p:nvCxnSpPr>
-          <p:cNvPr id="93" name="직선 화살표 연결선 92">
-            <a:extLst>
-              <a:ext uri="{FF2B5EF4-FFF2-40B4-BE49-F238E27FC236}">
-                <a16:creationId xmlns:a16="http://schemas.microsoft.com/office/drawing/2014/main" id="{3E909BBF-E4F3-4D28-8425-D41112143437}"/>
-              </a:ext>
-            </a:extLst>
-          </p:cNvPr>
-          <p:cNvCxnSpPr>
-            <a:cxnSpLocks/>
-          </p:cNvCxnSpPr>
-          <p:nvPr/>
-        </p:nvCxnSpPr>
-        <p:spPr>
-          <a:xfrm>
-            <a:off x="4386259" y="2740318"/>
-            <a:ext cx="3419477" cy="0"/>
-          </a:xfrm>
-          <a:prstGeom prst="straightConnector1">
-            <a:avLst/>
-          </a:prstGeom>
-          <a:ln w="12700">
-            <a:solidFill>
-              <a:schemeClr val="tx1"/>
-            </a:solidFill>
-            <a:tailEnd type="triangle"/>
-          </a:ln>
-        </p:spPr>
-        <p:style>
-          <a:lnRef idx="1">
-            <a:schemeClr val="accent1"/>
-          </a:lnRef>
-          <a:fillRef idx="0">
-            <a:schemeClr val="accent1"/>
-          </a:fillRef>
-          <a:effectRef idx="0">
-            <a:schemeClr val="accent1"/>
-          </a:effectRef>
-          <a:fontRef idx="minor">
-            <a:schemeClr val="tx1"/>
-          </a:fontRef>
-        </p:style>
-      </p:cxnSp>
-      <p:sp>
-        <p:nvSpPr>
-          <p:cNvPr id="94" name="TextBox 93">
-            <a:extLst>
-              <a:ext uri="{FF2B5EF4-FFF2-40B4-BE49-F238E27FC236}">
-                <a16:creationId xmlns:a16="http://schemas.microsoft.com/office/drawing/2014/main" id="{00A64EED-8A50-4A98-9783-17054BF81BA9}"/>
-              </a:ext>
-            </a:extLst>
-          </p:cNvPr>
-          <p:cNvSpPr txBox="1"/>
-          <p:nvPr/>
-        </p:nvSpPr>
-        <p:spPr>
-          <a:xfrm>
-            <a:off x="5227813" y="2432541"/>
-            <a:ext cx="1736374" cy="307777"/>
-          </a:xfrm>
-          <a:prstGeom prst="rect">
-            <a:avLst/>
-          </a:prstGeom>
-          <a:noFill/>
-        </p:spPr>
-        <p:txBody>
-          <a:bodyPr wrap="none" rtlCol="0">
-            <a:spAutoFit/>
-          </a:bodyPr>
-          <a:lstStyle/>
-          <a:p>
-            <a:pPr algn="ctr"/>
-            <a:r>
-              <a:rPr lang="en-US" altLang="ko-KR" sz="1400" dirty="0">
-                <a:latin typeface="AppleSDGothicNeoM00" panose="02000503000000000000" pitchFamily="2" charset="-127"/>
-                <a:ea typeface="AppleSDGothicNeoM00" panose="02000503000000000000" pitchFamily="2" charset="-127"/>
-              </a:rPr>
-              <a:t>2. Access Token </a:t>
-            </a:r>
-            <a:r>
-              <a:rPr lang="ko-KR" altLang="en-US" sz="1400" dirty="0">
-                <a:latin typeface="AppleSDGothicNeoM00" panose="02000503000000000000" pitchFamily="2" charset="-127"/>
-                <a:ea typeface="AppleSDGothicNeoM00" panose="02000503000000000000" pitchFamily="2" charset="-127"/>
-              </a:rPr>
-              <a:t>요청</a:t>
-            </a:r>
-          </a:p>
-        </p:txBody>
-      </p:sp>
-      <p:cxnSp>
-        <p:nvCxnSpPr>
-          <p:cNvPr id="95" name="직선 화살표 연결선 94">
-            <a:extLst>
-              <a:ext uri="{FF2B5EF4-FFF2-40B4-BE49-F238E27FC236}">
-                <a16:creationId xmlns:a16="http://schemas.microsoft.com/office/drawing/2014/main" id="{65A125E4-FB05-480B-8D7C-F7197F55CDB8}"/>
-              </a:ext>
-            </a:extLst>
-          </p:cNvPr>
-          <p:cNvCxnSpPr>
-            <a:cxnSpLocks/>
-          </p:cNvCxnSpPr>
-          <p:nvPr/>
-        </p:nvCxnSpPr>
-        <p:spPr>
-          <a:xfrm flipH="1">
-            <a:off x="4386260" y="3276600"/>
-            <a:ext cx="3419476" cy="0"/>
-          </a:xfrm>
-          <a:prstGeom prst="straightConnector1">
-            <a:avLst/>
-          </a:prstGeom>
-          <a:ln w="12700">
-            <a:solidFill>
-              <a:schemeClr val="tx1"/>
-            </a:solidFill>
-            <a:prstDash val="dashDot"/>
-            <a:tailEnd type="triangle"/>
-          </a:ln>
-        </p:spPr>
-        <p:style>
-          <a:lnRef idx="1">
-            <a:schemeClr val="accent1"/>
-          </a:lnRef>
-          <a:fillRef idx="0">
-            <a:schemeClr val="accent1"/>
-          </a:fillRef>
-          <a:effectRef idx="0">
-            <a:schemeClr val="accent1"/>
-          </a:effectRef>
-          <a:fontRef idx="minor">
-            <a:schemeClr val="tx1"/>
-          </a:fontRef>
-        </p:style>
-      </p:cxnSp>
-      <p:sp>
-        <p:nvSpPr>
-          <p:cNvPr id="96" name="TextBox 95">
-            <a:extLst>
-              <a:ext uri="{FF2B5EF4-FFF2-40B4-BE49-F238E27FC236}">
-                <a16:creationId xmlns:a16="http://schemas.microsoft.com/office/drawing/2014/main" id="{D7A0EA0E-13AA-4E77-B117-7A831334B121}"/>
-              </a:ext>
-            </a:extLst>
-          </p:cNvPr>
-          <p:cNvSpPr txBox="1"/>
-          <p:nvPr/>
-        </p:nvSpPr>
-        <p:spPr>
-          <a:xfrm>
-            <a:off x="5241687" y="2963058"/>
-            <a:ext cx="1736374" cy="307777"/>
-          </a:xfrm>
-          <a:prstGeom prst="rect">
-            <a:avLst/>
-          </a:prstGeom>
-          <a:noFill/>
-        </p:spPr>
-        <p:txBody>
-          <a:bodyPr wrap="none" rtlCol="0">
-            <a:spAutoFit/>
-          </a:bodyPr>
-          <a:lstStyle/>
-          <a:p>
-            <a:pPr algn="ctr"/>
-            <a:r>
-              <a:rPr lang="en-US" altLang="ko-KR" sz="1400" dirty="0">
-                <a:latin typeface="AppleSDGothicNeoM00" panose="02000503000000000000" pitchFamily="2" charset="-127"/>
-                <a:ea typeface="AppleSDGothicNeoM00" panose="02000503000000000000" pitchFamily="2" charset="-127"/>
-              </a:rPr>
-              <a:t>3. Access Token </a:t>
-            </a:r>
-            <a:r>
-              <a:rPr lang="ko-KR" altLang="en-US" sz="1400" dirty="0">
-                <a:latin typeface="AppleSDGothicNeoM00" panose="02000503000000000000" pitchFamily="2" charset="-127"/>
-                <a:ea typeface="AppleSDGothicNeoM00" panose="02000503000000000000" pitchFamily="2" charset="-127"/>
-              </a:rPr>
-              <a:t>응답</a:t>
-            </a:r>
-          </a:p>
-        </p:txBody>
-      </p:sp>
-      <p:cxnSp>
-        <p:nvCxnSpPr>
-          <p:cNvPr id="97" name="직선 화살표 연결선 96">
-            <a:extLst>
-              <a:ext uri="{FF2B5EF4-FFF2-40B4-BE49-F238E27FC236}">
-                <a16:creationId xmlns:a16="http://schemas.microsoft.com/office/drawing/2014/main" id="{F9E9EDA9-D54B-4184-96E5-82BA73711A18}"/>
-              </a:ext>
-            </a:extLst>
-          </p:cNvPr>
-          <p:cNvCxnSpPr>
-            <a:cxnSpLocks/>
-          </p:cNvCxnSpPr>
-          <p:nvPr/>
-        </p:nvCxnSpPr>
-        <p:spPr>
-          <a:xfrm>
-            <a:off x="4386259" y="4648200"/>
-            <a:ext cx="6838958" cy="0"/>
+            <a:off x="7181849" y="3428999"/>
+            <a:ext cx="1847851" cy="0"/>
           </a:xfrm>
           <a:prstGeom prst="straightConnector1">
             <a:avLst/>
@@ -8597,22 +8113,24 @@
       </p:cxnSp>
       <p:cxnSp>
         <p:nvCxnSpPr>
-          <p:cNvPr id="98" name="직선 화살표 연결선 97">
-            <a:extLst>
-              <a:ext uri="{FF2B5EF4-FFF2-40B4-BE49-F238E27FC236}">
-                <a16:creationId xmlns:a16="http://schemas.microsoft.com/office/drawing/2014/main" id="{40E9B8F9-8572-46AB-BFE0-FE5157F073F2}"/>
+          <p:cNvPr id="53" name="직선 화살표 연결선 52">
+            <a:extLst>
+              <a:ext uri="{FF2B5EF4-FFF2-40B4-BE49-F238E27FC236}">
+                <a16:creationId xmlns:a16="http://schemas.microsoft.com/office/drawing/2014/main" id="{D010321F-C77A-414D-8C14-F89AB87CEF6C}"/>
               </a:ext>
             </a:extLst>
           </p:cNvPr>
           <p:cNvCxnSpPr>
             <a:cxnSpLocks/>
+            <a:stCxn id="2" idx="7"/>
+            <a:endCxn id="32" idx="3"/>
           </p:cNvCxnSpPr>
           <p:nvPr/>
         </p:nvCxnSpPr>
         <p:spPr>
-          <a:xfrm flipH="1">
-            <a:off x="4386259" y="5257800"/>
-            <a:ext cx="6838959" cy="0"/>
+          <a:xfrm flipV="1">
+            <a:off x="6863811" y="1546258"/>
+            <a:ext cx="1332814" cy="1114929"/>
           </a:xfrm>
           <a:prstGeom prst="straightConnector1">
             <a:avLst/>
@@ -8621,7 +8139,6 @@
             <a:solidFill>
               <a:schemeClr val="tx1"/>
             </a:solidFill>
-            <a:prstDash val="dashDot"/>
             <a:tailEnd type="triangle"/>
           </a:ln>
         </p:spPr>
@@ -8640,206 +8157,283 @@
           </a:fontRef>
         </p:style>
       </p:cxnSp>
-      <p:sp>
-        <p:nvSpPr>
-          <p:cNvPr id="99" name="TextBox 98">
-            <a:extLst>
-              <a:ext uri="{FF2B5EF4-FFF2-40B4-BE49-F238E27FC236}">
-                <a16:creationId xmlns:a16="http://schemas.microsoft.com/office/drawing/2014/main" id="{481941BE-2553-4E68-83D0-F20F159E7C5A}"/>
-              </a:ext>
-            </a:extLst>
-          </p:cNvPr>
-          <p:cNvSpPr txBox="1"/>
-          <p:nvPr/>
-        </p:nvSpPr>
-        <p:spPr>
-          <a:xfrm>
-            <a:off x="7134718" y="4340423"/>
-            <a:ext cx="1342035" cy="307777"/>
+      <p:pic>
+        <p:nvPicPr>
+          <p:cNvPr id="55" name="그래픽 54" descr="DVD 플레이어">
+            <a:extLst>
+              <a:ext uri="{FF2B5EF4-FFF2-40B4-BE49-F238E27FC236}">
+                <a16:creationId xmlns:a16="http://schemas.microsoft.com/office/drawing/2014/main" id="{FF6C6EBA-CA48-4D65-A9C6-3EBD40430B21}"/>
+              </a:ext>
+            </a:extLst>
+          </p:cNvPr>
+          <p:cNvPicPr>
+            <a:picLocks noChangeAspect="1"/>
+          </p:cNvPicPr>
+          <p:nvPr/>
+        </p:nvPicPr>
+        <p:blipFill>
+          <a:blip r:embed="rId2">
+            <a:extLst>
+              <a:ext uri="{28A0092B-C50C-407E-A947-70E740481C1C}">
+                <a14:useLocalDpi xmlns:a14="http://schemas.microsoft.com/office/drawing/2010/main" val="0"/>
+              </a:ext>
+              <a:ext uri="{96DAC541-7B7A-43D3-8B79-37D633B846F1}">
+                <asvg:svgBlip xmlns:asvg="http://schemas.microsoft.com/office/drawing/2016/SVG/main" r:embed="rId3"/>
+              </a:ext>
+            </a:extLst>
+          </a:blip>
+          <a:stretch>
+            <a:fillRect/>
+          </a:stretch>
+        </p:blipFill>
+        <p:spPr>
+          <a:xfrm>
+            <a:off x="5395696" y="2728091"/>
+            <a:ext cx="1409701" cy="1409701"/>
           </a:xfrm>
           <a:prstGeom prst="rect">
             <a:avLst/>
           </a:prstGeom>
-          <a:solidFill>
-            <a:schemeClr val="accent6">
-              <a:lumMod val="20000"/>
-              <a:lumOff val="80000"/>
-            </a:schemeClr>
-          </a:solidFill>
-        </p:spPr>
-        <p:txBody>
-          <a:bodyPr wrap="none" rtlCol="0">
-            <a:spAutoFit/>
-          </a:bodyPr>
-          <a:lstStyle/>
-          <a:p>
-            <a:pPr algn="ctr"/>
-            <a:r>
-              <a:rPr lang="en-US" altLang="ko-KR" sz="1400" dirty="0">
-                <a:latin typeface="AppleSDGothicNeoM00" panose="02000503000000000000" pitchFamily="2" charset="-127"/>
-                <a:ea typeface="AppleSDGothicNeoM00" panose="02000503000000000000" pitchFamily="2" charset="-127"/>
-              </a:rPr>
-              <a:t>4. </a:t>
-            </a:r>
-            <a:r>
-              <a:rPr lang="ko-KR" altLang="en-US" sz="1400" dirty="0">
-                <a:latin typeface="AppleSDGothicNeoM00" panose="02000503000000000000" pitchFamily="2" charset="-127"/>
-                <a:ea typeface="AppleSDGothicNeoM00" panose="02000503000000000000" pitchFamily="2" charset="-127"/>
-              </a:rPr>
-              <a:t>요구자원 요청</a:t>
-            </a:r>
-          </a:p>
-        </p:txBody>
-      </p:sp>
-      <p:sp>
-        <p:nvSpPr>
-          <p:cNvPr id="100" name="TextBox 99">
-            <a:extLst>
-              <a:ext uri="{FF2B5EF4-FFF2-40B4-BE49-F238E27FC236}">
-                <a16:creationId xmlns:a16="http://schemas.microsoft.com/office/drawing/2014/main" id="{7DF52884-39AA-48FA-9DC0-C3A1249862C4}"/>
-              </a:ext>
-            </a:extLst>
-          </p:cNvPr>
-          <p:cNvSpPr txBox="1"/>
-          <p:nvPr/>
-        </p:nvSpPr>
-        <p:spPr>
-          <a:xfrm>
-            <a:off x="7134718" y="4950023"/>
-            <a:ext cx="1358065" cy="307777"/>
+        </p:spPr>
+      </p:pic>
+      <p:pic>
+        <p:nvPicPr>
+          <p:cNvPr id="58" name="그래픽 57" descr="DVD 플레이어">
+            <a:extLst>
+              <a:ext uri="{FF2B5EF4-FFF2-40B4-BE49-F238E27FC236}">
+                <a16:creationId xmlns:a16="http://schemas.microsoft.com/office/drawing/2014/main" id="{3498AEA2-D054-4B6A-9B43-7B9BBCAA1B7F}"/>
+              </a:ext>
+            </a:extLst>
+          </p:cNvPr>
+          <p:cNvPicPr>
+            <a:picLocks noChangeAspect="1"/>
+          </p:cNvPicPr>
+          <p:nvPr/>
+        </p:nvPicPr>
+        <p:blipFill>
+          <a:blip r:embed="rId4">
+            <a:extLst>
+              <a:ext uri="{28A0092B-C50C-407E-A947-70E740481C1C}">
+                <a14:useLocalDpi xmlns:a14="http://schemas.microsoft.com/office/drawing/2010/main" val="0"/>
+              </a:ext>
+              <a:ext uri="{96DAC541-7B7A-43D3-8B79-37D633B846F1}">
+                <asvg:svgBlip xmlns:asvg="http://schemas.microsoft.com/office/drawing/2016/SVG/main" r:embed="rId5"/>
+              </a:ext>
+            </a:extLst>
+          </a:blip>
+          <a:stretch>
+            <a:fillRect/>
+          </a:stretch>
+        </p:blipFill>
+        <p:spPr>
+          <a:xfrm>
+            <a:off x="3157535" y="5349466"/>
+            <a:ext cx="790575" cy="790575"/>
           </a:xfrm>
           <a:prstGeom prst="rect">
             <a:avLst/>
           </a:prstGeom>
-          <a:solidFill>
-            <a:schemeClr val="accent6">
-              <a:lumMod val="20000"/>
-              <a:lumOff val="80000"/>
-            </a:schemeClr>
-          </a:solidFill>
-        </p:spPr>
-        <p:txBody>
-          <a:bodyPr wrap="none" rtlCol="0">
-            <a:spAutoFit/>
-          </a:bodyPr>
-          <a:lstStyle/>
-          <a:p>
-            <a:pPr algn="ctr"/>
-            <a:r>
-              <a:rPr lang="en-US" altLang="ko-KR" sz="1400" dirty="0">
-                <a:latin typeface="AppleSDGothicNeoM00" panose="02000503000000000000" pitchFamily="2" charset="-127"/>
-                <a:ea typeface="AppleSDGothicNeoM00" panose="02000503000000000000" pitchFamily="2" charset="-127"/>
-              </a:rPr>
-              <a:t>5. </a:t>
-            </a:r>
-            <a:r>
-              <a:rPr lang="ko-KR" altLang="en-US" sz="1400" dirty="0">
-                <a:latin typeface="AppleSDGothicNeoM00" panose="02000503000000000000" pitchFamily="2" charset="-127"/>
-                <a:ea typeface="AppleSDGothicNeoM00" panose="02000503000000000000" pitchFamily="2" charset="-127"/>
-              </a:rPr>
-              <a:t>요구자원 반환</a:t>
-            </a:r>
-          </a:p>
-        </p:txBody>
-      </p:sp>
-      <p:sp>
-        <p:nvSpPr>
-          <p:cNvPr id="101" name="직사각형 100">
-            <a:extLst>
-              <a:ext uri="{FF2B5EF4-FFF2-40B4-BE49-F238E27FC236}">
-                <a16:creationId xmlns:a16="http://schemas.microsoft.com/office/drawing/2014/main" id="{CBF40A68-91AA-47B3-B7EF-274E3F60A8BF}"/>
-              </a:ext>
-            </a:extLst>
-          </p:cNvPr>
-          <p:cNvSpPr/>
-          <p:nvPr/>
-        </p:nvSpPr>
-        <p:spPr>
-          <a:xfrm>
-            <a:off x="3962401" y="4117683"/>
-            <a:ext cx="7619998" cy="1568750"/>
+        </p:spPr>
+      </p:pic>
+      <p:pic>
+        <p:nvPicPr>
+          <p:cNvPr id="60" name="그래픽 59" descr="DVD 플레이어">
+            <a:extLst>
+              <a:ext uri="{FF2B5EF4-FFF2-40B4-BE49-F238E27FC236}">
+                <a16:creationId xmlns:a16="http://schemas.microsoft.com/office/drawing/2014/main" id="{F77C125C-F246-4CF9-8925-0817E36ACB8B}"/>
+              </a:ext>
+            </a:extLst>
+          </p:cNvPr>
+          <p:cNvPicPr>
+            <a:picLocks noChangeAspect="1"/>
+          </p:cNvPicPr>
+          <p:nvPr/>
+        </p:nvPicPr>
+        <p:blipFill>
+          <a:blip r:embed="rId4">
+            <a:extLst>
+              <a:ext uri="{28A0092B-C50C-407E-A947-70E740481C1C}">
+                <a14:useLocalDpi xmlns:a14="http://schemas.microsoft.com/office/drawing/2010/main" val="0"/>
+              </a:ext>
+              <a:ext uri="{96DAC541-7B7A-43D3-8B79-37D633B846F1}">
+                <asvg:svgBlip xmlns:asvg="http://schemas.microsoft.com/office/drawing/2016/SVG/main" r:embed="rId5"/>
+              </a:ext>
+            </a:extLst>
+          </a:blip>
+          <a:stretch>
+            <a:fillRect/>
+          </a:stretch>
+        </p:blipFill>
+        <p:spPr>
+          <a:xfrm>
+            <a:off x="2147885" y="3033710"/>
+            <a:ext cx="790575" cy="790575"/>
           </a:xfrm>
           <a:prstGeom prst="rect">
             <a:avLst/>
           </a:prstGeom>
-          <a:noFill/>
-          <a:ln w="19050">
-            <a:solidFill>
-              <a:schemeClr val="tx1"/>
-            </a:solidFill>
-          </a:ln>
-        </p:spPr>
-        <p:style>
-          <a:lnRef idx="2">
-            <a:schemeClr val="accent1">
-              <a:shade val="50000"/>
-            </a:schemeClr>
-          </a:lnRef>
-          <a:fillRef idx="1">
-            <a:schemeClr val="accent1"/>
-          </a:fillRef>
-          <a:effectRef idx="0">
-            <a:schemeClr val="accent1"/>
-          </a:effectRef>
-          <a:fontRef idx="minor">
-            <a:schemeClr val="lt1"/>
-          </a:fontRef>
-        </p:style>
-        <p:txBody>
-          <a:bodyPr rtlCol="0" anchor="ctr"/>
-          <a:lstStyle/>
-          <a:p>
-            <a:pPr algn="ctr"/>
-            <a:endParaRPr lang="ko-KR" altLang="en-US"/>
-          </a:p>
-        </p:txBody>
-      </p:sp>
-      <p:sp>
-        <p:nvSpPr>
-          <p:cNvPr id="102" name="TextBox 101">
-            <a:extLst>
-              <a:ext uri="{FF2B5EF4-FFF2-40B4-BE49-F238E27FC236}">
-                <a16:creationId xmlns:a16="http://schemas.microsoft.com/office/drawing/2014/main" id="{E355A6B0-22D0-485C-8BBA-BA9B21EC86CE}"/>
-              </a:ext>
-            </a:extLst>
-          </p:cNvPr>
-          <p:cNvSpPr txBox="1"/>
-          <p:nvPr/>
-        </p:nvSpPr>
-        <p:spPr>
-          <a:xfrm>
-            <a:off x="9776832" y="3667759"/>
-            <a:ext cx="1401346" cy="369332"/>
+        </p:spPr>
+      </p:pic>
+      <p:pic>
+        <p:nvPicPr>
+          <p:cNvPr id="62" name="그래픽 61" descr="DVD 플레이어">
+            <a:extLst>
+              <a:ext uri="{FF2B5EF4-FFF2-40B4-BE49-F238E27FC236}">
+                <a16:creationId xmlns:a16="http://schemas.microsoft.com/office/drawing/2014/main" id="{CDAAC16D-D74F-4A43-9F86-242957C7716C}"/>
+              </a:ext>
+            </a:extLst>
+          </p:cNvPr>
+          <p:cNvPicPr>
+            <a:picLocks noChangeAspect="1"/>
+          </p:cNvPicPr>
+          <p:nvPr/>
+        </p:nvPicPr>
+        <p:blipFill>
+          <a:blip r:embed="rId4">
+            <a:extLst>
+              <a:ext uri="{28A0092B-C50C-407E-A947-70E740481C1C}">
+                <a14:useLocalDpi xmlns:a14="http://schemas.microsoft.com/office/drawing/2010/main" val="0"/>
+              </a:ext>
+              <a:ext uri="{96DAC541-7B7A-43D3-8B79-37D633B846F1}">
+                <asvg:svgBlip xmlns:asvg="http://schemas.microsoft.com/office/drawing/2016/SVG/main" r:embed="rId5"/>
+              </a:ext>
+            </a:extLst>
+          </a:blip>
+          <a:stretch>
+            <a:fillRect/>
+          </a:stretch>
+        </p:blipFill>
+        <p:spPr>
+          <a:xfrm>
+            <a:off x="3157535" y="713184"/>
+            <a:ext cx="790575" cy="790575"/>
           </a:xfrm>
           <a:prstGeom prst="rect">
             <a:avLst/>
           </a:prstGeom>
-          <a:noFill/>
-        </p:spPr>
-        <p:txBody>
-          <a:bodyPr wrap="none" rtlCol="0">
-            <a:spAutoFit/>
-          </a:bodyPr>
-          <a:lstStyle/>
-          <a:p>
-            <a:pPr algn="ctr"/>
-            <a:r>
-              <a:rPr lang="ko-KR" altLang="en-US" dirty="0">
-                <a:solidFill>
-                  <a:srgbClr val="0070C0"/>
-                </a:solidFill>
-                <a:latin typeface="AppleSDGothicNeoM00" panose="02000503000000000000" pitchFamily="2" charset="-127"/>
-                <a:ea typeface="AppleSDGothicNeoM00" panose="02000503000000000000" pitchFamily="2" charset="-127"/>
-              </a:rPr>
-              <a:t>♻ 반복 수행</a:t>
-            </a:r>
-          </a:p>
-        </p:txBody>
-      </p:sp>
+        </p:spPr>
+      </p:pic>
+      <p:pic>
+        <p:nvPicPr>
+          <p:cNvPr id="64" name="그래픽 63" descr="DVD 플레이어">
+            <a:extLst>
+              <a:ext uri="{FF2B5EF4-FFF2-40B4-BE49-F238E27FC236}">
+                <a16:creationId xmlns:a16="http://schemas.microsoft.com/office/drawing/2014/main" id="{E32AACC1-A4A4-4397-94D6-B80CD425FA2F}"/>
+              </a:ext>
+            </a:extLst>
+          </p:cNvPr>
+          <p:cNvPicPr>
+            <a:picLocks noChangeAspect="1"/>
+          </p:cNvPicPr>
+          <p:nvPr/>
+        </p:nvPicPr>
+        <p:blipFill>
+          <a:blip r:embed="rId4">
+            <a:extLst>
+              <a:ext uri="{28A0092B-C50C-407E-A947-70E740481C1C}">
+                <a14:useLocalDpi xmlns:a14="http://schemas.microsoft.com/office/drawing/2010/main" val="0"/>
+              </a:ext>
+              <a:ext uri="{96DAC541-7B7A-43D3-8B79-37D633B846F1}">
+                <asvg:svgBlip xmlns:asvg="http://schemas.microsoft.com/office/drawing/2016/SVG/main" r:embed="rId5"/>
+              </a:ext>
+            </a:extLst>
+          </a:blip>
+          <a:stretch>
+            <a:fillRect/>
+          </a:stretch>
+        </p:blipFill>
+        <p:spPr>
+          <a:xfrm>
+            <a:off x="8239124" y="713184"/>
+            <a:ext cx="790575" cy="790575"/>
+          </a:xfrm>
+          <a:prstGeom prst="rect">
+            <a:avLst/>
+          </a:prstGeom>
+        </p:spPr>
+      </p:pic>
+      <p:pic>
+        <p:nvPicPr>
+          <p:cNvPr id="66" name="그래픽 65" descr="DVD 플레이어">
+            <a:extLst>
+              <a:ext uri="{FF2B5EF4-FFF2-40B4-BE49-F238E27FC236}">
+                <a16:creationId xmlns:a16="http://schemas.microsoft.com/office/drawing/2014/main" id="{785E7964-C5F9-4B3B-8F3A-A04EDBE5ADF7}"/>
+              </a:ext>
+            </a:extLst>
+          </p:cNvPr>
+          <p:cNvPicPr>
+            <a:picLocks noChangeAspect="1"/>
+          </p:cNvPicPr>
+          <p:nvPr/>
+        </p:nvPicPr>
+        <p:blipFill>
+          <a:blip r:embed="rId4">
+            <a:extLst>
+              <a:ext uri="{28A0092B-C50C-407E-A947-70E740481C1C}">
+                <a14:useLocalDpi xmlns:a14="http://schemas.microsoft.com/office/drawing/2010/main" val="0"/>
+              </a:ext>
+              <a:ext uri="{96DAC541-7B7A-43D3-8B79-37D633B846F1}">
+                <asvg:svgBlip xmlns:asvg="http://schemas.microsoft.com/office/drawing/2016/SVG/main" r:embed="rId5"/>
+              </a:ext>
+            </a:extLst>
+          </a:blip>
+          <a:stretch>
+            <a:fillRect/>
+          </a:stretch>
+        </p:blipFill>
+        <p:spPr>
+          <a:xfrm>
+            <a:off x="9253537" y="3033710"/>
+            <a:ext cx="790575" cy="790575"/>
+          </a:xfrm>
+          <a:prstGeom prst="rect">
+            <a:avLst/>
+          </a:prstGeom>
+        </p:spPr>
+      </p:pic>
+      <p:pic>
+        <p:nvPicPr>
+          <p:cNvPr id="67" name="그래픽 66" descr="DVD 플레이어">
+            <a:extLst>
+              <a:ext uri="{FF2B5EF4-FFF2-40B4-BE49-F238E27FC236}">
+                <a16:creationId xmlns:a16="http://schemas.microsoft.com/office/drawing/2014/main" id="{21A48ADD-2634-45BB-BBB6-489291DCCF43}"/>
+              </a:ext>
+            </a:extLst>
+          </p:cNvPr>
+          <p:cNvPicPr>
+            <a:picLocks noChangeAspect="1"/>
+          </p:cNvPicPr>
+          <p:nvPr/>
+        </p:nvPicPr>
+        <p:blipFill>
+          <a:blip r:embed="rId4">
+            <a:extLst>
+              <a:ext uri="{28A0092B-C50C-407E-A947-70E740481C1C}">
+                <a14:useLocalDpi xmlns:a14="http://schemas.microsoft.com/office/drawing/2010/main" val="0"/>
+              </a:ext>
+              <a:ext uri="{96DAC541-7B7A-43D3-8B79-37D633B846F1}">
+                <asvg:svgBlip xmlns:asvg="http://schemas.microsoft.com/office/drawing/2016/SVG/main" r:embed="rId5"/>
+              </a:ext>
+            </a:extLst>
+          </a:blip>
+          <a:stretch>
+            <a:fillRect/>
+          </a:stretch>
+        </p:blipFill>
+        <p:spPr>
+          <a:xfrm>
+            <a:off x="8239123" y="5349466"/>
+            <a:ext cx="790575" cy="790575"/>
+          </a:xfrm>
+          <a:prstGeom prst="rect">
+            <a:avLst/>
+          </a:prstGeom>
+        </p:spPr>
+      </p:pic>
     </p:spTree>
     <p:extLst>
       <p:ext uri="{BB962C8B-B14F-4D97-AF65-F5344CB8AC3E}">
-        <p14:creationId xmlns:p14="http://schemas.microsoft.com/office/powerpoint/2010/main" val="517230011"/>
+        <p14:creationId xmlns:p14="http://schemas.microsoft.com/office/powerpoint/2010/main" val="3114994351"/>
       </p:ext>
     </p:extLst>
   </p:cSld>
@@ -8866,376 +8460,449 @@
           <a:chExt cx="0" cy="0"/>
         </a:xfrm>
       </p:grpSpPr>
-      <p:sp>
-        <p:nvSpPr>
-          <p:cNvPr id="3" name="직사각형 2">
-            <a:extLst>
-              <a:ext uri="{FF2B5EF4-FFF2-40B4-BE49-F238E27FC236}">
-                <a16:creationId xmlns:a16="http://schemas.microsoft.com/office/drawing/2014/main" id="{AE2D6E9A-C8D3-4F57-95FE-317AFE2BC2A9}"/>
-              </a:ext>
-            </a:extLst>
-          </p:cNvPr>
-          <p:cNvSpPr/>
-          <p:nvPr/>
-        </p:nvSpPr>
-        <p:spPr>
-          <a:xfrm>
-            <a:off x="-1" y="0"/>
-            <a:ext cx="12192001" cy="6858000"/>
+      <p:pic>
+        <p:nvPicPr>
+          <p:cNvPr id="23" name="그래픽 22" descr="브라우저 창">
+            <a:extLst>
+              <a:ext uri="{FF2B5EF4-FFF2-40B4-BE49-F238E27FC236}">
+                <a16:creationId xmlns:a16="http://schemas.microsoft.com/office/drawing/2014/main" id="{EBCA529F-ADB1-4135-9C47-9A6BB281ADD0}"/>
+              </a:ext>
+            </a:extLst>
+          </p:cNvPr>
+          <p:cNvPicPr>
+            <a:picLocks noChangeAspect="1"/>
+          </p:cNvPicPr>
+          <p:nvPr/>
+        </p:nvPicPr>
+        <p:blipFill>
+          <a:blip r:embed="rId2">
+            <a:extLst>
+              <a:ext uri="{28A0092B-C50C-407E-A947-70E740481C1C}">
+                <a14:useLocalDpi xmlns:a14="http://schemas.microsoft.com/office/drawing/2010/main" val="0"/>
+              </a:ext>
+              <a:ext uri="{96DAC541-7B7A-43D3-8B79-37D633B846F1}">
+                <asvg:svgBlip xmlns:asvg="http://schemas.microsoft.com/office/drawing/2016/SVG/main" r:embed="rId3"/>
+              </a:ext>
+            </a:extLst>
+          </a:blip>
+          <a:stretch>
+            <a:fillRect/>
+          </a:stretch>
+        </p:blipFill>
+        <p:spPr>
+          <a:xfrm>
+            <a:off x="1347209" y="2771638"/>
+            <a:ext cx="1314451" cy="1314451"/>
           </a:xfrm>
           <a:prstGeom prst="rect">
             <a:avLst/>
           </a:prstGeom>
-          <a:solidFill>
-            <a:schemeClr val="bg1"/>
-          </a:solidFill>
-          <a:ln>
+        </p:spPr>
+      </p:pic>
+      <p:pic>
+        <p:nvPicPr>
+          <p:cNvPr id="24" name="그래픽 23" descr="서버">
+            <a:extLst>
+              <a:ext uri="{FF2B5EF4-FFF2-40B4-BE49-F238E27FC236}">
+                <a16:creationId xmlns:a16="http://schemas.microsoft.com/office/drawing/2014/main" id="{6D11E0BB-0116-489D-85DB-8B9F640A7FA7}"/>
+              </a:ext>
+            </a:extLst>
+          </p:cNvPr>
+          <p:cNvPicPr>
+            <a:picLocks noChangeAspect="1"/>
+          </p:cNvPicPr>
+          <p:nvPr/>
+        </p:nvPicPr>
+        <p:blipFill>
+          <a:blip r:embed="rId4">
+            <a:extLst>
+              <a:ext uri="{28A0092B-C50C-407E-A947-70E740481C1C}">
+                <a14:useLocalDpi xmlns:a14="http://schemas.microsoft.com/office/drawing/2010/main" val="0"/>
+              </a:ext>
+              <a:ext uri="{96DAC541-7B7A-43D3-8B79-37D633B846F1}">
+                <asvg:svgBlip xmlns:asvg="http://schemas.microsoft.com/office/drawing/2016/SVG/main" r:embed="rId5"/>
+              </a:ext>
+            </a:extLst>
+          </a:blip>
+          <a:stretch>
+            <a:fillRect/>
+          </a:stretch>
+        </p:blipFill>
+        <p:spPr>
+          <a:xfrm>
+            <a:off x="3531378" y="2771638"/>
+            <a:ext cx="1314451" cy="1314451"/>
+          </a:xfrm>
+          <a:prstGeom prst="rect">
+            <a:avLst/>
+          </a:prstGeom>
+        </p:spPr>
+      </p:pic>
+      <p:pic>
+        <p:nvPicPr>
+          <p:cNvPr id="25" name="그래픽 24" descr="프로세서">
+            <a:extLst>
+              <a:ext uri="{FF2B5EF4-FFF2-40B4-BE49-F238E27FC236}">
+                <a16:creationId xmlns:a16="http://schemas.microsoft.com/office/drawing/2014/main" id="{8E2E071F-1331-40FE-B691-898C4033238D}"/>
+              </a:ext>
+            </a:extLst>
+          </p:cNvPr>
+          <p:cNvPicPr>
+            <a:picLocks noChangeAspect="1"/>
+          </p:cNvPicPr>
+          <p:nvPr/>
+        </p:nvPicPr>
+        <p:blipFill>
+          <a:blip r:embed="rId6">
+            <a:extLst>
+              <a:ext uri="{28A0092B-C50C-407E-A947-70E740481C1C}">
+                <a14:useLocalDpi xmlns:a14="http://schemas.microsoft.com/office/drawing/2010/main" val="0"/>
+              </a:ext>
+              <a:ext uri="{96DAC541-7B7A-43D3-8B79-37D633B846F1}">
+                <asvg:svgBlip xmlns:asvg="http://schemas.microsoft.com/office/drawing/2016/SVG/main" r:embed="rId7"/>
+              </a:ext>
+            </a:extLst>
+          </a:blip>
+          <a:stretch>
+            <a:fillRect/>
+          </a:stretch>
+        </p:blipFill>
+        <p:spPr>
+          <a:xfrm>
+            <a:off x="5715548" y="2771639"/>
+            <a:ext cx="1314450" cy="1314450"/>
+          </a:xfrm>
+          <a:prstGeom prst="rect">
+            <a:avLst/>
+          </a:prstGeom>
+        </p:spPr>
+      </p:pic>
+      <p:grpSp>
+        <p:nvGrpSpPr>
+          <p:cNvPr id="4" name="그룹 3">
+            <a:extLst>
+              <a:ext uri="{FF2B5EF4-FFF2-40B4-BE49-F238E27FC236}">
+                <a16:creationId xmlns:a16="http://schemas.microsoft.com/office/drawing/2014/main" id="{1BA24EE4-7645-4EE3-B96E-C16E5B09DA9C}"/>
+              </a:ext>
+            </a:extLst>
+          </p:cNvPr>
+          <p:cNvGrpSpPr/>
+          <p:nvPr/>
+        </p:nvGrpSpPr>
+        <p:grpSpPr>
+          <a:xfrm>
+            <a:off x="7899719" y="1254064"/>
+            <a:ext cx="2819307" cy="4349600"/>
+            <a:chOff x="7938210" y="1457321"/>
+            <a:chExt cx="2819307" cy="4349600"/>
+          </a:xfrm>
+        </p:grpSpPr>
+        <p:sp>
+          <p:nvSpPr>
+            <p:cNvPr id="3" name="사각형: 둥근 모서리 2">
+              <a:extLst>
+                <a:ext uri="{FF2B5EF4-FFF2-40B4-BE49-F238E27FC236}">
+                  <a16:creationId xmlns:a16="http://schemas.microsoft.com/office/drawing/2014/main" id="{DCEC37B6-5F1A-49E6-B5A6-23BE591852C3}"/>
+                </a:ext>
+              </a:extLst>
+            </p:cNvPr>
+            <p:cNvSpPr/>
+            <p:nvPr/>
+          </p:nvSpPr>
+          <p:spPr>
+            <a:xfrm>
+              <a:off x="7938210" y="1457321"/>
+              <a:ext cx="2819307" cy="4349600"/>
+            </a:xfrm>
+            <a:prstGeom prst="roundRect">
+              <a:avLst>
+                <a:gd name="adj" fmla="val 2442"/>
+              </a:avLst>
+            </a:prstGeom>
             <a:noFill/>
-          </a:ln>
-        </p:spPr>
-        <p:style>
-          <a:lnRef idx="2">
-            <a:schemeClr val="accent1">
-              <a:shade val="50000"/>
-            </a:schemeClr>
-          </a:lnRef>
-          <a:fillRef idx="1">
-            <a:schemeClr val="accent1"/>
-          </a:fillRef>
-          <a:effectRef idx="0">
-            <a:schemeClr val="accent1"/>
-          </a:effectRef>
-          <a:fontRef idx="minor">
-            <a:schemeClr val="lt1"/>
-          </a:fontRef>
-        </p:style>
-        <p:txBody>
-          <a:bodyPr rtlCol="0" anchor="ctr"/>
-          <a:lstStyle/>
-          <a:p>
-            <a:pPr algn="ctr"/>
-            <a:endParaRPr lang="ko-KR" altLang="en-US"/>
-          </a:p>
-        </p:txBody>
-      </p:sp>
-      <p:sp>
-        <p:nvSpPr>
-          <p:cNvPr id="60" name="직사각형 59">
-            <a:extLst>
-              <a:ext uri="{FF2B5EF4-FFF2-40B4-BE49-F238E27FC236}">
-                <a16:creationId xmlns:a16="http://schemas.microsoft.com/office/drawing/2014/main" id="{FCDB5A1A-C47C-4309-AF47-55078683541D}"/>
-              </a:ext>
-            </a:extLst>
-          </p:cNvPr>
-          <p:cNvSpPr/>
-          <p:nvPr/>
-        </p:nvSpPr>
-        <p:spPr>
-          <a:xfrm>
-            <a:off x="4152900" y="0"/>
-            <a:ext cx="8039100" cy="6858000"/>
-          </a:xfrm>
-          <a:prstGeom prst="rect">
-            <a:avLst/>
-          </a:prstGeom>
-          <a:solidFill>
-            <a:schemeClr val="accent6">
-              <a:lumMod val="20000"/>
-              <a:lumOff val="80000"/>
-            </a:schemeClr>
-          </a:solidFill>
-          <a:ln>
+            <a:ln w="25400">
+              <a:solidFill>
+                <a:schemeClr val="tx1"/>
+              </a:solidFill>
+            </a:ln>
+          </p:spPr>
+          <p:style>
+            <a:lnRef idx="2">
+              <a:schemeClr val="accent1">
+                <a:shade val="50000"/>
+              </a:schemeClr>
+            </a:lnRef>
+            <a:fillRef idx="1">
+              <a:schemeClr val="accent1"/>
+            </a:fillRef>
+            <a:effectRef idx="0">
+              <a:schemeClr val="accent1"/>
+            </a:effectRef>
+            <a:fontRef idx="minor">
+              <a:schemeClr val="lt1"/>
+            </a:fontRef>
+          </p:style>
+          <p:txBody>
+            <a:bodyPr rtlCol="0" anchor="ctr"/>
+            <a:lstStyle/>
+            <a:p>
+              <a:pPr algn="ctr"/>
+              <a:endParaRPr lang="ko-KR" altLang="en-US"/>
+            </a:p>
+          </p:txBody>
+        </p:sp>
+        <p:sp>
+          <p:nvSpPr>
+            <p:cNvPr id="27" name="사각형: 둥근 모서리 26">
+              <a:extLst>
+                <a:ext uri="{FF2B5EF4-FFF2-40B4-BE49-F238E27FC236}">
+                  <a16:creationId xmlns:a16="http://schemas.microsoft.com/office/drawing/2014/main" id="{FBF08ED1-1EF1-42FB-8DDF-7E7AA293578C}"/>
+                </a:ext>
+              </a:extLst>
+            </p:cNvPr>
+            <p:cNvSpPr/>
+            <p:nvPr/>
+          </p:nvSpPr>
+          <p:spPr>
+            <a:xfrm>
+              <a:off x="8385050" y="1834766"/>
+              <a:ext cx="1925624" cy="708464"/>
+            </a:xfrm>
+            <a:prstGeom prst="roundRect">
+              <a:avLst>
+                <a:gd name="adj" fmla="val 9680"/>
+              </a:avLst>
+            </a:prstGeom>
+            <a:solidFill>
+              <a:srgbClr val="00C73C"/>
+            </a:solidFill>
+            <a:ln w="19050">
+              <a:noFill/>
+            </a:ln>
+          </p:spPr>
+          <p:style>
+            <a:lnRef idx="2">
+              <a:schemeClr val="accent1">
+                <a:shade val="50000"/>
+              </a:schemeClr>
+            </a:lnRef>
+            <a:fillRef idx="1">
+              <a:schemeClr val="accent1"/>
+            </a:fillRef>
+            <a:effectRef idx="0">
+              <a:schemeClr val="accent1"/>
+            </a:effectRef>
+            <a:fontRef idx="minor">
+              <a:schemeClr val="lt1"/>
+            </a:fontRef>
+          </p:style>
+          <p:txBody>
+            <a:bodyPr rtlCol="0" anchor="ctr"/>
+            <a:lstStyle/>
+            <a:p>
+              <a:pPr algn="ctr"/>
+              <a:endParaRPr lang="ko-KR" altLang="en-US"/>
+            </a:p>
+          </p:txBody>
+        </p:sp>
+        <p:sp>
+          <p:nvSpPr>
+            <p:cNvPr id="38" name="사각형: 둥근 모서리 37">
+              <a:extLst>
+                <a:ext uri="{FF2B5EF4-FFF2-40B4-BE49-F238E27FC236}">
+                  <a16:creationId xmlns:a16="http://schemas.microsoft.com/office/drawing/2014/main" id="{1D360CB3-D7AB-41F1-A533-6A54BB062A31}"/>
+                </a:ext>
+              </a:extLst>
+            </p:cNvPr>
+            <p:cNvSpPr/>
+            <p:nvPr/>
+          </p:nvSpPr>
+          <p:spPr>
+            <a:xfrm>
+              <a:off x="8385050" y="2794985"/>
+              <a:ext cx="1925624" cy="708464"/>
+            </a:xfrm>
+            <a:prstGeom prst="roundRect">
+              <a:avLst>
+                <a:gd name="adj" fmla="val 9680"/>
+              </a:avLst>
+            </a:prstGeom>
             <a:noFill/>
-          </a:ln>
-        </p:spPr>
-        <p:style>
-          <a:lnRef idx="2">
-            <a:schemeClr val="accent1">
-              <a:shade val="50000"/>
-            </a:schemeClr>
-          </a:lnRef>
-          <a:fillRef idx="1">
-            <a:schemeClr val="accent1"/>
-          </a:fillRef>
-          <a:effectRef idx="0">
-            <a:schemeClr val="accent1"/>
-          </a:effectRef>
-          <a:fontRef idx="minor">
-            <a:schemeClr val="lt1"/>
-          </a:fontRef>
-        </p:style>
-        <p:txBody>
-          <a:bodyPr rtlCol="0" anchor="ctr"/>
-          <a:lstStyle/>
-          <a:p>
-            <a:pPr algn="ctr"/>
-            <a:endParaRPr lang="ko-KR" altLang="en-US"/>
-          </a:p>
-        </p:txBody>
-      </p:sp>
-      <p:sp>
-        <p:nvSpPr>
-          <p:cNvPr id="5" name="직사각형 4">
-            <a:extLst>
-              <a:ext uri="{FF2B5EF4-FFF2-40B4-BE49-F238E27FC236}">
-                <a16:creationId xmlns:a16="http://schemas.microsoft.com/office/drawing/2014/main" id="{B198BC91-B78F-4041-8DB9-63DB9231F9DD}"/>
-              </a:ext>
-            </a:extLst>
-          </p:cNvPr>
-          <p:cNvSpPr/>
-          <p:nvPr/>
-        </p:nvSpPr>
-        <p:spPr>
-          <a:xfrm>
-            <a:off x="1539081" y="457192"/>
-            <a:ext cx="1495425" cy="714375"/>
-          </a:xfrm>
-          <a:prstGeom prst="rect">
-            <a:avLst/>
-          </a:prstGeom>
-          <a:solidFill>
-            <a:schemeClr val="bg1"/>
-          </a:solidFill>
-          <a:ln w="15875">
+            <a:ln w="19050">
+              <a:solidFill>
+                <a:schemeClr val="bg1">
+                  <a:lumMod val="75000"/>
+                </a:schemeClr>
+              </a:solidFill>
+            </a:ln>
+          </p:spPr>
+          <p:style>
+            <a:lnRef idx="2">
+              <a:schemeClr val="accent1">
+                <a:shade val="50000"/>
+              </a:schemeClr>
+            </a:lnRef>
+            <a:fillRef idx="1">
+              <a:schemeClr val="accent1"/>
+            </a:fillRef>
+            <a:effectRef idx="0">
+              <a:schemeClr val="accent1"/>
+            </a:effectRef>
+            <a:fontRef idx="minor">
+              <a:schemeClr val="lt1"/>
+            </a:fontRef>
+          </p:style>
+          <p:txBody>
+            <a:bodyPr rtlCol="0" anchor="ctr"/>
+            <a:lstStyle/>
+            <a:p>
+              <a:pPr algn="ctr"/>
+              <a:endParaRPr lang="ko-KR" altLang="en-US" dirty="0"/>
+            </a:p>
+          </p:txBody>
+        </p:sp>
+        <p:sp>
+          <p:nvSpPr>
+            <p:cNvPr id="39" name="사각형: 둥근 모서리 38">
+              <a:extLst>
+                <a:ext uri="{FF2B5EF4-FFF2-40B4-BE49-F238E27FC236}">
+                  <a16:creationId xmlns:a16="http://schemas.microsoft.com/office/drawing/2014/main" id="{FC3C4CED-CA12-4258-A019-01791B099116}"/>
+                </a:ext>
+              </a:extLst>
+            </p:cNvPr>
+            <p:cNvSpPr/>
+            <p:nvPr/>
+          </p:nvSpPr>
+          <p:spPr>
+            <a:xfrm>
+              <a:off x="8385050" y="3755210"/>
+              <a:ext cx="1925624" cy="708464"/>
+            </a:xfrm>
+            <a:prstGeom prst="roundRect">
+              <a:avLst>
+                <a:gd name="adj" fmla="val 9680"/>
+              </a:avLst>
+            </a:prstGeom>
+            <a:solidFill>
+              <a:srgbClr val="FFDC00"/>
+            </a:solidFill>
+            <a:ln w="19050">
+              <a:noFill/>
+            </a:ln>
+          </p:spPr>
+          <p:style>
+            <a:lnRef idx="2">
+              <a:schemeClr val="accent1">
+                <a:shade val="50000"/>
+              </a:schemeClr>
+            </a:lnRef>
+            <a:fillRef idx="1">
+              <a:schemeClr val="accent1"/>
+            </a:fillRef>
+            <a:effectRef idx="0">
+              <a:schemeClr val="accent1"/>
+            </a:effectRef>
+            <a:fontRef idx="minor">
+              <a:schemeClr val="lt1"/>
+            </a:fontRef>
+          </p:style>
+          <p:txBody>
+            <a:bodyPr rtlCol="0" anchor="ctr"/>
+            <a:lstStyle/>
+            <a:p>
+              <a:pPr algn="ctr"/>
+              <a:endParaRPr lang="ko-KR" altLang="en-US" dirty="0"/>
+            </a:p>
+          </p:txBody>
+        </p:sp>
+        <p:sp>
+          <p:nvSpPr>
+            <p:cNvPr id="40" name="사각형: 둥근 모서리 39">
+              <a:extLst>
+                <a:ext uri="{FF2B5EF4-FFF2-40B4-BE49-F238E27FC236}">
+                  <a16:creationId xmlns:a16="http://schemas.microsoft.com/office/drawing/2014/main" id="{99908DCC-264B-46BB-9AA4-1A6637E99D6A}"/>
+                </a:ext>
+              </a:extLst>
+            </p:cNvPr>
+            <p:cNvSpPr/>
+            <p:nvPr/>
+          </p:nvSpPr>
+          <p:spPr>
+            <a:xfrm>
+              <a:off x="8385050" y="4721013"/>
+              <a:ext cx="1925624" cy="708464"/>
+            </a:xfrm>
+            <a:prstGeom prst="roundRect">
+              <a:avLst>
+                <a:gd name="adj" fmla="val 9680"/>
+              </a:avLst>
+            </a:prstGeom>
             <a:solidFill>
               <a:schemeClr val="tx1"/>
             </a:solidFill>
-          </a:ln>
-        </p:spPr>
-        <p:style>
-          <a:lnRef idx="2">
-            <a:schemeClr val="accent1">
-              <a:shade val="50000"/>
-            </a:schemeClr>
-          </a:lnRef>
-          <a:fillRef idx="1">
-            <a:schemeClr val="accent1"/>
-          </a:fillRef>
-          <a:effectRef idx="0">
-            <a:schemeClr val="accent1"/>
-          </a:effectRef>
-          <a:fontRef idx="minor">
-            <a:schemeClr val="lt1"/>
-          </a:fontRef>
-        </p:style>
-        <p:txBody>
-          <a:bodyPr rtlCol="0" anchor="ctr"/>
-          <a:lstStyle/>
-          <a:p>
-            <a:pPr algn="ctr"/>
-            <a:r>
-              <a:rPr lang="en-US" altLang="ko-KR" sz="1200" dirty="0">
-                <a:solidFill>
-                  <a:schemeClr val="tx1"/>
-                </a:solidFill>
-                <a:latin typeface="AppleSDGothicNeoM00" panose="02000503000000000000" pitchFamily="2" charset="-127"/>
-                <a:ea typeface="AppleSDGothicNeoM00" panose="02000503000000000000" pitchFamily="2" charset="-127"/>
-              </a:rPr>
-              <a:t>User</a:t>
-            </a:r>
-            <a:endParaRPr lang="ko-KR" altLang="en-US" sz="1200" dirty="0">
-              <a:solidFill>
-                <a:schemeClr val="tx1"/>
-              </a:solidFill>
-              <a:latin typeface="AppleSDGothicNeoM00" panose="02000503000000000000" pitchFamily="2" charset="-127"/>
-              <a:ea typeface="AppleSDGothicNeoM00" panose="02000503000000000000" pitchFamily="2" charset="-127"/>
-            </a:endParaRPr>
-          </a:p>
-        </p:txBody>
-      </p:sp>
-      <p:sp>
-        <p:nvSpPr>
-          <p:cNvPr id="6" name="직사각형 5">
-            <a:extLst>
-              <a:ext uri="{FF2B5EF4-FFF2-40B4-BE49-F238E27FC236}">
-                <a16:creationId xmlns:a16="http://schemas.microsoft.com/office/drawing/2014/main" id="{524AEE3A-B5F9-40F6-B4E2-722CD76C47EA}"/>
-              </a:ext>
-            </a:extLst>
-          </p:cNvPr>
-          <p:cNvSpPr/>
-          <p:nvPr/>
-        </p:nvSpPr>
-        <p:spPr>
-          <a:xfrm>
-            <a:off x="5348287" y="457192"/>
-            <a:ext cx="1495425" cy="714375"/>
-          </a:xfrm>
-          <a:prstGeom prst="rect">
-            <a:avLst/>
-          </a:prstGeom>
-          <a:solidFill>
-            <a:schemeClr val="bg1"/>
-          </a:solidFill>
-          <a:ln w="15875">
-            <a:solidFill>
-              <a:schemeClr val="tx1"/>
-            </a:solidFill>
-          </a:ln>
-        </p:spPr>
-        <p:style>
-          <a:lnRef idx="2">
-            <a:schemeClr val="accent1">
-              <a:shade val="50000"/>
-            </a:schemeClr>
-          </a:lnRef>
-          <a:fillRef idx="1">
-            <a:schemeClr val="accent1"/>
-          </a:fillRef>
-          <a:effectRef idx="0">
-            <a:schemeClr val="accent1"/>
-          </a:effectRef>
-          <a:fontRef idx="minor">
-            <a:schemeClr val="lt1"/>
-          </a:fontRef>
-        </p:style>
-        <p:txBody>
-          <a:bodyPr rtlCol="0" anchor="ctr"/>
-          <a:lstStyle/>
-          <a:p>
-            <a:pPr algn="ctr"/>
-            <a:r>
-              <a:rPr lang="en-US" altLang="ko-KR" sz="1200" dirty="0">
-                <a:solidFill>
-                  <a:schemeClr val="tx1"/>
-                </a:solidFill>
-                <a:latin typeface="AppleSDGothicNeoM00" panose="02000503000000000000" pitchFamily="2" charset="-127"/>
-                <a:ea typeface="AppleSDGothicNeoM00" panose="02000503000000000000" pitchFamily="2" charset="-127"/>
-              </a:rPr>
-              <a:t>Service Provider</a:t>
-            </a:r>
-          </a:p>
-          <a:p>
-            <a:pPr algn="ctr"/>
-            <a:r>
-              <a:rPr lang="en-US" altLang="ko-KR" sz="1200" dirty="0">
-                <a:solidFill>
-                  <a:schemeClr val="tx1"/>
-                </a:solidFill>
-                <a:latin typeface="AppleSDGothicNeoM00" panose="02000503000000000000" pitchFamily="2" charset="-127"/>
-                <a:ea typeface="AppleSDGothicNeoM00" panose="02000503000000000000" pitchFamily="2" charset="-127"/>
-              </a:rPr>
-              <a:t>Authentication</a:t>
-            </a:r>
-            <a:endParaRPr lang="ko-KR" altLang="en-US" sz="1200" dirty="0">
-              <a:solidFill>
-                <a:schemeClr val="tx1"/>
-              </a:solidFill>
-              <a:latin typeface="AppleSDGothicNeoM00" panose="02000503000000000000" pitchFamily="2" charset="-127"/>
-              <a:ea typeface="AppleSDGothicNeoM00" panose="02000503000000000000" pitchFamily="2" charset="-127"/>
-            </a:endParaRPr>
-          </a:p>
-        </p:txBody>
-      </p:sp>
-      <p:sp>
-        <p:nvSpPr>
-          <p:cNvPr id="7" name="직사각형 6">
-            <a:extLst>
-              <a:ext uri="{FF2B5EF4-FFF2-40B4-BE49-F238E27FC236}">
-                <a16:creationId xmlns:a16="http://schemas.microsoft.com/office/drawing/2014/main" id="{3765916A-3F73-4BBC-9184-C73147D1FDBE}"/>
-              </a:ext>
-            </a:extLst>
-          </p:cNvPr>
-          <p:cNvSpPr/>
-          <p:nvPr/>
-        </p:nvSpPr>
-        <p:spPr>
-          <a:xfrm>
-            <a:off x="9157493" y="457192"/>
-            <a:ext cx="1495425" cy="714375"/>
-          </a:xfrm>
-          <a:prstGeom prst="rect">
-            <a:avLst/>
-          </a:prstGeom>
-          <a:solidFill>
-            <a:schemeClr val="bg1"/>
-          </a:solidFill>
-          <a:ln w="15875">
-            <a:solidFill>
-              <a:schemeClr val="tx1"/>
-            </a:solidFill>
-          </a:ln>
-        </p:spPr>
-        <p:style>
-          <a:lnRef idx="2">
-            <a:schemeClr val="accent1">
-              <a:shade val="50000"/>
-            </a:schemeClr>
-          </a:lnRef>
-          <a:fillRef idx="1">
-            <a:schemeClr val="accent1"/>
-          </a:fillRef>
-          <a:effectRef idx="0">
-            <a:schemeClr val="accent1"/>
-          </a:effectRef>
-          <a:fontRef idx="minor">
-            <a:schemeClr val="lt1"/>
-          </a:fontRef>
-        </p:style>
-        <p:txBody>
-          <a:bodyPr rtlCol="0" anchor="ctr"/>
-          <a:lstStyle/>
-          <a:p>
-            <a:pPr algn="ctr"/>
-            <a:r>
-              <a:rPr lang="en-US" altLang="ko-KR" sz="1200" dirty="0">
-                <a:solidFill>
-                  <a:schemeClr val="tx1"/>
-                </a:solidFill>
-                <a:latin typeface="AppleSDGothicNeoM00" panose="02000503000000000000" pitchFamily="2" charset="-127"/>
-                <a:ea typeface="AppleSDGothicNeoM00" panose="02000503000000000000" pitchFamily="2" charset="-127"/>
-              </a:rPr>
-              <a:t>Service Provider</a:t>
-            </a:r>
-          </a:p>
-          <a:p>
-            <a:pPr algn="ctr"/>
-            <a:r>
-              <a:rPr lang="en-US" altLang="ko-KR" sz="1200" dirty="0">
-                <a:solidFill>
-                  <a:schemeClr val="tx1"/>
-                </a:solidFill>
-                <a:latin typeface="AppleSDGothicNeoM00" panose="02000503000000000000" pitchFamily="2" charset="-127"/>
-                <a:ea typeface="AppleSDGothicNeoM00" panose="02000503000000000000" pitchFamily="2" charset="-127"/>
-              </a:rPr>
-              <a:t>Resource</a:t>
-            </a:r>
-            <a:endParaRPr lang="ko-KR" altLang="en-US" sz="1200" dirty="0">
-              <a:solidFill>
-                <a:schemeClr val="tx1"/>
-              </a:solidFill>
-              <a:latin typeface="AppleSDGothicNeoM00" panose="02000503000000000000" pitchFamily="2" charset="-127"/>
-              <a:ea typeface="AppleSDGothicNeoM00" panose="02000503000000000000" pitchFamily="2" charset="-127"/>
-            </a:endParaRPr>
-          </a:p>
-        </p:txBody>
-      </p:sp>
+            <a:ln w="19050">
+              <a:noFill/>
+            </a:ln>
+          </p:spPr>
+          <p:style>
+            <a:lnRef idx="2">
+              <a:schemeClr val="accent1">
+                <a:shade val="50000"/>
+              </a:schemeClr>
+            </a:lnRef>
+            <a:fillRef idx="1">
+              <a:schemeClr val="accent1"/>
+            </a:fillRef>
+            <a:effectRef idx="0">
+              <a:schemeClr val="accent1"/>
+            </a:effectRef>
+            <a:fontRef idx="minor">
+              <a:schemeClr val="lt1"/>
+            </a:fontRef>
+          </p:style>
+          <p:txBody>
+            <a:bodyPr rtlCol="0" anchor="ctr"/>
+            <a:lstStyle/>
+            <a:p>
+              <a:pPr algn="ctr"/>
+              <a:endParaRPr lang="ko-KR" altLang="en-US"/>
+            </a:p>
+          </p:txBody>
+        </p:sp>
+      </p:grpSp>
       <p:cxnSp>
         <p:nvCxnSpPr>
-          <p:cNvPr id="9" name="직선 연결선 8">
-            <a:extLst>
-              <a:ext uri="{FF2B5EF4-FFF2-40B4-BE49-F238E27FC236}">
-                <a16:creationId xmlns:a16="http://schemas.microsoft.com/office/drawing/2014/main" id="{94DDD840-7F6A-4F35-A8D7-B802B5E56567}"/>
+          <p:cNvPr id="41" name="직선 화살표 연결선 40">
+            <a:extLst>
+              <a:ext uri="{FF2B5EF4-FFF2-40B4-BE49-F238E27FC236}">
+                <a16:creationId xmlns:a16="http://schemas.microsoft.com/office/drawing/2014/main" id="{4817A5EE-1E35-479F-8933-CBA7D2FB9E8C}"/>
               </a:ext>
             </a:extLst>
           </p:cNvPr>
           <p:cNvCxnSpPr>
-            <a:stCxn id="5" idx="2"/>
+            <a:cxnSpLocks/>
+            <a:stCxn id="23" idx="3"/>
+            <a:endCxn id="24" idx="1"/>
           </p:cNvCxnSpPr>
           <p:nvPr/>
         </p:nvCxnSpPr>
         <p:spPr>
-          <a:xfrm flipH="1">
-            <a:off x="2267744" y="1171567"/>
-            <a:ext cx="19050" cy="5229237"/>
-          </a:xfrm>
-          <a:prstGeom prst="line">
-            <a:avLst/>
-          </a:prstGeom>
-          <a:ln w="12700">
+          <a:xfrm>
+            <a:off x="2661660" y="3428864"/>
+            <a:ext cx="869718" cy="0"/>
+          </a:xfrm>
+          <a:prstGeom prst="straightConnector1">
+            <a:avLst/>
+          </a:prstGeom>
+          <a:ln w="19050">
             <a:solidFill>
-              <a:schemeClr val="tx1"/>
+              <a:schemeClr val="bg2">
+                <a:lumMod val="50000"/>
+              </a:schemeClr>
             </a:solidFill>
             <a:prstDash val="dash"/>
+            <a:headEnd type="triangle"/>
+            <a:tailEnd type="triangle"/>
           </a:ln>
         </p:spPr>
         <p:style>
@@ -9255,31 +8922,37 @@
       </p:cxnSp>
       <p:cxnSp>
         <p:nvCxnSpPr>
-          <p:cNvPr id="25" name="직선 연결선 24">
-            <a:extLst>
-              <a:ext uri="{FF2B5EF4-FFF2-40B4-BE49-F238E27FC236}">
-                <a16:creationId xmlns:a16="http://schemas.microsoft.com/office/drawing/2014/main" id="{7CDE3204-51A8-4E9F-955A-AFAAE9A6CB33}"/>
+          <p:cNvPr id="42" name="직선 화살표 연결선 41">
+            <a:extLst>
+              <a:ext uri="{FF2B5EF4-FFF2-40B4-BE49-F238E27FC236}">
+                <a16:creationId xmlns:a16="http://schemas.microsoft.com/office/drawing/2014/main" id="{EC24EBB1-91C9-421B-AC04-064093257535}"/>
               </a:ext>
             </a:extLst>
           </p:cNvPr>
           <p:cNvCxnSpPr>
-            <a:stCxn id="6" idx="2"/>
+            <a:cxnSpLocks/>
+            <a:stCxn id="24" idx="3"/>
+            <a:endCxn id="25" idx="1"/>
           </p:cNvCxnSpPr>
           <p:nvPr/>
         </p:nvCxnSpPr>
         <p:spPr>
-          <a:xfrm flipH="1">
-            <a:off x="6095999" y="1171567"/>
-            <a:ext cx="1" cy="5229238"/>
-          </a:xfrm>
-          <a:prstGeom prst="line">
-            <a:avLst/>
-          </a:prstGeom>
-          <a:ln w="12700">
+          <a:xfrm>
+            <a:off x="4845829" y="3428864"/>
+            <a:ext cx="869719" cy="0"/>
+          </a:xfrm>
+          <a:prstGeom prst="straightConnector1">
+            <a:avLst/>
+          </a:prstGeom>
+          <a:ln w="19050">
             <a:solidFill>
-              <a:schemeClr val="tx1"/>
+              <a:schemeClr val="bg2">
+                <a:lumMod val="50000"/>
+              </a:schemeClr>
             </a:solidFill>
             <a:prstDash val="dash"/>
+            <a:headEnd type="triangle"/>
+            <a:tailEnd type="triangle"/>
           </a:ln>
         </p:spPr>
         <p:style>
@@ -9299,31 +8972,37 @@
       </p:cxnSp>
       <p:cxnSp>
         <p:nvCxnSpPr>
-          <p:cNvPr id="29" name="직선 연결선 28">
-            <a:extLst>
-              <a:ext uri="{FF2B5EF4-FFF2-40B4-BE49-F238E27FC236}">
-                <a16:creationId xmlns:a16="http://schemas.microsoft.com/office/drawing/2014/main" id="{DE3F1C9D-07A8-49D4-853A-B2585C8FBC48}"/>
+          <p:cNvPr id="45" name="연결선: 꺾임 44">
+            <a:extLst>
+              <a:ext uri="{FF2B5EF4-FFF2-40B4-BE49-F238E27FC236}">
+                <a16:creationId xmlns:a16="http://schemas.microsoft.com/office/drawing/2014/main" id="{7891D510-3B8B-42C9-A609-F9B753913E8C}"/>
               </a:ext>
             </a:extLst>
           </p:cNvPr>
           <p:cNvCxnSpPr>
-            <a:stCxn id="7" idx="2"/>
+            <a:cxnSpLocks/>
+            <a:stCxn id="25" idx="3"/>
+            <a:endCxn id="27" idx="1"/>
           </p:cNvCxnSpPr>
           <p:nvPr/>
         </p:nvCxnSpPr>
         <p:spPr>
-          <a:xfrm flipH="1">
-            <a:off x="9905205" y="1171567"/>
-            <a:ext cx="1" cy="5229237"/>
-          </a:xfrm>
-          <a:prstGeom prst="line">
-            <a:avLst/>
-          </a:prstGeom>
-          <a:ln w="12700">
+          <a:xfrm flipV="1">
+            <a:off x="7029998" y="1985741"/>
+            <a:ext cx="1316561" cy="1443123"/>
+          </a:xfrm>
+          <a:prstGeom prst="bentConnector3">
+            <a:avLst/>
+          </a:prstGeom>
+          <a:ln w="19050">
             <a:solidFill>
-              <a:schemeClr val="tx1"/>
+              <a:schemeClr val="bg2">
+                <a:lumMod val="50000"/>
+              </a:schemeClr>
             </a:solidFill>
             <a:prstDash val="dash"/>
+            <a:headEnd type="triangle"/>
+            <a:tailEnd type="triangle"/>
           </a:ln>
         </p:spPr>
         <p:style>
@@ -9343,211 +9022,36 @@
       </p:cxnSp>
       <p:cxnSp>
         <p:nvCxnSpPr>
-          <p:cNvPr id="26" name="직선 화살표 연결선 25">
-            <a:extLst>
-              <a:ext uri="{FF2B5EF4-FFF2-40B4-BE49-F238E27FC236}">
-                <a16:creationId xmlns:a16="http://schemas.microsoft.com/office/drawing/2014/main" id="{841B5CD7-16A1-4AA7-B2FB-7ABFC464DE1C}"/>
+          <p:cNvPr id="48" name="연결선: 꺾임 47">
+            <a:extLst>
+              <a:ext uri="{FF2B5EF4-FFF2-40B4-BE49-F238E27FC236}">
+                <a16:creationId xmlns:a16="http://schemas.microsoft.com/office/drawing/2014/main" id="{913475CB-2FB6-44AE-8EA0-981D639CED45}"/>
               </a:ext>
             </a:extLst>
           </p:cNvPr>
           <p:cNvCxnSpPr>
             <a:cxnSpLocks/>
+            <a:stCxn id="25" idx="3"/>
+            <a:endCxn id="38" idx="1"/>
           </p:cNvCxnSpPr>
           <p:nvPr/>
         </p:nvCxnSpPr>
         <p:spPr>
-          <a:xfrm>
-            <a:off x="2309812" y="1790700"/>
-            <a:ext cx="3786187" cy="0"/>
-          </a:xfrm>
-          <a:prstGeom prst="straightConnector1">
-            <a:avLst/>
-          </a:prstGeom>
-          <a:ln w="12700">
+          <a:xfrm flipV="1">
+            <a:off x="7029998" y="2945960"/>
+            <a:ext cx="1316561" cy="482904"/>
+          </a:xfrm>
+          <a:prstGeom prst="bentConnector3">
+            <a:avLst/>
+          </a:prstGeom>
+          <a:ln w="19050">
             <a:solidFill>
-              <a:schemeClr val="tx1"/>
+              <a:schemeClr val="bg2">
+                <a:lumMod val="50000"/>
+              </a:schemeClr>
             </a:solidFill>
-            <a:tailEnd type="triangle"/>
-          </a:ln>
-        </p:spPr>
-        <p:style>
-          <a:lnRef idx="1">
-            <a:schemeClr val="accent1"/>
-          </a:lnRef>
-          <a:fillRef idx="0">
-            <a:schemeClr val="accent1"/>
-          </a:fillRef>
-          <a:effectRef idx="0">
-            <a:schemeClr val="accent1"/>
-          </a:effectRef>
-          <a:fontRef idx="minor">
-            <a:schemeClr val="tx1"/>
-          </a:fontRef>
-        </p:style>
-      </p:cxnSp>
-      <p:sp>
-        <p:nvSpPr>
-          <p:cNvPr id="27" name="TextBox 26">
-            <a:extLst>
-              <a:ext uri="{FF2B5EF4-FFF2-40B4-BE49-F238E27FC236}">
-                <a16:creationId xmlns:a16="http://schemas.microsoft.com/office/drawing/2014/main" id="{2CA21F30-49EF-418E-A2E7-5A0C01776B89}"/>
-              </a:ext>
-            </a:extLst>
-          </p:cNvPr>
-          <p:cNvSpPr txBox="1"/>
-          <p:nvPr/>
-        </p:nvSpPr>
-        <p:spPr>
-          <a:xfrm>
-            <a:off x="3299544" y="1482923"/>
-            <a:ext cx="1705916" cy="307777"/>
-          </a:xfrm>
-          <a:prstGeom prst="rect">
-            <a:avLst/>
-          </a:prstGeom>
-          <a:noFill/>
-        </p:spPr>
-        <p:txBody>
-          <a:bodyPr wrap="none" rtlCol="0">
-            <a:spAutoFit/>
-          </a:bodyPr>
-          <a:lstStyle/>
-          <a:p>
-            <a:pPr algn="ctr"/>
-            <a:r>
-              <a:rPr lang="en-US" altLang="ko-KR" sz="1400" dirty="0">
-                <a:latin typeface="AppleSDGothicNeoM00" panose="02000503000000000000" pitchFamily="2" charset="-127"/>
-                <a:ea typeface="AppleSDGothicNeoM00" panose="02000503000000000000" pitchFamily="2" charset="-127"/>
-              </a:rPr>
-              <a:t>1. Access Token </a:t>
-            </a:r>
-            <a:r>
-              <a:rPr lang="ko-KR" altLang="en-US" sz="1400" dirty="0">
-                <a:latin typeface="AppleSDGothicNeoM00" panose="02000503000000000000" pitchFamily="2" charset="-127"/>
-                <a:ea typeface="AppleSDGothicNeoM00" panose="02000503000000000000" pitchFamily="2" charset="-127"/>
-              </a:rPr>
-              <a:t>요청</a:t>
-            </a:r>
-          </a:p>
-        </p:txBody>
-      </p:sp>
-      <p:cxnSp>
-        <p:nvCxnSpPr>
-          <p:cNvPr id="28" name="직선 화살표 연결선 27">
-            <a:extLst>
-              <a:ext uri="{FF2B5EF4-FFF2-40B4-BE49-F238E27FC236}">
-                <a16:creationId xmlns:a16="http://schemas.microsoft.com/office/drawing/2014/main" id="{D9241A60-9DCC-4B6F-9A1A-8F7633ED42E7}"/>
-              </a:ext>
-            </a:extLst>
-          </p:cNvPr>
-          <p:cNvCxnSpPr>
-            <a:cxnSpLocks/>
-          </p:cNvCxnSpPr>
-          <p:nvPr/>
-        </p:nvCxnSpPr>
-        <p:spPr>
-          <a:xfrm flipH="1">
-            <a:off x="2286794" y="2415598"/>
-            <a:ext cx="3809205" cy="0"/>
-          </a:xfrm>
-          <a:prstGeom prst="straightConnector1">
-            <a:avLst/>
-          </a:prstGeom>
-          <a:ln w="12700">
-            <a:solidFill>
-              <a:schemeClr val="tx1"/>
-            </a:solidFill>
-            <a:prstDash val="dashDot"/>
-            <a:tailEnd type="triangle"/>
-          </a:ln>
-        </p:spPr>
-        <p:style>
-          <a:lnRef idx="1">
-            <a:schemeClr val="accent1"/>
-          </a:lnRef>
-          <a:fillRef idx="0">
-            <a:schemeClr val="accent1"/>
-          </a:fillRef>
-          <a:effectRef idx="0">
-            <a:schemeClr val="accent1"/>
-          </a:effectRef>
-          <a:fontRef idx="minor">
-            <a:schemeClr val="tx1"/>
-          </a:fontRef>
-        </p:style>
-      </p:cxnSp>
-      <p:sp>
-        <p:nvSpPr>
-          <p:cNvPr id="30" name="TextBox 29">
-            <a:extLst>
-              <a:ext uri="{FF2B5EF4-FFF2-40B4-BE49-F238E27FC236}">
-                <a16:creationId xmlns:a16="http://schemas.microsoft.com/office/drawing/2014/main" id="{823BEDD7-451D-431A-A02A-1E9D39EA2DF6}"/>
-              </a:ext>
-            </a:extLst>
-          </p:cNvPr>
-          <p:cNvSpPr txBox="1"/>
-          <p:nvPr/>
-        </p:nvSpPr>
-        <p:spPr>
-          <a:xfrm>
-            <a:off x="3284315" y="2098477"/>
-            <a:ext cx="1736374" cy="307777"/>
-          </a:xfrm>
-          <a:prstGeom prst="rect">
-            <a:avLst/>
-          </a:prstGeom>
-          <a:noFill/>
-        </p:spPr>
-        <p:txBody>
-          <a:bodyPr wrap="none" rtlCol="0">
-            <a:spAutoFit/>
-          </a:bodyPr>
-          <a:lstStyle/>
-          <a:p>
-            <a:pPr algn="ctr"/>
-            <a:r>
-              <a:rPr lang="en-US" altLang="ko-KR" sz="1400" dirty="0">
-                <a:latin typeface="AppleSDGothicNeoM00" panose="02000503000000000000" pitchFamily="2" charset="-127"/>
-                <a:ea typeface="AppleSDGothicNeoM00" panose="02000503000000000000" pitchFamily="2" charset="-127"/>
-              </a:rPr>
-              <a:t>2. Access Token </a:t>
-            </a:r>
-            <a:r>
-              <a:rPr lang="ko-KR" altLang="en-US" sz="1400" dirty="0">
-                <a:latin typeface="AppleSDGothicNeoM00" panose="02000503000000000000" pitchFamily="2" charset="-127"/>
-                <a:ea typeface="AppleSDGothicNeoM00" panose="02000503000000000000" pitchFamily="2" charset="-127"/>
-              </a:rPr>
-              <a:t>응답</a:t>
-            </a:r>
-          </a:p>
-        </p:txBody>
-      </p:sp>
-      <p:cxnSp>
-        <p:nvCxnSpPr>
-          <p:cNvPr id="31" name="직선 화살표 연결선 30">
-            <a:extLst>
-              <a:ext uri="{FF2B5EF4-FFF2-40B4-BE49-F238E27FC236}">
-                <a16:creationId xmlns:a16="http://schemas.microsoft.com/office/drawing/2014/main" id="{0FC0E33A-4499-491D-B4B1-554A97BB36B3}"/>
-              </a:ext>
-            </a:extLst>
-          </p:cNvPr>
-          <p:cNvCxnSpPr>
-            <a:cxnSpLocks/>
-          </p:cNvCxnSpPr>
-          <p:nvPr/>
-        </p:nvCxnSpPr>
-        <p:spPr>
-          <a:xfrm>
-            <a:off x="2272230" y="4485888"/>
-            <a:ext cx="7632975" cy="0"/>
-          </a:xfrm>
-          <a:prstGeom prst="straightConnector1">
-            <a:avLst/>
-          </a:prstGeom>
-          <a:ln w="12700">
-            <a:solidFill>
-              <a:schemeClr val="tx1"/>
-            </a:solidFill>
+            <a:prstDash val="dash"/>
+            <a:headEnd type="triangle"/>
             <a:tailEnd type="triangle"/>
           </a:ln>
         </p:spPr>
@@ -9568,31 +9072,36 @@
       </p:cxnSp>
       <p:cxnSp>
         <p:nvCxnSpPr>
-          <p:cNvPr id="32" name="직선 화살표 연결선 31">
-            <a:extLst>
-              <a:ext uri="{FF2B5EF4-FFF2-40B4-BE49-F238E27FC236}">
-                <a16:creationId xmlns:a16="http://schemas.microsoft.com/office/drawing/2014/main" id="{F8FFE023-4499-4FB0-825A-2E9DFEB89707}"/>
+          <p:cNvPr id="51" name="연결선: 꺾임 50">
+            <a:extLst>
+              <a:ext uri="{FF2B5EF4-FFF2-40B4-BE49-F238E27FC236}">
+                <a16:creationId xmlns:a16="http://schemas.microsoft.com/office/drawing/2014/main" id="{D697DF41-5F83-40AD-9D82-4D565A4E471C}"/>
               </a:ext>
             </a:extLst>
           </p:cNvPr>
           <p:cNvCxnSpPr>
             <a:cxnSpLocks/>
+            <a:stCxn id="25" idx="3"/>
+            <a:endCxn id="39" idx="1"/>
           </p:cNvCxnSpPr>
           <p:nvPr/>
         </p:nvCxnSpPr>
         <p:spPr>
-          <a:xfrm flipH="1">
-            <a:off x="2272231" y="5095488"/>
-            <a:ext cx="7632974" cy="0"/>
-          </a:xfrm>
-          <a:prstGeom prst="straightConnector1">
-            <a:avLst/>
-          </a:prstGeom>
-          <a:ln w="12700">
+          <a:xfrm>
+            <a:off x="7029998" y="3428864"/>
+            <a:ext cx="1316561" cy="477321"/>
+          </a:xfrm>
+          <a:prstGeom prst="bentConnector3">
+            <a:avLst/>
+          </a:prstGeom>
+          <a:ln w="19050">
             <a:solidFill>
-              <a:schemeClr val="tx1"/>
+              <a:schemeClr val="bg2">
+                <a:lumMod val="50000"/>
+              </a:schemeClr>
             </a:solidFill>
-            <a:prstDash val="dashDot"/>
+            <a:prstDash val="dash"/>
+            <a:headEnd type="triangle"/>
             <a:tailEnd type="triangle"/>
           </a:ln>
         </p:spPr>
@@ -9611,133 +9120,324 @@
           </a:fontRef>
         </p:style>
       </p:cxnSp>
-      <p:sp>
-        <p:nvSpPr>
-          <p:cNvPr id="33" name="TextBox 32">
-            <a:extLst>
-              <a:ext uri="{FF2B5EF4-FFF2-40B4-BE49-F238E27FC236}">
-                <a16:creationId xmlns:a16="http://schemas.microsoft.com/office/drawing/2014/main" id="{9706A9FE-7BCE-44FD-BCC2-4EBC83CD0116}"/>
-              </a:ext>
-            </a:extLst>
-          </p:cNvPr>
-          <p:cNvSpPr txBox="1"/>
-          <p:nvPr/>
-        </p:nvSpPr>
-        <p:spPr>
-          <a:xfrm>
-            <a:off x="5425714" y="4172157"/>
-            <a:ext cx="1342035" cy="307777"/>
-          </a:xfrm>
-          <a:prstGeom prst="rect">
-            <a:avLst/>
-          </a:prstGeom>
-          <a:solidFill>
-            <a:schemeClr val="accent6">
-              <a:lumMod val="20000"/>
-              <a:lumOff val="80000"/>
-            </a:schemeClr>
-          </a:solidFill>
-        </p:spPr>
-        <p:txBody>
-          <a:bodyPr wrap="none" rtlCol="0">
-            <a:spAutoFit/>
-          </a:bodyPr>
-          <a:lstStyle/>
-          <a:p>
-            <a:pPr algn="ctr"/>
-            <a:r>
-              <a:rPr lang="en-US" altLang="ko-KR" sz="1400" dirty="0">
-                <a:latin typeface="AppleSDGothicNeoM00" panose="02000503000000000000" pitchFamily="2" charset="-127"/>
-                <a:ea typeface="AppleSDGothicNeoM00" panose="02000503000000000000" pitchFamily="2" charset="-127"/>
-              </a:rPr>
-              <a:t>3. </a:t>
-            </a:r>
-            <a:r>
-              <a:rPr lang="ko-KR" altLang="en-US" sz="1400" dirty="0">
-                <a:latin typeface="AppleSDGothicNeoM00" panose="02000503000000000000" pitchFamily="2" charset="-127"/>
-                <a:ea typeface="AppleSDGothicNeoM00" panose="02000503000000000000" pitchFamily="2" charset="-127"/>
-              </a:rPr>
-              <a:t>요구자원 요청</a:t>
-            </a:r>
-          </a:p>
-        </p:txBody>
-      </p:sp>
-      <p:sp>
-        <p:nvSpPr>
-          <p:cNvPr id="34" name="TextBox 33">
-            <a:extLst>
-              <a:ext uri="{FF2B5EF4-FFF2-40B4-BE49-F238E27FC236}">
-                <a16:creationId xmlns:a16="http://schemas.microsoft.com/office/drawing/2014/main" id="{682F6C6A-0C02-49DC-9842-4B103B8C0EEF}"/>
-              </a:ext>
-            </a:extLst>
-          </p:cNvPr>
-          <p:cNvSpPr txBox="1"/>
-          <p:nvPr/>
-        </p:nvSpPr>
-        <p:spPr>
-          <a:xfrm>
-            <a:off x="5409684" y="4787711"/>
-            <a:ext cx="1358065" cy="307777"/>
-          </a:xfrm>
-          <a:prstGeom prst="rect">
-            <a:avLst/>
-          </a:prstGeom>
-          <a:solidFill>
-            <a:schemeClr val="accent6">
-              <a:lumMod val="20000"/>
-              <a:lumOff val="80000"/>
-            </a:schemeClr>
-          </a:solidFill>
-        </p:spPr>
-        <p:txBody>
-          <a:bodyPr wrap="none" rtlCol="0">
-            <a:spAutoFit/>
-          </a:bodyPr>
-          <a:lstStyle/>
-          <a:p>
-            <a:pPr algn="ctr"/>
-            <a:r>
-              <a:rPr lang="en-US" altLang="ko-KR" sz="1400" dirty="0">
-                <a:latin typeface="AppleSDGothicNeoM00" panose="02000503000000000000" pitchFamily="2" charset="-127"/>
-                <a:ea typeface="AppleSDGothicNeoM00" panose="02000503000000000000" pitchFamily="2" charset="-127"/>
-              </a:rPr>
-              <a:t>4. </a:t>
-            </a:r>
-            <a:r>
-              <a:rPr lang="ko-KR" altLang="en-US" sz="1400" dirty="0">
-                <a:latin typeface="AppleSDGothicNeoM00" panose="02000503000000000000" pitchFamily="2" charset="-127"/>
-                <a:ea typeface="AppleSDGothicNeoM00" panose="02000503000000000000" pitchFamily="2" charset="-127"/>
-              </a:rPr>
-              <a:t>요구자원 반환</a:t>
-            </a:r>
-          </a:p>
-        </p:txBody>
-      </p:sp>
-      <p:sp>
-        <p:nvSpPr>
-          <p:cNvPr id="37" name="직사각형 36">
-            <a:extLst>
-              <a:ext uri="{FF2B5EF4-FFF2-40B4-BE49-F238E27FC236}">
-                <a16:creationId xmlns:a16="http://schemas.microsoft.com/office/drawing/2014/main" id="{6ABD7C9C-A973-4933-8F3D-F2BAE03B996E}"/>
-              </a:ext>
-            </a:extLst>
-          </p:cNvPr>
-          <p:cNvSpPr/>
-          <p:nvPr/>
-        </p:nvSpPr>
-        <p:spPr>
-          <a:xfrm>
-            <a:off x="1847851" y="3924303"/>
-            <a:ext cx="8540750" cy="1638298"/>
-          </a:xfrm>
-          <a:prstGeom prst="rect">
-            <a:avLst/>
-          </a:prstGeom>
-          <a:noFill/>
+      <p:cxnSp>
+        <p:nvCxnSpPr>
+          <p:cNvPr id="54" name="연결선: 꺾임 53">
+            <a:extLst>
+              <a:ext uri="{FF2B5EF4-FFF2-40B4-BE49-F238E27FC236}">
+                <a16:creationId xmlns:a16="http://schemas.microsoft.com/office/drawing/2014/main" id="{A7E79C3A-BADA-4776-805F-760B5CE53F15}"/>
+              </a:ext>
+            </a:extLst>
+          </p:cNvPr>
+          <p:cNvCxnSpPr>
+            <a:cxnSpLocks/>
+            <a:stCxn id="25" idx="3"/>
+            <a:endCxn id="40" idx="1"/>
+          </p:cNvCxnSpPr>
+          <p:nvPr/>
+        </p:nvCxnSpPr>
+        <p:spPr>
+          <a:xfrm>
+            <a:off x="7029998" y="3428864"/>
+            <a:ext cx="1316561" cy="1443124"/>
+          </a:xfrm>
+          <a:prstGeom prst="bentConnector3">
+            <a:avLst/>
+          </a:prstGeom>
           <a:ln w="19050">
             <a:solidFill>
-              <a:schemeClr val="tx1"/>
+              <a:schemeClr val="bg2">
+                <a:lumMod val="50000"/>
+              </a:schemeClr>
             </a:solidFill>
+            <a:prstDash val="dash"/>
+            <a:headEnd type="triangle"/>
+            <a:tailEnd type="triangle"/>
+          </a:ln>
+        </p:spPr>
+        <p:style>
+          <a:lnRef idx="1">
+            <a:schemeClr val="accent1"/>
+          </a:lnRef>
+          <a:fillRef idx="0">
+            <a:schemeClr val="accent1"/>
+          </a:fillRef>
+          <a:effectRef idx="0">
+            <a:schemeClr val="accent1"/>
+          </a:effectRef>
+          <a:fontRef idx="minor">
+            <a:schemeClr val="tx1"/>
+          </a:fontRef>
+        </p:style>
+      </p:cxnSp>
+      <p:pic>
+        <p:nvPicPr>
+          <p:cNvPr id="57" name="그래픽 56" descr="DVD 플레이어">
+            <a:extLst>
+              <a:ext uri="{FF2B5EF4-FFF2-40B4-BE49-F238E27FC236}">
+                <a16:creationId xmlns:a16="http://schemas.microsoft.com/office/drawing/2014/main" id="{23333EE5-2BE0-4161-8D7C-BA9DC676AE05}"/>
+              </a:ext>
+            </a:extLst>
+          </p:cNvPr>
+          <p:cNvPicPr>
+            <a:picLocks noChangeAspect="1"/>
+          </p:cNvPicPr>
+          <p:nvPr/>
+        </p:nvPicPr>
+        <p:blipFill>
+          <a:blip r:embed="rId8">
+            <a:extLst>
+              <a:ext uri="{28A0092B-C50C-407E-A947-70E740481C1C}">
+                <a14:useLocalDpi xmlns:a14="http://schemas.microsoft.com/office/drawing/2010/main" val="0"/>
+              </a:ext>
+              <a:ext uri="{96DAC541-7B7A-43D3-8B79-37D633B846F1}">
+                <asvg:svgBlip xmlns:asvg="http://schemas.microsoft.com/office/drawing/2016/SVG/main" r:embed="rId9"/>
+              </a:ext>
+            </a:extLst>
+          </a:blip>
+          <a:stretch>
+            <a:fillRect/>
+          </a:stretch>
+        </p:blipFill>
+        <p:spPr>
+          <a:xfrm>
+            <a:off x="8966469" y="667404"/>
+            <a:ext cx="685800" cy="685800"/>
+          </a:xfrm>
+          <a:prstGeom prst="rect">
+            <a:avLst/>
+          </a:prstGeom>
+        </p:spPr>
+      </p:pic>
+      <p:pic>
+        <p:nvPicPr>
+          <p:cNvPr id="1028" name="Picture 4">
+            <a:extLst>
+              <a:ext uri="{FF2B5EF4-FFF2-40B4-BE49-F238E27FC236}">
+                <a16:creationId xmlns:a16="http://schemas.microsoft.com/office/drawing/2014/main" id="{0656E7D1-A62C-4DFE-83BE-6C9327C4BDBD}"/>
+              </a:ext>
+            </a:extLst>
+          </p:cNvPr>
+          <p:cNvPicPr>
+            <a:picLocks noChangeAspect="1" noChangeArrowheads="1"/>
+          </p:cNvPicPr>
+          <p:nvPr/>
+        </p:nvPicPr>
+        <p:blipFill>
+          <a:blip r:embed="rId10">
+            <a:extLst>
+              <a:ext uri="{BEBA8EAE-BF5A-486C-A8C5-ECC9F3942E4B}">
+                <a14:imgProps xmlns:a14="http://schemas.microsoft.com/office/drawing/2010/main">
+                  <a14:imgLayer r:embed="rId11">
+                    <a14:imgEffect>
+                      <a14:brightnessContrast bright="100000"/>
+                    </a14:imgEffect>
+                  </a14:imgLayer>
+                </a14:imgProps>
+              </a:ext>
+              <a:ext uri="{28A0092B-C50C-407E-A947-70E740481C1C}">
+                <a14:useLocalDpi xmlns:a14="http://schemas.microsoft.com/office/drawing/2010/main" val="0"/>
+              </a:ext>
+            </a:extLst>
+          </a:blip>
+          <a:srcRect/>
+          <a:stretch>
+            <a:fillRect/>
+          </a:stretch>
+        </p:blipFill>
+        <p:spPr bwMode="auto">
+          <a:xfrm>
+            <a:off x="9098792" y="1799894"/>
+            <a:ext cx="420304" cy="371692"/>
+          </a:xfrm>
+          <a:prstGeom prst="rect">
+            <a:avLst/>
+          </a:prstGeom>
+          <a:noFill/>
+          <a:extLst>
+            <a:ext uri="{909E8E84-426E-40DD-AFC4-6F175D3DCCD1}">
+              <a14:hiddenFill xmlns:a14="http://schemas.microsoft.com/office/drawing/2010/main">
+                <a:solidFill>
+                  <a:srgbClr val="FFFFFF"/>
+                </a:solidFill>
+              </a14:hiddenFill>
+            </a:ext>
+          </a:extLst>
+        </p:spPr>
+      </p:pic>
+      <p:pic>
+        <p:nvPicPr>
+          <p:cNvPr id="1030" name="Picture 6" descr="구글 이미지 검색으로 인물의 정보를 얻을 수 있다 : 네이버 블로그">
+            <a:extLst>
+              <a:ext uri="{FF2B5EF4-FFF2-40B4-BE49-F238E27FC236}">
+                <a16:creationId xmlns:a16="http://schemas.microsoft.com/office/drawing/2014/main" id="{94A87613-A769-4B99-8CCF-E26F04378D94}"/>
+              </a:ext>
+            </a:extLst>
+          </p:cNvPr>
+          <p:cNvPicPr>
+            <a:picLocks noChangeAspect="1" noChangeArrowheads="1"/>
+          </p:cNvPicPr>
+          <p:nvPr/>
+        </p:nvPicPr>
+        <p:blipFill>
+          <a:blip r:embed="rId12">
+            <a:extLst>
+              <a:ext uri="{28A0092B-C50C-407E-A947-70E740481C1C}">
+                <a14:useLocalDpi xmlns:a14="http://schemas.microsoft.com/office/drawing/2010/main" val="0"/>
+              </a:ext>
+            </a:extLst>
+          </a:blip>
+          <a:srcRect/>
+          <a:stretch>
+            <a:fillRect/>
+          </a:stretch>
+        </p:blipFill>
+        <p:spPr bwMode="auto">
+          <a:xfrm>
+            <a:off x="9098792" y="2735807"/>
+            <a:ext cx="420304" cy="420304"/>
+          </a:xfrm>
+          <a:prstGeom prst="rect">
+            <a:avLst/>
+          </a:prstGeom>
+          <a:noFill/>
+          <a:extLst>
+            <a:ext uri="{909E8E84-426E-40DD-AFC4-6F175D3DCCD1}">
+              <a14:hiddenFill xmlns:a14="http://schemas.microsoft.com/office/drawing/2010/main">
+                <a:solidFill>
+                  <a:srgbClr val="FFFFFF"/>
+                </a:solidFill>
+              </a14:hiddenFill>
+            </a:ext>
+          </a:extLst>
+        </p:spPr>
+      </p:pic>
+      <p:pic>
+        <p:nvPicPr>
+          <p:cNvPr id="1034" name="Picture 10">
+            <a:extLst>
+              <a:ext uri="{FF2B5EF4-FFF2-40B4-BE49-F238E27FC236}">
+                <a16:creationId xmlns:a16="http://schemas.microsoft.com/office/drawing/2014/main" id="{B8BEA73A-26A6-42A9-AEF1-F23C9E9D0E1F}"/>
+              </a:ext>
+            </a:extLst>
+          </p:cNvPr>
+          <p:cNvPicPr>
+            <a:picLocks noChangeAspect="1" noChangeArrowheads="1"/>
+          </p:cNvPicPr>
+          <p:nvPr/>
+        </p:nvPicPr>
+        <p:blipFill>
+          <a:blip r:embed="rId13">
+            <a:extLst>
+              <a:ext uri="{28A0092B-C50C-407E-A947-70E740481C1C}">
+                <a14:useLocalDpi xmlns:a14="http://schemas.microsoft.com/office/drawing/2010/main" val="0"/>
+              </a:ext>
+            </a:extLst>
+          </a:blip>
+          <a:srcRect/>
+          <a:stretch>
+            <a:fillRect/>
+          </a:stretch>
+        </p:blipFill>
+        <p:spPr bwMode="auto">
+          <a:xfrm>
+            <a:off x="9098792" y="3715316"/>
+            <a:ext cx="420304" cy="386652"/>
+          </a:xfrm>
+          <a:prstGeom prst="rect">
+            <a:avLst/>
+          </a:prstGeom>
+          <a:noFill/>
+          <a:extLst>
+            <a:ext uri="{909E8E84-426E-40DD-AFC4-6F175D3DCCD1}">
+              <a14:hiddenFill xmlns:a14="http://schemas.microsoft.com/office/drawing/2010/main">
+                <a:solidFill>
+                  <a:srgbClr val="FFFFFF"/>
+                </a:solidFill>
+              </a14:hiddenFill>
+            </a:ext>
+          </a:extLst>
+        </p:spPr>
+      </p:pic>
+      <p:pic>
+        <p:nvPicPr>
+          <p:cNvPr id="1038" name="Picture 14">
+            <a:extLst>
+              <a:ext uri="{FF2B5EF4-FFF2-40B4-BE49-F238E27FC236}">
+                <a16:creationId xmlns:a16="http://schemas.microsoft.com/office/drawing/2014/main" id="{35830B67-6C6F-4C1A-BAF8-0A4DD144596A}"/>
+              </a:ext>
+            </a:extLst>
+          </p:cNvPr>
+          <p:cNvPicPr>
+            <a:picLocks noChangeAspect="1" noChangeArrowheads="1"/>
+          </p:cNvPicPr>
+          <p:nvPr/>
+        </p:nvPicPr>
+        <p:blipFill>
+          <a:blip r:embed="rId14">
+            <a:extLst>
+              <a:ext uri="{BEBA8EAE-BF5A-486C-A8C5-ECC9F3942E4B}">
+                <a14:imgProps xmlns:a14="http://schemas.microsoft.com/office/drawing/2010/main">
+                  <a14:imgLayer r:embed="rId15">
+                    <a14:imgEffect>
+                      <a14:brightnessContrast bright="100000"/>
+                    </a14:imgEffect>
+                  </a14:imgLayer>
+                </a14:imgProps>
+              </a:ext>
+              <a:ext uri="{28A0092B-C50C-407E-A947-70E740481C1C}">
+                <a14:useLocalDpi xmlns:a14="http://schemas.microsoft.com/office/drawing/2010/main" val="0"/>
+              </a:ext>
+            </a:extLst>
+          </a:blip>
+          <a:srcRect/>
+          <a:stretch>
+            <a:fillRect/>
+          </a:stretch>
+        </p:blipFill>
+        <p:spPr bwMode="auto">
+          <a:xfrm>
+            <a:off x="9098792" y="4655004"/>
+            <a:ext cx="420304" cy="433966"/>
+          </a:xfrm>
+          <a:prstGeom prst="rect">
+            <a:avLst/>
+          </a:prstGeom>
+          <a:noFill/>
+          <a:extLst>
+            <a:ext uri="{909E8E84-426E-40DD-AFC4-6F175D3DCCD1}">
+              <a14:hiddenFill xmlns:a14="http://schemas.microsoft.com/office/drawing/2010/main">
+                <a:solidFill>
+                  <a:srgbClr val="FFFFFF"/>
+                </a:solidFill>
+              </a14:hiddenFill>
+            </a:ext>
+          </a:extLst>
+        </p:spPr>
+      </p:pic>
+      <p:sp>
+        <p:nvSpPr>
+          <p:cNvPr id="65" name="직사각형 64">
+            <a:extLst>
+              <a:ext uri="{FF2B5EF4-FFF2-40B4-BE49-F238E27FC236}">
+                <a16:creationId xmlns:a16="http://schemas.microsoft.com/office/drawing/2014/main" id="{41FA19AA-0938-4CEA-B6EF-A21CA3812EF5}"/>
+              </a:ext>
+            </a:extLst>
+          </p:cNvPr>
+          <p:cNvSpPr/>
+          <p:nvPr/>
+        </p:nvSpPr>
+        <p:spPr>
+          <a:xfrm>
+            <a:off x="529471" y="595116"/>
+            <a:ext cx="11133057" cy="5667768"/>
+          </a:xfrm>
+          <a:prstGeom prst="rect">
+            <a:avLst/>
+          </a:prstGeom>
+          <a:noFill/>
+          <a:ln>
+            <a:noFill/>
           </a:ln>
         </p:spPr>
         <p:style>
@@ -9765,52 +9465,10 @@
           </a:p>
         </p:txBody>
       </p:sp>
-      <p:sp>
-        <p:nvSpPr>
-          <p:cNvPr id="38" name="TextBox 37">
-            <a:extLst>
-              <a:ext uri="{FF2B5EF4-FFF2-40B4-BE49-F238E27FC236}">
-                <a16:creationId xmlns:a16="http://schemas.microsoft.com/office/drawing/2014/main" id="{204B1B3C-A24C-40FA-8192-8D64C5640F64}"/>
-              </a:ext>
-            </a:extLst>
-          </p:cNvPr>
-          <p:cNvSpPr txBox="1"/>
-          <p:nvPr/>
-        </p:nvSpPr>
-        <p:spPr>
-          <a:xfrm>
-            <a:off x="8443327" y="3466361"/>
-            <a:ext cx="1401346" cy="369332"/>
-          </a:xfrm>
-          <a:prstGeom prst="rect">
-            <a:avLst/>
-          </a:prstGeom>
-          <a:noFill/>
-        </p:spPr>
-        <p:txBody>
-          <a:bodyPr wrap="none" rtlCol="0">
-            <a:spAutoFit/>
-          </a:bodyPr>
-          <a:lstStyle/>
-          <a:p>
-            <a:pPr algn="ctr"/>
-            <a:r>
-              <a:rPr lang="ko-KR" altLang="en-US" dirty="0">
-                <a:solidFill>
-                  <a:srgbClr val="0070C0"/>
-                </a:solidFill>
-                <a:latin typeface="AppleSDGothicNeoM00" panose="02000503000000000000" pitchFamily="2" charset="-127"/>
-                <a:ea typeface="AppleSDGothicNeoM00" panose="02000503000000000000" pitchFamily="2" charset="-127"/>
-              </a:rPr>
-              <a:t>♻ 반복 수행</a:t>
-            </a:r>
-          </a:p>
-        </p:txBody>
-      </p:sp>
     </p:spTree>
     <p:extLst>
       <p:ext uri="{BB962C8B-B14F-4D97-AF65-F5344CB8AC3E}">
-        <p14:creationId xmlns:p14="http://schemas.microsoft.com/office/powerpoint/2010/main" val="2538497918"/>
+        <p14:creationId xmlns:p14="http://schemas.microsoft.com/office/powerpoint/2010/main" val="1841225484"/>
       </p:ext>
     </p:extLst>
   </p:cSld>
